--- a/Web/JavaScript-Notes.pptx
+++ b/Web/JavaScript-Notes.pptx
@@ -8,7 +8,7 @@
     <p:notesMasterId r:id="rId4"/>
   </p:notesMasterIdLst>
   <p:handoutMasterIdLst>
-    <p:handoutMasterId r:id="rId19"/>
+    <p:handoutMasterId r:id="rId24"/>
   </p:handoutMasterIdLst>
   <p:sldIdLst>
     <p:sldId id="256" r:id="rId3"/>
@@ -26,6 +26,11 @@
     <p:sldId id="276" r:id="rId16"/>
     <p:sldId id="267" r:id="rId17"/>
     <p:sldId id="283" r:id="rId18"/>
+    <p:sldId id="290" r:id="rId19"/>
+    <p:sldId id="291" r:id="rId20"/>
+    <p:sldId id="289" r:id="rId21"/>
+    <p:sldId id="292" r:id="rId22"/>
+    <p:sldId id="293" r:id="rId23"/>
   </p:sldIdLst>
   <p:sldSz cx="12192000" cy="6858000"/>
   <p:notesSz cx="6858000" cy="9144000"/>
@@ -3752,10 +3757,15 @@
             </p:custDataLst>
           </p:nvPr>
         </p:nvSpPr>
-        <p:spPr/>
+        <p:spPr>
+          <a:xfrm>
+            <a:off x="1524000" y="5416810"/>
+            <a:ext cx="9144000" cy="376237"/>
+          </a:xfrm>
+        </p:spPr>
         <p:txBody>
           <a:bodyPr>
-            <a:normAutofit/>
+            <a:noAutofit/>
           </a:bodyPr>
           <a:p>
             <a:pPr marL="0" indent="0" algn="ctr">
@@ -3771,18 +3781,37 @@
               <a:buSzPct val="100000"/>
             </a:pPr>
             <a:r>
-              <a:rPr lang="en-US" altLang="zh-CN" sz="1700" smtClean="0"/>
+              <a:rPr lang="en-US" altLang="zh-CN" sz="1800" smtClean="0"/>
+              <a:t>Sparks Lu</a:t>
+            </a:r>
+            <a:endParaRPr lang="en-US" altLang="zh-CN" sz="1800" smtClean="0"/>
+          </a:p>
+          <a:p>
+            <a:pPr marL="0" indent="0" algn="ctr">
+              <a:lnSpc>
+                <a:spcPct val="90000"/>
+              </a:lnSpc>
+              <a:spcBef>
+                <a:spcPts val="1000"/>
+              </a:spcBef>
+              <a:spcAft>
+                <a:spcPts val="0"/>
+              </a:spcAft>
+              <a:buSzPct val="100000"/>
+            </a:pPr>
+            <a:r>
+              <a:rPr lang="en-US" altLang="zh-CN" sz="1800" smtClean="0"/>
               <a:t>Last updated: 7/</a:t>
             </a:r>
             <a:r>
-              <a:rPr lang="en-US" altLang="en-US" sz="1700" smtClean="0"/>
+              <a:rPr lang="en-US" altLang="en-US" sz="1800" smtClean="0"/>
               <a:t>30</a:t>
             </a:r>
             <a:r>
-              <a:rPr lang="en-US" altLang="zh-CN" sz="1700" smtClean="0"/>
+              <a:rPr lang="en-US" altLang="zh-CN" sz="1800" smtClean="0"/>
               <a:t>/2019</a:t>
             </a:r>
-            <a:endParaRPr lang="en-US" altLang="zh-CN" sz="1700" smtClean="0"/>
+            <a:endParaRPr lang="en-US" altLang="zh-CN" sz="1800" smtClean="0"/>
           </a:p>
         </p:txBody>
       </p:sp>
@@ -4476,6 +4505,1673 @@
 </p:sld>
 </file>
 
+<file path=ppt/slides/slide16.xml><?xml version="1.0" encoding="utf-8"?>
+<p:sld xmlns:a="http://schemas.openxmlformats.org/drawingml/2006/main" xmlns:r="http://schemas.openxmlformats.org/officeDocument/2006/relationships" xmlns:p="http://schemas.openxmlformats.org/presentationml/2006/main">
+  <p:cSld>
+    <p:spTree>
+      <p:nvGrpSpPr>
+        <p:cNvPr id="1" name=""/>
+        <p:cNvGrpSpPr/>
+        <p:nvPr/>
+      </p:nvGrpSpPr>
+      <p:grpSpPr/>
+      <p:sp>
+        <p:nvSpPr>
+          <p:cNvPr id="4" name="标题 3"/>
+          <p:cNvSpPr>
+            <a:spLocks noGrp="1"/>
+          </p:cNvSpPr>
+          <p:nvPr>
+            <p:ph type="title"/>
+          </p:nvPr>
+        </p:nvSpPr>
+        <p:spPr/>
+        <p:txBody>
+          <a:bodyPr/>
+          <a:p>
+            <a:r>
+              <a:rPr lang="en-US" altLang="zh-CN"/>
+              <a:t>3D</a:t>
+            </a:r>
+            <a:endParaRPr lang="en-US" altLang="zh-CN"/>
+          </a:p>
+        </p:txBody>
+      </p:sp>
+      <p:sp>
+        <p:nvSpPr>
+          <p:cNvPr id="5" name="文本占位符 4"/>
+          <p:cNvSpPr>
+            <a:spLocks noGrp="1"/>
+          </p:cNvSpPr>
+          <p:nvPr>
+            <p:ph type="body" idx="1"/>
+          </p:nvPr>
+        </p:nvSpPr>
+        <p:spPr/>
+        <p:txBody>
+          <a:bodyPr/>
+          <a:p>
+            <a:endParaRPr lang="zh-CN" altLang="en-US"/>
+          </a:p>
+        </p:txBody>
+      </p:sp>
+    </p:spTree>
+    <p:custDataLst>
+      <p:tags r:id="rId1"/>
+    </p:custDataLst>
+  </p:cSld>
+  <p:clrMapOvr>
+    <a:masterClrMapping/>
+  </p:clrMapOvr>
+</p:sld>
+</file>
+
+<file path=ppt/slides/slide17.xml><?xml version="1.0" encoding="utf-8"?>
+<p:sld xmlns:a="http://schemas.openxmlformats.org/drawingml/2006/main" xmlns:r="http://schemas.openxmlformats.org/officeDocument/2006/relationships" xmlns:p="http://schemas.openxmlformats.org/presentationml/2006/main">
+  <p:cSld>
+    <p:spTree>
+      <p:nvGrpSpPr>
+        <p:cNvPr id="1" name=""/>
+        <p:cNvGrpSpPr/>
+        <p:nvPr/>
+      </p:nvGrpSpPr>
+      <p:grpSpPr/>
+      <p:sp>
+        <p:nvSpPr>
+          <p:cNvPr id="4" name="标题 3"/>
+          <p:cNvSpPr>
+            <a:spLocks noGrp="1"/>
+          </p:cNvSpPr>
+          <p:nvPr>
+            <p:ph type="title"/>
+          </p:nvPr>
+        </p:nvSpPr>
+        <p:spPr/>
+        <p:txBody>
+          <a:bodyPr/>
+          <a:p>
+            <a:r>
+              <a:rPr lang="en-US" altLang="zh-CN"/>
+              <a:t>Overview</a:t>
+            </a:r>
+            <a:endParaRPr lang="en-US" altLang="zh-CN"/>
+          </a:p>
+        </p:txBody>
+      </p:sp>
+      <p:sp>
+        <p:nvSpPr>
+          <p:cNvPr id="5" name="内容占位符 4"/>
+          <p:cNvSpPr>
+            <a:spLocks noGrp="1"/>
+          </p:cNvSpPr>
+          <p:nvPr>
+            <p:ph idx="1"/>
+          </p:nvPr>
+        </p:nvSpPr>
+        <p:spPr/>
+        <p:txBody>
+          <a:bodyPr>
+            <a:normAutofit lnSpcReduction="10000"/>
+          </a:bodyPr>
+          <a:p>
+            <a:r>
+              <a:rPr lang="en-US" altLang="zh-CN"/>
+              <a:t>General framework</a:t>
+            </a:r>
+            <a:endParaRPr lang="en-US" altLang="zh-CN"/>
+          </a:p>
+          <a:p>
+            <a:pPr lvl="1"/>
+            <a:r>
+              <a:rPr lang="en-US" altLang="zh-CN"/>
+              <a:t>Three.js</a:t>
+            </a:r>
+            <a:endParaRPr lang="en-US" altLang="zh-CN"/>
+          </a:p>
+          <a:p>
+            <a:pPr lvl="1"/>
+            <a:r>
+              <a:rPr lang="en-US" altLang="zh-CN"/>
+              <a:t>A-F</a:t>
+            </a:r>
+            <a:r>
+              <a:rPr lang="en-US" altLang="zh-CN"/>
+              <a:t>rame</a:t>
+            </a:r>
+            <a:endParaRPr lang="en-US" altLang="zh-CN"/>
+          </a:p>
+          <a:p>
+            <a:pPr lvl="2"/>
+            <a:r>
+              <a:rPr lang="en-US" altLang="zh-CN"/>
+              <a:t>https://aframe.io/</a:t>
+            </a:r>
+            <a:endParaRPr lang="en-US" altLang="zh-CN"/>
+          </a:p>
+          <a:p>
+            <a:pPr lvl="2"/>
+            <a:r>
+              <a:rPr lang="en-US" altLang="zh-CN"/>
+              <a:t>https://github.com/aframevr/aframe</a:t>
+            </a:r>
+            <a:endParaRPr lang="en-US" altLang="zh-CN"/>
+          </a:p>
+          <a:p>
+            <a:pPr lvl="1"/>
+            <a:r>
+              <a:rPr lang="en-US" altLang="zh-CN"/>
+              <a:t>PlayCanvas</a:t>
+            </a:r>
+            <a:endParaRPr lang="en-US" altLang="zh-CN"/>
+          </a:p>
+          <a:p>
+            <a:pPr lvl="2"/>
+            <a:r>
+              <a:rPr lang="en-US" altLang="zh-CN"/>
+              <a:t>https://playcanvas.com/</a:t>
+            </a:r>
+            <a:endParaRPr lang="en-US" altLang="zh-CN"/>
+          </a:p>
+          <a:p>
+            <a:pPr lvl="2"/>
+            <a:r>
+              <a:rPr lang="en-US" altLang="zh-CN"/>
+              <a:t>https://github.com/playcanvas/engine</a:t>
+            </a:r>
+            <a:endParaRPr lang="en-US" altLang="zh-CN"/>
+          </a:p>
+          <a:p>
+            <a:pPr lvl="1"/>
+            <a:r>
+              <a:rPr lang="en-US" altLang="zh-CN" sz="2000"/>
+              <a:t>Babylon.js</a:t>
+            </a:r>
+            <a:endParaRPr lang="en-US" altLang="zh-CN" sz="2000"/>
+          </a:p>
+          <a:p>
+            <a:pPr lvl="2"/>
+            <a:r>
+              <a:rPr lang="en-US" altLang="zh-CN"/>
+              <a:t>http://www.babylonjs.com/</a:t>
+            </a:r>
+            <a:endParaRPr lang="en-US" altLang="zh-CN"/>
+          </a:p>
+          <a:p>
+            <a:pPr lvl="0"/>
+            <a:r>
+              <a:rPr lang="en-US" altLang="zh-CN"/>
+              <a:t>3D Model View</a:t>
+            </a:r>
+            <a:endParaRPr lang="en-US" altLang="zh-CN"/>
+          </a:p>
+          <a:p>
+            <a:pPr lvl="1"/>
+            <a:r>
+              <a:rPr lang="en-US" altLang="zh-CN" sz="2000"/>
+              <a:t>Google ModelViewer</a:t>
+            </a:r>
+            <a:endParaRPr lang="en-US" altLang="zh-CN" sz="2000"/>
+          </a:p>
+          <a:p>
+            <a:pPr lvl="2"/>
+            <a:r>
+              <a:rPr lang="en-US" altLang="zh-CN"/>
+              <a:t>https://modelviewer.dev/</a:t>
+            </a:r>
+            <a:endParaRPr lang="en-US" altLang="zh-CN"/>
+          </a:p>
+          <a:p>
+            <a:pPr lvl="0"/>
+            <a:r>
+              <a:rPr lang="en-US" altLang="zh-CN"/>
+              <a:t>https://manu.ninja/25-real-world-applications-using-webgl</a:t>
+            </a:r>
+            <a:endParaRPr lang="en-US" altLang="zh-CN"/>
+          </a:p>
+        </p:txBody>
+      </p:sp>
+    </p:spTree>
+    <p:custDataLst>
+      <p:tags r:id="rId1"/>
+    </p:custDataLst>
+  </p:cSld>
+  <p:clrMapOvr>
+    <a:masterClrMapping/>
+  </p:clrMapOvr>
+</p:sld>
+</file>
+
+<file path=ppt/slides/slide18.xml><?xml version="1.0" encoding="utf-8"?>
+<p:sld xmlns:a="http://schemas.openxmlformats.org/drawingml/2006/main" xmlns:r="http://schemas.openxmlformats.org/officeDocument/2006/relationships" xmlns:p="http://schemas.openxmlformats.org/presentationml/2006/main">
+  <p:cSld>
+    <p:spTree>
+      <p:nvGrpSpPr>
+        <p:cNvPr id="1" name=""/>
+        <p:cNvGrpSpPr/>
+        <p:nvPr/>
+      </p:nvGrpSpPr>
+      <p:grpSpPr/>
+      <p:sp>
+        <p:nvSpPr>
+          <p:cNvPr id="2" name="标题 1"/>
+          <p:cNvSpPr>
+            <a:spLocks noGrp="1"/>
+          </p:cNvSpPr>
+          <p:nvPr>
+            <p:ph type="title"/>
+          </p:nvPr>
+        </p:nvSpPr>
+        <p:spPr/>
+        <p:txBody>
+          <a:bodyPr/>
+          <a:p>
+            <a:r>
+              <a:rPr lang="en-US" altLang="zh-CN"/>
+              <a:t>Three.js</a:t>
+            </a:r>
+            <a:endParaRPr lang="en-US" altLang="zh-CN"/>
+          </a:p>
+        </p:txBody>
+      </p:sp>
+      <p:sp>
+        <p:nvSpPr>
+          <p:cNvPr id="3" name="内容占位符 2"/>
+          <p:cNvSpPr>
+            <a:spLocks noGrp="1"/>
+          </p:cNvSpPr>
+          <p:nvPr>
+            <p:ph idx="1"/>
+          </p:nvPr>
+        </p:nvSpPr>
+        <p:spPr>
+          <a:xfrm>
+            <a:off x="838200" y="1254761"/>
+            <a:ext cx="10515600" cy="4549140"/>
+          </a:xfrm>
+        </p:spPr>
+        <p:txBody>
+          <a:bodyPr/>
+          <a:p>
+            <a:r>
+              <a:rPr lang="en-US" altLang="zh-CN"/>
+              <a:t>Ref</a:t>
+            </a:r>
+            <a:endParaRPr lang="en-US" altLang="zh-CN"/>
+          </a:p>
+          <a:p>
+            <a:pPr lvl="1"/>
+            <a:r>
+              <a:rPr lang="en-US" altLang="zh-CN"/>
+              <a:t>https://github.com/mrdoob/three.js/</a:t>
+            </a:r>
+            <a:endParaRPr lang="en-US" altLang="zh-CN"/>
+          </a:p>
+          <a:p>
+            <a:pPr lvl="1"/>
+            <a:r>
+              <a:rPr lang="en-US" altLang="zh-CN"/>
+              <a:t>https://threejs.org/</a:t>
+            </a:r>
+            <a:endParaRPr lang="en-US" altLang="zh-CN"/>
+          </a:p>
+        </p:txBody>
+      </p:sp>
+      <p:sp>
+        <p:nvSpPr>
+          <p:cNvPr id="4" name="流程图: 可选过程 3"/>
+          <p:cNvSpPr/>
+          <p:nvPr/>
+        </p:nvSpPr>
+        <p:spPr>
+          <a:xfrm>
+            <a:off x="3333750" y="2284730"/>
+            <a:ext cx="2435225" cy="939800"/>
+          </a:xfrm>
+          <a:prstGeom prst="flowChartAlternateProcess">
+            <a:avLst/>
+          </a:prstGeom>
+        </p:spPr>
+        <p:style>
+          <a:lnRef idx="2">
+            <a:schemeClr val="accent1">
+              <a:shade val="50000"/>
+            </a:schemeClr>
+          </a:lnRef>
+          <a:fillRef idx="1">
+            <a:schemeClr val="accent1"/>
+          </a:fillRef>
+          <a:effectRef idx="0">
+            <a:schemeClr val="accent1"/>
+          </a:effectRef>
+          <a:fontRef idx="minor">
+            <a:schemeClr val="lt1"/>
+          </a:fontRef>
+        </p:style>
+        <p:txBody>
+          <a:bodyPr rtlCol="0" anchor="ctr"/>
+          <a:p>
+            <a:pPr algn="ctr"/>
+            <a:r>
+              <a:rPr lang="en-US" altLang="zh-CN"/>
+              <a:t>PerspectiveCamera</a:t>
+            </a:r>
+            <a:endParaRPr lang="en-US" altLang="zh-CN"/>
+          </a:p>
+        </p:txBody>
+      </p:sp>
+      <p:sp>
+        <p:nvSpPr>
+          <p:cNvPr id="5" name="流程图: 可选过程 4"/>
+          <p:cNvSpPr/>
+          <p:nvPr/>
+        </p:nvSpPr>
+        <p:spPr>
+          <a:xfrm>
+            <a:off x="3333750" y="3828415"/>
+            <a:ext cx="2435225" cy="939800"/>
+          </a:xfrm>
+          <a:prstGeom prst="flowChartAlternateProcess">
+            <a:avLst/>
+          </a:prstGeom>
+        </p:spPr>
+        <p:style>
+          <a:lnRef idx="2">
+            <a:schemeClr val="accent1">
+              <a:shade val="50000"/>
+            </a:schemeClr>
+          </a:lnRef>
+          <a:fillRef idx="1">
+            <a:schemeClr val="accent1"/>
+          </a:fillRef>
+          <a:effectRef idx="0">
+            <a:schemeClr val="accent1"/>
+          </a:effectRef>
+          <a:fontRef idx="minor">
+            <a:schemeClr val="lt1"/>
+          </a:fontRef>
+        </p:style>
+        <p:txBody>
+          <a:bodyPr rtlCol="0" anchor="ctr"/>
+          <a:p>
+            <a:pPr algn="ctr"/>
+            <a:r>
+              <a:rPr lang="en-US" altLang="zh-CN"/>
+              <a:t>Scene</a:t>
+            </a:r>
+            <a:endParaRPr lang="en-US" altLang="zh-CN"/>
+          </a:p>
+        </p:txBody>
+      </p:sp>
+      <p:sp>
+        <p:nvSpPr>
+          <p:cNvPr id="6" name="流程图: 可选过程 5"/>
+          <p:cNvSpPr/>
+          <p:nvPr/>
+        </p:nvSpPr>
+        <p:spPr>
+          <a:xfrm>
+            <a:off x="414655" y="3834765"/>
+            <a:ext cx="2435225" cy="939800"/>
+          </a:xfrm>
+          <a:prstGeom prst="flowChartAlternateProcess">
+            <a:avLst/>
+          </a:prstGeom>
+        </p:spPr>
+        <p:style>
+          <a:lnRef idx="2">
+            <a:schemeClr val="accent1">
+              <a:shade val="50000"/>
+            </a:schemeClr>
+          </a:lnRef>
+          <a:fillRef idx="1">
+            <a:schemeClr val="accent1"/>
+          </a:fillRef>
+          <a:effectRef idx="0">
+            <a:schemeClr val="accent1"/>
+          </a:effectRef>
+          <a:fontRef idx="minor">
+            <a:schemeClr val="lt1"/>
+          </a:fontRef>
+        </p:style>
+        <p:txBody>
+          <a:bodyPr rtlCol="0" anchor="ctr"/>
+          <a:p>
+            <a:pPr algn="ctr"/>
+            <a:r>
+              <a:rPr lang="en-US" altLang="zh-CN"/>
+              <a:t>WebGLRenderer</a:t>
+            </a:r>
+            <a:endParaRPr lang="en-US" altLang="zh-CN"/>
+          </a:p>
+          <a:p>
+            <a:pPr algn="ctr"/>
+            <a:r>
+              <a:rPr lang="en-US" altLang="zh-CN"/>
+              <a:t>- render(scene, camera)</a:t>
+            </a:r>
+            <a:endParaRPr lang="en-US" altLang="zh-CN"/>
+          </a:p>
+        </p:txBody>
+      </p:sp>
+      <p:sp>
+        <p:nvSpPr>
+          <p:cNvPr id="7" name="流程图: 可选过程 6"/>
+          <p:cNvSpPr/>
+          <p:nvPr/>
+        </p:nvSpPr>
+        <p:spPr>
+          <a:xfrm>
+            <a:off x="6341110" y="3828415"/>
+            <a:ext cx="2435225" cy="939800"/>
+          </a:xfrm>
+          <a:prstGeom prst="flowChartAlternateProcess">
+            <a:avLst/>
+          </a:prstGeom>
+        </p:spPr>
+        <p:style>
+          <a:lnRef idx="2">
+            <a:schemeClr val="accent1">
+              <a:shade val="50000"/>
+            </a:schemeClr>
+          </a:lnRef>
+          <a:fillRef idx="1">
+            <a:schemeClr val="accent1"/>
+          </a:fillRef>
+          <a:effectRef idx="0">
+            <a:schemeClr val="accent1"/>
+          </a:effectRef>
+          <a:fontRef idx="minor">
+            <a:schemeClr val="lt1"/>
+          </a:fontRef>
+        </p:style>
+        <p:txBody>
+          <a:bodyPr rtlCol="0" anchor="ctr"/>
+          <a:p>
+            <a:pPr algn="ctr"/>
+            <a:r>
+              <a:rPr lang="en-US" altLang="zh-CN"/>
+              <a:t>Mesh</a:t>
+            </a:r>
+            <a:endParaRPr lang="en-US" altLang="zh-CN"/>
+          </a:p>
+          <a:p>
+            <a:pPr algn="ctr"/>
+            <a:r>
+              <a:rPr lang="en-US" altLang="zh-CN"/>
+              <a:t>- Mesh(geometry, material)</a:t>
+            </a:r>
+            <a:endParaRPr lang="en-US" altLang="zh-CN"/>
+          </a:p>
+        </p:txBody>
+      </p:sp>
+      <p:sp>
+        <p:nvSpPr>
+          <p:cNvPr id="8" name="流程图: 可选过程 7"/>
+          <p:cNvSpPr/>
+          <p:nvPr/>
+        </p:nvSpPr>
+        <p:spPr>
+          <a:xfrm>
+            <a:off x="9157970" y="2121535"/>
+            <a:ext cx="2435225" cy="469900"/>
+          </a:xfrm>
+          <a:prstGeom prst="flowChartAlternateProcess">
+            <a:avLst/>
+          </a:prstGeom>
+        </p:spPr>
+        <p:style>
+          <a:lnRef idx="2">
+            <a:schemeClr val="accent1">
+              <a:shade val="50000"/>
+            </a:schemeClr>
+          </a:lnRef>
+          <a:fillRef idx="1">
+            <a:schemeClr val="accent1"/>
+          </a:fillRef>
+          <a:effectRef idx="0">
+            <a:schemeClr val="accent1"/>
+          </a:effectRef>
+          <a:fontRef idx="minor">
+            <a:schemeClr val="lt1"/>
+          </a:fontRef>
+        </p:style>
+        <p:txBody>
+          <a:bodyPr rtlCol="0" anchor="ctr"/>
+          <a:p>
+            <a:pPr algn="ctr"/>
+            <a:r>
+              <a:rPr lang="en-US" altLang="zh-CN"/>
+              <a:t>BoxGeometry</a:t>
+            </a:r>
+            <a:endParaRPr lang="en-US" altLang="zh-CN"/>
+          </a:p>
+        </p:txBody>
+      </p:sp>
+      <p:sp>
+        <p:nvSpPr>
+          <p:cNvPr id="9" name="流程图: 可选过程 8"/>
+          <p:cNvSpPr/>
+          <p:nvPr/>
+        </p:nvSpPr>
+        <p:spPr>
+          <a:xfrm>
+            <a:off x="9157970" y="2923540"/>
+            <a:ext cx="2435225" cy="469900"/>
+          </a:xfrm>
+          <a:prstGeom prst="flowChartAlternateProcess">
+            <a:avLst/>
+          </a:prstGeom>
+        </p:spPr>
+        <p:style>
+          <a:lnRef idx="2">
+            <a:schemeClr val="accent1">
+              <a:shade val="50000"/>
+            </a:schemeClr>
+          </a:lnRef>
+          <a:fillRef idx="1">
+            <a:schemeClr val="accent1"/>
+          </a:fillRef>
+          <a:effectRef idx="0">
+            <a:schemeClr val="accent1"/>
+          </a:effectRef>
+          <a:fontRef idx="minor">
+            <a:schemeClr val="lt1"/>
+          </a:fontRef>
+        </p:style>
+        <p:txBody>
+          <a:bodyPr rtlCol="0" anchor="ctr"/>
+          <a:p>
+            <a:pPr algn="ctr"/>
+            <a:r>
+              <a:rPr lang="en-US" altLang="zh-CN"/>
+              <a:t>MeshNormalMaterial</a:t>
+            </a:r>
+            <a:endParaRPr lang="en-US" altLang="zh-CN"/>
+          </a:p>
+        </p:txBody>
+      </p:sp>
+      <p:cxnSp>
+        <p:nvCxnSpPr>
+          <p:cNvPr id="10" name="直接连接符 9"/>
+          <p:cNvCxnSpPr>
+            <a:stCxn id="6" idx="3"/>
+            <a:endCxn id="4" idx="1"/>
+          </p:cNvCxnSpPr>
+          <p:nvPr/>
+        </p:nvCxnSpPr>
+        <p:spPr>
+          <a:xfrm flipV="1">
+            <a:off x="2849880" y="2754630"/>
+            <a:ext cx="483870" cy="1550035"/>
+          </a:xfrm>
+          <a:prstGeom prst="line">
+            <a:avLst/>
+          </a:prstGeom>
+        </p:spPr>
+        <p:style>
+          <a:lnRef idx="1">
+            <a:schemeClr val="accent1"/>
+          </a:lnRef>
+          <a:fillRef idx="0">
+            <a:schemeClr val="accent1"/>
+          </a:fillRef>
+          <a:effectRef idx="0">
+            <a:schemeClr val="accent1"/>
+          </a:effectRef>
+          <a:fontRef idx="minor">
+            <a:schemeClr val="tx1"/>
+          </a:fontRef>
+        </p:style>
+      </p:cxnSp>
+      <p:cxnSp>
+        <p:nvCxnSpPr>
+          <p:cNvPr id="11" name="直接连接符 10"/>
+          <p:cNvCxnSpPr>
+            <a:stCxn id="6" idx="3"/>
+            <a:endCxn id="5" idx="1"/>
+          </p:cNvCxnSpPr>
+          <p:nvPr/>
+        </p:nvCxnSpPr>
+        <p:spPr>
+          <a:xfrm flipV="1">
+            <a:off x="2849880" y="4298315"/>
+            <a:ext cx="483870" cy="6350"/>
+          </a:xfrm>
+          <a:prstGeom prst="line">
+            <a:avLst/>
+          </a:prstGeom>
+        </p:spPr>
+        <p:style>
+          <a:lnRef idx="1">
+            <a:schemeClr val="accent1"/>
+          </a:lnRef>
+          <a:fillRef idx="0">
+            <a:schemeClr val="accent1"/>
+          </a:fillRef>
+          <a:effectRef idx="0">
+            <a:schemeClr val="accent1"/>
+          </a:effectRef>
+          <a:fontRef idx="minor">
+            <a:schemeClr val="tx1"/>
+          </a:fontRef>
+        </p:style>
+      </p:cxnSp>
+      <p:cxnSp>
+        <p:nvCxnSpPr>
+          <p:cNvPr id="12" name="直接连接符 11"/>
+          <p:cNvCxnSpPr>
+            <a:stCxn id="7" idx="1"/>
+            <a:endCxn id="5" idx="3"/>
+          </p:cNvCxnSpPr>
+          <p:nvPr/>
+        </p:nvCxnSpPr>
+        <p:spPr>
+          <a:xfrm flipH="1">
+            <a:off x="5768975" y="4298315"/>
+            <a:ext cx="572135" cy="0"/>
+          </a:xfrm>
+          <a:prstGeom prst="line">
+            <a:avLst/>
+          </a:prstGeom>
+        </p:spPr>
+        <p:style>
+          <a:lnRef idx="1">
+            <a:schemeClr val="accent1"/>
+          </a:lnRef>
+          <a:fillRef idx="0">
+            <a:schemeClr val="accent1"/>
+          </a:fillRef>
+          <a:effectRef idx="0">
+            <a:schemeClr val="accent1"/>
+          </a:effectRef>
+          <a:fontRef idx="minor">
+            <a:schemeClr val="tx1"/>
+          </a:fontRef>
+        </p:style>
+      </p:cxnSp>
+      <p:cxnSp>
+        <p:nvCxnSpPr>
+          <p:cNvPr id="13" name="直接连接符 12"/>
+          <p:cNvCxnSpPr>
+            <a:stCxn id="8" idx="1"/>
+            <a:endCxn id="7" idx="3"/>
+          </p:cNvCxnSpPr>
+          <p:nvPr/>
+        </p:nvCxnSpPr>
+        <p:spPr>
+          <a:xfrm flipH="1">
+            <a:off x="8776335" y="2356485"/>
+            <a:ext cx="381635" cy="1941830"/>
+          </a:xfrm>
+          <a:prstGeom prst="line">
+            <a:avLst/>
+          </a:prstGeom>
+        </p:spPr>
+        <p:style>
+          <a:lnRef idx="1">
+            <a:schemeClr val="accent1"/>
+          </a:lnRef>
+          <a:fillRef idx="0">
+            <a:schemeClr val="accent1"/>
+          </a:fillRef>
+          <a:effectRef idx="0">
+            <a:schemeClr val="accent1"/>
+          </a:effectRef>
+          <a:fontRef idx="minor">
+            <a:schemeClr val="tx1"/>
+          </a:fontRef>
+        </p:style>
+      </p:cxnSp>
+      <p:cxnSp>
+        <p:nvCxnSpPr>
+          <p:cNvPr id="14" name="直接连接符 13"/>
+          <p:cNvCxnSpPr>
+            <a:stCxn id="7" idx="3"/>
+            <a:endCxn id="9" idx="1"/>
+          </p:cNvCxnSpPr>
+          <p:nvPr/>
+        </p:nvCxnSpPr>
+        <p:spPr>
+          <a:xfrm flipV="1">
+            <a:off x="8776335" y="3158490"/>
+            <a:ext cx="381635" cy="1139825"/>
+          </a:xfrm>
+          <a:prstGeom prst="line">
+            <a:avLst/>
+          </a:prstGeom>
+        </p:spPr>
+        <p:style>
+          <a:lnRef idx="1">
+            <a:schemeClr val="accent1"/>
+          </a:lnRef>
+          <a:fillRef idx="0">
+            <a:schemeClr val="accent1"/>
+          </a:fillRef>
+          <a:effectRef idx="0">
+            <a:schemeClr val="accent1"/>
+          </a:effectRef>
+          <a:fontRef idx="minor">
+            <a:schemeClr val="tx1"/>
+          </a:fontRef>
+        </p:style>
+      </p:cxnSp>
+      <p:sp>
+        <p:nvSpPr>
+          <p:cNvPr id="15" name="流程图: 可选过程 14"/>
+          <p:cNvSpPr/>
+          <p:nvPr/>
+        </p:nvSpPr>
+        <p:spPr>
+          <a:xfrm>
+            <a:off x="6341110" y="2651125"/>
+            <a:ext cx="2435225" cy="939800"/>
+          </a:xfrm>
+          <a:prstGeom prst="flowChartAlternateProcess">
+            <a:avLst/>
+          </a:prstGeom>
+        </p:spPr>
+        <p:style>
+          <a:lnRef idx="2">
+            <a:schemeClr val="accent1">
+              <a:shade val="50000"/>
+            </a:schemeClr>
+          </a:lnRef>
+          <a:fillRef idx="1">
+            <a:schemeClr val="accent1"/>
+          </a:fillRef>
+          <a:effectRef idx="0">
+            <a:schemeClr val="accent1"/>
+          </a:effectRef>
+          <a:fontRef idx="minor">
+            <a:schemeClr val="lt1"/>
+          </a:fontRef>
+        </p:style>
+        <p:txBody>
+          <a:bodyPr rtlCol="0" anchor="ctr"/>
+          <a:p>
+            <a:pPr algn="ctr"/>
+            <a:r>
+              <a:rPr lang="en-US" altLang="zh-CN"/>
+              <a:t>AmbientLight</a:t>
+            </a:r>
+            <a:endParaRPr lang="en-US" altLang="zh-CN"/>
+          </a:p>
+        </p:txBody>
+      </p:sp>
+      <p:cxnSp>
+        <p:nvCxnSpPr>
+          <p:cNvPr id="16" name="直接连接符 15"/>
+          <p:cNvCxnSpPr>
+            <a:stCxn id="15" idx="1"/>
+            <a:endCxn id="5" idx="3"/>
+          </p:cNvCxnSpPr>
+          <p:nvPr/>
+        </p:nvCxnSpPr>
+        <p:spPr>
+          <a:xfrm flipH="1">
+            <a:off x="5768975" y="3121025"/>
+            <a:ext cx="572135" cy="1177290"/>
+          </a:xfrm>
+          <a:prstGeom prst="line">
+            <a:avLst/>
+          </a:prstGeom>
+        </p:spPr>
+        <p:style>
+          <a:lnRef idx="1">
+            <a:schemeClr val="accent1"/>
+          </a:lnRef>
+          <a:fillRef idx="0">
+            <a:schemeClr val="accent1"/>
+          </a:fillRef>
+          <a:effectRef idx="0">
+            <a:schemeClr val="accent1"/>
+          </a:effectRef>
+          <a:fontRef idx="minor">
+            <a:schemeClr val="tx1"/>
+          </a:fontRef>
+        </p:style>
+      </p:cxnSp>
+      <p:sp>
+        <p:nvSpPr>
+          <p:cNvPr id="17" name="流程图: 可选过程 16"/>
+          <p:cNvSpPr/>
+          <p:nvPr/>
+        </p:nvSpPr>
+        <p:spPr>
+          <a:xfrm>
+            <a:off x="6341110" y="1548130"/>
+            <a:ext cx="2435225" cy="939800"/>
+          </a:xfrm>
+          <a:prstGeom prst="flowChartAlternateProcess">
+            <a:avLst/>
+          </a:prstGeom>
+        </p:spPr>
+        <p:style>
+          <a:lnRef idx="2">
+            <a:schemeClr val="accent1">
+              <a:shade val="50000"/>
+            </a:schemeClr>
+          </a:lnRef>
+          <a:fillRef idx="1">
+            <a:schemeClr val="accent1"/>
+          </a:fillRef>
+          <a:effectRef idx="0">
+            <a:schemeClr val="accent1"/>
+          </a:effectRef>
+          <a:fontRef idx="minor">
+            <a:schemeClr val="lt1"/>
+          </a:fontRef>
+        </p:style>
+        <p:txBody>
+          <a:bodyPr rtlCol="0" anchor="ctr"/>
+          <a:p>
+            <a:pPr algn="ctr"/>
+            <a:r>
+              <a:rPr lang="en-US" altLang="zh-CN"/>
+              <a:t>DirectionalLight</a:t>
+            </a:r>
+            <a:endParaRPr lang="en-US" altLang="zh-CN"/>
+          </a:p>
+        </p:txBody>
+      </p:sp>
+      <p:cxnSp>
+        <p:nvCxnSpPr>
+          <p:cNvPr id="18" name="直接连接符 17"/>
+          <p:cNvCxnSpPr>
+            <a:stCxn id="17" idx="1"/>
+            <a:endCxn id="5" idx="3"/>
+          </p:cNvCxnSpPr>
+          <p:nvPr/>
+        </p:nvCxnSpPr>
+        <p:spPr>
+          <a:xfrm flipH="1">
+            <a:off x="5768975" y="2018030"/>
+            <a:ext cx="572135" cy="2280285"/>
+          </a:xfrm>
+          <a:prstGeom prst="line">
+            <a:avLst/>
+          </a:prstGeom>
+        </p:spPr>
+        <p:style>
+          <a:lnRef idx="1">
+            <a:schemeClr val="accent1"/>
+          </a:lnRef>
+          <a:fillRef idx="0">
+            <a:schemeClr val="accent1"/>
+          </a:fillRef>
+          <a:effectRef idx="0">
+            <a:schemeClr val="accent1"/>
+          </a:effectRef>
+          <a:fontRef idx="minor">
+            <a:schemeClr val="tx1"/>
+          </a:fontRef>
+        </p:style>
+      </p:cxnSp>
+      <p:sp>
+        <p:nvSpPr>
+          <p:cNvPr id="19" name="流程图: 可选过程 18"/>
+          <p:cNvSpPr/>
+          <p:nvPr/>
+        </p:nvSpPr>
+        <p:spPr>
+          <a:xfrm>
+            <a:off x="9157970" y="4855845"/>
+            <a:ext cx="2435225" cy="777240"/>
+          </a:xfrm>
+          <a:prstGeom prst="flowChartAlternateProcess">
+            <a:avLst/>
+          </a:prstGeom>
+        </p:spPr>
+        <p:style>
+          <a:lnRef idx="2">
+            <a:schemeClr val="accent1">
+              <a:shade val="50000"/>
+            </a:schemeClr>
+          </a:lnRef>
+          <a:fillRef idx="1">
+            <a:schemeClr val="accent1"/>
+          </a:fillRef>
+          <a:effectRef idx="0">
+            <a:schemeClr val="accent1"/>
+          </a:effectRef>
+          <a:fontRef idx="minor">
+            <a:schemeClr val="lt1"/>
+          </a:fontRef>
+        </p:style>
+        <p:txBody>
+          <a:bodyPr rtlCol="0" anchor="ctr"/>
+          <a:p>
+            <a:pPr algn="ctr"/>
+            <a:r>
+              <a:rPr lang="en-US" altLang="zh-CN"/>
+              <a:t>MTLLoader</a:t>
+            </a:r>
+            <a:endParaRPr lang="en-US" altLang="zh-CN"/>
+          </a:p>
+          <a:p>
+            <a:pPr algn="ctr"/>
+            <a:r>
+              <a:rPr lang="en-US" altLang="zh-CN"/>
+              <a:t>- load(fn, callback)</a:t>
+            </a:r>
+            <a:endParaRPr lang="en-US" altLang="zh-CN"/>
+          </a:p>
+        </p:txBody>
+      </p:sp>
+      <p:sp>
+        <p:nvSpPr>
+          <p:cNvPr id="20" name="流程图: 可选过程 19"/>
+          <p:cNvSpPr/>
+          <p:nvPr/>
+        </p:nvSpPr>
+        <p:spPr>
+          <a:xfrm>
+            <a:off x="9157970" y="5714365"/>
+            <a:ext cx="2435225" cy="763905"/>
+          </a:xfrm>
+          <a:prstGeom prst="flowChartAlternateProcess">
+            <a:avLst/>
+          </a:prstGeom>
+        </p:spPr>
+        <p:style>
+          <a:lnRef idx="2">
+            <a:schemeClr val="accent1">
+              <a:shade val="50000"/>
+            </a:schemeClr>
+          </a:lnRef>
+          <a:fillRef idx="1">
+            <a:schemeClr val="accent1"/>
+          </a:fillRef>
+          <a:effectRef idx="0">
+            <a:schemeClr val="accent1"/>
+          </a:effectRef>
+          <a:fontRef idx="minor">
+            <a:schemeClr val="lt1"/>
+          </a:fontRef>
+        </p:style>
+        <p:txBody>
+          <a:bodyPr rtlCol="0" anchor="ctr"/>
+          <a:p>
+            <a:pPr algn="ctr"/>
+            <a:r>
+              <a:rPr lang="en-US" altLang="zh-CN"/>
+              <a:t>OBJ</a:t>
+            </a:r>
+            <a:r>
+              <a:rPr lang="en-US" altLang="zh-CN"/>
+              <a:t>Loader</a:t>
+            </a:r>
+            <a:endParaRPr lang="en-US" altLang="zh-CN"/>
+          </a:p>
+          <a:p>
+            <a:pPr algn="ctr"/>
+            <a:r>
+              <a:rPr lang="en-US" altLang="zh-CN"/>
+              <a:t>- load(fn, callback)</a:t>
+            </a:r>
+            <a:endParaRPr lang="en-US" altLang="zh-CN"/>
+          </a:p>
+        </p:txBody>
+      </p:sp>
+      <p:cxnSp>
+        <p:nvCxnSpPr>
+          <p:cNvPr id="21" name="直接连接符 20"/>
+          <p:cNvCxnSpPr>
+            <a:stCxn id="7" idx="3"/>
+            <a:endCxn id="19" idx="1"/>
+          </p:cNvCxnSpPr>
+          <p:nvPr/>
+        </p:nvCxnSpPr>
+        <p:spPr>
+          <a:xfrm>
+            <a:off x="8776335" y="4298315"/>
+            <a:ext cx="381635" cy="946150"/>
+          </a:xfrm>
+          <a:prstGeom prst="line">
+            <a:avLst/>
+          </a:prstGeom>
+        </p:spPr>
+        <p:style>
+          <a:lnRef idx="1">
+            <a:schemeClr val="accent1"/>
+          </a:lnRef>
+          <a:fillRef idx="0">
+            <a:schemeClr val="accent1"/>
+          </a:fillRef>
+          <a:effectRef idx="0">
+            <a:schemeClr val="accent1"/>
+          </a:effectRef>
+          <a:fontRef idx="minor">
+            <a:schemeClr val="tx1"/>
+          </a:fontRef>
+        </p:style>
+      </p:cxnSp>
+      <p:cxnSp>
+        <p:nvCxnSpPr>
+          <p:cNvPr id="22" name="直接连接符 21"/>
+          <p:cNvCxnSpPr>
+            <a:stCxn id="7" idx="3"/>
+            <a:endCxn id="20" idx="1"/>
+          </p:cNvCxnSpPr>
+          <p:nvPr/>
+        </p:nvCxnSpPr>
+        <p:spPr>
+          <a:xfrm>
+            <a:off x="8776335" y="4298315"/>
+            <a:ext cx="381635" cy="1798320"/>
+          </a:xfrm>
+          <a:prstGeom prst="line">
+            <a:avLst/>
+          </a:prstGeom>
+        </p:spPr>
+        <p:style>
+          <a:lnRef idx="1">
+            <a:schemeClr val="accent1"/>
+          </a:lnRef>
+          <a:fillRef idx="0">
+            <a:schemeClr val="accent1"/>
+          </a:fillRef>
+          <a:effectRef idx="0">
+            <a:schemeClr val="accent1"/>
+          </a:effectRef>
+          <a:fontRef idx="minor">
+            <a:schemeClr val="tx1"/>
+          </a:fontRef>
+        </p:style>
+      </p:cxnSp>
+      <p:sp>
+        <p:nvSpPr>
+          <p:cNvPr id="23" name="流程图: 可选过程 22"/>
+          <p:cNvSpPr/>
+          <p:nvPr/>
+        </p:nvSpPr>
+        <p:spPr>
+          <a:xfrm>
+            <a:off x="3333750" y="5244465"/>
+            <a:ext cx="2435225" cy="939800"/>
+          </a:xfrm>
+          <a:prstGeom prst="flowChartAlternateProcess">
+            <a:avLst/>
+          </a:prstGeom>
+        </p:spPr>
+        <p:style>
+          <a:lnRef idx="2">
+            <a:schemeClr val="accent1">
+              <a:shade val="50000"/>
+            </a:schemeClr>
+          </a:lnRef>
+          <a:fillRef idx="1">
+            <a:schemeClr val="accent1"/>
+          </a:fillRef>
+          <a:effectRef idx="0">
+            <a:schemeClr val="accent1"/>
+          </a:effectRef>
+          <a:fontRef idx="minor">
+            <a:schemeClr val="lt1"/>
+          </a:fontRef>
+        </p:style>
+        <p:txBody>
+          <a:bodyPr rtlCol="0" anchor="ctr"/>
+          <a:p>
+            <a:pPr algn="ctr"/>
+            <a:r>
+              <a:rPr lang="en-US" altLang="zh-CN"/>
+              <a:t>OrbitControls</a:t>
+            </a:r>
+            <a:endParaRPr lang="en-US" altLang="zh-CN"/>
+          </a:p>
+        </p:txBody>
+      </p:sp>
+      <p:cxnSp>
+        <p:nvCxnSpPr>
+          <p:cNvPr id="24" name="直接连接符 23"/>
+          <p:cNvCxnSpPr>
+            <a:stCxn id="6" idx="3"/>
+            <a:endCxn id="23" idx="1"/>
+          </p:cNvCxnSpPr>
+          <p:nvPr/>
+        </p:nvCxnSpPr>
+        <p:spPr>
+          <a:xfrm>
+            <a:off x="2849880" y="4304665"/>
+            <a:ext cx="483870" cy="1409700"/>
+          </a:xfrm>
+          <a:prstGeom prst="line">
+            <a:avLst/>
+          </a:prstGeom>
+        </p:spPr>
+        <p:style>
+          <a:lnRef idx="1">
+            <a:schemeClr val="accent1"/>
+          </a:lnRef>
+          <a:fillRef idx="0">
+            <a:schemeClr val="accent1"/>
+          </a:fillRef>
+          <a:effectRef idx="0">
+            <a:schemeClr val="accent1"/>
+          </a:effectRef>
+          <a:fontRef idx="minor">
+            <a:schemeClr val="tx1"/>
+          </a:fontRef>
+        </p:style>
+      </p:cxnSp>
+      <p:sp>
+        <p:nvSpPr>
+          <p:cNvPr id="25" name="流程图: 可选过程 24"/>
+          <p:cNvSpPr/>
+          <p:nvPr/>
+        </p:nvSpPr>
+        <p:spPr>
+          <a:xfrm>
+            <a:off x="9157970" y="1548130"/>
+            <a:ext cx="2435225" cy="469900"/>
+          </a:xfrm>
+          <a:prstGeom prst="flowChartAlternateProcess">
+            <a:avLst/>
+          </a:prstGeom>
+        </p:spPr>
+        <p:style>
+          <a:lnRef idx="2">
+            <a:schemeClr val="accent1">
+              <a:shade val="50000"/>
+            </a:schemeClr>
+          </a:lnRef>
+          <a:fillRef idx="1">
+            <a:schemeClr val="accent1"/>
+          </a:fillRef>
+          <a:effectRef idx="0">
+            <a:schemeClr val="accent1"/>
+          </a:effectRef>
+          <a:fontRef idx="minor">
+            <a:schemeClr val="lt1"/>
+          </a:fontRef>
+        </p:style>
+        <p:txBody>
+          <a:bodyPr rtlCol="0" anchor="ctr"/>
+          <a:p>
+            <a:pPr algn="ctr"/>
+            <a:r>
+              <a:rPr lang="en-US" altLang="zh-CN"/>
+              <a:t>Sphere</a:t>
+            </a:r>
+            <a:r>
+              <a:rPr lang="en-US" altLang="zh-CN"/>
+              <a:t>Geometry</a:t>
+            </a:r>
+            <a:endParaRPr lang="en-US" altLang="zh-CN"/>
+          </a:p>
+        </p:txBody>
+      </p:sp>
+      <p:cxnSp>
+        <p:nvCxnSpPr>
+          <p:cNvPr id="26" name="直接连接符 25"/>
+          <p:cNvCxnSpPr>
+            <a:stCxn id="25" idx="1"/>
+            <a:endCxn id="7" idx="3"/>
+          </p:cNvCxnSpPr>
+          <p:nvPr/>
+        </p:nvCxnSpPr>
+        <p:spPr>
+          <a:xfrm flipH="1">
+            <a:off x="8776335" y="1783080"/>
+            <a:ext cx="381635" cy="2515235"/>
+          </a:xfrm>
+          <a:prstGeom prst="line">
+            <a:avLst/>
+          </a:prstGeom>
+        </p:spPr>
+        <p:style>
+          <a:lnRef idx="1">
+            <a:schemeClr val="accent1"/>
+          </a:lnRef>
+          <a:fillRef idx="0">
+            <a:schemeClr val="accent1"/>
+          </a:fillRef>
+          <a:effectRef idx="0">
+            <a:schemeClr val="accent1"/>
+          </a:effectRef>
+          <a:fontRef idx="minor">
+            <a:schemeClr val="tx1"/>
+          </a:fontRef>
+        </p:style>
+      </p:cxnSp>
+      <p:sp>
+        <p:nvSpPr>
+          <p:cNvPr id="27" name="流程图: 可选过程 26"/>
+          <p:cNvSpPr/>
+          <p:nvPr/>
+        </p:nvSpPr>
+        <p:spPr>
+          <a:xfrm>
+            <a:off x="9157970" y="3556000"/>
+            <a:ext cx="2435225" cy="469900"/>
+          </a:xfrm>
+          <a:prstGeom prst="flowChartAlternateProcess">
+            <a:avLst/>
+          </a:prstGeom>
+        </p:spPr>
+        <p:style>
+          <a:lnRef idx="2">
+            <a:schemeClr val="accent1">
+              <a:shade val="50000"/>
+            </a:schemeClr>
+          </a:lnRef>
+          <a:fillRef idx="1">
+            <a:schemeClr val="accent1"/>
+          </a:fillRef>
+          <a:effectRef idx="0">
+            <a:schemeClr val="accent1"/>
+          </a:effectRef>
+          <a:fontRef idx="minor">
+            <a:schemeClr val="lt1"/>
+          </a:fontRef>
+        </p:style>
+        <p:txBody>
+          <a:bodyPr rtlCol="0" anchor="ctr"/>
+          <a:p>
+            <a:pPr algn="ctr"/>
+            <a:r>
+              <a:rPr lang="en-US" altLang="zh-CN"/>
+              <a:t>MeshPhong</a:t>
+            </a:r>
+            <a:r>
+              <a:rPr lang="en-US" altLang="zh-CN"/>
+              <a:t>Material</a:t>
+            </a:r>
+            <a:endParaRPr lang="en-US" altLang="zh-CN"/>
+          </a:p>
+        </p:txBody>
+      </p:sp>
+      <p:cxnSp>
+        <p:nvCxnSpPr>
+          <p:cNvPr id="28" name="直接连接符 27"/>
+          <p:cNvCxnSpPr>
+            <a:stCxn id="7" idx="3"/>
+            <a:endCxn id="27" idx="1"/>
+          </p:cNvCxnSpPr>
+          <p:nvPr/>
+        </p:nvCxnSpPr>
+        <p:spPr>
+          <a:xfrm flipV="1">
+            <a:off x="8776335" y="3790950"/>
+            <a:ext cx="381635" cy="507365"/>
+          </a:xfrm>
+          <a:prstGeom prst="line">
+            <a:avLst/>
+          </a:prstGeom>
+        </p:spPr>
+        <p:style>
+          <a:lnRef idx="1">
+            <a:schemeClr val="accent1"/>
+          </a:lnRef>
+          <a:fillRef idx="0">
+            <a:schemeClr val="accent1"/>
+          </a:fillRef>
+          <a:effectRef idx="0">
+            <a:schemeClr val="accent1"/>
+          </a:effectRef>
+          <a:fontRef idx="minor">
+            <a:schemeClr val="tx1"/>
+          </a:fontRef>
+        </p:style>
+      </p:cxnSp>
+      <p:sp>
+        <p:nvSpPr>
+          <p:cNvPr id="29" name="流程图: 可选过程 28"/>
+          <p:cNvSpPr/>
+          <p:nvPr/>
+        </p:nvSpPr>
+        <p:spPr>
+          <a:xfrm>
+            <a:off x="9157970" y="4069715"/>
+            <a:ext cx="2435225" cy="469900"/>
+          </a:xfrm>
+          <a:prstGeom prst="flowChartAlternateProcess">
+            <a:avLst/>
+          </a:prstGeom>
+        </p:spPr>
+        <p:style>
+          <a:lnRef idx="2">
+            <a:schemeClr val="accent1">
+              <a:shade val="50000"/>
+            </a:schemeClr>
+          </a:lnRef>
+          <a:fillRef idx="1">
+            <a:schemeClr val="accent1"/>
+          </a:fillRef>
+          <a:effectRef idx="0">
+            <a:schemeClr val="accent1"/>
+          </a:effectRef>
+          <a:fontRef idx="minor">
+            <a:schemeClr val="lt1"/>
+          </a:fontRef>
+        </p:style>
+        <p:txBody>
+          <a:bodyPr rtlCol="0" anchor="ctr"/>
+          <a:p>
+            <a:pPr algn="ctr"/>
+            <a:r>
+              <a:rPr lang="en-US" altLang="zh-CN"/>
+              <a:t>Sprite</a:t>
+            </a:r>
+            <a:r>
+              <a:rPr lang="en-US" altLang="zh-CN"/>
+              <a:t>Material</a:t>
+            </a:r>
+            <a:endParaRPr lang="en-US" altLang="zh-CN"/>
+          </a:p>
+        </p:txBody>
+      </p:sp>
+      <p:cxnSp>
+        <p:nvCxnSpPr>
+          <p:cNvPr id="30" name="直接连接符 29"/>
+          <p:cNvCxnSpPr>
+            <a:stCxn id="7" idx="3"/>
+            <a:endCxn id="29" idx="1"/>
+          </p:cNvCxnSpPr>
+          <p:nvPr/>
+        </p:nvCxnSpPr>
+        <p:spPr>
+          <a:xfrm>
+            <a:off x="8776335" y="4298315"/>
+            <a:ext cx="381635" cy="6350"/>
+          </a:xfrm>
+          <a:prstGeom prst="line">
+            <a:avLst/>
+          </a:prstGeom>
+        </p:spPr>
+        <p:style>
+          <a:lnRef idx="1">
+            <a:schemeClr val="accent1"/>
+          </a:lnRef>
+          <a:fillRef idx="0">
+            <a:schemeClr val="accent1"/>
+          </a:fillRef>
+          <a:effectRef idx="0">
+            <a:schemeClr val="accent1"/>
+          </a:effectRef>
+          <a:fontRef idx="minor">
+            <a:schemeClr val="tx1"/>
+          </a:fontRef>
+        </p:style>
+      </p:cxnSp>
+    </p:spTree>
+    <p:custDataLst>
+      <p:tags r:id="rId1"/>
+    </p:custDataLst>
+  </p:cSld>
+  <p:clrMapOvr>
+    <a:masterClrMapping/>
+  </p:clrMapOvr>
+</p:sld>
+</file>
+
+<file path=ppt/slides/slide19.xml><?xml version="1.0" encoding="utf-8"?>
+<p:sld xmlns:a="http://schemas.openxmlformats.org/drawingml/2006/main" xmlns:r="http://schemas.openxmlformats.org/officeDocument/2006/relationships" xmlns:p="http://schemas.openxmlformats.org/presentationml/2006/main">
+  <p:cSld>
+    <p:spTree>
+      <p:nvGrpSpPr>
+        <p:cNvPr id="1" name=""/>
+        <p:cNvGrpSpPr/>
+        <p:nvPr/>
+      </p:nvGrpSpPr>
+      <p:grpSpPr/>
+      <p:sp>
+        <p:nvSpPr>
+          <p:cNvPr id="2" name="标题 1"/>
+          <p:cNvSpPr>
+            <a:spLocks noGrp="1"/>
+          </p:cNvSpPr>
+          <p:nvPr>
+            <p:ph type="title"/>
+          </p:nvPr>
+        </p:nvSpPr>
+        <p:spPr/>
+        <p:txBody>
+          <a:bodyPr/>
+          <a:p>
+            <a:r>
+              <a:rPr lang="en-US" altLang="zh-CN"/>
+              <a:t>A-Frame</a:t>
+            </a:r>
+            <a:endParaRPr lang="en-US" altLang="zh-CN"/>
+          </a:p>
+        </p:txBody>
+      </p:sp>
+      <p:sp>
+        <p:nvSpPr>
+          <p:cNvPr id="3" name="内容占位符 2"/>
+          <p:cNvSpPr>
+            <a:spLocks noGrp="1"/>
+          </p:cNvSpPr>
+          <p:nvPr>
+            <p:ph idx="1"/>
+          </p:nvPr>
+        </p:nvSpPr>
+        <p:spPr>
+          <a:xfrm>
+            <a:off x="838200" y="1211580"/>
+            <a:ext cx="5999480" cy="4549140"/>
+          </a:xfrm>
+        </p:spPr>
+        <p:txBody>
+          <a:bodyPr/>
+          <a:p>
+            <a:r>
+              <a:rPr lang="en-US" altLang="zh-CN"/>
+              <a:t>Concept</a:t>
+            </a:r>
+            <a:endParaRPr lang="en-US" altLang="zh-CN"/>
+          </a:p>
+          <a:p>
+            <a:pPr lvl="1"/>
+            <a:r>
+              <a:rPr lang="en-US" altLang="zh-CN"/>
+              <a:t>Declarative DOM-based Entity-Component-System</a:t>
+            </a:r>
+            <a:endParaRPr lang="en-US" altLang="zh-CN"/>
+          </a:p>
+          <a:p>
+            <a:pPr lvl="1"/>
+            <a:r>
+              <a:rPr lang="en-US" altLang="zh-CN"/>
+              <a:t>Component-based development</a:t>
+            </a:r>
+            <a:endParaRPr lang="en-US" altLang="zh-CN"/>
+          </a:p>
+        </p:txBody>
+      </p:sp>
+      <p:sp>
+        <p:nvSpPr>
+          <p:cNvPr id="4" name="文本框 3"/>
+          <p:cNvSpPr txBox="1"/>
+          <p:nvPr/>
+        </p:nvSpPr>
+        <p:spPr>
+          <a:xfrm>
+            <a:off x="6958330" y="1631950"/>
+            <a:ext cx="4859020" cy="3599815"/>
+          </a:xfrm>
+          <a:prstGeom prst="rect">
+            <a:avLst/>
+          </a:prstGeom>
+          <a:noFill/>
+          <a:ln>
+            <a:solidFill>
+              <a:srgbClr val="FFC000"/>
+            </a:solidFill>
+          </a:ln>
+        </p:spPr>
+        <p:txBody>
+          <a:bodyPr wrap="square" rtlCol="0">
+            <a:spAutoFit/>
+          </a:bodyPr>
+          <a:p>
+            <a:r>
+              <a:rPr lang="zh-CN" altLang="en-US" sz="1200"/>
+              <a:t>&lt;html&gt;</a:t>
+            </a:r>
+            <a:endParaRPr lang="zh-CN" altLang="en-US" sz="1200"/>
+          </a:p>
+          <a:p>
+            <a:r>
+              <a:rPr lang="zh-CN" altLang="en-US" sz="1200"/>
+              <a:t>  &lt;head&gt;</a:t>
+            </a:r>
+            <a:endParaRPr lang="zh-CN" altLang="en-US" sz="1200"/>
+          </a:p>
+          <a:p>
+            <a:r>
+              <a:rPr lang="zh-CN" altLang="en-US" sz="1200"/>
+              <a:t>    &lt;script src="https://aframe.io/releases/1.0.0/aframe.min.js"&gt;&lt;/script&gt;</a:t>
+            </a:r>
+            <a:endParaRPr lang="zh-CN" altLang="en-US" sz="1200"/>
+          </a:p>
+          <a:p>
+            <a:r>
+              <a:rPr lang="zh-CN" altLang="en-US" sz="1200"/>
+              <a:t>  &lt;/head&gt;</a:t>
+            </a:r>
+            <a:endParaRPr lang="zh-CN" altLang="en-US" sz="1200"/>
+          </a:p>
+          <a:p>
+            <a:r>
+              <a:rPr lang="zh-CN" altLang="en-US" sz="1200"/>
+              <a:t>  &lt;body&gt;</a:t>
+            </a:r>
+            <a:endParaRPr lang="zh-CN" altLang="en-US" sz="1200"/>
+          </a:p>
+          <a:p>
+            <a:r>
+              <a:rPr lang="zh-CN" altLang="en-US" sz="1200"/>
+              <a:t>    &lt;a-scene&gt;</a:t>
+            </a:r>
+            <a:endParaRPr lang="zh-CN" altLang="en-US" sz="1200"/>
+          </a:p>
+          <a:p>
+            <a:r>
+              <a:rPr lang="zh-CN" altLang="en-US" sz="1200"/>
+              <a:t>      &lt;a-box position="-1 0.5 -3" rotation="0 45 0" color="#4CC3D9"&gt;&lt;/a-box&gt;</a:t>
+            </a:r>
+            <a:endParaRPr lang="zh-CN" altLang="en-US" sz="1200"/>
+          </a:p>
+          <a:p>
+            <a:r>
+              <a:rPr lang="zh-CN" altLang="en-US" sz="1200"/>
+              <a:t>      &lt;a-sphere position="0 1.25 -5" radius="1.25" color="#EF2D5E"&gt;&lt;/a-sphere&gt;</a:t>
+            </a:r>
+            <a:endParaRPr lang="zh-CN" altLang="en-US" sz="1200"/>
+          </a:p>
+          <a:p>
+            <a:r>
+              <a:rPr lang="zh-CN" altLang="en-US" sz="1200"/>
+              <a:t>      &lt;a-cylinder position="1 0.75 -3" radius="0.5" height="1.5" color="#FFC65D"&gt;&lt;/a-cylinder&gt;</a:t>
+            </a:r>
+            <a:endParaRPr lang="zh-CN" altLang="en-US" sz="1200"/>
+          </a:p>
+          <a:p>
+            <a:r>
+              <a:rPr lang="zh-CN" altLang="en-US" sz="1200"/>
+              <a:t>      &lt;a-plane position="0 0 -4" rotation="-90 0 0" width="4" height="4" color="#7BC8A4"&gt;&lt;/a-plane&gt;</a:t>
+            </a:r>
+            <a:endParaRPr lang="zh-CN" altLang="en-US" sz="1200"/>
+          </a:p>
+          <a:p>
+            <a:r>
+              <a:rPr lang="zh-CN" altLang="en-US" sz="1200"/>
+              <a:t>      &lt;a-sky color="#ECECEC"&gt;&lt;/a-sky&gt;</a:t>
+            </a:r>
+            <a:endParaRPr lang="zh-CN" altLang="en-US" sz="1200"/>
+          </a:p>
+          <a:p>
+            <a:r>
+              <a:rPr lang="zh-CN" altLang="en-US" sz="1200"/>
+              <a:t>    &lt;/a-scene&gt;</a:t>
+            </a:r>
+            <a:endParaRPr lang="zh-CN" altLang="en-US" sz="1200"/>
+          </a:p>
+          <a:p>
+            <a:r>
+              <a:rPr lang="zh-CN" altLang="en-US" sz="1200"/>
+              <a:t>  &lt;/body&gt;</a:t>
+            </a:r>
+            <a:endParaRPr lang="zh-CN" altLang="en-US" sz="1200"/>
+          </a:p>
+          <a:p>
+            <a:r>
+              <a:rPr lang="zh-CN" altLang="en-US" sz="1200"/>
+              <a:t>&lt;/html&gt;</a:t>
+            </a:r>
+            <a:endParaRPr lang="zh-CN" altLang="en-US" sz="1200"/>
+          </a:p>
+        </p:txBody>
+      </p:sp>
+      <p:sp>
+        <p:nvSpPr>
+          <p:cNvPr id="5" name="文本框 4"/>
+          <p:cNvSpPr txBox="1"/>
+          <p:nvPr/>
+        </p:nvSpPr>
+        <p:spPr>
+          <a:xfrm>
+            <a:off x="6958330" y="5374005"/>
+            <a:ext cx="4859020" cy="953135"/>
+          </a:xfrm>
+          <a:prstGeom prst="rect">
+            <a:avLst/>
+          </a:prstGeom>
+          <a:noFill/>
+          <a:ln>
+            <a:solidFill>
+              <a:srgbClr val="FFC000"/>
+            </a:solidFill>
+          </a:ln>
+        </p:spPr>
+        <p:txBody>
+          <a:bodyPr wrap="square" rtlCol="0">
+            <a:spAutoFit/>
+          </a:bodyPr>
+          <a:p>
+            <a:r>
+              <a:rPr lang="zh-CN" altLang="en-US" sz="1400"/>
+              <a:t>&lt;a-entity geometry="primitive: sphere; radius: 1.5"</a:t>
+            </a:r>
+            <a:endParaRPr lang="zh-CN" altLang="en-US" sz="1400"/>
+          </a:p>
+          <a:p>
+            <a:r>
+              <a:rPr lang="zh-CN" altLang="en-US" sz="1400"/>
+              <a:t>          light="type: point; color: white; intensity: 2"</a:t>
+            </a:r>
+            <a:endParaRPr lang="zh-CN" altLang="en-US" sz="1400"/>
+          </a:p>
+          <a:p>
+            <a:r>
+              <a:rPr lang="zh-CN" altLang="en-US" sz="1400"/>
+              <a:t>          material="color: white; shader: flat; src: glow.jpg"</a:t>
+            </a:r>
+            <a:endParaRPr lang="zh-CN" altLang="en-US" sz="1400"/>
+          </a:p>
+          <a:p>
+            <a:r>
+              <a:rPr lang="zh-CN" altLang="en-US" sz="1400"/>
+              <a:t>          position="0 0 -5"&gt;&lt;/a-entity&gt;</a:t>
+            </a:r>
+            <a:endParaRPr lang="zh-CN" altLang="en-US" sz="1400"/>
+          </a:p>
+        </p:txBody>
+      </p:sp>
+    </p:spTree>
+    <p:custDataLst>
+      <p:tags r:id="rId1"/>
+    </p:custDataLst>
+  </p:cSld>
+  <p:clrMapOvr>
+    <a:masterClrMapping/>
+  </p:clrMapOvr>
+</p:sld>
+</file>
+
 <file path=ppt/slides/slide2.xml><?xml version="1.0" encoding="utf-8"?>
 <p:sld xmlns:a="http://schemas.openxmlformats.org/drawingml/2006/main" xmlns:r="http://schemas.openxmlformats.org/officeDocument/2006/relationships" xmlns:p="http://schemas.openxmlformats.org/presentationml/2006/main">
   <p:cSld>
@@ -4591,6 +6287,134 @@
               <a:t>console.log()</a:t>
             </a:r>
             <a:endParaRPr lang="en-US" altLang="zh-CN"/>
+          </a:p>
+        </p:txBody>
+      </p:sp>
+    </p:spTree>
+    <p:custDataLst>
+      <p:tags r:id="rId1"/>
+    </p:custDataLst>
+  </p:cSld>
+  <p:clrMapOvr>
+    <a:masterClrMapping/>
+  </p:clrMapOvr>
+</p:sld>
+</file>
+
+<file path=ppt/slides/slide20.xml><?xml version="1.0" encoding="utf-8"?>
+<p:sld xmlns:a="http://schemas.openxmlformats.org/drawingml/2006/main" xmlns:r="http://schemas.openxmlformats.org/officeDocument/2006/relationships" xmlns:p="http://schemas.openxmlformats.org/presentationml/2006/main">
+  <p:cSld>
+    <p:spTree>
+      <p:nvGrpSpPr>
+        <p:cNvPr id="1" name=""/>
+        <p:cNvGrpSpPr/>
+        <p:nvPr/>
+      </p:nvGrpSpPr>
+      <p:grpSpPr/>
+      <p:sp>
+        <p:nvSpPr>
+          <p:cNvPr id="2" name="标题 1"/>
+          <p:cNvSpPr>
+            <a:spLocks noGrp="1"/>
+          </p:cNvSpPr>
+          <p:nvPr>
+            <p:ph type="title"/>
+          </p:nvPr>
+        </p:nvSpPr>
+        <p:spPr/>
+        <p:txBody>
+          <a:bodyPr/>
+          <a:p>
+            <a:r>
+              <a:rPr lang="en-US" altLang="zh-CN"/>
+              <a:t>Google ModelViewer</a:t>
+            </a:r>
+            <a:endParaRPr lang="en-US" altLang="zh-CN"/>
+          </a:p>
+        </p:txBody>
+      </p:sp>
+      <p:sp>
+        <p:nvSpPr>
+          <p:cNvPr id="3" name="内容占位符 2"/>
+          <p:cNvSpPr>
+            <a:spLocks noGrp="1"/>
+          </p:cNvSpPr>
+          <p:nvPr>
+            <p:ph idx="1"/>
+          </p:nvPr>
+        </p:nvSpPr>
+        <p:spPr/>
+        <p:txBody>
+          <a:bodyPr/>
+          <a:p>
+            <a:r>
+              <a:rPr lang="en-US" altLang="zh-CN"/>
+              <a:t>Concept</a:t>
+            </a:r>
+            <a:endParaRPr lang="en-US" altLang="zh-CN"/>
+          </a:p>
+          <a:p>
+            <a:pPr lvl="1"/>
+            <a:r>
+              <a:rPr lang="en-US" altLang="zh-CN"/>
+              <a:t>Only glTF/GLB models are supported</a:t>
+            </a:r>
+            <a:endParaRPr lang="en-US" altLang="zh-CN"/>
+          </a:p>
+        </p:txBody>
+      </p:sp>
+      <p:sp>
+        <p:nvSpPr>
+          <p:cNvPr id="4" name="文本框 3"/>
+          <p:cNvSpPr txBox="1"/>
+          <p:nvPr/>
+        </p:nvSpPr>
+        <p:spPr>
+          <a:xfrm>
+            <a:off x="6999605" y="1414780"/>
+            <a:ext cx="4845050" cy="2799715"/>
+          </a:xfrm>
+          <a:prstGeom prst="rect">
+            <a:avLst/>
+          </a:prstGeom>
+          <a:noFill/>
+          <a:ln>
+            <a:solidFill>
+              <a:srgbClr val="FFC000"/>
+            </a:solidFill>
+          </a:ln>
+        </p:spPr>
+        <p:txBody>
+          <a:bodyPr wrap="square" rtlCol="0">
+            <a:spAutoFit/>
+          </a:bodyPr>
+          <a:p>
+            <a:r>
+              <a:rPr lang="zh-CN" altLang="en-US" sz="1600"/>
+              <a:t>&lt;script type="module" src="https://unpkg.com/@google/model-viewer/dist/model-viewer.js"&gt;&lt;/script&gt;</a:t>
+            </a:r>
+            <a:endParaRPr lang="zh-CN" altLang="en-US" sz="1600"/>
+          </a:p>
+          <a:p>
+            <a:r>
+              <a:rPr lang="zh-CN" altLang="en-US" sz="1600"/>
+              <a:t>&lt;script nomodule src="https://unpkg.com/@google/model-viewer/dist/model-viewer-legacy.js"&gt;&lt;/script&gt;</a:t>
+            </a:r>
+            <a:endParaRPr lang="zh-CN" altLang="en-US" sz="1600"/>
+          </a:p>
+          <a:p>
+            <a:r>
+              <a:rPr lang="zh-CN" altLang="en-US" sz="1600"/>
+              <a:t>&lt;!-- Use it like any other HTML element --&gt;</a:t>
+            </a:r>
+            <a:endParaRPr lang="zh-CN" altLang="en-US" sz="1600"/>
+          </a:p>
+          <a:p>
+            <a:r>
+              <a:rPr lang="zh-CN" altLang="en-US" sz="1600"/>
+              <a:t>&lt;model-viewer src="examples/assets/Astronaut.glb" alt="A 3D model of an astronaut" auto-rotate camera-controls background-color="#455A64"&gt;&lt;/model-viewer&gt;</a:t>
+            </a:r>
+            <a:endParaRPr lang="zh-CN" altLang="en-US" sz="1600"/>
           </a:p>
         </p:txBody>
       </p:sp>
@@ -5675,9 +7499,49 @@
 </p:tagLst>
 </file>
 
+<file path=ppt/tags/tag19.xml><?xml version="1.0" encoding="utf-8"?>
+<p:tagLst xmlns:p="http://schemas.openxmlformats.org/presentationml/2006/main">
+  <p:tag name="KSO_WM_BEAUTIFY_FLAG" val="#wm#"/>
+  <p:tag name="KSO_WM_TEMPLATE_CATEGORY" val="custom"/>
+  <p:tag name="KSO_WM_TEMPLATE_INDEX" val="160402"/>
+</p:tagLst>
+</file>
+
 <file path=ppt/tags/tag2.xml><?xml version="1.0" encoding="utf-8"?>
 <p:tagLst xmlns:p="http://schemas.openxmlformats.org/presentationml/2006/main">
   <p:tag name="KSO_WM_TAG_VERSION" val="1.0"/>
+  <p:tag name="KSO_WM_TEMPLATE_CATEGORY" val="custom"/>
+  <p:tag name="KSO_WM_TEMPLATE_INDEX" val="160402"/>
+</p:tagLst>
+</file>
+
+<file path=ppt/tags/tag20.xml><?xml version="1.0" encoding="utf-8"?>
+<p:tagLst xmlns:p="http://schemas.openxmlformats.org/presentationml/2006/main">
+  <p:tag name="KSO_WM_BEAUTIFY_FLAG" val="#wm#"/>
+  <p:tag name="KSO_WM_TEMPLATE_CATEGORY" val="custom"/>
+  <p:tag name="KSO_WM_TEMPLATE_INDEX" val="160402"/>
+</p:tagLst>
+</file>
+
+<file path=ppt/tags/tag21.xml><?xml version="1.0" encoding="utf-8"?>
+<p:tagLst xmlns:p="http://schemas.openxmlformats.org/presentationml/2006/main">
+  <p:tag name="KSO_WM_BEAUTIFY_FLAG" val="#wm#"/>
+  <p:tag name="KSO_WM_TEMPLATE_CATEGORY" val="custom"/>
+  <p:tag name="KSO_WM_TEMPLATE_INDEX" val="160402"/>
+</p:tagLst>
+</file>
+
+<file path=ppt/tags/tag22.xml><?xml version="1.0" encoding="utf-8"?>
+<p:tagLst xmlns:p="http://schemas.openxmlformats.org/presentationml/2006/main">
+  <p:tag name="KSO_WM_BEAUTIFY_FLAG" val="#wm#"/>
+  <p:tag name="KSO_WM_TEMPLATE_CATEGORY" val="custom"/>
+  <p:tag name="KSO_WM_TEMPLATE_INDEX" val="160402"/>
+</p:tagLst>
+</file>
+
+<file path=ppt/tags/tag23.xml><?xml version="1.0" encoding="utf-8"?>
+<p:tagLst xmlns:p="http://schemas.openxmlformats.org/presentationml/2006/main">
+  <p:tag name="KSO_WM_BEAUTIFY_FLAG" val="#wm#"/>
   <p:tag name="KSO_WM_TEMPLATE_CATEGORY" val="custom"/>
   <p:tag name="KSO_WM_TEMPLATE_INDEX" val="160402"/>
 </p:tagLst>

--- a/Web/JavaScript-Notes.pptx
+++ b/Web/JavaScript-Notes.pptx
@@ -8,29 +8,35 @@
     <p:notesMasterId r:id="rId4"/>
   </p:notesMasterIdLst>
   <p:handoutMasterIdLst>
-    <p:handoutMasterId r:id="rId24"/>
+    <p:handoutMasterId r:id="rId30"/>
   </p:handoutMasterIdLst>
   <p:sldIdLst>
     <p:sldId id="256" r:id="rId3"/>
-    <p:sldId id="259" r:id="rId5"/>
-    <p:sldId id="262" r:id="rId6"/>
-    <p:sldId id="268" r:id="rId7"/>
-    <p:sldId id="275" r:id="rId8"/>
-    <p:sldId id="269" r:id="rId9"/>
-    <p:sldId id="260" r:id="rId10"/>
-    <p:sldId id="261" r:id="rId11"/>
-    <p:sldId id="263" r:id="rId12"/>
-    <p:sldId id="258" r:id="rId13"/>
-    <p:sldId id="284" r:id="rId14"/>
-    <p:sldId id="285" r:id="rId15"/>
-    <p:sldId id="276" r:id="rId16"/>
-    <p:sldId id="267" r:id="rId17"/>
-    <p:sldId id="283" r:id="rId18"/>
-    <p:sldId id="290" r:id="rId19"/>
-    <p:sldId id="291" r:id="rId20"/>
-    <p:sldId id="289" r:id="rId21"/>
-    <p:sldId id="292" r:id="rId22"/>
-    <p:sldId id="293" r:id="rId23"/>
+    <p:sldId id="296" r:id="rId5"/>
+    <p:sldId id="295" r:id="rId6"/>
+    <p:sldId id="259" r:id="rId7"/>
+    <p:sldId id="262" r:id="rId8"/>
+    <p:sldId id="268" r:id="rId9"/>
+    <p:sldId id="275" r:id="rId10"/>
+    <p:sldId id="269" r:id="rId11"/>
+    <p:sldId id="260" r:id="rId12"/>
+    <p:sldId id="261" r:id="rId13"/>
+    <p:sldId id="263" r:id="rId14"/>
+    <p:sldId id="258" r:id="rId15"/>
+    <p:sldId id="284" r:id="rId16"/>
+    <p:sldId id="285" r:id="rId17"/>
+    <p:sldId id="276" r:id="rId18"/>
+    <p:sldId id="267" r:id="rId19"/>
+    <p:sldId id="283" r:id="rId20"/>
+    <p:sldId id="297" r:id="rId21"/>
+    <p:sldId id="299" r:id="rId22"/>
+    <p:sldId id="298" r:id="rId23"/>
+    <p:sldId id="320" r:id="rId24"/>
+    <p:sldId id="290" r:id="rId25"/>
+    <p:sldId id="291" r:id="rId26"/>
+    <p:sldId id="289" r:id="rId27"/>
+    <p:sldId id="292" r:id="rId28"/>
+    <p:sldId id="293" r:id="rId29"/>
   </p:sldIdLst>
   <p:sldSz cx="12192000" cy="6858000"/>
   <p:notesSz cx="6858000" cy="9144000"/>
@@ -3801,15 +3807,7 @@
             </a:pPr>
             <a:r>
               <a:rPr lang="en-US" altLang="zh-CN" sz="1800" smtClean="0"/>
-              <a:t>Last updated: 7/</a:t>
-            </a:r>
-            <a:r>
-              <a:rPr lang="en-US" altLang="en-US" sz="1800" smtClean="0"/>
-              <a:t>30</a:t>
-            </a:r>
-            <a:r>
-              <a:rPr lang="en-US" altLang="zh-CN" sz="1800" smtClean="0"/>
-              <a:t>/2019</a:t>
+              <a:t>Last updated: 2/9/2020</a:t>
             </a:r>
             <a:endParaRPr lang="en-US" altLang="zh-CN" sz="1800" smtClean="0"/>
           </a:p>
@@ -3852,7 +3850,7 @@
           <a:p>
             <a:r>
               <a:rPr lang="en-US" altLang="zh-CN"/>
-              <a:t>String Operation</a:t>
+              <a:t>Classes</a:t>
             </a:r>
             <a:endParaRPr lang="en-US" altLang="zh-CN"/>
           </a:p>
@@ -3870,127 +3868,119 @@
         </p:nvSpPr>
         <p:spPr/>
         <p:txBody>
-          <a:bodyPr>
-            <a:normAutofit lnSpcReduction="20000"/>
-          </a:bodyPr>
-          <a:p>
-            <a:r>
-              <a:rPr lang="en-US" altLang="zh-CN"/>
-              <a:t>Methods</a:t>
-            </a:r>
-            <a:endParaRPr lang="en-US" altLang="zh-CN"/>
-          </a:p>
-          <a:p>
-            <a:pPr lvl="1"/>
-            <a:r>
-              <a:rPr lang="en-US" altLang="zh-CN"/>
-              <a:t>var len = str.length</a:t>
-            </a:r>
-            <a:endParaRPr lang="en-US" altLang="zh-CN"/>
-          </a:p>
-          <a:p>
-            <a:pPr lvl="1"/>
-            <a:r>
-              <a:rPr lang="en-US" altLang="zh-CN"/>
-              <a:t>var pos = str.indexOf(“locate”)</a:t>
-            </a:r>
-            <a:endParaRPr lang="en-US" altLang="zh-CN"/>
-          </a:p>
-          <a:p>
-            <a:pPr lvl="1"/>
-            <a:r>
-              <a:rPr lang="en-US" altLang="zh-CN"/>
-              <a:t>var pos = str.lastIndexOf(“locate”)</a:t>
-            </a:r>
-            <a:endParaRPr lang="en-US" altLang="zh-CN"/>
-          </a:p>
-          <a:p>
-            <a:pPr lvl="1"/>
-            <a:r>
-              <a:rPr lang="en-US" altLang="zh-CN"/>
-              <a:t>var substr = str.slice(start, end)</a:t>
-            </a:r>
-            <a:endParaRPr lang="en-US" altLang="zh-CN"/>
-          </a:p>
-          <a:p>
-            <a:pPr lvl="1"/>
-            <a:r>
-              <a:rPr lang="en-US" altLang="zh-CN"/>
-              <a:t>var substr = str.substr(start, len)</a:t>
-            </a:r>
-            <a:endParaRPr lang="en-US" altLang="zh-CN"/>
-          </a:p>
-          <a:p>
-            <a:pPr lvl="1"/>
-            <a:r>
-              <a:rPr lang="en-US" altLang="zh-CN"/>
-              <a:t>var str = str.replace(src, dest)</a:t>
-            </a:r>
-            <a:endParaRPr lang="en-US" altLang="zh-CN"/>
-          </a:p>
-          <a:p>
-            <a:pPr lvl="1"/>
-            <a:r>
-              <a:rPr lang="en-US" altLang="zh-CN"/>
-              <a:t>var up = str.toUpperCase()</a:t>
-            </a:r>
-            <a:endParaRPr lang="en-US" altLang="zh-CN"/>
-          </a:p>
-          <a:p>
-            <a:pPr lvl="1"/>
-            <a:r>
-              <a:rPr lang="en-US" altLang="zh-CN"/>
-              <a:t>var l = str.toLowerCase()</a:t>
-            </a:r>
-            <a:endParaRPr lang="en-US" altLang="zh-CN"/>
-          </a:p>
-          <a:p>
-            <a:pPr lvl="1"/>
-            <a:r>
-              <a:rPr lang="en-US" altLang="zh-CN"/>
-              <a:t>var concat = str.concat(“,”, str2)</a:t>
-            </a:r>
-            <a:endParaRPr lang="en-US" altLang="zh-CN"/>
-          </a:p>
-          <a:p>
-            <a:pPr lvl="1"/>
-            <a:r>
-              <a:rPr lang="en-US" altLang="zh-CN"/>
-              <a:t>var t = str.trim()</a:t>
-            </a:r>
-            <a:endParaRPr lang="en-US" altLang="zh-CN"/>
-          </a:p>
-          <a:p>
-            <a:pPr lvl="1"/>
-            <a:r>
-              <a:rPr lang="en-US" altLang="zh-CN"/>
-              <a:t>var ch = str.charAt(pos)</a:t>
-            </a:r>
-            <a:endParaRPr lang="en-US" altLang="zh-CN"/>
-          </a:p>
-          <a:p>
-            <a:pPr lvl="1"/>
-            <a:r>
-              <a:rPr lang="en-US" altLang="zh-CN"/>
-              <a:t>var code = str.charCodeAt(pos)</a:t>
-            </a:r>
-            <a:endParaRPr lang="en-US" altLang="zh-CN"/>
-          </a:p>
-          <a:p>
-            <a:pPr lvl="1"/>
-            <a:r>
-              <a:rPr lang="en-US" altLang="zh-CN"/>
-              <a:t>str[pos]</a:t>
-            </a:r>
-            <a:endParaRPr lang="en-US" altLang="zh-CN"/>
-          </a:p>
-          <a:p>
-            <a:pPr lvl="1"/>
-            <a:r>
-              <a:rPr lang="en-US" altLang="zh-CN"/>
-              <a:t>var arr = str.split(“,”)</a:t>
-            </a:r>
-            <a:endParaRPr lang="en-US" altLang="zh-CN"/>
+          <a:bodyPr/>
+          <a:p>
+            <a:r>
+              <a:rPr lang="en-US" altLang="zh-CN"/>
+              <a:t>Date</a:t>
+            </a:r>
+            <a:endParaRPr lang="en-US" altLang="zh-CN"/>
+          </a:p>
+          <a:p>
+            <a:pPr lvl="1"/>
+            <a:r>
+              <a:rPr lang="en-US" altLang="zh-CN"/>
+              <a:t>var d = new Date()</a:t>
+            </a:r>
+            <a:endParaRPr lang="en-US" altLang="zh-CN"/>
+          </a:p>
+          <a:p>
+            <a:pPr lvl="1"/>
+            <a:r>
+              <a:rPr lang="en-US" altLang="zh-CN"/>
+              <a:t>d.getTime(),</a:t>
+            </a:r>
+            <a:r>
+              <a:rPr lang="en-US" altLang="zh-CN">
+                <a:sym typeface="+mn-ea"/>
+              </a:rPr>
+              <a:t> getFullYear(), getMonth(),</a:t>
+            </a:r>
+            <a:r>
+              <a:rPr lang="en-US" altLang="zh-CN"/>
+              <a:t> getDate(), </a:t>
+            </a:r>
+            <a:r>
+              <a:rPr lang="en-US" altLang="zh-CN">
+                <a:sym typeface="+mn-ea"/>
+              </a:rPr>
+              <a:t>getDay(), </a:t>
+            </a:r>
+            <a:r>
+              <a:rPr lang="en-US" altLang="zh-CN"/>
+              <a:t>getHours()</a:t>
+            </a:r>
+            <a:r>
+              <a:rPr lang="en-US" altLang="zh-CN">
+                <a:sym typeface="+mn-ea"/>
+              </a:rPr>
+              <a:t>, getMinutes()</a:t>
+            </a:r>
+            <a:r>
+              <a:rPr lang="en-US" altLang="zh-CN"/>
+              <a:t>, getSeconds(), getMilliseconds()</a:t>
+            </a:r>
+            <a:endParaRPr lang="en-US" altLang="zh-CN"/>
+          </a:p>
+          <a:p>
+            <a:pPr lvl="1"/>
+            <a:r>
+              <a:rPr lang="en-US" altLang="zh-CN"/>
+              <a:t>d.getUTCxxx()</a:t>
+            </a:r>
+            <a:endParaRPr lang="en-US" altLang="zh-CN"/>
+          </a:p>
+          <a:p>
+            <a:pPr lvl="1"/>
+            <a:r>
+              <a:rPr lang="en-US" altLang="zh-CN"/>
+              <a:t>d.setXXX()</a:t>
+            </a:r>
+            <a:endParaRPr lang="en-US" altLang="zh-CN"/>
+          </a:p>
+          <a:p>
+            <a:pPr lvl="0"/>
+            <a:r>
+              <a:rPr lang="en-US" altLang="zh-CN"/>
+              <a:t>Math</a:t>
+            </a:r>
+            <a:endParaRPr lang="en-US" altLang="zh-CN"/>
+          </a:p>
+          <a:p>
+            <a:pPr lvl="1"/>
+            <a:r>
+              <a:rPr lang="en-US" altLang="zh-CN"/>
+              <a:t>Math.PI, Math.round(), Math.pow(), Math.sqrt(), Math.abs(), Math.ceil(), Math.floor(), Math.sin(), Math.cos(), Math.min(), Math.max(), Math.random()</a:t>
+            </a:r>
+            <a:endParaRPr lang="en-US" altLang="zh-CN"/>
+          </a:p>
+          <a:p>
+            <a:pPr lvl="0"/>
+            <a:r>
+              <a:rPr lang="en-US" altLang="zh-CN"/>
+              <a:t>JSON</a:t>
+            </a:r>
+            <a:endParaRPr lang="en-US" altLang="zh-CN"/>
+          </a:p>
+          <a:p>
+            <a:pPr lvl="1"/>
+            <a:r>
+              <a:rPr lang="en-US" altLang="en-US"/>
+              <a:t>var obj = </a:t>
+            </a:r>
+            <a:r>
+              <a:rPr lang="en-US" altLang="zh-CN"/>
+              <a:t>JSON.parse(str)</a:t>
+            </a:r>
+            <a:endParaRPr lang="en-US" altLang="zh-CN"/>
+          </a:p>
+          <a:p>
+            <a:pPr lvl="1"/>
+            <a:r>
+              <a:rPr lang="en-US" altLang="en-US"/>
+              <a:t>var str = JSON.stringify(obj)</a:t>
+            </a:r>
+            <a:endParaRPr lang="en-US" altLang="en-US"/>
           </a:p>
         </p:txBody>
       </p:sp>
@@ -4031,7 +4021,7 @@
           <a:p>
             <a:r>
               <a:rPr lang="en-US" altLang="zh-CN"/>
-              <a:t>DateTime</a:t>
+              <a:t>Object</a:t>
             </a:r>
             <a:endParaRPr lang="en-US" altLang="zh-CN"/>
           </a:p>
@@ -4051,7 +4041,11 @@
         <p:txBody>
           <a:bodyPr/>
           <a:p>
-            <a:endParaRPr lang="zh-CN" altLang="en-US"/>
+            <a:r>
+              <a:rPr lang="en-US" altLang="zh-CN"/>
+              <a:t>obj.property</a:t>
+            </a:r>
+            <a:endParaRPr lang="en-US" altLang="zh-CN"/>
           </a:p>
         </p:txBody>
       </p:sp>
@@ -4092,7 +4086,7 @@
           <a:p>
             <a:r>
               <a:rPr lang="en-US" altLang="zh-CN"/>
-              <a:t>Form</a:t>
+              <a:t>String Operation</a:t>
             </a:r>
             <a:endParaRPr lang="en-US" altLang="zh-CN"/>
           </a:p>
@@ -4110,32 +4104,126 @@
         </p:nvSpPr>
         <p:spPr/>
         <p:txBody>
-          <a:bodyPr/>
-          <a:p>
-            <a:r>
-              <a:rPr lang="en-US" altLang="zh-CN"/>
-              <a:t>Email validation</a:t>
-            </a:r>
-            <a:endParaRPr lang="en-US" altLang="zh-CN"/>
-          </a:p>
-          <a:p>
-            <a:pPr lvl="1"/>
-            <a:r>
-              <a:rPr lang="en-US" altLang="zh-CN"/>
-              <a:t>/^\w+([\.-]?\w+)*@\w+([\.-]?\w+)*(\.\w{2,3})+$/</a:t>
-            </a:r>
-            <a:endParaRPr lang="en-US" altLang="zh-CN"/>
-          </a:p>
-          <a:p>
-            <a:pPr lvl="0"/>
-            <a:r>
-              <a:rPr lang="en-US" altLang="zh-CN"/>
-              <a:t>Phone validation</a:t>
-            </a:r>
-            <a:endParaRPr lang="en-US" altLang="zh-CN"/>
-          </a:p>
-          <a:p>
-            <a:pPr lvl="1"/>
+          <a:bodyPr>
+            <a:normAutofit lnSpcReduction="20000"/>
+          </a:bodyPr>
+          <a:p>
+            <a:r>
+              <a:rPr lang="en-US" altLang="zh-CN"/>
+              <a:t>Methods</a:t>
+            </a:r>
+            <a:endParaRPr lang="en-US" altLang="zh-CN"/>
+          </a:p>
+          <a:p>
+            <a:pPr lvl="1"/>
+            <a:r>
+              <a:rPr lang="en-US" altLang="zh-CN"/>
+              <a:t>var len = str.length</a:t>
+            </a:r>
+            <a:endParaRPr lang="en-US" altLang="zh-CN"/>
+          </a:p>
+          <a:p>
+            <a:pPr lvl="1"/>
+            <a:r>
+              <a:rPr lang="en-US" altLang="zh-CN"/>
+              <a:t>var pos = str.indexOf(“locate”)</a:t>
+            </a:r>
+            <a:endParaRPr lang="en-US" altLang="zh-CN"/>
+          </a:p>
+          <a:p>
+            <a:pPr lvl="1"/>
+            <a:r>
+              <a:rPr lang="en-US" altLang="zh-CN"/>
+              <a:t>var pos = str.lastIndexOf(“locate”)</a:t>
+            </a:r>
+            <a:endParaRPr lang="en-US" altLang="zh-CN"/>
+          </a:p>
+          <a:p>
+            <a:pPr lvl="1"/>
+            <a:r>
+              <a:rPr lang="en-US" altLang="zh-CN"/>
+              <a:t>var substr = str.slice(start, end)</a:t>
+            </a:r>
+            <a:endParaRPr lang="en-US" altLang="zh-CN"/>
+          </a:p>
+          <a:p>
+            <a:pPr lvl="1"/>
+            <a:r>
+              <a:rPr lang="en-US" altLang="zh-CN"/>
+              <a:t>var substr = str.substr(start, len)</a:t>
+            </a:r>
+            <a:endParaRPr lang="en-US" altLang="zh-CN"/>
+          </a:p>
+          <a:p>
+            <a:pPr lvl="1"/>
+            <a:r>
+              <a:rPr lang="en-US" altLang="zh-CN"/>
+              <a:t>var str = str.replace(src, dest)</a:t>
+            </a:r>
+            <a:endParaRPr lang="en-US" altLang="zh-CN"/>
+          </a:p>
+          <a:p>
+            <a:pPr lvl="1"/>
+            <a:r>
+              <a:rPr lang="en-US" altLang="zh-CN"/>
+              <a:t>var up = str.toUpperCase()</a:t>
+            </a:r>
+            <a:endParaRPr lang="en-US" altLang="zh-CN"/>
+          </a:p>
+          <a:p>
+            <a:pPr lvl="1"/>
+            <a:r>
+              <a:rPr lang="en-US" altLang="zh-CN"/>
+              <a:t>var l = str.toLowerCase()</a:t>
+            </a:r>
+            <a:endParaRPr lang="en-US" altLang="zh-CN"/>
+          </a:p>
+          <a:p>
+            <a:pPr lvl="1"/>
+            <a:r>
+              <a:rPr lang="en-US" altLang="zh-CN"/>
+              <a:t>var concat = str.concat(“,”, str2)</a:t>
+            </a:r>
+            <a:endParaRPr lang="en-US" altLang="zh-CN"/>
+          </a:p>
+          <a:p>
+            <a:pPr lvl="1"/>
+            <a:r>
+              <a:rPr lang="en-US" altLang="zh-CN"/>
+              <a:t>var t = str.trim()</a:t>
+            </a:r>
+            <a:endParaRPr lang="en-US" altLang="zh-CN"/>
+          </a:p>
+          <a:p>
+            <a:pPr lvl="1"/>
+            <a:r>
+              <a:rPr lang="en-US" altLang="zh-CN"/>
+              <a:t>var ch = str.charAt(pos)</a:t>
+            </a:r>
+            <a:endParaRPr lang="en-US" altLang="zh-CN"/>
+          </a:p>
+          <a:p>
+            <a:pPr lvl="1"/>
+            <a:r>
+              <a:rPr lang="en-US" altLang="zh-CN"/>
+              <a:t>var code = str.charCodeAt(pos)</a:t>
+            </a:r>
+            <a:endParaRPr lang="en-US" altLang="zh-CN"/>
+          </a:p>
+          <a:p>
+            <a:pPr lvl="1"/>
+            <a:r>
+              <a:rPr lang="en-US" altLang="zh-CN"/>
+              <a:t>str[pos]</a:t>
+            </a:r>
+            <a:endParaRPr lang="en-US" altLang="zh-CN"/>
+          </a:p>
+          <a:p>
+            <a:pPr lvl="1"/>
+            <a:r>
+              <a:rPr lang="en-US" altLang="zh-CN"/>
+              <a:t>var arr = str.split(“,”)</a:t>
+            </a:r>
             <a:endParaRPr lang="en-US" altLang="zh-CN"/>
           </a:p>
         </p:txBody>
@@ -4163,7 +4251,7 @@
       <p:grpSpPr/>
       <p:sp>
         <p:nvSpPr>
-          <p:cNvPr id="2" name="Title 1"/>
+          <p:cNvPr id="2" name="标题 1"/>
           <p:cNvSpPr>
             <a:spLocks noGrp="1"/>
           </p:cNvSpPr>
@@ -4176,16 +4264,16 @@
           <a:bodyPr/>
           <a:p>
             <a:r>
-              <a:rPr lang="en-US" altLang="en-US"/>
-              <a:t>jQuery</a:t>
-            </a:r>
-            <a:endParaRPr lang="en-US" altLang="en-US"/>
-          </a:p>
-        </p:txBody>
-      </p:sp>
-      <p:sp>
-        <p:nvSpPr>
-          <p:cNvPr id="3" name="Content Placeholder 2"/>
+              <a:rPr lang="en-US" altLang="zh-CN"/>
+              <a:t>DateTime</a:t>
+            </a:r>
+            <a:endParaRPr lang="en-US" altLang="zh-CN"/>
+          </a:p>
+        </p:txBody>
+      </p:sp>
+      <p:sp>
+        <p:nvSpPr>
+          <p:cNvPr id="3" name="内容占位符 2"/>
           <p:cNvSpPr>
             <a:spLocks noGrp="1"/>
           </p:cNvSpPr>
@@ -4197,23 +4285,14 @@
         <p:txBody>
           <a:bodyPr/>
           <a:p>
-            <a:r>
-              <a:rPr lang="en-US" altLang="en-US"/>
-              <a:t>Find element</a:t>
-            </a:r>
-            <a:endParaRPr lang="en-US" altLang="en-US"/>
-          </a:p>
-          <a:p>
-            <a:pPr lvl="1"/>
-            <a:r>
-              <a:rPr lang="en-US" altLang="en-US"/>
-              <a:t>$('#id01'), $('.class1')</a:t>
-            </a:r>
-            <a:endParaRPr lang="en-US" altLang="en-US"/>
+            <a:endParaRPr lang="zh-CN" altLang="en-US"/>
           </a:p>
         </p:txBody>
       </p:sp>
     </p:spTree>
+    <p:custDataLst>
+      <p:tags r:id="rId1"/>
+    </p:custDataLst>
   </p:cSld>
   <p:clrMapOvr>
     <a:masterClrMapping/>
@@ -4247,15 +4326,7 @@
           <a:p>
             <a:r>
               <a:rPr lang="en-US" altLang="zh-CN"/>
-              <a:t>e</a:t>
-            </a:r>
-            <a:r>
-              <a:rPr lang="en-US" altLang="en-US"/>
-              <a:t>C</a:t>
-            </a:r>
-            <a:r>
-              <a:rPr lang="en-US" altLang="zh-CN"/>
-              <a:t>harts</a:t>
+              <a:t>Form</a:t>
             </a:r>
             <a:endParaRPr lang="en-US" altLang="zh-CN"/>
           </a:p>
@@ -4273,135 +4344,33 @@
         </p:nvSpPr>
         <p:spPr/>
         <p:txBody>
-          <a:bodyPr>
-            <a:normAutofit fontScale="70000"/>
-          </a:bodyPr>
-          <a:p>
-            <a:r>
-              <a:rPr lang="en-US" altLang="zh-CN"/>
-              <a:t>Info</a:t>
-            </a:r>
-            <a:endParaRPr lang="en-US" altLang="zh-CN"/>
-          </a:p>
-          <a:p>
-            <a:pPr lvl="1"/>
-            <a:r>
-              <a:rPr lang="en-US" altLang="zh-CN"/>
-              <a:t>A declarative framework for rapid construction of web-based visualization</a:t>
-            </a:r>
-            <a:endParaRPr lang="en-US" altLang="zh-CN"/>
-          </a:p>
-          <a:p>
-            <a:pPr lvl="1"/>
-            <a:r>
-              <a:rPr lang="en-US" altLang="en-US"/>
-              <a:t>https://echarts.baidu.com</a:t>
-            </a:r>
-            <a:endParaRPr lang="en-US" altLang="en-US"/>
+          <a:bodyPr/>
+          <a:p>
+            <a:r>
+              <a:rPr lang="en-US" altLang="zh-CN"/>
+              <a:t>Email validation</a:t>
+            </a:r>
+            <a:endParaRPr lang="en-US" altLang="zh-CN"/>
+          </a:p>
+          <a:p>
+            <a:pPr lvl="1"/>
+            <a:r>
+              <a:rPr lang="en-US" altLang="zh-CN"/>
+              <a:t>/^\w+([\.-]?\w+)*@\w+([\.-]?\w+)*(\.\w{2,3})+$/</a:t>
+            </a:r>
+            <a:endParaRPr lang="en-US" altLang="zh-CN"/>
           </a:p>
           <a:p>
             <a:pPr lvl="0"/>
             <a:r>
-              <a:rPr lang="en-US" altLang="en-US"/>
-              <a:t>Usage</a:t>
-            </a:r>
-            <a:endParaRPr lang="en-US" altLang="en-US"/>
-          </a:p>
-          <a:p>
-            <a:pPr lvl="1"/>
-            <a:r>
-              <a:rPr lang="en-US" altLang="en-US"/>
-              <a:t>&lt;script src='echarts.min.js'&gt;&lt;/script&gt;</a:t>
-            </a:r>
-            <a:endParaRPr lang="en-US" altLang="en-US"/>
-          </a:p>
-          <a:p>
-            <a:pPr lvl="1"/>
-            <a:r>
-              <a:rPr lang="en-US" altLang="en-US"/>
-              <a:t>var myChart = echarts.init(document.getElementById('main'));</a:t>
-            </a:r>
-            <a:endParaRPr lang="en-US" altLang="en-US"/>
-          </a:p>
-          <a:p>
-            <a:pPr lvl="1"/>
-            <a:r>
-              <a:rPr lang="en-US" altLang="en-US"/>
-              <a:t>var option = {...};</a:t>
-            </a:r>
-            <a:endParaRPr lang="en-US" altLang="en-US"/>
-          </a:p>
-          <a:p>
-            <a:pPr lvl="1"/>
-            <a:r>
-              <a:rPr lang="en-US" altLang="en-US"/>
-              <a:t>myChart.setOption(option)</a:t>
-            </a:r>
-            <a:endParaRPr lang="en-US" altLang="en-US"/>
-          </a:p>
-          <a:p>
-            <a:pPr lvl="0"/>
-            <a:r>
-              <a:rPr lang="en-US" altLang="en-US"/>
-              <a:t>Options</a:t>
-            </a:r>
-            <a:endParaRPr lang="en-US" altLang="en-US"/>
-          </a:p>
-          <a:p>
-            <a:pPr lvl="1"/>
-            <a:r>
-              <a:rPr lang="en-US" altLang="en-US"/>
-              <a:t>theme: 'light', 'dark'</a:t>
-            </a:r>
-            <a:endParaRPr lang="en-US" altLang="en-US"/>
-          </a:p>
-          <a:p>
-            <a:pPr lvl="1"/>
-            <a:r>
-              <a:rPr lang="en-US" altLang="en-US"/>
-              <a:t>itemStyle, lineStyle, areaStyle, label</a:t>
-            </a:r>
-            <a:endParaRPr lang="en-US" altLang="en-US"/>
-          </a:p>
-          <a:p>
-            <a:pPr lvl="1"/>
-            <a:r>
-              <a:rPr lang="en-US" altLang="en-US"/>
-              <a:t>emphasis</a:t>
-            </a:r>
-            <a:endParaRPr lang="en-US" altLang="en-US"/>
-          </a:p>
-          <a:p>
-            <a:pPr lvl="1"/>
-            <a:r>
-              <a:rPr lang="en-US" altLang="en-US"/>
-              <a:t>dataset, seriesLayoutBy, encode</a:t>
-            </a:r>
-            <a:endParaRPr lang="en-US" altLang="en-US"/>
-          </a:p>
-          <a:p>
-            <a:pPr lvl="1"/>
-            <a:r>
-              <a:rPr lang="en-US" altLang="en-US"/>
-              <a:t>legend, title, visualMap, dataZoom, timeline</a:t>
-            </a:r>
-            <a:endParaRPr lang="en-US" altLang="en-US"/>
-          </a:p>
-          <a:p>
-            <a:pPr lvl="0"/>
-            <a:r>
-              <a:rPr lang="en-US" altLang="en-US"/>
-              <a:t>Others</a:t>
-            </a:r>
-            <a:endParaRPr lang="en-US" altLang="en-US"/>
-          </a:p>
-          <a:p>
-            <a:pPr lvl="1"/>
-            <a:r>
-              <a:rPr lang="en-US" altLang="en-US"/>
-              <a:t>showLoading()</a:t>
-            </a:r>
-            <a:endParaRPr lang="en-US" altLang="en-US"/>
+              <a:rPr lang="en-US" altLang="zh-CN"/>
+              <a:t>Phone validation</a:t>
+            </a:r>
+            <a:endParaRPr lang="en-US" altLang="zh-CN"/>
+          </a:p>
+          <a:p>
+            <a:pPr lvl="1"/>
+            <a:endParaRPr lang="en-US" altLang="zh-CN"/>
           </a:p>
         </p:txBody>
       </p:sp>
@@ -4428,7 +4397,7 @@
       <p:grpSpPr/>
       <p:sp>
         <p:nvSpPr>
-          <p:cNvPr id="2" name="标题 1"/>
+          <p:cNvPr id="2" name="Title 1"/>
           <p:cNvSpPr>
             <a:spLocks noGrp="1"/>
           </p:cNvSpPr>
@@ -4441,16 +4410,16 @@
           <a:bodyPr/>
           <a:p>
             <a:r>
-              <a:rPr lang="en-US" altLang="zh-CN"/>
-              <a:t>Record Audio</a:t>
-            </a:r>
-            <a:endParaRPr lang="en-US" altLang="zh-CN"/>
-          </a:p>
-        </p:txBody>
-      </p:sp>
-      <p:sp>
-        <p:nvSpPr>
-          <p:cNvPr id="3" name="内容占位符 2"/>
+              <a:rPr lang="en-US" altLang="en-US"/>
+              <a:t>jQuery</a:t>
+            </a:r>
+            <a:endParaRPr lang="en-US" altLang="en-US"/>
+          </a:p>
+        </p:txBody>
+      </p:sp>
+      <p:sp>
+        <p:nvSpPr>
+          <p:cNvPr id="3" name="Content Placeholder 2"/>
           <p:cNvSpPr>
             <a:spLocks noGrp="1"/>
           </p:cNvSpPr>
@@ -4463,41 +4432,22 @@
           <a:bodyPr/>
           <a:p>
             <a:r>
-              <a:rPr lang="en-US" altLang="zh-CN" sz="2800"/>
-              <a:t>recorder.js</a:t>
-            </a:r>
-            <a:endParaRPr lang="en-US" altLang="zh-CN" sz="2800"/>
-          </a:p>
-          <a:p>
-            <a:pPr lvl="1"/>
-            <a:r>
-              <a:rPr lang="en-US" altLang="zh-CN" sz="2400"/>
-              <a:t>supports only wav recording</a:t>
-            </a:r>
-            <a:endParaRPr lang="en-US" altLang="zh-CN" sz="2400"/>
-          </a:p>
-          <a:p>
-            <a:pPr lvl="1"/>
-            <a:r>
-              <a:rPr lang="en-US" altLang="zh-CN" sz="2400"/>
-              <a:t>records 16bit mono/2 channel audio at 44.1kHz or 48kHz</a:t>
-            </a:r>
-            <a:endParaRPr lang="en-US" altLang="zh-CN" sz="2400"/>
-          </a:p>
-          <a:p>
-            <a:pPr lvl="1"/>
-            <a:r>
-              <a:rPr lang="en-US" altLang="zh-CN" sz="2400"/>
-              <a:t>demo:https://github.com/addpipe/simple-recorderjs-demo</a:t>
-            </a:r>
-            <a:endParaRPr lang="en-US" altLang="zh-CN" sz="2400"/>
+              <a:rPr lang="en-US" altLang="en-US"/>
+              <a:t>Find element</a:t>
+            </a:r>
+            <a:endParaRPr lang="en-US" altLang="en-US"/>
+          </a:p>
+          <a:p>
+            <a:pPr lvl="1"/>
+            <a:r>
+              <a:rPr lang="en-US" altLang="en-US"/>
+              <a:t>$('#id01'), $('.class1')</a:t>
+            </a:r>
+            <a:endParaRPr lang="en-US" altLang="en-US"/>
           </a:p>
         </p:txBody>
       </p:sp>
     </p:spTree>
-    <p:custDataLst>
-      <p:tags r:id="rId1"/>
-    </p:custDataLst>
   </p:cSld>
   <p:clrMapOvr>
     <a:masterClrMapping/>
@@ -4517,7 +4467,7 @@
       <p:grpSpPr/>
       <p:sp>
         <p:nvSpPr>
-          <p:cNvPr id="4" name="标题 3"/>
+          <p:cNvPr id="2" name="标题 1"/>
           <p:cNvSpPr>
             <a:spLocks noGrp="1"/>
           </p:cNvSpPr>
@@ -4531,27 +4481,161 @@
           <a:p>
             <a:r>
               <a:rPr lang="en-US" altLang="zh-CN"/>
-              <a:t>3D</a:t>
-            </a:r>
-            <a:endParaRPr lang="en-US" altLang="zh-CN"/>
-          </a:p>
-        </p:txBody>
-      </p:sp>
-      <p:sp>
-        <p:nvSpPr>
-          <p:cNvPr id="5" name="文本占位符 4"/>
-          <p:cNvSpPr>
-            <a:spLocks noGrp="1"/>
-          </p:cNvSpPr>
-          <p:nvPr>
-            <p:ph type="body" idx="1"/>
+              <a:t>e</a:t>
+            </a:r>
+            <a:r>
+              <a:rPr lang="en-US" altLang="en-US"/>
+              <a:t>C</a:t>
+            </a:r>
+            <a:r>
+              <a:rPr lang="en-US" altLang="zh-CN"/>
+              <a:t>harts</a:t>
+            </a:r>
+            <a:endParaRPr lang="en-US" altLang="zh-CN"/>
+          </a:p>
+        </p:txBody>
+      </p:sp>
+      <p:sp>
+        <p:nvSpPr>
+          <p:cNvPr id="3" name="内容占位符 2"/>
+          <p:cNvSpPr>
+            <a:spLocks noGrp="1"/>
+          </p:cNvSpPr>
+          <p:nvPr>
+            <p:ph idx="1"/>
           </p:nvPr>
         </p:nvSpPr>
         <p:spPr/>
         <p:txBody>
-          <a:bodyPr/>
-          <a:p>
-            <a:endParaRPr lang="zh-CN" altLang="en-US"/>
+          <a:bodyPr>
+            <a:normAutofit fontScale="70000"/>
+          </a:bodyPr>
+          <a:p>
+            <a:r>
+              <a:rPr lang="en-US" altLang="zh-CN"/>
+              <a:t>Info</a:t>
+            </a:r>
+            <a:endParaRPr lang="en-US" altLang="zh-CN"/>
+          </a:p>
+          <a:p>
+            <a:pPr lvl="1"/>
+            <a:r>
+              <a:rPr lang="en-US" altLang="zh-CN"/>
+              <a:t>A declarative framework for rapid construction of web-based visualization</a:t>
+            </a:r>
+            <a:endParaRPr lang="en-US" altLang="zh-CN"/>
+          </a:p>
+          <a:p>
+            <a:pPr lvl="1"/>
+            <a:r>
+              <a:rPr lang="en-US" altLang="en-US"/>
+              <a:t>https://echarts.baidu.com</a:t>
+            </a:r>
+            <a:endParaRPr lang="en-US" altLang="en-US"/>
+          </a:p>
+          <a:p>
+            <a:pPr lvl="0"/>
+            <a:r>
+              <a:rPr lang="en-US" altLang="en-US"/>
+              <a:t>Usage</a:t>
+            </a:r>
+            <a:endParaRPr lang="en-US" altLang="en-US"/>
+          </a:p>
+          <a:p>
+            <a:pPr lvl="1"/>
+            <a:r>
+              <a:rPr lang="en-US" altLang="en-US"/>
+              <a:t>&lt;script src='echarts.min.js'&gt;&lt;/script&gt;</a:t>
+            </a:r>
+            <a:endParaRPr lang="en-US" altLang="en-US"/>
+          </a:p>
+          <a:p>
+            <a:pPr lvl="1"/>
+            <a:r>
+              <a:rPr lang="en-US" altLang="en-US"/>
+              <a:t>var myChart = echarts.init(document.getElementById('main'));</a:t>
+            </a:r>
+            <a:endParaRPr lang="en-US" altLang="en-US"/>
+          </a:p>
+          <a:p>
+            <a:pPr lvl="1"/>
+            <a:r>
+              <a:rPr lang="en-US" altLang="en-US"/>
+              <a:t>var option = {...};</a:t>
+            </a:r>
+            <a:endParaRPr lang="en-US" altLang="en-US"/>
+          </a:p>
+          <a:p>
+            <a:pPr lvl="1"/>
+            <a:r>
+              <a:rPr lang="en-US" altLang="en-US"/>
+              <a:t>myChart.setOption(option)</a:t>
+            </a:r>
+            <a:endParaRPr lang="en-US" altLang="en-US"/>
+          </a:p>
+          <a:p>
+            <a:pPr lvl="0"/>
+            <a:r>
+              <a:rPr lang="en-US" altLang="en-US"/>
+              <a:t>Options</a:t>
+            </a:r>
+            <a:endParaRPr lang="en-US" altLang="en-US"/>
+          </a:p>
+          <a:p>
+            <a:pPr lvl="1"/>
+            <a:r>
+              <a:rPr lang="en-US" altLang="en-US"/>
+              <a:t>theme: 'light', 'dark'</a:t>
+            </a:r>
+            <a:endParaRPr lang="en-US" altLang="en-US"/>
+          </a:p>
+          <a:p>
+            <a:pPr lvl="1"/>
+            <a:r>
+              <a:rPr lang="en-US" altLang="en-US"/>
+              <a:t>itemStyle, lineStyle, areaStyle, label</a:t>
+            </a:r>
+            <a:endParaRPr lang="en-US" altLang="en-US"/>
+          </a:p>
+          <a:p>
+            <a:pPr lvl="1"/>
+            <a:r>
+              <a:rPr lang="en-US" altLang="en-US"/>
+              <a:t>emphasis</a:t>
+            </a:r>
+            <a:endParaRPr lang="en-US" altLang="en-US"/>
+          </a:p>
+          <a:p>
+            <a:pPr lvl="1"/>
+            <a:r>
+              <a:rPr lang="en-US" altLang="en-US"/>
+              <a:t>dataset, seriesLayoutBy, encode</a:t>
+            </a:r>
+            <a:endParaRPr lang="en-US" altLang="en-US"/>
+          </a:p>
+          <a:p>
+            <a:pPr lvl="1"/>
+            <a:r>
+              <a:rPr lang="en-US" altLang="en-US"/>
+              <a:t>legend, title, visualMap, dataZoom, timeline</a:t>
+            </a:r>
+            <a:endParaRPr lang="en-US" altLang="en-US"/>
+          </a:p>
+          <a:p>
+            <a:pPr lvl="0"/>
+            <a:r>
+              <a:rPr lang="en-US" altLang="en-US"/>
+              <a:t>Others</a:t>
+            </a:r>
+            <a:endParaRPr lang="en-US" altLang="en-US"/>
+          </a:p>
+          <a:p>
+            <a:pPr lvl="1"/>
+            <a:r>
+              <a:rPr lang="en-US" altLang="en-US"/>
+              <a:t>showLoading()</a:t>
+            </a:r>
+            <a:endParaRPr lang="en-US" altLang="en-US"/>
           </a:p>
         </p:txBody>
       </p:sp>
@@ -4578,7 +4662,7 @@
       <p:grpSpPr/>
       <p:sp>
         <p:nvSpPr>
-          <p:cNvPr id="4" name="标题 3"/>
+          <p:cNvPr id="2" name="标题 1"/>
           <p:cNvSpPr>
             <a:spLocks noGrp="1"/>
           </p:cNvSpPr>
@@ -4592,15 +4676,15 @@
           <a:p>
             <a:r>
               <a:rPr lang="en-US" altLang="zh-CN"/>
-              <a:t>Overview</a:t>
-            </a:r>
-            <a:endParaRPr lang="en-US" altLang="zh-CN"/>
-          </a:p>
-        </p:txBody>
-      </p:sp>
-      <p:sp>
-        <p:nvSpPr>
-          <p:cNvPr id="5" name="内容占位符 4"/>
+              <a:t>Record Audio</a:t>
+            </a:r>
+            <a:endParaRPr lang="en-US" altLang="zh-CN"/>
+          </a:p>
+        </p:txBody>
+      </p:sp>
+      <p:sp>
+        <p:nvSpPr>
+          <p:cNvPr id="3" name="内容占位符 2"/>
           <p:cNvSpPr>
             <a:spLocks noGrp="1"/>
           </p:cNvSpPr>
@@ -4610,123 +4694,37 @@
         </p:nvSpPr>
         <p:spPr/>
         <p:txBody>
-          <a:bodyPr>
-            <a:normAutofit lnSpcReduction="10000"/>
-          </a:bodyPr>
-          <a:p>
-            <a:r>
-              <a:rPr lang="en-US" altLang="zh-CN"/>
-              <a:t>General framework</a:t>
-            </a:r>
-            <a:endParaRPr lang="en-US" altLang="zh-CN"/>
-          </a:p>
-          <a:p>
-            <a:pPr lvl="1"/>
-            <a:r>
-              <a:rPr lang="en-US" altLang="zh-CN"/>
-              <a:t>Three.js</a:t>
-            </a:r>
-            <a:endParaRPr lang="en-US" altLang="zh-CN"/>
-          </a:p>
-          <a:p>
-            <a:pPr lvl="1"/>
-            <a:r>
-              <a:rPr lang="en-US" altLang="zh-CN"/>
-              <a:t>A-F</a:t>
-            </a:r>
-            <a:r>
-              <a:rPr lang="en-US" altLang="zh-CN"/>
-              <a:t>rame</a:t>
-            </a:r>
-            <a:endParaRPr lang="en-US" altLang="zh-CN"/>
-          </a:p>
-          <a:p>
-            <a:pPr lvl="2"/>
-            <a:r>
-              <a:rPr lang="en-US" altLang="zh-CN"/>
-              <a:t>https://aframe.io/</a:t>
-            </a:r>
-            <a:endParaRPr lang="en-US" altLang="zh-CN"/>
-          </a:p>
-          <a:p>
-            <a:pPr lvl="2"/>
-            <a:r>
-              <a:rPr lang="en-US" altLang="zh-CN"/>
-              <a:t>https://github.com/aframevr/aframe</a:t>
-            </a:r>
-            <a:endParaRPr lang="en-US" altLang="zh-CN"/>
-          </a:p>
-          <a:p>
-            <a:pPr lvl="1"/>
-            <a:r>
-              <a:rPr lang="en-US" altLang="zh-CN"/>
-              <a:t>PlayCanvas</a:t>
-            </a:r>
-            <a:endParaRPr lang="en-US" altLang="zh-CN"/>
-          </a:p>
-          <a:p>
-            <a:pPr lvl="2"/>
-            <a:r>
-              <a:rPr lang="en-US" altLang="zh-CN"/>
-              <a:t>https://playcanvas.com/</a:t>
-            </a:r>
-            <a:endParaRPr lang="en-US" altLang="zh-CN"/>
-          </a:p>
-          <a:p>
-            <a:pPr lvl="2"/>
-            <a:r>
-              <a:rPr lang="en-US" altLang="zh-CN"/>
-              <a:t>https://github.com/playcanvas/engine</a:t>
-            </a:r>
-            <a:endParaRPr lang="en-US" altLang="zh-CN"/>
-          </a:p>
-          <a:p>
-            <a:pPr lvl="1"/>
-            <a:r>
-              <a:rPr lang="en-US" altLang="zh-CN" sz="2000"/>
-              <a:t>Babylon.js</a:t>
-            </a:r>
-            <a:endParaRPr lang="en-US" altLang="zh-CN" sz="2000"/>
-          </a:p>
-          <a:p>
-            <a:pPr lvl="2"/>
-            <a:r>
-              <a:rPr lang="en-US" altLang="zh-CN"/>
-              <a:t>http://www.babylonjs.com/</a:t>
-            </a:r>
-            <a:endParaRPr lang="en-US" altLang="zh-CN"/>
-          </a:p>
-          <a:p>
-            <a:pPr lvl="0"/>
-            <a:r>
-              <a:rPr lang="en-US" altLang="zh-CN"/>
-              <a:t>3D Model View</a:t>
-            </a:r>
-            <a:endParaRPr lang="en-US" altLang="zh-CN"/>
-          </a:p>
-          <a:p>
-            <a:pPr lvl="1"/>
-            <a:r>
-              <a:rPr lang="en-US" altLang="zh-CN" sz="2000"/>
-              <a:t>Google ModelViewer</a:t>
-            </a:r>
-            <a:endParaRPr lang="en-US" altLang="zh-CN" sz="2000"/>
-          </a:p>
-          <a:p>
-            <a:pPr lvl="2"/>
-            <a:r>
-              <a:rPr lang="en-US" altLang="zh-CN"/>
-              <a:t>https://modelviewer.dev/</a:t>
-            </a:r>
-            <a:endParaRPr lang="en-US" altLang="zh-CN"/>
-          </a:p>
-          <a:p>
-            <a:pPr lvl="0"/>
-            <a:r>
-              <a:rPr lang="en-US" altLang="zh-CN"/>
-              <a:t>https://manu.ninja/25-real-world-applications-using-webgl</a:t>
-            </a:r>
-            <a:endParaRPr lang="en-US" altLang="zh-CN"/>
+          <a:bodyPr/>
+          <a:p>
+            <a:r>
+              <a:rPr lang="en-US" altLang="zh-CN" sz="2800"/>
+              <a:t>recorder.js</a:t>
+            </a:r>
+            <a:endParaRPr lang="en-US" altLang="zh-CN" sz="2800"/>
+          </a:p>
+          <a:p>
+            <a:pPr lvl="1"/>
+            <a:r>
+              <a:rPr lang="en-US" altLang="zh-CN" sz="2400"/>
+              <a:t>supports only wav recording</a:t>
+            </a:r>
+            <a:endParaRPr lang="en-US" altLang="zh-CN" sz="2400"/>
+          </a:p>
+          <a:p>
+            <a:pPr lvl="1"/>
+            <a:r>
+              <a:rPr lang="en-US" altLang="zh-CN" sz="2400"/>
+              <a:t>records 16bit mono/2 channel audio at 44.1kHz or 48kHz</a:t>
+            </a:r>
+            <a:endParaRPr lang="en-US" altLang="zh-CN" sz="2400"/>
+          </a:p>
+          <a:p>
+            <a:pPr lvl="1"/>
+            <a:r>
+              <a:rPr lang="en-US" altLang="zh-CN" sz="2400"/>
+              <a:t>demo:https://github.com/addpipe/simple-recorderjs-demo</a:t>
+            </a:r>
+            <a:endParaRPr lang="en-US" altLang="zh-CN" sz="2400"/>
           </a:p>
         </p:txBody>
       </p:sp>
@@ -4742,6 +4740,625 @@
 </file>
 
 <file path=ppt/slides/slide18.xml><?xml version="1.0" encoding="utf-8"?>
+<p:sld xmlns:a="http://schemas.openxmlformats.org/drawingml/2006/main" xmlns:r="http://schemas.openxmlformats.org/officeDocument/2006/relationships" xmlns:p="http://schemas.openxmlformats.org/presentationml/2006/main">
+  <p:cSld>
+    <p:spTree>
+      <p:nvGrpSpPr>
+        <p:cNvPr id="1" name=""/>
+        <p:cNvGrpSpPr/>
+        <p:nvPr/>
+      </p:nvGrpSpPr>
+      <p:grpSpPr/>
+      <p:sp>
+        <p:nvSpPr>
+          <p:cNvPr id="4" name="标题 3"/>
+          <p:cNvSpPr>
+            <a:spLocks noGrp="1"/>
+          </p:cNvSpPr>
+          <p:nvPr>
+            <p:ph type="title"/>
+          </p:nvPr>
+        </p:nvSpPr>
+        <p:spPr/>
+        <p:txBody>
+          <a:bodyPr/>
+          <a:p>
+            <a:r>
+              <a:rPr lang="en-US" altLang="zh-CN"/>
+              <a:t>Image Process</a:t>
+            </a:r>
+            <a:endParaRPr lang="en-US" altLang="zh-CN"/>
+          </a:p>
+        </p:txBody>
+      </p:sp>
+      <p:sp>
+        <p:nvSpPr>
+          <p:cNvPr id="5" name="文本占位符 4"/>
+          <p:cNvSpPr>
+            <a:spLocks noGrp="1"/>
+          </p:cNvSpPr>
+          <p:nvPr>
+            <p:ph type="body" idx="1"/>
+          </p:nvPr>
+        </p:nvSpPr>
+        <p:spPr/>
+        <p:txBody>
+          <a:bodyPr/>
+          <a:p>
+            <a:endParaRPr lang="zh-CN" altLang="en-US"/>
+          </a:p>
+        </p:txBody>
+      </p:sp>
+    </p:spTree>
+    <p:custDataLst>
+      <p:tags r:id="rId1"/>
+    </p:custDataLst>
+  </p:cSld>
+  <p:clrMapOvr>
+    <a:masterClrMapping/>
+  </p:clrMapOvr>
+</p:sld>
+</file>
+
+<file path=ppt/slides/slide19.xml><?xml version="1.0" encoding="utf-8"?>
+<p:sld xmlns:a="http://schemas.openxmlformats.org/drawingml/2006/main" xmlns:r="http://schemas.openxmlformats.org/officeDocument/2006/relationships" xmlns:p="http://schemas.openxmlformats.org/presentationml/2006/main">
+  <p:cSld>
+    <p:spTree>
+      <p:nvGrpSpPr>
+        <p:cNvPr id="1" name=""/>
+        <p:cNvGrpSpPr/>
+        <p:nvPr/>
+      </p:nvGrpSpPr>
+      <p:grpSpPr/>
+      <p:sp>
+        <p:nvSpPr>
+          <p:cNvPr id="2" name="标题 1"/>
+          <p:cNvSpPr>
+            <a:spLocks noGrp="1"/>
+          </p:cNvSpPr>
+          <p:nvPr>
+            <p:ph type="title"/>
+          </p:nvPr>
+        </p:nvSpPr>
+        <p:spPr/>
+        <p:txBody>
+          <a:bodyPr/>
+          <a:p>
+            <a:r>
+              <a:rPr lang="en-US" altLang="zh-CN"/>
+              <a:t>References</a:t>
+            </a:r>
+            <a:endParaRPr lang="en-US" altLang="zh-CN"/>
+          </a:p>
+        </p:txBody>
+      </p:sp>
+      <p:sp>
+        <p:nvSpPr>
+          <p:cNvPr id="3" name="内容占位符 2"/>
+          <p:cNvSpPr>
+            <a:spLocks noGrp="1"/>
+          </p:cNvSpPr>
+          <p:nvPr>
+            <p:ph idx="1"/>
+          </p:nvPr>
+        </p:nvSpPr>
+        <p:spPr/>
+        <p:txBody>
+          <a:bodyPr/>
+          <a:p>
+            <a:r>
+              <a:rPr lang="en-US" altLang="zh-CN"/>
+              <a:t>References</a:t>
+            </a:r>
+            <a:endParaRPr lang="en-US" altLang="zh-CN"/>
+          </a:p>
+          <a:p>
+            <a:pPr lvl="1"/>
+            <a:r>
+              <a:rPr lang="en-US" altLang="zh-CN"/>
+              <a:t>https://github.com/image-js/image-js</a:t>
+            </a:r>
+            <a:endParaRPr lang="en-US" altLang="zh-CN"/>
+          </a:p>
+          <a:p>
+            <a:pPr lvl="1"/>
+            <a:r>
+              <a:rPr lang="en-US" altLang="zh-CN"/>
+              <a:t>https://github.com/meltingice/CamanJS/</a:t>
+            </a:r>
+            <a:endParaRPr lang="en-US" altLang="zh-CN"/>
+          </a:p>
+          <a:p>
+            <a:pPr lvl="1"/>
+            <a:endParaRPr lang="en-US" altLang="zh-CN"/>
+          </a:p>
+        </p:txBody>
+      </p:sp>
+    </p:spTree>
+    <p:custDataLst>
+      <p:tags r:id="rId1"/>
+    </p:custDataLst>
+  </p:cSld>
+  <p:clrMapOvr>
+    <a:masterClrMapping/>
+  </p:clrMapOvr>
+</p:sld>
+</file>
+
+<file path=ppt/slides/slide2.xml><?xml version="1.0" encoding="utf-8"?>
+<p:sld xmlns:a="http://schemas.openxmlformats.org/drawingml/2006/main" xmlns:r="http://schemas.openxmlformats.org/officeDocument/2006/relationships" xmlns:p="http://schemas.openxmlformats.org/presentationml/2006/main">
+  <p:cSld>
+    <p:spTree>
+      <p:nvGrpSpPr>
+        <p:cNvPr id="1" name=""/>
+        <p:cNvGrpSpPr/>
+        <p:nvPr/>
+      </p:nvGrpSpPr>
+      <p:grpSpPr/>
+      <p:sp>
+        <p:nvSpPr>
+          <p:cNvPr id="4" name="标题 3"/>
+          <p:cNvSpPr>
+            <a:spLocks noGrp="1"/>
+          </p:cNvSpPr>
+          <p:nvPr>
+            <p:ph type="title"/>
+          </p:nvPr>
+        </p:nvSpPr>
+        <p:spPr/>
+        <p:txBody>
+          <a:bodyPr/>
+          <a:p>
+            <a:r>
+              <a:rPr lang="en-US" altLang="zh-CN"/>
+              <a:t>General</a:t>
+            </a:r>
+            <a:endParaRPr lang="en-US" altLang="zh-CN"/>
+          </a:p>
+        </p:txBody>
+      </p:sp>
+      <p:sp>
+        <p:nvSpPr>
+          <p:cNvPr id="5" name="文本占位符 4"/>
+          <p:cNvSpPr>
+            <a:spLocks noGrp="1"/>
+          </p:cNvSpPr>
+          <p:nvPr>
+            <p:ph type="body" idx="1"/>
+          </p:nvPr>
+        </p:nvSpPr>
+        <p:spPr/>
+        <p:txBody>
+          <a:bodyPr/>
+          <a:p>
+            <a:endParaRPr lang="zh-CN" altLang="en-US"/>
+          </a:p>
+        </p:txBody>
+      </p:sp>
+    </p:spTree>
+    <p:custDataLst>
+      <p:tags r:id="rId1"/>
+    </p:custDataLst>
+  </p:cSld>
+  <p:clrMapOvr>
+    <a:masterClrMapping/>
+  </p:clrMapOvr>
+</p:sld>
+</file>
+
+<file path=ppt/slides/slide20.xml><?xml version="1.0" encoding="utf-8"?>
+<p:sld xmlns:a="http://schemas.openxmlformats.org/drawingml/2006/main" xmlns:r="http://schemas.openxmlformats.org/officeDocument/2006/relationships" xmlns:p="http://schemas.openxmlformats.org/presentationml/2006/main">
+  <p:cSld>
+    <p:spTree>
+      <p:nvGrpSpPr>
+        <p:cNvPr id="1" name=""/>
+        <p:cNvGrpSpPr/>
+        <p:nvPr/>
+      </p:nvGrpSpPr>
+      <p:grpSpPr/>
+      <p:sp>
+        <p:nvSpPr>
+          <p:cNvPr id="4" name="标题 3"/>
+          <p:cNvSpPr>
+            <a:spLocks noGrp="1"/>
+          </p:cNvSpPr>
+          <p:nvPr>
+            <p:ph type="title"/>
+          </p:nvPr>
+        </p:nvSpPr>
+        <p:spPr/>
+        <p:txBody>
+          <a:bodyPr/>
+          <a:p>
+            <a:r>
+              <a:rPr lang="en-US" altLang="zh-CN"/>
+              <a:t>Image Process Libraries</a:t>
+            </a:r>
+            <a:endParaRPr lang="en-US" altLang="zh-CN"/>
+          </a:p>
+        </p:txBody>
+      </p:sp>
+      <p:pic>
+        <p:nvPicPr>
+          <p:cNvPr id="6" name="图片 5" descr="table"/>
+          <p:cNvPicPr>
+            <a:picLocks noChangeAspect="1"/>
+          </p:cNvPicPr>
+          <p:nvPr>
+            <p:custDataLst>
+              <p:tags r:id="rId1"/>
+            </p:custDataLst>
+          </p:nvPr>
+        </p:nvPicPr>
+        <p:blipFill>
+          <a:blip r:embed="rId2"/>
+          <a:stretch>
+            <a:fillRect/>
+          </a:stretch>
+        </p:blipFill>
+        <p:spPr>
+          <a:xfrm>
+            <a:off x="838200" y="1241425"/>
+            <a:ext cx="3756660" cy="5283200"/>
+          </a:xfrm>
+          <a:prstGeom prst="rect">
+            <a:avLst/>
+          </a:prstGeom>
+        </p:spPr>
+      </p:pic>
+      <p:pic>
+        <p:nvPicPr>
+          <p:cNvPr id="7" name="图片 6" descr="fun_effects"/>
+          <p:cNvPicPr>
+            <a:picLocks noChangeAspect="1"/>
+          </p:cNvPicPr>
+          <p:nvPr/>
+        </p:nvPicPr>
+        <p:blipFill>
+          <a:blip r:embed="rId3"/>
+          <a:stretch>
+            <a:fillRect/>
+          </a:stretch>
+        </p:blipFill>
+        <p:spPr>
+          <a:xfrm>
+            <a:off x="5003800" y="1602105"/>
+            <a:ext cx="6350000" cy="4775200"/>
+          </a:xfrm>
+          <a:prstGeom prst="rect">
+            <a:avLst/>
+          </a:prstGeom>
+        </p:spPr>
+      </p:pic>
+    </p:spTree>
+    <p:custDataLst>
+      <p:tags r:id="rId4"/>
+    </p:custDataLst>
+  </p:cSld>
+  <p:clrMapOvr>
+    <a:masterClrMapping/>
+  </p:clrMapOvr>
+</p:sld>
+</file>
+
+<file path=ppt/slides/slide21.xml><?xml version="1.0" encoding="utf-8"?>
+<p:sld xmlns:a="http://schemas.openxmlformats.org/drawingml/2006/main" xmlns:r="http://schemas.openxmlformats.org/officeDocument/2006/relationships" xmlns:p="http://schemas.openxmlformats.org/presentationml/2006/main">
+  <p:cSld>
+    <p:spTree>
+      <p:nvGrpSpPr>
+        <p:cNvPr id="1" name=""/>
+        <p:cNvGrpSpPr/>
+        <p:nvPr/>
+      </p:nvGrpSpPr>
+      <p:grpSpPr/>
+      <p:sp>
+        <p:nvSpPr>
+          <p:cNvPr id="2" name="标题 1"/>
+          <p:cNvSpPr>
+            <a:spLocks noGrp="1"/>
+          </p:cNvSpPr>
+          <p:nvPr>
+            <p:ph type="title"/>
+          </p:nvPr>
+        </p:nvSpPr>
+        <p:spPr/>
+        <p:txBody>
+          <a:bodyPr/>
+          <a:p>
+            <a:r>
+              <a:rPr lang="en-US" altLang="zh-CN"/>
+              <a:t>SVG</a:t>
+            </a:r>
+            <a:endParaRPr lang="en-US" altLang="zh-CN"/>
+          </a:p>
+        </p:txBody>
+      </p:sp>
+      <p:sp>
+        <p:nvSpPr>
+          <p:cNvPr id="3" name="内容占位符 2"/>
+          <p:cNvSpPr>
+            <a:spLocks noGrp="1"/>
+          </p:cNvSpPr>
+          <p:nvPr>
+            <p:ph idx="1"/>
+          </p:nvPr>
+        </p:nvSpPr>
+        <p:spPr/>
+        <p:txBody>
+          <a:bodyPr/>
+          <a:p>
+            <a:r>
+              <a:rPr lang="en-US" altLang="zh-CN"/>
+              <a:t>References</a:t>
+            </a:r>
+            <a:endParaRPr lang="en-US" altLang="zh-CN"/>
+          </a:p>
+          <a:p>
+            <a:pPr lvl="1"/>
+            <a:r>
+              <a:rPr lang="en-US" altLang="zh-CN"/>
+              <a:t>https://github.com/svgdotjs</a:t>
+            </a:r>
+            <a:endParaRPr lang="en-US" altLang="zh-CN"/>
+          </a:p>
+          <a:p>
+            <a:pPr lvl="1"/>
+            <a:r>
+              <a:rPr lang="en-US" altLang="zh-CN"/>
+              <a:t>https://svgjs.com/</a:t>
+            </a:r>
+            <a:endParaRPr lang="en-US" altLang="zh-CN"/>
+          </a:p>
+        </p:txBody>
+      </p:sp>
+    </p:spTree>
+    <p:custDataLst>
+      <p:tags r:id="rId1"/>
+    </p:custDataLst>
+  </p:cSld>
+  <p:clrMapOvr>
+    <a:masterClrMapping/>
+  </p:clrMapOvr>
+</p:sld>
+</file>
+
+<file path=ppt/slides/slide22.xml><?xml version="1.0" encoding="utf-8"?>
+<p:sld xmlns:a="http://schemas.openxmlformats.org/drawingml/2006/main" xmlns:r="http://schemas.openxmlformats.org/officeDocument/2006/relationships" xmlns:p="http://schemas.openxmlformats.org/presentationml/2006/main">
+  <p:cSld>
+    <p:spTree>
+      <p:nvGrpSpPr>
+        <p:cNvPr id="1" name=""/>
+        <p:cNvGrpSpPr/>
+        <p:nvPr/>
+      </p:nvGrpSpPr>
+      <p:grpSpPr/>
+      <p:sp>
+        <p:nvSpPr>
+          <p:cNvPr id="4" name="标题 3"/>
+          <p:cNvSpPr>
+            <a:spLocks noGrp="1"/>
+          </p:cNvSpPr>
+          <p:nvPr>
+            <p:ph type="title"/>
+          </p:nvPr>
+        </p:nvSpPr>
+        <p:spPr/>
+        <p:txBody>
+          <a:bodyPr/>
+          <a:p>
+            <a:r>
+              <a:rPr lang="en-US" altLang="zh-CN"/>
+              <a:t>3D</a:t>
+            </a:r>
+            <a:endParaRPr lang="en-US" altLang="zh-CN"/>
+          </a:p>
+        </p:txBody>
+      </p:sp>
+      <p:sp>
+        <p:nvSpPr>
+          <p:cNvPr id="5" name="文本占位符 4"/>
+          <p:cNvSpPr>
+            <a:spLocks noGrp="1"/>
+          </p:cNvSpPr>
+          <p:nvPr>
+            <p:ph type="body" idx="1"/>
+          </p:nvPr>
+        </p:nvSpPr>
+        <p:spPr/>
+        <p:txBody>
+          <a:bodyPr/>
+          <a:p>
+            <a:endParaRPr lang="zh-CN" altLang="en-US"/>
+          </a:p>
+        </p:txBody>
+      </p:sp>
+    </p:spTree>
+    <p:custDataLst>
+      <p:tags r:id="rId1"/>
+    </p:custDataLst>
+  </p:cSld>
+  <p:clrMapOvr>
+    <a:masterClrMapping/>
+  </p:clrMapOvr>
+</p:sld>
+</file>
+
+<file path=ppt/slides/slide23.xml><?xml version="1.0" encoding="utf-8"?>
+<p:sld xmlns:a="http://schemas.openxmlformats.org/drawingml/2006/main" xmlns:r="http://schemas.openxmlformats.org/officeDocument/2006/relationships" xmlns:p="http://schemas.openxmlformats.org/presentationml/2006/main">
+  <p:cSld>
+    <p:spTree>
+      <p:nvGrpSpPr>
+        <p:cNvPr id="1" name=""/>
+        <p:cNvGrpSpPr/>
+        <p:nvPr/>
+      </p:nvGrpSpPr>
+      <p:grpSpPr/>
+      <p:sp>
+        <p:nvSpPr>
+          <p:cNvPr id="4" name="标题 3"/>
+          <p:cNvSpPr>
+            <a:spLocks noGrp="1"/>
+          </p:cNvSpPr>
+          <p:nvPr>
+            <p:ph type="title"/>
+          </p:nvPr>
+        </p:nvSpPr>
+        <p:spPr/>
+        <p:txBody>
+          <a:bodyPr/>
+          <a:p>
+            <a:r>
+              <a:rPr lang="en-US" altLang="zh-CN"/>
+              <a:t>Overview</a:t>
+            </a:r>
+            <a:endParaRPr lang="en-US" altLang="zh-CN"/>
+          </a:p>
+        </p:txBody>
+      </p:sp>
+      <p:sp>
+        <p:nvSpPr>
+          <p:cNvPr id="5" name="内容占位符 4"/>
+          <p:cNvSpPr>
+            <a:spLocks noGrp="1"/>
+          </p:cNvSpPr>
+          <p:nvPr>
+            <p:ph idx="1"/>
+          </p:nvPr>
+        </p:nvSpPr>
+        <p:spPr/>
+        <p:txBody>
+          <a:bodyPr>
+            <a:normAutofit lnSpcReduction="10000"/>
+          </a:bodyPr>
+          <a:p>
+            <a:r>
+              <a:rPr lang="en-US" altLang="zh-CN"/>
+              <a:t>General framework</a:t>
+            </a:r>
+            <a:endParaRPr lang="en-US" altLang="zh-CN"/>
+          </a:p>
+          <a:p>
+            <a:pPr lvl="1"/>
+            <a:r>
+              <a:rPr lang="en-US" altLang="zh-CN"/>
+              <a:t>Three.js</a:t>
+            </a:r>
+            <a:endParaRPr lang="en-US" altLang="zh-CN"/>
+          </a:p>
+          <a:p>
+            <a:pPr lvl="1"/>
+            <a:r>
+              <a:rPr lang="en-US" altLang="zh-CN"/>
+              <a:t>A-F</a:t>
+            </a:r>
+            <a:r>
+              <a:rPr lang="en-US" altLang="zh-CN"/>
+              <a:t>rame</a:t>
+            </a:r>
+            <a:endParaRPr lang="en-US" altLang="zh-CN"/>
+          </a:p>
+          <a:p>
+            <a:pPr lvl="2"/>
+            <a:r>
+              <a:rPr lang="en-US" altLang="zh-CN"/>
+              <a:t>https://aframe.io/</a:t>
+            </a:r>
+            <a:endParaRPr lang="en-US" altLang="zh-CN"/>
+          </a:p>
+          <a:p>
+            <a:pPr lvl="2"/>
+            <a:r>
+              <a:rPr lang="en-US" altLang="zh-CN"/>
+              <a:t>https://github.com/aframevr/aframe</a:t>
+            </a:r>
+            <a:endParaRPr lang="en-US" altLang="zh-CN"/>
+          </a:p>
+          <a:p>
+            <a:pPr lvl="1"/>
+            <a:r>
+              <a:rPr lang="en-US" altLang="zh-CN"/>
+              <a:t>PlayCanvas</a:t>
+            </a:r>
+            <a:endParaRPr lang="en-US" altLang="zh-CN"/>
+          </a:p>
+          <a:p>
+            <a:pPr lvl="2"/>
+            <a:r>
+              <a:rPr lang="en-US" altLang="zh-CN"/>
+              <a:t>https://playcanvas.com/</a:t>
+            </a:r>
+            <a:endParaRPr lang="en-US" altLang="zh-CN"/>
+          </a:p>
+          <a:p>
+            <a:pPr lvl="2"/>
+            <a:r>
+              <a:rPr lang="en-US" altLang="zh-CN"/>
+              <a:t>https://github.com/playcanvas/engine</a:t>
+            </a:r>
+            <a:endParaRPr lang="en-US" altLang="zh-CN"/>
+          </a:p>
+          <a:p>
+            <a:pPr lvl="1"/>
+            <a:r>
+              <a:rPr lang="en-US" altLang="zh-CN" sz="2000"/>
+              <a:t>Babylon.js</a:t>
+            </a:r>
+            <a:endParaRPr lang="en-US" altLang="zh-CN" sz="2000"/>
+          </a:p>
+          <a:p>
+            <a:pPr lvl="2"/>
+            <a:r>
+              <a:rPr lang="en-US" altLang="zh-CN"/>
+              <a:t>http://www.babylonjs.com/</a:t>
+            </a:r>
+            <a:endParaRPr lang="en-US" altLang="zh-CN"/>
+          </a:p>
+          <a:p>
+            <a:pPr lvl="0"/>
+            <a:r>
+              <a:rPr lang="en-US" altLang="zh-CN"/>
+              <a:t>3D Model View</a:t>
+            </a:r>
+            <a:endParaRPr lang="en-US" altLang="zh-CN"/>
+          </a:p>
+          <a:p>
+            <a:pPr lvl="1"/>
+            <a:r>
+              <a:rPr lang="en-US" altLang="zh-CN" sz="2000"/>
+              <a:t>Google ModelViewer</a:t>
+            </a:r>
+            <a:endParaRPr lang="en-US" altLang="zh-CN" sz="2000"/>
+          </a:p>
+          <a:p>
+            <a:pPr lvl="2"/>
+            <a:r>
+              <a:rPr lang="en-US" altLang="zh-CN"/>
+              <a:t>https://modelviewer.dev/</a:t>
+            </a:r>
+            <a:endParaRPr lang="en-US" altLang="zh-CN"/>
+          </a:p>
+          <a:p>
+            <a:pPr lvl="0"/>
+            <a:r>
+              <a:rPr lang="en-US" altLang="zh-CN"/>
+              <a:t>https://manu.ninja/25-real-world-applications-using-webgl</a:t>
+            </a:r>
+            <a:endParaRPr lang="en-US" altLang="zh-CN"/>
+          </a:p>
+        </p:txBody>
+      </p:sp>
+    </p:spTree>
+    <p:custDataLst>
+      <p:tags r:id="rId1"/>
+    </p:custDataLst>
+  </p:cSld>
+  <p:clrMapOvr>
+    <a:masterClrMapping/>
+  </p:clrMapOvr>
+</p:sld>
+</file>
+
+<file path=ppt/slides/slide24.xml><?xml version="1.0" encoding="utf-8"?>
 <p:sld xmlns:a="http://schemas.openxmlformats.org/drawingml/2006/main" xmlns:r="http://schemas.openxmlformats.org/officeDocument/2006/relationships" xmlns:p="http://schemas.openxmlformats.org/presentationml/2006/main">
   <p:cSld>
     <p:spTree>
@@ -5906,7 +6523,7 @@
 </p:sld>
 </file>
 
-<file path=ppt/slides/slide19.xml><?xml version="1.0" encoding="utf-8"?>
+<file path=ppt/slides/slide25.xml><?xml version="1.0" encoding="utf-8"?>
 <p:sld xmlns:a="http://schemas.openxmlformats.org/drawingml/2006/main" xmlns:r="http://schemas.openxmlformats.org/officeDocument/2006/relationships" xmlns:p="http://schemas.openxmlformats.org/presentationml/2006/main">
   <p:cSld>
     <p:spTree>
@@ -6172,136 +6789,7 @@
 </p:sld>
 </file>
 
-<file path=ppt/slides/slide2.xml><?xml version="1.0" encoding="utf-8"?>
-<p:sld xmlns:a="http://schemas.openxmlformats.org/drawingml/2006/main" xmlns:r="http://schemas.openxmlformats.org/officeDocument/2006/relationships" xmlns:p="http://schemas.openxmlformats.org/presentationml/2006/main">
-  <p:cSld>
-    <p:spTree>
-      <p:nvGrpSpPr>
-        <p:cNvPr id="1" name=""/>
-        <p:cNvGrpSpPr/>
-        <p:nvPr/>
-      </p:nvGrpSpPr>
-      <p:grpSpPr/>
-      <p:sp>
-        <p:nvSpPr>
-          <p:cNvPr id="2" name="标题 1"/>
-          <p:cNvSpPr>
-            <a:spLocks noGrp="1"/>
-          </p:cNvSpPr>
-          <p:nvPr>
-            <p:ph type="title"/>
-          </p:nvPr>
-        </p:nvSpPr>
-        <p:spPr/>
-        <p:txBody>
-          <a:bodyPr/>
-          <a:p>
-            <a:r>
-              <a:rPr lang="en-US" altLang="zh-CN"/>
-              <a:t>Change Static Content</a:t>
-            </a:r>
-            <a:endParaRPr lang="en-US" altLang="zh-CN"/>
-          </a:p>
-        </p:txBody>
-      </p:sp>
-      <p:sp>
-        <p:nvSpPr>
-          <p:cNvPr id="3" name="内容占位符 2"/>
-          <p:cNvSpPr>
-            <a:spLocks noGrp="1"/>
-          </p:cNvSpPr>
-          <p:nvPr>
-            <p:ph idx="1"/>
-          </p:nvPr>
-        </p:nvSpPr>
-        <p:spPr/>
-        <p:txBody>
-          <a:bodyPr/>
-          <a:p>
-            <a:r>
-              <a:rPr lang="en-US" altLang="zh-CN"/>
-              <a:t>Change content</a:t>
-            </a:r>
-            <a:endParaRPr lang="en-US" altLang="zh-CN"/>
-          </a:p>
-          <a:p>
-            <a:pPr lvl="1"/>
-            <a:r>
-              <a:rPr lang="en-US" altLang="zh-CN"/>
-              <a:t>document.getElementById(“id”).innerHTML = “inner”</a:t>
-            </a:r>
-            <a:endParaRPr lang="en-US" altLang="zh-CN"/>
-          </a:p>
-          <a:p>
-            <a:pPr lvl="1"/>
-            <a:r>
-              <a:rPr lang="en-US" altLang="zh-CN"/>
-              <a:t>document.getElementById(“id”).style.display = “none”</a:t>
-            </a:r>
-            <a:endParaRPr lang="en-US" altLang="zh-CN"/>
-          </a:p>
-          <a:p>
-            <a:pPr lvl="1"/>
-            <a:r>
-              <a:rPr lang="en-US" altLang="zh-CN"/>
-              <a:t>document.getElementById(“id”).style.display = “block”</a:t>
-            </a:r>
-            <a:endParaRPr lang="en-US" altLang="zh-CN"/>
-          </a:p>
-          <a:p>
-            <a:pPr lvl="0"/>
-            <a:r>
-              <a:rPr lang="en-US" altLang="zh-CN"/>
-              <a:t>Change style</a:t>
-            </a:r>
-            <a:endParaRPr lang="en-US" altLang="zh-CN"/>
-          </a:p>
-          <a:p>
-            <a:pPr lvl="1"/>
-            <a:r>
-              <a:rPr lang="en-US" altLang="zh-CN"/>
-              <a:t>document.getElementById(“id”).style.fontSize = “30px”</a:t>
-            </a:r>
-            <a:endParaRPr lang="en-US" altLang="zh-CN"/>
-          </a:p>
-          <a:p>
-            <a:pPr lvl="0"/>
-            <a:r>
-              <a:rPr lang="en-US" altLang="zh-CN"/>
-              <a:t>Others</a:t>
-            </a:r>
-            <a:endParaRPr lang="en-US" altLang="zh-CN"/>
-          </a:p>
-          <a:p>
-            <a:pPr lvl="1"/>
-            <a:r>
-              <a:rPr lang="en-US" altLang="zh-CN"/>
-              <a:t>window.alert()</a:t>
-            </a:r>
-            <a:endParaRPr lang="en-US" altLang="zh-CN"/>
-          </a:p>
-          <a:p>
-            <a:pPr lvl="1"/>
-            <a:r>
-              <a:rPr lang="en-US" altLang="zh-CN"/>
-              <a:t>console.log()</a:t>
-            </a:r>
-            <a:endParaRPr lang="en-US" altLang="zh-CN"/>
-          </a:p>
-        </p:txBody>
-      </p:sp>
-    </p:spTree>
-    <p:custDataLst>
-      <p:tags r:id="rId1"/>
-    </p:custDataLst>
-  </p:cSld>
-  <p:clrMapOvr>
-    <a:masterClrMapping/>
-  </p:clrMapOvr>
-</p:sld>
-</file>
-
-<file path=ppt/slides/slide20.xml><?xml version="1.0" encoding="utf-8"?>
+<file path=ppt/slides/slide26.xml><?xml version="1.0" encoding="utf-8"?>
 <p:sld xmlns:a="http://schemas.openxmlformats.org/drawingml/2006/main" xmlns:r="http://schemas.openxmlformats.org/officeDocument/2006/relationships" xmlns:p="http://schemas.openxmlformats.org/presentationml/2006/main">
   <p:cSld>
     <p:spTree>
@@ -6455,100 +6943,93 @@
           <a:p>
             <a:r>
               <a:rPr lang="en-US" altLang="zh-CN"/>
-              <a:t>Data Type</a:t>
-            </a:r>
-            <a:endParaRPr lang="en-US" altLang="zh-CN"/>
-          </a:p>
-        </p:txBody>
-      </p:sp>
-      <p:sp>
-        <p:nvSpPr>
-          <p:cNvPr id="3" name="内容占位符 2"/>
-          <p:cNvSpPr>
-            <a:spLocks noGrp="1"/>
-          </p:cNvSpPr>
-          <p:nvPr>
-            <p:ph idx="1"/>
-          </p:nvPr>
-        </p:nvSpPr>
-        <p:spPr/>
-        <p:txBody>
-          <a:bodyPr/>
-          <a:p>
-            <a:r>
-              <a:rPr lang="en-US" altLang="en-US"/>
-              <a:t>var, const</a:t>
-            </a:r>
-            <a:endParaRPr lang="en-US" altLang="zh-CN"/>
-          </a:p>
-          <a:p>
-            <a:r>
-              <a:rPr lang="en-US" altLang="zh-CN"/>
-              <a:t>Value type</a:t>
-            </a:r>
-            <a:endParaRPr lang="en-US" altLang="zh-CN"/>
-          </a:p>
-          <a:p>
-            <a:pPr lvl="1"/>
-            <a:r>
-              <a:rPr lang="en-US" altLang="zh-CN"/>
-              <a:t>string, number, boolean, object, function</a:t>
-            </a:r>
-            <a:endParaRPr lang="en-US" altLang="zh-CN"/>
-          </a:p>
-          <a:p>
-            <a:pPr lvl="0"/>
-            <a:r>
-              <a:rPr lang="en-US" altLang="zh-CN"/>
-              <a:t>Object type</a:t>
-            </a:r>
-            <a:endParaRPr lang="en-US" altLang="zh-CN"/>
-          </a:p>
-          <a:p>
-            <a:pPr lvl="1"/>
-            <a:r>
-              <a:rPr lang="en-US" altLang="zh-CN"/>
-              <a:t>Object, Date, Array</a:t>
-            </a:r>
-            <a:endParaRPr lang="en-US" altLang="zh-CN"/>
-          </a:p>
-          <a:p>
-            <a:pPr lvl="0"/>
-            <a:r>
-              <a:rPr lang="en-US" altLang="zh-CN"/>
-              <a:t>null, undefined</a:t>
-            </a:r>
-            <a:endParaRPr lang="en-US" altLang="zh-CN"/>
-          </a:p>
-          <a:p>
-            <a:pPr lvl="0"/>
-            <a:r>
-              <a:rPr lang="en-US" altLang="zh-CN"/>
-              <a:t>typeof var</a:t>
-            </a:r>
-            <a:endParaRPr lang="en-US" altLang="zh-CN"/>
-          </a:p>
-          <a:p>
-            <a:pPr lvl="0"/>
-            <a:r>
-              <a:rPr lang="en-US" altLang="zh-CN"/>
-              <a:t>Type Conversion</a:t>
-            </a:r>
-            <a:endParaRPr lang="en-US" altLang="zh-CN"/>
-          </a:p>
-          <a:p>
-            <a:pPr lvl="1"/>
-            <a:r>
-              <a:rPr lang="en-US" altLang="zh-CN"/>
-              <a:t>String(var), var.toString()</a:t>
-            </a:r>
-            <a:endParaRPr lang="en-US" altLang="zh-CN"/>
-          </a:p>
-          <a:p>
-            <a:pPr lvl="1"/>
-            <a:r>
-              <a:rPr lang="en-US" altLang="zh-CN"/>
-              <a:t>Number(), NaN, str.parseInt(), str.parseFloat()</a:t>
+              <a:t>Architecture</a:t>
+            </a:r>
+            <a:endParaRPr lang="en-US" altLang="zh-CN"/>
+          </a:p>
+        </p:txBody>
+      </p:sp>
+      <p:sp>
+        <p:nvSpPr>
+          <p:cNvPr id="4" name="圆角矩形 3"/>
+          <p:cNvSpPr/>
+          <p:nvPr/>
+        </p:nvSpPr>
+        <p:spPr>
+          <a:xfrm>
+            <a:off x="3499485" y="1420495"/>
+            <a:ext cx="3547110" cy="890905"/>
+          </a:xfrm>
+          <a:prstGeom prst="roundRect">
+            <a:avLst/>
+          </a:prstGeom>
+        </p:spPr>
+        <p:style>
+          <a:lnRef idx="2">
+            <a:schemeClr val="accent1">
+              <a:shade val="50000"/>
+            </a:schemeClr>
+          </a:lnRef>
+          <a:fillRef idx="1">
+            <a:schemeClr val="accent1"/>
+          </a:fillRef>
+          <a:effectRef idx="0">
+            <a:schemeClr val="accent1"/>
+          </a:effectRef>
+          <a:fontRef idx="minor">
+            <a:schemeClr val="lt1"/>
+          </a:fontRef>
+        </p:style>
+        <p:txBody>
+          <a:bodyPr rtlCol="0" anchor="ctr"/>
+          <a:p>
+            <a:pPr algn="ctr"/>
+            <a:r>
+              <a:rPr lang="en-US" altLang="zh-CN"/>
+              <a:t>Document</a:t>
+            </a:r>
+            <a:endParaRPr lang="en-US" altLang="zh-CN"/>
+          </a:p>
+        </p:txBody>
+      </p:sp>
+      <p:sp>
+        <p:nvSpPr>
+          <p:cNvPr id="5" name="圆角矩形 4"/>
+          <p:cNvSpPr/>
+          <p:nvPr/>
+        </p:nvSpPr>
+        <p:spPr>
+          <a:xfrm>
+            <a:off x="3499485" y="2733675"/>
+            <a:ext cx="3547110" cy="890905"/>
+          </a:xfrm>
+          <a:prstGeom prst="roundRect">
+            <a:avLst/>
+          </a:prstGeom>
+        </p:spPr>
+        <p:style>
+          <a:lnRef idx="2">
+            <a:schemeClr val="accent1">
+              <a:shade val="50000"/>
+            </a:schemeClr>
+          </a:lnRef>
+          <a:fillRef idx="1">
+            <a:schemeClr val="accent1"/>
+          </a:fillRef>
+          <a:effectRef idx="0">
+            <a:schemeClr val="accent1"/>
+          </a:effectRef>
+          <a:fontRef idx="minor">
+            <a:schemeClr val="lt1"/>
+          </a:fontRef>
+        </p:style>
+        <p:txBody>
+          <a:bodyPr rtlCol="0" anchor="ctr"/>
+          <a:p>
+            <a:pPr algn="ctr"/>
+            <a:r>
+              <a:rPr lang="en-US" altLang="zh-CN"/>
+              <a:t>HTMLElement</a:t>
             </a:r>
             <a:endParaRPr lang="en-US" altLang="zh-CN"/>
           </a:p>
@@ -6591,7 +7072,7 @@
           <a:p>
             <a:r>
               <a:rPr lang="en-US" altLang="zh-CN"/>
-              <a:t>DOM</a:t>
+              <a:t>Change Static Content</a:t>
             </a:r>
             <a:endParaRPr lang="en-US" altLang="zh-CN"/>
           </a:p>
@@ -6609,143 +7090,77 @@
         </p:nvSpPr>
         <p:spPr/>
         <p:txBody>
-          <a:bodyPr>
-            <a:noAutofit/>
-          </a:bodyPr>
-          <a:p>
-            <a:r>
-              <a:rPr lang="en-US" altLang="zh-CN" sz="1600"/>
-              <a:t>Find</a:t>
-            </a:r>
-            <a:endParaRPr lang="en-US" altLang="zh-CN" sz="1600"/>
-          </a:p>
-          <a:p>
-            <a:pPr lvl="1"/>
-            <a:r>
-              <a:rPr lang="en-US" altLang="zh-CN" sz="1400"/>
-              <a:t>document.getElementById(id)</a:t>
-            </a:r>
-            <a:endParaRPr lang="en-US" altLang="zh-CN" sz="1400"/>
-          </a:p>
-          <a:p>
-            <a:pPr lvl="1"/>
-            <a:r>
-              <a:rPr lang="en-US" altLang="zh-CN" sz="1400"/>
-              <a:t>document.getElementByTagName(name)</a:t>
-            </a:r>
-            <a:endParaRPr lang="en-US" altLang="zh-CN" sz="1400"/>
-          </a:p>
-          <a:p>
-            <a:pPr lvl="1"/>
-            <a:r>
-              <a:rPr lang="en-US" altLang="zh-CN" sz="1400"/>
-              <a:t>document.getElementByClassName(name)</a:t>
-            </a:r>
-            <a:endParaRPr lang="en-US" altLang="zh-CN" sz="1400"/>
+          <a:bodyPr/>
+          <a:p>
+            <a:r>
+              <a:rPr lang="en-US" altLang="zh-CN"/>
+              <a:t>Change content</a:t>
+            </a:r>
+            <a:endParaRPr lang="en-US" altLang="zh-CN"/>
+          </a:p>
+          <a:p>
+            <a:pPr lvl="1"/>
+            <a:r>
+              <a:rPr lang="en-US" altLang="zh-CN"/>
+              <a:t>document.getElementById(“id”).innerHTML = “inner”</a:t>
+            </a:r>
+            <a:endParaRPr lang="en-US" altLang="zh-CN"/>
+          </a:p>
+          <a:p>
+            <a:pPr lvl="1"/>
+            <a:r>
+              <a:rPr lang="en-US" altLang="zh-CN"/>
+              <a:t>document.getElementById(“id”).style.display = “none”</a:t>
+            </a:r>
+            <a:endParaRPr lang="en-US" altLang="zh-CN"/>
+          </a:p>
+          <a:p>
+            <a:pPr lvl="1"/>
+            <a:r>
+              <a:rPr lang="en-US" altLang="zh-CN"/>
+              <a:t>document.getElementById(“id”).style.display = “block”</a:t>
+            </a:r>
+            <a:endParaRPr lang="en-US" altLang="zh-CN"/>
           </a:p>
           <a:p>
             <a:pPr lvl="0"/>
             <a:r>
-              <a:rPr lang="en-US" altLang="zh-CN" sz="1600"/>
-              <a:t>Change</a:t>
-            </a:r>
-            <a:endParaRPr lang="en-US" altLang="zh-CN" sz="1600"/>
-          </a:p>
-          <a:p>
-            <a:pPr lvl="1"/>
-            <a:r>
-              <a:rPr lang="en-US" altLang="zh-CN" sz="1400"/>
-              <a:t>element.innerHTML</a:t>
-            </a:r>
-            <a:endParaRPr lang="en-US" altLang="zh-CN" sz="1400"/>
-          </a:p>
-          <a:p>
-            <a:pPr lvl="1"/>
-            <a:r>
-              <a:rPr lang="en-US" altLang="zh-CN" sz="1400"/>
-              <a:t>element.attribute = val</a:t>
-            </a:r>
-            <a:endParaRPr lang="en-US" altLang="zh-CN" sz="1400"/>
-          </a:p>
-          <a:p>
-            <a:pPr lvl="1"/>
-            <a:r>
-              <a:rPr lang="en-US" altLang="zh-CN" sz="1400"/>
-              <a:t>element.setAttribute(attr, val)</a:t>
-            </a:r>
-            <a:endParaRPr lang="en-US" altLang="zh-CN" sz="1400"/>
-          </a:p>
-          <a:p>
-            <a:pPr lvl="1"/>
-            <a:r>
-              <a:rPr lang="en-US" altLang="zh-CN" sz="1400"/>
-              <a:t>element.style.property = style</a:t>
-            </a:r>
-            <a:endParaRPr lang="en-US" altLang="zh-CN" sz="1400"/>
+              <a:rPr lang="en-US" altLang="zh-CN"/>
+              <a:t>Change style</a:t>
+            </a:r>
+            <a:endParaRPr lang="en-US" altLang="zh-CN"/>
+          </a:p>
+          <a:p>
+            <a:pPr lvl="1"/>
+            <a:r>
+              <a:rPr lang="en-US" altLang="zh-CN"/>
+              <a:t>document.getElementById(“id”).style.fontSize = “30px”</a:t>
+            </a:r>
+            <a:endParaRPr lang="en-US" altLang="zh-CN"/>
           </a:p>
           <a:p>
             <a:pPr lvl="0"/>
             <a:r>
-              <a:rPr lang="en-US" altLang="zh-CN" sz="1600"/>
-              <a:t>Add/Remove</a:t>
-            </a:r>
-            <a:endParaRPr lang="en-US" altLang="zh-CN" sz="1600"/>
-          </a:p>
-          <a:p>
-            <a:pPr lvl="1"/>
-            <a:r>
-              <a:rPr lang="en-US" altLang="zh-CN" sz="1400"/>
-              <a:t>document.createElement(elem)</a:t>
-            </a:r>
-            <a:endParaRPr lang="en-US" altLang="zh-CN" sz="1400"/>
-          </a:p>
-          <a:p>
-            <a:pPr lvl="1"/>
-            <a:r>
-              <a:rPr lang="en-US" altLang="zh-CN" sz="1400"/>
-              <a:t>document.removeChild(elem)</a:t>
-            </a:r>
-            <a:endParaRPr lang="en-US" altLang="zh-CN" sz="1400"/>
-          </a:p>
-          <a:p>
-            <a:pPr lvl="1"/>
-            <a:r>
-              <a:rPr lang="en-US" altLang="zh-CN" sz="1400"/>
-              <a:t>document.appendChild(elem)</a:t>
-            </a:r>
-            <a:endParaRPr lang="en-US" altLang="zh-CN" sz="1400"/>
-          </a:p>
-          <a:p>
-            <a:pPr lvl="1"/>
-            <a:r>
-              <a:rPr lang="en-US" altLang="zh-CN" sz="1400"/>
-              <a:t>document.replaceChild(elem)</a:t>
-            </a:r>
-            <a:endParaRPr lang="en-US" altLang="zh-CN" sz="1400"/>
-          </a:p>
-          <a:p>
-            <a:pPr lvl="1"/>
-            <a:r>
-              <a:rPr lang="en-US" altLang="zh-CN" sz="1400"/>
-              <a:t>document.write(txt)</a:t>
-            </a:r>
-            <a:endParaRPr lang="en-US" altLang="zh-CN" sz="1400"/>
-          </a:p>
-          <a:p>
-            <a:pPr lvl="0"/>
-            <a:r>
-              <a:rPr lang="en-US" altLang="zh-CN" sz="1600"/>
-              <a:t>Add event</a:t>
-            </a:r>
-            <a:endParaRPr lang="en-US" altLang="zh-CN" sz="1600"/>
-          </a:p>
-          <a:p>
-            <a:pPr lvl="1"/>
-            <a:r>
-              <a:rPr lang="en-US" altLang="zh-CN" sz="1400"/>
-              <a:t>document.getElementById(id).onclick = function() { ...}</a:t>
-            </a:r>
-            <a:endParaRPr lang="en-US" altLang="zh-CN" sz="1400"/>
+              <a:rPr lang="en-US" altLang="zh-CN"/>
+              <a:t>Others</a:t>
+            </a:r>
+            <a:endParaRPr lang="en-US" altLang="zh-CN"/>
+          </a:p>
+          <a:p>
+            <a:pPr lvl="1"/>
+            <a:r>
+              <a:rPr lang="en-US" altLang="zh-CN"/>
+              <a:t>window.alert()</a:t>
+            </a:r>
+            <a:endParaRPr lang="en-US" altLang="zh-CN"/>
+          </a:p>
+          <a:p>
+            <a:pPr lvl="1"/>
+            <a:r>
+              <a:rPr lang="en-US" altLang="zh-CN"/>
+              <a:t>console.log()</a:t>
+            </a:r>
+            <a:endParaRPr lang="en-US" altLang="zh-CN"/>
           </a:p>
         </p:txBody>
       </p:sp>
@@ -6772,7 +7187,7 @@
       <p:grpSpPr/>
       <p:sp>
         <p:nvSpPr>
-          <p:cNvPr id="2" name="Title 1"/>
+          <p:cNvPr id="2" name="标题 1"/>
           <p:cNvSpPr>
             <a:spLocks noGrp="1"/>
           </p:cNvSpPr>
@@ -6785,195 +7200,110 @@
           <a:bodyPr/>
           <a:p>
             <a:r>
+              <a:rPr lang="en-US" altLang="zh-CN"/>
+              <a:t>Data Type</a:t>
+            </a:r>
+            <a:endParaRPr lang="en-US" altLang="zh-CN"/>
+          </a:p>
+        </p:txBody>
+      </p:sp>
+      <p:sp>
+        <p:nvSpPr>
+          <p:cNvPr id="3" name="内容占位符 2"/>
+          <p:cNvSpPr>
+            <a:spLocks noGrp="1"/>
+          </p:cNvSpPr>
+          <p:nvPr>
+            <p:ph idx="1"/>
+          </p:nvPr>
+        </p:nvSpPr>
+        <p:spPr/>
+        <p:txBody>
+          <a:bodyPr/>
+          <a:p>
+            <a:r>
               <a:rPr lang="en-US" altLang="en-US"/>
-              <a:t>BOM (Browser Object Model)</a:t>
-            </a:r>
-            <a:endParaRPr lang="en-US" altLang="en-US"/>
-          </a:p>
-        </p:txBody>
-      </p:sp>
-      <p:sp>
-        <p:nvSpPr>
-          <p:cNvPr id="3" name="Content Placeholder 2"/>
-          <p:cNvSpPr>
-            <a:spLocks noGrp="1"/>
-          </p:cNvSpPr>
-          <p:nvPr>
-            <p:ph idx="1"/>
-          </p:nvPr>
-        </p:nvSpPr>
-        <p:spPr>
-          <a:xfrm>
-            <a:off x="838200" y="1211580"/>
-            <a:ext cx="10515600" cy="5348605"/>
-          </a:xfrm>
-        </p:spPr>
-        <p:txBody>
-          <a:bodyPr>
-            <a:normAutofit fontScale="60000"/>
-          </a:bodyPr>
-          <a:p>
-            <a:r>
-              <a:rPr lang="en-US" altLang="en-US"/>
-              <a:t>window</a:t>
-            </a:r>
-            <a:endParaRPr lang="en-US" altLang="en-US"/>
-          </a:p>
-          <a:p>
-            <a:pPr lvl="1"/>
-            <a:r>
-              <a:rPr lang="en-US" altLang="en-US"/>
-              <a:t>innerHeight, innerWidth</a:t>
-            </a:r>
-            <a:endParaRPr lang="en-US" altLang="en-US"/>
-          </a:p>
-          <a:p>
-            <a:pPr lvl="1"/>
-            <a:r>
-              <a:rPr lang="en-US" altLang="en-US"/>
-              <a:t>open(), close(), moveTo(), resizeTo()</a:t>
-            </a:r>
-            <a:endParaRPr lang="en-US" altLang="en-US"/>
+              <a:t>var, const</a:t>
+            </a:r>
+            <a:endParaRPr lang="en-US" altLang="zh-CN"/>
+          </a:p>
+          <a:p>
+            <a:r>
+              <a:rPr lang="en-US" altLang="zh-CN"/>
+              <a:t>Value type</a:t>
+            </a:r>
+            <a:endParaRPr lang="en-US" altLang="zh-CN"/>
+          </a:p>
+          <a:p>
+            <a:pPr lvl="1"/>
+            <a:r>
+              <a:rPr lang="en-US" altLang="zh-CN"/>
+              <a:t>string, number, boolean, object, function</a:t>
+            </a:r>
+            <a:endParaRPr lang="en-US" altLang="zh-CN"/>
           </a:p>
           <a:p>
             <a:pPr lvl="0"/>
             <a:r>
-              <a:rPr lang="en-US" altLang="en-US"/>
-              <a:t>screen</a:t>
-            </a:r>
-            <a:endParaRPr lang="en-US" altLang="en-US"/>
-          </a:p>
-          <a:p>
-            <a:pPr lvl="1"/>
-            <a:r>
-              <a:rPr lang="en-US" altLang="en-US"/>
-              <a:t>width, height, availWidth, availHeight, colorDepth, pixelDepth</a:t>
-            </a:r>
-            <a:endParaRPr lang="en-US" altLang="en-US"/>
+              <a:rPr lang="en-US" altLang="zh-CN"/>
+              <a:t>Object type</a:t>
+            </a:r>
+            <a:endParaRPr lang="en-US" altLang="zh-CN"/>
+          </a:p>
+          <a:p>
+            <a:pPr lvl="1"/>
+            <a:r>
+              <a:rPr lang="en-US" altLang="zh-CN"/>
+              <a:t>Object, Date, Array</a:t>
+            </a:r>
+            <a:endParaRPr lang="en-US" altLang="zh-CN"/>
           </a:p>
           <a:p>
             <a:pPr lvl="0"/>
             <a:r>
-              <a:rPr lang="en-US" altLang="en-US"/>
-              <a:t>location</a:t>
-            </a:r>
-            <a:endParaRPr lang="en-US" altLang="en-US"/>
-          </a:p>
-          <a:p>
-            <a:pPr lvl="1"/>
-            <a:r>
-              <a:rPr lang="en-US" altLang="en-US"/>
-              <a:t>href, hostname, pathname, protocol, port, assign</a:t>
-            </a:r>
-            <a:endParaRPr lang="en-US" altLang="en-US"/>
+              <a:rPr lang="en-US" altLang="zh-CN"/>
+              <a:t>null, undefined</a:t>
+            </a:r>
+            <a:endParaRPr lang="en-US" altLang="zh-CN"/>
           </a:p>
           <a:p>
             <a:pPr lvl="0"/>
             <a:r>
-              <a:rPr lang="en-US" altLang="en-US"/>
-              <a:t>history</a:t>
-            </a:r>
-            <a:endParaRPr lang="en-US" altLang="en-US"/>
-          </a:p>
-          <a:p>
-            <a:pPr lvl="1"/>
-            <a:r>
-              <a:rPr lang="en-US" altLang="en-US"/>
-              <a:t>back(), forward()</a:t>
-            </a:r>
-            <a:endParaRPr lang="en-US" altLang="en-US"/>
+              <a:rPr lang="en-US" altLang="zh-CN"/>
+              <a:t>typeof var</a:t>
+            </a:r>
+            <a:endParaRPr lang="en-US" altLang="zh-CN"/>
           </a:p>
           <a:p>
             <a:pPr lvl="0"/>
             <a:r>
-              <a:rPr lang="en-US" altLang="en-US"/>
-              <a:t>navigator</a:t>
-            </a:r>
-            <a:endParaRPr lang="en-US" altLang="en-US"/>
-          </a:p>
-          <a:p>
-            <a:pPr lvl="1"/>
-            <a:r>
-              <a:rPr lang="en-US" altLang="en-US"/>
-              <a:t>appName, appCodeName, appVersion, product, platform, cookieEnabled, userAgent, language, </a:t>
-            </a:r>
-            <a:endParaRPr lang="en-US" altLang="en-US"/>
-          </a:p>
-          <a:p>
-            <a:pPr lvl="0"/>
-            <a:r>
-              <a:rPr lang="en-US" altLang="en-US"/>
-              <a:t>popup</a:t>
-            </a:r>
-            <a:endParaRPr lang="en-US" altLang="en-US"/>
-          </a:p>
-          <a:p>
-            <a:pPr lvl="1"/>
-            <a:r>
-              <a:rPr lang="en-US" altLang="en-US"/>
-              <a:t>alert(str)</a:t>
-            </a:r>
-            <a:endParaRPr lang="en-US" altLang="en-US"/>
-          </a:p>
-          <a:p>
-            <a:pPr lvl="1"/>
-            <a:r>
-              <a:rPr lang="en-US" altLang="en-US"/>
-              <a:t>var r = confirm(str) true/false</a:t>
-            </a:r>
-            <a:endParaRPr lang="en-US" altLang="en-US"/>
-          </a:p>
-          <a:p>
-            <a:pPr lvl="1"/>
-            <a:r>
-              <a:rPr lang="en-US" altLang="en-US"/>
-              <a:t>var v = prompt('title', 'default-val')</a:t>
-            </a:r>
-            <a:endParaRPr lang="en-US" altLang="en-US"/>
-          </a:p>
-          <a:p>
-            <a:pPr lvl="0"/>
-            <a:r>
-              <a:rPr lang="en-US" altLang="en-US"/>
-              <a:t>Timing</a:t>
-            </a:r>
-            <a:endParaRPr lang="en-US" altLang="en-US"/>
-          </a:p>
-          <a:p>
-            <a:pPr lvl="1"/>
-            <a:r>
-              <a:rPr lang="en-US" altLang="en-US"/>
-              <a:t>var t = setTimeout(func, ms)</a:t>
-            </a:r>
-            <a:endParaRPr lang="en-US" altLang="en-US"/>
-          </a:p>
-          <a:p>
-            <a:pPr lvl="1"/>
-            <a:r>
-              <a:rPr lang="en-US" altLang="en-US"/>
-              <a:t>clearTimeout(t)</a:t>
-            </a:r>
-            <a:endParaRPr lang="en-US" altLang="en-US"/>
-          </a:p>
-          <a:p>
-            <a:pPr lvl="1"/>
-            <a:r>
-              <a:rPr lang="en-US" altLang="en-US"/>
-              <a:t>var i = setInterval(func, ms)</a:t>
-            </a:r>
-            <a:endParaRPr lang="en-US" altLang="en-US"/>
-          </a:p>
-          <a:p>
-            <a:pPr lvl="1"/>
-            <a:r>
-              <a:rPr lang="en-US" altLang="en-US"/>
-              <a:t>clearInterval(i)</a:t>
-            </a:r>
-            <a:endParaRPr lang="en-US" altLang="en-US"/>
+              <a:rPr lang="en-US" altLang="zh-CN"/>
+              <a:t>Type Conversion</a:t>
+            </a:r>
+            <a:endParaRPr lang="en-US" altLang="zh-CN"/>
+          </a:p>
+          <a:p>
+            <a:pPr lvl="1"/>
+            <a:r>
+              <a:rPr lang="en-US" altLang="zh-CN"/>
+              <a:t>String(var), var.toString()</a:t>
+            </a:r>
+            <a:endParaRPr lang="en-US" altLang="zh-CN"/>
+          </a:p>
+          <a:p>
+            <a:pPr lvl="1"/>
+            <a:r>
+              <a:rPr lang="en-US" altLang="zh-CN"/>
+              <a:t>Number(), NaN, str.parseInt(), str.parseFloat()</a:t>
+            </a:r>
+            <a:endParaRPr lang="en-US" altLang="zh-CN"/>
           </a:p>
         </p:txBody>
       </p:sp>
     </p:spTree>
+    <p:custDataLst>
+      <p:tags r:id="rId1"/>
+    </p:custDataLst>
   </p:cSld>
   <p:clrMapOvr>
     <a:masterClrMapping/>
@@ -7007,7 +7337,7 @@
           <a:p>
             <a:r>
               <a:rPr lang="en-US" altLang="zh-CN"/>
-              <a:t>Animation</a:t>
+              <a:t>DOM</a:t>
             </a:r>
             <a:endParaRPr lang="en-US" altLang="zh-CN"/>
           </a:p>
@@ -7025,29 +7355,143 @@
         </p:nvSpPr>
         <p:spPr/>
         <p:txBody>
-          <a:bodyPr/>
-          <a:p>
-            <a:r>
-              <a:rPr lang="en-US" altLang="zh-CN"/>
-              <a:t>Functions</a:t>
-            </a:r>
-            <a:endParaRPr lang="en-US" altLang="zh-CN"/>
-          </a:p>
-          <a:p>
-            <a:pPr lvl="1"/>
-            <a:r>
-              <a:rPr lang="en-US" altLang="zh-CN"/>
-              <a:t>var id = setInterval(f, interval)</a:t>
-            </a:r>
-            <a:endParaRPr lang="en-US" altLang="zh-CN"/>
-          </a:p>
-          <a:p>
-            <a:pPr lvl="1"/>
-            <a:r>
-              <a:rPr lang="en-US" altLang="zh-CN"/>
-              <a:t>clearInterval(id)</a:t>
-            </a:r>
-            <a:endParaRPr lang="en-US" altLang="zh-CN"/>
+          <a:bodyPr>
+            <a:noAutofit/>
+          </a:bodyPr>
+          <a:p>
+            <a:r>
+              <a:rPr lang="en-US" altLang="zh-CN" sz="1600"/>
+              <a:t>Find</a:t>
+            </a:r>
+            <a:endParaRPr lang="en-US" altLang="zh-CN" sz="1600"/>
+          </a:p>
+          <a:p>
+            <a:pPr lvl="1"/>
+            <a:r>
+              <a:rPr lang="en-US" altLang="zh-CN" sz="1400"/>
+              <a:t>document.getElementById(id)</a:t>
+            </a:r>
+            <a:endParaRPr lang="en-US" altLang="zh-CN" sz="1400"/>
+          </a:p>
+          <a:p>
+            <a:pPr lvl="1"/>
+            <a:r>
+              <a:rPr lang="en-US" altLang="zh-CN" sz="1400"/>
+              <a:t>document.getElementByTagName(name)</a:t>
+            </a:r>
+            <a:endParaRPr lang="en-US" altLang="zh-CN" sz="1400"/>
+          </a:p>
+          <a:p>
+            <a:pPr lvl="1"/>
+            <a:r>
+              <a:rPr lang="en-US" altLang="zh-CN" sz="1400"/>
+              <a:t>document.getElementByClassName(name)</a:t>
+            </a:r>
+            <a:endParaRPr lang="en-US" altLang="zh-CN" sz="1400"/>
+          </a:p>
+          <a:p>
+            <a:pPr lvl="0"/>
+            <a:r>
+              <a:rPr lang="en-US" altLang="zh-CN" sz="1600"/>
+              <a:t>Change</a:t>
+            </a:r>
+            <a:endParaRPr lang="en-US" altLang="zh-CN" sz="1600"/>
+          </a:p>
+          <a:p>
+            <a:pPr lvl="1"/>
+            <a:r>
+              <a:rPr lang="en-US" altLang="zh-CN" sz="1400"/>
+              <a:t>element.innerHTML</a:t>
+            </a:r>
+            <a:endParaRPr lang="en-US" altLang="zh-CN" sz="1400"/>
+          </a:p>
+          <a:p>
+            <a:pPr lvl="1"/>
+            <a:r>
+              <a:rPr lang="en-US" altLang="zh-CN" sz="1400"/>
+              <a:t>element.attribute = val</a:t>
+            </a:r>
+            <a:endParaRPr lang="en-US" altLang="zh-CN" sz="1400"/>
+          </a:p>
+          <a:p>
+            <a:pPr lvl="1"/>
+            <a:r>
+              <a:rPr lang="en-US" altLang="zh-CN" sz="1400"/>
+              <a:t>element.setAttribute(attr, val)</a:t>
+            </a:r>
+            <a:endParaRPr lang="en-US" altLang="zh-CN" sz="1400"/>
+          </a:p>
+          <a:p>
+            <a:pPr lvl="1"/>
+            <a:r>
+              <a:rPr lang="en-US" altLang="zh-CN" sz="1400"/>
+              <a:t>element.style.property = style</a:t>
+            </a:r>
+            <a:endParaRPr lang="en-US" altLang="zh-CN" sz="1400"/>
+          </a:p>
+          <a:p>
+            <a:pPr lvl="0"/>
+            <a:r>
+              <a:rPr lang="en-US" altLang="zh-CN" sz="1600"/>
+              <a:t>Add/Remove</a:t>
+            </a:r>
+            <a:endParaRPr lang="en-US" altLang="zh-CN" sz="1600"/>
+          </a:p>
+          <a:p>
+            <a:pPr lvl="1"/>
+            <a:r>
+              <a:rPr lang="en-US" altLang="zh-CN" sz="1400"/>
+              <a:t>document.createElement(elem)</a:t>
+            </a:r>
+            <a:endParaRPr lang="en-US" altLang="zh-CN" sz="1400"/>
+          </a:p>
+          <a:p>
+            <a:pPr lvl="1"/>
+            <a:r>
+              <a:rPr lang="en-US" altLang="zh-CN" sz="1400"/>
+              <a:t>document.removeChild(elem)</a:t>
+            </a:r>
+            <a:endParaRPr lang="en-US" altLang="zh-CN" sz="1400"/>
+          </a:p>
+          <a:p>
+            <a:pPr lvl="1"/>
+            <a:r>
+              <a:rPr lang="en-US" altLang="zh-CN" sz="1400"/>
+              <a:t>document.appendChild(elem)</a:t>
+            </a:r>
+            <a:endParaRPr lang="en-US" altLang="zh-CN" sz="1400"/>
+          </a:p>
+          <a:p>
+            <a:pPr lvl="1"/>
+            <a:r>
+              <a:rPr lang="en-US" altLang="zh-CN" sz="1400"/>
+              <a:t>document.replaceChild(elem)</a:t>
+            </a:r>
+            <a:endParaRPr lang="en-US" altLang="zh-CN" sz="1400"/>
+          </a:p>
+          <a:p>
+            <a:pPr lvl="1"/>
+            <a:r>
+              <a:rPr lang="en-US" altLang="zh-CN" sz="1400"/>
+              <a:t>document.write(txt)</a:t>
+            </a:r>
+            <a:endParaRPr lang="en-US" altLang="zh-CN" sz="1400"/>
+          </a:p>
+          <a:p>
+            <a:pPr lvl="0"/>
+            <a:r>
+              <a:rPr lang="en-US" altLang="zh-CN" sz="1600"/>
+              <a:t>Add event</a:t>
+            </a:r>
+            <a:endParaRPr lang="en-US" altLang="zh-CN" sz="1600"/>
+          </a:p>
+          <a:p>
+            <a:pPr lvl="1"/>
+            <a:r>
+              <a:rPr lang="en-US" altLang="zh-CN" sz="1400"/>
+              <a:t>document.getElementById(id).onclick = function() { ...}</a:t>
+            </a:r>
+            <a:endParaRPr lang="en-US" altLang="zh-CN" sz="1400"/>
           </a:p>
         </p:txBody>
       </p:sp>
@@ -7074,7 +7518,7 @@
       <p:grpSpPr/>
       <p:sp>
         <p:nvSpPr>
-          <p:cNvPr id="2" name="标题 1"/>
+          <p:cNvPr id="2" name="Title 1"/>
           <p:cNvSpPr>
             <a:spLocks noGrp="1"/>
           </p:cNvSpPr>
@@ -7087,16 +7531,16 @@
           <a:bodyPr/>
           <a:p>
             <a:r>
-              <a:rPr lang="en-US" altLang="zh-CN"/>
-              <a:t>Event</a:t>
-            </a:r>
-            <a:endParaRPr lang="en-US" altLang="zh-CN"/>
-          </a:p>
-        </p:txBody>
-      </p:sp>
-      <p:sp>
-        <p:nvSpPr>
-          <p:cNvPr id="3" name="内容占位符 2"/>
+              <a:rPr lang="en-US" altLang="en-US"/>
+              <a:t>BOM (Browser Object Model)</a:t>
+            </a:r>
+            <a:endParaRPr lang="en-US" altLang="en-US"/>
+          </a:p>
+        </p:txBody>
+      </p:sp>
+      <p:sp>
+        <p:nvSpPr>
+          <p:cNvPr id="3" name="Content Placeholder 2"/>
           <p:cNvSpPr>
             <a:spLocks noGrp="1"/>
           </p:cNvSpPr>
@@ -7104,29 +7548,20 @@
             <p:ph idx="1"/>
           </p:nvPr>
         </p:nvSpPr>
-        <p:spPr/>
-        <p:txBody>
-          <a:bodyPr/>
-          <a:p>
-            <a:r>
-              <a:rPr lang="en-US" altLang="zh-CN"/>
-              <a:t>Events</a:t>
-            </a:r>
-            <a:endParaRPr lang="en-US" altLang="zh-CN"/>
-          </a:p>
-          <a:p>
-            <a:pPr lvl="1"/>
-            <a:r>
-              <a:rPr lang="en-US" altLang="zh-CN"/>
-              <a:t>onchange, onclick, onmouseover, onmouseout, onkeydown, onload</a:t>
-            </a:r>
-            <a:endParaRPr lang="en-US" altLang="zh-CN"/>
-          </a:p>
-          <a:p>
-            <a:pPr lvl="1"/>
+        <p:spPr>
+          <a:xfrm>
+            <a:off x="838200" y="1211580"/>
+            <a:ext cx="10515600" cy="5348605"/>
+          </a:xfrm>
+        </p:spPr>
+        <p:txBody>
+          <a:bodyPr>
+            <a:normAutofit fontScale="60000"/>
+          </a:bodyPr>
+          <a:p>
             <a:r>
               <a:rPr lang="en-US" altLang="en-US"/>
-              <a:t>onmouseover, onmouseout, onmousedown, onmouseup</a:t>
+              <a:t>window</a:t>
             </a:r>
             <a:endParaRPr lang="en-US" altLang="en-US"/>
           </a:p>
@@ -7134,15 +7569,23 @@
             <a:pPr lvl="1"/>
             <a:r>
               <a:rPr lang="en-US" altLang="en-US"/>
-              <a:t>onfocus</a:t>
+              <a:t>innerHeight, innerWidth</a:t>
             </a:r>
             <a:endParaRPr lang="en-US" altLang="en-US"/>
           </a:p>
           <a:p>
+            <a:pPr lvl="1"/>
+            <a:r>
+              <a:rPr lang="en-US" altLang="en-US"/>
+              <a:t>open(), close(), moveTo(), resizeTo()</a:t>
+            </a:r>
+            <a:endParaRPr lang="en-US" altLang="en-US"/>
+          </a:p>
+          <a:p>
             <a:pPr lvl="0"/>
             <a:r>
               <a:rPr lang="en-US" altLang="en-US"/>
-              <a:t>Functino</a:t>
+              <a:t>screen</a:t>
             </a:r>
             <a:endParaRPr lang="en-US" altLang="en-US"/>
           </a:p>
@@ -7150,15 +7593,15 @@
             <a:pPr lvl="1"/>
             <a:r>
               <a:rPr lang="en-US" altLang="en-US"/>
-              <a:t>addEventListener('event', func, useCapture)</a:t>
+              <a:t>width, height, availWidth, availHeight, colorDepth, pixelDepth</a:t>
             </a:r>
             <a:endParaRPr lang="en-US" altLang="en-US"/>
           </a:p>
           <a:p>
-            <a:pPr lvl="2"/>
-            <a:r>
-              <a:rPr lang="en-US" altLang="en-US" sz="1800"/>
-              <a:t>useCapture: default false, bubble-way propagation; true: capture-way propagation</a:t>
+            <a:pPr lvl="0"/>
+            <a:r>
+              <a:rPr lang="en-US" altLang="en-US"/>
+              <a:t>location</a:t>
             </a:r>
             <a:endParaRPr lang="en-US" altLang="en-US"/>
           </a:p>
@@ -7166,16 +7609,117 @@
             <a:pPr lvl="1"/>
             <a:r>
               <a:rPr lang="en-US" altLang="en-US"/>
-              <a:t>removeEventListener(event, func)</a:t>
+              <a:t>href, hostname, pathname, protocol, port, assign</a:t>
             </a:r>
             <a:endParaRPr lang="en-US" altLang="en-US"/>
           </a:p>
+          <a:p>
+            <a:pPr lvl="0"/>
+            <a:r>
+              <a:rPr lang="en-US" altLang="en-US"/>
+              <a:t>history</a:t>
+            </a:r>
+            <a:endParaRPr lang="en-US" altLang="en-US"/>
+          </a:p>
+          <a:p>
+            <a:pPr lvl="1"/>
+            <a:r>
+              <a:rPr lang="en-US" altLang="en-US"/>
+              <a:t>back(), forward()</a:t>
+            </a:r>
+            <a:endParaRPr lang="en-US" altLang="en-US"/>
+          </a:p>
+          <a:p>
+            <a:pPr lvl="0"/>
+            <a:r>
+              <a:rPr lang="en-US" altLang="en-US"/>
+              <a:t>navigator</a:t>
+            </a:r>
+            <a:endParaRPr lang="en-US" altLang="en-US"/>
+          </a:p>
+          <a:p>
+            <a:pPr lvl="1"/>
+            <a:r>
+              <a:rPr lang="en-US" altLang="en-US"/>
+              <a:t>appName, appCodeName, appVersion, product, platform, cookieEnabled, userAgent, language, </a:t>
+            </a:r>
+            <a:endParaRPr lang="en-US" altLang="en-US"/>
+          </a:p>
+          <a:p>
+            <a:pPr lvl="0"/>
+            <a:r>
+              <a:rPr lang="en-US" altLang="en-US"/>
+              <a:t>popup</a:t>
+            </a:r>
+            <a:endParaRPr lang="en-US" altLang="en-US"/>
+          </a:p>
+          <a:p>
+            <a:pPr lvl="1"/>
+            <a:r>
+              <a:rPr lang="en-US" altLang="en-US"/>
+              <a:t>alert(str)</a:t>
+            </a:r>
+            <a:endParaRPr lang="en-US" altLang="en-US"/>
+          </a:p>
+          <a:p>
+            <a:pPr lvl="1"/>
+            <a:r>
+              <a:rPr lang="en-US" altLang="en-US"/>
+              <a:t>var r = confirm(str) true/false</a:t>
+            </a:r>
+            <a:endParaRPr lang="en-US" altLang="en-US"/>
+          </a:p>
+          <a:p>
+            <a:pPr lvl="1"/>
+            <a:r>
+              <a:rPr lang="en-US" altLang="en-US"/>
+              <a:t>var v = prompt('title', 'default-val')</a:t>
+            </a:r>
+            <a:endParaRPr lang="en-US" altLang="en-US"/>
+          </a:p>
+          <a:p>
+            <a:pPr lvl="0"/>
+            <a:r>
+              <a:rPr lang="en-US" altLang="en-US"/>
+              <a:t>Timing</a:t>
+            </a:r>
+            <a:endParaRPr lang="en-US" altLang="en-US"/>
+          </a:p>
+          <a:p>
+            <a:pPr lvl="1"/>
+            <a:r>
+              <a:rPr lang="en-US" altLang="en-US"/>
+              <a:t>var t = setTimeout(func, ms)</a:t>
+            </a:r>
+            <a:endParaRPr lang="en-US" altLang="en-US"/>
+          </a:p>
+          <a:p>
+            <a:pPr lvl="1"/>
+            <a:r>
+              <a:rPr lang="en-US" altLang="en-US"/>
+              <a:t>clearTimeout(t)</a:t>
+            </a:r>
+            <a:endParaRPr lang="en-US" altLang="en-US"/>
+          </a:p>
+          <a:p>
+            <a:pPr lvl="1"/>
+            <a:r>
+              <a:rPr lang="en-US" altLang="en-US"/>
+              <a:t>var i = setInterval(func, ms)</a:t>
+            </a:r>
+            <a:endParaRPr lang="en-US" altLang="en-US"/>
+          </a:p>
+          <a:p>
+            <a:pPr lvl="1"/>
+            <a:r>
+              <a:rPr lang="en-US" altLang="en-US"/>
+              <a:t>clearInterval(i)</a:t>
+            </a:r>
+            <a:endParaRPr lang="en-US" altLang="en-US"/>
+          </a:p>
         </p:txBody>
       </p:sp>
     </p:spTree>
-    <p:custDataLst>
-      <p:tags r:id="rId1"/>
-    </p:custDataLst>
   </p:cSld>
   <p:clrMapOvr>
     <a:masterClrMapping/>
@@ -7209,143 +7753,310 @@
           <a:p>
             <a:r>
               <a:rPr lang="en-US" altLang="zh-CN"/>
-              <a:t>Classes</a:t>
-            </a:r>
-            <a:endParaRPr lang="en-US" altLang="zh-CN"/>
-          </a:p>
-        </p:txBody>
-      </p:sp>
-      <p:sp>
-        <p:nvSpPr>
-          <p:cNvPr id="3" name="内容占位符 2"/>
-          <p:cNvSpPr>
-            <a:spLocks noGrp="1"/>
-          </p:cNvSpPr>
-          <p:nvPr>
-            <p:ph idx="1"/>
-          </p:nvPr>
-        </p:nvSpPr>
-        <p:spPr/>
-        <p:txBody>
-          <a:bodyPr/>
-          <a:p>
-            <a:r>
-              <a:rPr lang="en-US" altLang="zh-CN"/>
-              <a:t>Date</a:t>
-            </a:r>
-            <a:endParaRPr lang="en-US" altLang="zh-CN"/>
-          </a:p>
-          <a:p>
-            <a:pPr lvl="1"/>
-            <a:r>
-              <a:rPr lang="en-US" altLang="zh-CN"/>
-              <a:t>var d = new Date()</a:t>
-            </a:r>
-            <a:endParaRPr lang="en-US" altLang="zh-CN"/>
-          </a:p>
-          <a:p>
-            <a:pPr lvl="1"/>
-            <a:r>
-              <a:rPr lang="en-US" altLang="zh-CN"/>
-              <a:t>d.getTime(),</a:t>
-            </a:r>
-            <a:r>
-              <a:rPr lang="en-US" altLang="zh-CN">
-                <a:sym typeface="+mn-ea"/>
-              </a:rPr>
-              <a:t> getFullYear(), getMonth(),</a:t>
-            </a:r>
-            <a:r>
-              <a:rPr lang="en-US" altLang="zh-CN"/>
-              <a:t> getDate(), </a:t>
-            </a:r>
-            <a:r>
-              <a:rPr lang="en-US" altLang="zh-CN">
-                <a:sym typeface="+mn-ea"/>
-              </a:rPr>
-              <a:t>getDay(), </a:t>
-            </a:r>
-            <a:r>
-              <a:rPr lang="en-US" altLang="zh-CN"/>
-              <a:t>getHours()</a:t>
-            </a:r>
-            <a:r>
-              <a:rPr lang="en-US" altLang="zh-CN">
-                <a:sym typeface="+mn-ea"/>
-              </a:rPr>
-              <a:t>, getMinutes()</a:t>
-            </a:r>
-            <a:r>
-              <a:rPr lang="en-US" altLang="zh-CN"/>
-              <a:t>, getSeconds(), getMilliseconds()</a:t>
-            </a:r>
-            <a:endParaRPr lang="en-US" altLang="zh-CN"/>
-          </a:p>
-          <a:p>
-            <a:pPr lvl="1"/>
-            <a:r>
-              <a:rPr lang="en-US" altLang="zh-CN"/>
-              <a:t>d.getUTCxxx()</a:t>
-            </a:r>
-            <a:endParaRPr lang="en-US" altLang="zh-CN"/>
-          </a:p>
-          <a:p>
-            <a:pPr lvl="1"/>
-            <a:r>
-              <a:rPr lang="en-US" altLang="zh-CN"/>
-              <a:t>d.setXXX()</a:t>
-            </a:r>
-            <a:endParaRPr lang="en-US" altLang="zh-CN"/>
-          </a:p>
-          <a:p>
-            <a:pPr lvl="0"/>
-            <a:r>
-              <a:rPr lang="en-US" altLang="zh-CN"/>
-              <a:t>Math</a:t>
-            </a:r>
-            <a:endParaRPr lang="en-US" altLang="zh-CN"/>
-          </a:p>
-          <a:p>
-            <a:pPr lvl="1"/>
-            <a:r>
-              <a:rPr lang="en-US" altLang="zh-CN"/>
-              <a:t>Math.PI, Math.round(), Math.pow(), Math.sqrt(), Math.abs(), Math.ceil(), Math.floor(), Math.sin(), Math.cos(), Math.min(), Math.max(), Math.random()</a:t>
-            </a:r>
-            <a:endParaRPr lang="en-US" altLang="zh-CN"/>
-          </a:p>
-          <a:p>
-            <a:pPr lvl="0"/>
-            <a:r>
-              <a:rPr lang="en-US" altLang="zh-CN"/>
-              <a:t>JSON</a:t>
-            </a:r>
-            <a:endParaRPr lang="en-US" altLang="zh-CN"/>
-          </a:p>
-          <a:p>
-            <a:pPr lvl="1"/>
-            <a:r>
-              <a:rPr lang="en-US" altLang="en-US"/>
-              <a:t>var obj = </a:t>
-            </a:r>
-            <a:r>
-              <a:rPr lang="en-US" altLang="zh-CN"/>
-              <a:t>JSON.parse(str)</a:t>
-            </a:r>
-            <a:endParaRPr lang="en-US" altLang="zh-CN"/>
-          </a:p>
-          <a:p>
-            <a:pPr lvl="1"/>
-            <a:r>
-              <a:rPr lang="en-US" altLang="en-US"/>
-              <a:t>var str = JSON.stringify(obj)</a:t>
-            </a:r>
-            <a:endParaRPr lang="en-US" altLang="en-US"/>
-          </a:p>
-        </p:txBody>
-      </p:sp>
+              <a:t>Animation</a:t>
+            </a:r>
+            <a:endParaRPr lang="en-US" altLang="zh-CN"/>
+          </a:p>
+        </p:txBody>
+      </p:sp>
+      <p:pic>
+        <p:nvPicPr>
+          <p:cNvPr id="4" name="图片 3" descr="browser-support"/>
+          <p:cNvPicPr>
+            <a:picLocks noChangeAspect="1"/>
+          </p:cNvPicPr>
+          <p:nvPr>
+            <p:custDataLst>
+              <p:tags r:id="rId1"/>
+            </p:custDataLst>
+          </p:nvPr>
+        </p:nvPicPr>
+        <p:blipFill>
+          <a:blip r:embed="rId2"/>
+          <a:stretch>
+            <a:fillRect/>
+          </a:stretch>
+        </p:blipFill>
+        <p:spPr>
+          <a:xfrm>
+            <a:off x="8587105" y="4081145"/>
+            <a:ext cx="3204210" cy="2426335"/>
+          </a:xfrm>
+          <a:prstGeom prst="rect">
+            <a:avLst/>
+          </a:prstGeom>
+        </p:spPr>
+      </p:pic>
+      <p:graphicFrame>
+        <p:nvGraphicFramePr>
+          <p:cNvPr id="5" name="表格 4"/>
+          <p:cNvGraphicFramePr/>
+          <p:nvPr>
+            <p:custDataLst>
+              <p:tags r:id="rId3"/>
+            </p:custDataLst>
+          </p:nvPr>
+        </p:nvGraphicFramePr>
+        <p:xfrm>
+          <a:off x="683895" y="1290320"/>
+          <a:ext cx="10669905" cy="1795145"/>
+        </p:xfrm>
+        <a:graphic>
+          <a:graphicData uri="http://schemas.openxmlformats.org/drawingml/2006/table">
+            <a:tbl>
+              <a:tblPr firstRow="1" bandRow="1">
+                <a:tableStyleId>{5C22544A-7EE6-4342-B048-85BDC9FD1C3A}</a:tableStyleId>
+              </a:tblPr>
+              <a:tblGrid>
+                <a:gridCol w="2813050"/>
+                <a:gridCol w="4300220"/>
+                <a:gridCol w="3556635"/>
+              </a:tblGrid>
+              <a:tr h="383540">
+                <a:tc>
+                  <a:txBody>
+                    <a:bodyPr/>
+                    <a:p>
+                      <a:pPr algn="ctr">
+                        <a:buNone/>
+                      </a:pPr>
+                      <a:r>
+                        <a:rPr lang="en-US" altLang="zh-CN"/>
+                        <a:t>Function</a:t>
+                      </a:r>
+                      <a:endParaRPr lang="en-US" altLang="zh-CN"/>
+                    </a:p>
+                  </a:txBody>
+                  <a:tcPr anchor="ctr" anchorCtr="0"/>
+                </a:tc>
+                <a:tc>
+                  <a:txBody>
+                    <a:bodyPr/>
+                    <a:p>
+                      <a:pPr algn="ctr">
+                        <a:buNone/>
+                      </a:pPr>
+                      <a:r>
+                        <a:rPr lang="en-US" altLang="zh-CN"/>
+                        <a:t>Note</a:t>
+                      </a:r>
+                      <a:endParaRPr lang="en-US" altLang="zh-CN"/>
+                    </a:p>
+                  </a:txBody>
+                  <a:tcPr anchor="ctr" anchorCtr="0"/>
+                </a:tc>
+                <a:tc>
+                  <a:txBody>
+                    <a:bodyPr/>
+                    <a:p>
+                      <a:pPr algn="ctr">
+                        <a:buNone/>
+                      </a:pPr>
+                      <a:r>
+                        <a:rPr lang="en-US" altLang="zh-CN"/>
+                        <a:t>Example</a:t>
+                      </a:r>
+                      <a:endParaRPr lang="en-US" altLang="zh-CN"/>
+                    </a:p>
+                  </a:txBody>
+                  <a:tcPr anchor="ctr" anchorCtr="0"/>
+                </a:tc>
+              </a:tr>
+              <a:tr h="644525">
+                <a:tc>
+                  <a:txBody>
+                    <a:bodyPr/>
+                    <a:p>
+                      <a:pPr>
+                        <a:buNone/>
+                      </a:pPr>
+                      <a:r>
+                        <a:rPr lang="en-US" altLang="zh-CN" sz="1800">
+                          <a:sym typeface="+mn-ea"/>
+                        </a:rPr>
+                        <a:t>setInterval(callback, interval)</a:t>
+                      </a:r>
+                      <a:endParaRPr lang="zh-CN" altLang="en-US"/>
+                    </a:p>
+                  </a:txBody>
+                  <a:tcPr/>
+                </a:tc>
+                <a:tc>
+                  <a:txBody>
+                    <a:bodyPr/>
+                    <a:p>
+                      <a:pPr>
+                        <a:buNone/>
+                      </a:pPr>
+                      <a:r>
+                        <a:rPr lang="en-US" altLang="zh-CN"/>
+                        <a:t>Run even if tab is hidden</a:t>
+                      </a:r>
+                      <a:endParaRPr lang="en-US" altLang="zh-CN"/>
+                    </a:p>
+                  </a:txBody>
+                  <a:tcPr/>
+                </a:tc>
+                <a:tc>
+                  <a:txBody>
+                    <a:bodyPr/>
+                    <a:p>
+                      <a:pPr marL="0" lvl="2" algn="l" fontAlgn="auto">
+                        <a:buClrTx/>
+                        <a:buSzTx/>
+                        <a:buFontTx/>
+                      </a:pPr>
+                      <a:r>
+                        <a:rPr lang="en-US" altLang="zh-CN" sz="1800">
+                          <a:sym typeface="+mn-ea"/>
+                        </a:rPr>
+                        <a:t>var id = setInterval(f, interval)</a:t>
+                      </a:r>
+                      <a:endParaRPr lang="en-US" altLang="zh-CN" sz="1800">
+                        <a:sym typeface="+mn-ea"/>
+                      </a:endParaRPr>
+                    </a:p>
+                    <a:p>
+                      <a:pPr marL="0" lvl="2" algn="l" fontAlgn="auto">
+                        <a:buClrTx/>
+                        <a:buSzTx/>
+                        <a:buFontTx/>
+                      </a:pPr>
+                      <a:r>
+                        <a:rPr lang="en-US" altLang="zh-CN" sz="1800">
+                          <a:sym typeface="+mn-ea"/>
+                        </a:rPr>
+                        <a:t>clearInterval(id)</a:t>
+                      </a:r>
+                      <a:endParaRPr lang="en-US" altLang="zh-CN"/>
+                    </a:p>
+                  </a:txBody>
+                  <a:tcPr/>
+                </a:tc>
+              </a:tr>
+              <a:tr h="383540">
+                <a:tc>
+                  <a:txBody>
+                    <a:bodyPr/>
+                    <a:p>
+                      <a:pPr>
+                        <a:buNone/>
+                      </a:pPr>
+                      <a:r>
+                        <a:rPr lang="en-US" altLang="zh-CN" sz="1800">
+                          <a:sym typeface="+mn-ea"/>
+                        </a:rPr>
+                        <a:t>setTimeout(callback, timeout)</a:t>
+                      </a:r>
+                      <a:endParaRPr lang="zh-CN" altLang="en-US"/>
+                    </a:p>
+                  </a:txBody>
+                  <a:tcPr/>
+                </a:tc>
+                <a:tc>
+                  <a:txBody>
+                    <a:bodyPr/>
+                    <a:p>
+                      <a:pPr>
+                        <a:buNone/>
+                      </a:pPr>
+                      <a:r>
+                        <a:rPr lang="en-US" altLang="zh-CN"/>
+                        <a:t>Run even if tab is hidden</a:t>
+                      </a:r>
+                      <a:endParaRPr lang="en-US" altLang="zh-CN"/>
+                    </a:p>
+                  </a:txBody>
+                  <a:tcPr/>
+                </a:tc>
+                <a:tc>
+                  <a:txBody>
+                    <a:bodyPr/>
+                    <a:p>
+                      <a:pPr>
+                        <a:buNone/>
+                      </a:pPr>
+                      <a:endParaRPr lang="zh-CN" altLang="en-US"/>
+                    </a:p>
+                  </a:txBody>
+                  <a:tcPr/>
+                </a:tc>
+              </a:tr>
+              <a:tr h="383540">
+                <a:tc>
+                  <a:txBody>
+                    <a:bodyPr/>
+                    <a:p>
+                      <a:pPr>
+                        <a:buNone/>
+                      </a:pPr>
+                      <a:r>
+                        <a:rPr lang="en-US" altLang="zh-CN" sz="1800">
+                          <a:sym typeface="+mn-ea"/>
+                        </a:rPr>
+                        <a:t>requestAnimationFrame(callback)</a:t>
+                      </a:r>
+                      <a:endParaRPr lang="zh-CN" altLang="en-US"/>
+                    </a:p>
+                  </a:txBody>
+                  <a:tcPr/>
+                </a:tc>
+                <a:tc>
+                  <a:txBody>
+                    <a:bodyPr/>
+                    <a:p>
+                      <a:pPr>
+                        <a:buNone/>
+                      </a:pPr>
+                      <a:r>
+                        <a:rPr lang="en-US" altLang="zh-CN"/>
+                        <a:t>Return request ID, which can be used as param in cancelAnimationFrame().</a:t>
+                      </a:r>
+                      <a:endParaRPr lang="en-US" altLang="zh-CN"/>
+                    </a:p>
+                    <a:p>
+                      <a:pPr>
+                        <a:buNone/>
+                      </a:pPr>
+                      <a:r>
+                        <a:rPr lang="en-US" altLang="zh-CN"/>
+                        <a:t>Not execute if tab is hidden.</a:t>
+                      </a:r>
+                      <a:endParaRPr lang="en-US" altLang="zh-CN"/>
+                    </a:p>
+                    <a:p>
+                      <a:pPr>
+                        <a:buNone/>
+                      </a:pPr>
+                      <a:r>
+                        <a:rPr lang="en-US" altLang="zh-CN"/>
+                        <a:t>All the animation code runs before the rendering and painting events.</a:t>
+                      </a:r>
+                      <a:endParaRPr lang="en-US" altLang="zh-CN"/>
+                    </a:p>
+                  </a:txBody>
+                  <a:tcPr/>
+                </a:tc>
+                <a:tc>
+                  <a:txBody>
+                    <a:bodyPr/>
+                    <a:p>
+                      <a:pPr>
+                        <a:buNone/>
+                      </a:pPr>
+                      <a:endParaRPr lang="zh-CN" altLang="en-US"/>
+                    </a:p>
+                  </a:txBody>
+                  <a:tcPr/>
+                </a:tc>
+              </a:tr>
+            </a:tbl>
+          </a:graphicData>
+        </a:graphic>
+      </p:graphicFrame>
     </p:spTree>
     <p:custDataLst>
-      <p:tags r:id="rId1"/>
+      <p:tags r:id="rId4"/>
     </p:custDataLst>
   </p:cSld>
   <p:clrMapOvr>
@@ -7380,7 +8091,7 @@
           <a:p>
             <a:r>
               <a:rPr lang="en-US" altLang="zh-CN"/>
-              <a:t>Object</a:t>
+              <a:t>Event</a:t>
             </a:r>
             <a:endParaRPr lang="en-US" altLang="zh-CN"/>
           </a:p>
@@ -7402,9 +8113,65 @@
           <a:p>
             <a:r>
               <a:rPr lang="en-US" altLang="zh-CN"/>
-              <a:t>obj.property</a:t>
-            </a:r>
-            <a:endParaRPr lang="en-US" altLang="zh-CN"/>
+              <a:t>Events</a:t>
+            </a:r>
+            <a:endParaRPr lang="en-US" altLang="zh-CN"/>
+          </a:p>
+          <a:p>
+            <a:pPr lvl="1"/>
+            <a:r>
+              <a:rPr lang="en-US" altLang="zh-CN"/>
+              <a:t>onchange, onclick, onmouseover, onmouseout, onkeydown, onload</a:t>
+            </a:r>
+            <a:endParaRPr lang="en-US" altLang="zh-CN"/>
+          </a:p>
+          <a:p>
+            <a:pPr lvl="1"/>
+            <a:r>
+              <a:rPr lang="en-US" altLang="en-US"/>
+              <a:t>onmouseover, onmouseout, onmousedown, onmouseup</a:t>
+            </a:r>
+            <a:endParaRPr lang="en-US" altLang="en-US"/>
+          </a:p>
+          <a:p>
+            <a:pPr lvl="1"/>
+            <a:r>
+              <a:rPr lang="en-US" altLang="en-US"/>
+              <a:t>onfocus</a:t>
+            </a:r>
+            <a:endParaRPr lang="en-US" altLang="en-US"/>
+          </a:p>
+          <a:p>
+            <a:pPr lvl="0"/>
+            <a:r>
+              <a:rPr lang="en-US" altLang="en-US"/>
+              <a:t>Functino</a:t>
+            </a:r>
+            <a:endParaRPr lang="en-US" altLang="en-US"/>
+          </a:p>
+          <a:p>
+            <a:pPr lvl="1"/>
+            <a:r>
+              <a:rPr lang="en-US" altLang="en-US"/>
+              <a:t>addEventListener('event', func, useCapture)</a:t>
+            </a:r>
+            <a:endParaRPr lang="en-US" altLang="en-US"/>
+          </a:p>
+          <a:p>
+            <a:pPr lvl="2"/>
+            <a:r>
+              <a:rPr lang="en-US" altLang="en-US" sz="1800"/>
+              <a:t>useCapture: default false, bubble-way propagation; true: capture-way propagation</a:t>
+            </a:r>
+            <a:endParaRPr lang="en-US" altLang="en-US"/>
+          </a:p>
+          <a:p>
+            <a:pPr lvl="1"/>
+            <a:r>
+              <a:rPr lang="en-US" altLang="en-US"/>
+              <a:t>removeEventListener(event, func)</a:t>
+            </a:r>
+            <a:endParaRPr lang="en-US" altLang="en-US"/>
           </a:p>
         </p:txBody>
       </p:sp>
@@ -7445,17 +8212,14 @@
 
 <file path=ppt/tags/tag12.xml><?xml version="1.0" encoding="utf-8"?>
 <p:tagLst xmlns:p="http://schemas.openxmlformats.org/presentationml/2006/main">
-  <p:tag name="KSO_WM_BEAUTIFY_FLAG" val="#wm#"/>
-  <p:tag name="KSO_WM_TEMPLATE_CATEGORY" val="custom"/>
-  <p:tag name="KSO_WM_TEMPLATE_INDEX" val="160402"/>
+  <p:tag name="REFSHAPE" val="954434956"/>
+  <p:tag name="KSO_WM_UNIT_PLACING_PICTURE_USER_VIEWPORT" val="{&quot;height&quot;:7860,&quot;width&quot;:10380}"/>
 </p:tagLst>
 </file>
 
 <file path=ppt/tags/tag13.xml><?xml version="1.0" encoding="utf-8"?>
 <p:tagLst xmlns:p="http://schemas.openxmlformats.org/presentationml/2006/main">
-  <p:tag name="KSO_WM_BEAUTIFY_FLAG" val="#wm#"/>
-  <p:tag name="KSO_WM_TEMPLATE_CATEGORY" val="custom"/>
-  <p:tag name="KSO_WM_TEMPLATE_INDEX" val="160402"/>
+  <p:tag name="KSO_WM_UNIT_TABLE_BEAUTIFY" val="smartTable{0bafd17d-c47b-41ce-adf8-7fe5cd76de8a}"/>
 </p:tagLst>
 </file>
 
@@ -7547,6 +8311,53 @@
 </p:tagLst>
 </file>
 
+<file path=ppt/tags/tag24.xml><?xml version="1.0" encoding="utf-8"?>
+<p:tagLst xmlns:p="http://schemas.openxmlformats.org/presentationml/2006/main">
+  <p:tag name="KSO_WM_BEAUTIFY_FLAG" val="#wm#"/>
+  <p:tag name="KSO_WM_TEMPLATE_CATEGORY" val="custom"/>
+  <p:tag name="KSO_WM_TEMPLATE_INDEX" val="160402"/>
+</p:tagLst>
+</file>
+
+<file path=ppt/tags/tag25.xml><?xml version="1.0" encoding="utf-8"?>
+<p:tagLst xmlns:p="http://schemas.openxmlformats.org/presentationml/2006/main">
+  <p:tag name="REFSHAPE" val="1066456668"/>
+  <p:tag name="KSO_WM_UNIT_PLACING_PICTURE_USER_VIEWPORT" val="{&quot;height&quot;:15840,&quot;width&quot;:11264}"/>
+</p:tagLst>
+</file>
+
+<file path=ppt/tags/tag26.xml><?xml version="1.0" encoding="utf-8"?>
+<p:tagLst xmlns:p="http://schemas.openxmlformats.org/presentationml/2006/main">
+  <p:tag name="KSO_WM_BEAUTIFY_FLAG" val="#wm#"/>
+  <p:tag name="KSO_WM_TEMPLATE_CATEGORY" val="custom"/>
+  <p:tag name="KSO_WM_TEMPLATE_INDEX" val="160402"/>
+</p:tagLst>
+</file>
+
+<file path=ppt/tags/tag27.xml><?xml version="1.0" encoding="utf-8"?>
+<p:tagLst xmlns:p="http://schemas.openxmlformats.org/presentationml/2006/main">
+  <p:tag name="KSO_WM_BEAUTIFY_FLAG" val="#wm#"/>
+  <p:tag name="KSO_WM_TEMPLATE_CATEGORY" val="custom"/>
+  <p:tag name="KSO_WM_TEMPLATE_INDEX" val="160402"/>
+</p:tagLst>
+</file>
+
+<file path=ppt/tags/tag28.xml><?xml version="1.0" encoding="utf-8"?>
+<p:tagLst xmlns:p="http://schemas.openxmlformats.org/presentationml/2006/main">
+  <p:tag name="KSO_WM_BEAUTIFY_FLAG" val="#wm#"/>
+  <p:tag name="KSO_WM_TEMPLATE_CATEGORY" val="custom"/>
+  <p:tag name="KSO_WM_TEMPLATE_INDEX" val="160402"/>
+</p:tagLst>
+</file>
+
+<file path=ppt/tags/tag29.xml><?xml version="1.0" encoding="utf-8"?>
+<p:tagLst xmlns:p="http://schemas.openxmlformats.org/presentationml/2006/main">
+  <p:tag name="KSO_WM_BEAUTIFY_FLAG" val="#wm#"/>
+  <p:tag name="KSO_WM_TEMPLATE_CATEGORY" val="custom"/>
+  <p:tag name="KSO_WM_TEMPLATE_INDEX" val="160402"/>
+</p:tagLst>
+</file>
+
 <file path=ppt/tags/tag3.xml><?xml version="1.0" encoding="utf-8"?>
 <p:tagLst xmlns:p="http://schemas.openxmlformats.org/presentationml/2006/main">
   <p:tag name="KSO_WM_TEMPLATE_THUMBS_INDEX" val="1、9、12、16、19、20、24、27、28"/>
@@ -7554,6 +8365,30 @@
   <p:tag name="KSO_WM_TEMPLATE_INDEX" val="160402"/>
   <p:tag name="KSO_WM_TAG_VERSION" val="1.0"/>
   <p:tag name="KSO_WM_BEAUTIFY_FLAG" val="#wm#"/>
+</p:tagLst>
+</file>
+
+<file path=ppt/tags/tag30.xml><?xml version="1.0" encoding="utf-8"?>
+<p:tagLst xmlns:p="http://schemas.openxmlformats.org/presentationml/2006/main">
+  <p:tag name="KSO_WM_BEAUTIFY_FLAG" val="#wm#"/>
+  <p:tag name="KSO_WM_TEMPLATE_CATEGORY" val="custom"/>
+  <p:tag name="KSO_WM_TEMPLATE_INDEX" val="160402"/>
+</p:tagLst>
+</file>
+
+<file path=ppt/tags/tag31.xml><?xml version="1.0" encoding="utf-8"?>
+<p:tagLst xmlns:p="http://schemas.openxmlformats.org/presentationml/2006/main">
+  <p:tag name="KSO_WM_BEAUTIFY_FLAG" val="#wm#"/>
+  <p:tag name="KSO_WM_TEMPLATE_CATEGORY" val="custom"/>
+  <p:tag name="KSO_WM_TEMPLATE_INDEX" val="160402"/>
+</p:tagLst>
+</file>
+
+<file path=ppt/tags/tag32.xml><?xml version="1.0" encoding="utf-8"?>
+<p:tagLst xmlns:p="http://schemas.openxmlformats.org/presentationml/2006/main">
+  <p:tag name="KSO_WM_BEAUTIFY_FLAG" val="#wm#"/>
+  <p:tag name="KSO_WM_TEMPLATE_CATEGORY" val="custom"/>
+  <p:tag name="KSO_WM_TEMPLATE_INDEX" val="160402"/>
 </p:tagLst>
 </file>
 

--- a/Web/JavaScript-Notes.pptx
+++ b/Web/JavaScript-Notes.pptx
@@ -8,7 +8,7 @@
     <p:notesMasterId r:id="rId4"/>
   </p:notesMasterIdLst>
   <p:handoutMasterIdLst>
-    <p:handoutMasterId r:id="rId30"/>
+    <p:handoutMasterId r:id="rId31"/>
   </p:handoutMasterIdLst>
   <p:sldIdLst>
     <p:sldId id="256" r:id="rId3"/>
@@ -32,11 +32,12 @@
     <p:sldId id="299" r:id="rId22"/>
     <p:sldId id="298" r:id="rId23"/>
     <p:sldId id="320" r:id="rId24"/>
-    <p:sldId id="290" r:id="rId25"/>
-    <p:sldId id="291" r:id="rId26"/>
-    <p:sldId id="289" r:id="rId27"/>
-    <p:sldId id="292" r:id="rId28"/>
-    <p:sldId id="293" r:id="rId29"/>
+    <p:sldId id="326" r:id="rId25"/>
+    <p:sldId id="290" r:id="rId26"/>
+    <p:sldId id="291" r:id="rId27"/>
+    <p:sldId id="289" r:id="rId28"/>
+    <p:sldId id="292" r:id="rId29"/>
+    <p:sldId id="293" r:id="rId30"/>
   </p:sldIdLst>
   <p:sldSz cx="12192000" cy="6858000"/>
   <p:notesSz cx="6858000" cy="9144000"/>
@@ -5134,7 +5135,7 @@
       <p:grpSpPr/>
       <p:sp>
         <p:nvSpPr>
-          <p:cNvPr id="4" name="标题 3"/>
+          <p:cNvPr id="2" name="标题 1"/>
           <p:cNvSpPr>
             <a:spLocks noGrp="1"/>
           </p:cNvSpPr>
@@ -5148,27 +5149,116 @@
           <a:p>
             <a:r>
               <a:rPr lang="en-US" altLang="zh-CN"/>
-              <a:t>3D</a:t>
-            </a:r>
-            <a:endParaRPr lang="en-US" altLang="zh-CN"/>
-          </a:p>
-        </p:txBody>
-      </p:sp>
-      <p:sp>
-        <p:nvSpPr>
-          <p:cNvPr id="5" name="文本占位符 4"/>
-          <p:cNvSpPr>
-            <a:spLocks noGrp="1"/>
-          </p:cNvSpPr>
-          <p:nvPr>
-            <p:ph type="body" idx="1"/>
-          </p:nvPr>
-        </p:nvSpPr>
-        <p:spPr/>
+              <a:t>Canvas</a:t>
+            </a:r>
+            <a:endParaRPr lang="en-US" altLang="zh-CN"/>
+          </a:p>
+        </p:txBody>
+      </p:sp>
+      <p:sp>
+        <p:nvSpPr>
+          <p:cNvPr id="3" name="内容占位符 2"/>
+          <p:cNvSpPr>
+            <a:spLocks noGrp="1"/>
+          </p:cNvSpPr>
+          <p:nvPr>
+            <p:ph idx="1"/>
+          </p:nvPr>
+        </p:nvSpPr>
+        <p:spPr>
+          <a:xfrm>
+            <a:off x="838200" y="1211580"/>
+            <a:ext cx="3970655" cy="4549140"/>
+          </a:xfrm>
+          <a:ln>
+            <a:solidFill>
+              <a:srgbClr val="FFC000"/>
+            </a:solidFill>
+          </a:ln>
+        </p:spPr>
         <p:txBody>
           <a:bodyPr/>
           <a:p>
-            <a:endParaRPr lang="zh-CN" altLang="en-US"/>
+            <a:pPr marL="0" indent="0">
+              <a:buNone/>
+            </a:pPr>
+            <a:r>
+              <a:rPr lang="en-US" altLang="zh-CN" sz="1800"/>
+              <a:t>HTMLCanvasElement</a:t>
+            </a:r>
+            <a:endParaRPr lang="en-US" altLang="zh-CN" sz="1800"/>
+          </a:p>
+          <a:p>
+            <a:pPr marL="0" lvl="0" indent="0">
+              <a:buNone/>
+            </a:pPr>
+            <a:r>
+              <a:rPr lang="en-US" altLang="zh-CN" sz="1800"/>
+              <a:t>&lt;canvas&gt;</a:t>
+            </a:r>
+            <a:endParaRPr lang="en-US" altLang="zh-CN" sz="1800"/>
+          </a:p>
+          <a:p>
+            <a:pPr marL="0" lvl="0" indent="0">
+              <a:buNone/>
+            </a:pPr>
+            <a:r>
+              <a:rPr lang="en-US" altLang="zh-CN" sz="1800"/>
+              <a:t>Properties: </a:t>
+            </a:r>
+            <a:endParaRPr lang="en-US" altLang="zh-CN" sz="1800"/>
+          </a:p>
+          <a:p>
+            <a:pPr marL="0" lvl="0" indent="0">
+              <a:buNone/>
+            </a:pPr>
+            <a:r>
+              <a:rPr lang="en-US" altLang="zh-CN" sz="1800"/>
+              <a:t>	width</a:t>
+            </a:r>
+            <a:endParaRPr lang="en-US" altLang="zh-CN" sz="1800"/>
+          </a:p>
+          <a:p>
+            <a:pPr marL="0" lvl="0" indent="0">
+              <a:buNone/>
+            </a:pPr>
+            <a:r>
+              <a:rPr lang="en-US" altLang="zh-CN" sz="1800"/>
+              <a:t>	height</a:t>
+            </a:r>
+            <a:endParaRPr lang="en-US" altLang="zh-CN" sz="1800"/>
+          </a:p>
+          <a:p>
+            <a:pPr marL="0" lvl="0" indent="0">
+              <a:buNone/>
+            </a:pPr>
+            <a:r>
+              <a:rPr lang="en-US" altLang="zh-CN" sz="1800"/>
+              <a:t>Methods: </a:t>
+            </a:r>
+            <a:endParaRPr lang="en-US" altLang="zh-CN" sz="1800"/>
+          </a:p>
+          <a:p>
+            <a:pPr lvl="0">
+              <a:buFont typeface="Arial" panose="020B0604020202020204" pitchFamily="34" charset="0"/>
+              <a:buChar char="•"/>
+            </a:pPr>
+            <a:r>
+              <a:rPr lang="en-US" altLang="zh-CN" sz="1800"/>
+              <a:t>getContext()</a:t>
+            </a:r>
+            <a:endParaRPr lang="en-US" altLang="zh-CN" sz="1800"/>
+          </a:p>
+          <a:p>
+            <a:pPr lvl="0">
+              <a:buFont typeface="Arial" panose="020B0604020202020204" pitchFamily="34" charset="0"/>
+              <a:buChar char="•"/>
+            </a:pPr>
+            <a:r>
+              <a:rPr lang="en-US" altLang="zh-CN" sz="1800"/>
+              <a:t>toDataURL()</a:t>
+            </a:r>
+            <a:endParaRPr lang="en-US" altLang="zh-CN" sz="1800"/>
           </a:p>
         </p:txBody>
       </p:sp>
@@ -5209,141 +5299,27 @@
           <a:p>
             <a:r>
               <a:rPr lang="en-US" altLang="zh-CN"/>
-              <a:t>Overview</a:t>
-            </a:r>
-            <a:endParaRPr lang="en-US" altLang="zh-CN"/>
-          </a:p>
-        </p:txBody>
-      </p:sp>
-      <p:sp>
-        <p:nvSpPr>
-          <p:cNvPr id="5" name="内容占位符 4"/>
-          <p:cNvSpPr>
-            <a:spLocks noGrp="1"/>
-          </p:cNvSpPr>
-          <p:nvPr>
-            <p:ph idx="1"/>
+              <a:t>3D</a:t>
+            </a:r>
+            <a:endParaRPr lang="en-US" altLang="zh-CN"/>
+          </a:p>
+        </p:txBody>
+      </p:sp>
+      <p:sp>
+        <p:nvSpPr>
+          <p:cNvPr id="5" name="文本占位符 4"/>
+          <p:cNvSpPr>
+            <a:spLocks noGrp="1"/>
+          </p:cNvSpPr>
+          <p:nvPr>
+            <p:ph type="body" idx="1"/>
           </p:nvPr>
         </p:nvSpPr>
         <p:spPr/>
         <p:txBody>
-          <a:bodyPr>
-            <a:normAutofit lnSpcReduction="10000"/>
-          </a:bodyPr>
-          <a:p>
-            <a:r>
-              <a:rPr lang="en-US" altLang="zh-CN"/>
-              <a:t>General framework</a:t>
-            </a:r>
-            <a:endParaRPr lang="en-US" altLang="zh-CN"/>
-          </a:p>
-          <a:p>
-            <a:pPr lvl="1"/>
-            <a:r>
-              <a:rPr lang="en-US" altLang="zh-CN"/>
-              <a:t>Three.js</a:t>
-            </a:r>
-            <a:endParaRPr lang="en-US" altLang="zh-CN"/>
-          </a:p>
-          <a:p>
-            <a:pPr lvl="1"/>
-            <a:r>
-              <a:rPr lang="en-US" altLang="zh-CN"/>
-              <a:t>A-F</a:t>
-            </a:r>
-            <a:r>
-              <a:rPr lang="en-US" altLang="zh-CN"/>
-              <a:t>rame</a:t>
-            </a:r>
-            <a:endParaRPr lang="en-US" altLang="zh-CN"/>
-          </a:p>
-          <a:p>
-            <a:pPr lvl="2"/>
-            <a:r>
-              <a:rPr lang="en-US" altLang="zh-CN"/>
-              <a:t>https://aframe.io/</a:t>
-            </a:r>
-            <a:endParaRPr lang="en-US" altLang="zh-CN"/>
-          </a:p>
-          <a:p>
-            <a:pPr lvl="2"/>
-            <a:r>
-              <a:rPr lang="en-US" altLang="zh-CN"/>
-              <a:t>https://github.com/aframevr/aframe</a:t>
-            </a:r>
-            <a:endParaRPr lang="en-US" altLang="zh-CN"/>
-          </a:p>
-          <a:p>
-            <a:pPr lvl="1"/>
-            <a:r>
-              <a:rPr lang="en-US" altLang="zh-CN"/>
-              <a:t>PlayCanvas</a:t>
-            </a:r>
-            <a:endParaRPr lang="en-US" altLang="zh-CN"/>
-          </a:p>
-          <a:p>
-            <a:pPr lvl="2"/>
-            <a:r>
-              <a:rPr lang="en-US" altLang="zh-CN"/>
-              <a:t>https://playcanvas.com/</a:t>
-            </a:r>
-            <a:endParaRPr lang="en-US" altLang="zh-CN"/>
-          </a:p>
-          <a:p>
-            <a:pPr lvl="2"/>
-            <a:r>
-              <a:rPr lang="en-US" altLang="zh-CN"/>
-              <a:t>https://github.com/playcanvas/engine</a:t>
-            </a:r>
-            <a:endParaRPr lang="en-US" altLang="zh-CN"/>
-          </a:p>
-          <a:p>
-            <a:pPr lvl="1"/>
-            <a:r>
-              <a:rPr lang="en-US" altLang="zh-CN" sz="2000"/>
-              <a:t>Babylon.js</a:t>
-            </a:r>
-            <a:endParaRPr lang="en-US" altLang="zh-CN" sz="2000"/>
-          </a:p>
-          <a:p>
-            <a:pPr lvl="2"/>
-            <a:r>
-              <a:rPr lang="en-US" altLang="zh-CN"/>
-              <a:t>http://www.babylonjs.com/</a:t>
-            </a:r>
-            <a:endParaRPr lang="en-US" altLang="zh-CN"/>
-          </a:p>
-          <a:p>
-            <a:pPr lvl="0"/>
-            <a:r>
-              <a:rPr lang="en-US" altLang="zh-CN"/>
-              <a:t>3D Model View</a:t>
-            </a:r>
-            <a:endParaRPr lang="en-US" altLang="zh-CN"/>
-          </a:p>
-          <a:p>
-            <a:pPr lvl="1"/>
-            <a:r>
-              <a:rPr lang="en-US" altLang="zh-CN" sz="2000"/>
-              <a:t>Google ModelViewer</a:t>
-            </a:r>
-            <a:endParaRPr lang="en-US" altLang="zh-CN" sz="2000"/>
-          </a:p>
-          <a:p>
-            <a:pPr lvl="2"/>
-            <a:r>
-              <a:rPr lang="en-US" altLang="zh-CN"/>
-              <a:t>https://modelviewer.dev/</a:t>
-            </a:r>
-            <a:endParaRPr lang="en-US" altLang="zh-CN"/>
-          </a:p>
-          <a:p>
-            <a:pPr lvl="0"/>
-            <a:r>
-              <a:rPr lang="en-US" altLang="zh-CN"/>
-              <a:t>https://manu.ninja/25-real-world-applications-using-webgl</a:t>
-            </a:r>
-            <a:endParaRPr lang="en-US" altLang="zh-CN"/>
+          <a:bodyPr/>
+          <a:p>
+            <a:endParaRPr lang="zh-CN" altLang="en-US"/>
           </a:p>
         </p:txBody>
       </p:sp>
@@ -5359,6 +5335,181 @@
 </file>
 
 <file path=ppt/slides/slide24.xml><?xml version="1.0" encoding="utf-8"?>
+<p:sld xmlns:a="http://schemas.openxmlformats.org/drawingml/2006/main" xmlns:r="http://schemas.openxmlformats.org/officeDocument/2006/relationships" xmlns:p="http://schemas.openxmlformats.org/presentationml/2006/main">
+  <p:cSld>
+    <p:spTree>
+      <p:nvGrpSpPr>
+        <p:cNvPr id="1" name=""/>
+        <p:cNvGrpSpPr/>
+        <p:nvPr/>
+      </p:nvGrpSpPr>
+      <p:grpSpPr/>
+      <p:sp>
+        <p:nvSpPr>
+          <p:cNvPr id="4" name="标题 3"/>
+          <p:cNvSpPr>
+            <a:spLocks noGrp="1"/>
+          </p:cNvSpPr>
+          <p:nvPr>
+            <p:ph type="title"/>
+          </p:nvPr>
+        </p:nvSpPr>
+        <p:spPr/>
+        <p:txBody>
+          <a:bodyPr/>
+          <a:p>
+            <a:r>
+              <a:rPr lang="en-US" altLang="zh-CN"/>
+              <a:t>Overview</a:t>
+            </a:r>
+            <a:endParaRPr lang="en-US" altLang="zh-CN"/>
+          </a:p>
+        </p:txBody>
+      </p:sp>
+      <p:sp>
+        <p:nvSpPr>
+          <p:cNvPr id="5" name="内容占位符 4"/>
+          <p:cNvSpPr>
+            <a:spLocks noGrp="1"/>
+          </p:cNvSpPr>
+          <p:nvPr>
+            <p:ph idx="1"/>
+          </p:nvPr>
+        </p:nvSpPr>
+        <p:spPr/>
+        <p:txBody>
+          <a:bodyPr>
+            <a:normAutofit lnSpcReduction="10000"/>
+          </a:bodyPr>
+          <a:p>
+            <a:r>
+              <a:rPr lang="en-US" altLang="zh-CN"/>
+              <a:t>General framework</a:t>
+            </a:r>
+            <a:endParaRPr lang="en-US" altLang="zh-CN"/>
+          </a:p>
+          <a:p>
+            <a:pPr lvl="1"/>
+            <a:r>
+              <a:rPr lang="en-US" altLang="zh-CN"/>
+              <a:t>Three.js</a:t>
+            </a:r>
+            <a:endParaRPr lang="en-US" altLang="zh-CN"/>
+          </a:p>
+          <a:p>
+            <a:pPr lvl="1"/>
+            <a:r>
+              <a:rPr lang="en-US" altLang="zh-CN"/>
+              <a:t>A-F</a:t>
+            </a:r>
+            <a:r>
+              <a:rPr lang="en-US" altLang="zh-CN"/>
+              <a:t>rame</a:t>
+            </a:r>
+            <a:endParaRPr lang="en-US" altLang="zh-CN"/>
+          </a:p>
+          <a:p>
+            <a:pPr lvl="2"/>
+            <a:r>
+              <a:rPr lang="en-US" altLang="zh-CN"/>
+              <a:t>https://aframe.io/</a:t>
+            </a:r>
+            <a:endParaRPr lang="en-US" altLang="zh-CN"/>
+          </a:p>
+          <a:p>
+            <a:pPr lvl="2"/>
+            <a:r>
+              <a:rPr lang="en-US" altLang="zh-CN"/>
+              <a:t>https://github.com/aframevr/aframe</a:t>
+            </a:r>
+            <a:endParaRPr lang="en-US" altLang="zh-CN"/>
+          </a:p>
+          <a:p>
+            <a:pPr lvl="1"/>
+            <a:r>
+              <a:rPr lang="en-US" altLang="zh-CN"/>
+              <a:t>PlayCanvas</a:t>
+            </a:r>
+            <a:endParaRPr lang="en-US" altLang="zh-CN"/>
+          </a:p>
+          <a:p>
+            <a:pPr lvl="2"/>
+            <a:r>
+              <a:rPr lang="en-US" altLang="zh-CN"/>
+              <a:t>https://playcanvas.com/</a:t>
+            </a:r>
+            <a:endParaRPr lang="en-US" altLang="zh-CN"/>
+          </a:p>
+          <a:p>
+            <a:pPr lvl="2"/>
+            <a:r>
+              <a:rPr lang="en-US" altLang="zh-CN"/>
+              <a:t>https://github.com/playcanvas/engine</a:t>
+            </a:r>
+            <a:endParaRPr lang="en-US" altLang="zh-CN"/>
+          </a:p>
+          <a:p>
+            <a:pPr lvl="1"/>
+            <a:r>
+              <a:rPr lang="en-US" altLang="zh-CN" sz="2000"/>
+              <a:t>Babylon.js</a:t>
+            </a:r>
+            <a:endParaRPr lang="en-US" altLang="zh-CN" sz="2000"/>
+          </a:p>
+          <a:p>
+            <a:pPr lvl="2"/>
+            <a:r>
+              <a:rPr lang="en-US" altLang="zh-CN"/>
+              <a:t>http://www.babylonjs.com/</a:t>
+            </a:r>
+            <a:endParaRPr lang="en-US" altLang="zh-CN"/>
+          </a:p>
+          <a:p>
+            <a:pPr lvl="0"/>
+            <a:r>
+              <a:rPr lang="en-US" altLang="zh-CN"/>
+              <a:t>3D Model View</a:t>
+            </a:r>
+            <a:endParaRPr lang="en-US" altLang="zh-CN"/>
+          </a:p>
+          <a:p>
+            <a:pPr lvl="1"/>
+            <a:r>
+              <a:rPr lang="en-US" altLang="zh-CN" sz="2000"/>
+              <a:t>Google ModelViewer</a:t>
+            </a:r>
+            <a:endParaRPr lang="en-US" altLang="zh-CN" sz="2000"/>
+          </a:p>
+          <a:p>
+            <a:pPr lvl="2"/>
+            <a:r>
+              <a:rPr lang="en-US" altLang="zh-CN"/>
+              <a:t>https://modelviewer.dev/</a:t>
+            </a:r>
+            <a:endParaRPr lang="en-US" altLang="zh-CN"/>
+          </a:p>
+          <a:p>
+            <a:pPr lvl="0"/>
+            <a:r>
+              <a:rPr lang="en-US" altLang="zh-CN"/>
+              <a:t>https://manu.ninja/25-real-world-applications-using-webgl</a:t>
+            </a:r>
+            <a:endParaRPr lang="en-US" altLang="zh-CN"/>
+          </a:p>
+        </p:txBody>
+      </p:sp>
+    </p:spTree>
+    <p:custDataLst>
+      <p:tags r:id="rId1"/>
+    </p:custDataLst>
+  </p:cSld>
+  <p:clrMapOvr>
+    <a:masterClrMapping/>
+  </p:clrMapOvr>
+</p:sld>
+</file>
+
+<file path=ppt/slides/slide25.xml><?xml version="1.0" encoding="utf-8"?>
 <p:sld xmlns:a="http://schemas.openxmlformats.org/drawingml/2006/main" xmlns:r="http://schemas.openxmlformats.org/officeDocument/2006/relationships" xmlns:p="http://schemas.openxmlformats.org/presentationml/2006/main">
   <p:cSld>
     <p:spTree>
@@ -6523,7 +6674,7 @@
 </p:sld>
 </file>
 
-<file path=ppt/slides/slide25.xml><?xml version="1.0" encoding="utf-8"?>
+<file path=ppt/slides/slide26.xml><?xml version="1.0" encoding="utf-8"?>
 <p:sld xmlns:a="http://schemas.openxmlformats.org/drawingml/2006/main" xmlns:r="http://schemas.openxmlformats.org/officeDocument/2006/relationships" xmlns:p="http://schemas.openxmlformats.org/presentationml/2006/main">
   <p:cSld>
     <p:spTree>
@@ -6789,7 +6940,7 @@
 </p:sld>
 </file>
 
-<file path=ppt/slides/slide26.xml><?xml version="1.0" encoding="utf-8"?>
+<file path=ppt/slides/slide27.xml><?xml version="1.0" encoding="utf-8"?>
 <p:sld xmlns:a="http://schemas.openxmlformats.org/drawingml/2006/main" xmlns:r="http://schemas.openxmlformats.org/officeDocument/2006/relationships" xmlns:p="http://schemas.openxmlformats.org/presentationml/2006/main">
   <p:cSld>
     <p:spTree>
@@ -8385,6 +8536,14 @@
 </file>
 
 <file path=ppt/tags/tag32.xml><?xml version="1.0" encoding="utf-8"?>
+<p:tagLst xmlns:p="http://schemas.openxmlformats.org/presentationml/2006/main">
+  <p:tag name="KSO_WM_BEAUTIFY_FLAG" val="#wm#"/>
+  <p:tag name="KSO_WM_TEMPLATE_CATEGORY" val="custom"/>
+  <p:tag name="KSO_WM_TEMPLATE_INDEX" val="160402"/>
+</p:tagLst>
+</file>
+
+<file path=ppt/tags/tag33.xml><?xml version="1.0" encoding="utf-8"?>
 <p:tagLst xmlns:p="http://schemas.openxmlformats.org/presentationml/2006/main">
   <p:tag name="KSO_WM_BEAUTIFY_FLAG" val="#wm#"/>
   <p:tag name="KSO_WM_TEMPLATE_CATEGORY" val="custom"/>

--- a/Web/JavaScript-Notes.pptx
+++ b/Web/JavaScript-Notes.pptx
@@ -8,36 +8,39 @@
     <p:notesMasterId r:id="rId4"/>
   </p:notesMasterIdLst>
   <p:handoutMasterIdLst>
-    <p:handoutMasterId r:id="rId31"/>
+    <p:handoutMasterId r:id="rId34"/>
   </p:handoutMasterIdLst>
   <p:sldIdLst>
     <p:sldId id="256" r:id="rId3"/>
     <p:sldId id="296" r:id="rId5"/>
-    <p:sldId id="295" r:id="rId6"/>
-    <p:sldId id="259" r:id="rId7"/>
-    <p:sldId id="262" r:id="rId8"/>
-    <p:sldId id="268" r:id="rId9"/>
-    <p:sldId id="275" r:id="rId10"/>
-    <p:sldId id="269" r:id="rId11"/>
-    <p:sldId id="260" r:id="rId12"/>
-    <p:sldId id="261" r:id="rId13"/>
-    <p:sldId id="263" r:id="rId14"/>
-    <p:sldId id="258" r:id="rId15"/>
-    <p:sldId id="284" r:id="rId16"/>
-    <p:sldId id="285" r:id="rId17"/>
-    <p:sldId id="276" r:id="rId18"/>
-    <p:sldId id="267" r:id="rId19"/>
-    <p:sldId id="283" r:id="rId20"/>
-    <p:sldId id="297" r:id="rId21"/>
-    <p:sldId id="299" r:id="rId22"/>
-    <p:sldId id="298" r:id="rId23"/>
-    <p:sldId id="320" r:id="rId24"/>
-    <p:sldId id="326" r:id="rId25"/>
-    <p:sldId id="290" r:id="rId26"/>
-    <p:sldId id="291" r:id="rId27"/>
-    <p:sldId id="289" r:id="rId28"/>
-    <p:sldId id="292" r:id="rId29"/>
-    <p:sldId id="293" r:id="rId30"/>
+    <p:sldId id="352" r:id="rId6"/>
+    <p:sldId id="295" r:id="rId7"/>
+    <p:sldId id="259" r:id="rId8"/>
+    <p:sldId id="262" r:id="rId9"/>
+    <p:sldId id="268" r:id="rId10"/>
+    <p:sldId id="275" r:id="rId11"/>
+    <p:sldId id="269" r:id="rId12"/>
+    <p:sldId id="260" r:id="rId13"/>
+    <p:sldId id="261" r:id="rId14"/>
+    <p:sldId id="263" r:id="rId15"/>
+    <p:sldId id="258" r:id="rId16"/>
+    <p:sldId id="284" r:id="rId17"/>
+    <p:sldId id="285" r:id="rId18"/>
+    <p:sldId id="276" r:id="rId19"/>
+    <p:sldId id="267" r:id="rId20"/>
+    <p:sldId id="283" r:id="rId21"/>
+    <p:sldId id="332" r:id="rId22"/>
+    <p:sldId id="297" r:id="rId23"/>
+    <p:sldId id="299" r:id="rId24"/>
+    <p:sldId id="343" r:id="rId25"/>
+    <p:sldId id="298" r:id="rId26"/>
+    <p:sldId id="320" r:id="rId27"/>
+    <p:sldId id="326" r:id="rId28"/>
+    <p:sldId id="290" r:id="rId29"/>
+    <p:sldId id="291" r:id="rId30"/>
+    <p:sldId id="289" r:id="rId31"/>
+    <p:sldId id="292" r:id="rId32"/>
+    <p:sldId id="293" r:id="rId33"/>
   </p:sldIdLst>
   <p:sldSz cx="12192000" cy="6858000"/>
   <p:notesSz cx="6858000" cy="9144000"/>
@@ -3851,7 +3854,7 @@
           <a:p>
             <a:r>
               <a:rPr lang="en-US" altLang="zh-CN"/>
-              <a:t>Classes</a:t>
+              <a:t>Event</a:t>
             </a:r>
             <a:endParaRPr lang="en-US" altLang="zh-CN"/>
           </a:p>
@@ -3873,113 +3876,63 @@
           <a:p>
             <a:r>
               <a:rPr lang="en-US" altLang="zh-CN"/>
-              <a:t>Date</a:t>
-            </a:r>
-            <a:endParaRPr lang="en-US" altLang="zh-CN"/>
-          </a:p>
-          <a:p>
-            <a:pPr lvl="1"/>
-            <a:r>
-              <a:rPr lang="en-US" altLang="zh-CN"/>
-              <a:t>var d = new Date()</a:t>
-            </a:r>
-            <a:endParaRPr lang="en-US" altLang="zh-CN"/>
-          </a:p>
-          <a:p>
-            <a:pPr lvl="1"/>
-            <a:r>
-              <a:rPr lang="en-US" altLang="zh-CN"/>
-              <a:t>d.getTime(),</a:t>
-            </a:r>
-            <a:r>
-              <a:rPr lang="en-US" altLang="zh-CN">
-                <a:sym typeface="+mn-ea"/>
-              </a:rPr>
-              <a:t> getFullYear(), getMonth(),</a:t>
-            </a:r>
-            <a:r>
-              <a:rPr lang="en-US" altLang="zh-CN"/>
-              <a:t> getDate(), </a:t>
-            </a:r>
-            <a:r>
-              <a:rPr lang="en-US" altLang="zh-CN">
-                <a:sym typeface="+mn-ea"/>
-              </a:rPr>
-              <a:t>getDay(), </a:t>
-            </a:r>
-            <a:r>
-              <a:rPr lang="en-US" altLang="zh-CN"/>
-              <a:t>getHours()</a:t>
-            </a:r>
-            <a:r>
-              <a:rPr lang="en-US" altLang="zh-CN">
-                <a:sym typeface="+mn-ea"/>
-              </a:rPr>
-              <a:t>, getMinutes()</a:t>
-            </a:r>
-            <a:r>
-              <a:rPr lang="en-US" altLang="zh-CN"/>
-              <a:t>, getSeconds(), getMilliseconds()</a:t>
-            </a:r>
-            <a:endParaRPr lang="en-US" altLang="zh-CN"/>
-          </a:p>
-          <a:p>
-            <a:pPr lvl="1"/>
-            <a:r>
-              <a:rPr lang="en-US" altLang="zh-CN"/>
-              <a:t>d.getUTCxxx()</a:t>
-            </a:r>
-            <a:endParaRPr lang="en-US" altLang="zh-CN"/>
-          </a:p>
-          <a:p>
-            <a:pPr lvl="1"/>
-            <a:r>
-              <a:rPr lang="en-US" altLang="zh-CN"/>
-              <a:t>d.setXXX()</a:t>
-            </a:r>
-            <a:endParaRPr lang="en-US" altLang="zh-CN"/>
+              <a:t>Events</a:t>
+            </a:r>
+            <a:endParaRPr lang="en-US" altLang="zh-CN"/>
+          </a:p>
+          <a:p>
+            <a:pPr lvl="1"/>
+            <a:r>
+              <a:rPr lang="en-US" altLang="zh-CN"/>
+              <a:t>onchange, onclick, onmouseover, onmouseout, onkeydown, onload</a:t>
+            </a:r>
+            <a:endParaRPr lang="en-US" altLang="zh-CN"/>
+          </a:p>
+          <a:p>
+            <a:pPr lvl="1"/>
+            <a:r>
+              <a:rPr lang="en-US" altLang="en-US"/>
+              <a:t>onmouseover, onmouseout, onmousedown, onmouseup</a:t>
+            </a:r>
+            <a:endParaRPr lang="en-US" altLang="en-US"/>
+          </a:p>
+          <a:p>
+            <a:pPr lvl="1"/>
+            <a:r>
+              <a:rPr lang="en-US" altLang="en-US"/>
+              <a:t>onfocus</a:t>
+            </a:r>
+            <a:endParaRPr lang="en-US" altLang="en-US"/>
           </a:p>
           <a:p>
             <a:pPr lvl="0"/>
             <a:r>
-              <a:rPr lang="en-US" altLang="zh-CN"/>
-              <a:t>Math</a:t>
-            </a:r>
-            <a:endParaRPr lang="en-US" altLang="zh-CN"/>
-          </a:p>
-          <a:p>
-            <a:pPr lvl="1"/>
-            <a:r>
-              <a:rPr lang="en-US" altLang="zh-CN"/>
-              <a:t>Math.PI, Math.round(), Math.pow(), Math.sqrt(), Math.abs(), Math.ceil(), Math.floor(), Math.sin(), Math.cos(), Math.min(), Math.max(), Math.random()</a:t>
-            </a:r>
-            <a:endParaRPr lang="en-US" altLang="zh-CN"/>
-          </a:p>
-          <a:p>
-            <a:pPr lvl="0"/>
-            <a:r>
-              <a:rPr lang="en-US" altLang="zh-CN"/>
-              <a:t>JSON</a:t>
-            </a:r>
-            <a:endParaRPr lang="en-US" altLang="zh-CN"/>
-          </a:p>
-          <a:p>
-            <a:pPr lvl="1"/>
-            <a:r>
               <a:rPr lang="en-US" altLang="en-US"/>
-              <a:t>var obj = </a:t>
-            </a:r>
-            <a:r>
-              <a:rPr lang="en-US" altLang="zh-CN"/>
-              <a:t>JSON.parse(str)</a:t>
-            </a:r>
-            <a:endParaRPr lang="en-US" altLang="zh-CN"/>
+              <a:t>Functino</a:t>
+            </a:r>
+            <a:endParaRPr lang="en-US" altLang="en-US"/>
           </a:p>
           <a:p>
             <a:pPr lvl="1"/>
             <a:r>
               <a:rPr lang="en-US" altLang="en-US"/>
-              <a:t>var str = JSON.stringify(obj)</a:t>
+              <a:t>addEventListener('event', func, useCapture)</a:t>
+            </a:r>
+            <a:endParaRPr lang="en-US" altLang="en-US"/>
+          </a:p>
+          <a:p>
+            <a:pPr lvl="2"/>
+            <a:r>
+              <a:rPr lang="en-US" altLang="en-US" sz="1800"/>
+              <a:t>useCapture: default false, bubble-way propagation; true: capture-way propagation</a:t>
+            </a:r>
+            <a:endParaRPr lang="en-US" altLang="en-US"/>
+          </a:p>
+          <a:p>
+            <a:pPr lvl="1"/>
+            <a:r>
+              <a:rPr lang="en-US" altLang="en-US"/>
+              <a:t>removeEventListener(event, func)</a:t>
             </a:r>
             <a:endParaRPr lang="en-US" altLang="en-US"/>
           </a:p>
@@ -4022,7 +3975,7 @@
           <a:p>
             <a:r>
               <a:rPr lang="en-US" altLang="zh-CN"/>
-              <a:t>Object</a:t>
+              <a:t>Classes</a:t>
             </a:r>
             <a:endParaRPr lang="en-US" altLang="zh-CN"/>
           </a:p>
@@ -4044,9 +3997,115 @@
           <a:p>
             <a:r>
               <a:rPr lang="en-US" altLang="zh-CN"/>
-              <a:t>obj.property</a:t>
-            </a:r>
-            <a:endParaRPr lang="en-US" altLang="zh-CN"/>
+              <a:t>Date</a:t>
+            </a:r>
+            <a:endParaRPr lang="en-US" altLang="zh-CN"/>
+          </a:p>
+          <a:p>
+            <a:pPr lvl="1"/>
+            <a:r>
+              <a:rPr lang="en-US" altLang="zh-CN"/>
+              <a:t>var d = new Date()</a:t>
+            </a:r>
+            <a:endParaRPr lang="en-US" altLang="zh-CN"/>
+          </a:p>
+          <a:p>
+            <a:pPr lvl="1"/>
+            <a:r>
+              <a:rPr lang="en-US" altLang="zh-CN"/>
+              <a:t>d.getTime(),</a:t>
+            </a:r>
+            <a:r>
+              <a:rPr lang="en-US" altLang="zh-CN">
+                <a:sym typeface="+mn-ea"/>
+              </a:rPr>
+              <a:t> getFullYear(), getMonth(),</a:t>
+            </a:r>
+            <a:r>
+              <a:rPr lang="en-US" altLang="zh-CN"/>
+              <a:t> getDate(), </a:t>
+            </a:r>
+            <a:r>
+              <a:rPr lang="en-US" altLang="zh-CN">
+                <a:sym typeface="+mn-ea"/>
+              </a:rPr>
+              <a:t>getDay(), </a:t>
+            </a:r>
+            <a:r>
+              <a:rPr lang="en-US" altLang="zh-CN"/>
+              <a:t>getHours()</a:t>
+            </a:r>
+            <a:r>
+              <a:rPr lang="en-US" altLang="zh-CN">
+                <a:sym typeface="+mn-ea"/>
+              </a:rPr>
+              <a:t>, getMinutes()</a:t>
+            </a:r>
+            <a:r>
+              <a:rPr lang="en-US" altLang="zh-CN"/>
+              <a:t>, getSeconds(), getMilliseconds()</a:t>
+            </a:r>
+            <a:endParaRPr lang="en-US" altLang="zh-CN"/>
+          </a:p>
+          <a:p>
+            <a:pPr lvl="1"/>
+            <a:r>
+              <a:rPr lang="en-US" altLang="zh-CN"/>
+              <a:t>d.getUTCxxx()</a:t>
+            </a:r>
+            <a:endParaRPr lang="en-US" altLang="zh-CN"/>
+          </a:p>
+          <a:p>
+            <a:pPr lvl="1"/>
+            <a:r>
+              <a:rPr lang="en-US" altLang="zh-CN"/>
+              <a:t>d.setXXX()</a:t>
+            </a:r>
+            <a:endParaRPr lang="en-US" altLang="zh-CN"/>
+          </a:p>
+          <a:p>
+            <a:pPr lvl="0"/>
+            <a:r>
+              <a:rPr lang="en-US" altLang="zh-CN"/>
+              <a:t>Math</a:t>
+            </a:r>
+            <a:endParaRPr lang="en-US" altLang="zh-CN"/>
+          </a:p>
+          <a:p>
+            <a:pPr lvl="1"/>
+            <a:r>
+              <a:rPr lang="en-US" altLang="zh-CN"/>
+              <a:t>Math.PI, Math.round(), Math.pow(), Math.sqrt(), Math.abs(), Math.ceil(), Math.floor(), Math.sin(), Math.cos(), Math.min(), Math.max(), Math.random()</a:t>
+            </a:r>
+            <a:endParaRPr lang="en-US" altLang="zh-CN"/>
+          </a:p>
+          <a:p>
+            <a:pPr lvl="0"/>
+            <a:r>
+              <a:rPr lang="en-US" altLang="zh-CN"/>
+              <a:t>JSON</a:t>
+            </a:r>
+            <a:endParaRPr lang="en-US" altLang="zh-CN"/>
+          </a:p>
+          <a:p>
+            <a:pPr lvl="1"/>
+            <a:r>
+              <a:rPr lang="en-US" altLang="en-US"/>
+              <a:t>var obj = </a:t>
+            </a:r>
+            <a:r>
+              <a:rPr lang="en-US" altLang="zh-CN"/>
+              <a:t>JSON.parse(str)</a:t>
+            </a:r>
+            <a:endParaRPr lang="en-US" altLang="zh-CN"/>
+          </a:p>
+          <a:p>
+            <a:pPr lvl="1"/>
+            <a:r>
+              <a:rPr lang="en-US" altLang="en-US"/>
+              <a:t>var str = JSON.stringify(obj)</a:t>
+            </a:r>
+            <a:endParaRPr lang="en-US" altLang="en-US"/>
           </a:p>
         </p:txBody>
       </p:sp>
@@ -4087,7 +4146,7 @@
           <a:p>
             <a:r>
               <a:rPr lang="en-US" altLang="zh-CN"/>
-              <a:t>String Operation</a:t>
+              <a:t>Object</a:t>
             </a:r>
             <a:endParaRPr lang="en-US" altLang="zh-CN"/>
           </a:p>
@@ -4105,125 +4164,11 @@
         </p:nvSpPr>
         <p:spPr/>
         <p:txBody>
-          <a:bodyPr>
-            <a:normAutofit lnSpcReduction="20000"/>
-          </a:bodyPr>
-          <a:p>
-            <a:r>
-              <a:rPr lang="en-US" altLang="zh-CN"/>
-              <a:t>Methods</a:t>
-            </a:r>
-            <a:endParaRPr lang="en-US" altLang="zh-CN"/>
-          </a:p>
-          <a:p>
-            <a:pPr lvl="1"/>
-            <a:r>
-              <a:rPr lang="en-US" altLang="zh-CN"/>
-              <a:t>var len = str.length</a:t>
-            </a:r>
-            <a:endParaRPr lang="en-US" altLang="zh-CN"/>
-          </a:p>
-          <a:p>
-            <a:pPr lvl="1"/>
-            <a:r>
-              <a:rPr lang="en-US" altLang="zh-CN"/>
-              <a:t>var pos = str.indexOf(“locate”)</a:t>
-            </a:r>
-            <a:endParaRPr lang="en-US" altLang="zh-CN"/>
-          </a:p>
-          <a:p>
-            <a:pPr lvl="1"/>
-            <a:r>
-              <a:rPr lang="en-US" altLang="zh-CN"/>
-              <a:t>var pos = str.lastIndexOf(“locate”)</a:t>
-            </a:r>
-            <a:endParaRPr lang="en-US" altLang="zh-CN"/>
-          </a:p>
-          <a:p>
-            <a:pPr lvl="1"/>
-            <a:r>
-              <a:rPr lang="en-US" altLang="zh-CN"/>
-              <a:t>var substr = str.slice(start, end)</a:t>
-            </a:r>
-            <a:endParaRPr lang="en-US" altLang="zh-CN"/>
-          </a:p>
-          <a:p>
-            <a:pPr lvl="1"/>
-            <a:r>
-              <a:rPr lang="en-US" altLang="zh-CN"/>
-              <a:t>var substr = str.substr(start, len)</a:t>
-            </a:r>
-            <a:endParaRPr lang="en-US" altLang="zh-CN"/>
-          </a:p>
-          <a:p>
-            <a:pPr lvl="1"/>
-            <a:r>
-              <a:rPr lang="en-US" altLang="zh-CN"/>
-              <a:t>var str = str.replace(src, dest)</a:t>
-            </a:r>
-            <a:endParaRPr lang="en-US" altLang="zh-CN"/>
-          </a:p>
-          <a:p>
-            <a:pPr lvl="1"/>
-            <a:r>
-              <a:rPr lang="en-US" altLang="zh-CN"/>
-              <a:t>var up = str.toUpperCase()</a:t>
-            </a:r>
-            <a:endParaRPr lang="en-US" altLang="zh-CN"/>
-          </a:p>
-          <a:p>
-            <a:pPr lvl="1"/>
-            <a:r>
-              <a:rPr lang="en-US" altLang="zh-CN"/>
-              <a:t>var l = str.toLowerCase()</a:t>
-            </a:r>
-            <a:endParaRPr lang="en-US" altLang="zh-CN"/>
-          </a:p>
-          <a:p>
-            <a:pPr lvl="1"/>
-            <a:r>
-              <a:rPr lang="en-US" altLang="zh-CN"/>
-              <a:t>var concat = str.concat(“,”, str2)</a:t>
-            </a:r>
-            <a:endParaRPr lang="en-US" altLang="zh-CN"/>
-          </a:p>
-          <a:p>
-            <a:pPr lvl="1"/>
-            <a:r>
-              <a:rPr lang="en-US" altLang="zh-CN"/>
-              <a:t>var t = str.trim()</a:t>
-            </a:r>
-            <a:endParaRPr lang="en-US" altLang="zh-CN"/>
-          </a:p>
-          <a:p>
-            <a:pPr lvl="1"/>
-            <a:r>
-              <a:rPr lang="en-US" altLang="zh-CN"/>
-              <a:t>var ch = str.charAt(pos)</a:t>
-            </a:r>
-            <a:endParaRPr lang="en-US" altLang="zh-CN"/>
-          </a:p>
-          <a:p>
-            <a:pPr lvl="1"/>
-            <a:r>
-              <a:rPr lang="en-US" altLang="zh-CN"/>
-              <a:t>var code = str.charCodeAt(pos)</a:t>
-            </a:r>
-            <a:endParaRPr lang="en-US" altLang="zh-CN"/>
-          </a:p>
-          <a:p>
-            <a:pPr lvl="1"/>
-            <a:r>
-              <a:rPr lang="en-US" altLang="zh-CN"/>
-              <a:t>str[pos]</a:t>
-            </a:r>
-            <a:endParaRPr lang="en-US" altLang="zh-CN"/>
-          </a:p>
-          <a:p>
-            <a:pPr lvl="1"/>
-            <a:r>
-              <a:rPr lang="en-US" altLang="zh-CN"/>
-              <a:t>var arr = str.split(“,”)</a:t>
+          <a:bodyPr/>
+          <a:p>
+            <a:r>
+              <a:rPr lang="en-US" altLang="zh-CN"/>
+              <a:t>obj.property</a:t>
             </a:r>
             <a:endParaRPr lang="en-US" altLang="zh-CN"/>
           </a:p>
@@ -4266,7 +4211,7 @@
           <a:p>
             <a:r>
               <a:rPr lang="en-US" altLang="zh-CN"/>
-              <a:t>DateTime</a:t>
+              <a:t>String Operation</a:t>
             </a:r>
             <a:endParaRPr lang="en-US" altLang="zh-CN"/>
           </a:p>
@@ -4284,9 +4229,127 @@
         </p:nvSpPr>
         <p:spPr/>
         <p:txBody>
-          <a:bodyPr/>
-          <a:p>
-            <a:endParaRPr lang="zh-CN" altLang="en-US"/>
+          <a:bodyPr>
+            <a:normAutofit lnSpcReduction="20000"/>
+          </a:bodyPr>
+          <a:p>
+            <a:r>
+              <a:rPr lang="en-US" altLang="zh-CN"/>
+              <a:t>Methods</a:t>
+            </a:r>
+            <a:endParaRPr lang="en-US" altLang="zh-CN"/>
+          </a:p>
+          <a:p>
+            <a:pPr lvl="1"/>
+            <a:r>
+              <a:rPr lang="en-US" altLang="zh-CN"/>
+              <a:t>var len = str.length</a:t>
+            </a:r>
+            <a:endParaRPr lang="en-US" altLang="zh-CN"/>
+          </a:p>
+          <a:p>
+            <a:pPr lvl="1"/>
+            <a:r>
+              <a:rPr lang="en-US" altLang="zh-CN"/>
+              <a:t>var pos = str.indexOf(“locate”)</a:t>
+            </a:r>
+            <a:endParaRPr lang="en-US" altLang="zh-CN"/>
+          </a:p>
+          <a:p>
+            <a:pPr lvl="1"/>
+            <a:r>
+              <a:rPr lang="en-US" altLang="zh-CN"/>
+              <a:t>var pos = str.lastIndexOf(“locate”)</a:t>
+            </a:r>
+            <a:endParaRPr lang="en-US" altLang="zh-CN"/>
+          </a:p>
+          <a:p>
+            <a:pPr lvl="1"/>
+            <a:r>
+              <a:rPr lang="en-US" altLang="zh-CN"/>
+              <a:t>var substr = str.slice(start, end)</a:t>
+            </a:r>
+            <a:endParaRPr lang="en-US" altLang="zh-CN"/>
+          </a:p>
+          <a:p>
+            <a:pPr lvl="1"/>
+            <a:r>
+              <a:rPr lang="en-US" altLang="zh-CN"/>
+              <a:t>var substr = str.substr(start, len)</a:t>
+            </a:r>
+            <a:endParaRPr lang="en-US" altLang="zh-CN"/>
+          </a:p>
+          <a:p>
+            <a:pPr lvl="1"/>
+            <a:r>
+              <a:rPr lang="en-US" altLang="zh-CN"/>
+              <a:t>var str = str.replace(src, dest)</a:t>
+            </a:r>
+            <a:endParaRPr lang="en-US" altLang="zh-CN"/>
+          </a:p>
+          <a:p>
+            <a:pPr lvl="1"/>
+            <a:r>
+              <a:rPr lang="en-US" altLang="zh-CN"/>
+              <a:t>var up = str.toUpperCase()</a:t>
+            </a:r>
+            <a:endParaRPr lang="en-US" altLang="zh-CN"/>
+          </a:p>
+          <a:p>
+            <a:pPr lvl="1"/>
+            <a:r>
+              <a:rPr lang="en-US" altLang="zh-CN"/>
+              <a:t>var l = str.toLowerCase()</a:t>
+            </a:r>
+            <a:endParaRPr lang="en-US" altLang="zh-CN"/>
+          </a:p>
+          <a:p>
+            <a:pPr lvl="1"/>
+            <a:r>
+              <a:rPr lang="en-US" altLang="zh-CN"/>
+              <a:t>var concat = str.concat(“,”, str2)</a:t>
+            </a:r>
+            <a:endParaRPr lang="en-US" altLang="zh-CN"/>
+          </a:p>
+          <a:p>
+            <a:pPr lvl="1"/>
+            <a:r>
+              <a:rPr lang="en-US" altLang="zh-CN"/>
+              <a:t>var t = str.trim()</a:t>
+            </a:r>
+            <a:endParaRPr lang="en-US" altLang="zh-CN"/>
+          </a:p>
+          <a:p>
+            <a:pPr lvl="1"/>
+            <a:r>
+              <a:rPr lang="en-US" altLang="zh-CN"/>
+              <a:t>var ch = str.charAt(pos)</a:t>
+            </a:r>
+            <a:endParaRPr lang="en-US" altLang="zh-CN"/>
+          </a:p>
+          <a:p>
+            <a:pPr lvl="1"/>
+            <a:r>
+              <a:rPr lang="en-US" altLang="zh-CN"/>
+              <a:t>var code = str.charCodeAt(pos)</a:t>
+            </a:r>
+            <a:endParaRPr lang="en-US" altLang="zh-CN"/>
+          </a:p>
+          <a:p>
+            <a:pPr lvl="1"/>
+            <a:r>
+              <a:rPr lang="en-US" altLang="zh-CN"/>
+              <a:t>str[pos]</a:t>
+            </a:r>
+            <a:endParaRPr lang="en-US" altLang="zh-CN"/>
+          </a:p>
+          <a:p>
+            <a:pPr lvl="1"/>
+            <a:r>
+              <a:rPr lang="en-US" altLang="zh-CN"/>
+              <a:t>var arr = str.split(“,”)</a:t>
+            </a:r>
+            <a:endParaRPr lang="en-US" altLang="zh-CN"/>
           </a:p>
         </p:txBody>
       </p:sp>
@@ -4327,7 +4390,7 @@
           <a:p>
             <a:r>
               <a:rPr lang="en-US" altLang="zh-CN"/>
-              <a:t>Form</a:t>
+              <a:t>DateTime</a:t>
             </a:r>
             <a:endParaRPr lang="en-US" altLang="zh-CN"/>
           </a:p>
@@ -4347,31 +4410,7 @@
         <p:txBody>
           <a:bodyPr/>
           <a:p>
-            <a:r>
-              <a:rPr lang="en-US" altLang="zh-CN"/>
-              <a:t>Email validation</a:t>
-            </a:r>
-            <a:endParaRPr lang="en-US" altLang="zh-CN"/>
-          </a:p>
-          <a:p>
-            <a:pPr lvl="1"/>
-            <a:r>
-              <a:rPr lang="en-US" altLang="zh-CN"/>
-              <a:t>/^\w+([\.-]?\w+)*@\w+([\.-]?\w+)*(\.\w{2,3})+$/</a:t>
-            </a:r>
-            <a:endParaRPr lang="en-US" altLang="zh-CN"/>
-          </a:p>
-          <a:p>
-            <a:pPr lvl="0"/>
-            <a:r>
-              <a:rPr lang="en-US" altLang="zh-CN"/>
-              <a:t>Phone validation</a:t>
-            </a:r>
-            <a:endParaRPr lang="en-US" altLang="zh-CN"/>
-          </a:p>
-          <a:p>
-            <a:pPr lvl="1"/>
-            <a:endParaRPr lang="en-US" altLang="zh-CN"/>
+            <a:endParaRPr lang="zh-CN" altLang="en-US"/>
           </a:p>
         </p:txBody>
       </p:sp>
@@ -4398,7 +4437,7 @@
       <p:grpSpPr/>
       <p:sp>
         <p:nvSpPr>
-          <p:cNvPr id="2" name="Title 1"/>
+          <p:cNvPr id="2" name="标题 1"/>
           <p:cNvSpPr>
             <a:spLocks noGrp="1"/>
           </p:cNvSpPr>
@@ -4411,16 +4450,16 @@
           <a:bodyPr/>
           <a:p>
             <a:r>
-              <a:rPr lang="en-US" altLang="en-US"/>
-              <a:t>jQuery</a:t>
-            </a:r>
-            <a:endParaRPr lang="en-US" altLang="en-US"/>
-          </a:p>
-        </p:txBody>
-      </p:sp>
-      <p:sp>
-        <p:nvSpPr>
-          <p:cNvPr id="3" name="Content Placeholder 2"/>
+              <a:rPr lang="en-US" altLang="zh-CN"/>
+              <a:t>Form</a:t>
+            </a:r>
+            <a:endParaRPr lang="en-US" altLang="zh-CN"/>
+          </a:p>
+        </p:txBody>
+      </p:sp>
+      <p:sp>
+        <p:nvSpPr>
+          <p:cNvPr id="3" name="内容占位符 2"/>
           <p:cNvSpPr>
             <a:spLocks noGrp="1"/>
           </p:cNvSpPr>
@@ -4433,22 +4472,37 @@
           <a:bodyPr/>
           <a:p>
             <a:r>
-              <a:rPr lang="en-US" altLang="en-US"/>
-              <a:t>Find element</a:t>
-            </a:r>
-            <a:endParaRPr lang="en-US" altLang="en-US"/>
-          </a:p>
-          <a:p>
-            <a:pPr lvl="1"/>
-            <a:r>
-              <a:rPr lang="en-US" altLang="en-US"/>
-              <a:t>$('#id01'), $('.class1')</a:t>
-            </a:r>
-            <a:endParaRPr lang="en-US" altLang="en-US"/>
+              <a:rPr lang="en-US" altLang="zh-CN"/>
+              <a:t>Email validation</a:t>
+            </a:r>
+            <a:endParaRPr lang="en-US" altLang="zh-CN"/>
+          </a:p>
+          <a:p>
+            <a:pPr lvl="1"/>
+            <a:r>
+              <a:rPr lang="en-US" altLang="zh-CN"/>
+              <a:t>/^\w+([\.-]?\w+)*@\w+([\.-]?\w+)*(\.\w{2,3})+$/</a:t>
+            </a:r>
+            <a:endParaRPr lang="en-US" altLang="zh-CN"/>
+          </a:p>
+          <a:p>
+            <a:pPr lvl="0"/>
+            <a:r>
+              <a:rPr lang="en-US" altLang="zh-CN"/>
+              <a:t>Phone validation</a:t>
+            </a:r>
+            <a:endParaRPr lang="en-US" altLang="zh-CN"/>
+          </a:p>
+          <a:p>
+            <a:pPr lvl="1"/>
+            <a:endParaRPr lang="en-US" altLang="zh-CN"/>
           </a:p>
         </p:txBody>
       </p:sp>
     </p:spTree>
+    <p:custDataLst>
+      <p:tags r:id="rId1"/>
+    </p:custDataLst>
   </p:cSld>
   <p:clrMapOvr>
     <a:masterClrMapping/>
@@ -4468,7 +4522,7 @@
       <p:grpSpPr/>
       <p:sp>
         <p:nvSpPr>
-          <p:cNvPr id="2" name="标题 1"/>
+          <p:cNvPr id="2" name="Title 1"/>
           <p:cNvSpPr>
             <a:spLocks noGrp="1"/>
           </p:cNvSpPr>
@@ -4481,24 +4535,16 @@
           <a:bodyPr/>
           <a:p>
             <a:r>
-              <a:rPr lang="en-US" altLang="zh-CN"/>
-              <a:t>e</a:t>
-            </a:r>
-            <a:r>
               <a:rPr lang="en-US" altLang="en-US"/>
-              <a:t>C</a:t>
-            </a:r>
-            <a:r>
-              <a:rPr lang="en-US" altLang="zh-CN"/>
-              <a:t>harts</a:t>
-            </a:r>
-            <a:endParaRPr lang="en-US" altLang="zh-CN"/>
-          </a:p>
-        </p:txBody>
-      </p:sp>
-      <p:sp>
-        <p:nvSpPr>
-          <p:cNvPr id="3" name="内容占位符 2"/>
+              <a:t>jQuery</a:t>
+            </a:r>
+            <a:endParaRPr lang="en-US" altLang="en-US"/>
+          </a:p>
+        </p:txBody>
+      </p:sp>
+      <p:sp>
+        <p:nvSpPr>
+          <p:cNvPr id="3" name="Content Placeholder 2"/>
           <p:cNvSpPr>
             <a:spLocks noGrp="1"/>
           </p:cNvSpPr>
@@ -4508,142 +4554,25 @@
         </p:nvSpPr>
         <p:spPr/>
         <p:txBody>
-          <a:bodyPr>
-            <a:normAutofit fontScale="70000"/>
-          </a:bodyPr>
-          <a:p>
-            <a:r>
-              <a:rPr lang="en-US" altLang="zh-CN"/>
-              <a:t>Info</a:t>
-            </a:r>
-            <a:endParaRPr lang="en-US" altLang="zh-CN"/>
-          </a:p>
-          <a:p>
-            <a:pPr lvl="1"/>
-            <a:r>
-              <a:rPr lang="en-US" altLang="zh-CN"/>
-              <a:t>A declarative framework for rapid construction of web-based visualization</a:t>
-            </a:r>
-            <a:endParaRPr lang="en-US" altLang="zh-CN"/>
-          </a:p>
-          <a:p>
-            <a:pPr lvl="1"/>
+          <a:bodyPr/>
+          <a:p>
             <a:r>
               <a:rPr lang="en-US" altLang="en-US"/>
-              <a:t>https://echarts.baidu.com</a:t>
+              <a:t>Find element</a:t>
             </a:r>
             <a:endParaRPr lang="en-US" altLang="en-US"/>
           </a:p>
           <a:p>
-            <a:pPr lvl="0"/>
+            <a:pPr lvl="1"/>
             <a:r>
               <a:rPr lang="en-US" altLang="en-US"/>
-              <a:t>Usage</a:t>
+              <a:t>$('#id01'), $('.class1')</a:t>
             </a:r>
             <a:endParaRPr lang="en-US" altLang="en-US"/>
           </a:p>
-          <a:p>
-            <a:pPr lvl="1"/>
-            <a:r>
-              <a:rPr lang="en-US" altLang="en-US"/>
-              <a:t>&lt;script src='echarts.min.js'&gt;&lt;/script&gt;</a:t>
-            </a:r>
-            <a:endParaRPr lang="en-US" altLang="en-US"/>
-          </a:p>
-          <a:p>
-            <a:pPr lvl="1"/>
-            <a:r>
-              <a:rPr lang="en-US" altLang="en-US"/>
-              <a:t>var myChart = echarts.init(document.getElementById('main'));</a:t>
-            </a:r>
-            <a:endParaRPr lang="en-US" altLang="en-US"/>
-          </a:p>
-          <a:p>
-            <a:pPr lvl="1"/>
-            <a:r>
-              <a:rPr lang="en-US" altLang="en-US"/>
-              <a:t>var option = {...};</a:t>
-            </a:r>
-            <a:endParaRPr lang="en-US" altLang="en-US"/>
-          </a:p>
-          <a:p>
-            <a:pPr lvl="1"/>
-            <a:r>
-              <a:rPr lang="en-US" altLang="en-US"/>
-              <a:t>myChart.setOption(option)</a:t>
-            </a:r>
-            <a:endParaRPr lang="en-US" altLang="en-US"/>
-          </a:p>
-          <a:p>
-            <a:pPr lvl="0"/>
-            <a:r>
-              <a:rPr lang="en-US" altLang="en-US"/>
-              <a:t>Options</a:t>
-            </a:r>
-            <a:endParaRPr lang="en-US" altLang="en-US"/>
-          </a:p>
-          <a:p>
-            <a:pPr lvl="1"/>
-            <a:r>
-              <a:rPr lang="en-US" altLang="en-US"/>
-              <a:t>theme: 'light', 'dark'</a:t>
-            </a:r>
-            <a:endParaRPr lang="en-US" altLang="en-US"/>
-          </a:p>
-          <a:p>
-            <a:pPr lvl="1"/>
-            <a:r>
-              <a:rPr lang="en-US" altLang="en-US"/>
-              <a:t>itemStyle, lineStyle, areaStyle, label</a:t>
-            </a:r>
-            <a:endParaRPr lang="en-US" altLang="en-US"/>
-          </a:p>
-          <a:p>
-            <a:pPr lvl="1"/>
-            <a:r>
-              <a:rPr lang="en-US" altLang="en-US"/>
-              <a:t>emphasis</a:t>
-            </a:r>
-            <a:endParaRPr lang="en-US" altLang="en-US"/>
-          </a:p>
-          <a:p>
-            <a:pPr lvl="1"/>
-            <a:r>
-              <a:rPr lang="en-US" altLang="en-US"/>
-              <a:t>dataset, seriesLayoutBy, encode</a:t>
-            </a:r>
-            <a:endParaRPr lang="en-US" altLang="en-US"/>
-          </a:p>
-          <a:p>
-            <a:pPr lvl="1"/>
-            <a:r>
-              <a:rPr lang="en-US" altLang="en-US"/>
-              <a:t>legend, title, visualMap, dataZoom, timeline</a:t>
-            </a:r>
-            <a:endParaRPr lang="en-US" altLang="en-US"/>
-          </a:p>
-          <a:p>
-            <a:pPr lvl="0"/>
-            <a:r>
-              <a:rPr lang="en-US" altLang="en-US"/>
-              <a:t>Others</a:t>
-            </a:r>
-            <a:endParaRPr lang="en-US" altLang="en-US"/>
-          </a:p>
-          <a:p>
-            <a:pPr lvl="1"/>
-            <a:r>
-              <a:rPr lang="en-US" altLang="en-US"/>
-              <a:t>showLoading()</a:t>
-            </a:r>
-            <a:endParaRPr lang="en-US" altLang="en-US"/>
-          </a:p>
         </p:txBody>
       </p:sp>
     </p:spTree>
-    <p:custDataLst>
-      <p:tags r:id="rId1"/>
-    </p:custDataLst>
   </p:cSld>
   <p:clrMapOvr>
     <a:masterClrMapping/>
@@ -4677,7 +4606,15 @@
           <a:p>
             <a:r>
               <a:rPr lang="en-US" altLang="zh-CN"/>
-              <a:t>Record Audio</a:t>
+              <a:t>e</a:t>
+            </a:r>
+            <a:r>
+              <a:rPr lang="en-US" altLang="en-US"/>
+              <a:t>C</a:t>
+            </a:r>
+            <a:r>
+              <a:rPr lang="en-US" altLang="zh-CN"/>
+              <a:t>harts</a:t>
             </a:r>
             <a:endParaRPr lang="en-US" altLang="zh-CN"/>
           </a:p>
@@ -4695,37 +4632,135 @@
         </p:nvSpPr>
         <p:spPr/>
         <p:txBody>
-          <a:bodyPr/>
-          <a:p>
-            <a:r>
-              <a:rPr lang="en-US" altLang="zh-CN" sz="2800"/>
-              <a:t>recorder.js</a:t>
-            </a:r>
-            <a:endParaRPr lang="en-US" altLang="zh-CN" sz="2800"/>
-          </a:p>
-          <a:p>
-            <a:pPr lvl="1"/>
-            <a:r>
-              <a:rPr lang="en-US" altLang="zh-CN" sz="2400"/>
-              <a:t>supports only wav recording</a:t>
-            </a:r>
-            <a:endParaRPr lang="en-US" altLang="zh-CN" sz="2400"/>
-          </a:p>
-          <a:p>
-            <a:pPr lvl="1"/>
-            <a:r>
-              <a:rPr lang="en-US" altLang="zh-CN" sz="2400"/>
-              <a:t>records 16bit mono/2 channel audio at 44.1kHz or 48kHz</a:t>
-            </a:r>
-            <a:endParaRPr lang="en-US" altLang="zh-CN" sz="2400"/>
-          </a:p>
-          <a:p>
-            <a:pPr lvl="1"/>
-            <a:r>
-              <a:rPr lang="en-US" altLang="zh-CN" sz="2400"/>
-              <a:t>demo:https://github.com/addpipe/simple-recorderjs-demo</a:t>
-            </a:r>
-            <a:endParaRPr lang="en-US" altLang="zh-CN" sz="2400"/>
+          <a:bodyPr>
+            <a:normAutofit fontScale="70000"/>
+          </a:bodyPr>
+          <a:p>
+            <a:r>
+              <a:rPr lang="en-US" altLang="zh-CN"/>
+              <a:t>Info</a:t>
+            </a:r>
+            <a:endParaRPr lang="en-US" altLang="zh-CN"/>
+          </a:p>
+          <a:p>
+            <a:pPr lvl="1"/>
+            <a:r>
+              <a:rPr lang="en-US" altLang="zh-CN"/>
+              <a:t>A declarative framework for rapid construction of web-based visualization</a:t>
+            </a:r>
+            <a:endParaRPr lang="en-US" altLang="zh-CN"/>
+          </a:p>
+          <a:p>
+            <a:pPr lvl="1"/>
+            <a:r>
+              <a:rPr lang="en-US" altLang="en-US"/>
+              <a:t>https://echarts.baidu.com</a:t>
+            </a:r>
+            <a:endParaRPr lang="en-US" altLang="en-US"/>
+          </a:p>
+          <a:p>
+            <a:pPr lvl="0"/>
+            <a:r>
+              <a:rPr lang="en-US" altLang="en-US"/>
+              <a:t>Usage</a:t>
+            </a:r>
+            <a:endParaRPr lang="en-US" altLang="en-US"/>
+          </a:p>
+          <a:p>
+            <a:pPr lvl="1"/>
+            <a:r>
+              <a:rPr lang="en-US" altLang="en-US"/>
+              <a:t>&lt;script src='echarts.min.js'&gt;&lt;/script&gt;</a:t>
+            </a:r>
+            <a:endParaRPr lang="en-US" altLang="en-US"/>
+          </a:p>
+          <a:p>
+            <a:pPr lvl="1"/>
+            <a:r>
+              <a:rPr lang="en-US" altLang="en-US"/>
+              <a:t>var myChart = echarts.init(document.getElementById('main'));</a:t>
+            </a:r>
+            <a:endParaRPr lang="en-US" altLang="en-US"/>
+          </a:p>
+          <a:p>
+            <a:pPr lvl="1"/>
+            <a:r>
+              <a:rPr lang="en-US" altLang="en-US"/>
+              <a:t>var option = {...};</a:t>
+            </a:r>
+            <a:endParaRPr lang="en-US" altLang="en-US"/>
+          </a:p>
+          <a:p>
+            <a:pPr lvl="1"/>
+            <a:r>
+              <a:rPr lang="en-US" altLang="en-US"/>
+              <a:t>myChart.setOption(option)</a:t>
+            </a:r>
+            <a:endParaRPr lang="en-US" altLang="en-US"/>
+          </a:p>
+          <a:p>
+            <a:pPr lvl="0"/>
+            <a:r>
+              <a:rPr lang="en-US" altLang="en-US"/>
+              <a:t>Options</a:t>
+            </a:r>
+            <a:endParaRPr lang="en-US" altLang="en-US"/>
+          </a:p>
+          <a:p>
+            <a:pPr lvl="1"/>
+            <a:r>
+              <a:rPr lang="en-US" altLang="en-US"/>
+              <a:t>theme: 'light', 'dark'</a:t>
+            </a:r>
+            <a:endParaRPr lang="en-US" altLang="en-US"/>
+          </a:p>
+          <a:p>
+            <a:pPr lvl="1"/>
+            <a:r>
+              <a:rPr lang="en-US" altLang="en-US"/>
+              <a:t>itemStyle, lineStyle, areaStyle, label</a:t>
+            </a:r>
+            <a:endParaRPr lang="en-US" altLang="en-US"/>
+          </a:p>
+          <a:p>
+            <a:pPr lvl="1"/>
+            <a:r>
+              <a:rPr lang="en-US" altLang="en-US"/>
+              <a:t>emphasis</a:t>
+            </a:r>
+            <a:endParaRPr lang="en-US" altLang="en-US"/>
+          </a:p>
+          <a:p>
+            <a:pPr lvl="1"/>
+            <a:r>
+              <a:rPr lang="en-US" altLang="en-US"/>
+              <a:t>dataset, seriesLayoutBy, encode</a:t>
+            </a:r>
+            <a:endParaRPr lang="en-US" altLang="en-US"/>
+          </a:p>
+          <a:p>
+            <a:pPr lvl="1"/>
+            <a:r>
+              <a:rPr lang="en-US" altLang="en-US"/>
+              <a:t>legend, title, visualMap, dataZoom, timeline</a:t>
+            </a:r>
+            <a:endParaRPr lang="en-US" altLang="en-US"/>
+          </a:p>
+          <a:p>
+            <a:pPr lvl="0"/>
+            <a:r>
+              <a:rPr lang="en-US" altLang="en-US"/>
+              <a:t>Others</a:t>
+            </a:r>
+            <a:endParaRPr lang="en-US" altLang="en-US"/>
+          </a:p>
+          <a:p>
+            <a:pPr lvl="1"/>
+            <a:r>
+              <a:rPr lang="en-US" altLang="en-US"/>
+              <a:t>showLoading()</a:t>
+            </a:r>
+            <a:endParaRPr lang="en-US" altLang="en-US"/>
           </a:p>
         </p:txBody>
       </p:sp>
@@ -4752,7 +4787,7 @@
       <p:grpSpPr/>
       <p:sp>
         <p:nvSpPr>
-          <p:cNvPr id="4" name="标题 3"/>
+          <p:cNvPr id="2" name="标题 1"/>
           <p:cNvSpPr>
             <a:spLocks noGrp="1"/>
           </p:cNvSpPr>
@@ -4766,27 +4801,55 @@
           <a:p>
             <a:r>
               <a:rPr lang="en-US" altLang="zh-CN"/>
-              <a:t>Image Process</a:t>
-            </a:r>
-            <a:endParaRPr lang="en-US" altLang="zh-CN"/>
-          </a:p>
-        </p:txBody>
-      </p:sp>
-      <p:sp>
-        <p:nvSpPr>
-          <p:cNvPr id="5" name="文本占位符 4"/>
-          <p:cNvSpPr>
-            <a:spLocks noGrp="1"/>
-          </p:cNvSpPr>
-          <p:nvPr>
-            <p:ph type="body" idx="1"/>
+              <a:t>Record Audio</a:t>
+            </a:r>
+            <a:endParaRPr lang="en-US" altLang="zh-CN"/>
+          </a:p>
+        </p:txBody>
+      </p:sp>
+      <p:sp>
+        <p:nvSpPr>
+          <p:cNvPr id="3" name="内容占位符 2"/>
+          <p:cNvSpPr>
+            <a:spLocks noGrp="1"/>
+          </p:cNvSpPr>
+          <p:nvPr>
+            <p:ph idx="1"/>
           </p:nvPr>
         </p:nvSpPr>
         <p:spPr/>
         <p:txBody>
           <a:bodyPr/>
           <a:p>
-            <a:endParaRPr lang="zh-CN" altLang="en-US"/>
+            <a:r>
+              <a:rPr lang="en-US" altLang="zh-CN" sz="2800"/>
+              <a:t>recorder.js</a:t>
+            </a:r>
+            <a:endParaRPr lang="en-US" altLang="zh-CN" sz="2800"/>
+          </a:p>
+          <a:p>
+            <a:pPr lvl="1"/>
+            <a:r>
+              <a:rPr lang="en-US" altLang="zh-CN" sz="2400"/>
+              <a:t>supports only wav recording</a:t>
+            </a:r>
+            <a:endParaRPr lang="en-US" altLang="zh-CN" sz="2400"/>
+          </a:p>
+          <a:p>
+            <a:pPr lvl="1"/>
+            <a:r>
+              <a:rPr lang="en-US" altLang="zh-CN" sz="2400"/>
+              <a:t>records 16bit mono/2 channel audio at 44.1kHz or 48kHz</a:t>
+            </a:r>
+            <a:endParaRPr lang="en-US" altLang="zh-CN" sz="2400"/>
+          </a:p>
+          <a:p>
+            <a:pPr lvl="1"/>
+            <a:r>
+              <a:rPr lang="en-US" altLang="zh-CN" sz="2400"/>
+              <a:t>demo:https://github.com/addpipe/simple-recorderjs-demo</a:t>
+            </a:r>
+            <a:endParaRPr lang="en-US" altLang="zh-CN" sz="2400"/>
           </a:p>
         </p:txBody>
       </p:sp>
@@ -4827,7 +4890,7 @@
           <a:p>
             <a:r>
               <a:rPr lang="en-US" altLang="zh-CN"/>
-              <a:t>References</a:t>
+              <a:t>Responsive Design</a:t>
             </a:r>
             <a:endParaRPr lang="en-US" altLang="zh-CN"/>
           </a:p>
@@ -4848,36 +4911,79 @@
           <a:bodyPr/>
           <a:p>
             <a:r>
-              <a:rPr lang="en-US" altLang="zh-CN"/>
-              <a:t>References</a:t>
-            </a:r>
-            <a:endParaRPr lang="en-US" altLang="zh-CN"/>
-          </a:p>
-          <a:p>
-            <a:pPr lvl="1"/>
-            <a:r>
-              <a:rPr lang="en-US" altLang="zh-CN"/>
-              <a:t>https://github.com/image-js/image-js</a:t>
-            </a:r>
-            <a:endParaRPr lang="en-US" altLang="zh-CN"/>
-          </a:p>
-          <a:p>
-            <a:pPr lvl="1"/>
-            <a:r>
-              <a:rPr lang="en-US" altLang="zh-CN"/>
-              <a:t>https://github.com/meltingice/CamanJS/</a:t>
-            </a:r>
-            <a:endParaRPr lang="en-US" altLang="zh-CN"/>
-          </a:p>
-          <a:p>
-            <a:pPr lvl="1"/>
-            <a:endParaRPr lang="en-US" altLang="zh-CN"/>
-          </a:p>
-        </p:txBody>
-      </p:sp>
+              <a:rPr lang="zh-CN" altLang="en-US"/>
+              <a:t>https://www.cssscript.com/top-10-javascript-css-responsive-menus/</a:t>
+            </a:r>
+            <a:endParaRPr lang="zh-CN" altLang="en-US"/>
+          </a:p>
+          <a:p>
+            <a:r>
+              <a:rPr lang="en-US" altLang="zh-CN"/>
+              <a:t>Adaptative image to fit any aspect-ratio image</a:t>
+            </a:r>
+            <a:endParaRPr lang="en-US" altLang="zh-CN"/>
+          </a:p>
+          <a:p>
+            <a:pPr lvl="1"/>
+            <a:r>
+              <a:rPr lang="en-US" altLang="zh-CN"/>
+              <a:t>https://stackoverflow.com/questions/12991351/css-force-image-resize-and-keep-aspect-ratio</a:t>
+            </a:r>
+            <a:endParaRPr lang="en-US" altLang="zh-CN"/>
+          </a:p>
+        </p:txBody>
+      </p:sp>
+      <p:pic>
+        <p:nvPicPr>
+          <p:cNvPr id="4" name="图片 3"/>
+          <p:cNvPicPr>
+            <a:picLocks noChangeAspect="1"/>
+          </p:cNvPicPr>
+          <p:nvPr/>
+        </p:nvPicPr>
+        <p:blipFill>
+          <a:blip r:embed="rId1"/>
+          <a:stretch>
+            <a:fillRect/>
+          </a:stretch>
+        </p:blipFill>
+        <p:spPr>
+          <a:xfrm>
+            <a:off x="2160270" y="2941955"/>
+            <a:ext cx="4714875" cy="1609725"/>
+          </a:xfrm>
+          <a:prstGeom prst="rect">
+            <a:avLst/>
+          </a:prstGeom>
+        </p:spPr>
+      </p:pic>
+      <p:pic>
+        <p:nvPicPr>
+          <p:cNvPr id="5" name="图片 4"/>
+          <p:cNvPicPr>
+            <a:picLocks noChangeAspect="1"/>
+          </p:cNvPicPr>
+          <p:nvPr/>
+        </p:nvPicPr>
+        <p:blipFill>
+          <a:blip r:embed="rId2"/>
+          <a:stretch>
+            <a:fillRect/>
+          </a:stretch>
+        </p:blipFill>
+        <p:spPr>
+          <a:xfrm>
+            <a:off x="7816850" y="2770505"/>
+            <a:ext cx="2581275" cy="1952625"/>
+          </a:xfrm>
+          <a:prstGeom prst="rect">
+            <a:avLst/>
+          </a:prstGeom>
+        </p:spPr>
+      </p:pic>
     </p:spTree>
     <p:custDataLst>
-      <p:tags r:id="rId1"/>
+      <p:tags r:id="rId3"/>
     </p:custDataLst>
   </p:cSld>
   <p:clrMapOvr>
@@ -4948,6 +5054,280 @@
 </file>
 
 <file path=ppt/slides/slide20.xml><?xml version="1.0" encoding="utf-8"?>
+<p:sld xmlns:a="http://schemas.openxmlformats.org/drawingml/2006/main" xmlns:r="http://schemas.openxmlformats.org/officeDocument/2006/relationships" xmlns:p="http://schemas.openxmlformats.org/presentationml/2006/main">
+  <p:cSld>
+    <p:spTree>
+      <p:nvGrpSpPr>
+        <p:cNvPr id="1" name=""/>
+        <p:cNvGrpSpPr/>
+        <p:nvPr/>
+      </p:nvGrpSpPr>
+      <p:grpSpPr/>
+      <p:sp>
+        <p:nvSpPr>
+          <p:cNvPr id="4" name="标题 3"/>
+          <p:cNvSpPr>
+            <a:spLocks noGrp="1"/>
+          </p:cNvSpPr>
+          <p:nvPr>
+            <p:ph type="title"/>
+          </p:nvPr>
+        </p:nvSpPr>
+        <p:spPr/>
+        <p:txBody>
+          <a:bodyPr/>
+          <a:p>
+            <a:r>
+              <a:rPr lang="en-US" altLang="zh-CN"/>
+              <a:t>Image Process</a:t>
+            </a:r>
+            <a:endParaRPr lang="en-US" altLang="zh-CN"/>
+          </a:p>
+        </p:txBody>
+      </p:sp>
+      <p:sp>
+        <p:nvSpPr>
+          <p:cNvPr id="5" name="文本占位符 4"/>
+          <p:cNvSpPr>
+            <a:spLocks noGrp="1"/>
+          </p:cNvSpPr>
+          <p:nvPr>
+            <p:ph type="body" idx="1"/>
+          </p:nvPr>
+        </p:nvSpPr>
+        <p:spPr/>
+        <p:txBody>
+          <a:bodyPr/>
+          <a:p>
+            <a:endParaRPr lang="zh-CN" altLang="en-US"/>
+          </a:p>
+        </p:txBody>
+      </p:sp>
+    </p:spTree>
+    <p:custDataLst>
+      <p:tags r:id="rId1"/>
+    </p:custDataLst>
+  </p:cSld>
+  <p:clrMapOvr>
+    <a:masterClrMapping/>
+  </p:clrMapOvr>
+</p:sld>
+</file>
+
+<file path=ppt/slides/slide21.xml><?xml version="1.0" encoding="utf-8"?>
+<p:sld xmlns:a="http://schemas.openxmlformats.org/drawingml/2006/main" xmlns:r="http://schemas.openxmlformats.org/officeDocument/2006/relationships" xmlns:p="http://schemas.openxmlformats.org/presentationml/2006/main">
+  <p:cSld>
+    <p:spTree>
+      <p:nvGrpSpPr>
+        <p:cNvPr id="1" name=""/>
+        <p:cNvGrpSpPr/>
+        <p:nvPr/>
+      </p:nvGrpSpPr>
+      <p:grpSpPr/>
+      <p:sp>
+        <p:nvSpPr>
+          <p:cNvPr id="2" name="标题 1"/>
+          <p:cNvSpPr>
+            <a:spLocks noGrp="1"/>
+          </p:cNvSpPr>
+          <p:nvPr>
+            <p:ph type="title"/>
+          </p:nvPr>
+        </p:nvSpPr>
+        <p:spPr/>
+        <p:txBody>
+          <a:bodyPr/>
+          <a:p>
+            <a:r>
+              <a:rPr lang="en-US" altLang="zh-CN"/>
+              <a:t>References</a:t>
+            </a:r>
+            <a:endParaRPr lang="en-US" altLang="zh-CN"/>
+          </a:p>
+        </p:txBody>
+      </p:sp>
+      <p:sp>
+        <p:nvSpPr>
+          <p:cNvPr id="3" name="内容占位符 2"/>
+          <p:cNvSpPr>
+            <a:spLocks noGrp="1"/>
+          </p:cNvSpPr>
+          <p:nvPr>
+            <p:ph idx="1"/>
+          </p:nvPr>
+        </p:nvSpPr>
+        <p:spPr/>
+        <p:txBody>
+          <a:bodyPr/>
+          <a:p>
+            <a:r>
+              <a:rPr lang="en-US" altLang="zh-CN"/>
+              <a:t>References</a:t>
+            </a:r>
+            <a:endParaRPr lang="en-US" altLang="zh-CN"/>
+          </a:p>
+          <a:p>
+            <a:pPr lvl="1"/>
+            <a:r>
+              <a:rPr lang="en-US" altLang="zh-CN"/>
+              <a:t>https://webkid.io/blog/image-processing-in-javascript/</a:t>
+            </a:r>
+            <a:endParaRPr lang="en-US" altLang="zh-CN"/>
+          </a:p>
+          <a:p>
+            <a:pPr lvl="1"/>
+            <a:r>
+              <a:rPr lang="en-US" altLang="zh-CN"/>
+              <a:t>https://github.com/image-js/image-js</a:t>
+            </a:r>
+            <a:endParaRPr lang="en-US" altLang="zh-CN"/>
+          </a:p>
+          <a:p>
+            <a:pPr lvl="1"/>
+            <a:r>
+              <a:rPr lang="en-US" altLang="zh-CN"/>
+              <a:t>https://github.com/meltingice/CamanJS/</a:t>
+            </a:r>
+            <a:endParaRPr lang="en-US" altLang="zh-CN"/>
+          </a:p>
+          <a:p>
+            <a:pPr lvl="1"/>
+            <a:r>
+              <a:rPr lang="en-US" altLang="zh-CN"/>
+              <a:t>https://bashooka.com/coding/best-of-20-javascript-image-processing-plugins/</a:t>
+            </a:r>
+            <a:endParaRPr lang="en-US" altLang="zh-CN"/>
+          </a:p>
+          <a:p>
+            <a:pPr lvl="1"/>
+            <a:r>
+              <a:rPr lang="en-US" altLang="zh-CN"/>
+              <a:t>https://codegeekz.com/best-javascript-image-manipulation-libraries/</a:t>
+            </a:r>
+            <a:endParaRPr lang="en-US" altLang="zh-CN"/>
+          </a:p>
+          <a:p>
+            <a:pPr lvl="1"/>
+            <a:r>
+              <a:rPr lang="en-US" altLang="zh-CN"/>
+              <a:t>https://github.com/oliver-moran/jimp</a:t>
+            </a:r>
+            <a:endParaRPr lang="en-US" altLang="zh-CN"/>
+          </a:p>
+          <a:p>
+            <a:pPr lvl="1"/>
+            <a:r>
+              <a:rPr lang="en-US" altLang="zh-CN"/>
+              <a:t>https://sharp.pixelplumbing.com/</a:t>
+            </a:r>
+            <a:endParaRPr lang="en-US" altLang="zh-CN"/>
+          </a:p>
+          <a:p>
+            <a:pPr lvl="1"/>
+            <a:r>
+              <a:rPr lang="en-US" altLang="zh-CN"/>
+              <a:t>https://github.com/vanruesc/postprocessing</a:t>
+            </a:r>
+            <a:endParaRPr lang="en-US" altLang="zh-CN"/>
+          </a:p>
+          <a:p>
+            <a:pPr lvl="1"/>
+            <a:r>
+              <a:rPr lang="en-US" altLang="zh-CN"/>
+              <a:t>https://github.com/foo123/FILTER.js</a:t>
+            </a:r>
+            <a:endParaRPr lang="en-US" altLang="zh-CN"/>
+          </a:p>
+        </p:txBody>
+      </p:sp>
+    </p:spTree>
+    <p:custDataLst>
+      <p:tags r:id="rId1"/>
+    </p:custDataLst>
+  </p:cSld>
+  <p:clrMapOvr>
+    <a:masterClrMapping/>
+  </p:clrMapOvr>
+</p:sld>
+</file>
+
+<file path=ppt/slides/slide22.xml><?xml version="1.0" encoding="utf-8"?>
+<p:sld xmlns:a="http://schemas.openxmlformats.org/drawingml/2006/main" xmlns:r="http://schemas.openxmlformats.org/officeDocument/2006/relationships" xmlns:p="http://schemas.openxmlformats.org/presentationml/2006/main">
+  <p:cSld>
+    <p:spTree>
+      <p:nvGrpSpPr>
+        <p:cNvPr id="1" name=""/>
+        <p:cNvGrpSpPr/>
+        <p:nvPr/>
+      </p:nvGrpSpPr>
+      <p:grpSpPr/>
+      <p:sp>
+        <p:nvSpPr>
+          <p:cNvPr id="2" name="标题 1"/>
+          <p:cNvSpPr>
+            <a:spLocks noGrp="1"/>
+          </p:cNvSpPr>
+          <p:nvPr>
+            <p:ph type="title"/>
+          </p:nvPr>
+        </p:nvSpPr>
+        <p:spPr/>
+        <p:txBody>
+          <a:bodyPr/>
+          <a:p>
+            <a:r>
+              <a:rPr lang="en-US" altLang="zh-CN"/>
+              <a:t>List</a:t>
+            </a:r>
+            <a:endParaRPr lang="en-US" altLang="zh-CN"/>
+          </a:p>
+        </p:txBody>
+      </p:sp>
+      <p:sp>
+        <p:nvSpPr>
+          <p:cNvPr id="3" name="内容占位符 2"/>
+          <p:cNvSpPr>
+            <a:spLocks noGrp="1"/>
+          </p:cNvSpPr>
+          <p:nvPr>
+            <p:ph idx="1"/>
+          </p:nvPr>
+        </p:nvSpPr>
+        <p:spPr/>
+        <p:txBody>
+          <a:bodyPr/>
+          <a:p>
+            <a:r>
+              <a:rPr lang="en-US" altLang="zh-CN"/>
+              <a:t>Sharp</a:t>
+            </a:r>
+            <a:endParaRPr lang="en-US" altLang="zh-CN"/>
+          </a:p>
+          <a:p>
+            <a:pPr lvl="1"/>
+            <a:r>
+              <a:rPr lang="en-US" altLang="zh-CN"/>
+              <a:t>https://github.com/lovell/sharp</a:t>
+            </a:r>
+            <a:endParaRPr lang="en-US" altLang="zh-CN"/>
+          </a:p>
+          <a:p>
+            <a:endParaRPr lang="en-US" altLang="zh-CN"/>
+          </a:p>
+        </p:txBody>
+      </p:sp>
+    </p:spTree>
+    <p:custDataLst>
+      <p:tags r:id="rId1"/>
+    </p:custDataLst>
+  </p:cSld>
+  <p:clrMapOvr>
+    <a:masterClrMapping/>
+  </p:clrMapOvr>
+</p:sld>
+</file>
+
+<file path=ppt/slides/slide23.xml><?xml version="1.0" encoding="utf-8"?>
 <p:sld xmlns:a="http://schemas.openxmlformats.org/drawingml/2006/main" xmlns:r="http://schemas.openxmlformats.org/officeDocument/2006/relationships" xmlns:p="http://schemas.openxmlformats.org/presentationml/2006/main">
   <p:cSld>
     <p:spTree>
@@ -5042,298 +5422,6 @@
 </p:sld>
 </file>
 
-<file path=ppt/slides/slide21.xml><?xml version="1.0" encoding="utf-8"?>
-<p:sld xmlns:a="http://schemas.openxmlformats.org/drawingml/2006/main" xmlns:r="http://schemas.openxmlformats.org/officeDocument/2006/relationships" xmlns:p="http://schemas.openxmlformats.org/presentationml/2006/main">
-  <p:cSld>
-    <p:spTree>
-      <p:nvGrpSpPr>
-        <p:cNvPr id="1" name=""/>
-        <p:cNvGrpSpPr/>
-        <p:nvPr/>
-      </p:nvGrpSpPr>
-      <p:grpSpPr/>
-      <p:sp>
-        <p:nvSpPr>
-          <p:cNvPr id="2" name="标题 1"/>
-          <p:cNvSpPr>
-            <a:spLocks noGrp="1"/>
-          </p:cNvSpPr>
-          <p:nvPr>
-            <p:ph type="title"/>
-          </p:nvPr>
-        </p:nvSpPr>
-        <p:spPr/>
-        <p:txBody>
-          <a:bodyPr/>
-          <a:p>
-            <a:r>
-              <a:rPr lang="en-US" altLang="zh-CN"/>
-              <a:t>SVG</a:t>
-            </a:r>
-            <a:endParaRPr lang="en-US" altLang="zh-CN"/>
-          </a:p>
-        </p:txBody>
-      </p:sp>
-      <p:sp>
-        <p:nvSpPr>
-          <p:cNvPr id="3" name="内容占位符 2"/>
-          <p:cNvSpPr>
-            <a:spLocks noGrp="1"/>
-          </p:cNvSpPr>
-          <p:nvPr>
-            <p:ph idx="1"/>
-          </p:nvPr>
-        </p:nvSpPr>
-        <p:spPr/>
-        <p:txBody>
-          <a:bodyPr/>
-          <a:p>
-            <a:r>
-              <a:rPr lang="en-US" altLang="zh-CN"/>
-              <a:t>References</a:t>
-            </a:r>
-            <a:endParaRPr lang="en-US" altLang="zh-CN"/>
-          </a:p>
-          <a:p>
-            <a:pPr lvl="1"/>
-            <a:r>
-              <a:rPr lang="en-US" altLang="zh-CN"/>
-              <a:t>https://github.com/svgdotjs</a:t>
-            </a:r>
-            <a:endParaRPr lang="en-US" altLang="zh-CN"/>
-          </a:p>
-          <a:p>
-            <a:pPr lvl="1"/>
-            <a:r>
-              <a:rPr lang="en-US" altLang="zh-CN"/>
-              <a:t>https://svgjs.com/</a:t>
-            </a:r>
-            <a:endParaRPr lang="en-US" altLang="zh-CN"/>
-          </a:p>
-        </p:txBody>
-      </p:sp>
-    </p:spTree>
-    <p:custDataLst>
-      <p:tags r:id="rId1"/>
-    </p:custDataLst>
-  </p:cSld>
-  <p:clrMapOvr>
-    <a:masterClrMapping/>
-  </p:clrMapOvr>
-</p:sld>
-</file>
-
-<file path=ppt/slides/slide22.xml><?xml version="1.0" encoding="utf-8"?>
-<p:sld xmlns:a="http://schemas.openxmlformats.org/drawingml/2006/main" xmlns:r="http://schemas.openxmlformats.org/officeDocument/2006/relationships" xmlns:p="http://schemas.openxmlformats.org/presentationml/2006/main">
-  <p:cSld>
-    <p:spTree>
-      <p:nvGrpSpPr>
-        <p:cNvPr id="1" name=""/>
-        <p:cNvGrpSpPr/>
-        <p:nvPr/>
-      </p:nvGrpSpPr>
-      <p:grpSpPr/>
-      <p:sp>
-        <p:nvSpPr>
-          <p:cNvPr id="2" name="标题 1"/>
-          <p:cNvSpPr>
-            <a:spLocks noGrp="1"/>
-          </p:cNvSpPr>
-          <p:nvPr>
-            <p:ph type="title"/>
-          </p:nvPr>
-        </p:nvSpPr>
-        <p:spPr/>
-        <p:txBody>
-          <a:bodyPr/>
-          <a:p>
-            <a:r>
-              <a:rPr lang="en-US" altLang="zh-CN"/>
-              <a:t>Canvas</a:t>
-            </a:r>
-            <a:endParaRPr lang="en-US" altLang="zh-CN"/>
-          </a:p>
-        </p:txBody>
-      </p:sp>
-      <p:sp>
-        <p:nvSpPr>
-          <p:cNvPr id="3" name="内容占位符 2"/>
-          <p:cNvSpPr>
-            <a:spLocks noGrp="1"/>
-          </p:cNvSpPr>
-          <p:nvPr>
-            <p:ph idx="1"/>
-          </p:nvPr>
-        </p:nvSpPr>
-        <p:spPr>
-          <a:xfrm>
-            <a:off x="838200" y="1211580"/>
-            <a:ext cx="3970655" cy="4549140"/>
-          </a:xfrm>
-          <a:ln>
-            <a:solidFill>
-              <a:srgbClr val="FFC000"/>
-            </a:solidFill>
-          </a:ln>
-        </p:spPr>
-        <p:txBody>
-          <a:bodyPr/>
-          <a:p>
-            <a:pPr marL="0" indent="0">
-              <a:buNone/>
-            </a:pPr>
-            <a:r>
-              <a:rPr lang="en-US" altLang="zh-CN" sz="1800"/>
-              <a:t>HTMLCanvasElement</a:t>
-            </a:r>
-            <a:endParaRPr lang="en-US" altLang="zh-CN" sz="1800"/>
-          </a:p>
-          <a:p>
-            <a:pPr marL="0" lvl="0" indent="0">
-              <a:buNone/>
-            </a:pPr>
-            <a:r>
-              <a:rPr lang="en-US" altLang="zh-CN" sz="1800"/>
-              <a:t>&lt;canvas&gt;</a:t>
-            </a:r>
-            <a:endParaRPr lang="en-US" altLang="zh-CN" sz="1800"/>
-          </a:p>
-          <a:p>
-            <a:pPr marL="0" lvl="0" indent="0">
-              <a:buNone/>
-            </a:pPr>
-            <a:r>
-              <a:rPr lang="en-US" altLang="zh-CN" sz="1800"/>
-              <a:t>Properties: </a:t>
-            </a:r>
-            <a:endParaRPr lang="en-US" altLang="zh-CN" sz="1800"/>
-          </a:p>
-          <a:p>
-            <a:pPr marL="0" lvl="0" indent="0">
-              <a:buNone/>
-            </a:pPr>
-            <a:r>
-              <a:rPr lang="en-US" altLang="zh-CN" sz="1800"/>
-              <a:t>	width</a:t>
-            </a:r>
-            <a:endParaRPr lang="en-US" altLang="zh-CN" sz="1800"/>
-          </a:p>
-          <a:p>
-            <a:pPr marL="0" lvl="0" indent="0">
-              <a:buNone/>
-            </a:pPr>
-            <a:r>
-              <a:rPr lang="en-US" altLang="zh-CN" sz="1800"/>
-              <a:t>	height</a:t>
-            </a:r>
-            <a:endParaRPr lang="en-US" altLang="zh-CN" sz="1800"/>
-          </a:p>
-          <a:p>
-            <a:pPr marL="0" lvl="0" indent="0">
-              <a:buNone/>
-            </a:pPr>
-            <a:r>
-              <a:rPr lang="en-US" altLang="zh-CN" sz="1800"/>
-              <a:t>Methods: </a:t>
-            </a:r>
-            <a:endParaRPr lang="en-US" altLang="zh-CN" sz="1800"/>
-          </a:p>
-          <a:p>
-            <a:pPr lvl="0">
-              <a:buFont typeface="Arial" panose="020B0604020202020204" pitchFamily="34" charset="0"/>
-              <a:buChar char="•"/>
-            </a:pPr>
-            <a:r>
-              <a:rPr lang="en-US" altLang="zh-CN" sz="1800"/>
-              <a:t>getContext()</a:t>
-            </a:r>
-            <a:endParaRPr lang="en-US" altLang="zh-CN" sz="1800"/>
-          </a:p>
-          <a:p>
-            <a:pPr lvl="0">
-              <a:buFont typeface="Arial" panose="020B0604020202020204" pitchFamily="34" charset="0"/>
-              <a:buChar char="•"/>
-            </a:pPr>
-            <a:r>
-              <a:rPr lang="en-US" altLang="zh-CN" sz="1800"/>
-              <a:t>toDataURL()</a:t>
-            </a:r>
-            <a:endParaRPr lang="en-US" altLang="zh-CN" sz="1800"/>
-          </a:p>
-        </p:txBody>
-      </p:sp>
-    </p:spTree>
-    <p:custDataLst>
-      <p:tags r:id="rId1"/>
-    </p:custDataLst>
-  </p:cSld>
-  <p:clrMapOvr>
-    <a:masterClrMapping/>
-  </p:clrMapOvr>
-</p:sld>
-</file>
-
-<file path=ppt/slides/slide23.xml><?xml version="1.0" encoding="utf-8"?>
-<p:sld xmlns:a="http://schemas.openxmlformats.org/drawingml/2006/main" xmlns:r="http://schemas.openxmlformats.org/officeDocument/2006/relationships" xmlns:p="http://schemas.openxmlformats.org/presentationml/2006/main">
-  <p:cSld>
-    <p:spTree>
-      <p:nvGrpSpPr>
-        <p:cNvPr id="1" name=""/>
-        <p:cNvGrpSpPr/>
-        <p:nvPr/>
-      </p:nvGrpSpPr>
-      <p:grpSpPr/>
-      <p:sp>
-        <p:nvSpPr>
-          <p:cNvPr id="4" name="标题 3"/>
-          <p:cNvSpPr>
-            <a:spLocks noGrp="1"/>
-          </p:cNvSpPr>
-          <p:nvPr>
-            <p:ph type="title"/>
-          </p:nvPr>
-        </p:nvSpPr>
-        <p:spPr/>
-        <p:txBody>
-          <a:bodyPr/>
-          <a:p>
-            <a:r>
-              <a:rPr lang="en-US" altLang="zh-CN"/>
-              <a:t>3D</a:t>
-            </a:r>
-            <a:endParaRPr lang="en-US" altLang="zh-CN"/>
-          </a:p>
-        </p:txBody>
-      </p:sp>
-      <p:sp>
-        <p:nvSpPr>
-          <p:cNvPr id="5" name="文本占位符 4"/>
-          <p:cNvSpPr>
-            <a:spLocks noGrp="1"/>
-          </p:cNvSpPr>
-          <p:nvPr>
-            <p:ph type="body" idx="1"/>
-          </p:nvPr>
-        </p:nvSpPr>
-        <p:spPr/>
-        <p:txBody>
-          <a:bodyPr/>
-          <a:p>
-            <a:endParaRPr lang="zh-CN" altLang="en-US"/>
-          </a:p>
-        </p:txBody>
-      </p:sp>
-    </p:spTree>
-    <p:custDataLst>
-      <p:tags r:id="rId1"/>
-    </p:custDataLst>
-  </p:cSld>
-  <p:clrMapOvr>
-    <a:masterClrMapping/>
-  </p:clrMapOvr>
-</p:sld>
-</file>
-
 <file path=ppt/slides/slide24.xml><?xml version="1.0" encoding="utf-8"?>
 <p:sld xmlns:a="http://schemas.openxmlformats.org/drawingml/2006/main" xmlns:r="http://schemas.openxmlformats.org/officeDocument/2006/relationships" xmlns:p="http://schemas.openxmlformats.org/presentationml/2006/main">
   <p:cSld>
@@ -5346,7 +5434,7 @@
       <p:grpSpPr/>
       <p:sp>
         <p:nvSpPr>
-          <p:cNvPr id="4" name="标题 3"/>
+          <p:cNvPr id="2" name="标题 1"/>
           <p:cNvSpPr>
             <a:spLocks noGrp="1"/>
           </p:cNvSpPr>
@@ -5360,15 +5448,15 @@
           <a:p>
             <a:r>
               <a:rPr lang="en-US" altLang="zh-CN"/>
-              <a:t>Overview</a:t>
-            </a:r>
-            <a:endParaRPr lang="en-US" altLang="zh-CN"/>
-          </a:p>
-        </p:txBody>
-      </p:sp>
-      <p:sp>
-        <p:nvSpPr>
-          <p:cNvPr id="5" name="内容占位符 4"/>
+              <a:t>SVG</a:t>
+            </a:r>
+            <a:endParaRPr lang="en-US" altLang="zh-CN"/>
+          </a:p>
+        </p:txBody>
+      </p:sp>
+      <p:sp>
+        <p:nvSpPr>
+          <p:cNvPr id="3" name="内容占位符 2"/>
           <p:cNvSpPr>
             <a:spLocks noGrp="1"/>
           </p:cNvSpPr>
@@ -5378,121 +5466,27 @@
         </p:nvSpPr>
         <p:spPr/>
         <p:txBody>
-          <a:bodyPr>
-            <a:normAutofit lnSpcReduction="10000"/>
-          </a:bodyPr>
-          <a:p>
-            <a:r>
-              <a:rPr lang="en-US" altLang="zh-CN"/>
-              <a:t>General framework</a:t>
-            </a:r>
-            <a:endParaRPr lang="en-US" altLang="zh-CN"/>
-          </a:p>
-          <a:p>
-            <a:pPr lvl="1"/>
-            <a:r>
-              <a:rPr lang="en-US" altLang="zh-CN"/>
-              <a:t>Three.js</a:t>
-            </a:r>
-            <a:endParaRPr lang="en-US" altLang="zh-CN"/>
-          </a:p>
-          <a:p>
-            <a:pPr lvl="1"/>
-            <a:r>
-              <a:rPr lang="en-US" altLang="zh-CN"/>
-              <a:t>A-F</a:t>
-            </a:r>
-            <a:r>
-              <a:rPr lang="en-US" altLang="zh-CN"/>
-              <a:t>rame</a:t>
-            </a:r>
-            <a:endParaRPr lang="en-US" altLang="zh-CN"/>
-          </a:p>
-          <a:p>
-            <a:pPr lvl="2"/>
-            <a:r>
-              <a:rPr lang="en-US" altLang="zh-CN"/>
-              <a:t>https://aframe.io/</a:t>
-            </a:r>
-            <a:endParaRPr lang="en-US" altLang="zh-CN"/>
-          </a:p>
-          <a:p>
-            <a:pPr lvl="2"/>
-            <a:r>
-              <a:rPr lang="en-US" altLang="zh-CN"/>
-              <a:t>https://github.com/aframevr/aframe</a:t>
-            </a:r>
-            <a:endParaRPr lang="en-US" altLang="zh-CN"/>
-          </a:p>
-          <a:p>
-            <a:pPr lvl="1"/>
-            <a:r>
-              <a:rPr lang="en-US" altLang="zh-CN"/>
-              <a:t>PlayCanvas</a:t>
-            </a:r>
-            <a:endParaRPr lang="en-US" altLang="zh-CN"/>
-          </a:p>
-          <a:p>
-            <a:pPr lvl="2"/>
-            <a:r>
-              <a:rPr lang="en-US" altLang="zh-CN"/>
-              <a:t>https://playcanvas.com/</a:t>
-            </a:r>
-            <a:endParaRPr lang="en-US" altLang="zh-CN"/>
-          </a:p>
-          <a:p>
-            <a:pPr lvl="2"/>
-            <a:r>
-              <a:rPr lang="en-US" altLang="zh-CN"/>
-              <a:t>https://github.com/playcanvas/engine</a:t>
-            </a:r>
-            <a:endParaRPr lang="en-US" altLang="zh-CN"/>
-          </a:p>
-          <a:p>
-            <a:pPr lvl="1"/>
-            <a:r>
-              <a:rPr lang="en-US" altLang="zh-CN" sz="2000"/>
-              <a:t>Babylon.js</a:t>
-            </a:r>
-            <a:endParaRPr lang="en-US" altLang="zh-CN" sz="2000"/>
-          </a:p>
-          <a:p>
-            <a:pPr lvl="2"/>
-            <a:r>
-              <a:rPr lang="en-US" altLang="zh-CN"/>
-              <a:t>http://www.babylonjs.com/</a:t>
-            </a:r>
-            <a:endParaRPr lang="en-US" altLang="zh-CN"/>
-          </a:p>
-          <a:p>
-            <a:pPr lvl="0"/>
-            <a:r>
-              <a:rPr lang="en-US" altLang="zh-CN"/>
-              <a:t>3D Model View</a:t>
-            </a:r>
-            <a:endParaRPr lang="en-US" altLang="zh-CN"/>
-          </a:p>
-          <a:p>
-            <a:pPr lvl="1"/>
-            <a:r>
-              <a:rPr lang="en-US" altLang="zh-CN" sz="2000"/>
-              <a:t>Google ModelViewer</a:t>
-            </a:r>
-            <a:endParaRPr lang="en-US" altLang="zh-CN" sz="2000"/>
-          </a:p>
-          <a:p>
-            <a:pPr lvl="2"/>
-            <a:r>
-              <a:rPr lang="en-US" altLang="zh-CN"/>
-              <a:t>https://modelviewer.dev/</a:t>
-            </a:r>
-            <a:endParaRPr lang="en-US" altLang="zh-CN"/>
-          </a:p>
-          <a:p>
-            <a:pPr lvl="0"/>
-            <a:r>
-              <a:rPr lang="en-US" altLang="zh-CN"/>
-              <a:t>https://manu.ninja/25-real-world-applications-using-webgl</a:t>
+          <a:bodyPr/>
+          <a:p>
+            <a:r>
+              <a:rPr lang="en-US" altLang="zh-CN"/>
+              <a:t>References</a:t>
+            </a:r>
+            <a:endParaRPr lang="en-US" altLang="zh-CN"/>
+          </a:p>
+          <a:p>
+            <a:pPr lvl="1"/>
+            <a:r>
+              <a:rPr lang="en-US" altLang="zh-CN"/>
+              <a:t>https://github.com/svgdotjs</a:t>
+            </a:r>
+            <a:endParaRPr lang="en-US" altLang="zh-CN"/>
+          </a:p>
+          <a:p>
+            <a:pPr lvl="1"/>
+            <a:r>
+              <a:rPr lang="en-US" altLang="zh-CN"/>
+              <a:t>https://svgjs.com/</a:t>
             </a:r>
             <a:endParaRPr lang="en-US" altLang="zh-CN"/>
           </a:p>
@@ -5510,6 +5504,392 @@
 </file>
 
 <file path=ppt/slides/slide25.xml><?xml version="1.0" encoding="utf-8"?>
+<p:sld xmlns:a="http://schemas.openxmlformats.org/drawingml/2006/main" xmlns:r="http://schemas.openxmlformats.org/officeDocument/2006/relationships" xmlns:p="http://schemas.openxmlformats.org/presentationml/2006/main">
+  <p:cSld>
+    <p:spTree>
+      <p:nvGrpSpPr>
+        <p:cNvPr id="1" name=""/>
+        <p:cNvGrpSpPr/>
+        <p:nvPr/>
+      </p:nvGrpSpPr>
+      <p:grpSpPr/>
+      <p:sp>
+        <p:nvSpPr>
+          <p:cNvPr id="2" name="标题 1"/>
+          <p:cNvSpPr>
+            <a:spLocks noGrp="1"/>
+          </p:cNvSpPr>
+          <p:nvPr>
+            <p:ph type="title"/>
+          </p:nvPr>
+        </p:nvSpPr>
+        <p:spPr/>
+        <p:txBody>
+          <a:bodyPr/>
+          <a:p>
+            <a:r>
+              <a:rPr lang="en-US" altLang="zh-CN"/>
+              <a:t>Canvas</a:t>
+            </a:r>
+            <a:endParaRPr lang="en-US" altLang="zh-CN"/>
+          </a:p>
+        </p:txBody>
+      </p:sp>
+      <p:sp>
+        <p:nvSpPr>
+          <p:cNvPr id="3" name="内容占位符 2"/>
+          <p:cNvSpPr>
+            <a:spLocks noGrp="1"/>
+          </p:cNvSpPr>
+          <p:nvPr>
+            <p:ph idx="1"/>
+          </p:nvPr>
+        </p:nvSpPr>
+        <p:spPr>
+          <a:xfrm>
+            <a:off x="838200" y="1211580"/>
+            <a:ext cx="3970655" cy="4549140"/>
+          </a:xfrm>
+          <a:ln>
+            <a:solidFill>
+              <a:srgbClr val="FFC000"/>
+            </a:solidFill>
+          </a:ln>
+        </p:spPr>
+        <p:txBody>
+          <a:bodyPr/>
+          <a:p>
+            <a:pPr marL="0" indent="0">
+              <a:buNone/>
+            </a:pPr>
+            <a:r>
+              <a:rPr lang="en-US" altLang="zh-CN" sz="1800"/>
+              <a:t>HTMLCanvasElement</a:t>
+            </a:r>
+            <a:endParaRPr lang="en-US" altLang="zh-CN" sz="1800"/>
+          </a:p>
+          <a:p>
+            <a:pPr marL="0" lvl="0" indent="0">
+              <a:buNone/>
+            </a:pPr>
+            <a:r>
+              <a:rPr lang="en-US" altLang="zh-CN" sz="1800"/>
+              <a:t>&lt;canvas&gt;</a:t>
+            </a:r>
+            <a:endParaRPr lang="en-US" altLang="zh-CN" sz="1800"/>
+          </a:p>
+          <a:p>
+            <a:pPr marL="0" lvl="0" indent="0">
+              <a:buNone/>
+            </a:pPr>
+            <a:r>
+              <a:rPr lang="en-US" altLang="zh-CN" sz="1800"/>
+              <a:t>Properties: </a:t>
+            </a:r>
+            <a:endParaRPr lang="en-US" altLang="zh-CN" sz="1800"/>
+          </a:p>
+          <a:p>
+            <a:pPr marL="0" lvl="0" indent="0">
+              <a:buNone/>
+            </a:pPr>
+            <a:r>
+              <a:rPr lang="en-US" altLang="zh-CN" sz="1800"/>
+              <a:t>	width</a:t>
+            </a:r>
+            <a:endParaRPr lang="en-US" altLang="zh-CN" sz="1800"/>
+          </a:p>
+          <a:p>
+            <a:pPr marL="0" lvl="0" indent="0">
+              <a:buNone/>
+            </a:pPr>
+            <a:r>
+              <a:rPr lang="en-US" altLang="zh-CN" sz="1800"/>
+              <a:t>	height</a:t>
+            </a:r>
+            <a:endParaRPr lang="en-US" altLang="zh-CN" sz="1800"/>
+          </a:p>
+          <a:p>
+            <a:pPr marL="0" lvl="0" indent="0">
+              <a:buNone/>
+            </a:pPr>
+            <a:r>
+              <a:rPr lang="en-US" altLang="zh-CN" sz="1800"/>
+              <a:t>Methods: </a:t>
+            </a:r>
+            <a:endParaRPr lang="en-US" altLang="zh-CN" sz="1800"/>
+          </a:p>
+          <a:p>
+            <a:pPr lvl="0">
+              <a:buFont typeface="Arial" panose="020B0604020202020204" pitchFamily="34" charset="0"/>
+              <a:buChar char="•"/>
+            </a:pPr>
+            <a:r>
+              <a:rPr lang="en-US" altLang="zh-CN" sz="1800"/>
+              <a:t>getContext()</a:t>
+            </a:r>
+            <a:endParaRPr lang="en-US" altLang="zh-CN" sz="1800"/>
+          </a:p>
+          <a:p>
+            <a:pPr lvl="0">
+              <a:buFont typeface="Arial" panose="020B0604020202020204" pitchFamily="34" charset="0"/>
+              <a:buChar char="•"/>
+            </a:pPr>
+            <a:r>
+              <a:rPr lang="en-US" altLang="zh-CN" sz="1800"/>
+              <a:t>toDataURL()</a:t>
+            </a:r>
+            <a:endParaRPr lang="en-US" altLang="zh-CN" sz="1800"/>
+          </a:p>
+        </p:txBody>
+      </p:sp>
+    </p:spTree>
+    <p:custDataLst>
+      <p:tags r:id="rId1"/>
+    </p:custDataLst>
+  </p:cSld>
+  <p:clrMapOvr>
+    <a:masterClrMapping/>
+  </p:clrMapOvr>
+</p:sld>
+</file>
+
+<file path=ppt/slides/slide26.xml><?xml version="1.0" encoding="utf-8"?>
+<p:sld xmlns:a="http://schemas.openxmlformats.org/drawingml/2006/main" xmlns:r="http://schemas.openxmlformats.org/officeDocument/2006/relationships" xmlns:p="http://schemas.openxmlformats.org/presentationml/2006/main">
+  <p:cSld>
+    <p:spTree>
+      <p:nvGrpSpPr>
+        <p:cNvPr id="1" name=""/>
+        <p:cNvGrpSpPr/>
+        <p:nvPr/>
+      </p:nvGrpSpPr>
+      <p:grpSpPr/>
+      <p:sp>
+        <p:nvSpPr>
+          <p:cNvPr id="4" name="标题 3"/>
+          <p:cNvSpPr>
+            <a:spLocks noGrp="1"/>
+          </p:cNvSpPr>
+          <p:nvPr>
+            <p:ph type="title"/>
+          </p:nvPr>
+        </p:nvSpPr>
+        <p:spPr/>
+        <p:txBody>
+          <a:bodyPr/>
+          <a:p>
+            <a:r>
+              <a:rPr lang="en-US" altLang="zh-CN"/>
+              <a:t>3D</a:t>
+            </a:r>
+            <a:endParaRPr lang="en-US" altLang="zh-CN"/>
+          </a:p>
+        </p:txBody>
+      </p:sp>
+      <p:sp>
+        <p:nvSpPr>
+          <p:cNvPr id="5" name="文本占位符 4"/>
+          <p:cNvSpPr>
+            <a:spLocks noGrp="1"/>
+          </p:cNvSpPr>
+          <p:nvPr>
+            <p:ph type="body" idx="1"/>
+          </p:nvPr>
+        </p:nvSpPr>
+        <p:spPr/>
+        <p:txBody>
+          <a:bodyPr/>
+          <a:p>
+            <a:endParaRPr lang="zh-CN" altLang="en-US"/>
+          </a:p>
+        </p:txBody>
+      </p:sp>
+    </p:spTree>
+    <p:custDataLst>
+      <p:tags r:id="rId1"/>
+    </p:custDataLst>
+  </p:cSld>
+  <p:clrMapOvr>
+    <a:masterClrMapping/>
+  </p:clrMapOvr>
+</p:sld>
+</file>
+
+<file path=ppt/slides/slide27.xml><?xml version="1.0" encoding="utf-8"?>
+<p:sld xmlns:a="http://schemas.openxmlformats.org/drawingml/2006/main" xmlns:r="http://schemas.openxmlformats.org/officeDocument/2006/relationships" xmlns:p="http://schemas.openxmlformats.org/presentationml/2006/main">
+  <p:cSld>
+    <p:spTree>
+      <p:nvGrpSpPr>
+        <p:cNvPr id="1" name=""/>
+        <p:cNvGrpSpPr/>
+        <p:nvPr/>
+      </p:nvGrpSpPr>
+      <p:grpSpPr/>
+      <p:sp>
+        <p:nvSpPr>
+          <p:cNvPr id="4" name="标题 3"/>
+          <p:cNvSpPr>
+            <a:spLocks noGrp="1"/>
+          </p:cNvSpPr>
+          <p:nvPr>
+            <p:ph type="title"/>
+          </p:nvPr>
+        </p:nvSpPr>
+        <p:spPr/>
+        <p:txBody>
+          <a:bodyPr/>
+          <a:p>
+            <a:r>
+              <a:rPr lang="en-US" altLang="zh-CN"/>
+              <a:t>Overview</a:t>
+            </a:r>
+            <a:endParaRPr lang="en-US" altLang="zh-CN"/>
+          </a:p>
+        </p:txBody>
+      </p:sp>
+      <p:sp>
+        <p:nvSpPr>
+          <p:cNvPr id="5" name="内容占位符 4"/>
+          <p:cNvSpPr>
+            <a:spLocks noGrp="1"/>
+          </p:cNvSpPr>
+          <p:nvPr>
+            <p:ph idx="1"/>
+          </p:nvPr>
+        </p:nvSpPr>
+        <p:spPr/>
+        <p:txBody>
+          <a:bodyPr>
+            <a:normAutofit lnSpcReduction="10000"/>
+          </a:bodyPr>
+          <a:p>
+            <a:r>
+              <a:rPr lang="en-US" altLang="zh-CN"/>
+              <a:t>General framework</a:t>
+            </a:r>
+            <a:endParaRPr lang="en-US" altLang="zh-CN"/>
+          </a:p>
+          <a:p>
+            <a:pPr lvl="1"/>
+            <a:r>
+              <a:rPr lang="en-US" altLang="zh-CN"/>
+              <a:t>Three.js</a:t>
+            </a:r>
+            <a:endParaRPr lang="en-US" altLang="zh-CN"/>
+          </a:p>
+          <a:p>
+            <a:pPr lvl="1"/>
+            <a:r>
+              <a:rPr lang="en-US" altLang="zh-CN"/>
+              <a:t>A-F</a:t>
+            </a:r>
+            <a:r>
+              <a:rPr lang="en-US" altLang="zh-CN"/>
+              <a:t>rame</a:t>
+            </a:r>
+            <a:endParaRPr lang="en-US" altLang="zh-CN"/>
+          </a:p>
+          <a:p>
+            <a:pPr lvl="2"/>
+            <a:r>
+              <a:rPr lang="en-US" altLang="zh-CN"/>
+              <a:t>https://aframe.io/</a:t>
+            </a:r>
+            <a:endParaRPr lang="en-US" altLang="zh-CN"/>
+          </a:p>
+          <a:p>
+            <a:pPr lvl="2"/>
+            <a:r>
+              <a:rPr lang="en-US" altLang="zh-CN"/>
+              <a:t>https://github.com/aframevr/aframe</a:t>
+            </a:r>
+            <a:endParaRPr lang="en-US" altLang="zh-CN"/>
+          </a:p>
+          <a:p>
+            <a:pPr lvl="1"/>
+            <a:r>
+              <a:rPr lang="en-US" altLang="zh-CN"/>
+              <a:t>PlayCanvas</a:t>
+            </a:r>
+            <a:endParaRPr lang="en-US" altLang="zh-CN"/>
+          </a:p>
+          <a:p>
+            <a:pPr lvl="2"/>
+            <a:r>
+              <a:rPr lang="en-US" altLang="zh-CN"/>
+              <a:t>https://playcanvas.com/</a:t>
+            </a:r>
+            <a:endParaRPr lang="en-US" altLang="zh-CN"/>
+          </a:p>
+          <a:p>
+            <a:pPr lvl="2"/>
+            <a:r>
+              <a:rPr lang="en-US" altLang="zh-CN"/>
+              <a:t>https://github.com/playcanvas/engine</a:t>
+            </a:r>
+            <a:endParaRPr lang="en-US" altLang="zh-CN"/>
+          </a:p>
+          <a:p>
+            <a:pPr lvl="1"/>
+            <a:r>
+              <a:rPr lang="en-US" altLang="zh-CN" sz="2000"/>
+              <a:t>Babylon.js</a:t>
+            </a:r>
+            <a:endParaRPr lang="en-US" altLang="zh-CN" sz="2000"/>
+          </a:p>
+          <a:p>
+            <a:pPr lvl="2"/>
+            <a:r>
+              <a:rPr lang="en-US" altLang="zh-CN"/>
+              <a:t>http://www.babylonjs.com/</a:t>
+            </a:r>
+            <a:endParaRPr lang="en-US" altLang="zh-CN"/>
+          </a:p>
+          <a:p>
+            <a:pPr lvl="0"/>
+            <a:r>
+              <a:rPr lang="en-US" altLang="zh-CN"/>
+              <a:t>3D Model View</a:t>
+            </a:r>
+            <a:endParaRPr lang="en-US" altLang="zh-CN"/>
+          </a:p>
+          <a:p>
+            <a:pPr lvl="1"/>
+            <a:r>
+              <a:rPr lang="en-US" altLang="zh-CN" sz="2000"/>
+              <a:t>Google ModelViewer</a:t>
+            </a:r>
+            <a:endParaRPr lang="en-US" altLang="zh-CN" sz="2000"/>
+          </a:p>
+          <a:p>
+            <a:pPr lvl="2"/>
+            <a:r>
+              <a:rPr lang="en-US" altLang="zh-CN"/>
+              <a:t>https://modelviewer.dev/</a:t>
+            </a:r>
+            <a:endParaRPr lang="en-US" altLang="zh-CN"/>
+          </a:p>
+          <a:p>
+            <a:pPr lvl="0"/>
+            <a:r>
+              <a:rPr lang="en-US" altLang="zh-CN"/>
+              <a:t>https://manu.ninja/25-real-world-applications-using-webgl</a:t>
+            </a:r>
+            <a:endParaRPr lang="en-US" altLang="zh-CN"/>
+          </a:p>
+        </p:txBody>
+      </p:sp>
+    </p:spTree>
+    <p:custDataLst>
+      <p:tags r:id="rId1"/>
+    </p:custDataLst>
+  </p:cSld>
+  <p:clrMapOvr>
+    <a:masterClrMapping/>
+  </p:clrMapOvr>
+</p:sld>
+</file>
+
+<file path=ppt/slides/slide28.xml><?xml version="1.0" encoding="utf-8"?>
 <p:sld xmlns:a="http://schemas.openxmlformats.org/drawingml/2006/main" xmlns:r="http://schemas.openxmlformats.org/officeDocument/2006/relationships" xmlns:p="http://schemas.openxmlformats.org/presentationml/2006/main">
   <p:cSld>
     <p:spTree>
@@ -6674,7 +7054,7 @@
 </p:sld>
 </file>
 
-<file path=ppt/slides/slide26.xml><?xml version="1.0" encoding="utf-8"?>
+<file path=ppt/slides/slide29.xml><?xml version="1.0" encoding="utf-8"?>
 <p:sld xmlns:a="http://schemas.openxmlformats.org/drawingml/2006/main" xmlns:r="http://schemas.openxmlformats.org/officeDocument/2006/relationships" xmlns:p="http://schemas.openxmlformats.org/presentationml/2006/main">
   <p:cSld>
     <p:spTree>
@@ -6940,7 +7320,72 @@
 </p:sld>
 </file>
 
-<file path=ppt/slides/slide27.xml><?xml version="1.0" encoding="utf-8"?>
+<file path=ppt/slides/slide3.xml><?xml version="1.0" encoding="utf-8"?>
+<p:sld xmlns:a="http://schemas.openxmlformats.org/drawingml/2006/main" xmlns:r="http://schemas.openxmlformats.org/officeDocument/2006/relationships" xmlns:p="http://schemas.openxmlformats.org/presentationml/2006/main">
+  <p:cSld>
+    <p:spTree>
+      <p:nvGrpSpPr>
+        <p:cNvPr id="1" name=""/>
+        <p:cNvGrpSpPr/>
+        <p:nvPr/>
+      </p:nvGrpSpPr>
+      <p:grpSpPr/>
+      <p:sp>
+        <p:nvSpPr>
+          <p:cNvPr id="4" name="标题 3"/>
+          <p:cNvSpPr>
+            <a:spLocks noGrp="1"/>
+          </p:cNvSpPr>
+          <p:nvPr>
+            <p:ph type="title"/>
+          </p:nvPr>
+        </p:nvSpPr>
+        <p:spPr/>
+        <p:txBody>
+          <a:bodyPr/>
+          <a:p>
+            <a:r>
+              <a:rPr lang="en-US" altLang="zh-CN"/>
+              <a:t>References</a:t>
+            </a:r>
+            <a:endParaRPr lang="en-US" altLang="zh-CN"/>
+          </a:p>
+        </p:txBody>
+      </p:sp>
+      <p:sp>
+        <p:nvSpPr>
+          <p:cNvPr id="5" name="内容占位符 4"/>
+          <p:cNvSpPr>
+            <a:spLocks noGrp="1"/>
+          </p:cNvSpPr>
+          <p:nvPr>
+            <p:ph idx="1"/>
+          </p:nvPr>
+        </p:nvSpPr>
+        <p:spPr/>
+        <p:txBody>
+          <a:bodyPr/>
+          <a:p>
+            <a:r>
+              <a:rPr lang="zh-CN" altLang="en-US"/>
+              <a:t>https://caniuse.com/</a:t>
+            </a:r>
+            <a:endParaRPr lang="zh-CN" altLang="en-US"/>
+          </a:p>
+        </p:txBody>
+      </p:sp>
+    </p:spTree>
+    <p:custDataLst>
+      <p:tags r:id="rId1"/>
+    </p:custDataLst>
+  </p:cSld>
+  <p:clrMapOvr>
+    <a:masterClrMapping/>
+  </p:clrMapOvr>
+</p:sld>
+</file>
+
+<file path=ppt/slides/slide30.xml><?xml version="1.0" encoding="utf-8"?>
 <p:sld xmlns:a="http://schemas.openxmlformats.org/drawingml/2006/main" xmlns:r="http://schemas.openxmlformats.org/officeDocument/2006/relationships" xmlns:p="http://schemas.openxmlformats.org/presentationml/2006/main">
   <p:cSld>
     <p:spTree>
@@ -7068,7 +7513,7 @@
 </p:sld>
 </file>
 
-<file path=ppt/slides/slide3.xml><?xml version="1.0" encoding="utf-8"?>
+<file path=ppt/slides/slide4.xml><?xml version="1.0" encoding="utf-8"?>
 <p:sld xmlns:a="http://schemas.openxmlformats.org/drawingml/2006/main" xmlns:r="http://schemas.openxmlformats.org/officeDocument/2006/relationships" xmlns:p="http://schemas.openxmlformats.org/presentationml/2006/main">
   <p:cSld>
     <p:spTree>
@@ -7197,135 +7642,6 @@
 </p:sld>
 </file>
 
-<file path=ppt/slides/slide4.xml><?xml version="1.0" encoding="utf-8"?>
-<p:sld xmlns:a="http://schemas.openxmlformats.org/drawingml/2006/main" xmlns:r="http://schemas.openxmlformats.org/officeDocument/2006/relationships" xmlns:p="http://schemas.openxmlformats.org/presentationml/2006/main">
-  <p:cSld>
-    <p:spTree>
-      <p:nvGrpSpPr>
-        <p:cNvPr id="1" name=""/>
-        <p:cNvGrpSpPr/>
-        <p:nvPr/>
-      </p:nvGrpSpPr>
-      <p:grpSpPr/>
-      <p:sp>
-        <p:nvSpPr>
-          <p:cNvPr id="2" name="标题 1"/>
-          <p:cNvSpPr>
-            <a:spLocks noGrp="1"/>
-          </p:cNvSpPr>
-          <p:nvPr>
-            <p:ph type="title"/>
-          </p:nvPr>
-        </p:nvSpPr>
-        <p:spPr/>
-        <p:txBody>
-          <a:bodyPr/>
-          <a:p>
-            <a:r>
-              <a:rPr lang="en-US" altLang="zh-CN"/>
-              <a:t>Change Static Content</a:t>
-            </a:r>
-            <a:endParaRPr lang="en-US" altLang="zh-CN"/>
-          </a:p>
-        </p:txBody>
-      </p:sp>
-      <p:sp>
-        <p:nvSpPr>
-          <p:cNvPr id="3" name="内容占位符 2"/>
-          <p:cNvSpPr>
-            <a:spLocks noGrp="1"/>
-          </p:cNvSpPr>
-          <p:nvPr>
-            <p:ph idx="1"/>
-          </p:nvPr>
-        </p:nvSpPr>
-        <p:spPr/>
-        <p:txBody>
-          <a:bodyPr/>
-          <a:p>
-            <a:r>
-              <a:rPr lang="en-US" altLang="zh-CN"/>
-              <a:t>Change content</a:t>
-            </a:r>
-            <a:endParaRPr lang="en-US" altLang="zh-CN"/>
-          </a:p>
-          <a:p>
-            <a:pPr lvl="1"/>
-            <a:r>
-              <a:rPr lang="en-US" altLang="zh-CN"/>
-              <a:t>document.getElementById(“id”).innerHTML = “inner”</a:t>
-            </a:r>
-            <a:endParaRPr lang="en-US" altLang="zh-CN"/>
-          </a:p>
-          <a:p>
-            <a:pPr lvl="1"/>
-            <a:r>
-              <a:rPr lang="en-US" altLang="zh-CN"/>
-              <a:t>document.getElementById(“id”).style.display = “none”</a:t>
-            </a:r>
-            <a:endParaRPr lang="en-US" altLang="zh-CN"/>
-          </a:p>
-          <a:p>
-            <a:pPr lvl="1"/>
-            <a:r>
-              <a:rPr lang="en-US" altLang="zh-CN"/>
-              <a:t>document.getElementById(“id”).style.display = “block”</a:t>
-            </a:r>
-            <a:endParaRPr lang="en-US" altLang="zh-CN"/>
-          </a:p>
-          <a:p>
-            <a:pPr lvl="0"/>
-            <a:r>
-              <a:rPr lang="en-US" altLang="zh-CN"/>
-              <a:t>Change style</a:t>
-            </a:r>
-            <a:endParaRPr lang="en-US" altLang="zh-CN"/>
-          </a:p>
-          <a:p>
-            <a:pPr lvl="1"/>
-            <a:r>
-              <a:rPr lang="en-US" altLang="zh-CN"/>
-              <a:t>document.getElementById(“id”).style.fontSize = “30px”</a:t>
-            </a:r>
-            <a:endParaRPr lang="en-US" altLang="zh-CN"/>
-          </a:p>
-          <a:p>
-            <a:pPr lvl="0"/>
-            <a:r>
-              <a:rPr lang="en-US" altLang="zh-CN"/>
-              <a:t>Others</a:t>
-            </a:r>
-            <a:endParaRPr lang="en-US" altLang="zh-CN"/>
-          </a:p>
-          <a:p>
-            <a:pPr lvl="1"/>
-            <a:r>
-              <a:rPr lang="en-US" altLang="zh-CN"/>
-              <a:t>window.alert()</a:t>
-            </a:r>
-            <a:endParaRPr lang="en-US" altLang="zh-CN"/>
-          </a:p>
-          <a:p>
-            <a:pPr lvl="1"/>
-            <a:r>
-              <a:rPr lang="en-US" altLang="zh-CN"/>
-              <a:t>console.log()</a:t>
-            </a:r>
-            <a:endParaRPr lang="en-US" altLang="zh-CN"/>
-          </a:p>
-        </p:txBody>
-      </p:sp>
-    </p:spTree>
-    <p:custDataLst>
-      <p:tags r:id="rId1"/>
-    </p:custDataLst>
-  </p:cSld>
-  <p:clrMapOvr>
-    <a:masterClrMapping/>
-  </p:clrMapOvr>
-</p:sld>
-</file>
-
 <file path=ppt/slides/slide5.xml><?xml version="1.0" encoding="utf-8"?>
 <p:sld xmlns:a="http://schemas.openxmlformats.org/drawingml/2006/main" xmlns:r="http://schemas.openxmlformats.org/officeDocument/2006/relationships" xmlns:p="http://schemas.openxmlformats.org/presentationml/2006/main">
   <p:cSld>
@@ -7352,7 +7668,7 @@
           <a:p>
             <a:r>
               <a:rPr lang="en-US" altLang="zh-CN"/>
-              <a:t>Data Type</a:t>
+              <a:t>Change Static Content</a:t>
             </a:r>
             <a:endParaRPr lang="en-US" altLang="zh-CN"/>
           </a:p>
@@ -7373,23 +7689,32 @@
           <a:bodyPr/>
           <a:p>
             <a:r>
-              <a:rPr lang="en-US" altLang="en-US"/>
-              <a:t>var, const</a:t>
-            </a:r>
-            <a:endParaRPr lang="en-US" altLang="zh-CN"/>
-          </a:p>
-          <a:p>
-            <a:r>
-              <a:rPr lang="en-US" altLang="zh-CN"/>
-              <a:t>Value type</a:t>
-            </a:r>
-            <a:endParaRPr lang="en-US" altLang="zh-CN"/>
-          </a:p>
-          <a:p>
-            <a:pPr lvl="1"/>
-            <a:r>
-              <a:rPr lang="en-US" altLang="zh-CN"/>
-              <a:t>string, number, boolean, object, function</a:t>
+              <a:rPr lang="en-US" altLang="zh-CN"/>
+              <a:t>Change content</a:t>
+            </a:r>
+            <a:endParaRPr lang="en-US" altLang="zh-CN"/>
+          </a:p>
+          <a:p>
+            <a:pPr lvl="1"/>
+            <a:r>
+              <a:rPr lang="en-US" altLang="zh-CN"/>
+              <a:t>document.getElementById(“id”).innerHTML = “inner”</a:t>
+            </a:r>
+            <a:endParaRPr lang="en-US" altLang="zh-CN"/>
+          </a:p>
+          <a:p>
+            <a:pPr lvl="1"/>
+            <a:r>
+              <a:rPr lang="en-US" altLang="zh-CN"/>
+              <a:t>document.getElementById(“id”).style.display = “none”</a:t>
+            </a:r>
+            <a:endParaRPr lang="en-US" altLang="zh-CN"/>
+          </a:p>
+          <a:p>
+            <a:pPr lvl="1"/>
+            <a:r>
+              <a:rPr lang="en-US" altLang="zh-CN"/>
+              <a:t>document.getElementById(“id”).style.display = “block”</a:t>
             </a:r>
             <a:endParaRPr lang="en-US" altLang="zh-CN"/>
           </a:p>
@@ -7397,15 +7722,15 @@
             <a:pPr lvl="0"/>
             <a:r>
               <a:rPr lang="en-US" altLang="zh-CN"/>
-              <a:t>Object type</a:t>
-            </a:r>
-            <a:endParaRPr lang="en-US" altLang="zh-CN"/>
-          </a:p>
-          <a:p>
-            <a:pPr lvl="1"/>
-            <a:r>
-              <a:rPr lang="en-US" altLang="zh-CN"/>
-              <a:t>Object, Date, Array</a:t>
+              <a:t>Change style</a:t>
+            </a:r>
+            <a:endParaRPr lang="en-US" altLang="zh-CN"/>
+          </a:p>
+          <a:p>
+            <a:pPr lvl="1"/>
+            <a:r>
+              <a:rPr lang="en-US" altLang="zh-CN"/>
+              <a:t>document.getElementById(“id”).style.fontSize = “30px”</a:t>
             </a:r>
             <a:endParaRPr lang="en-US" altLang="zh-CN"/>
           </a:p>
@@ -7413,39 +7738,23 @@
             <a:pPr lvl="0"/>
             <a:r>
               <a:rPr lang="en-US" altLang="zh-CN"/>
-              <a:t>null, undefined</a:t>
-            </a:r>
-            <a:endParaRPr lang="en-US" altLang="zh-CN"/>
-          </a:p>
-          <a:p>
-            <a:pPr lvl="0"/>
-            <a:r>
-              <a:rPr lang="en-US" altLang="zh-CN"/>
-              <a:t>typeof var</a:t>
-            </a:r>
-            <a:endParaRPr lang="en-US" altLang="zh-CN"/>
-          </a:p>
-          <a:p>
-            <a:pPr lvl="0"/>
-            <a:r>
-              <a:rPr lang="en-US" altLang="zh-CN"/>
-              <a:t>Type Conversion</a:t>
-            </a:r>
-            <a:endParaRPr lang="en-US" altLang="zh-CN"/>
-          </a:p>
-          <a:p>
-            <a:pPr lvl="1"/>
-            <a:r>
-              <a:rPr lang="en-US" altLang="zh-CN"/>
-              <a:t>String(var), var.toString()</a:t>
-            </a:r>
-            <a:endParaRPr lang="en-US" altLang="zh-CN"/>
-          </a:p>
-          <a:p>
-            <a:pPr lvl="1"/>
-            <a:r>
-              <a:rPr lang="en-US" altLang="zh-CN"/>
-              <a:t>Number(), NaN, str.parseInt(), str.parseFloat()</a:t>
+              <a:t>Others</a:t>
+            </a:r>
+            <a:endParaRPr lang="en-US" altLang="zh-CN"/>
+          </a:p>
+          <a:p>
+            <a:pPr lvl="1"/>
+            <a:r>
+              <a:rPr lang="en-US" altLang="zh-CN"/>
+              <a:t>window.alert()</a:t>
+            </a:r>
+            <a:endParaRPr lang="en-US" altLang="zh-CN"/>
+          </a:p>
+          <a:p>
+            <a:pPr lvl="1"/>
+            <a:r>
+              <a:rPr lang="en-US" altLang="zh-CN"/>
+              <a:t>console.log()</a:t>
             </a:r>
             <a:endParaRPr lang="en-US" altLang="zh-CN"/>
           </a:p>
@@ -7488,7 +7797,7 @@
           <a:p>
             <a:r>
               <a:rPr lang="en-US" altLang="zh-CN"/>
-              <a:t>DOM</a:t>
+              <a:t>Data Type</a:t>
             </a:r>
             <a:endParaRPr lang="en-US" altLang="zh-CN"/>
           </a:p>
@@ -7506,143 +7815,84 @@
         </p:nvSpPr>
         <p:spPr/>
         <p:txBody>
-          <a:bodyPr>
-            <a:noAutofit/>
-          </a:bodyPr>
-          <a:p>
-            <a:r>
-              <a:rPr lang="en-US" altLang="zh-CN" sz="1600"/>
-              <a:t>Find</a:t>
-            </a:r>
-            <a:endParaRPr lang="en-US" altLang="zh-CN" sz="1600"/>
-          </a:p>
-          <a:p>
-            <a:pPr lvl="1"/>
-            <a:r>
-              <a:rPr lang="en-US" altLang="zh-CN" sz="1400"/>
-              <a:t>document.getElementById(id)</a:t>
-            </a:r>
-            <a:endParaRPr lang="en-US" altLang="zh-CN" sz="1400"/>
-          </a:p>
-          <a:p>
-            <a:pPr lvl="1"/>
-            <a:r>
-              <a:rPr lang="en-US" altLang="zh-CN" sz="1400"/>
-              <a:t>document.getElementByTagName(name)</a:t>
-            </a:r>
-            <a:endParaRPr lang="en-US" altLang="zh-CN" sz="1400"/>
-          </a:p>
-          <a:p>
-            <a:pPr lvl="1"/>
-            <a:r>
-              <a:rPr lang="en-US" altLang="zh-CN" sz="1400"/>
-              <a:t>document.getElementByClassName(name)</a:t>
-            </a:r>
-            <a:endParaRPr lang="en-US" altLang="zh-CN" sz="1400"/>
+          <a:bodyPr/>
+          <a:p>
+            <a:r>
+              <a:rPr lang="en-US" altLang="en-US"/>
+              <a:t>var, const</a:t>
+            </a:r>
+            <a:endParaRPr lang="en-US" altLang="zh-CN"/>
+          </a:p>
+          <a:p>
+            <a:r>
+              <a:rPr lang="en-US" altLang="zh-CN"/>
+              <a:t>Value type</a:t>
+            </a:r>
+            <a:endParaRPr lang="en-US" altLang="zh-CN"/>
+          </a:p>
+          <a:p>
+            <a:pPr lvl="1"/>
+            <a:r>
+              <a:rPr lang="en-US" altLang="zh-CN"/>
+              <a:t>string, number, boolean, object, function</a:t>
+            </a:r>
+            <a:endParaRPr lang="en-US" altLang="zh-CN"/>
           </a:p>
           <a:p>
             <a:pPr lvl="0"/>
             <a:r>
-              <a:rPr lang="en-US" altLang="zh-CN" sz="1600"/>
-              <a:t>Change</a:t>
-            </a:r>
-            <a:endParaRPr lang="en-US" altLang="zh-CN" sz="1600"/>
-          </a:p>
-          <a:p>
-            <a:pPr lvl="1"/>
-            <a:r>
-              <a:rPr lang="en-US" altLang="zh-CN" sz="1400"/>
-              <a:t>element.innerHTML</a:t>
-            </a:r>
-            <a:endParaRPr lang="en-US" altLang="zh-CN" sz="1400"/>
-          </a:p>
-          <a:p>
-            <a:pPr lvl="1"/>
-            <a:r>
-              <a:rPr lang="en-US" altLang="zh-CN" sz="1400"/>
-              <a:t>element.attribute = val</a:t>
-            </a:r>
-            <a:endParaRPr lang="en-US" altLang="zh-CN" sz="1400"/>
-          </a:p>
-          <a:p>
-            <a:pPr lvl="1"/>
-            <a:r>
-              <a:rPr lang="en-US" altLang="zh-CN" sz="1400"/>
-              <a:t>element.setAttribute(attr, val)</a:t>
-            </a:r>
-            <a:endParaRPr lang="en-US" altLang="zh-CN" sz="1400"/>
-          </a:p>
-          <a:p>
-            <a:pPr lvl="1"/>
-            <a:r>
-              <a:rPr lang="en-US" altLang="zh-CN" sz="1400"/>
-              <a:t>element.style.property = style</a:t>
-            </a:r>
-            <a:endParaRPr lang="en-US" altLang="zh-CN" sz="1400"/>
+              <a:rPr lang="en-US" altLang="zh-CN"/>
+              <a:t>Object type</a:t>
+            </a:r>
+            <a:endParaRPr lang="en-US" altLang="zh-CN"/>
+          </a:p>
+          <a:p>
+            <a:pPr lvl="1"/>
+            <a:r>
+              <a:rPr lang="en-US" altLang="zh-CN"/>
+              <a:t>Object, Date, Array</a:t>
+            </a:r>
+            <a:endParaRPr lang="en-US" altLang="zh-CN"/>
           </a:p>
           <a:p>
             <a:pPr lvl="0"/>
             <a:r>
-              <a:rPr lang="en-US" altLang="zh-CN" sz="1600"/>
-              <a:t>Add/Remove</a:t>
-            </a:r>
-            <a:endParaRPr lang="en-US" altLang="zh-CN" sz="1600"/>
-          </a:p>
-          <a:p>
-            <a:pPr lvl="1"/>
-            <a:r>
-              <a:rPr lang="en-US" altLang="zh-CN" sz="1400"/>
-              <a:t>document.createElement(elem)</a:t>
-            </a:r>
-            <a:endParaRPr lang="en-US" altLang="zh-CN" sz="1400"/>
-          </a:p>
-          <a:p>
-            <a:pPr lvl="1"/>
-            <a:r>
-              <a:rPr lang="en-US" altLang="zh-CN" sz="1400"/>
-              <a:t>document.removeChild(elem)</a:t>
-            </a:r>
-            <a:endParaRPr lang="en-US" altLang="zh-CN" sz="1400"/>
-          </a:p>
-          <a:p>
-            <a:pPr lvl="1"/>
-            <a:r>
-              <a:rPr lang="en-US" altLang="zh-CN" sz="1400"/>
-              <a:t>document.appendChild(elem)</a:t>
-            </a:r>
-            <a:endParaRPr lang="en-US" altLang="zh-CN" sz="1400"/>
-          </a:p>
-          <a:p>
-            <a:pPr lvl="1"/>
-            <a:r>
-              <a:rPr lang="en-US" altLang="zh-CN" sz="1400"/>
-              <a:t>document.replaceChild(elem)</a:t>
-            </a:r>
-            <a:endParaRPr lang="en-US" altLang="zh-CN" sz="1400"/>
-          </a:p>
-          <a:p>
-            <a:pPr lvl="1"/>
-            <a:r>
-              <a:rPr lang="en-US" altLang="zh-CN" sz="1400"/>
-              <a:t>document.write(txt)</a:t>
-            </a:r>
-            <a:endParaRPr lang="en-US" altLang="zh-CN" sz="1400"/>
+              <a:rPr lang="en-US" altLang="zh-CN"/>
+              <a:t>null, undefined</a:t>
+            </a:r>
+            <a:endParaRPr lang="en-US" altLang="zh-CN"/>
           </a:p>
           <a:p>
             <a:pPr lvl="0"/>
             <a:r>
-              <a:rPr lang="en-US" altLang="zh-CN" sz="1600"/>
-              <a:t>Add event</a:t>
-            </a:r>
-            <a:endParaRPr lang="en-US" altLang="zh-CN" sz="1600"/>
-          </a:p>
-          <a:p>
-            <a:pPr lvl="1"/>
-            <a:r>
-              <a:rPr lang="en-US" altLang="zh-CN" sz="1400"/>
-              <a:t>document.getElementById(id).onclick = function() { ...}</a:t>
-            </a:r>
-            <a:endParaRPr lang="en-US" altLang="zh-CN" sz="1400"/>
+              <a:rPr lang="en-US" altLang="zh-CN"/>
+              <a:t>typeof var</a:t>
+            </a:r>
+            <a:endParaRPr lang="en-US" altLang="zh-CN"/>
+          </a:p>
+          <a:p>
+            <a:pPr lvl="0"/>
+            <a:r>
+              <a:rPr lang="en-US" altLang="zh-CN"/>
+              <a:t>Type Conversion</a:t>
+            </a:r>
+            <a:endParaRPr lang="en-US" altLang="zh-CN"/>
+          </a:p>
+          <a:p>
+            <a:pPr lvl="1"/>
+            <a:r>
+              <a:rPr lang="en-US" altLang="zh-CN"/>
+              <a:t>String(var), var.toString()</a:t>
+            </a:r>
+            <a:endParaRPr lang="en-US" altLang="zh-CN"/>
+          </a:p>
+          <a:p>
+            <a:pPr lvl="1"/>
+            <a:r>
+              <a:rPr lang="en-US" altLang="zh-CN"/>
+              <a:t>Number(), NaN, str.parseInt(), str.parseFloat()</a:t>
+            </a:r>
+            <a:endParaRPr lang="en-US" altLang="zh-CN"/>
           </a:p>
         </p:txBody>
       </p:sp>
@@ -7669,6 +7919,201 @@
       <p:grpSpPr/>
       <p:sp>
         <p:nvSpPr>
+          <p:cNvPr id="2" name="标题 1"/>
+          <p:cNvSpPr>
+            <a:spLocks noGrp="1"/>
+          </p:cNvSpPr>
+          <p:nvPr>
+            <p:ph type="title"/>
+          </p:nvPr>
+        </p:nvSpPr>
+        <p:spPr/>
+        <p:txBody>
+          <a:bodyPr/>
+          <a:p>
+            <a:r>
+              <a:rPr lang="en-US" altLang="zh-CN"/>
+              <a:t>DOM</a:t>
+            </a:r>
+            <a:endParaRPr lang="en-US" altLang="zh-CN"/>
+          </a:p>
+        </p:txBody>
+      </p:sp>
+      <p:sp>
+        <p:nvSpPr>
+          <p:cNvPr id="3" name="内容占位符 2"/>
+          <p:cNvSpPr>
+            <a:spLocks noGrp="1"/>
+          </p:cNvSpPr>
+          <p:nvPr>
+            <p:ph idx="1"/>
+          </p:nvPr>
+        </p:nvSpPr>
+        <p:spPr/>
+        <p:txBody>
+          <a:bodyPr>
+            <a:noAutofit/>
+          </a:bodyPr>
+          <a:p>
+            <a:r>
+              <a:rPr lang="en-US" altLang="zh-CN" sz="1600"/>
+              <a:t>Find</a:t>
+            </a:r>
+            <a:endParaRPr lang="en-US" altLang="zh-CN" sz="1600"/>
+          </a:p>
+          <a:p>
+            <a:pPr lvl="1"/>
+            <a:r>
+              <a:rPr lang="en-US" altLang="zh-CN" sz="1400"/>
+              <a:t>document.getElementById(id)</a:t>
+            </a:r>
+            <a:endParaRPr lang="en-US" altLang="zh-CN" sz="1400"/>
+          </a:p>
+          <a:p>
+            <a:pPr lvl="1"/>
+            <a:r>
+              <a:rPr lang="en-US" altLang="zh-CN" sz="1400"/>
+              <a:t>document.getElementByTagName(name)</a:t>
+            </a:r>
+            <a:endParaRPr lang="en-US" altLang="zh-CN" sz="1400"/>
+          </a:p>
+          <a:p>
+            <a:pPr lvl="1"/>
+            <a:r>
+              <a:rPr lang="en-US" altLang="zh-CN" sz="1400"/>
+              <a:t>document.getElementByClassName(name)</a:t>
+            </a:r>
+            <a:endParaRPr lang="en-US" altLang="zh-CN" sz="1400"/>
+          </a:p>
+          <a:p>
+            <a:pPr lvl="0"/>
+            <a:r>
+              <a:rPr lang="en-US" altLang="zh-CN" sz="1600"/>
+              <a:t>Change</a:t>
+            </a:r>
+            <a:endParaRPr lang="en-US" altLang="zh-CN" sz="1600"/>
+          </a:p>
+          <a:p>
+            <a:pPr lvl="1"/>
+            <a:r>
+              <a:rPr lang="en-US" altLang="zh-CN" sz="1400"/>
+              <a:t>element.innerHTML</a:t>
+            </a:r>
+            <a:endParaRPr lang="en-US" altLang="zh-CN" sz="1400"/>
+          </a:p>
+          <a:p>
+            <a:pPr lvl="1"/>
+            <a:r>
+              <a:rPr lang="en-US" altLang="zh-CN" sz="1400"/>
+              <a:t>element.attribute = val</a:t>
+            </a:r>
+            <a:endParaRPr lang="en-US" altLang="zh-CN" sz="1400"/>
+          </a:p>
+          <a:p>
+            <a:pPr lvl="1"/>
+            <a:r>
+              <a:rPr lang="en-US" altLang="zh-CN" sz="1400"/>
+              <a:t>element.setAttribute(attr, val)</a:t>
+            </a:r>
+            <a:endParaRPr lang="en-US" altLang="zh-CN" sz="1400"/>
+          </a:p>
+          <a:p>
+            <a:pPr lvl="1"/>
+            <a:r>
+              <a:rPr lang="en-US" altLang="zh-CN" sz="1400"/>
+              <a:t>element.style.property = style</a:t>
+            </a:r>
+            <a:endParaRPr lang="en-US" altLang="zh-CN" sz="1400"/>
+          </a:p>
+          <a:p>
+            <a:pPr lvl="0"/>
+            <a:r>
+              <a:rPr lang="en-US" altLang="zh-CN" sz="1600"/>
+              <a:t>Add/Remove</a:t>
+            </a:r>
+            <a:endParaRPr lang="en-US" altLang="zh-CN" sz="1600"/>
+          </a:p>
+          <a:p>
+            <a:pPr lvl="1"/>
+            <a:r>
+              <a:rPr lang="en-US" altLang="zh-CN" sz="1400"/>
+              <a:t>document.createElement(elem)</a:t>
+            </a:r>
+            <a:endParaRPr lang="en-US" altLang="zh-CN" sz="1400"/>
+          </a:p>
+          <a:p>
+            <a:pPr lvl="1"/>
+            <a:r>
+              <a:rPr lang="en-US" altLang="zh-CN" sz="1400"/>
+              <a:t>document.removeChild(elem)</a:t>
+            </a:r>
+            <a:endParaRPr lang="en-US" altLang="zh-CN" sz="1400"/>
+          </a:p>
+          <a:p>
+            <a:pPr lvl="1"/>
+            <a:r>
+              <a:rPr lang="en-US" altLang="zh-CN" sz="1400"/>
+              <a:t>document.appendChild(elem)</a:t>
+            </a:r>
+            <a:endParaRPr lang="en-US" altLang="zh-CN" sz="1400"/>
+          </a:p>
+          <a:p>
+            <a:pPr lvl="1"/>
+            <a:r>
+              <a:rPr lang="en-US" altLang="zh-CN" sz="1400"/>
+              <a:t>document.replaceChild(elem)</a:t>
+            </a:r>
+            <a:endParaRPr lang="en-US" altLang="zh-CN" sz="1400"/>
+          </a:p>
+          <a:p>
+            <a:pPr lvl="1"/>
+            <a:r>
+              <a:rPr lang="en-US" altLang="zh-CN" sz="1400"/>
+              <a:t>document.write(txt)</a:t>
+            </a:r>
+            <a:endParaRPr lang="en-US" altLang="zh-CN" sz="1400"/>
+          </a:p>
+          <a:p>
+            <a:pPr lvl="0"/>
+            <a:r>
+              <a:rPr lang="en-US" altLang="zh-CN" sz="1600"/>
+              <a:t>Add event</a:t>
+            </a:r>
+            <a:endParaRPr lang="en-US" altLang="zh-CN" sz="1600"/>
+          </a:p>
+          <a:p>
+            <a:pPr lvl="1"/>
+            <a:r>
+              <a:rPr lang="en-US" altLang="zh-CN" sz="1400"/>
+              <a:t>document.getElementById(id).onclick = function() { ...}</a:t>
+            </a:r>
+            <a:endParaRPr lang="en-US" altLang="zh-CN" sz="1400"/>
+          </a:p>
+        </p:txBody>
+      </p:sp>
+    </p:spTree>
+    <p:custDataLst>
+      <p:tags r:id="rId1"/>
+    </p:custDataLst>
+  </p:cSld>
+  <p:clrMapOvr>
+    <a:masterClrMapping/>
+  </p:clrMapOvr>
+</p:sld>
+</file>
+
+<file path=ppt/slides/slide8.xml><?xml version="1.0" encoding="utf-8"?>
+<p:sld xmlns:a="http://schemas.openxmlformats.org/drawingml/2006/main" xmlns:r="http://schemas.openxmlformats.org/officeDocument/2006/relationships" xmlns:p="http://schemas.openxmlformats.org/presentationml/2006/main">
+  <p:cSld>
+    <p:spTree>
+      <p:nvGrpSpPr>
+        <p:cNvPr id="1" name=""/>
+        <p:cNvGrpSpPr/>
+        <p:nvPr/>
+      </p:nvGrpSpPr>
+      <p:grpSpPr/>
+      <p:sp>
+        <p:nvSpPr>
           <p:cNvPr id="2" name="Title 1"/>
           <p:cNvSpPr>
             <a:spLocks noGrp="1"/>
@@ -7720,7 +8165,7 @@
             <a:pPr lvl="1"/>
             <a:r>
               <a:rPr lang="en-US" altLang="en-US"/>
-              <a:t>innerHeight, innerWidth</a:t>
+              <a:t>innerHeight, innerWidth, navigator (.platform, userAgent, cookieEnabled, ...)</a:t>
             </a:r>
             <a:endParaRPr lang="en-US" altLang="en-US"/>
           </a:p>
@@ -7878,7 +8323,7 @@
 </p:sld>
 </file>
 
-<file path=ppt/slides/slide8.xml><?xml version="1.0" encoding="utf-8"?>
+<file path=ppt/slides/slide9.xml><?xml version="1.0" encoding="utf-8"?>
 <p:sld xmlns:a="http://schemas.openxmlformats.org/drawingml/2006/main" xmlns:r="http://schemas.openxmlformats.org/officeDocument/2006/relationships" xmlns:p="http://schemas.openxmlformats.org/presentationml/2006/main">
   <p:cSld>
     <p:spTree>
@@ -8216,127 +8661,6 @@
 </p:sld>
 </file>
 
-<file path=ppt/slides/slide9.xml><?xml version="1.0" encoding="utf-8"?>
-<p:sld xmlns:a="http://schemas.openxmlformats.org/drawingml/2006/main" xmlns:r="http://schemas.openxmlformats.org/officeDocument/2006/relationships" xmlns:p="http://schemas.openxmlformats.org/presentationml/2006/main">
-  <p:cSld>
-    <p:spTree>
-      <p:nvGrpSpPr>
-        <p:cNvPr id="1" name=""/>
-        <p:cNvGrpSpPr/>
-        <p:nvPr/>
-      </p:nvGrpSpPr>
-      <p:grpSpPr/>
-      <p:sp>
-        <p:nvSpPr>
-          <p:cNvPr id="2" name="标题 1"/>
-          <p:cNvSpPr>
-            <a:spLocks noGrp="1"/>
-          </p:cNvSpPr>
-          <p:nvPr>
-            <p:ph type="title"/>
-          </p:nvPr>
-        </p:nvSpPr>
-        <p:spPr/>
-        <p:txBody>
-          <a:bodyPr/>
-          <a:p>
-            <a:r>
-              <a:rPr lang="en-US" altLang="zh-CN"/>
-              <a:t>Event</a:t>
-            </a:r>
-            <a:endParaRPr lang="en-US" altLang="zh-CN"/>
-          </a:p>
-        </p:txBody>
-      </p:sp>
-      <p:sp>
-        <p:nvSpPr>
-          <p:cNvPr id="3" name="内容占位符 2"/>
-          <p:cNvSpPr>
-            <a:spLocks noGrp="1"/>
-          </p:cNvSpPr>
-          <p:nvPr>
-            <p:ph idx="1"/>
-          </p:nvPr>
-        </p:nvSpPr>
-        <p:spPr/>
-        <p:txBody>
-          <a:bodyPr/>
-          <a:p>
-            <a:r>
-              <a:rPr lang="en-US" altLang="zh-CN"/>
-              <a:t>Events</a:t>
-            </a:r>
-            <a:endParaRPr lang="en-US" altLang="zh-CN"/>
-          </a:p>
-          <a:p>
-            <a:pPr lvl="1"/>
-            <a:r>
-              <a:rPr lang="en-US" altLang="zh-CN"/>
-              <a:t>onchange, onclick, onmouseover, onmouseout, onkeydown, onload</a:t>
-            </a:r>
-            <a:endParaRPr lang="en-US" altLang="zh-CN"/>
-          </a:p>
-          <a:p>
-            <a:pPr lvl="1"/>
-            <a:r>
-              <a:rPr lang="en-US" altLang="en-US"/>
-              <a:t>onmouseover, onmouseout, onmousedown, onmouseup</a:t>
-            </a:r>
-            <a:endParaRPr lang="en-US" altLang="en-US"/>
-          </a:p>
-          <a:p>
-            <a:pPr lvl="1"/>
-            <a:r>
-              <a:rPr lang="en-US" altLang="en-US"/>
-              <a:t>onfocus</a:t>
-            </a:r>
-            <a:endParaRPr lang="en-US" altLang="en-US"/>
-          </a:p>
-          <a:p>
-            <a:pPr lvl="0"/>
-            <a:r>
-              <a:rPr lang="en-US" altLang="en-US"/>
-              <a:t>Functino</a:t>
-            </a:r>
-            <a:endParaRPr lang="en-US" altLang="en-US"/>
-          </a:p>
-          <a:p>
-            <a:pPr lvl="1"/>
-            <a:r>
-              <a:rPr lang="en-US" altLang="en-US"/>
-              <a:t>addEventListener('event', func, useCapture)</a:t>
-            </a:r>
-            <a:endParaRPr lang="en-US" altLang="en-US"/>
-          </a:p>
-          <a:p>
-            <a:pPr lvl="2"/>
-            <a:r>
-              <a:rPr lang="en-US" altLang="en-US" sz="1800"/>
-              <a:t>useCapture: default false, bubble-way propagation; true: capture-way propagation</a:t>
-            </a:r>
-            <a:endParaRPr lang="en-US" altLang="en-US"/>
-          </a:p>
-          <a:p>
-            <a:pPr lvl="1"/>
-            <a:r>
-              <a:rPr lang="en-US" altLang="en-US"/>
-              <a:t>removeEventListener(event, func)</a:t>
-            </a:r>
-            <a:endParaRPr lang="en-US" altLang="en-US"/>
-          </a:p>
-        </p:txBody>
-      </p:sp>
-    </p:spTree>
-    <p:custDataLst>
-      <p:tags r:id="rId1"/>
-    </p:custDataLst>
-  </p:cSld>
-  <p:clrMapOvr>
-    <a:masterClrMapping/>
-  </p:clrMapOvr>
-</p:sld>
-</file>
-
 <file path=ppt/tags/tag1.xml><?xml version="1.0" encoding="utf-8"?>
 <p:tagLst xmlns:p="http://schemas.openxmlformats.org/presentationml/2006/main">
   <p:tag name="KSO_WM_TAG_VERSION" val="1.0"/>
@@ -8363,22 +8687,22 @@
 
 <file path=ppt/tags/tag12.xml><?xml version="1.0" encoding="utf-8"?>
 <p:tagLst xmlns:p="http://schemas.openxmlformats.org/presentationml/2006/main">
+  <p:tag name="KSO_WM_BEAUTIFY_FLAG" val="#wm#"/>
+  <p:tag name="KSO_WM_TEMPLATE_CATEGORY" val="custom"/>
+  <p:tag name="KSO_WM_TEMPLATE_INDEX" val="160402"/>
+</p:tagLst>
+</file>
+
+<file path=ppt/tags/tag13.xml><?xml version="1.0" encoding="utf-8"?>
+<p:tagLst xmlns:p="http://schemas.openxmlformats.org/presentationml/2006/main">
   <p:tag name="REFSHAPE" val="954434956"/>
   <p:tag name="KSO_WM_UNIT_PLACING_PICTURE_USER_VIEWPORT" val="{&quot;height&quot;:7860,&quot;width&quot;:10380}"/>
 </p:tagLst>
 </file>
 
-<file path=ppt/tags/tag13.xml><?xml version="1.0" encoding="utf-8"?>
+<file path=ppt/tags/tag14.xml><?xml version="1.0" encoding="utf-8"?>
 <p:tagLst xmlns:p="http://schemas.openxmlformats.org/presentationml/2006/main">
   <p:tag name="KSO_WM_UNIT_TABLE_BEAUTIFY" val="smartTable{0bafd17d-c47b-41ce-adf8-7fe5cd76de8a}"/>
-</p:tagLst>
-</file>
-
-<file path=ppt/tags/tag14.xml><?xml version="1.0" encoding="utf-8"?>
-<p:tagLst xmlns:p="http://schemas.openxmlformats.org/presentationml/2006/main">
-  <p:tag name="KSO_WM_BEAUTIFY_FLAG" val="#wm#"/>
-  <p:tag name="KSO_WM_TEMPLATE_CATEGORY" val="custom"/>
-  <p:tag name="KSO_WM_TEMPLATE_INDEX" val="160402"/>
 </p:tagLst>
 </file>
 
@@ -8472,8 +8796,9 @@
 
 <file path=ppt/tags/tag25.xml><?xml version="1.0" encoding="utf-8"?>
 <p:tagLst xmlns:p="http://schemas.openxmlformats.org/presentationml/2006/main">
-  <p:tag name="REFSHAPE" val="1066456668"/>
-  <p:tag name="KSO_WM_UNIT_PLACING_PICTURE_USER_VIEWPORT" val="{&quot;height&quot;:15840,&quot;width&quot;:11264}"/>
+  <p:tag name="KSO_WM_BEAUTIFY_FLAG" val="#wm#"/>
+  <p:tag name="KSO_WM_TEMPLATE_CATEGORY" val="custom"/>
+  <p:tag name="KSO_WM_TEMPLATE_INDEX" val="160402"/>
 </p:tagLst>
 </file>
 
@@ -8495,9 +8820,8 @@
 
 <file path=ppt/tags/tag28.xml><?xml version="1.0" encoding="utf-8"?>
 <p:tagLst xmlns:p="http://schemas.openxmlformats.org/presentationml/2006/main">
-  <p:tag name="KSO_WM_BEAUTIFY_FLAG" val="#wm#"/>
-  <p:tag name="KSO_WM_TEMPLATE_CATEGORY" val="custom"/>
-  <p:tag name="KSO_WM_TEMPLATE_INDEX" val="160402"/>
+  <p:tag name="REFSHAPE" val="1066456668"/>
+  <p:tag name="KSO_WM_UNIT_PLACING_PICTURE_USER_VIEWPORT" val="{&quot;height&quot;:15840,&quot;width&quot;:11264}"/>
 </p:tagLst>
 </file>
 
@@ -8544,6 +8868,30 @@
 </file>
 
 <file path=ppt/tags/tag33.xml><?xml version="1.0" encoding="utf-8"?>
+<p:tagLst xmlns:p="http://schemas.openxmlformats.org/presentationml/2006/main">
+  <p:tag name="KSO_WM_BEAUTIFY_FLAG" val="#wm#"/>
+  <p:tag name="KSO_WM_TEMPLATE_CATEGORY" val="custom"/>
+  <p:tag name="KSO_WM_TEMPLATE_INDEX" val="160402"/>
+</p:tagLst>
+</file>
+
+<file path=ppt/tags/tag34.xml><?xml version="1.0" encoding="utf-8"?>
+<p:tagLst xmlns:p="http://schemas.openxmlformats.org/presentationml/2006/main">
+  <p:tag name="KSO_WM_BEAUTIFY_FLAG" val="#wm#"/>
+  <p:tag name="KSO_WM_TEMPLATE_CATEGORY" val="custom"/>
+  <p:tag name="KSO_WM_TEMPLATE_INDEX" val="160402"/>
+</p:tagLst>
+</file>
+
+<file path=ppt/tags/tag35.xml><?xml version="1.0" encoding="utf-8"?>
+<p:tagLst xmlns:p="http://schemas.openxmlformats.org/presentationml/2006/main">
+  <p:tag name="KSO_WM_BEAUTIFY_FLAG" val="#wm#"/>
+  <p:tag name="KSO_WM_TEMPLATE_CATEGORY" val="custom"/>
+  <p:tag name="KSO_WM_TEMPLATE_INDEX" val="160402"/>
+</p:tagLst>
+</file>
+
+<file path=ppt/tags/tag36.xml><?xml version="1.0" encoding="utf-8"?>
 <p:tagLst xmlns:p="http://schemas.openxmlformats.org/presentationml/2006/main">
   <p:tag name="KSO_WM_BEAUTIFY_FLAG" val="#wm#"/>
   <p:tag name="KSO_WM_TEMPLATE_CATEGORY" val="custom"/>

--- a/Web/JavaScript-Notes.pptx
+++ b/Web/JavaScript-Notes.pptx
@@ -8,7 +8,7 @@
     <p:notesMasterId r:id="rId4"/>
   </p:notesMasterIdLst>
   <p:handoutMasterIdLst>
-    <p:handoutMasterId r:id="rId34"/>
+    <p:handoutMasterId r:id="rId40"/>
   </p:handoutMasterIdLst>
   <p:sldIdLst>
     <p:sldId id="256" r:id="rId3"/>
@@ -26,21 +26,27 @@
     <p:sldId id="258" r:id="rId16"/>
     <p:sldId id="284" r:id="rId17"/>
     <p:sldId id="285" r:id="rId18"/>
-    <p:sldId id="276" r:id="rId19"/>
-    <p:sldId id="267" r:id="rId20"/>
-    <p:sldId id="283" r:id="rId21"/>
-    <p:sldId id="332" r:id="rId22"/>
-    <p:sldId id="297" r:id="rId23"/>
-    <p:sldId id="299" r:id="rId24"/>
-    <p:sldId id="343" r:id="rId25"/>
-    <p:sldId id="298" r:id="rId26"/>
-    <p:sldId id="320" r:id="rId27"/>
-    <p:sldId id="326" r:id="rId28"/>
-    <p:sldId id="290" r:id="rId29"/>
-    <p:sldId id="291" r:id="rId30"/>
-    <p:sldId id="289" r:id="rId31"/>
-    <p:sldId id="292" r:id="rId32"/>
-    <p:sldId id="293" r:id="rId33"/>
+    <p:sldId id="392" r:id="rId19"/>
+    <p:sldId id="276" r:id="rId20"/>
+    <p:sldId id="267" r:id="rId21"/>
+    <p:sldId id="283" r:id="rId22"/>
+    <p:sldId id="332" r:id="rId23"/>
+    <p:sldId id="411" r:id="rId24"/>
+    <p:sldId id="297" r:id="rId25"/>
+    <p:sldId id="299" r:id="rId26"/>
+    <p:sldId id="380" r:id="rId27"/>
+    <p:sldId id="343" r:id="rId28"/>
+    <p:sldId id="298" r:id="rId29"/>
+    <p:sldId id="320" r:id="rId30"/>
+    <p:sldId id="326" r:id="rId31"/>
+    <p:sldId id="391" r:id="rId32"/>
+    <p:sldId id="390" r:id="rId33"/>
+    <p:sldId id="290" r:id="rId34"/>
+    <p:sldId id="291" r:id="rId35"/>
+    <p:sldId id="289" r:id="rId36"/>
+    <p:sldId id="426" r:id="rId37"/>
+    <p:sldId id="292" r:id="rId38"/>
+    <p:sldId id="293" r:id="rId39"/>
   </p:sldIdLst>
   <p:sldSz cx="12192000" cy="6858000"/>
   <p:notesSz cx="6858000" cy="9144000"/>
@@ -4522,7 +4528,7 @@
       <p:grpSpPr/>
       <p:sp>
         <p:nvSpPr>
-          <p:cNvPr id="2" name="Title 1"/>
+          <p:cNvPr id="2" name="标题 1"/>
           <p:cNvSpPr>
             <a:spLocks noGrp="1"/>
           </p:cNvSpPr>
@@ -4535,16 +4541,16 @@
           <a:bodyPr/>
           <a:p>
             <a:r>
-              <a:rPr lang="en-US" altLang="en-US"/>
-              <a:t>jQuery</a:t>
-            </a:r>
-            <a:endParaRPr lang="en-US" altLang="en-US"/>
-          </a:p>
-        </p:txBody>
-      </p:sp>
-      <p:sp>
-        <p:nvSpPr>
-          <p:cNvPr id="3" name="Content Placeholder 2"/>
+              <a:rPr lang="en-US" altLang="zh-CN"/>
+              <a:t>Bundle Javascript Library</a:t>
+            </a:r>
+            <a:endParaRPr lang="en-US" altLang="zh-CN"/>
+          </a:p>
+        </p:txBody>
+      </p:sp>
+      <p:sp>
+        <p:nvSpPr>
+          <p:cNvPr id="3" name="内容占位符 2"/>
           <p:cNvSpPr>
             <a:spLocks noGrp="1"/>
           </p:cNvSpPr>
@@ -4557,22 +4563,77 @@
           <a:bodyPr/>
           <a:p>
             <a:r>
-              <a:rPr lang="en-US" altLang="en-US"/>
-              <a:t>Find element</a:t>
-            </a:r>
-            <a:endParaRPr lang="en-US" altLang="en-US"/>
-          </a:p>
-          <a:p>
-            <a:pPr lvl="1"/>
-            <a:r>
-              <a:rPr lang="en-US" altLang="en-US"/>
-              <a:t>$('#id01'), $('.class1')</a:t>
-            </a:r>
-            <a:endParaRPr lang="en-US" altLang="en-US"/>
+              <a:rPr lang="en-US" altLang="zh-CN"/>
+              <a:t>Webpack</a:t>
+            </a:r>
+            <a:endParaRPr lang="en-US" altLang="zh-CN"/>
+          </a:p>
+          <a:p>
+            <a:pPr lvl="1"/>
+            <a:r>
+              <a:rPr lang="en-US" altLang="zh-CN"/>
+              <a:t>https://webpack.js.org/guides/author-libraries/</a:t>
+            </a:r>
+            <a:endParaRPr lang="en-US" altLang="zh-CN"/>
+          </a:p>
+          <a:p>
+            <a:pPr lvl="1"/>
+            <a:r>
+              <a:rPr lang="en-US" altLang="zh-CN"/>
+              <a:t>webpack.config.js</a:t>
+            </a:r>
+            <a:endParaRPr lang="en-US" altLang="zh-CN"/>
+          </a:p>
+          <a:p>
+            <a:pPr lvl="1"/>
+            <a:r>
+              <a:rPr lang="en-US" altLang="zh-CN"/>
+              <a:t>package.json</a:t>
+            </a:r>
+            <a:endParaRPr lang="en-US" altLang="zh-CN"/>
+          </a:p>
+          <a:p>
+            <a:pPr lvl="1"/>
+            <a:r>
+              <a:rPr lang="en-US" altLang="zh-CN"/>
+              <a:t>Run 'npm i'</a:t>
+            </a:r>
+            <a:endParaRPr lang="en-US" altLang="zh-CN"/>
+          </a:p>
+          <a:p>
+            <a:pPr lvl="1"/>
+            <a:r>
+              <a:rPr lang="en-US" altLang="zh-CN"/>
+              <a:t>Run 'webpack'</a:t>
+            </a:r>
+            <a:endParaRPr lang="en-US" altLang="zh-CN"/>
+          </a:p>
+          <a:p>
+            <a:pPr lvl="0"/>
+            <a:r>
+              <a:rPr lang="en-US" altLang="zh-CN"/>
+              <a:t>npm Packaging</a:t>
+            </a:r>
+            <a:endParaRPr lang="en-US" altLang="zh-CN"/>
+          </a:p>
+          <a:p>
+            <a:pPr lvl="1"/>
+            <a:r>
+              <a:rPr lang="en-US" altLang="zh-CN"/>
+              <a:t>https://docs.npmjs.com/packages-and-modules/contributing-packages-to-the-registry</a:t>
+            </a:r>
+            <a:endParaRPr lang="en-US" altLang="zh-CN"/>
+          </a:p>
+          <a:p>
+            <a:pPr lvl="1"/>
+            <a:endParaRPr lang="en-US" altLang="zh-CN"/>
           </a:p>
         </p:txBody>
       </p:sp>
     </p:spTree>
+    <p:custDataLst>
+      <p:tags r:id="rId1"/>
+    </p:custDataLst>
   </p:cSld>
   <p:clrMapOvr>
     <a:masterClrMapping/>
@@ -4592,7 +4653,7 @@
       <p:grpSpPr/>
       <p:sp>
         <p:nvSpPr>
-          <p:cNvPr id="2" name="标题 1"/>
+          <p:cNvPr id="2" name="Title 1"/>
           <p:cNvSpPr>
             <a:spLocks noGrp="1"/>
           </p:cNvSpPr>
@@ -4605,24 +4666,16 @@
           <a:bodyPr/>
           <a:p>
             <a:r>
-              <a:rPr lang="en-US" altLang="zh-CN"/>
-              <a:t>e</a:t>
-            </a:r>
-            <a:r>
               <a:rPr lang="en-US" altLang="en-US"/>
-              <a:t>C</a:t>
-            </a:r>
-            <a:r>
-              <a:rPr lang="en-US" altLang="zh-CN"/>
-              <a:t>harts</a:t>
-            </a:r>
-            <a:endParaRPr lang="en-US" altLang="zh-CN"/>
-          </a:p>
-        </p:txBody>
-      </p:sp>
-      <p:sp>
-        <p:nvSpPr>
-          <p:cNvPr id="3" name="内容占位符 2"/>
+              <a:t>jQuery</a:t>
+            </a:r>
+            <a:endParaRPr lang="en-US" altLang="en-US"/>
+          </a:p>
+        </p:txBody>
+      </p:sp>
+      <p:sp>
+        <p:nvSpPr>
+          <p:cNvPr id="3" name="Content Placeholder 2"/>
           <p:cNvSpPr>
             <a:spLocks noGrp="1"/>
           </p:cNvSpPr>
@@ -4632,142 +4685,25 @@
         </p:nvSpPr>
         <p:spPr/>
         <p:txBody>
-          <a:bodyPr>
-            <a:normAutofit fontScale="70000"/>
-          </a:bodyPr>
-          <a:p>
-            <a:r>
-              <a:rPr lang="en-US" altLang="zh-CN"/>
-              <a:t>Info</a:t>
-            </a:r>
-            <a:endParaRPr lang="en-US" altLang="zh-CN"/>
-          </a:p>
-          <a:p>
-            <a:pPr lvl="1"/>
-            <a:r>
-              <a:rPr lang="en-US" altLang="zh-CN"/>
-              <a:t>A declarative framework for rapid construction of web-based visualization</a:t>
-            </a:r>
-            <a:endParaRPr lang="en-US" altLang="zh-CN"/>
-          </a:p>
-          <a:p>
-            <a:pPr lvl="1"/>
+          <a:bodyPr/>
+          <a:p>
             <a:r>
               <a:rPr lang="en-US" altLang="en-US"/>
-              <a:t>https://echarts.baidu.com</a:t>
+              <a:t>Find element</a:t>
             </a:r>
             <a:endParaRPr lang="en-US" altLang="en-US"/>
           </a:p>
           <a:p>
-            <a:pPr lvl="0"/>
+            <a:pPr lvl="1"/>
             <a:r>
               <a:rPr lang="en-US" altLang="en-US"/>
-              <a:t>Usage</a:t>
+              <a:t>$('#id01'), $('.class1')</a:t>
             </a:r>
             <a:endParaRPr lang="en-US" altLang="en-US"/>
           </a:p>
-          <a:p>
-            <a:pPr lvl="1"/>
-            <a:r>
-              <a:rPr lang="en-US" altLang="en-US"/>
-              <a:t>&lt;script src='echarts.min.js'&gt;&lt;/script&gt;</a:t>
-            </a:r>
-            <a:endParaRPr lang="en-US" altLang="en-US"/>
-          </a:p>
-          <a:p>
-            <a:pPr lvl="1"/>
-            <a:r>
-              <a:rPr lang="en-US" altLang="en-US"/>
-              <a:t>var myChart = echarts.init(document.getElementById('main'));</a:t>
-            </a:r>
-            <a:endParaRPr lang="en-US" altLang="en-US"/>
-          </a:p>
-          <a:p>
-            <a:pPr lvl="1"/>
-            <a:r>
-              <a:rPr lang="en-US" altLang="en-US"/>
-              <a:t>var option = {...};</a:t>
-            </a:r>
-            <a:endParaRPr lang="en-US" altLang="en-US"/>
-          </a:p>
-          <a:p>
-            <a:pPr lvl="1"/>
-            <a:r>
-              <a:rPr lang="en-US" altLang="en-US"/>
-              <a:t>myChart.setOption(option)</a:t>
-            </a:r>
-            <a:endParaRPr lang="en-US" altLang="en-US"/>
-          </a:p>
-          <a:p>
-            <a:pPr lvl="0"/>
-            <a:r>
-              <a:rPr lang="en-US" altLang="en-US"/>
-              <a:t>Options</a:t>
-            </a:r>
-            <a:endParaRPr lang="en-US" altLang="en-US"/>
-          </a:p>
-          <a:p>
-            <a:pPr lvl="1"/>
-            <a:r>
-              <a:rPr lang="en-US" altLang="en-US"/>
-              <a:t>theme: 'light', 'dark'</a:t>
-            </a:r>
-            <a:endParaRPr lang="en-US" altLang="en-US"/>
-          </a:p>
-          <a:p>
-            <a:pPr lvl="1"/>
-            <a:r>
-              <a:rPr lang="en-US" altLang="en-US"/>
-              <a:t>itemStyle, lineStyle, areaStyle, label</a:t>
-            </a:r>
-            <a:endParaRPr lang="en-US" altLang="en-US"/>
-          </a:p>
-          <a:p>
-            <a:pPr lvl="1"/>
-            <a:r>
-              <a:rPr lang="en-US" altLang="en-US"/>
-              <a:t>emphasis</a:t>
-            </a:r>
-            <a:endParaRPr lang="en-US" altLang="en-US"/>
-          </a:p>
-          <a:p>
-            <a:pPr lvl="1"/>
-            <a:r>
-              <a:rPr lang="en-US" altLang="en-US"/>
-              <a:t>dataset, seriesLayoutBy, encode</a:t>
-            </a:r>
-            <a:endParaRPr lang="en-US" altLang="en-US"/>
-          </a:p>
-          <a:p>
-            <a:pPr lvl="1"/>
-            <a:r>
-              <a:rPr lang="en-US" altLang="en-US"/>
-              <a:t>legend, title, visualMap, dataZoom, timeline</a:t>
-            </a:r>
-            <a:endParaRPr lang="en-US" altLang="en-US"/>
-          </a:p>
-          <a:p>
-            <a:pPr lvl="0"/>
-            <a:r>
-              <a:rPr lang="en-US" altLang="en-US"/>
-              <a:t>Others</a:t>
-            </a:r>
-            <a:endParaRPr lang="en-US" altLang="en-US"/>
-          </a:p>
-          <a:p>
-            <a:pPr lvl="1"/>
-            <a:r>
-              <a:rPr lang="en-US" altLang="en-US"/>
-              <a:t>showLoading()</a:t>
-            </a:r>
-            <a:endParaRPr lang="en-US" altLang="en-US"/>
-          </a:p>
         </p:txBody>
       </p:sp>
     </p:spTree>
-    <p:custDataLst>
-      <p:tags r:id="rId1"/>
-    </p:custDataLst>
   </p:cSld>
   <p:clrMapOvr>
     <a:masterClrMapping/>
@@ -4801,7 +4737,15 @@
           <a:p>
             <a:r>
               <a:rPr lang="en-US" altLang="zh-CN"/>
-              <a:t>Record Audio</a:t>
+              <a:t>e</a:t>
+            </a:r>
+            <a:r>
+              <a:rPr lang="en-US" altLang="en-US"/>
+              <a:t>C</a:t>
+            </a:r>
+            <a:r>
+              <a:rPr lang="en-US" altLang="zh-CN"/>
+              <a:t>harts</a:t>
             </a:r>
             <a:endParaRPr lang="en-US" altLang="zh-CN"/>
           </a:p>
@@ -4819,37 +4763,135 @@
         </p:nvSpPr>
         <p:spPr/>
         <p:txBody>
-          <a:bodyPr/>
-          <a:p>
-            <a:r>
-              <a:rPr lang="en-US" altLang="zh-CN" sz="2800"/>
-              <a:t>recorder.js</a:t>
-            </a:r>
-            <a:endParaRPr lang="en-US" altLang="zh-CN" sz="2800"/>
-          </a:p>
-          <a:p>
-            <a:pPr lvl="1"/>
-            <a:r>
-              <a:rPr lang="en-US" altLang="zh-CN" sz="2400"/>
-              <a:t>supports only wav recording</a:t>
-            </a:r>
-            <a:endParaRPr lang="en-US" altLang="zh-CN" sz="2400"/>
-          </a:p>
-          <a:p>
-            <a:pPr lvl="1"/>
-            <a:r>
-              <a:rPr lang="en-US" altLang="zh-CN" sz="2400"/>
-              <a:t>records 16bit mono/2 channel audio at 44.1kHz or 48kHz</a:t>
-            </a:r>
-            <a:endParaRPr lang="en-US" altLang="zh-CN" sz="2400"/>
-          </a:p>
-          <a:p>
-            <a:pPr lvl="1"/>
-            <a:r>
-              <a:rPr lang="en-US" altLang="zh-CN" sz="2400"/>
-              <a:t>demo:https://github.com/addpipe/simple-recorderjs-demo</a:t>
-            </a:r>
-            <a:endParaRPr lang="en-US" altLang="zh-CN" sz="2400"/>
+          <a:bodyPr>
+            <a:normAutofit fontScale="70000"/>
+          </a:bodyPr>
+          <a:p>
+            <a:r>
+              <a:rPr lang="en-US" altLang="zh-CN"/>
+              <a:t>Info</a:t>
+            </a:r>
+            <a:endParaRPr lang="en-US" altLang="zh-CN"/>
+          </a:p>
+          <a:p>
+            <a:pPr lvl="1"/>
+            <a:r>
+              <a:rPr lang="en-US" altLang="zh-CN"/>
+              <a:t>A declarative framework for rapid construction of web-based visualization</a:t>
+            </a:r>
+            <a:endParaRPr lang="en-US" altLang="zh-CN"/>
+          </a:p>
+          <a:p>
+            <a:pPr lvl="1"/>
+            <a:r>
+              <a:rPr lang="en-US" altLang="en-US"/>
+              <a:t>https://echarts.baidu.com</a:t>
+            </a:r>
+            <a:endParaRPr lang="en-US" altLang="en-US"/>
+          </a:p>
+          <a:p>
+            <a:pPr lvl="0"/>
+            <a:r>
+              <a:rPr lang="en-US" altLang="en-US"/>
+              <a:t>Usage</a:t>
+            </a:r>
+            <a:endParaRPr lang="en-US" altLang="en-US"/>
+          </a:p>
+          <a:p>
+            <a:pPr lvl="1"/>
+            <a:r>
+              <a:rPr lang="en-US" altLang="en-US"/>
+              <a:t>&lt;script src='echarts.min.js'&gt;&lt;/script&gt;</a:t>
+            </a:r>
+            <a:endParaRPr lang="en-US" altLang="en-US"/>
+          </a:p>
+          <a:p>
+            <a:pPr lvl="1"/>
+            <a:r>
+              <a:rPr lang="en-US" altLang="en-US"/>
+              <a:t>var myChart = echarts.init(document.getElementById('main'));</a:t>
+            </a:r>
+            <a:endParaRPr lang="en-US" altLang="en-US"/>
+          </a:p>
+          <a:p>
+            <a:pPr lvl="1"/>
+            <a:r>
+              <a:rPr lang="en-US" altLang="en-US"/>
+              <a:t>var option = {...};</a:t>
+            </a:r>
+            <a:endParaRPr lang="en-US" altLang="en-US"/>
+          </a:p>
+          <a:p>
+            <a:pPr lvl="1"/>
+            <a:r>
+              <a:rPr lang="en-US" altLang="en-US"/>
+              <a:t>myChart.setOption(option)</a:t>
+            </a:r>
+            <a:endParaRPr lang="en-US" altLang="en-US"/>
+          </a:p>
+          <a:p>
+            <a:pPr lvl="0"/>
+            <a:r>
+              <a:rPr lang="en-US" altLang="en-US"/>
+              <a:t>Options</a:t>
+            </a:r>
+            <a:endParaRPr lang="en-US" altLang="en-US"/>
+          </a:p>
+          <a:p>
+            <a:pPr lvl="1"/>
+            <a:r>
+              <a:rPr lang="en-US" altLang="en-US"/>
+              <a:t>theme: 'light', 'dark'</a:t>
+            </a:r>
+            <a:endParaRPr lang="en-US" altLang="en-US"/>
+          </a:p>
+          <a:p>
+            <a:pPr lvl="1"/>
+            <a:r>
+              <a:rPr lang="en-US" altLang="en-US"/>
+              <a:t>itemStyle, lineStyle, areaStyle, label</a:t>
+            </a:r>
+            <a:endParaRPr lang="en-US" altLang="en-US"/>
+          </a:p>
+          <a:p>
+            <a:pPr lvl="1"/>
+            <a:r>
+              <a:rPr lang="en-US" altLang="en-US"/>
+              <a:t>emphasis</a:t>
+            </a:r>
+            <a:endParaRPr lang="en-US" altLang="en-US"/>
+          </a:p>
+          <a:p>
+            <a:pPr lvl="1"/>
+            <a:r>
+              <a:rPr lang="en-US" altLang="en-US"/>
+              <a:t>dataset, seriesLayoutBy, encode</a:t>
+            </a:r>
+            <a:endParaRPr lang="en-US" altLang="en-US"/>
+          </a:p>
+          <a:p>
+            <a:pPr lvl="1"/>
+            <a:r>
+              <a:rPr lang="en-US" altLang="en-US"/>
+              <a:t>legend, title, visualMap, dataZoom, timeline</a:t>
+            </a:r>
+            <a:endParaRPr lang="en-US" altLang="en-US"/>
+          </a:p>
+          <a:p>
+            <a:pPr lvl="0"/>
+            <a:r>
+              <a:rPr lang="en-US" altLang="en-US"/>
+              <a:t>Others</a:t>
+            </a:r>
+            <a:endParaRPr lang="en-US" altLang="en-US"/>
+          </a:p>
+          <a:p>
+            <a:pPr lvl="1"/>
+            <a:r>
+              <a:rPr lang="en-US" altLang="en-US"/>
+              <a:t>showLoading()</a:t>
+            </a:r>
+            <a:endParaRPr lang="en-US" altLang="en-US"/>
           </a:p>
         </p:txBody>
       </p:sp>
@@ -4865,6 +4907,288 @@
 </file>
 
 <file path=ppt/slides/slide19.xml><?xml version="1.0" encoding="utf-8"?>
+<p:sld xmlns:a="http://schemas.openxmlformats.org/drawingml/2006/main" xmlns:r="http://schemas.openxmlformats.org/officeDocument/2006/relationships" xmlns:p="http://schemas.openxmlformats.org/presentationml/2006/main">
+  <p:cSld>
+    <p:spTree>
+      <p:nvGrpSpPr>
+        <p:cNvPr id="1" name=""/>
+        <p:cNvGrpSpPr/>
+        <p:nvPr/>
+      </p:nvGrpSpPr>
+      <p:grpSpPr/>
+      <p:sp>
+        <p:nvSpPr>
+          <p:cNvPr id="2" name="标题 1"/>
+          <p:cNvSpPr>
+            <a:spLocks noGrp="1"/>
+          </p:cNvSpPr>
+          <p:nvPr>
+            <p:ph type="title"/>
+          </p:nvPr>
+        </p:nvSpPr>
+        <p:spPr/>
+        <p:txBody>
+          <a:bodyPr/>
+          <a:p>
+            <a:r>
+              <a:rPr lang="en-US" altLang="zh-CN"/>
+              <a:t>Audio</a:t>
+            </a:r>
+            <a:endParaRPr lang="en-US" altLang="zh-CN"/>
+          </a:p>
+        </p:txBody>
+      </p:sp>
+      <p:sp>
+        <p:nvSpPr>
+          <p:cNvPr id="3" name="内容占位符 2"/>
+          <p:cNvSpPr>
+            <a:spLocks noGrp="1"/>
+          </p:cNvSpPr>
+          <p:nvPr>
+            <p:ph idx="1"/>
+          </p:nvPr>
+        </p:nvSpPr>
+        <p:spPr>
+          <a:xfrm>
+            <a:off x="838200" y="1211580"/>
+            <a:ext cx="7047865" cy="4549140"/>
+          </a:xfrm>
+        </p:spPr>
+        <p:txBody>
+          <a:bodyPr/>
+          <a:p>
+            <a:r>
+              <a:rPr lang="en-US" altLang="zh-CN" sz="2800"/>
+              <a:t>recorder.js</a:t>
+            </a:r>
+            <a:endParaRPr lang="en-US" altLang="zh-CN" sz="2800"/>
+          </a:p>
+          <a:p>
+            <a:pPr lvl="1"/>
+            <a:r>
+              <a:rPr lang="en-US" altLang="zh-CN" sz="2400"/>
+              <a:t>supports only wav recording</a:t>
+            </a:r>
+            <a:endParaRPr lang="en-US" altLang="zh-CN" sz="2400"/>
+          </a:p>
+          <a:p>
+            <a:pPr lvl="1"/>
+            <a:r>
+              <a:rPr lang="en-US" altLang="zh-CN" sz="2400"/>
+              <a:t>records 16bit mono/2 channel audio at 44.1kHz or 48kHz</a:t>
+            </a:r>
+            <a:endParaRPr lang="en-US" altLang="zh-CN" sz="2400"/>
+          </a:p>
+          <a:p>
+            <a:pPr lvl="1"/>
+            <a:r>
+              <a:rPr lang="en-US" altLang="zh-CN" sz="2400"/>
+              <a:t>demo:https://github.com/addpipe/simple-recorderjs-demo</a:t>
+            </a:r>
+            <a:endParaRPr lang="en-US" altLang="zh-CN" sz="2400"/>
+          </a:p>
+          <a:p>
+            <a:pPr lvl="0"/>
+            <a:r>
+              <a:rPr lang="en-US" altLang="zh-CN" sz="2880"/>
+              <a:t>Auto play</a:t>
+            </a:r>
+            <a:endParaRPr lang="en-US" altLang="zh-CN" sz="2880"/>
+          </a:p>
+          <a:p>
+            <a:pPr lvl="1"/>
+            <a:r>
+              <a:rPr lang="en-US" altLang="zh-CN" sz="2400"/>
+              <a:t>https://blog.csdn.net/a545132569/article/details/82996445</a:t>
+            </a:r>
+            <a:endParaRPr lang="en-US" altLang="zh-CN" sz="2400"/>
+          </a:p>
+          <a:p>
+            <a:pPr lvl="1"/>
+            <a:endParaRPr lang="en-US" altLang="zh-CN" sz="2400"/>
+          </a:p>
+        </p:txBody>
+      </p:sp>
+      <p:sp>
+        <p:nvSpPr>
+          <p:cNvPr id="4" name="文本框 3"/>
+          <p:cNvSpPr txBox="1"/>
+          <p:nvPr/>
+        </p:nvSpPr>
+        <p:spPr>
+          <a:xfrm>
+            <a:off x="8135620" y="1211580"/>
+            <a:ext cx="3872230" cy="3969385"/>
+          </a:xfrm>
+          <a:prstGeom prst="rect">
+            <a:avLst/>
+          </a:prstGeom>
+          <a:noFill/>
+          <a:ln>
+            <a:solidFill>
+              <a:srgbClr val="FFC000"/>
+            </a:solidFill>
+          </a:ln>
+        </p:spPr>
+        <p:txBody>
+          <a:bodyPr wrap="square" rtlCol="0">
+            <a:spAutoFit/>
+          </a:bodyPr>
+          <a:p>
+            <a:r>
+              <a:rPr lang="zh-CN" altLang="en-US"/>
+              <a:t>function toggleSound() {</a:t>
+            </a:r>
+            <a:endParaRPr lang="zh-CN" altLang="en-US"/>
+          </a:p>
+          <a:p>
+            <a:r>
+              <a:rPr lang="zh-CN" altLang="en-US"/>
+              <a:t>            var music = document.getElementById("vd");  </a:t>
+            </a:r>
+            <a:endParaRPr lang="zh-CN" altLang="en-US"/>
+          </a:p>
+          <a:p>
+            <a:r>
+              <a:rPr lang="zh-CN" altLang="en-US"/>
+              <a:t>                console.log(music);</a:t>
+            </a:r>
+            <a:endParaRPr lang="zh-CN" altLang="en-US"/>
+          </a:p>
+          <a:p>
+            <a:r>
+              <a:rPr lang="zh-CN" altLang="en-US"/>
+              <a:t>                console.log(music.paused);</a:t>
+            </a:r>
+            <a:endParaRPr lang="zh-CN" altLang="en-US"/>
+          </a:p>
+          <a:p>
+            <a:r>
+              <a:rPr lang="zh-CN" altLang="en-US"/>
+              <a:t>            if (music.paused) {</a:t>
+            </a:r>
+            <a:endParaRPr lang="zh-CN" altLang="en-US"/>
+          </a:p>
+          <a:p>
+            <a:r>
+              <a:rPr lang="zh-CN" altLang="en-US"/>
+              <a:t>                music.paused=false;</a:t>
+            </a:r>
+            <a:endParaRPr lang="zh-CN" altLang="en-US"/>
+          </a:p>
+          <a:p>
+            <a:r>
+              <a:rPr lang="zh-CN" altLang="en-US"/>
+              <a:t>                music.play();</a:t>
+            </a:r>
+            <a:endParaRPr lang="zh-CN" altLang="en-US"/>
+          </a:p>
+          <a:p>
+            <a:r>
+              <a:rPr lang="zh-CN" altLang="en-US"/>
+              <a:t>            }  </a:t>
+            </a:r>
+            <a:endParaRPr lang="zh-CN" altLang="en-US"/>
+          </a:p>
+          <a:p>
+            <a:r>
+              <a:rPr lang="zh-CN" altLang="en-US"/>
+              <a:t>            </a:t>
+            </a:r>
+            <a:endParaRPr lang="zh-CN" altLang="en-US"/>
+          </a:p>
+          <a:p>
+            <a:r>
+              <a:rPr lang="zh-CN" altLang="en-US"/>
+              <a:t>        }</a:t>
+            </a:r>
+            <a:endParaRPr lang="zh-CN" altLang="en-US"/>
+          </a:p>
+          <a:p>
+            <a:endParaRPr lang="zh-CN" altLang="en-US"/>
+          </a:p>
+          <a:p>
+            <a:r>
+              <a:rPr lang="zh-CN" altLang="en-US"/>
+              <a:t>setInterval("toggleSound()",1);</a:t>
+            </a:r>
+            <a:endParaRPr lang="zh-CN" altLang="en-US"/>
+          </a:p>
+        </p:txBody>
+      </p:sp>
+    </p:spTree>
+    <p:custDataLst>
+      <p:tags r:id="rId1"/>
+    </p:custDataLst>
+  </p:cSld>
+  <p:clrMapOvr>
+    <a:masterClrMapping/>
+  </p:clrMapOvr>
+</p:sld>
+</file>
+
+<file path=ppt/slides/slide2.xml><?xml version="1.0" encoding="utf-8"?>
+<p:sld xmlns:a="http://schemas.openxmlformats.org/drawingml/2006/main" xmlns:r="http://schemas.openxmlformats.org/officeDocument/2006/relationships" xmlns:p="http://schemas.openxmlformats.org/presentationml/2006/main">
+  <p:cSld>
+    <p:spTree>
+      <p:nvGrpSpPr>
+        <p:cNvPr id="1" name=""/>
+        <p:cNvGrpSpPr/>
+        <p:nvPr/>
+      </p:nvGrpSpPr>
+      <p:grpSpPr/>
+      <p:sp>
+        <p:nvSpPr>
+          <p:cNvPr id="4" name="标题 3"/>
+          <p:cNvSpPr>
+            <a:spLocks noGrp="1"/>
+          </p:cNvSpPr>
+          <p:nvPr>
+            <p:ph type="title"/>
+          </p:nvPr>
+        </p:nvSpPr>
+        <p:spPr/>
+        <p:txBody>
+          <a:bodyPr/>
+          <a:p>
+            <a:r>
+              <a:rPr lang="en-US" altLang="zh-CN"/>
+              <a:t>General</a:t>
+            </a:r>
+            <a:endParaRPr lang="en-US" altLang="zh-CN"/>
+          </a:p>
+        </p:txBody>
+      </p:sp>
+      <p:sp>
+        <p:nvSpPr>
+          <p:cNvPr id="5" name="文本占位符 4"/>
+          <p:cNvSpPr>
+            <a:spLocks noGrp="1"/>
+          </p:cNvSpPr>
+          <p:nvPr>
+            <p:ph type="body" idx="1"/>
+          </p:nvPr>
+        </p:nvSpPr>
+        <p:spPr/>
+        <p:txBody>
+          <a:bodyPr/>
+          <a:p>
+            <a:endParaRPr lang="zh-CN" altLang="en-US"/>
+          </a:p>
+        </p:txBody>
+      </p:sp>
+    </p:spTree>
+    <p:custDataLst>
+      <p:tags r:id="rId1"/>
+    </p:custDataLst>
+  </p:cSld>
+  <p:clrMapOvr>
+    <a:masterClrMapping/>
+  </p:clrMapOvr>
+</p:sld>
+</file>
+
+<file path=ppt/slides/slide20.xml><?xml version="1.0" encoding="utf-8"?>
 <p:sld xmlns:a="http://schemas.openxmlformats.org/drawingml/2006/main" xmlns:r="http://schemas.openxmlformats.org/officeDocument/2006/relationships" xmlns:p="http://schemas.openxmlformats.org/presentationml/2006/main">
   <p:cSld>
     <p:spTree>
@@ -4992,128 +5316,6 @@
 </p:sld>
 </file>
 
-<file path=ppt/slides/slide2.xml><?xml version="1.0" encoding="utf-8"?>
-<p:sld xmlns:a="http://schemas.openxmlformats.org/drawingml/2006/main" xmlns:r="http://schemas.openxmlformats.org/officeDocument/2006/relationships" xmlns:p="http://schemas.openxmlformats.org/presentationml/2006/main">
-  <p:cSld>
-    <p:spTree>
-      <p:nvGrpSpPr>
-        <p:cNvPr id="1" name=""/>
-        <p:cNvGrpSpPr/>
-        <p:nvPr/>
-      </p:nvGrpSpPr>
-      <p:grpSpPr/>
-      <p:sp>
-        <p:nvSpPr>
-          <p:cNvPr id="4" name="标题 3"/>
-          <p:cNvSpPr>
-            <a:spLocks noGrp="1"/>
-          </p:cNvSpPr>
-          <p:nvPr>
-            <p:ph type="title"/>
-          </p:nvPr>
-        </p:nvSpPr>
-        <p:spPr/>
-        <p:txBody>
-          <a:bodyPr/>
-          <a:p>
-            <a:r>
-              <a:rPr lang="en-US" altLang="zh-CN"/>
-              <a:t>General</a:t>
-            </a:r>
-            <a:endParaRPr lang="en-US" altLang="zh-CN"/>
-          </a:p>
-        </p:txBody>
-      </p:sp>
-      <p:sp>
-        <p:nvSpPr>
-          <p:cNvPr id="5" name="文本占位符 4"/>
-          <p:cNvSpPr>
-            <a:spLocks noGrp="1"/>
-          </p:cNvSpPr>
-          <p:nvPr>
-            <p:ph type="body" idx="1"/>
-          </p:nvPr>
-        </p:nvSpPr>
-        <p:spPr/>
-        <p:txBody>
-          <a:bodyPr/>
-          <a:p>
-            <a:endParaRPr lang="zh-CN" altLang="en-US"/>
-          </a:p>
-        </p:txBody>
-      </p:sp>
-    </p:spTree>
-    <p:custDataLst>
-      <p:tags r:id="rId1"/>
-    </p:custDataLst>
-  </p:cSld>
-  <p:clrMapOvr>
-    <a:masterClrMapping/>
-  </p:clrMapOvr>
-</p:sld>
-</file>
-
-<file path=ppt/slides/slide20.xml><?xml version="1.0" encoding="utf-8"?>
-<p:sld xmlns:a="http://schemas.openxmlformats.org/drawingml/2006/main" xmlns:r="http://schemas.openxmlformats.org/officeDocument/2006/relationships" xmlns:p="http://schemas.openxmlformats.org/presentationml/2006/main">
-  <p:cSld>
-    <p:spTree>
-      <p:nvGrpSpPr>
-        <p:cNvPr id="1" name=""/>
-        <p:cNvGrpSpPr/>
-        <p:nvPr/>
-      </p:nvGrpSpPr>
-      <p:grpSpPr/>
-      <p:sp>
-        <p:nvSpPr>
-          <p:cNvPr id="4" name="标题 3"/>
-          <p:cNvSpPr>
-            <a:spLocks noGrp="1"/>
-          </p:cNvSpPr>
-          <p:nvPr>
-            <p:ph type="title"/>
-          </p:nvPr>
-        </p:nvSpPr>
-        <p:spPr/>
-        <p:txBody>
-          <a:bodyPr/>
-          <a:p>
-            <a:r>
-              <a:rPr lang="en-US" altLang="zh-CN"/>
-              <a:t>Image Process</a:t>
-            </a:r>
-            <a:endParaRPr lang="en-US" altLang="zh-CN"/>
-          </a:p>
-        </p:txBody>
-      </p:sp>
-      <p:sp>
-        <p:nvSpPr>
-          <p:cNvPr id="5" name="文本占位符 4"/>
-          <p:cNvSpPr>
-            <a:spLocks noGrp="1"/>
-          </p:cNvSpPr>
-          <p:nvPr>
-            <p:ph type="body" idx="1"/>
-          </p:nvPr>
-        </p:nvSpPr>
-        <p:spPr/>
-        <p:txBody>
-          <a:bodyPr/>
-          <a:p>
-            <a:endParaRPr lang="zh-CN" altLang="en-US"/>
-          </a:p>
-        </p:txBody>
-      </p:sp>
-    </p:spTree>
-    <p:custDataLst>
-      <p:tags r:id="rId1"/>
-    </p:custDataLst>
-  </p:cSld>
-  <p:clrMapOvr>
-    <a:masterClrMapping/>
-  </p:clrMapOvr>
-</p:sld>
-</file>
-
 <file path=ppt/slides/slide21.xml><?xml version="1.0" encoding="utf-8"?>
 <p:sld xmlns:a="http://schemas.openxmlformats.org/drawingml/2006/main" xmlns:r="http://schemas.openxmlformats.org/officeDocument/2006/relationships" xmlns:p="http://schemas.openxmlformats.org/presentationml/2006/main">
   <p:cSld>
@@ -5140,7 +5342,7 @@
           <a:p>
             <a:r>
               <a:rPr lang="en-US" altLang="zh-CN"/>
-              <a:t>References</a:t>
+              <a:t>TTS</a:t>
             </a:r>
             <a:endParaRPr lang="en-US" altLang="zh-CN"/>
           </a:p>
@@ -5156,93 +5358,86 @@
             <p:ph idx="1"/>
           </p:nvPr>
         </p:nvSpPr>
-        <p:spPr/>
+        <p:spPr>
+          <a:xfrm>
+            <a:off x="838200" y="1211580"/>
+            <a:ext cx="6943725" cy="4549140"/>
+          </a:xfrm>
+        </p:spPr>
         <p:txBody>
           <a:bodyPr/>
           <a:p>
             <a:r>
               <a:rPr lang="en-US" altLang="zh-CN"/>
-              <a:t>References</a:t>
-            </a:r>
-            <a:endParaRPr lang="en-US" altLang="zh-CN"/>
-          </a:p>
-          <a:p>
-            <a:pPr lvl="1"/>
-            <a:r>
-              <a:rPr lang="en-US" altLang="zh-CN"/>
-              <a:t>https://webkid.io/blog/image-processing-in-javascript/</a:t>
-            </a:r>
-            <a:endParaRPr lang="en-US" altLang="zh-CN"/>
-          </a:p>
-          <a:p>
-            <a:pPr lvl="1"/>
-            <a:r>
-              <a:rPr lang="en-US" altLang="zh-CN"/>
-              <a:t>https://github.com/image-js/image-js</a:t>
-            </a:r>
-            <a:endParaRPr lang="en-US" altLang="zh-CN"/>
-          </a:p>
-          <a:p>
-            <a:pPr lvl="1"/>
-            <a:r>
-              <a:rPr lang="en-US" altLang="zh-CN"/>
-              <a:t>https://github.com/meltingice/CamanJS/</a:t>
-            </a:r>
-            <a:endParaRPr lang="en-US" altLang="zh-CN"/>
-          </a:p>
-          <a:p>
-            <a:pPr lvl="1"/>
-            <a:r>
-              <a:rPr lang="en-US" altLang="zh-CN"/>
-              <a:t>https://bashooka.com/coding/best-of-20-javascript-image-processing-plugins/</a:t>
-            </a:r>
-            <a:endParaRPr lang="en-US" altLang="zh-CN"/>
-          </a:p>
-          <a:p>
-            <a:pPr lvl="1"/>
-            <a:r>
-              <a:rPr lang="en-US" altLang="zh-CN"/>
-              <a:t>https://codegeekz.com/best-javascript-image-manipulation-libraries/</a:t>
-            </a:r>
-            <a:endParaRPr lang="en-US" altLang="zh-CN"/>
-          </a:p>
-          <a:p>
-            <a:pPr lvl="1"/>
-            <a:r>
-              <a:rPr lang="en-US" altLang="zh-CN"/>
-              <a:t>https://github.com/oliver-moran/jimp</a:t>
-            </a:r>
-            <a:endParaRPr lang="en-US" altLang="zh-CN"/>
-          </a:p>
-          <a:p>
-            <a:pPr lvl="1"/>
-            <a:r>
-              <a:rPr lang="en-US" altLang="zh-CN"/>
-              <a:t>https://sharp.pixelplumbing.com/</a:t>
-            </a:r>
-            <a:endParaRPr lang="en-US" altLang="zh-CN"/>
-          </a:p>
-          <a:p>
-            <a:pPr lvl="1"/>
-            <a:r>
-              <a:rPr lang="en-US" altLang="zh-CN"/>
-              <a:t>https://github.com/vanruesc/postprocessing</a:t>
-            </a:r>
-            <a:endParaRPr lang="en-US" altLang="zh-CN"/>
-          </a:p>
-          <a:p>
-            <a:pPr lvl="1"/>
-            <a:r>
-              <a:rPr lang="en-US" altLang="zh-CN"/>
-              <a:t>https://github.com/foo123/FILTER.js</a:t>
-            </a:r>
-            <a:endParaRPr lang="en-US" altLang="zh-CN"/>
-          </a:p>
-        </p:txBody>
-      </p:sp>
+              <a:t>Baidu</a:t>
+            </a:r>
+            <a:endParaRPr lang="en-US" altLang="zh-CN"/>
+          </a:p>
+          <a:p>
+            <a:pPr lvl="1"/>
+            <a:r>
+              <a:rPr lang="en-US" altLang="zh-CN"/>
+              <a:t>https://ai.baidu.com/tech/speech/tts</a:t>
+            </a:r>
+            <a:endParaRPr lang="en-US" altLang="zh-CN"/>
+          </a:p>
+          <a:p>
+            <a:pPr lvl="1"/>
+            <a:r>
+              <a:rPr lang="zh-CN" altLang="en-US"/>
+              <a:t>收费</a:t>
+            </a:r>
+            <a:endParaRPr lang="zh-CN" altLang="en-US"/>
+          </a:p>
+          <a:p>
+            <a:pPr lvl="2"/>
+            <a:r>
+              <a:rPr lang="zh-CN" altLang="en-US"/>
+              <a:t>精品音库免费QPS默认为2，如果您通过百度云的企业认证，精品音库在线API接口的免费QPS将扩充至5；</a:t>
+            </a:r>
+            <a:endParaRPr lang="zh-CN" altLang="en-US"/>
+          </a:p>
+          <a:p>
+            <a:pPr lvl="2"/>
+            <a:r>
+              <a:rPr lang="zh-CN" altLang="en-US"/>
+              <a:t>基础音库免费QPS默认为5，企业认证后基础音库在线API接口的免费QPS将扩充至100。</a:t>
+            </a:r>
+            <a:endParaRPr lang="zh-CN" altLang="en-US"/>
+          </a:p>
+        </p:txBody>
+      </p:sp>
+      <p:pic>
+        <p:nvPicPr>
+          <p:cNvPr id="4" name="图片 3"/>
+          <p:cNvPicPr>
+            <a:picLocks noChangeAspect="1"/>
+          </p:cNvPicPr>
+          <p:nvPr>
+            <p:custDataLst>
+              <p:tags r:id="rId1"/>
+            </p:custDataLst>
+          </p:nvPr>
+        </p:nvPicPr>
+        <p:blipFill>
+          <a:blip r:embed="rId2"/>
+          <a:stretch>
+            <a:fillRect/>
+          </a:stretch>
+        </p:blipFill>
+        <p:spPr>
+          <a:xfrm>
+            <a:off x="7945755" y="1211580"/>
+            <a:ext cx="3705225" cy="2981325"/>
+          </a:xfrm>
+          <a:prstGeom prst="rect">
+            <a:avLst/>
+          </a:prstGeom>
+        </p:spPr>
+      </p:pic>
     </p:spTree>
     <p:custDataLst>
-      <p:tags r:id="rId1"/>
+      <p:tags r:id="rId3"/>
     </p:custDataLst>
   </p:cSld>
   <p:clrMapOvr>
@@ -5263,7 +5458,7 @@
       <p:grpSpPr/>
       <p:sp>
         <p:nvSpPr>
-          <p:cNvPr id="2" name="标题 1"/>
+          <p:cNvPr id="4" name="标题 3"/>
           <p:cNvSpPr>
             <a:spLocks noGrp="1"/>
           </p:cNvSpPr>
@@ -5277,42 +5472,27 @@
           <a:p>
             <a:r>
               <a:rPr lang="en-US" altLang="zh-CN"/>
-              <a:t>List</a:t>
-            </a:r>
-            <a:endParaRPr lang="en-US" altLang="zh-CN"/>
-          </a:p>
-        </p:txBody>
-      </p:sp>
-      <p:sp>
-        <p:nvSpPr>
-          <p:cNvPr id="3" name="内容占位符 2"/>
-          <p:cNvSpPr>
-            <a:spLocks noGrp="1"/>
-          </p:cNvSpPr>
-          <p:nvPr>
-            <p:ph idx="1"/>
+              <a:t>Image Process</a:t>
+            </a:r>
+            <a:endParaRPr lang="en-US" altLang="zh-CN"/>
+          </a:p>
+        </p:txBody>
+      </p:sp>
+      <p:sp>
+        <p:nvSpPr>
+          <p:cNvPr id="5" name="文本占位符 4"/>
+          <p:cNvSpPr>
+            <a:spLocks noGrp="1"/>
+          </p:cNvSpPr>
+          <p:nvPr>
+            <p:ph type="body" idx="1"/>
           </p:nvPr>
         </p:nvSpPr>
         <p:spPr/>
         <p:txBody>
           <a:bodyPr/>
           <a:p>
-            <a:r>
-              <a:rPr lang="en-US" altLang="zh-CN"/>
-              <a:t>Sharp</a:t>
-            </a:r>
-            <a:endParaRPr lang="en-US" altLang="zh-CN"/>
-          </a:p>
-          <a:p>
-            <a:pPr lvl="1"/>
-            <a:r>
-              <a:rPr lang="en-US" altLang="zh-CN"/>
-              <a:t>https://github.com/lovell/sharp</a:t>
-            </a:r>
-            <a:endParaRPr lang="en-US" altLang="zh-CN"/>
-          </a:p>
-          <a:p>
-            <a:endParaRPr lang="en-US" altLang="zh-CN"/>
+            <a:endParaRPr lang="zh-CN" altLang="en-US"/>
           </a:p>
         </p:txBody>
       </p:sp>
@@ -5328,6 +5508,292 @@
 </file>
 
 <file path=ppt/slides/slide23.xml><?xml version="1.0" encoding="utf-8"?>
+<p:sld xmlns:a="http://schemas.openxmlformats.org/drawingml/2006/main" xmlns:r="http://schemas.openxmlformats.org/officeDocument/2006/relationships" xmlns:p="http://schemas.openxmlformats.org/presentationml/2006/main">
+  <p:cSld>
+    <p:spTree>
+      <p:nvGrpSpPr>
+        <p:cNvPr id="1" name=""/>
+        <p:cNvGrpSpPr/>
+        <p:nvPr/>
+      </p:nvGrpSpPr>
+      <p:grpSpPr/>
+      <p:sp>
+        <p:nvSpPr>
+          <p:cNvPr id="2" name="标题 1"/>
+          <p:cNvSpPr>
+            <a:spLocks noGrp="1"/>
+          </p:cNvSpPr>
+          <p:nvPr>
+            <p:ph type="title"/>
+          </p:nvPr>
+        </p:nvSpPr>
+        <p:spPr/>
+        <p:txBody>
+          <a:bodyPr/>
+          <a:p>
+            <a:r>
+              <a:rPr lang="en-US" altLang="zh-CN"/>
+              <a:t>References</a:t>
+            </a:r>
+            <a:endParaRPr lang="en-US" altLang="zh-CN"/>
+          </a:p>
+        </p:txBody>
+      </p:sp>
+      <p:sp>
+        <p:nvSpPr>
+          <p:cNvPr id="3" name="内容占位符 2"/>
+          <p:cNvSpPr>
+            <a:spLocks noGrp="1"/>
+          </p:cNvSpPr>
+          <p:nvPr>
+            <p:ph idx="1"/>
+          </p:nvPr>
+        </p:nvSpPr>
+        <p:spPr/>
+        <p:txBody>
+          <a:bodyPr/>
+          <a:p>
+            <a:r>
+              <a:rPr lang="en-US" altLang="zh-CN"/>
+              <a:t>References</a:t>
+            </a:r>
+            <a:endParaRPr lang="en-US" altLang="zh-CN"/>
+          </a:p>
+          <a:p>
+            <a:pPr lvl="1"/>
+            <a:r>
+              <a:rPr lang="en-US" altLang="zh-CN"/>
+              <a:t>https://webkid.io/blog/image-processing-in-javascript/</a:t>
+            </a:r>
+            <a:endParaRPr lang="en-US" altLang="zh-CN"/>
+          </a:p>
+          <a:p>
+            <a:pPr lvl="1"/>
+            <a:r>
+              <a:rPr lang="en-US" altLang="zh-CN"/>
+              <a:t>https://github.com/image-js/image-js</a:t>
+            </a:r>
+            <a:endParaRPr lang="en-US" altLang="zh-CN"/>
+          </a:p>
+          <a:p>
+            <a:pPr lvl="1"/>
+            <a:r>
+              <a:rPr lang="en-US" altLang="zh-CN"/>
+              <a:t>https://github.com/meltingice/CamanJS/</a:t>
+            </a:r>
+            <a:endParaRPr lang="en-US" altLang="zh-CN"/>
+          </a:p>
+          <a:p>
+            <a:pPr lvl="1"/>
+            <a:r>
+              <a:rPr lang="en-US" altLang="zh-CN"/>
+              <a:t>https://bashooka.com/coding/best-of-20-javascript-image-processing-plugins/</a:t>
+            </a:r>
+            <a:endParaRPr lang="en-US" altLang="zh-CN"/>
+          </a:p>
+          <a:p>
+            <a:pPr lvl="1"/>
+            <a:r>
+              <a:rPr lang="en-US" altLang="zh-CN"/>
+              <a:t>https://codegeekz.com/best-javascript-image-manipulation-libraries/</a:t>
+            </a:r>
+            <a:endParaRPr lang="en-US" altLang="zh-CN"/>
+          </a:p>
+          <a:p>
+            <a:pPr lvl="1"/>
+            <a:r>
+              <a:rPr lang="en-US" altLang="zh-CN"/>
+              <a:t>https://github.com/oliver-moran/jimp</a:t>
+            </a:r>
+            <a:endParaRPr lang="en-US" altLang="zh-CN"/>
+          </a:p>
+          <a:p>
+            <a:pPr lvl="1"/>
+            <a:r>
+              <a:rPr lang="en-US" altLang="zh-CN"/>
+              <a:t>https://sharp.pixelplumbing.com/</a:t>
+            </a:r>
+            <a:endParaRPr lang="en-US" altLang="zh-CN"/>
+          </a:p>
+          <a:p>
+            <a:pPr lvl="1"/>
+            <a:r>
+              <a:rPr lang="en-US" altLang="zh-CN"/>
+              <a:t>https://github.com/vanruesc/postprocessing</a:t>
+            </a:r>
+            <a:endParaRPr lang="en-US" altLang="zh-CN"/>
+          </a:p>
+          <a:p>
+            <a:pPr lvl="1"/>
+            <a:r>
+              <a:rPr lang="en-US" altLang="zh-CN"/>
+              <a:t>https://github.com/foo123/FILTER.js</a:t>
+            </a:r>
+            <a:endParaRPr lang="en-US" altLang="zh-CN"/>
+          </a:p>
+        </p:txBody>
+      </p:sp>
+    </p:spTree>
+    <p:custDataLst>
+      <p:tags r:id="rId1"/>
+    </p:custDataLst>
+  </p:cSld>
+  <p:clrMapOvr>
+    <a:masterClrMapping/>
+  </p:clrMapOvr>
+</p:sld>
+</file>
+
+<file path=ppt/slides/slide24.xml><?xml version="1.0" encoding="utf-8"?>
+<p:sld xmlns:a="http://schemas.openxmlformats.org/drawingml/2006/main" xmlns:r="http://schemas.openxmlformats.org/officeDocument/2006/relationships" xmlns:p="http://schemas.openxmlformats.org/presentationml/2006/main">
+  <p:cSld>
+    <p:spTree>
+      <p:nvGrpSpPr>
+        <p:cNvPr id="1" name=""/>
+        <p:cNvGrpSpPr/>
+        <p:nvPr/>
+      </p:nvGrpSpPr>
+      <p:grpSpPr/>
+      <p:sp>
+        <p:nvSpPr>
+          <p:cNvPr id="2" name="标题 1"/>
+          <p:cNvSpPr>
+            <a:spLocks noGrp="1"/>
+          </p:cNvSpPr>
+          <p:nvPr>
+            <p:ph type="title"/>
+          </p:nvPr>
+        </p:nvSpPr>
+        <p:spPr/>
+        <p:txBody>
+          <a:bodyPr/>
+          <a:p>
+            <a:r>
+              <a:rPr lang="en-US" altLang="zh-CN"/>
+              <a:t>Viewer</a:t>
+            </a:r>
+            <a:endParaRPr lang="en-US" altLang="zh-CN"/>
+          </a:p>
+        </p:txBody>
+      </p:sp>
+      <p:sp>
+        <p:nvSpPr>
+          <p:cNvPr id="3" name="内容占位符 2"/>
+          <p:cNvSpPr>
+            <a:spLocks noGrp="1"/>
+          </p:cNvSpPr>
+          <p:nvPr>
+            <p:ph idx="1"/>
+          </p:nvPr>
+        </p:nvSpPr>
+        <p:spPr/>
+        <p:txBody>
+          <a:bodyPr/>
+          <a:p>
+            <a:r>
+              <a:rPr lang="en-US" altLang="zh-CN"/>
+              <a:t>References</a:t>
+            </a:r>
+            <a:endParaRPr lang="en-US" altLang="zh-CN"/>
+          </a:p>
+          <a:p>
+            <a:pPr lvl="1"/>
+            <a:r>
+              <a:rPr lang="en-US" altLang="zh-CN"/>
+              <a:t>https://ourcodeworld.com/articles/read/54/top-10-gallery-and-photo-viewer-plugins-for-javascript-and-jquery</a:t>
+            </a:r>
+            <a:endParaRPr lang="en-US" altLang="zh-CN"/>
+          </a:p>
+        </p:txBody>
+      </p:sp>
+    </p:spTree>
+    <p:custDataLst>
+      <p:tags r:id="rId1"/>
+    </p:custDataLst>
+  </p:cSld>
+  <p:clrMapOvr>
+    <a:masterClrMapping/>
+  </p:clrMapOvr>
+</p:sld>
+</file>
+
+<file path=ppt/slides/slide25.xml><?xml version="1.0" encoding="utf-8"?>
+<p:sld xmlns:a="http://schemas.openxmlformats.org/drawingml/2006/main" xmlns:r="http://schemas.openxmlformats.org/officeDocument/2006/relationships" xmlns:p="http://schemas.openxmlformats.org/presentationml/2006/main">
+  <p:cSld>
+    <p:spTree>
+      <p:nvGrpSpPr>
+        <p:cNvPr id="1" name=""/>
+        <p:cNvGrpSpPr/>
+        <p:nvPr/>
+      </p:nvGrpSpPr>
+      <p:grpSpPr/>
+      <p:sp>
+        <p:nvSpPr>
+          <p:cNvPr id="2" name="标题 1"/>
+          <p:cNvSpPr>
+            <a:spLocks noGrp="1"/>
+          </p:cNvSpPr>
+          <p:nvPr>
+            <p:ph type="title"/>
+          </p:nvPr>
+        </p:nvSpPr>
+        <p:spPr/>
+        <p:txBody>
+          <a:bodyPr/>
+          <a:p>
+            <a:r>
+              <a:rPr lang="en-US" altLang="zh-CN"/>
+              <a:t>List</a:t>
+            </a:r>
+            <a:endParaRPr lang="en-US" altLang="zh-CN"/>
+          </a:p>
+        </p:txBody>
+      </p:sp>
+      <p:sp>
+        <p:nvSpPr>
+          <p:cNvPr id="3" name="内容占位符 2"/>
+          <p:cNvSpPr>
+            <a:spLocks noGrp="1"/>
+          </p:cNvSpPr>
+          <p:nvPr>
+            <p:ph idx="1"/>
+          </p:nvPr>
+        </p:nvSpPr>
+        <p:spPr/>
+        <p:txBody>
+          <a:bodyPr/>
+          <a:p>
+            <a:r>
+              <a:rPr lang="en-US" altLang="zh-CN"/>
+              <a:t>Sharp</a:t>
+            </a:r>
+            <a:endParaRPr lang="en-US" altLang="zh-CN"/>
+          </a:p>
+          <a:p>
+            <a:pPr lvl="1"/>
+            <a:r>
+              <a:rPr lang="en-US" altLang="zh-CN"/>
+              <a:t>https://github.com/lovell/sharp</a:t>
+            </a:r>
+            <a:endParaRPr lang="en-US" altLang="zh-CN"/>
+          </a:p>
+          <a:p>
+            <a:endParaRPr lang="en-US" altLang="zh-CN"/>
+          </a:p>
+        </p:txBody>
+      </p:sp>
+    </p:spTree>
+    <p:custDataLst>
+      <p:tags r:id="rId1"/>
+    </p:custDataLst>
+  </p:cSld>
+  <p:clrMapOvr>
+    <a:masterClrMapping/>
+  </p:clrMapOvr>
+</p:sld>
+</file>
+
+<file path=ppt/slides/slide26.xml><?xml version="1.0" encoding="utf-8"?>
 <p:sld xmlns:a="http://schemas.openxmlformats.org/drawingml/2006/main" xmlns:r="http://schemas.openxmlformats.org/officeDocument/2006/relationships" xmlns:p="http://schemas.openxmlformats.org/presentationml/2006/main">
   <p:cSld>
     <p:spTree>
@@ -5422,298 +5888,6 @@
 </p:sld>
 </file>
 
-<file path=ppt/slides/slide24.xml><?xml version="1.0" encoding="utf-8"?>
-<p:sld xmlns:a="http://schemas.openxmlformats.org/drawingml/2006/main" xmlns:r="http://schemas.openxmlformats.org/officeDocument/2006/relationships" xmlns:p="http://schemas.openxmlformats.org/presentationml/2006/main">
-  <p:cSld>
-    <p:spTree>
-      <p:nvGrpSpPr>
-        <p:cNvPr id="1" name=""/>
-        <p:cNvGrpSpPr/>
-        <p:nvPr/>
-      </p:nvGrpSpPr>
-      <p:grpSpPr/>
-      <p:sp>
-        <p:nvSpPr>
-          <p:cNvPr id="2" name="标题 1"/>
-          <p:cNvSpPr>
-            <a:spLocks noGrp="1"/>
-          </p:cNvSpPr>
-          <p:nvPr>
-            <p:ph type="title"/>
-          </p:nvPr>
-        </p:nvSpPr>
-        <p:spPr/>
-        <p:txBody>
-          <a:bodyPr/>
-          <a:p>
-            <a:r>
-              <a:rPr lang="en-US" altLang="zh-CN"/>
-              <a:t>SVG</a:t>
-            </a:r>
-            <a:endParaRPr lang="en-US" altLang="zh-CN"/>
-          </a:p>
-        </p:txBody>
-      </p:sp>
-      <p:sp>
-        <p:nvSpPr>
-          <p:cNvPr id="3" name="内容占位符 2"/>
-          <p:cNvSpPr>
-            <a:spLocks noGrp="1"/>
-          </p:cNvSpPr>
-          <p:nvPr>
-            <p:ph idx="1"/>
-          </p:nvPr>
-        </p:nvSpPr>
-        <p:spPr/>
-        <p:txBody>
-          <a:bodyPr/>
-          <a:p>
-            <a:r>
-              <a:rPr lang="en-US" altLang="zh-CN"/>
-              <a:t>References</a:t>
-            </a:r>
-            <a:endParaRPr lang="en-US" altLang="zh-CN"/>
-          </a:p>
-          <a:p>
-            <a:pPr lvl="1"/>
-            <a:r>
-              <a:rPr lang="en-US" altLang="zh-CN"/>
-              <a:t>https://github.com/svgdotjs</a:t>
-            </a:r>
-            <a:endParaRPr lang="en-US" altLang="zh-CN"/>
-          </a:p>
-          <a:p>
-            <a:pPr lvl="1"/>
-            <a:r>
-              <a:rPr lang="en-US" altLang="zh-CN"/>
-              <a:t>https://svgjs.com/</a:t>
-            </a:r>
-            <a:endParaRPr lang="en-US" altLang="zh-CN"/>
-          </a:p>
-        </p:txBody>
-      </p:sp>
-    </p:spTree>
-    <p:custDataLst>
-      <p:tags r:id="rId1"/>
-    </p:custDataLst>
-  </p:cSld>
-  <p:clrMapOvr>
-    <a:masterClrMapping/>
-  </p:clrMapOvr>
-</p:sld>
-</file>
-
-<file path=ppt/slides/slide25.xml><?xml version="1.0" encoding="utf-8"?>
-<p:sld xmlns:a="http://schemas.openxmlformats.org/drawingml/2006/main" xmlns:r="http://schemas.openxmlformats.org/officeDocument/2006/relationships" xmlns:p="http://schemas.openxmlformats.org/presentationml/2006/main">
-  <p:cSld>
-    <p:spTree>
-      <p:nvGrpSpPr>
-        <p:cNvPr id="1" name=""/>
-        <p:cNvGrpSpPr/>
-        <p:nvPr/>
-      </p:nvGrpSpPr>
-      <p:grpSpPr/>
-      <p:sp>
-        <p:nvSpPr>
-          <p:cNvPr id="2" name="标题 1"/>
-          <p:cNvSpPr>
-            <a:spLocks noGrp="1"/>
-          </p:cNvSpPr>
-          <p:nvPr>
-            <p:ph type="title"/>
-          </p:nvPr>
-        </p:nvSpPr>
-        <p:spPr/>
-        <p:txBody>
-          <a:bodyPr/>
-          <a:p>
-            <a:r>
-              <a:rPr lang="en-US" altLang="zh-CN"/>
-              <a:t>Canvas</a:t>
-            </a:r>
-            <a:endParaRPr lang="en-US" altLang="zh-CN"/>
-          </a:p>
-        </p:txBody>
-      </p:sp>
-      <p:sp>
-        <p:nvSpPr>
-          <p:cNvPr id="3" name="内容占位符 2"/>
-          <p:cNvSpPr>
-            <a:spLocks noGrp="1"/>
-          </p:cNvSpPr>
-          <p:nvPr>
-            <p:ph idx="1"/>
-          </p:nvPr>
-        </p:nvSpPr>
-        <p:spPr>
-          <a:xfrm>
-            <a:off x="838200" y="1211580"/>
-            <a:ext cx="3970655" cy="4549140"/>
-          </a:xfrm>
-          <a:ln>
-            <a:solidFill>
-              <a:srgbClr val="FFC000"/>
-            </a:solidFill>
-          </a:ln>
-        </p:spPr>
-        <p:txBody>
-          <a:bodyPr/>
-          <a:p>
-            <a:pPr marL="0" indent="0">
-              <a:buNone/>
-            </a:pPr>
-            <a:r>
-              <a:rPr lang="en-US" altLang="zh-CN" sz="1800"/>
-              <a:t>HTMLCanvasElement</a:t>
-            </a:r>
-            <a:endParaRPr lang="en-US" altLang="zh-CN" sz="1800"/>
-          </a:p>
-          <a:p>
-            <a:pPr marL="0" lvl="0" indent="0">
-              <a:buNone/>
-            </a:pPr>
-            <a:r>
-              <a:rPr lang="en-US" altLang="zh-CN" sz="1800"/>
-              <a:t>&lt;canvas&gt;</a:t>
-            </a:r>
-            <a:endParaRPr lang="en-US" altLang="zh-CN" sz="1800"/>
-          </a:p>
-          <a:p>
-            <a:pPr marL="0" lvl="0" indent="0">
-              <a:buNone/>
-            </a:pPr>
-            <a:r>
-              <a:rPr lang="en-US" altLang="zh-CN" sz="1800"/>
-              <a:t>Properties: </a:t>
-            </a:r>
-            <a:endParaRPr lang="en-US" altLang="zh-CN" sz="1800"/>
-          </a:p>
-          <a:p>
-            <a:pPr marL="0" lvl="0" indent="0">
-              <a:buNone/>
-            </a:pPr>
-            <a:r>
-              <a:rPr lang="en-US" altLang="zh-CN" sz="1800"/>
-              <a:t>	width</a:t>
-            </a:r>
-            <a:endParaRPr lang="en-US" altLang="zh-CN" sz="1800"/>
-          </a:p>
-          <a:p>
-            <a:pPr marL="0" lvl="0" indent="0">
-              <a:buNone/>
-            </a:pPr>
-            <a:r>
-              <a:rPr lang="en-US" altLang="zh-CN" sz="1800"/>
-              <a:t>	height</a:t>
-            </a:r>
-            <a:endParaRPr lang="en-US" altLang="zh-CN" sz="1800"/>
-          </a:p>
-          <a:p>
-            <a:pPr marL="0" lvl="0" indent="0">
-              <a:buNone/>
-            </a:pPr>
-            <a:r>
-              <a:rPr lang="en-US" altLang="zh-CN" sz="1800"/>
-              <a:t>Methods: </a:t>
-            </a:r>
-            <a:endParaRPr lang="en-US" altLang="zh-CN" sz="1800"/>
-          </a:p>
-          <a:p>
-            <a:pPr lvl="0">
-              <a:buFont typeface="Arial" panose="020B0604020202020204" pitchFamily="34" charset="0"/>
-              <a:buChar char="•"/>
-            </a:pPr>
-            <a:r>
-              <a:rPr lang="en-US" altLang="zh-CN" sz="1800"/>
-              <a:t>getContext()</a:t>
-            </a:r>
-            <a:endParaRPr lang="en-US" altLang="zh-CN" sz="1800"/>
-          </a:p>
-          <a:p>
-            <a:pPr lvl="0">
-              <a:buFont typeface="Arial" panose="020B0604020202020204" pitchFamily="34" charset="0"/>
-              <a:buChar char="•"/>
-            </a:pPr>
-            <a:r>
-              <a:rPr lang="en-US" altLang="zh-CN" sz="1800"/>
-              <a:t>toDataURL()</a:t>
-            </a:r>
-            <a:endParaRPr lang="en-US" altLang="zh-CN" sz="1800"/>
-          </a:p>
-        </p:txBody>
-      </p:sp>
-    </p:spTree>
-    <p:custDataLst>
-      <p:tags r:id="rId1"/>
-    </p:custDataLst>
-  </p:cSld>
-  <p:clrMapOvr>
-    <a:masterClrMapping/>
-  </p:clrMapOvr>
-</p:sld>
-</file>
-
-<file path=ppt/slides/slide26.xml><?xml version="1.0" encoding="utf-8"?>
-<p:sld xmlns:a="http://schemas.openxmlformats.org/drawingml/2006/main" xmlns:r="http://schemas.openxmlformats.org/officeDocument/2006/relationships" xmlns:p="http://schemas.openxmlformats.org/presentationml/2006/main">
-  <p:cSld>
-    <p:spTree>
-      <p:nvGrpSpPr>
-        <p:cNvPr id="1" name=""/>
-        <p:cNvGrpSpPr/>
-        <p:nvPr/>
-      </p:nvGrpSpPr>
-      <p:grpSpPr/>
-      <p:sp>
-        <p:nvSpPr>
-          <p:cNvPr id="4" name="标题 3"/>
-          <p:cNvSpPr>
-            <a:spLocks noGrp="1"/>
-          </p:cNvSpPr>
-          <p:nvPr>
-            <p:ph type="title"/>
-          </p:nvPr>
-        </p:nvSpPr>
-        <p:spPr/>
-        <p:txBody>
-          <a:bodyPr/>
-          <a:p>
-            <a:r>
-              <a:rPr lang="en-US" altLang="zh-CN"/>
-              <a:t>3D</a:t>
-            </a:r>
-            <a:endParaRPr lang="en-US" altLang="zh-CN"/>
-          </a:p>
-        </p:txBody>
-      </p:sp>
-      <p:sp>
-        <p:nvSpPr>
-          <p:cNvPr id="5" name="文本占位符 4"/>
-          <p:cNvSpPr>
-            <a:spLocks noGrp="1"/>
-          </p:cNvSpPr>
-          <p:nvPr>
-            <p:ph type="body" idx="1"/>
-          </p:nvPr>
-        </p:nvSpPr>
-        <p:spPr/>
-        <p:txBody>
-          <a:bodyPr/>
-          <a:p>
-            <a:endParaRPr lang="zh-CN" altLang="en-US"/>
-          </a:p>
-        </p:txBody>
-      </p:sp>
-    </p:spTree>
-    <p:custDataLst>
-      <p:tags r:id="rId1"/>
-    </p:custDataLst>
-  </p:cSld>
-  <p:clrMapOvr>
-    <a:masterClrMapping/>
-  </p:clrMapOvr>
-</p:sld>
-</file>
-
 <file path=ppt/slides/slide27.xml><?xml version="1.0" encoding="utf-8"?>
 <p:sld xmlns:a="http://schemas.openxmlformats.org/drawingml/2006/main" xmlns:r="http://schemas.openxmlformats.org/officeDocument/2006/relationships" xmlns:p="http://schemas.openxmlformats.org/presentationml/2006/main">
   <p:cSld>
@@ -5726,7 +5900,7 @@
       <p:grpSpPr/>
       <p:sp>
         <p:nvSpPr>
-          <p:cNvPr id="4" name="标题 3"/>
+          <p:cNvPr id="2" name="标题 1"/>
           <p:cNvSpPr>
             <a:spLocks noGrp="1"/>
           </p:cNvSpPr>
@@ -5740,15 +5914,15 @@
           <a:p>
             <a:r>
               <a:rPr lang="en-US" altLang="zh-CN"/>
-              <a:t>Overview</a:t>
-            </a:r>
-            <a:endParaRPr lang="en-US" altLang="zh-CN"/>
-          </a:p>
-        </p:txBody>
-      </p:sp>
-      <p:sp>
-        <p:nvSpPr>
-          <p:cNvPr id="5" name="内容占位符 4"/>
+              <a:t>SVG</a:t>
+            </a:r>
+            <a:endParaRPr lang="en-US" altLang="zh-CN"/>
+          </a:p>
+        </p:txBody>
+      </p:sp>
+      <p:sp>
+        <p:nvSpPr>
+          <p:cNvPr id="3" name="内容占位符 2"/>
           <p:cNvSpPr>
             <a:spLocks noGrp="1"/>
           </p:cNvSpPr>
@@ -5758,121 +5932,27 @@
         </p:nvSpPr>
         <p:spPr/>
         <p:txBody>
-          <a:bodyPr>
-            <a:normAutofit lnSpcReduction="10000"/>
-          </a:bodyPr>
-          <a:p>
-            <a:r>
-              <a:rPr lang="en-US" altLang="zh-CN"/>
-              <a:t>General framework</a:t>
-            </a:r>
-            <a:endParaRPr lang="en-US" altLang="zh-CN"/>
-          </a:p>
-          <a:p>
-            <a:pPr lvl="1"/>
-            <a:r>
-              <a:rPr lang="en-US" altLang="zh-CN"/>
-              <a:t>Three.js</a:t>
-            </a:r>
-            <a:endParaRPr lang="en-US" altLang="zh-CN"/>
-          </a:p>
-          <a:p>
-            <a:pPr lvl="1"/>
-            <a:r>
-              <a:rPr lang="en-US" altLang="zh-CN"/>
-              <a:t>A-F</a:t>
-            </a:r>
-            <a:r>
-              <a:rPr lang="en-US" altLang="zh-CN"/>
-              <a:t>rame</a:t>
-            </a:r>
-            <a:endParaRPr lang="en-US" altLang="zh-CN"/>
-          </a:p>
-          <a:p>
-            <a:pPr lvl="2"/>
-            <a:r>
-              <a:rPr lang="en-US" altLang="zh-CN"/>
-              <a:t>https://aframe.io/</a:t>
-            </a:r>
-            <a:endParaRPr lang="en-US" altLang="zh-CN"/>
-          </a:p>
-          <a:p>
-            <a:pPr lvl="2"/>
-            <a:r>
-              <a:rPr lang="en-US" altLang="zh-CN"/>
-              <a:t>https://github.com/aframevr/aframe</a:t>
-            </a:r>
-            <a:endParaRPr lang="en-US" altLang="zh-CN"/>
-          </a:p>
-          <a:p>
-            <a:pPr lvl="1"/>
-            <a:r>
-              <a:rPr lang="en-US" altLang="zh-CN"/>
-              <a:t>PlayCanvas</a:t>
-            </a:r>
-            <a:endParaRPr lang="en-US" altLang="zh-CN"/>
-          </a:p>
-          <a:p>
-            <a:pPr lvl="2"/>
-            <a:r>
-              <a:rPr lang="en-US" altLang="zh-CN"/>
-              <a:t>https://playcanvas.com/</a:t>
-            </a:r>
-            <a:endParaRPr lang="en-US" altLang="zh-CN"/>
-          </a:p>
-          <a:p>
-            <a:pPr lvl="2"/>
-            <a:r>
-              <a:rPr lang="en-US" altLang="zh-CN"/>
-              <a:t>https://github.com/playcanvas/engine</a:t>
-            </a:r>
-            <a:endParaRPr lang="en-US" altLang="zh-CN"/>
-          </a:p>
-          <a:p>
-            <a:pPr lvl="1"/>
-            <a:r>
-              <a:rPr lang="en-US" altLang="zh-CN" sz="2000"/>
-              <a:t>Babylon.js</a:t>
-            </a:r>
-            <a:endParaRPr lang="en-US" altLang="zh-CN" sz="2000"/>
-          </a:p>
-          <a:p>
-            <a:pPr lvl="2"/>
-            <a:r>
-              <a:rPr lang="en-US" altLang="zh-CN"/>
-              <a:t>http://www.babylonjs.com/</a:t>
-            </a:r>
-            <a:endParaRPr lang="en-US" altLang="zh-CN"/>
-          </a:p>
-          <a:p>
-            <a:pPr lvl="0"/>
-            <a:r>
-              <a:rPr lang="en-US" altLang="zh-CN"/>
-              <a:t>3D Model View</a:t>
-            </a:r>
-            <a:endParaRPr lang="en-US" altLang="zh-CN"/>
-          </a:p>
-          <a:p>
-            <a:pPr lvl="1"/>
-            <a:r>
-              <a:rPr lang="en-US" altLang="zh-CN" sz="2000"/>
-              <a:t>Google ModelViewer</a:t>
-            </a:r>
-            <a:endParaRPr lang="en-US" altLang="zh-CN" sz="2000"/>
-          </a:p>
-          <a:p>
-            <a:pPr lvl="2"/>
-            <a:r>
-              <a:rPr lang="en-US" altLang="zh-CN"/>
-              <a:t>https://modelviewer.dev/</a:t>
-            </a:r>
-            <a:endParaRPr lang="en-US" altLang="zh-CN"/>
-          </a:p>
-          <a:p>
-            <a:pPr lvl="0"/>
-            <a:r>
-              <a:rPr lang="en-US" altLang="zh-CN"/>
-              <a:t>https://manu.ninja/25-real-world-applications-using-webgl</a:t>
+          <a:bodyPr/>
+          <a:p>
+            <a:r>
+              <a:rPr lang="en-US" altLang="zh-CN"/>
+              <a:t>References</a:t>
+            </a:r>
+            <a:endParaRPr lang="en-US" altLang="zh-CN"/>
+          </a:p>
+          <a:p>
+            <a:pPr lvl="1"/>
+            <a:r>
+              <a:rPr lang="en-US" altLang="zh-CN"/>
+              <a:t>https://github.com/svgdotjs</a:t>
+            </a:r>
+            <a:endParaRPr lang="en-US" altLang="zh-CN"/>
+          </a:p>
+          <a:p>
+            <a:pPr lvl="1"/>
+            <a:r>
+              <a:rPr lang="en-US" altLang="zh-CN"/>
+              <a:t>https://svgjs.com/</a:t>
             </a:r>
             <a:endParaRPr lang="en-US" altLang="zh-CN"/>
           </a:p>
@@ -5890,6 +5970,1380 @@
 </file>
 
 <file path=ppt/slides/slide28.xml><?xml version="1.0" encoding="utf-8"?>
+<p:sld xmlns:a="http://schemas.openxmlformats.org/drawingml/2006/main" xmlns:r="http://schemas.openxmlformats.org/officeDocument/2006/relationships" xmlns:p="http://schemas.openxmlformats.org/presentationml/2006/main">
+  <p:cSld>
+    <p:spTree>
+      <p:nvGrpSpPr>
+        <p:cNvPr id="1" name=""/>
+        <p:cNvGrpSpPr/>
+        <p:nvPr/>
+      </p:nvGrpSpPr>
+      <p:grpSpPr/>
+      <p:sp>
+        <p:nvSpPr>
+          <p:cNvPr id="2" name="标题 1"/>
+          <p:cNvSpPr>
+            <a:spLocks noGrp="1"/>
+          </p:cNvSpPr>
+          <p:nvPr>
+            <p:ph type="title"/>
+          </p:nvPr>
+        </p:nvSpPr>
+        <p:spPr/>
+        <p:txBody>
+          <a:bodyPr/>
+          <a:p>
+            <a:r>
+              <a:rPr lang="en-US" altLang="zh-CN"/>
+              <a:t>Canvas</a:t>
+            </a:r>
+            <a:endParaRPr lang="en-US" altLang="zh-CN"/>
+          </a:p>
+        </p:txBody>
+      </p:sp>
+      <p:sp>
+        <p:nvSpPr>
+          <p:cNvPr id="3" name="内容占位符 2"/>
+          <p:cNvSpPr>
+            <a:spLocks noGrp="1"/>
+          </p:cNvSpPr>
+          <p:nvPr>
+            <p:ph idx="1"/>
+          </p:nvPr>
+        </p:nvSpPr>
+        <p:spPr>
+          <a:xfrm>
+            <a:off x="838200" y="1211580"/>
+            <a:ext cx="3970655" cy="4549140"/>
+          </a:xfrm>
+          <a:ln>
+            <a:solidFill>
+              <a:srgbClr val="FFC000"/>
+            </a:solidFill>
+          </a:ln>
+        </p:spPr>
+        <p:txBody>
+          <a:bodyPr/>
+          <a:p>
+            <a:pPr marL="0" indent="0">
+              <a:buNone/>
+            </a:pPr>
+            <a:r>
+              <a:rPr lang="en-US" altLang="zh-CN" sz="1800"/>
+              <a:t>HTMLCanvasElement</a:t>
+            </a:r>
+            <a:endParaRPr lang="en-US" altLang="zh-CN" sz="1800"/>
+          </a:p>
+          <a:p>
+            <a:pPr marL="0" lvl="0" indent="0">
+              <a:buNone/>
+            </a:pPr>
+            <a:r>
+              <a:rPr lang="en-US" altLang="zh-CN" sz="1800"/>
+              <a:t>&lt;canvas&gt;</a:t>
+            </a:r>
+            <a:endParaRPr lang="en-US" altLang="zh-CN" sz="1800"/>
+          </a:p>
+          <a:p>
+            <a:pPr marL="0" lvl="0" indent="0">
+              <a:buNone/>
+            </a:pPr>
+            <a:r>
+              <a:rPr lang="en-US" altLang="zh-CN" sz="1800"/>
+              <a:t>Properties: </a:t>
+            </a:r>
+            <a:endParaRPr lang="en-US" altLang="zh-CN" sz="1800"/>
+          </a:p>
+          <a:p>
+            <a:pPr marL="0" lvl="0" indent="0">
+              <a:buNone/>
+            </a:pPr>
+            <a:r>
+              <a:rPr lang="en-US" altLang="zh-CN" sz="1800"/>
+              <a:t>	width</a:t>
+            </a:r>
+            <a:endParaRPr lang="en-US" altLang="zh-CN" sz="1800"/>
+          </a:p>
+          <a:p>
+            <a:pPr marL="0" lvl="0" indent="0">
+              <a:buNone/>
+            </a:pPr>
+            <a:r>
+              <a:rPr lang="en-US" altLang="zh-CN" sz="1800"/>
+              <a:t>	height</a:t>
+            </a:r>
+            <a:endParaRPr lang="en-US" altLang="zh-CN" sz="1800"/>
+          </a:p>
+          <a:p>
+            <a:pPr marL="0" lvl="0" indent="0">
+              <a:buNone/>
+            </a:pPr>
+            <a:r>
+              <a:rPr lang="en-US" altLang="zh-CN" sz="1800"/>
+              <a:t>Methods: </a:t>
+            </a:r>
+            <a:endParaRPr lang="en-US" altLang="zh-CN" sz="1800"/>
+          </a:p>
+          <a:p>
+            <a:pPr lvl="0">
+              <a:buFont typeface="Arial" panose="020B0604020202020204" pitchFamily="34" charset="0"/>
+              <a:buChar char="•"/>
+            </a:pPr>
+            <a:r>
+              <a:rPr lang="en-US" altLang="zh-CN" sz="1800"/>
+              <a:t>getContext()</a:t>
+            </a:r>
+            <a:endParaRPr lang="en-US" altLang="zh-CN" sz="1800"/>
+          </a:p>
+          <a:p>
+            <a:pPr lvl="0">
+              <a:buFont typeface="Arial" panose="020B0604020202020204" pitchFamily="34" charset="0"/>
+              <a:buChar char="•"/>
+            </a:pPr>
+            <a:r>
+              <a:rPr lang="en-US" altLang="zh-CN" sz="1800"/>
+              <a:t>toDataURL()</a:t>
+            </a:r>
+            <a:endParaRPr lang="en-US" altLang="zh-CN" sz="1800"/>
+          </a:p>
+        </p:txBody>
+      </p:sp>
+    </p:spTree>
+    <p:custDataLst>
+      <p:tags r:id="rId1"/>
+    </p:custDataLst>
+  </p:cSld>
+  <p:clrMapOvr>
+    <a:masterClrMapping/>
+  </p:clrMapOvr>
+</p:sld>
+</file>
+
+<file path=ppt/slides/slide29.xml><?xml version="1.0" encoding="utf-8"?>
+<p:sld xmlns:a="http://schemas.openxmlformats.org/drawingml/2006/main" xmlns:r="http://schemas.openxmlformats.org/officeDocument/2006/relationships" xmlns:p="http://schemas.openxmlformats.org/presentationml/2006/main">
+  <p:cSld>
+    <p:spTree>
+      <p:nvGrpSpPr>
+        <p:cNvPr id="1" name=""/>
+        <p:cNvGrpSpPr/>
+        <p:nvPr/>
+      </p:nvGrpSpPr>
+      <p:grpSpPr/>
+      <p:sp>
+        <p:nvSpPr>
+          <p:cNvPr id="2" name="标题 1"/>
+          <p:cNvSpPr>
+            <a:spLocks noGrp="1"/>
+          </p:cNvSpPr>
+          <p:nvPr>
+            <p:ph type="title"/>
+          </p:nvPr>
+        </p:nvSpPr>
+        <p:spPr/>
+        <p:txBody>
+          <a:bodyPr/>
+          <a:p>
+            <a:r>
+              <a:rPr lang="en-US" altLang="zh-CN"/>
+              <a:t>Draw2D</a:t>
+            </a:r>
+            <a:endParaRPr lang="en-US" altLang="zh-CN"/>
+          </a:p>
+        </p:txBody>
+      </p:sp>
+      <p:sp>
+        <p:nvSpPr>
+          <p:cNvPr id="3" name="内容占位符 2"/>
+          <p:cNvSpPr>
+            <a:spLocks noGrp="1"/>
+          </p:cNvSpPr>
+          <p:nvPr>
+            <p:ph idx="1"/>
+          </p:nvPr>
+        </p:nvSpPr>
+        <p:spPr>
+          <a:xfrm>
+            <a:off x="838200" y="1211580"/>
+            <a:ext cx="6172835" cy="4549140"/>
+          </a:xfrm>
+        </p:spPr>
+        <p:txBody>
+          <a:bodyPr/>
+          <a:p>
+            <a:r>
+              <a:rPr lang="en-US" altLang="zh-CN"/>
+              <a:t>References</a:t>
+            </a:r>
+            <a:endParaRPr lang="en-US" altLang="zh-CN"/>
+          </a:p>
+          <a:p>
+            <a:pPr lvl="1"/>
+            <a:r>
+              <a:rPr lang="en-US" altLang="zh-CN"/>
+              <a:t>https://github.com/freegroup/draw2d</a:t>
+            </a:r>
+            <a:endParaRPr lang="en-US" altLang="zh-CN"/>
+          </a:p>
+          <a:p>
+            <a:pPr lvl="1"/>
+            <a:r>
+              <a:rPr lang="en-US" altLang="zh-CN"/>
+              <a:t>http://www.draw2d.org/draw2d/</a:t>
+            </a:r>
+            <a:endParaRPr lang="en-US" altLang="zh-CN"/>
+          </a:p>
+          <a:p>
+            <a:pPr lvl="1"/>
+            <a:r>
+              <a:rPr lang="en-US" altLang="zh-CN"/>
+              <a:t>https://github.com/freegroup/draw2d.git</a:t>
+            </a:r>
+            <a:endParaRPr lang="en-US" altLang="zh-CN"/>
+          </a:p>
+        </p:txBody>
+      </p:sp>
+      <p:sp>
+        <p:nvSpPr>
+          <p:cNvPr id="4" name="矩形 3"/>
+          <p:cNvSpPr/>
+          <p:nvPr/>
+        </p:nvSpPr>
+        <p:spPr>
+          <a:xfrm>
+            <a:off x="7680325" y="4821555"/>
+            <a:ext cx="1304290" cy="662305"/>
+          </a:xfrm>
+          <a:prstGeom prst="rect">
+            <a:avLst/>
+          </a:prstGeom>
+        </p:spPr>
+        <p:style>
+          <a:lnRef idx="2">
+            <a:schemeClr val="accent1">
+              <a:shade val="50000"/>
+            </a:schemeClr>
+          </a:lnRef>
+          <a:fillRef idx="1">
+            <a:schemeClr val="accent1"/>
+          </a:fillRef>
+          <a:effectRef idx="0">
+            <a:schemeClr val="accent1"/>
+          </a:effectRef>
+          <a:fontRef idx="minor">
+            <a:schemeClr val="lt1"/>
+          </a:fontRef>
+        </p:style>
+        <p:txBody>
+          <a:bodyPr rtlCol="0" anchor="ctr"/>
+          <a:p>
+            <a:pPr algn="ctr"/>
+            <a:r>
+              <a:rPr lang="en-US" altLang="zh-CN"/>
+              <a:t>Port</a:t>
+            </a:r>
+            <a:endParaRPr lang="en-US" altLang="zh-CN"/>
+          </a:p>
+        </p:txBody>
+      </p:sp>
+      <p:sp>
+        <p:nvSpPr>
+          <p:cNvPr id="5" name="矩形 4"/>
+          <p:cNvSpPr/>
+          <p:nvPr/>
+        </p:nvSpPr>
+        <p:spPr>
+          <a:xfrm>
+            <a:off x="6141720" y="5685155"/>
+            <a:ext cx="1304290" cy="662305"/>
+          </a:xfrm>
+          <a:prstGeom prst="rect">
+            <a:avLst/>
+          </a:prstGeom>
+        </p:spPr>
+        <p:style>
+          <a:lnRef idx="2">
+            <a:schemeClr val="accent1">
+              <a:shade val="50000"/>
+            </a:schemeClr>
+          </a:lnRef>
+          <a:fillRef idx="1">
+            <a:schemeClr val="accent1"/>
+          </a:fillRef>
+          <a:effectRef idx="0">
+            <a:schemeClr val="accent1"/>
+          </a:effectRef>
+          <a:fontRef idx="minor">
+            <a:schemeClr val="lt1"/>
+          </a:fontRef>
+        </p:style>
+        <p:txBody>
+          <a:bodyPr rtlCol="0" anchor="ctr"/>
+          <a:p>
+            <a:pPr algn="ctr"/>
+            <a:r>
+              <a:rPr lang="en-US" altLang="zh-CN"/>
+              <a:t>Input</a:t>
+            </a:r>
+            <a:r>
+              <a:rPr lang="en-US" altLang="zh-CN"/>
+              <a:t>Port</a:t>
+            </a:r>
+            <a:endParaRPr lang="en-US" altLang="zh-CN"/>
+          </a:p>
+        </p:txBody>
+      </p:sp>
+      <p:sp>
+        <p:nvSpPr>
+          <p:cNvPr id="6" name="矩形 5"/>
+          <p:cNvSpPr/>
+          <p:nvPr/>
+        </p:nvSpPr>
+        <p:spPr>
+          <a:xfrm>
+            <a:off x="7680325" y="5685155"/>
+            <a:ext cx="1304290" cy="662305"/>
+          </a:xfrm>
+          <a:prstGeom prst="rect">
+            <a:avLst/>
+          </a:prstGeom>
+        </p:spPr>
+        <p:style>
+          <a:lnRef idx="2">
+            <a:schemeClr val="accent1">
+              <a:shade val="50000"/>
+            </a:schemeClr>
+          </a:lnRef>
+          <a:fillRef idx="1">
+            <a:schemeClr val="accent1"/>
+          </a:fillRef>
+          <a:effectRef idx="0">
+            <a:schemeClr val="accent1"/>
+          </a:effectRef>
+          <a:fontRef idx="minor">
+            <a:schemeClr val="lt1"/>
+          </a:fontRef>
+        </p:style>
+        <p:txBody>
+          <a:bodyPr rtlCol="0" anchor="ctr"/>
+          <a:p>
+            <a:pPr algn="ctr"/>
+            <a:r>
+              <a:rPr lang="en-US" altLang="zh-CN"/>
+              <a:t>Hybrid</a:t>
+            </a:r>
+            <a:r>
+              <a:rPr lang="en-US" altLang="zh-CN"/>
+              <a:t>Port</a:t>
+            </a:r>
+            <a:endParaRPr lang="en-US" altLang="zh-CN"/>
+          </a:p>
+        </p:txBody>
+      </p:sp>
+      <p:sp>
+        <p:nvSpPr>
+          <p:cNvPr id="7" name="矩形 6"/>
+          <p:cNvSpPr/>
+          <p:nvPr/>
+        </p:nvSpPr>
+        <p:spPr>
+          <a:xfrm>
+            <a:off x="9180195" y="5685155"/>
+            <a:ext cx="1304290" cy="662305"/>
+          </a:xfrm>
+          <a:prstGeom prst="rect">
+            <a:avLst/>
+          </a:prstGeom>
+        </p:spPr>
+        <p:style>
+          <a:lnRef idx="2">
+            <a:schemeClr val="accent1">
+              <a:shade val="50000"/>
+            </a:schemeClr>
+          </a:lnRef>
+          <a:fillRef idx="1">
+            <a:schemeClr val="accent1"/>
+          </a:fillRef>
+          <a:effectRef idx="0">
+            <a:schemeClr val="accent1"/>
+          </a:effectRef>
+          <a:fontRef idx="minor">
+            <a:schemeClr val="lt1"/>
+          </a:fontRef>
+        </p:style>
+        <p:txBody>
+          <a:bodyPr rtlCol="0" anchor="ctr"/>
+          <a:p>
+            <a:pPr algn="ctr"/>
+            <a:r>
+              <a:rPr lang="en-US" altLang="zh-CN"/>
+              <a:t>Output</a:t>
+            </a:r>
+            <a:r>
+              <a:rPr lang="en-US" altLang="zh-CN"/>
+              <a:t>Port</a:t>
+            </a:r>
+            <a:endParaRPr lang="en-US" altLang="zh-CN"/>
+          </a:p>
+        </p:txBody>
+      </p:sp>
+      <p:cxnSp>
+        <p:nvCxnSpPr>
+          <p:cNvPr id="8" name="直接连接符 7"/>
+          <p:cNvCxnSpPr>
+            <a:endCxn id="5" idx="0"/>
+          </p:cNvCxnSpPr>
+          <p:nvPr/>
+        </p:nvCxnSpPr>
+        <p:spPr>
+          <a:xfrm flipH="1">
+            <a:off x="6793865" y="5229225"/>
+            <a:ext cx="1433830" cy="455930"/>
+          </a:xfrm>
+          <a:prstGeom prst="line">
+            <a:avLst/>
+          </a:prstGeom>
+        </p:spPr>
+        <p:style>
+          <a:lnRef idx="1">
+            <a:schemeClr val="accent1"/>
+          </a:lnRef>
+          <a:fillRef idx="0">
+            <a:schemeClr val="accent1"/>
+          </a:fillRef>
+          <a:effectRef idx="0">
+            <a:schemeClr val="accent1"/>
+          </a:effectRef>
+          <a:fontRef idx="minor">
+            <a:schemeClr val="tx1"/>
+          </a:fontRef>
+        </p:style>
+      </p:cxnSp>
+      <p:cxnSp>
+        <p:nvCxnSpPr>
+          <p:cNvPr id="9" name="直接连接符 8"/>
+          <p:cNvCxnSpPr>
+            <a:stCxn id="4" idx="2"/>
+            <a:endCxn id="6" idx="0"/>
+          </p:cNvCxnSpPr>
+          <p:nvPr/>
+        </p:nvCxnSpPr>
+        <p:spPr>
+          <a:xfrm>
+            <a:off x="8332470" y="5483860"/>
+            <a:ext cx="0" cy="201295"/>
+          </a:xfrm>
+          <a:prstGeom prst="line">
+            <a:avLst/>
+          </a:prstGeom>
+        </p:spPr>
+        <p:style>
+          <a:lnRef idx="1">
+            <a:schemeClr val="accent1"/>
+          </a:lnRef>
+          <a:fillRef idx="0">
+            <a:schemeClr val="accent1"/>
+          </a:fillRef>
+          <a:effectRef idx="0">
+            <a:schemeClr val="accent1"/>
+          </a:effectRef>
+          <a:fontRef idx="minor">
+            <a:schemeClr val="tx1"/>
+          </a:fontRef>
+        </p:style>
+      </p:cxnSp>
+      <p:cxnSp>
+        <p:nvCxnSpPr>
+          <p:cNvPr id="10" name="直接连接符 9"/>
+          <p:cNvCxnSpPr>
+            <a:endCxn id="7" idx="0"/>
+          </p:cNvCxnSpPr>
+          <p:nvPr/>
+        </p:nvCxnSpPr>
+        <p:spPr>
+          <a:xfrm>
+            <a:off x="8175625" y="5255260"/>
+            <a:ext cx="1656715" cy="429895"/>
+          </a:xfrm>
+          <a:prstGeom prst="line">
+            <a:avLst/>
+          </a:prstGeom>
+        </p:spPr>
+        <p:style>
+          <a:lnRef idx="1">
+            <a:schemeClr val="accent1"/>
+          </a:lnRef>
+          <a:fillRef idx="0">
+            <a:schemeClr val="accent1"/>
+          </a:fillRef>
+          <a:effectRef idx="0">
+            <a:schemeClr val="accent1"/>
+          </a:effectRef>
+          <a:fontRef idx="minor">
+            <a:schemeClr val="tx1"/>
+          </a:fontRef>
+        </p:style>
+      </p:cxnSp>
+      <p:sp>
+        <p:nvSpPr>
+          <p:cNvPr id="11" name="矩形 10"/>
+          <p:cNvSpPr/>
+          <p:nvPr/>
+        </p:nvSpPr>
+        <p:spPr>
+          <a:xfrm>
+            <a:off x="7680325" y="3893185"/>
+            <a:ext cx="1376680" cy="662305"/>
+          </a:xfrm>
+          <a:prstGeom prst="rect">
+            <a:avLst/>
+          </a:prstGeom>
+        </p:spPr>
+        <p:style>
+          <a:lnRef idx="2">
+            <a:schemeClr val="accent1">
+              <a:shade val="50000"/>
+            </a:schemeClr>
+          </a:lnRef>
+          <a:fillRef idx="1">
+            <a:schemeClr val="accent1"/>
+          </a:fillRef>
+          <a:effectRef idx="0">
+            <a:schemeClr val="accent1"/>
+          </a:effectRef>
+          <a:fontRef idx="minor">
+            <a:schemeClr val="lt1"/>
+          </a:fontRef>
+        </p:style>
+        <p:txBody>
+          <a:bodyPr rtlCol="0" anchor="ctr"/>
+          <a:p>
+            <a:pPr algn="ctr"/>
+            <a:r>
+              <a:rPr lang="en-US" altLang="zh-CN"/>
+              <a:t>Node</a:t>
+            </a:r>
+            <a:endParaRPr lang="en-US" altLang="zh-CN"/>
+          </a:p>
+        </p:txBody>
+      </p:sp>
+      <p:sp>
+        <p:nvSpPr>
+          <p:cNvPr id="12" name="矩形 11"/>
+          <p:cNvSpPr/>
+          <p:nvPr/>
+        </p:nvSpPr>
+        <p:spPr>
+          <a:xfrm>
+            <a:off x="4512945" y="3893185"/>
+            <a:ext cx="1376680" cy="662305"/>
+          </a:xfrm>
+          <a:prstGeom prst="rect">
+            <a:avLst/>
+          </a:prstGeom>
+        </p:spPr>
+        <p:style>
+          <a:lnRef idx="2">
+            <a:schemeClr val="accent1">
+              <a:shade val="50000"/>
+            </a:schemeClr>
+          </a:lnRef>
+          <a:fillRef idx="1">
+            <a:schemeClr val="accent1"/>
+          </a:fillRef>
+          <a:effectRef idx="0">
+            <a:schemeClr val="accent1"/>
+          </a:effectRef>
+          <a:fontRef idx="minor">
+            <a:schemeClr val="lt1"/>
+          </a:fontRef>
+        </p:style>
+        <p:txBody>
+          <a:bodyPr rtlCol="0" anchor="ctr"/>
+          <a:p>
+            <a:pPr algn="ctr"/>
+            <a:r>
+              <a:rPr lang="en-US" altLang="zh-CN"/>
+              <a:t>Connection</a:t>
+            </a:r>
+            <a:endParaRPr lang="en-US" altLang="zh-CN"/>
+          </a:p>
+        </p:txBody>
+      </p:sp>
+      <p:sp>
+        <p:nvSpPr>
+          <p:cNvPr id="13" name="矩形 12"/>
+          <p:cNvSpPr/>
+          <p:nvPr/>
+        </p:nvSpPr>
+        <p:spPr>
+          <a:xfrm>
+            <a:off x="2876550" y="4716780"/>
+            <a:ext cx="2167890" cy="662305"/>
+          </a:xfrm>
+          <a:prstGeom prst="rect">
+            <a:avLst/>
+          </a:prstGeom>
+        </p:spPr>
+        <p:style>
+          <a:lnRef idx="2">
+            <a:schemeClr val="accent1">
+              <a:shade val="50000"/>
+            </a:schemeClr>
+          </a:lnRef>
+          <a:fillRef idx="1">
+            <a:schemeClr val="accent1"/>
+          </a:fillRef>
+          <a:effectRef idx="0">
+            <a:schemeClr val="accent1"/>
+          </a:effectRef>
+          <a:fontRef idx="minor">
+            <a:schemeClr val="lt1"/>
+          </a:fontRef>
+        </p:style>
+        <p:txBody>
+          <a:bodyPr rtlCol="0" anchor="ctr"/>
+          <a:p>
+            <a:pPr algn="ctr"/>
+            <a:r>
+              <a:rPr lang="en-US" altLang="zh-CN"/>
+              <a:t>ConnectionRouter</a:t>
+            </a:r>
+            <a:endParaRPr lang="en-US" altLang="zh-CN"/>
+          </a:p>
+        </p:txBody>
+      </p:sp>
+      <p:sp>
+        <p:nvSpPr>
+          <p:cNvPr id="14" name="矩形 13"/>
+          <p:cNvSpPr/>
+          <p:nvPr/>
+        </p:nvSpPr>
+        <p:spPr>
+          <a:xfrm>
+            <a:off x="5331460" y="4716780"/>
+            <a:ext cx="2167890" cy="662305"/>
+          </a:xfrm>
+          <a:prstGeom prst="rect">
+            <a:avLst/>
+          </a:prstGeom>
+        </p:spPr>
+        <p:style>
+          <a:lnRef idx="2">
+            <a:schemeClr val="accent1">
+              <a:shade val="50000"/>
+            </a:schemeClr>
+          </a:lnRef>
+          <a:fillRef idx="1">
+            <a:schemeClr val="accent1"/>
+          </a:fillRef>
+          <a:effectRef idx="0">
+            <a:schemeClr val="accent1"/>
+          </a:effectRef>
+          <a:fontRef idx="minor">
+            <a:schemeClr val="lt1"/>
+          </a:fontRef>
+        </p:style>
+        <p:txBody>
+          <a:bodyPr rtlCol="0" anchor="ctr"/>
+          <a:p>
+            <a:pPr algn="ctr"/>
+            <a:r>
+              <a:rPr lang="en-US" altLang="zh-CN"/>
+              <a:t>ConnectionAnchor</a:t>
+            </a:r>
+            <a:endParaRPr lang="en-US" altLang="zh-CN"/>
+          </a:p>
+        </p:txBody>
+      </p:sp>
+      <p:cxnSp>
+        <p:nvCxnSpPr>
+          <p:cNvPr id="15" name="直接连接符 14"/>
+          <p:cNvCxnSpPr>
+            <a:stCxn id="12" idx="2"/>
+            <a:endCxn id="13" idx="0"/>
+          </p:cNvCxnSpPr>
+          <p:nvPr/>
+        </p:nvCxnSpPr>
+        <p:spPr>
+          <a:xfrm flipH="1">
+            <a:off x="3960495" y="4555490"/>
+            <a:ext cx="1240790" cy="161290"/>
+          </a:xfrm>
+          <a:prstGeom prst="line">
+            <a:avLst/>
+          </a:prstGeom>
+        </p:spPr>
+        <p:style>
+          <a:lnRef idx="1">
+            <a:schemeClr val="accent1"/>
+          </a:lnRef>
+          <a:fillRef idx="0">
+            <a:schemeClr val="accent1"/>
+          </a:fillRef>
+          <a:effectRef idx="0">
+            <a:schemeClr val="accent1"/>
+          </a:effectRef>
+          <a:fontRef idx="minor">
+            <a:schemeClr val="tx1"/>
+          </a:fontRef>
+        </p:style>
+      </p:cxnSp>
+      <p:cxnSp>
+        <p:nvCxnSpPr>
+          <p:cNvPr id="16" name="直接连接符 15"/>
+          <p:cNvCxnSpPr>
+            <a:stCxn id="14" idx="0"/>
+            <a:endCxn id="12" idx="2"/>
+          </p:cNvCxnSpPr>
+          <p:nvPr/>
+        </p:nvCxnSpPr>
+        <p:spPr>
+          <a:xfrm flipH="1" flipV="1">
+            <a:off x="5201285" y="4555490"/>
+            <a:ext cx="1214120" cy="161290"/>
+          </a:xfrm>
+          <a:prstGeom prst="line">
+            <a:avLst/>
+          </a:prstGeom>
+        </p:spPr>
+        <p:style>
+          <a:lnRef idx="1">
+            <a:schemeClr val="accent1"/>
+          </a:lnRef>
+          <a:fillRef idx="0">
+            <a:schemeClr val="accent1"/>
+          </a:fillRef>
+          <a:effectRef idx="0">
+            <a:schemeClr val="accent1"/>
+          </a:effectRef>
+          <a:fontRef idx="minor">
+            <a:schemeClr val="tx1"/>
+          </a:fontRef>
+        </p:style>
+      </p:cxnSp>
+      <p:sp>
+        <p:nvSpPr>
+          <p:cNvPr id="17" name="矩形 16"/>
+          <p:cNvSpPr/>
+          <p:nvPr/>
+        </p:nvSpPr>
+        <p:spPr>
+          <a:xfrm>
+            <a:off x="6141720" y="2953385"/>
+            <a:ext cx="1376680" cy="662305"/>
+          </a:xfrm>
+          <a:prstGeom prst="rect">
+            <a:avLst/>
+          </a:prstGeom>
+        </p:spPr>
+        <p:style>
+          <a:lnRef idx="2">
+            <a:schemeClr val="accent1">
+              <a:shade val="50000"/>
+            </a:schemeClr>
+          </a:lnRef>
+          <a:fillRef idx="1">
+            <a:schemeClr val="accent1"/>
+          </a:fillRef>
+          <a:effectRef idx="0">
+            <a:schemeClr val="accent1"/>
+          </a:effectRef>
+          <a:fontRef idx="minor">
+            <a:schemeClr val="lt1"/>
+          </a:fontRef>
+        </p:style>
+        <p:txBody>
+          <a:bodyPr rtlCol="0" anchor="ctr"/>
+          <a:p>
+            <a:pPr algn="ctr"/>
+            <a:r>
+              <a:rPr lang="en-US" altLang="zh-CN"/>
+              <a:t>Figure</a:t>
+            </a:r>
+            <a:endParaRPr lang="en-US" altLang="zh-CN"/>
+          </a:p>
+        </p:txBody>
+      </p:sp>
+      <p:cxnSp>
+        <p:nvCxnSpPr>
+          <p:cNvPr id="18" name="直接连接符 17"/>
+          <p:cNvCxnSpPr>
+            <a:stCxn id="17" idx="2"/>
+            <a:endCxn id="11" idx="0"/>
+          </p:cNvCxnSpPr>
+          <p:nvPr/>
+        </p:nvCxnSpPr>
+        <p:spPr>
+          <a:xfrm>
+            <a:off x="6830060" y="3615690"/>
+            <a:ext cx="1538605" cy="277495"/>
+          </a:xfrm>
+          <a:prstGeom prst="line">
+            <a:avLst/>
+          </a:prstGeom>
+        </p:spPr>
+        <p:style>
+          <a:lnRef idx="1">
+            <a:schemeClr val="accent1"/>
+          </a:lnRef>
+          <a:fillRef idx="0">
+            <a:schemeClr val="accent1"/>
+          </a:fillRef>
+          <a:effectRef idx="0">
+            <a:schemeClr val="accent1"/>
+          </a:effectRef>
+          <a:fontRef idx="minor">
+            <a:schemeClr val="tx1"/>
+          </a:fontRef>
+        </p:style>
+      </p:cxnSp>
+      <p:sp>
+        <p:nvSpPr>
+          <p:cNvPr id="19" name="矩形 18"/>
+          <p:cNvSpPr/>
+          <p:nvPr/>
+        </p:nvSpPr>
+        <p:spPr>
+          <a:xfrm>
+            <a:off x="9281795" y="4821555"/>
+            <a:ext cx="1376680" cy="662305"/>
+          </a:xfrm>
+          <a:prstGeom prst="rect">
+            <a:avLst/>
+          </a:prstGeom>
+        </p:spPr>
+        <p:style>
+          <a:lnRef idx="2">
+            <a:schemeClr val="accent1">
+              <a:shade val="50000"/>
+            </a:schemeClr>
+          </a:lnRef>
+          <a:fillRef idx="1">
+            <a:schemeClr val="accent1"/>
+          </a:fillRef>
+          <a:effectRef idx="0">
+            <a:schemeClr val="accent1"/>
+          </a:effectRef>
+          <a:fontRef idx="minor">
+            <a:schemeClr val="lt1"/>
+          </a:fontRef>
+        </p:style>
+        <p:txBody>
+          <a:bodyPr rtlCol="0" anchor="ctr"/>
+          <a:p>
+            <a:pPr algn="ctr"/>
+            <a:r>
+              <a:rPr lang="en-US" altLang="zh-CN"/>
+              <a:t>Image</a:t>
+            </a:r>
+            <a:endParaRPr lang="en-US" altLang="zh-CN"/>
+          </a:p>
+        </p:txBody>
+      </p:sp>
+      <p:cxnSp>
+        <p:nvCxnSpPr>
+          <p:cNvPr id="20" name="直接连接符 19"/>
+          <p:cNvCxnSpPr>
+            <a:stCxn id="19" idx="0"/>
+            <a:endCxn id="11" idx="2"/>
+          </p:cNvCxnSpPr>
+          <p:nvPr/>
+        </p:nvCxnSpPr>
+        <p:spPr>
+          <a:xfrm flipH="1" flipV="1">
+            <a:off x="8368665" y="4555490"/>
+            <a:ext cx="1601470" cy="266065"/>
+          </a:xfrm>
+          <a:prstGeom prst="line">
+            <a:avLst/>
+          </a:prstGeom>
+        </p:spPr>
+        <p:style>
+          <a:lnRef idx="1">
+            <a:schemeClr val="accent1"/>
+          </a:lnRef>
+          <a:fillRef idx="0">
+            <a:schemeClr val="accent1"/>
+          </a:fillRef>
+          <a:effectRef idx="0">
+            <a:schemeClr val="accent1"/>
+          </a:effectRef>
+          <a:fontRef idx="minor">
+            <a:schemeClr val="tx1"/>
+          </a:fontRef>
+        </p:style>
+      </p:cxnSp>
+      <p:cxnSp>
+        <p:nvCxnSpPr>
+          <p:cNvPr id="21" name="直接连接符 20"/>
+          <p:cNvCxnSpPr>
+            <a:stCxn id="4" idx="0"/>
+          </p:cNvCxnSpPr>
+          <p:nvPr/>
+        </p:nvCxnSpPr>
+        <p:spPr>
+          <a:xfrm flipV="1">
+            <a:off x="8332470" y="4537075"/>
+            <a:ext cx="95885" cy="284480"/>
+          </a:xfrm>
+          <a:prstGeom prst="line">
+            <a:avLst/>
+          </a:prstGeom>
+        </p:spPr>
+        <p:style>
+          <a:lnRef idx="1">
+            <a:schemeClr val="accent1"/>
+          </a:lnRef>
+          <a:fillRef idx="0">
+            <a:schemeClr val="accent1"/>
+          </a:fillRef>
+          <a:effectRef idx="0">
+            <a:schemeClr val="accent1"/>
+          </a:effectRef>
+          <a:fontRef idx="minor">
+            <a:schemeClr val="tx1"/>
+          </a:fontRef>
+        </p:style>
+      </p:cxnSp>
+      <p:cxnSp>
+        <p:nvCxnSpPr>
+          <p:cNvPr id="22" name="直接连接符 21"/>
+          <p:cNvCxnSpPr>
+            <a:stCxn id="12" idx="0"/>
+            <a:endCxn id="17" idx="2"/>
+          </p:cNvCxnSpPr>
+          <p:nvPr/>
+        </p:nvCxnSpPr>
+        <p:spPr>
+          <a:xfrm flipV="1">
+            <a:off x="5201285" y="3615690"/>
+            <a:ext cx="1628775" cy="277495"/>
+          </a:xfrm>
+          <a:prstGeom prst="line">
+            <a:avLst/>
+          </a:prstGeom>
+        </p:spPr>
+        <p:style>
+          <a:lnRef idx="1">
+            <a:schemeClr val="accent1"/>
+          </a:lnRef>
+          <a:fillRef idx="0">
+            <a:schemeClr val="accent1"/>
+          </a:fillRef>
+          <a:effectRef idx="0">
+            <a:schemeClr val="accent1"/>
+          </a:effectRef>
+          <a:fontRef idx="minor">
+            <a:schemeClr val="tx1"/>
+          </a:fontRef>
+        </p:style>
+      </p:cxnSp>
+    </p:spTree>
+    <p:custDataLst>
+      <p:tags r:id="rId1"/>
+    </p:custDataLst>
+  </p:cSld>
+  <p:clrMapOvr>
+    <a:masterClrMapping/>
+  </p:clrMapOvr>
+</p:sld>
+</file>
+
+<file path=ppt/slides/slide3.xml><?xml version="1.0" encoding="utf-8"?>
+<p:sld xmlns:a="http://schemas.openxmlformats.org/drawingml/2006/main" xmlns:r="http://schemas.openxmlformats.org/officeDocument/2006/relationships" xmlns:p="http://schemas.openxmlformats.org/presentationml/2006/main">
+  <p:cSld>
+    <p:spTree>
+      <p:nvGrpSpPr>
+        <p:cNvPr id="1" name=""/>
+        <p:cNvGrpSpPr/>
+        <p:nvPr/>
+      </p:nvGrpSpPr>
+      <p:grpSpPr/>
+      <p:sp>
+        <p:nvSpPr>
+          <p:cNvPr id="4" name="标题 3"/>
+          <p:cNvSpPr>
+            <a:spLocks noGrp="1"/>
+          </p:cNvSpPr>
+          <p:nvPr>
+            <p:ph type="title"/>
+          </p:nvPr>
+        </p:nvSpPr>
+        <p:spPr/>
+        <p:txBody>
+          <a:bodyPr/>
+          <a:p>
+            <a:r>
+              <a:rPr lang="en-US" altLang="zh-CN"/>
+              <a:t>References</a:t>
+            </a:r>
+            <a:endParaRPr lang="en-US" altLang="zh-CN"/>
+          </a:p>
+        </p:txBody>
+      </p:sp>
+      <p:sp>
+        <p:nvSpPr>
+          <p:cNvPr id="5" name="内容占位符 4"/>
+          <p:cNvSpPr>
+            <a:spLocks noGrp="1"/>
+          </p:cNvSpPr>
+          <p:nvPr>
+            <p:ph idx="1"/>
+          </p:nvPr>
+        </p:nvSpPr>
+        <p:spPr/>
+        <p:txBody>
+          <a:bodyPr/>
+          <a:p>
+            <a:r>
+              <a:rPr lang="zh-CN" altLang="en-US"/>
+              <a:t>https://caniuse.com/</a:t>
+            </a:r>
+            <a:endParaRPr lang="zh-CN" altLang="en-US"/>
+          </a:p>
+        </p:txBody>
+      </p:sp>
+    </p:spTree>
+    <p:custDataLst>
+      <p:tags r:id="rId1"/>
+    </p:custDataLst>
+  </p:cSld>
+  <p:clrMapOvr>
+    <a:masterClrMapping/>
+  </p:clrMapOvr>
+</p:sld>
+</file>
+
+<file path=ppt/slides/slide30.xml><?xml version="1.0" encoding="utf-8"?>
+<p:sld xmlns:a="http://schemas.openxmlformats.org/drawingml/2006/main" xmlns:r="http://schemas.openxmlformats.org/officeDocument/2006/relationships" xmlns:p="http://schemas.openxmlformats.org/presentationml/2006/main">
+  <p:cSld>
+    <p:spTree>
+      <p:nvGrpSpPr>
+        <p:cNvPr id="1" name=""/>
+        <p:cNvGrpSpPr/>
+        <p:nvPr/>
+      </p:nvGrpSpPr>
+      <p:grpSpPr/>
+      <p:sp>
+        <p:nvSpPr>
+          <p:cNvPr id="2" name="标题 1"/>
+          <p:cNvSpPr>
+            <a:spLocks noGrp="1"/>
+          </p:cNvSpPr>
+          <p:nvPr>
+            <p:ph type="title"/>
+          </p:nvPr>
+        </p:nvSpPr>
+        <p:spPr/>
+        <p:txBody>
+          <a:bodyPr/>
+          <a:p>
+            <a:r>
+              <a:rPr lang="en-US" altLang="zh-CN"/>
+              <a:t>Cytoscape</a:t>
+            </a:r>
+            <a:endParaRPr lang="en-US" altLang="zh-CN"/>
+          </a:p>
+        </p:txBody>
+      </p:sp>
+      <p:sp>
+        <p:nvSpPr>
+          <p:cNvPr id="3" name="内容占位符 2"/>
+          <p:cNvSpPr>
+            <a:spLocks noGrp="1"/>
+          </p:cNvSpPr>
+          <p:nvPr>
+            <p:ph idx="1"/>
+          </p:nvPr>
+        </p:nvSpPr>
+        <p:spPr>
+          <a:xfrm>
+            <a:off x="838200" y="1211580"/>
+            <a:ext cx="5483225" cy="4549140"/>
+          </a:xfrm>
+        </p:spPr>
+        <p:txBody>
+          <a:bodyPr/>
+          <a:p>
+            <a:r>
+              <a:rPr lang="en-US" altLang="zh-CN"/>
+              <a:t>References</a:t>
+            </a:r>
+            <a:endParaRPr lang="en-US" altLang="zh-CN"/>
+          </a:p>
+          <a:p>
+            <a:pPr lvl="1"/>
+            <a:r>
+              <a:rPr lang="en-US" altLang="zh-CN"/>
+              <a:t>https://js.cytoscape.org/</a:t>
+            </a:r>
+            <a:endParaRPr lang="en-US" altLang="zh-CN"/>
+          </a:p>
+          <a:p>
+            <a:r>
+              <a:rPr lang="en-US" altLang="zh-CN"/>
+              <a:t>Points</a:t>
+            </a:r>
+            <a:endParaRPr lang="en-US" altLang="zh-CN"/>
+          </a:p>
+          <a:p>
+            <a:pPr lvl="1"/>
+            <a:r>
+              <a:rPr lang="en-US" altLang="zh-CN"/>
+              <a:t> A compound parent node does not have independent dimensions (position and size), as those values are automatically inferred by the positions and dimensions of the descendant nodes.</a:t>
+            </a:r>
+            <a:endParaRPr lang="en-US" altLang="zh-CN"/>
+          </a:p>
+        </p:txBody>
+      </p:sp>
+    </p:spTree>
+    <p:custDataLst>
+      <p:tags r:id="rId1"/>
+    </p:custDataLst>
+  </p:cSld>
+  <p:clrMapOvr>
+    <a:masterClrMapping/>
+  </p:clrMapOvr>
+</p:sld>
+</file>
+
+<file path=ppt/slides/slide31.xml><?xml version="1.0" encoding="utf-8"?>
+<p:sld xmlns:a="http://schemas.openxmlformats.org/drawingml/2006/main" xmlns:r="http://schemas.openxmlformats.org/officeDocument/2006/relationships" xmlns:p="http://schemas.openxmlformats.org/presentationml/2006/main">
+  <p:cSld>
+    <p:spTree>
+      <p:nvGrpSpPr>
+        <p:cNvPr id="1" name=""/>
+        <p:cNvGrpSpPr/>
+        <p:nvPr/>
+      </p:nvGrpSpPr>
+      <p:grpSpPr/>
+      <p:sp>
+        <p:nvSpPr>
+          <p:cNvPr id="4" name="标题 3"/>
+          <p:cNvSpPr>
+            <a:spLocks noGrp="1"/>
+          </p:cNvSpPr>
+          <p:nvPr>
+            <p:ph type="title"/>
+          </p:nvPr>
+        </p:nvSpPr>
+        <p:spPr/>
+        <p:txBody>
+          <a:bodyPr/>
+          <a:p>
+            <a:r>
+              <a:rPr lang="en-US" altLang="zh-CN"/>
+              <a:t>3D</a:t>
+            </a:r>
+            <a:endParaRPr lang="en-US" altLang="zh-CN"/>
+          </a:p>
+        </p:txBody>
+      </p:sp>
+      <p:sp>
+        <p:nvSpPr>
+          <p:cNvPr id="5" name="文本占位符 4"/>
+          <p:cNvSpPr>
+            <a:spLocks noGrp="1"/>
+          </p:cNvSpPr>
+          <p:nvPr>
+            <p:ph type="body" idx="1"/>
+          </p:nvPr>
+        </p:nvSpPr>
+        <p:spPr/>
+        <p:txBody>
+          <a:bodyPr/>
+          <a:p>
+            <a:endParaRPr lang="zh-CN" altLang="en-US"/>
+          </a:p>
+        </p:txBody>
+      </p:sp>
+    </p:spTree>
+    <p:custDataLst>
+      <p:tags r:id="rId1"/>
+    </p:custDataLst>
+  </p:cSld>
+  <p:clrMapOvr>
+    <a:masterClrMapping/>
+  </p:clrMapOvr>
+</p:sld>
+</file>
+
+<file path=ppt/slides/slide32.xml><?xml version="1.0" encoding="utf-8"?>
+<p:sld xmlns:a="http://schemas.openxmlformats.org/drawingml/2006/main" xmlns:r="http://schemas.openxmlformats.org/officeDocument/2006/relationships" xmlns:p="http://schemas.openxmlformats.org/presentationml/2006/main">
+  <p:cSld>
+    <p:spTree>
+      <p:nvGrpSpPr>
+        <p:cNvPr id="1" name=""/>
+        <p:cNvGrpSpPr/>
+        <p:nvPr/>
+      </p:nvGrpSpPr>
+      <p:grpSpPr/>
+      <p:sp>
+        <p:nvSpPr>
+          <p:cNvPr id="4" name="标题 3"/>
+          <p:cNvSpPr>
+            <a:spLocks noGrp="1"/>
+          </p:cNvSpPr>
+          <p:nvPr>
+            <p:ph type="title"/>
+          </p:nvPr>
+        </p:nvSpPr>
+        <p:spPr/>
+        <p:txBody>
+          <a:bodyPr/>
+          <a:p>
+            <a:r>
+              <a:rPr lang="en-US" altLang="zh-CN"/>
+              <a:t>Overview</a:t>
+            </a:r>
+            <a:endParaRPr lang="en-US" altLang="zh-CN"/>
+          </a:p>
+        </p:txBody>
+      </p:sp>
+      <p:sp>
+        <p:nvSpPr>
+          <p:cNvPr id="5" name="内容占位符 4"/>
+          <p:cNvSpPr>
+            <a:spLocks noGrp="1"/>
+          </p:cNvSpPr>
+          <p:nvPr>
+            <p:ph idx="1"/>
+          </p:nvPr>
+        </p:nvSpPr>
+        <p:spPr/>
+        <p:txBody>
+          <a:bodyPr>
+            <a:normAutofit lnSpcReduction="10000"/>
+          </a:bodyPr>
+          <a:p>
+            <a:r>
+              <a:rPr lang="en-US" altLang="zh-CN"/>
+              <a:t>General framework</a:t>
+            </a:r>
+            <a:endParaRPr lang="en-US" altLang="zh-CN"/>
+          </a:p>
+          <a:p>
+            <a:pPr lvl="1"/>
+            <a:r>
+              <a:rPr lang="en-US" altLang="zh-CN"/>
+              <a:t>Three.js</a:t>
+            </a:r>
+            <a:endParaRPr lang="en-US" altLang="zh-CN"/>
+          </a:p>
+          <a:p>
+            <a:pPr lvl="1"/>
+            <a:r>
+              <a:rPr lang="en-US" altLang="zh-CN"/>
+              <a:t>A-F</a:t>
+            </a:r>
+            <a:r>
+              <a:rPr lang="en-US" altLang="zh-CN"/>
+              <a:t>rame</a:t>
+            </a:r>
+            <a:endParaRPr lang="en-US" altLang="zh-CN"/>
+          </a:p>
+          <a:p>
+            <a:pPr lvl="2"/>
+            <a:r>
+              <a:rPr lang="en-US" altLang="zh-CN"/>
+              <a:t>https://aframe.io/</a:t>
+            </a:r>
+            <a:endParaRPr lang="en-US" altLang="zh-CN"/>
+          </a:p>
+          <a:p>
+            <a:pPr lvl="2"/>
+            <a:r>
+              <a:rPr lang="en-US" altLang="zh-CN"/>
+              <a:t>https://github.com/aframevr/aframe</a:t>
+            </a:r>
+            <a:endParaRPr lang="en-US" altLang="zh-CN"/>
+          </a:p>
+          <a:p>
+            <a:pPr lvl="1"/>
+            <a:r>
+              <a:rPr lang="en-US" altLang="zh-CN"/>
+              <a:t>PlayCanvas</a:t>
+            </a:r>
+            <a:endParaRPr lang="en-US" altLang="zh-CN"/>
+          </a:p>
+          <a:p>
+            <a:pPr lvl="2"/>
+            <a:r>
+              <a:rPr lang="en-US" altLang="zh-CN"/>
+              <a:t>https://playcanvas.com/</a:t>
+            </a:r>
+            <a:endParaRPr lang="en-US" altLang="zh-CN"/>
+          </a:p>
+          <a:p>
+            <a:pPr lvl="2"/>
+            <a:r>
+              <a:rPr lang="en-US" altLang="zh-CN"/>
+              <a:t>https://github.com/playcanvas/engine</a:t>
+            </a:r>
+            <a:endParaRPr lang="en-US" altLang="zh-CN"/>
+          </a:p>
+          <a:p>
+            <a:pPr lvl="1"/>
+            <a:r>
+              <a:rPr lang="en-US" altLang="zh-CN" sz="2000"/>
+              <a:t>Babylon.js</a:t>
+            </a:r>
+            <a:endParaRPr lang="en-US" altLang="zh-CN" sz="2000"/>
+          </a:p>
+          <a:p>
+            <a:pPr lvl="2"/>
+            <a:r>
+              <a:rPr lang="en-US" altLang="zh-CN"/>
+              <a:t>http://www.babylonjs.com/</a:t>
+            </a:r>
+            <a:endParaRPr lang="en-US" altLang="zh-CN"/>
+          </a:p>
+          <a:p>
+            <a:pPr lvl="0"/>
+            <a:r>
+              <a:rPr lang="en-US" altLang="zh-CN"/>
+              <a:t>3D Model View</a:t>
+            </a:r>
+            <a:endParaRPr lang="en-US" altLang="zh-CN"/>
+          </a:p>
+          <a:p>
+            <a:pPr lvl="1"/>
+            <a:r>
+              <a:rPr lang="en-US" altLang="zh-CN" sz="2000"/>
+              <a:t>Google ModelViewer</a:t>
+            </a:r>
+            <a:endParaRPr lang="en-US" altLang="zh-CN" sz="2000"/>
+          </a:p>
+          <a:p>
+            <a:pPr lvl="2"/>
+            <a:r>
+              <a:rPr lang="en-US" altLang="zh-CN"/>
+              <a:t>https://modelviewer.dev/</a:t>
+            </a:r>
+            <a:endParaRPr lang="en-US" altLang="zh-CN"/>
+          </a:p>
+          <a:p>
+            <a:pPr lvl="0"/>
+            <a:r>
+              <a:rPr lang="en-US" altLang="zh-CN"/>
+              <a:t>https://manu.ninja/25-real-world-applications-using-webgl</a:t>
+            </a:r>
+            <a:endParaRPr lang="en-US" altLang="zh-CN"/>
+          </a:p>
+        </p:txBody>
+      </p:sp>
+    </p:spTree>
+    <p:custDataLst>
+      <p:tags r:id="rId1"/>
+    </p:custDataLst>
+  </p:cSld>
+  <p:clrMapOvr>
+    <a:masterClrMapping/>
+  </p:clrMapOvr>
+</p:sld>
+</file>
+
+<file path=ppt/slides/slide33.xml><?xml version="1.0" encoding="utf-8"?>
 <p:sld xmlns:a="http://schemas.openxmlformats.org/drawingml/2006/main" xmlns:r="http://schemas.openxmlformats.org/officeDocument/2006/relationships" xmlns:p="http://schemas.openxmlformats.org/presentationml/2006/main">
   <p:cSld>
     <p:spTree>
@@ -7054,7 +8508,109 @@
 </p:sld>
 </file>
 
-<file path=ppt/slides/slide29.xml><?xml version="1.0" encoding="utf-8"?>
+<file path=ppt/slides/slide34.xml><?xml version="1.0" encoding="utf-8"?>
+<p:sld xmlns:a="http://schemas.openxmlformats.org/drawingml/2006/main" xmlns:r="http://schemas.openxmlformats.org/officeDocument/2006/relationships" xmlns:p="http://schemas.openxmlformats.org/presentationml/2006/main">
+  <p:cSld>
+    <p:spTree>
+      <p:nvGrpSpPr>
+        <p:cNvPr id="1" name=""/>
+        <p:cNvGrpSpPr/>
+        <p:nvPr/>
+      </p:nvGrpSpPr>
+      <p:grpSpPr/>
+      <p:sp>
+        <p:nvSpPr>
+          <p:cNvPr id="2" name="标题 1"/>
+          <p:cNvSpPr>
+            <a:spLocks noGrp="1"/>
+          </p:cNvSpPr>
+          <p:nvPr>
+            <p:ph type="title"/>
+          </p:nvPr>
+        </p:nvSpPr>
+        <p:spPr/>
+        <p:txBody>
+          <a:bodyPr/>
+          <a:p>
+            <a:r>
+              <a:rPr lang="en-US" altLang="zh-CN"/>
+              <a:t>Three.js 2</a:t>
+            </a:r>
+            <a:endParaRPr lang="en-US" altLang="zh-CN"/>
+          </a:p>
+        </p:txBody>
+      </p:sp>
+      <p:sp>
+        <p:nvSpPr>
+          <p:cNvPr id="3" name="内容占位符 2"/>
+          <p:cNvSpPr>
+            <a:spLocks noGrp="1"/>
+          </p:cNvSpPr>
+          <p:nvPr>
+            <p:ph idx="1"/>
+          </p:nvPr>
+        </p:nvSpPr>
+        <p:spPr/>
+        <p:txBody>
+          <a:bodyPr/>
+          <a:p>
+            <a:r>
+              <a:rPr lang="en-US" altLang="zh-CN"/>
+              <a:t>VR support</a:t>
+            </a:r>
+            <a:endParaRPr lang="en-US" altLang="zh-CN"/>
+          </a:p>
+          <a:p>
+            <a:pPr lvl="1" algn="l">
+              <a:buClrTx/>
+              <a:buSzTx/>
+            </a:pPr>
+            <a:r>
+              <a:rPr lang="zh-CN" altLang="en-US">
+                <a:sym typeface="+mn-ea"/>
+              </a:rPr>
+              <a:t>https://threejs.org/docs/#manual/en/introduction/How-to-create-VR-content</a:t>
+            </a:r>
+            <a:endParaRPr lang="zh-CN" altLang="en-US"/>
+          </a:p>
+          <a:p>
+            <a:pPr lvl="1"/>
+            <a:r>
+              <a:rPr lang="zh-CN" altLang="en-US"/>
+              <a:t>https://immersiveweb.dev/#three.js</a:t>
+            </a:r>
+            <a:endParaRPr lang="zh-CN" altLang="en-US"/>
+          </a:p>
+          <a:p>
+            <a:pPr lvl="1"/>
+            <a:r>
+              <a:rPr lang="zh-CN" altLang="en-US"/>
+              <a:t>https://tutorialsforvr.com/enable-threejs-vr/</a:t>
+            </a:r>
+            <a:endParaRPr lang="zh-CN" altLang="en-US"/>
+          </a:p>
+          <a:p>
+            <a:pPr lvl="1"/>
+            <a:r>
+              <a:rPr lang="zh-CN" altLang="en-US"/>
+              <a:t>https://www.davrous.com/2017/07/07/from-zero-to-hero-creating-webvr-experiences-with-babylon-js-on-all-platforms/</a:t>
+            </a:r>
+            <a:endParaRPr lang="zh-CN" altLang="en-US"/>
+          </a:p>
+        </p:txBody>
+      </p:sp>
+    </p:spTree>
+    <p:custDataLst>
+      <p:tags r:id="rId1"/>
+    </p:custDataLst>
+  </p:cSld>
+  <p:clrMapOvr>
+    <a:masterClrMapping/>
+  </p:clrMapOvr>
+</p:sld>
+</file>
+
+<file path=ppt/slides/slide35.xml><?xml version="1.0" encoding="utf-8"?>
 <p:sld xmlns:a="http://schemas.openxmlformats.org/drawingml/2006/main" xmlns:r="http://schemas.openxmlformats.org/officeDocument/2006/relationships" xmlns:p="http://schemas.openxmlformats.org/presentationml/2006/main">
   <p:cSld>
     <p:spTree>
@@ -7320,72 +8876,7 @@
 </p:sld>
 </file>
 
-<file path=ppt/slides/slide3.xml><?xml version="1.0" encoding="utf-8"?>
-<p:sld xmlns:a="http://schemas.openxmlformats.org/drawingml/2006/main" xmlns:r="http://schemas.openxmlformats.org/officeDocument/2006/relationships" xmlns:p="http://schemas.openxmlformats.org/presentationml/2006/main">
-  <p:cSld>
-    <p:spTree>
-      <p:nvGrpSpPr>
-        <p:cNvPr id="1" name=""/>
-        <p:cNvGrpSpPr/>
-        <p:nvPr/>
-      </p:nvGrpSpPr>
-      <p:grpSpPr/>
-      <p:sp>
-        <p:nvSpPr>
-          <p:cNvPr id="4" name="标题 3"/>
-          <p:cNvSpPr>
-            <a:spLocks noGrp="1"/>
-          </p:cNvSpPr>
-          <p:nvPr>
-            <p:ph type="title"/>
-          </p:nvPr>
-        </p:nvSpPr>
-        <p:spPr/>
-        <p:txBody>
-          <a:bodyPr/>
-          <a:p>
-            <a:r>
-              <a:rPr lang="en-US" altLang="zh-CN"/>
-              <a:t>References</a:t>
-            </a:r>
-            <a:endParaRPr lang="en-US" altLang="zh-CN"/>
-          </a:p>
-        </p:txBody>
-      </p:sp>
-      <p:sp>
-        <p:nvSpPr>
-          <p:cNvPr id="5" name="内容占位符 4"/>
-          <p:cNvSpPr>
-            <a:spLocks noGrp="1"/>
-          </p:cNvSpPr>
-          <p:nvPr>
-            <p:ph idx="1"/>
-          </p:nvPr>
-        </p:nvSpPr>
-        <p:spPr/>
-        <p:txBody>
-          <a:bodyPr/>
-          <a:p>
-            <a:r>
-              <a:rPr lang="zh-CN" altLang="en-US"/>
-              <a:t>https://caniuse.com/</a:t>
-            </a:r>
-            <a:endParaRPr lang="zh-CN" altLang="en-US"/>
-          </a:p>
-        </p:txBody>
-      </p:sp>
-    </p:spTree>
-    <p:custDataLst>
-      <p:tags r:id="rId1"/>
-    </p:custDataLst>
-  </p:cSld>
-  <p:clrMapOvr>
-    <a:masterClrMapping/>
-  </p:clrMapOvr>
-</p:sld>
-</file>
-
-<file path=ppt/slides/slide30.xml><?xml version="1.0" encoding="utf-8"?>
+<file path=ppt/slides/slide36.xml><?xml version="1.0" encoding="utf-8"?>
 <p:sld xmlns:a="http://schemas.openxmlformats.org/drawingml/2006/main" xmlns:r="http://schemas.openxmlformats.org/officeDocument/2006/relationships" xmlns:p="http://schemas.openxmlformats.org/presentationml/2006/main">
   <p:cSld>
     <p:spTree>
@@ -8804,9 +10295,8 @@
 
 <file path=ppt/tags/tag26.xml><?xml version="1.0" encoding="utf-8"?>
 <p:tagLst xmlns:p="http://schemas.openxmlformats.org/presentationml/2006/main">
-  <p:tag name="KSO_WM_BEAUTIFY_FLAG" val="#wm#"/>
-  <p:tag name="KSO_WM_TEMPLATE_CATEGORY" val="custom"/>
-  <p:tag name="KSO_WM_TEMPLATE_INDEX" val="160402"/>
+  <p:tag name="REFSHAPE" val="817661980"/>
+  <p:tag name="KSO_WM_UNIT_PLACING_PICTURE_USER_VIEWPORT" val="{&quot;height&quot;:4695,&quot;width&quot;:5835}"/>
 </p:tagLst>
 </file>
 
@@ -8820,8 +10310,9 @@
 
 <file path=ppt/tags/tag28.xml><?xml version="1.0" encoding="utf-8"?>
 <p:tagLst xmlns:p="http://schemas.openxmlformats.org/presentationml/2006/main">
-  <p:tag name="REFSHAPE" val="1066456668"/>
-  <p:tag name="KSO_WM_UNIT_PLACING_PICTURE_USER_VIEWPORT" val="{&quot;height&quot;:15840,&quot;width&quot;:11264}"/>
+  <p:tag name="KSO_WM_BEAUTIFY_FLAG" val="#wm#"/>
+  <p:tag name="KSO_WM_TEMPLATE_CATEGORY" val="custom"/>
+  <p:tag name="KSO_WM_TEMPLATE_INDEX" val="160402"/>
 </p:tagLst>
 </file>
 
@@ -8861,9 +10352,8 @@
 
 <file path=ppt/tags/tag32.xml><?xml version="1.0" encoding="utf-8"?>
 <p:tagLst xmlns:p="http://schemas.openxmlformats.org/presentationml/2006/main">
-  <p:tag name="KSO_WM_BEAUTIFY_FLAG" val="#wm#"/>
-  <p:tag name="KSO_WM_TEMPLATE_CATEGORY" val="custom"/>
-  <p:tag name="KSO_WM_TEMPLATE_INDEX" val="160402"/>
+  <p:tag name="REFSHAPE" val="1066456668"/>
+  <p:tag name="KSO_WM_UNIT_PLACING_PICTURE_USER_VIEWPORT" val="{&quot;height&quot;:15840,&quot;width&quot;:11264}"/>
 </p:tagLst>
 </file>
 
@@ -8899,6 +10389,30 @@
 </p:tagLst>
 </file>
 
+<file path=ppt/tags/tag37.xml><?xml version="1.0" encoding="utf-8"?>
+<p:tagLst xmlns:p="http://schemas.openxmlformats.org/presentationml/2006/main">
+  <p:tag name="KSO_WM_BEAUTIFY_FLAG" val="#wm#"/>
+  <p:tag name="KSO_WM_TEMPLATE_CATEGORY" val="custom"/>
+  <p:tag name="KSO_WM_TEMPLATE_INDEX" val="160402"/>
+</p:tagLst>
+</file>
+
+<file path=ppt/tags/tag38.xml><?xml version="1.0" encoding="utf-8"?>
+<p:tagLst xmlns:p="http://schemas.openxmlformats.org/presentationml/2006/main">
+  <p:tag name="KSO_WM_BEAUTIFY_FLAG" val="#wm#"/>
+  <p:tag name="KSO_WM_TEMPLATE_CATEGORY" val="custom"/>
+  <p:tag name="KSO_WM_TEMPLATE_INDEX" val="160402"/>
+</p:tagLst>
+</file>
+
+<file path=ppt/tags/tag39.xml><?xml version="1.0" encoding="utf-8"?>
+<p:tagLst xmlns:p="http://schemas.openxmlformats.org/presentationml/2006/main">
+  <p:tag name="KSO_WM_BEAUTIFY_FLAG" val="#wm#"/>
+  <p:tag name="KSO_WM_TEMPLATE_CATEGORY" val="custom"/>
+  <p:tag name="KSO_WM_TEMPLATE_INDEX" val="160402"/>
+</p:tagLst>
+</file>
+
 <file path=ppt/tags/tag4.xml><?xml version="1.0" encoding="utf-8"?>
 <p:tagLst xmlns:p="http://schemas.openxmlformats.org/presentationml/2006/main">
   <p:tag name="KSO_WM_TAG_VERSION" val="1.0"/>
@@ -8916,6 +10430,38 @@
   <p:tag name="KSO_WM_UNIT_COMPATIBLE" val="0"/>
   <p:tag name="KSO_WM_UNIT_PRESET_TEXT_INDEX" val="3"/>
   <p:tag name="KSO_WM_UNIT_PRESET_TEXT_LEN" val="17"/>
+</p:tagLst>
+</file>
+
+<file path=ppt/tags/tag40.xml><?xml version="1.0" encoding="utf-8"?>
+<p:tagLst xmlns:p="http://schemas.openxmlformats.org/presentationml/2006/main">
+  <p:tag name="KSO_WM_BEAUTIFY_FLAG" val="#wm#"/>
+  <p:tag name="KSO_WM_TEMPLATE_CATEGORY" val="custom"/>
+  <p:tag name="KSO_WM_TEMPLATE_INDEX" val="160402"/>
+</p:tagLst>
+</file>
+
+<file path=ppt/tags/tag41.xml><?xml version="1.0" encoding="utf-8"?>
+<p:tagLst xmlns:p="http://schemas.openxmlformats.org/presentationml/2006/main">
+  <p:tag name="KSO_WM_BEAUTIFY_FLAG" val="#wm#"/>
+  <p:tag name="KSO_WM_TEMPLATE_CATEGORY" val="custom"/>
+  <p:tag name="KSO_WM_TEMPLATE_INDEX" val="160402"/>
+</p:tagLst>
+</file>
+
+<file path=ppt/tags/tag42.xml><?xml version="1.0" encoding="utf-8"?>
+<p:tagLst xmlns:p="http://schemas.openxmlformats.org/presentationml/2006/main">
+  <p:tag name="KSO_WM_BEAUTIFY_FLAG" val="#wm#"/>
+  <p:tag name="KSO_WM_TEMPLATE_CATEGORY" val="custom"/>
+  <p:tag name="KSO_WM_TEMPLATE_INDEX" val="160402"/>
+</p:tagLst>
+</file>
+
+<file path=ppt/tags/tag43.xml><?xml version="1.0" encoding="utf-8"?>
+<p:tagLst xmlns:p="http://schemas.openxmlformats.org/presentationml/2006/main">
+  <p:tag name="KSO_WM_BEAUTIFY_FLAG" val="#wm#"/>
+  <p:tag name="KSO_WM_TEMPLATE_CATEGORY" val="custom"/>
+  <p:tag name="KSO_WM_TEMPLATE_INDEX" val="160402"/>
 </p:tagLst>
 </file>
 

--- a/Web/JavaScript-Notes.pptx
+++ b/Web/JavaScript-Notes.pptx
@@ -8,7 +8,7 @@
     <p:notesMasterId r:id="rId4"/>
   </p:notesMasterIdLst>
   <p:handoutMasterIdLst>
-    <p:handoutMasterId r:id="rId48"/>
+    <p:handoutMasterId r:id="rId53"/>
   </p:handoutMasterIdLst>
   <p:sldIdLst>
     <p:sldId id="256" r:id="rId3"/>
@@ -20,41 +20,46 @@
     <p:sldId id="259" r:id="rId10"/>
     <p:sldId id="262" r:id="rId11"/>
     <p:sldId id="268" r:id="rId12"/>
-    <p:sldId id="275" r:id="rId13"/>
+    <p:sldId id="600" r:id="rId13"/>
     <p:sldId id="269" r:id="rId14"/>
     <p:sldId id="260" r:id="rId15"/>
     <p:sldId id="261" r:id="rId16"/>
-    <p:sldId id="263" r:id="rId17"/>
-    <p:sldId id="258" r:id="rId18"/>
-    <p:sldId id="284" r:id="rId19"/>
-    <p:sldId id="285" r:id="rId20"/>
-    <p:sldId id="495" r:id="rId21"/>
-    <p:sldId id="392" r:id="rId22"/>
-    <p:sldId id="276" r:id="rId23"/>
-    <p:sldId id="557" r:id="rId24"/>
-    <p:sldId id="267" r:id="rId25"/>
-    <p:sldId id="283" r:id="rId26"/>
-    <p:sldId id="332" r:id="rId27"/>
-    <p:sldId id="411" r:id="rId28"/>
-    <p:sldId id="477" r:id="rId29"/>
-    <p:sldId id="297" r:id="rId30"/>
-    <p:sldId id="299" r:id="rId31"/>
-    <p:sldId id="380" r:id="rId32"/>
-    <p:sldId id="343" r:id="rId33"/>
-    <p:sldId id="298" r:id="rId34"/>
-    <p:sldId id="320" r:id="rId35"/>
-    <p:sldId id="326" r:id="rId36"/>
-    <p:sldId id="391" r:id="rId37"/>
+    <p:sldId id="258" r:id="rId17"/>
+    <p:sldId id="284" r:id="rId18"/>
+    <p:sldId id="285" r:id="rId19"/>
+    <p:sldId id="495" r:id="rId20"/>
+    <p:sldId id="392" r:id="rId21"/>
+    <p:sldId id="276" r:id="rId22"/>
+    <p:sldId id="557" r:id="rId23"/>
+    <p:sldId id="267" r:id="rId24"/>
+    <p:sldId id="283" r:id="rId25"/>
+    <p:sldId id="332" r:id="rId26"/>
+    <p:sldId id="411" r:id="rId27"/>
+    <p:sldId id="477" r:id="rId28"/>
+    <p:sldId id="297" r:id="rId29"/>
+    <p:sldId id="299" r:id="rId30"/>
+    <p:sldId id="380" r:id="rId31"/>
+    <p:sldId id="343" r:id="rId32"/>
+    <p:sldId id="298" r:id="rId33"/>
+    <p:sldId id="320" r:id="rId34"/>
+    <p:sldId id="326" r:id="rId35"/>
+    <p:sldId id="391" r:id="rId36"/>
+    <p:sldId id="587" r:id="rId37"/>
     <p:sldId id="390" r:id="rId38"/>
     <p:sldId id="429" r:id="rId39"/>
     <p:sldId id="470" r:id="rId40"/>
     <p:sldId id="580" r:id="rId41"/>
-    <p:sldId id="290" r:id="rId42"/>
-    <p:sldId id="291" r:id="rId43"/>
-    <p:sldId id="289" r:id="rId44"/>
-    <p:sldId id="426" r:id="rId45"/>
-    <p:sldId id="292" r:id="rId46"/>
-    <p:sldId id="293" r:id="rId47"/>
+    <p:sldId id="641" r:id="rId42"/>
+    <p:sldId id="290" r:id="rId43"/>
+    <p:sldId id="291" r:id="rId44"/>
+    <p:sldId id="289" r:id="rId45"/>
+    <p:sldId id="426" r:id="rId46"/>
+    <p:sldId id="292" r:id="rId47"/>
+    <p:sldId id="293" r:id="rId48"/>
+    <p:sldId id="637" r:id="rId49"/>
+    <p:sldId id="638" r:id="rId50"/>
+    <p:sldId id="598" r:id="rId51"/>
+    <p:sldId id="599" r:id="rId52"/>
   </p:sldIdLst>
   <p:sldSz cx="12192000" cy="6858000"/>
   <p:notesSz cx="6858000" cy="9144000"/>
@@ -3825,7 +3830,7 @@
             </a:pPr>
             <a:r>
               <a:rPr lang="en-US" altLang="zh-CN" sz="1800" smtClean="0"/>
-              <a:t>Last updated: 2/9/2020</a:t>
+              <a:t>Last updated: 7/3/2021</a:t>
             </a:r>
             <a:endParaRPr lang="en-US" altLang="zh-CN" sz="1800" smtClean="0"/>
           </a:p>
@@ -3854,7 +3859,7 @@
       <p:grpSpPr/>
       <p:sp>
         <p:nvSpPr>
-          <p:cNvPr id="2" name="Title 1"/>
+          <p:cNvPr id="2" name="标题 1"/>
           <p:cNvSpPr>
             <a:spLocks noGrp="1"/>
           </p:cNvSpPr>
@@ -3867,16 +3872,16 @@
           <a:bodyPr/>
           <a:p>
             <a:r>
-              <a:rPr lang="en-US" altLang="en-US"/>
-              <a:t>BOM (Browser Object Model)</a:t>
-            </a:r>
-            <a:endParaRPr lang="en-US" altLang="en-US"/>
-          </a:p>
-        </p:txBody>
-      </p:sp>
-      <p:sp>
-        <p:nvSpPr>
-          <p:cNvPr id="3" name="Content Placeholder 2"/>
+              <a:rPr lang="en-US" altLang="zh-CN"/>
+              <a:t>DOM 2</a:t>
+            </a:r>
+            <a:endParaRPr lang="en-US" altLang="zh-CN"/>
+          </a:p>
+        </p:txBody>
+      </p:sp>
+      <p:sp>
+        <p:nvSpPr>
+          <p:cNvPr id="3" name="内容占位符 2"/>
           <p:cNvSpPr>
             <a:spLocks noGrp="1"/>
           </p:cNvSpPr>
@@ -3884,178 +3889,38 @@
             <p:ph idx="1"/>
           </p:nvPr>
         </p:nvSpPr>
-        <p:spPr>
-          <a:xfrm>
-            <a:off x="838200" y="1211580"/>
-            <a:ext cx="10515600" cy="5348605"/>
-          </a:xfrm>
-        </p:spPr>
-        <p:txBody>
-          <a:bodyPr>
-            <a:normAutofit fontScale="60000"/>
-          </a:bodyPr>
-          <a:p>
-            <a:r>
-              <a:rPr lang="en-US" altLang="en-US"/>
-              <a:t>window</a:t>
-            </a:r>
-            <a:endParaRPr lang="en-US" altLang="en-US"/>
-          </a:p>
-          <a:p>
-            <a:pPr lvl="1"/>
-            <a:r>
-              <a:rPr lang="en-US" altLang="en-US"/>
-              <a:t>innerHeight, innerWidth, navigator (.platform, userAgent, cookieEnabled, ...)</a:t>
-            </a:r>
-            <a:endParaRPr lang="en-US" altLang="en-US"/>
-          </a:p>
-          <a:p>
-            <a:pPr lvl="1"/>
-            <a:r>
-              <a:rPr lang="en-US" altLang="en-US"/>
-              <a:t>open(), close(), moveTo(), resizeTo()</a:t>
-            </a:r>
-            <a:endParaRPr lang="en-US" altLang="en-US"/>
-          </a:p>
-          <a:p>
-            <a:pPr lvl="0"/>
-            <a:r>
-              <a:rPr lang="en-US" altLang="en-US"/>
-              <a:t>screen</a:t>
-            </a:r>
-            <a:endParaRPr lang="en-US" altLang="en-US"/>
-          </a:p>
-          <a:p>
-            <a:pPr lvl="1"/>
-            <a:r>
-              <a:rPr lang="en-US" altLang="en-US"/>
-              <a:t>width, height, availWidth, availHeight, colorDepth, pixelDepth</a:t>
-            </a:r>
-            <a:endParaRPr lang="en-US" altLang="en-US"/>
-          </a:p>
-          <a:p>
-            <a:pPr lvl="0"/>
-            <a:r>
-              <a:rPr lang="en-US" altLang="en-US"/>
-              <a:t>location</a:t>
-            </a:r>
-            <a:endParaRPr lang="en-US" altLang="en-US"/>
-          </a:p>
-          <a:p>
-            <a:pPr lvl="1"/>
-            <a:r>
-              <a:rPr lang="en-US" altLang="en-US"/>
-              <a:t>href, hostname, pathname, protocol, port, assign</a:t>
-            </a:r>
-            <a:endParaRPr lang="en-US" altLang="en-US"/>
-          </a:p>
-          <a:p>
-            <a:pPr lvl="0"/>
-            <a:r>
-              <a:rPr lang="en-US" altLang="en-US"/>
-              <a:t>history</a:t>
-            </a:r>
-            <a:endParaRPr lang="en-US" altLang="en-US"/>
-          </a:p>
-          <a:p>
-            <a:pPr lvl="1"/>
-            <a:r>
-              <a:rPr lang="en-US" altLang="en-US"/>
-              <a:t>back(), forward()</a:t>
-            </a:r>
-            <a:endParaRPr lang="en-US" altLang="en-US"/>
-          </a:p>
-          <a:p>
-            <a:pPr lvl="0"/>
-            <a:r>
-              <a:rPr lang="en-US" altLang="en-US"/>
-              <a:t>navigator</a:t>
-            </a:r>
-            <a:endParaRPr lang="en-US" altLang="en-US"/>
-          </a:p>
-          <a:p>
-            <a:pPr lvl="1"/>
-            <a:r>
-              <a:rPr lang="en-US" altLang="en-US"/>
-              <a:t>appName, appCodeName, appVersion, product, platform, cookieEnabled, userAgent, language, </a:t>
-            </a:r>
-            <a:endParaRPr lang="en-US" altLang="en-US"/>
-          </a:p>
-          <a:p>
-            <a:pPr lvl="0"/>
-            <a:r>
-              <a:rPr lang="en-US" altLang="en-US"/>
-              <a:t>popup</a:t>
-            </a:r>
-            <a:endParaRPr lang="en-US" altLang="en-US"/>
-          </a:p>
-          <a:p>
-            <a:pPr lvl="1"/>
-            <a:r>
-              <a:rPr lang="en-US" altLang="en-US"/>
-              <a:t>alert(str)</a:t>
-            </a:r>
-            <a:endParaRPr lang="en-US" altLang="en-US"/>
-          </a:p>
-          <a:p>
-            <a:pPr lvl="1"/>
-            <a:r>
-              <a:rPr lang="en-US" altLang="en-US"/>
-              <a:t>var r = confirm(str) true/false</a:t>
-            </a:r>
-            <a:endParaRPr lang="en-US" altLang="en-US"/>
-          </a:p>
-          <a:p>
-            <a:pPr lvl="1"/>
-            <a:r>
-              <a:rPr lang="en-US" altLang="en-US"/>
-              <a:t>var v = prompt('title', 'default-val')</a:t>
-            </a:r>
-            <a:endParaRPr lang="en-US" altLang="en-US"/>
-          </a:p>
-          <a:p>
-            <a:pPr lvl="0"/>
-            <a:r>
-              <a:rPr lang="en-US" altLang="en-US"/>
-              <a:t>Timing</a:t>
-            </a:r>
-            <a:endParaRPr lang="en-US" altLang="en-US"/>
-          </a:p>
-          <a:p>
-            <a:pPr lvl="1"/>
-            <a:r>
-              <a:rPr lang="en-US" altLang="en-US"/>
-              <a:t>var t = setTimeout(func, ms)</a:t>
-            </a:r>
-            <a:endParaRPr lang="en-US" altLang="en-US"/>
-          </a:p>
-          <a:p>
-            <a:pPr lvl="1"/>
-            <a:r>
-              <a:rPr lang="en-US" altLang="en-US"/>
-              <a:t>clearTimeout(t)</a:t>
-            </a:r>
-            <a:endParaRPr lang="en-US" altLang="en-US"/>
-          </a:p>
-          <a:p>
-            <a:pPr lvl="1"/>
-            <a:r>
-              <a:rPr lang="en-US" altLang="en-US"/>
-              <a:t>var i = setInterval(func, ms)</a:t>
-            </a:r>
-            <a:endParaRPr lang="en-US" altLang="en-US"/>
-          </a:p>
-          <a:p>
-            <a:pPr lvl="1"/>
-            <a:r>
-              <a:rPr lang="en-US" altLang="en-US"/>
-              <a:t>clearInterval(i)</a:t>
-            </a:r>
-            <a:endParaRPr lang="en-US" altLang="en-US"/>
+        <p:spPr/>
+        <p:txBody>
+          <a:bodyPr/>
+          <a:p>
+            <a:r>
+              <a:rPr lang="en-US" altLang="zh-CN"/>
+              <a:t>Get width/height of HTML element</a:t>
+            </a:r>
+            <a:endParaRPr lang="en-US" altLang="zh-CN"/>
+          </a:p>
+          <a:p>
+            <a:pPr lvl="1"/>
+            <a:r>
+              <a:rPr lang="en-US" altLang="zh-CN"/>
+              <a:t>offsetWidth, offsetHeight (if size not defined in CSS)</a:t>
+            </a:r>
+            <a:endParaRPr lang="en-US" altLang="zh-CN"/>
+          </a:p>
+          <a:p>
+            <a:pPr lvl="1"/>
+            <a:r>
+              <a:rPr lang="en-US" altLang="zh-CN"/>
+              <a:t>getBoundingClientRect()</a:t>
+            </a:r>
+            <a:endParaRPr lang="en-US" altLang="zh-CN"/>
           </a:p>
         </p:txBody>
       </p:sp>
     </p:spTree>
+    <p:custDataLst>
+      <p:tags r:id="rId1"/>
+    </p:custDataLst>
   </p:cSld>
   <p:clrMapOvr>
     <a:masterClrMapping/>
@@ -4749,71 +4614,6 @@
           <a:p>
             <a:r>
               <a:rPr lang="en-US" altLang="zh-CN"/>
-              <a:t>Object</a:t>
-            </a:r>
-            <a:endParaRPr lang="en-US" altLang="zh-CN"/>
-          </a:p>
-        </p:txBody>
-      </p:sp>
-      <p:sp>
-        <p:nvSpPr>
-          <p:cNvPr id="3" name="内容占位符 2"/>
-          <p:cNvSpPr>
-            <a:spLocks noGrp="1"/>
-          </p:cNvSpPr>
-          <p:nvPr>
-            <p:ph idx="1"/>
-          </p:nvPr>
-        </p:nvSpPr>
-        <p:spPr/>
-        <p:txBody>
-          <a:bodyPr/>
-          <a:p>
-            <a:r>
-              <a:rPr lang="en-US" altLang="zh-CN"/>
-              <a:t>obj.property</a:t>
-            </a:r>
-            <a:endParaRPr lang="en-US" altLang="zh-CN"/>
-          </a:p>
-        </p:txBody>
-      </p:sp>
-    </p:spTree>
-    <p:custDataLst>
-      <p:tags r:id="rId1"/>
-    </p:custDataLst>
-  </p:cSld>
-  <p:clrMapOvr>
-    <a:masterClrMapping/>
-  </p:clrMapOvr>
-</p:sld>
-</file>
-
-<file path=ppt/slides/slide15.xml><?xml version="1.0" encoding="utf-8"?>
-<p:sld xmlns:a="http://schemas.openxmlformats.org/drawingml/2006/main" xmlns:r="http://schemas.openxmlformats.org/officeDocument/2006/relationships" xmlns:p="http://schemas.openxmlformats.org/presentationml/2006/main">
-  <p:cSld>
-    <p:spTree>
-      <p:nvGrpSpPr>
-        <p:cNvPr id="1" name=""/>
-        <p:cNvGrpSpPr/>
-        <p:nvPr/>
-      </p:nvGrpSpPr>
-      <p:grpSpPr/>
-      <p:sp>
-        <p:nvSpPr>
-          <p:cNvPr id="2" name="标题 1"/>
-          <p:cNvSpPr>
-            <a:spLocks noGrp="1"/>
-          </p:cNvSpPr>
-          <p:nvPr>
-            <p:ph type="title"/>
-          </p:nvPr>
-        </p:nvSpPr>
-        <p:spPr/>
-        <p:txBody>
-          <a:bodyPr/>
-          <a:p>
-            <a:r>
-              <a:rPr lang="en-US" altLang="zh-CN"/>
               <a:t>String Operation</a:t>
             </a:r>
             <a:endParaRPr lang="en-US" altLang="zh-CN"/>
@@ -5182,6 +4982,159 @@
 </p:sld>
 </file>
 
+<file path=ppt/slides/slide15.xml><?xml version="1.0" encoding="utf-8"?>
+<p:sld xmlns:a="http://schemas.openxmlformats.org/drawingml/2006/main" xmlns:r="http://schemas.openxmlformats.org/officeDocument/2006/relationships" xmlns:p="http://schemas.openxmlformats.org/presentationml/2006/main">
+  <p:cSld>
+    <p:spTree>
+      <p:nvGrpSpPr>
+        <p:cNvPr id="1" name=""/>
+        <p:cNvGrpSpPr/>
+        <p:nvPr/>
+      </p:nvGrpSpPr>
+      <p:grpSpPr/>
+      <p:sp>
+        <p:nvSpPr>
+          <p:cNvPr id="2" name="标题 1"/>
+          <p:cNvSpPr>
+            <a:spLocks noGrp="1"/>
+          </p:cNvSpPr>
+          <p:nvPr>
+            <p:ph type="title"/>
+          </p:nvPr>
+        </p:nvSpPr>
+        <p:spPr/>
+        <p:txBody>
+          <a:bodyPr/>
+          <a:p>
+            <a:r>
+              <a:rPr lang="en-US" altLang="zh-CN"/>
+              <a:t>DateTime</a:t>
+            </a:r>
+            <a:endParaRPr lang="en-US" altLang="zh-CN"/>
+          </a:p>
+        </p:txBody>
+      </p:sp>
+      <p:sp>
+        <p:nvSpPr>
+          <p:cNvPr id="3" name="内容占位符 2"/>
+          <p:cNvSpPr>
+            <a:spLocks noGrp="1"/>
+          </p:cNvSpPr>
+          <p:nvPr>
+            <p:ph idx="1"/>
+          </p:nvPr>
+        </p:nvSpPr>
+        <p:spPr/>
+        <p:txBody>
+          <a:bodyPr/>
+          <a:p>
+            <a:r>
+              <a:rPr lang="en-US" altLang="zh-CN"/>
+              <a:t>Date</a:t>
+            </a:r>
+            <a:endParaRPr lang="en-US" altLang="zh-CN"/>
+          </a:p>
+          <a:p>
+            <a:pPr lvl="1"/>
+            <a:r>
+              <a:rPr lang="en-US" altLang="zh-CN"/>
+              <a:t>var today = new Date()</a:t>
+            </a:r>
+            <a:endParaRPr lang="en-US" altLang="zh-CN"/>
+          </a:p>
+          <a:p>
+            <a:pPr lvl="1"/>
+            <a:r>
+              <a:rPr lang="en-US" altLang="zh-CN"/>
+              <a:t>today.getFullYear()</a:t>
+            </a:r>
+            <a:endParaRPr lang="en-US" altLang="zh-CN"/>
+          </a:p>
+          <a:p>
+            <a:pPr lvl="1"/>
+            <a:r>
+              <a:rPr lang="en-US" altLang="zh-CN"/>
+              <a:t>today.getMonth() + 1</a:t>
+            </a:r>
+            <a:endParaRPr lang="en-US" altLang="zh-CN"/>
+          </a:p>
+          <a:p>
+            <a:pPr lvl="1"/>
+            <a:r>
+              <a:rPr lang="en-US" altLang="zh-CN"/>
+              <a:t>today.getDate()</a:t>
+            </a:r>
+            <a:endParaRPr lang="en-US" altLang="zh-CN"/>
+          </a:p>
+          <a:p>
+            <a:pPr lvl="1"/>
+            <a:r>
+              <a:rPr lang="en-US" altLang="zh-CN"/>
+              <a:t>today.getHours()</a:t>
+            </a:r>
+            <a:endParaRPr lang="en-US" altLang="zh-CN"/>
+          </a:p>
+          <a:p>
+            <a:pPr lvl="1"/>
+            <a:r>
+              <a:rPr lang="en-US" altLang="zh-CN"/>
+              <a:t>today.getMinutes()</a:t>
+            </a:r>
+            <a:endParaRPr lang="en-US" altLang="zh-CN"/>
+          </a:p>
+          <a:p>
+            <a:pPr lvl="1"/>
+            <a:r>
+              <a:rPr lang="en-US" altLang="zh-CN"/>
+              <a:t>today.getSeconds()</a:t>
+            </a:r>
+            <a:endParaRPr lang="en-US" altLang="zh-CN"/>
+          </a:p>
+          <a:p>
+            <a:pPr lvl="0"/>
+            <a:r>
+              <a:rPr lang="en-US" altLang="zh-CN"/>
+              <a:t>Diff</a:t>
+            </a:r>
+            <a:endParaRPr lang="en-US" altLang="zh-CN"/>
+          </a:p>
+          <a:p>
+            <a:pPr lvl="1"/>
+            <a:r>
+              <a:rPr lang="en-US" altLang="zh-CN"/>
+              <a:t>date1 = new Date('str')</a:t>
+            </a:r>
+            <a:endParaRPr lang="en-US" altLang="zh-CN"/>
+          </a:p>
+          <a:p>
+            <a:pPr lvl="1"/>
+            <a:r>
+              <a:rPr lang="en-US" altLang="zh-CN"/>
+              <a:t>date2 = new Date('str')</a:t>
+            </a:r>
+            <a:endParaRPr lang="en-US" altLang="zh-CN"/>
+          </a:p>
+          <a:p>
+            <a:pPr lvl="1"/>
+            <a:r>
+              <a:rPr lang="en-US" altLang="zh-CN"/>
+              <a:t>diff = date1.getTime() - date2.getTime()	// in ms</a:t>
+            </a:r>
+            <a:endParaRPr lang="en-US" altLang="zh-CN"/>
+          </a:p>
+        </p:txBody>
+      </p:sp>
+    </p:spTree>
+    <p:custDataLst>
+      <p:tags r:id="rId1"/>
+    </p:custDataLst>
+  </p:cSld>
+  <p:clrMapOvr>
+    <a:masterClrMapping/>
+  </p:clrMapOvr>
+</p:sld>
+</file>
+
 <file path=ppt/slides/slide16.xml><?xml version="1.0" encoding="utf-8"?>
 <p:sld xmlns:a="http://schemas.openxmlformats.org/drawingml/2006/main" xmlns:r="http://schemas.openxmlformats.org/officeDocument/2006/relationships" xmlns:p="http://schemas.openxmlformats.org/presentationml/2006/main">
   <p:cSld>
@@ -5208,7 +5161,7 @@
           <a:p>
             <a:r>
               <a:rPr lang="en-US" altLang="zh-CN"/>
-              <a:t>DateTime</a:t>
+              <a:t>Form</a:t>
             </a:r>
             <a:endParaRPr lang="en-US" altLang="zh-CN"/>
           </a:p>
@@ -5230,63 +5183,15 @@
           <a:p>
             <a:r>
               <a:rPr lang="en-US" altLang="zh-CN"/>
-              <a:t>Date</a:t>
-            </a:r>
-            <a:endParaRPr lang="en-US" altLang="zh-CN"/>
-          </a:p>
-          <a:p>
-            <a:pPr lvl="1"/>
-            <a:r>
-              <a:rPr lang="en-US" altLang="zh-CN"/>
-              <a:t>var today = new Date()</a:t>
-            </a:r>
-            <a:endParaRPr lang="en-US" altLang="zh-CN"/>
-          </a:p>
-          <a:p>
-            <a:pPr lvl="1"/>
-            <a:r>
-              <a:rPr lang="en-US" altLang="zh-CN"/>
-              <a:t>today.getFullYear()</a:t>
-            </a:r>
-            <a:endParaRPr lang="en-US" altLang="zh-CN"/>
-          </a:p>
-          <a:p>
-            <a:pPr lvl="1"/>
-            <a:r>
-              <a:rPr lang="en-US" altLang="zh-CN"/>
-              <a:t>today.getMonth() + 1</a:t>
-            </a:r>
-            <a:endParaRPr lang="en-US" altLang="zh-CN"/>
-          </a:p>
-          <a:p>
-            <a:pPr lvl="1"/>
-            <a:r>
-              <a:rPr lang="en-US" altLang="zh-CN"/>
-              <a:t>today.getDate()</a:t>
-            </a:r>
-            <a:endParaRPr lang="en-US" altLang="zh-CN"/>
-          </a:p>
-          <a:p>
-            <a:pPr lvl="1"/>
-            <a:r>
-              <a:rPr lang="en-US" altLang="zh-CN"/>
-              <a:t>today.getHours()</a:t>
-            </a:r>
-            <a:endParaRPr lang="en-US" altLang="zh-CN"/>
-          </a:p>
-          <a:p>
-            <a:pPr lvl="1"/>
-            <a:r>
-              <a:rPr lang="en-US" altLang="zh-CN"/>
-              <a:t>today.getMinutes()</a:t>
-            </a:r>
-            <a:endParaRPr lang="en-US" altLang="zh-CN"/>
-          </a:p>
-          <a:p>
-            <a:pPr lvl="1"/>
-            <a:r>
-              <a:rPr lang="en-US" altLang="zh-CN"/>
-              <a:t>today.getSeconds()</a:t>
+              <a:t>Email validation</a:t>
+            </a:r>
+            <a:endParaRPr lang="en-US" altLang="zh-CN"/>
+          </a:p>
+          <a:p>
+            <a:pPr lvl="1"/>
+            <a:r>
+              <a:rPr lang="en-US" altLang="zh-CN"/>
+              <a:t>/^\w+([\.-]?\w+)*@\w+([\.-]?\w+)*(\.\w{2,3})+$/</a:t>
             </a:r>
             <a:endParaRPr lang="en-US" altLang="zh-CN"/>
           </a:p>
@@ -5294,32 +5199,12 @@
             <a:pPr lvl="0"/>
             <a:r>
               <a:rPr lang="en-US" altLang="zh-CN"/>
-              <a:t>Diff</a:t>
-            </a:r>
-            <a:endParaRPr lang="en-US" altLang="zh-CN"/>
-          </a:p>
-          <a:p>
-            <a:pPr lvl="1"/>
-            <a:r>
-              <a:rPr lang="en-US" altLang="zh-CN"/>
-              <a:t>date1 = new Date('str')</a:t>
-            </a:r>
-            <a:endParaRPr lang="en-US" altLang="zh-CN"/>
-          </a:p>
-          <a:p>
-            <a:pPr lvl="1"/>
-            <a:r>
-              <a:rPr lang="en-US" altLang="zh-CN"/>
-              <a:t>date2 = new Date('str')</a:t>
-            </a:r>
-            <a:endParaRPr lang="en-US" altLang="zh-CN"/>
-          </a:p>
-          <a:p>
-            <a:pPr lvl="1"/>
-            <a:r>
-              <a:rPr lang="en-US" altLang="zh-CN"/>
-              <a:t>diff = date1.getTime() - date2.getTime()	// in ms</a:t>
-            </a:r>
+              <a:t>Phone validation</a:t>
+            </a:r>
+            <a:endParaRPr lang="en-US" altLang="zh-CN"/>
+          </a:p>
+          <a:p>
+            <a:pPr lvl="1"/>
             <a:endParaRPr lang="en-US" altLang="zh-CN"/>
           </a:p>
         </p:txBody>
@@ -5361,7 +5246,7 @@
           <a:p>
             <a:r>
               <a:rPr lang="en-US" altLang="zh-CN"/>
-              <a:t>Form</a:t>
+              <a:t>Storage</a:t>
             </a:r>
             <a:endParaRPr lang="en-US" altLang="zh-CN"/>
           </a:p>
@@ -5377,21 +5262,43 @@
             <p:ph idx="1"/>
           </p:nvPr>
         </p:nvSpPr>
-        <p:spPr/>
-        <p:txBody>
-          <a:bodyPr/>
-          <a:p>
-            <a:r>
-              <a:rPr lang="en-US" altLang="zh-CN"/>
-              <a:t>Email validation</a:t>
-            </a:r>
-            <a:endParaRPr lang="en-US" altLang="zh-CN"/>
-          </a:p>
-          <a:p>
-            <a:pPr lvl="1"/>
-            <a:r>
-              <a:rPr lang="en-US" altLang="zh-CN"/>
-              <a:t>/^\w+([\.-]?\w+)*@\w+([\.-]?\w+)*(\.\w{2,3})+$/</a:t>
+        <p:spPr>
+          <a:xfrm>
+            <a:off x="838200" y="1211580"/>
+            <a:ext cx="6198870" cy="4991100"/>
+          </a:xfrm>
+        </p:spPr>
+        <p:txBody>
+          <a:bodyPr>
+            <a:normAutofit fontScale="60000"/>
+          </a:bodyPr>
+          <a:p>
+            <a:r>
+              <a:rPr lang="en-US" altLang="zh-CN"/>
+              <a:t>localStorage</a:t>
+            </a:r>
+            <a:endParaRPr lang="en-US" altLang="zh-CN"/>
+          </a:p>
+          <a:p>
+            <a:pPr lvl="1"/>
+            <a:r>
+              <a:rPr lang="en-US" altLang="zh-CN"/>
+              <a:t>persists until explicitly deleted</a:t>
+            </a:r>
+            <a:endParaRPr lang="en-US" altLang="zh-CN"/>
+          </a:p>
+          <a:p>
+            <a:r>
+              <a:rPr lang="en-US" altLang="zh-CN"/>
+              <a:t>sessionStorage</a:t>
+            </a:r>
+            <a:endParaRPr lang="en-US" altLang="zh-CN"/>
+          </a:p>
+          <a:p>
+            <a:pPr lvl="1"/>
+            <a:r>
+              <a:rPr lang="en-US" altLang="zh-CN"/>
+              <a:t>changes are only available per tab</a:t>
             </a:r>
             <a:endParaRPr lang="en-US" altLang="zh-CN"/>
           </a:p>
@@ -5399,13 +5306,494 @@
             <a:pPr lvl="0"/>
             <a:r>
               <a:rPr lang="en-US" altLang="zh-CN"/>
-              <a:t>Phone validation</a:t>
-            </a:r>
-            <a:endParaRPr lang="en-US" altLang="zh-CN"/>
-          </a:p>
-          <a:p>
-            <a:pPr lvl="1"/>
-            <a:endParaRPr lang="en-US" altLang="zh-CN"/>
+              <a:t>File</a:t>
+            </a:r>
+            <a:endParaRPr lang="en-US" altLang="zh-CN"/>
+          </a:p>
+          <a:p>
+            <a:pPr lvl="1"/>
+            <a:r>
+              <a:rPr lang="en-US" altLang="zh-CN"/>
+              <a:t>file-saver</a:t>
+            </a:r>
+            <a:endParaRPr lang="en-US" altLang="zh-CN"/>
+          </a:p>
+          <a:p>
+            <a:pPr lvl="1"/>
+            <a:r>
+              <a:rPr lang="en-US" altLang="zh-CN"/>
+              <a:t>https://github.com/eligrey/FileSaver.js/</a:t>
+            </a:r>
+            <a:endParaRPr lang="en-US" altLang="zh-CN"/>
+          </a:p>
+          <a:p>
+            <a:pPr lvl="1"/>
+            <a:r>
+              <a:rPr lang="en-US" altLang="zh-CN"/>
+              <a:t>import { saveAs } from 'file-saver'</a:t>
+            </a:r>
+            <a:endParaRPr lang="en-US" altLang="zh-CN"/>
+          </a:p>
+          <a:p>
+            <a:pPr lvl="1"/>
+            <a:r>
+              <a:rPr lang="en-US" altLang="zh-CN"/>
+              <a:t>example</a:t>
+            </a:r>
+            <a:endParaRPr lang="en-US" altLang="zh-CN"/>
+          </a:p>
+          <a:p>
+            <a:pPr lvl="2"/>
+            <a:r>
+              <a:rPr lang="en-US" altLang="zh-CN"/>
+              <a:t>var canvas = document.getElementById("my-canvas");</a:t>
+            </a:r>
+            <a:endParaRPr lang="en-US" altLang="zh-CN"/>
+          </a:p>
+          <a:p>
+            <a:pPr lvl="2"/>
+            <a:r>
+              <a:rPr lang="en-US" altLang="zh-CN"/>
+              <a:t>canvas.toBlob(function(blob) {</a:t>
+            </a:r>
+            <a:endParaRPr lang="en-US" altLang="zh-CN"/>
+          </a:p>
+          <a:p>
+            <a:pPr lvl="2"/>
+            <a:r>
+              <a:rPr lang="en-US" altLang="zh-CN"/>
+              <a:t>    saveAs(blob, "pretty image.png");</a:t>
+            </a:r>
+            <a:endParaRPr lang="en-US" altLang="zh-CN"/>
+          </a:p>
+          <a:p>
+            <a:pPr lvl="2"/>
+            <a:r>
+              <a:rPr lang="en-US" altLang="zh-CN"/>
+              <a:t>});</a:t>
+            </a:r>
+            <a:endParaRPr lang="en-US" altLang="zh-CN"/>
+          </a:p>
+          <a:p>
+            <a:pPr lvl="0"/>
+            <a:r>
+              <a:rPr lang="en-US" altLang="zh-CN"/>
+              <a:t>jszip</a:t>
+            </a:r>
+            <a:endParaRPr lang="en-US" altLang="zh-CN"/>
+          </a:p>
+          <a:p>
+            <a:pPr lvl="1"/>
+            <a:r>
+              <a:rPr lang="en-US" altLang="zh-CN" sz="2000"/>
+              <a:t>https://stuk.github.io/jszip/</a:t>
+            </a:r>
+            <a:endParaRPr lang="en-US" altLang="zh-CN" sz="2000"/>
+          </a:p>
+          <a:p>
+            <a:pPr lvl="1"/>
+            <a:r>
+              <a:rPr lang="en-US" altLang="zh-CN" sz="2000"/>
+              <a:t>generateAsync</a:t>
+            </a:r>
+            <a:endParaRPr lang="en-US" altLang="zh-CN" sz="2000"/>
+          </a:p>
+          <a:p>
+            <a:pPr lvl="2"/>
+            <a:r>
+              <a:rPr lang="en-US" altLang="zh-CN"/>
+              <a:t>type: nodebuffer, to save content with fs.writeFile()</a:t>
+            </a:r>
+            <a:endParaRPr lang="en-US" altLang="zh-CN"/>
+          </a:p>
+          <a:p>
+            <a:pPr lvl="0"/>
+            <a:r>
+              <a:rPr lang="en-US" altLang="zh-CN"/>
+              <a:t>jszipUtils</a:t>
+            </a:r>
+            <a:endParaRPr lang="en-US" altLang="zh-CN"/>
+          </a:p>
+          <a:p>
+            <a:pPr lvl="1"/>
+            <a:r>
+              <a:rPr lang="en-US" altLang="zh-CN"/>
+              <a:t>https://github.com/Stuk/jszip-utils</a:t>
+            </a:r>
+            <a:endParaRPr lang="en-US" altLang="zh-CN"/>
+          </a:p>
+          <a:p>
+            <a:pPr lvl="1"/>
+            <a:endParaRPr lang="en-US" altLang="zh-CN"/>
+          </a:p>
+        </p:txBody>
+      </p:sp>
+      <p:sp>
+        <p:nvSpPr>
+          <p:cNvPr id="4" name="文本框 3"/>
+          <p:cNvSpPr txBox="1"/>
+          <p:nvPr/>
+        </p:nvSpPr>
+        <p:spPr>
+          <a:xfrm>
+            <a:off x="7265035" y="1081405"/>
+            <a:ext cx="4575810" cy="1938020"/>
+          </a:xfrm>
+          <a:prstGeom prst="rect">
+            <a:avLst/>
+          </a:prstGeom>
+          <a:noFill/>
+          <a:ln>
+            <a:solidFill>
+              <a:srgbClr val="FFC000"/>
+            </a:solidFill>
+          </a:ln>
+        </p:spPr>
+        <p:txBody>
+          <a:bodyPr wrap="square" rtlCol="0">
+            <a:spAutoFit/>
+          </a:bodyPr>
+          <a:p>
+            <a:r>
+              <a:rPr lang="zh-CN" altLang="en-US" sz="1000"/>
+              <a:t>var zip = new JsZip()</a:t>
+            </a:r>
+            <a:endParaRPr lang="zh-CN" altLang="en-US" sz="1000"/>
+          </a:p>
+          <a:p>
+            <a:r>
+              <a:rPr lang="zh-CN" altLang="en-US" sz="1000"/>
+              <a:t>var img = zip.folder('images')</a:t>
+            </a:r>
+            <a:endParaRPr lang="zh-CN" altLang="en-US" sz="1000"/>
+          </a:p>
+          <a:p>
+            <a:r>
+              <a:rPr lang="zh-CN" altLang="en-US" sz="1000"/>
+              <a:t>fs.readFile('C:/tmp/1.jpg', function(err, data) {</a:t>
+            </a:r>
+            <a:endParaRPr lang="zh-CN" altLang="en-US" sz="1000"/>
+          </a:p>
+          <a:p>
+            <a:r>
+              <a:rPr lang="zh-CN" altLang="en-US" sz="1000"/>
+              <a:t>  img.file('1.jpg', data, {base64: true})</a:t>
+            </a:r>
+            <a:endParaRPr lang="zh-CN" altLang="en-US" sz="1000"/>
+          </a:p>
+          <a:p>
+            <a:r>
+              <a:rPr lang="zh-CN" altLang="en-US" sz="1000"/>
+              <a:t>  zip.generateAsync({type: </a:t>
+            </a:r>
+            <a:r>
+              <a:rPr lang="zh-CN" altLang="en-US" sz="1000" b="1"/>
+              <a:t>'nodebuffer'</a:t>
+            </a:r>
+            <a:r>
+              <a:rPr lang="zh-CN" altLang="en-US" sz="1000"/>
+              <a:t>}).then(function(content) {</a:t>
+            </a:r>
+            <a:endParaRPr lang="zh-CN" altLang="en-US" sz="1000"/>
+          </a:p>
+          <a:p>
+            <a:r>
+              <a:rPr lang="en-US" altLang="zh-CN" sz="1000"/>
+              <a:t> </a:t>
+            </a:r>
+            <a:r>
+              <a:rPr lang="zh-CN" altLang="en-US" sz="1000"/>
+              <a:t>    console.log('Generated zip. content: ', content)</a:t>
+            </a:r>
+            <a:endParaRPr lang="zh-CN" altLang="en-US" sz="1000"/>
+          </a:p>
+          <a:p>
+            <a:r>
+              <a:rPr lang="zh-CN" altLang="en-US" sz="1000"/>
+              <a:t>     fs.writeFile('C:/tmp/test.zip', content, (err) =&gt; {</a:t>
+            </a:r>
+            <a:endParaRPr lang="zh-CN" altLang="en-US" sz="1000"/>
+          </a:p>
+          <a:p>
+            <a:r>
+              <a:rPr lang="zh-CN" altLang="en-US" sz="1000"/>
+              <a:t>     </a:t>
+            </a:r>
+            <a:r>
+              <a:rPr lang="en-US" altLang="zh-CN" sz="1000"/>
+              <a:t>  </a:t>
+            </a:r>
+            <a:r>
+              <a:rPr lang="zh-CN" altLang="en-US" sz="1000"/>
+              <a:t>if (err)</a:t>
+            </a:r>
+            <a:r>
+              <a:rPr lang="en-US" altLang="zh-CN" sz="1000"/>
+              <a:t> </a:t>
+            </a:r>
+            <a:r>
+              <a:rPr lang="zh-CN" altLang="en-US" sz="1000"/>
+              <a:t>throw err</a:t>
+            </a:r>
+            <a:endParaRPr lang="zh-CN" altLang="en-US" sz="1000"/>
+          </a:p>
+          <a:p>
+            <a:r>
+              <a:rPr lang="zh-CN" altLang="en-US" sz="1000"/>
+              <a:t>     </a:t>
+            </a:r>
+            <a:r>
+              <a:rPr lang="en-US" altLang="zh-CN" sz="1000"/>
+              <a:t> </a:t>
+            </a:r>
+            <a:r>
+              <a:rPr lang="zh-CN" altLang="en-US" sz="1000"/>
+              <a:t>console.log('Saved test.zip file.')</a:t>
+            </a:r>
+            <a:endParaRPr lang="zh-CN" altLang="en-US" sz="1000"/>
+          </a:p>
+          <a:p>
+            <a:r>
+              <a:rPr lang="zh-CN" altLang="en-US" sz="1000"/>
+              <a:t>    })</a:t>
+            </a:r>
+            <a:endParaRPr lang="zh-CN" altLang="en-US" sz="1000"/>
+          </a:p>
+          <a:p>
+            <a:r>
+              <a:rPr lang="zh-CN" altLang="en-US" sz="1000"/>
+              <a:t>  })</a:t>
+            </a:r>
+            <a:endParaRPr lang="zh-CN" altLang="en-US" sz="1000"/>
+          </a:p>
+          <a:p>
+            <a:r>
+              <a:rPr lang="zh-CN" altLang="en-US" sz="1000"/>
+              <a:t>})</a:t>
+            </a:r>
+            <a:endParaRPr lang="zh-CN" altLang="en-US" sz="1000"/>
+          </a:p>
+        </p:txBody>
+      </p:sp>
+      <p:sp>
+        <p:nvSpPr>
+          <p:cNvPr id="5" name="文本框 4"/>
+          <p:cNvSpPr txBox="1"/>
+          <p:nvPr/>
+        </p:nvSpPr>
+        <p:spPr>
+          <a:xfrm>
+            <a:off x="7265035" y="3132455"/>
+            <a:ext cx="4575810" cy="706755"/>
+          </a:xfrm>
+          <a:prstGeom prst="rect">
+            <a:avLst/>
+          </a:prstGeom>
+          <a:noFill/>
+          <a:ln>
+            <a:solidFill>
+              <a:srgbClr val="FFC000"/>
+            </a:solidFill>
+          </a:ln>
+        </p:spPr>
+        <p:txBody>
+          <a:bodyPr wrap="square" rtlCol="0">
+            <a:spAutoFit/>
+          </a:bodyPr>
+          <a:p>
+            <a:r>
+              <a:rPr lang="zh-CN" altLang="en-US" sz="1000"/>
+              <a:t>zip.generateAsync({type:"</a:t>
+            </a:r>
+            <a:r>
+              <a:rPr lang="zh-CN" altLang="en-US" sz="1000" b="1"/>
+              <a:t>blob</a:t>
+            </a:r>
+            <a:r>
+              <a:rPr lang="zh-CN" altLang="en-US" sz="1000"/>
+              <a:t>"}).then(function (content) {</a:t>
+            </a:r>
+            <a:endParaRPr lang="zh-CN" altLang="en-US" sz="1000"/>
+          </a:p>
+          <a:p>
+            <a:r>
+              <a:rPr lang="zh-CN" altLang="en-US" sz="1000"/>
+              <a:t>    // see FileSaver.js</a:t>
+            </a:r>
+            <a:endParaRPr lang="zh-CN" altLang="en-US" sz="1000"/>
+          </a:p>
+          <a:p>
+            <a:r>
+              <a:rPr lang="zh-CN" altLang="en-US" sz="1000"/>
+              <a:t>    saveAs(content, "hello.zip");</a:t>
+            </a:r>
+            <a:endParaRPr lang="zh-CN" altLang="en-US" sz="1000"/>
+          </a:p>
+          <a:p>
+            <a:r>
+              <a:rPr lang="zh-CN" altLang="en-US" sz="1000"/>
+              <a:t>});</a:t>
+            </a:r>
+            <a:endParaRPr lang="zh-CN" altLang="en-US" sz="1000"/>
+          </a:p>
+        </p:txBody>
+      </p:sp>
+      <p:sp>
+        <p:nvSpPr>
+          <p:cNvPr id="6" name="文本框 5"/>
+          <p:cNvSpPr txBox="1"/>
+          <p:nvPr/>
+        </p:nvSpPr>
+        <p:spPr>
+          <a:xfrm>
+            <a:off x="7265035" y="3925570"/>
+            <a:ext cx="4575810" cy="1322070"/>
+          </a:xfrm>
+          <a:prstGeom prst="rect">
+            <a:avLst/>
+          </a:prstGeom>
+          <a:noFill/>
+          <a:ln>
+            <a:solidFill>
+              <a:srgbClr val="FFC000"/>
+            </a:solidFill>
+          </a:ln>
+        </p:spPr>
+        <p:txBody>
+          <a:bodyPr wrap="square" rtlCol="0">
+            <a:spAutoFit/>
+          </a:bodyPr>
+          <a:p>
+            <a:r>
+              <a:rPr lang="en-US" altLang="zh-CN" sz="1000"/>
+              <a:t>var imgData = canvas.toDataUrl()</a:t>
+            </a:r>
+            <a:endParaRPr lang="en-US" altLang="zh-CN" sz="1000"/>
+          </a:p>
+          <a:p>
+            <a:r>
+              <a:rPr lang="en-US" altLang="zh-CN" sz="1000"/>
+              <a:t>imgData = imgData.replace(/^data:image\/(png|jpg);base64,/, "")</a:t>
+            </a:r>
+            <a:endParaRPr lang="en-US" altLang="zh-CN" sz="1000"/>
+          </a:p>
+          <a:p>
+            <a:r>
+              <a:rPr lang="zh-CN" altLang="en-US" sz="1000">
+                <a:sym typeface="+mn-ea"/>
+              </a:rPr>
+              <a:t>var zip = new JsZip()</a:t>
+            </a:r>
+            <a:endParaRPr lang="zh-CN" altLang="en-US" sz="1000"/>
+          </a:p>
+          <a:p>
+            <a:r>
+              <a:rPr lang="en-US" altLang="zh-CN" sz="1000"/>
+              <a:t>zip.file(‘1.png’, imgData, {base64: true})</a:t>
+            </a:r>
+            <a:endParaRPr lang="en-US" altLang="zh-CN" sz="1000"/>
+          </a:p>
+          <a:p>
+            <a:r>
+              <a:rPr lang="zh-CN" altLang="en-US" sz="1000">
+                <a:sym typeface="+mn-ea"/>
+              </a:rPr>
+              <a:t>zip.generateAsync({type:"base64"}).then(function (content) {</a:t>
+            </a:r>
+            <a:endParaRPr lang="zh-CN" altLang="en-US" sz="1000"/>
+          </a:p>
+          <a:p>
+            <a:r>
+              <a:rPr lang="zh-CN" altLang="en-US" sz="1000">
+                <a:sym typeface="+mn-ea"/>
+              </a:rPr>
+              <a:t>    location.href="data:application/zip;base64,"+content;</a:t>
+            </a:r>
+            <a:endParaRPr lang="zh-CN" altLang="en-US" sz="1000"/>
+          </a:p>
+          <a:p>
+            <a:r>
+              <a:rPr lang="en-US" altLang="zh-CN" sz="1000">
+                <a:sym typeface="+mn-ea"/>
+              </a:rPr>
+              <a:t>  </a:t>
+            </a:r>
+            <a:r>
+              <a:rPr lang="zh-CN" altLang="en-US" sz="1000">
+                <a:sym typeface="+mn-ea"/>
+              </a:rPr>
+              <a:t>});</a:t>
+            </a:r>
+            <a:endParaRPr lang="en-US" altLang="zh-CN" sz="1000"/>
+          </a:p>
+          <a:p>
+            <a:r>
+              <a:rPr lang="en-US" altLang="zh-CN" sz="1000"/>
+              <a:t>}</a:t>
+            </a:r>
+            <a:endParaRPr lang="en-US" altLang="zh-CN" sz="1000"/>
+          </a:p>
+        </p:txBody>
+      </p:sp>
+      <p:sp>
+        <p:nvSpPr>
+          <p:cNvPr id="7" name="文本框 6"/>
+          <p:cNvSpPr txBox="1"/>
+          <p:nvPr/>
+        </p:nvSpPr>
+        <p:spPr>
+          <a:xfrm>
+            <a:off x="7265035" y="5342255"/>
+            <a:ext cx="4575810" cy="860425"/>
+          </a:xfrm>
+          <a:prstGeom prst="rect">
+            <a:avLst/>
+          </a:prstGeom>
+          <a:noFill/>
+          <a:ln>
+            <a:solidFill>
+              <a:srgbClr val="FFC000"/>
+            </a:solidFill>
+          </a:ln>
+        </p:spPr>
+        <p:txBody>
+          <a:bodyPr wrap="square" rtlCol="0">
+            <a:spAutoFit/>
+          </a:bodyPr>
+          <a:p>
+            <a:r>
+              <a:rPr lang="en-US" altLang="zh-CN" sz="1000"/>
+              <a:t>zip.generateAsync({type:"blob"}).then(function(content){</a:t>
+            </a:r>
+            <a:endParaRPr lang="en-US" altLang="zh-CN" sz="1000"/>
+          </a:p>
+          <a:p>
+            <a:r>
+              <a:rPr lang="en-US" altLang="zh-CN" sz="1000"/>
+              <a:t>  var file = new File([content], "name.zip");</a:t>
+            </a:r>
+            <a:endParaRPr lang="en-US" altLang="zh-CN" sz="1000"/>
+          </a:p>
+          <a:p>
+            <a:r>
+              <a:rPr lang="en-US" altLang="zh-CN" sz="1000"/>
+              <a:t>  var formData = new FormData();</a:t>
+            </a:r>
+            <a:endParaRPr lang="en-US" altLang="zh-CN" sz="1000"/>
+          </a:p>
+          <a:p>
+            <a:r>
+              <a:rPr lang="en-US" altLang="zh-CN" sz="1000"/>
+              <a:t>  formData.append('fileZip', file);</a:t>
+            </a:r>
+            <a:endParaRPr lang="en-US" altLang="zh-CN" sz="1000"/>
+          </a:p>
+          <a:p>
+            <a:r>
+              <a:rPr lang="en-US" altLang="zh-CN" sz="1000"/>
+              <a:t>})</a:t>
+            </a:r>
+            <a:endParaRPr lang="en-US" altLang="zh-CN" sz="1000"/>
           </a:p>
         </p:txBody>
       </p:sp>
@@ -5446,7 +5834,7 @@
           <a:p>
             <a:r>
               <a:rPr lang="en-US" altLang="zh-CN"/>
-              <a:t>Storage</a:t>
+              <a:t>Bundle Javascript Library</a:t>
             </a:r>
             <a:endParaRPr lang="en-US" altLang="zh-CN"/>
           </a:p>
@@ -5468,31 +5856,68 @@
           <a:p>
             <a:r>
               <a:rPr lang="en-US" altLang="zh-CN"/>
-              <a:t>localStorage</a:t>
-            </a:r>
-            <a:endParaRPr lang="en-US" altLang="zh-CN"/>
-          </a:p>
-          <a:p>
-            <a:pPr lvl="1"/>
-            <a:r>
-              <a:rPr lang="en-US" altLang="zh-CN"/>
-              <a:t>persists until explicitly deleted</a:t>
-            </a:r>
-            <a:endParaRPr lang="en-US" altLang="zh-CN"/>
-          </a:p>
-          <a:p>
-            <a:r>
-              <a:rPr lang="en-US" altLang="zh-CN"/>
-              <a:t>sessionStorage</a:t>
-            </a:r>
-            <a:endParaRPr lang="en-US" altLang="zh-CN"/>
-          </a:p>
-          <a:p>
-            <a:pPr lvl="1"/>
-            <a:r>
-              <a:rPr lang="en-US" altLang="zh-CN"/>
-              <a:t>changes are only available per tab</a:t>
-            </a:r>
+              <a:t>Webpack</a:t>
+            </a:r>
+            <a:endParaRPr lang="en-US" altLang="zh-CN"/>
+          </a:p>
+          <a:p>
+            <a:pPr lvl="1"/>
+            <a:r>
+              <a:rPr lang="en-US" altLang="zh-CN"/>
+              <a:t>https://webpack.js.org/guides/author-libraries/</a:t>
+            </a:r>
+            <a:endParaRPr lang="en-US" altLang="zh-CN"/>
+          </a:p>
+          <a:p>
+            <a:pPr lvl="1"/>
+            <a:r>
+              <a:rPr lang="en-US" altLang="zh-CN"/>
+              <a:t>webpack.config.js</a:t>
+            </a:r>
+            <a:endParaRPr lang="en-US" altLang="zh-CN"/>
+          </a:p>
+          <a:p>
+            <a:pPr lvl="1"/>
+            <a:r>
+              <a:rPr lang="en-US" altLang="zh-CN"/>
+              <a:t>package.json</a:t>
+            </a:r>
+            <a:endParaRPr lang="en-US" altLang="zh-CN"/>
+          </a:p>
+          <a:p>
+            <a:pPr lvl="1"/>
+            <a:r>
+              <a:rPr lang="en-US" altLang="zh-CN"/>
+              <a:t>Run 'npm i'</a:t>
+            </a:r>
+            <a:endParaRPr lang="en-US" altLang="zh-CN"/>
+          </a:p>
+          <a:p>
+            <a:pPr lvl="1"/>
+            <a:r>
+              <a:rPr lang="en-US" altLang="zh-CN"/>
+              <a:t>Run 'webpack'</a:t>
+            </a:r>
+            <a:endParaRPr lang="en-US" altLang="zh-CN"/>
+          </a:p>
+          <a:p>
+            <a:pPr lvl="0"/>
+            <a:r>
+              <a:rPr lang="en-US" altLang="zh-CN"/>
+              <a:t>npm Packaging</a:t>
+            </a:r>
+            <a:endParaRPr lang="en-US" altLang="zh-CN"/>
+          </a:p>
+          <a:p>
+            <a:pPr lvl="1"/>
+            <a:r>
+              <a:rPr lang="en-US" altLang="zh-CN"/>
+              <a:t>https://docs.npmjs.com/packages-and-modules/contributing-packages-to-the-registry</a:t>
+            </a:r>
+            <a:endParaRPr lang="en-US" altLang="zh-CN"/>
+          </a:p>
+          <a:p>
+            <a:pPr lvl="1"/>
             <a:endParaRPr lang="en-US" altLang="zh-CN"/>
           </a:p>
         </p:txBody>
@@ -5520,7 +5945,7 @@
       <p:grpSpPr/>
       <p:sp>
         <p:nvSpPr>
-          <p:cNvPr id="2" name="标题 1"/>
+          <p:cNvPr id="2" name="Title 1"/>
           <p:cNvSpPr>
             <a:spLocks noGrp="1"/>
           </p:cNvSpPr>
@@ -5533,16 +5958,16 @@
           <a:bodyPr/>
           <a:p>
             <a:r>
-              <a:rPr lang="en-US" altLang="zh-CN"/>
-              <a:t>Bundle Javascript Library</a:t>
-            </a:r>
-            <a:endParaRPr lang="en-US" altLang="zh-CN"/>
-          </a:p>
-        </p:txBody>
-      </p:sp>
-      <p:sp>
-        <p:nvSpPr>
-          <p:cNvPr id="3" name="内容占位符 2"/>
+              <a:rPr lang="en-US" altLang="en-US"/>
+              <a:t>jQuery</a:t>
+            </a:r>
+            <a:endParaRPr lang="en-US" altLang="en-US"/>
+          </a:p>
+        </p:txBody>
+      </p:sp>
+      <p:sp>
+        <p:nvSpPr>
+          <p:cNvPr id="3" name="Content Placeholder 2"/>
           <p:cNvSpPr>
             <a:spLocks noGrp="1"/>
           </p:cNvSpPr>
@@ -5555,77 +5980,22 @@
           <a:bodyPr/>
           <a:p>
             <a:r>
-              <a:rPr lang="en-US" altLang="zh-CN"/>
-              <a:t>Webpack</a:t>
-            </a:r>
-            <a:endParaRPr lang="en-US" altLang="zh-CN"/>
-          </a:p>
-          <a:p>
-            <a:pPr lvl="1"/>
-            <a:r>
-              <a:rPr lang="en-US" altLang="zh-CN"/>
-              <a:t>https://webpack.js.org/guides/author-libraries/</a:t>
-            </a:r>
-            <a:endParaRPr lang="en-US" altLang="zh-CN"/>
-          </a:p>
-          <a:p>
-            <a:pPr lvl="1"/>
-            <a:r>
-              <a:rPr lang="en-US" altLang="zh-CN"/>
-              <a:t>webpack.config.js</a:t>
-            </a:r>
-            <a:endParaRPr lang="en-US" altLang="zh-CN"/>
-          </a:p>
-          <a:p>
-            <a:pPr lvl="1"/>
-            <a:r>
-              <a:rPr lang="en-US" altLang="zh-CN"/>
-              <a:t>package.json</a:t>
-            </a:r>
-            <a:endParaRPr lang="en-US" altLang="zh-CN"/>
-          </a:p>
-          <a:p>
-            <a:pPr lvl="1"/>
-            <a:r>
-              <a:rPr lang="en-US" altLang="zh-CN"/>
-              <a:t>Run 'npm i'</a:t>
-            </a:r>
-            <a:endParaRPr lang="en-US" altLang="zh-CN"/>
-          </a:p>
-          <a:p>
-            <a:pPr lvl="1"/>
-            <a:r>
-              <a:rPr lang="en-US" altLang="zh-CN"/>
-              <a:t>Run 'webpack'</a:t>
-            </a:r>
-            <a:endParaRPr lang="en-US" altLang="zh-CN"/>
-          </a:p>
-          <a:p>
-            <a:pPr lvl="0"/>
-            <a:r>
-              <a:rPr lang="en-US" altLang="zh-CN"/>
-              <a:t>npm Packaging</a:t>
-            </a:r>
-            <a:endParaRPr lang="en-US" altLang="zh-CN"/>
-          </a:p>
-          <a:p>
-            <a:pPr lvl="1"/>
-            <a:r>
-              <a:rPr lang="en-US" altLang="zh-CN"/>
-              <a:t>https://docs.npmjs.com/packages-and-modules/contributing-packages-to-the-registry</a:t>
-            </a:r>
-            <a:endParaRPr lang="en-US" altLang="zh-CN"/>
-          </a:p>
-          <a:p>
-            <a:pPr lvl="1"/>
-            <a:endParaRPr lang="en-US" altLang="zh-CN"/>
+              <a:rPr lang="en-US" altLang="en-US"/>
+              <a:t>Find element</a:t>
+            </a:r>
+            <a:endParaRPr lang="en-US" altLang="en-US"/>
+          </a:p>
+          <a:p>
+            <a:pPr lvl="1"/>
+            <a:r>
+              <a:rPr lang="en-US" altLang="en-US"/>
+              <a:t>$('#id01'), $('.class1')</a:t>
+            </a:r>
+            <a:endParaRPr lang="en-US" altLang="en-US"/>
           </a:p>
         </p:txBody>
       </p:sp>
     </p:spTree>
-    <p:custDataLst>
-      <p:tags r:id="rId1"/>
-    </p:custDataLst>
   </p:cSld>
   <p:clrMapOvr>
     <a:masterClrMapping/>
@@ -5706,7 +6076,7 @@
       <p:grpSpPr/>
       <p:sp>
         <p:nvSpPr>
-          <p:cNvPr id="2" name="Title 1"/>
+          <p:cNvPr id="2" name="标题 1"/>
           <p:cNvSpPr>
             <a:spLocks noGrp="1"/>
           </p:cNvSpPr>
@@ -5719,16 +6089,16 @@
           <a:bodyPr/>
           <a:p>
             <a:r>
-              <a:rPr lang="en-US" altLang="en-US"/>
-              <a:t>jQuery</a:t>
-            </a:r>
-            <a:endParaRPr lang="en-US" altLang="en-US"/>
-          </a:p>
-        </p:txBody>
-      </p:sp>
-      <p:sp>
-        <p:nvSpPr>
-          <p:cNvPr id="3" name="Content Placeholder 2"/>
+              <a:rPr lang="en-US" altLang="zh-CN"/>
+              <a:t>Canvas</a:t>
+            </a:r>
+            <a:endParaRPr lang="en-US" altLang="zh-CN"/>
+          </a:p>
+        </p:txBody>
+      </p:sp>
+      <p:sp>
+        <p:nvSpPr>
+          <p:cNvPr id="3" name="内容占位符 2"/>
           <p:cNvSpPr>
             <a:spLocks noGrp="1"/>
           </p:cNvSpPr>
@@ -5736,26 +6106,330 @@
             <p:ph idx="1"/>
           </p:nvPr>
         </p:nvSpPr>
-        <p:spPr/>
-        <p:txBody>
-          <a:bodyPr/>
-          <a:p>
-            <a:r>
-              <a:rPr lang="en-US" altLang="en-US"/>
-              <a:t>Find element</a:t>
-            </a:r>
-            <a:endParaRPr lang="en-US" altLang="en-US"/>
-          </a:p>
-          <a:p>
-            <a:pPr lvl="1"/>
-            <a:r>
-              <a:rPr lang="en-US" altLang="en-US"/>
-              <a:t>$('#id01'), $('.class1')</a:t>
-            </a:r>
-            <a:endParaRPr lang="en-US" altLang="en-US"/>
-          </a:p>
-        </p:txBody>
-      </p:sp>
+        <p:spPr>
+          <a:xfrm>
+            <a:off x="838200" y="1211580"/>
+            <a:ext cx="10408920" cy="993775"/>
+          </a:xfrm>
+        </p:spPr>
+        <p:txBody>
+          <a:bodyPr>
+            <a:normAutofit lnSpcReduction="20000"/>
+          </a:bodyPr>
+          <a:p>
+            <a:r>
+              <a:rPr lang="en-US" altLang="zh-CN"/>
+              <a:t>References</a:t>
+            </a:r>
+            <a:endParaRPr lang="en-US" altLang="zh-CN"/>
+          </a:p>
+          <a:p>
+            <a:pPr lvl="1"/>
+            <a:r>
+              <a:rPr lang="en-US" altLang="zh-CN"/>
+              <a:t>https://developer.mozilla.org/en-US/docs/Web/API/Canvas_API/Tutorial/Pixel_manipulation_with_canvas</a:t>
+            </a:r>
+            <a:endParaRPr lang="en-US" altLang="zh-CN"/>
+          </a:p>
+        </p:txBody>
+      </p:sp>
+      <p:sp>
+        <p:nvSpPr>
+          <p:cNvPr id="4" name="流程图: 可选过程 3"/>
+          <p:cNvSpPr/>
+          <p:nvPr/>
+        </p:nvSpPr>
+        <p:spPr>
+          <a:xfrm>
+            <a:off x="1682750" y="2670810"/>
+            <a:ext cx="3834130" cy="1229995"/>
+          </a:xfrm>
+          <a:prstGeom prst="flowChartAlternateProcess">
+            <a:avLst/>
+          </a:prstGeom>
+        </p:spPr>
+        <p:style>
+          <a:lnRef idx="2">
+            <a:schemeClr val="accent1">
+              <a:shade val="50000"/>
+            </a:schemeClr>
+          </a:lnRef>
+          <a:fillRef idx="1">
+            <a:schemeClr val="accent1"/>
+          </a:fillRef>
+          <a:effectRef idx="0">
+            <a:schemeClr val="accent1"/>
+          </a:effectRef>
+          <a:fontRef idx="minor">
+            <a:schemeClr val="lt1"/>
+          </a:fontRef>
+        </p:style>
+        <p:txBody>
+          <a:bodyPr rtlCol="0" anchor="ctr"/>
+          <a:p>
+            <a:pPr algn="ctr"/>
+            <a:r>
+              <a:rPr lang="en-US" altLang="zh-CN" sz="1600"/>
+              <a:t>ImageData</a:t>
+            </a:r>
+            <a:endParaRPr lang="en-US" altLang="zh-CN" sz="1600"/>
+          </a:p>
+          <a:p>
+            <a:pPr algn="l"/>
+            <a:r>
+              <a:rPr lang="en-US" altLang="zh-CN" sz="1600"/>
+              <a:t>- width, height, data</a:t>
+            </a:r>
+            <a:endParaRPr lang="en-US" altLang="zh-CN" sz="1600"/>
+          </a:p>
+          <a:p>
+            <a:pPr algn="l"/>
+            <a:endParaRPr lang="en-US" altLang="zh-CN" sz="1600"/>
+          </a:p>
+        </p:txBody>
+      </p:sp>
+      <p:sp>
+        <p:nvSpPr>
+          <p:cNvPr id="5" name="流程图: 可选过程 4"/>
+          <p:cNvSpPr/>
+          <p:nvPr/>
+        </p:nvSpPr>
+        <p:spPr>
+          <a:xfrm>
+            <a:off x="1600835" y="4366895"/>
+            <a:ext cx="3834130" cy="1753870"/>
+          </a:xfrm>
+          <a:prstGeom prst="flowChartAlternateProcess">
+            <a:avLst/>
+          </a:prstGeom>
+        </p:spPr>
+        <p:style>
+          <a:lnRef idx="2">
+            <a:schemeClr val="accent1">
+              <a:shade val="50000"/>
+            </a:schemeClr>
+          </a:lnRef>
+          <a:fillRef idx="1">
+            <a:schemeClr val="accent1"/>
+          </a:fillRef>
+          <a:effectRef idx="0">
+            <a:schemeClr val="accent1"/>
+          </a:effectRef>
+          <a:fontRef idx="minor">
+            <a:schemeClr val="lt1"/>
+          </a:fontRef>
+        </p:style>
+        <p:txBody>
+          <a:bodyPr rtlCol="0" anchor="ctr"/>
+          <a:p>
+            <a:pPr algn="ctr"/>
+            <a:r>
+              <a:rPr lang="en-US" altLang="zh-CN" sz="1600"/>
+              <a:t>HTMLCanvasElement</a:t>
+            </a:r>
+            <a:endParaRPr lang="en-US" altLang="zh-CN" sz="1600"/>
+          </a:p>
+          <a:p>
+            <a:pPr algn="l"/>
+            <a:r>
+              <a:rPr lang="en-US" altLang="zh-CN" sz="1600"/>
+              <a:t>- width  (logical), height (logical)</a:t>
+            </a:r>
+            <a:endParaRPr lang="en-US" altLang="zh-CN" sz="1600"/>
+          </a:p>
+          <a:p>
+            <a:pPr algn="l"/>
+            <a:r>
+              <a:rPr lang="en-US" altLang="zh-CN" sz="1600"/>
+              <a:t>- getContext()</a:t>
+            </a:r>
+            <a:endParaRPr lang="en-US" altLang="zh-CN" sz="1600"/>
+          </a:p>
+          <a:p>
+            <a:pPr algn="l"/>
+            <a:r>
+              <a:rPr lang="en-US" altLang="zh-CN" sz="1600"/>
+              <a:t>- toDataURL()</a:t>
+            </a:r>
+            <a:endParaRPr lang="en-US" altLang="zh-CN" sz="1600"/>
+          </a:p>
+          <a:p>
+            <a:pPr algn="l"/>
+            <a:r>
+              <a:rPr lang="en-US" altLang="zh-CN" sz="1600"/>
+              <a:t>- toBlob()</a:t>
+            </a:r>
+            <a:endParaRPr lang="en-US" altLang="zh-CN" sz="1600"/>
+          </a:p>
+        </p:txBody>
+      </p:sp>
+      <p:sp>
+        <p:nvSpPr>
+          <p:cNvPr id="6" name="流程图: 可选过程 5"/>
+          <p:cNvSpPr/>
+          <p:nvPr/>
+        </p:nvSpPr>
+        <p:spPr>
+          <a:xfrm>
+            <a:off x="6230620" y="4366895"/>
+            <a:ext cx="3834130" cy="1753870"/>
+          </a:xfrm>
+          <a:prstGeom prst="flowChartAlternateProcess">
+            <a:avLst/>
+          </a:prstGeom>
+        </p:spPr>
+        <p:style>
+          <a:lnRef idx="2">
+            <a:schemeClr val="accent1">
+              <a:shade val="50000"/>
+            </a:schemeClr>
+          </a:lnRef>
+          <a:fillRef idx="1">
+            <a:schemeClr val="accent1"/>
+          </a:fillRef>
+          <a:effectRef idx="0">
+            <a:schemeClr val="accent1"/>
+          </a:effectRef>
+          <a:fontRef idx="minor">
+            <a:schemeClr val="lt1"/>
+          </a:fontRef>
+        </p:style>
+        <p:txBody>
+          <a:bodyPr rtlCol="0" anchor="ctr"/>
+          <a:p>
+            <a:pPr algn="ctr"/>
+            <a:r>
+              <a:rPr lang="en-US" altLang="zh-CN" sz="1600"/>
+              <a:t>CanvasRenderingContext2D</a:t>
+            </a:r>
+            <a:endParaRPr lang="en-US" altLang="zh-CN" sz="1600"/>
+          </a:p>
+          <a:p>
+            <a:pPr algn="l"/>
+            <a:r>
+              <a:rPr lang="en-US" altLang="zh-CN" sz="1600">
+                <a:sym typeface="+mn-ea"/>
+              </a:rPr>
+              <a:t>- filter (grayscale(1), blur(len), invert())</a:t>
+            </a:r>
+            <a:endParaRPr lang="en-US" altLang="zh-CN" sz="1600">
+              <a:sym typeface="+mn-ea"/>
+            </a:endParaRPr>
+          </a:p>
+          <a:p>
+            <a:pPr algn="l"/>
+            <a:r>
+              <a:rPr lang="en-US" altLang="zh-CN" sz="1600">
+                <a:sym typeface="+mn-ea"/>
+              </a:rPr>
+              <a:t>- createImageData(width, height)</a:t>
+            </a:r>
+            <a:endParaRPr lang="en-US" altLang="zh-CN" sz="1600"/>
+          </a:p>
+          <a:p>
+            <a:pPr algn="l"/>
+            <a:r>
+              <a:rPr lang="en-US" altLang="zh-CN" sz="1600">
+                <a:sym typeface="+mn-ea"/>
+              </a:rPr>
+              <a:t>- getImageData(left, top, width, height)</a:t>
+            </a:r>
+            <a:endParaRPr lang="en-US" altLang="zh-CN" sz="1600"/>
+          </a:p>
+          <a:p>
+            <a:pPr algn="l"/>
+            <a:r>
+              <a:rPr lang="en-US" altLang="zh-CN" sz="1600">
+                <a:sym typeface="+mn-ea"/>
+              </a:rPr>
+              <a:t>- putImageData(data, left, top)</a:t>
+            </a:r>
+            <a:endParaRPr lang="en-US" altLang="zh-CN" sz="1600">
+              <a:sym typeface="+mn-ea"/>
+            </a:endParaRPr>
+          </a:p>
+          <a:p>
+            <a:pPr algn="l"/>
+            <a:r>
+              <a:rPr lang="en-US" altLang="zh-CN" sz="1600"/>
+              <a:t>- drawImage(x, y, w, h)</a:t>
+            </a:r>
+            <a:endParaRPr lang="en-US" altLang="zh-CN" sz="1600"/>
+          </a:p>
+        </p:txBody>
+      </p:sp>
+      <p:cxnSp>
+        <p:nvCxnSpPr>
+          <p:cNvPr id="7" name="直接箭头连接符 6"/>
+          <p:cNvCxnSpPr>
+            <a:stCxn id="4" idx="2"/>
+            <a:endCxn id="5" idx="0"/>
+          </p:cNvCxnSpPr>
+          <p:nvPr/>
+        </p:nvCxnSpPr>
+        <p:spPr>
+          <a:xfrm flipH="1">
+            <a:off x="3517900" y="3900805"/>
+            <a:ext cx="81915" cy="466090"/>
+          </a:xfrm>
+          <a:prstGeom prst="straightConnector1">
+            <a:avLst/>
+          </a:prstGeom>
+          <a:ln>
+            <a:tailEnd type="arrow"/>
+          </a:ln>
+        </p:spPr>
+        <p:style>
+          <a:lnRef idx="1">
+            <a:schemeClr val="accent1"/>
+          </a:lnRef>
+          <a:fillRef idx="0">
+            <a:schemeClr val="accent1"/>
+          </a:fillRef>
+          <a:effectRef idx="0">
+            <a:schemeClr val="accent1"/>
+          </a:effectRef>
+          <a:fontRef idx="minor">
+            <a:schemeClr val="tx1"/>
+          </a:fontRef>
+        </p:style>
+      </p:cxnSp>
+      <p:cxnSp>
+        <p:nvCxnSpPr>
+          <p:cNvPr id="8" name="直接箭头连接符 7"/>
+          <p:cNvCxnSpPr>
+            <a:stCxn id="4" idx="2"/>
+            <a:endCxn id="6" idx="0"/>
+          </p:cNvCxnSpPr>
+          <p:nvPr/>
+        </p:nvCxnSpPr>
+        <p:spPr>
+          <a:xfrm>
+            <a:off x="3599815" y="3900805"/>
+            <a:ext cx="4547870" cy="466090"/>
+          </a:xfrm>
+          <a:prstGeom prst="straightConnector1">
+            <a:avLst/>
+          </a:prstGeom>
+          <a:ln>
+            <a:tailEnd type="arrow"/>
+          </a:ln>
+        </p:spPr>
+        <p:style>
+          <a:lnRef idx="1">
+            <a:schemeClr val="accent1"/>
+          </a:lnRef>
+          <a:fillRef idx="0">
+            <a:schemeClr val="accent1"/>
+          </a:fillRef>
+          <a:effectRef idx="0">
+            <a:schemeClr val="accent1"/>
+          </a:effectRef>
+          <a:fontRef idx="minor">
+            <a:schemeClr val="tx1"/>
+          </a:fontRef>
+        </p:style>
+      </p:cxnSp>
     </p:spTree>
   </p:cSld>
   <p:clrMapOvr>
@@ -5790,7 +6464,15 @@
           <a:p>
             <a:r>
               <a:rPr lang="en-US" altLang="zh-CN"/>
-              <a:t>Canvas</a:t>
+              <a:t>e</a:t>
+            </a:r>
+            <a:r>
+              <a:rPr lang="en-US" altLang="en-US"/>
+              <a:t>C</a:t>
+            </a:r>
+            <a:r>
+              <a:rPr lang="en-US" altLang="zh-CN"/>
+              <a:t>harts</a:t>
             </a:r>
             <a:endParaRPr lang="en-US" altLang="zh-CN"/>
           </a:p>
@@ -5808,65 +6490,142 @@
         </p:nvSpPr>
         <p:spPr/>
         <p:txBody>
-          <a:bodyPr/>
-          <a:p>
-            <a:r>
-              <a:rPr lang="en-US" altLang="zh-CN"/>
-              <a:t>References</a:t>
-            </a:r>
-            <a:endParaRPr lang="en-US" altLang="zh-CN"/>
-          </a:p>
-          <a:p>
-            <a:pPr lvl="1"/>
-            <a:r>
-              <a:rPr lang="en-US" altLang="zh-CN"/>
-              <a:t>https://developer.mozilla.org/en-US/docs/Web/API/Canvas_API/Tutorial/Pixel_manipulation_with_canvas</a:t>
-            </a:r>
-            <a:endParaRPr lang="en-US" altLang="zh-CN"/>
+          <a:bodyPr>
+            <a:normAutofit fontScale="70000"/>
+          </a:bodyPr>
+          <a:p>
+            <a:r>
+              <a:rPr lang="en-US" altLang="zh-CN"/>
+              <a:t>Info</a:t>
+            </a:r>
+            <a:endParaRPr lang="en-US" altLang="zh-CN"/>
+          </a:p>
+          <a:p>
+            <a:pPr lvl="1"/>
+            <a:r>
+              <a:rPr lang="en-US" altLang="zh-CN"/>
+              <a:t>A declarative framework for rapid construction of web-based visualization</a:t>
+            </a:r>
+            <a:endParaRPr lang="en-US" altLang="zh-CN"/>
+          </a:p>
+          <a:p>
+            <a:pPr lvl="1"/>
+            <a:r>
+              <a:rPr lang="en-US" altLang="en-US"/>
+              <a:t>https://echarts.baidu.com</a:t>
+            </a:r>
+            <a:endParaRPr lang="en-US" altLang="en-US"/>
           </a:p>
           <a:p>
             <a:pPr lvl="0"/>
             <a:r>
-              <a:rPr lang="en-US" altLang="zh-CN"/>
-              <a:t>ImageData</a:t>
-            </a:r>
-            <a:endParaRPr lang="en-US" altLang="zh-CN"/>
-          </a:p>
-          <a:p>
-            <a:pPr lvl="1"/>
-            <a:r>
-              <a:rPr lang="en-US" altLang="zh-CN"/>
-              <a:t>width, height, data</a:t>
-            </a:r>
-            <a:endParaRPr lang="en-US" altLang="zh-CN"/>
-          </a:p>
-          <a:p>
-            <a:pPr lvl="1"/>
-            <a:r>
-              <a:rPr lang="en-US" altLang="zh-CN"/>
-              <a:t>ctx.createImageData(width, height)</a:t>
-            </a:r>
-            <a:endParaRPr lang="en-US" altLang="zh-CN"/>
-          </a:p>
-          <a:p>
-            <a:pPr lvl="1"/>
-            <a:r>
-              <a:rPr lang="en-US" altLang="zh-CN"/>
-              <a:t>ctx.getImageData(left, top, width, height)</a:t>
-            </a:r>
-            <a:endParaRPr lang="en-US" altLang="zh-CN"/>
-          </a:p>
-          <a:p>
-            <a:pPr lvl="1"/>
-            <a:r>
-              <a:rPr lang="en-US" altLang="zh-CN"/>
-              <a:t>ctx.putImageData(data, left, top)</a:t>
-            </a:r>
-            <a:endParaRPr lang="en-US" altLang="zh-CN"/>
+              <a:rPr lang="en-US" altLang="en-US"/>
+              <a:t>Usage</a:t>
+            </a:r>
+            <a:endParaRPr lang="en-US" altLang="en-US"/>
+          </a:p>
+          <a:p>
+            <a:pPr lvl="1"/>
+            <a:r>
+              <a:rPr lang="en-US" altLang="en-US"/>
+              <a:t>&lt;script src='echarts.min.js'&gt;&lt;/script&gt;</a:t>
+            </a:r>
+            <a:endParaRPr lang="en-US" altLang="en-US"/>
+          </a:p>
+          <a:p>
+            <a:pPr lvl="1"/>
+            <a:r>
+              <a:rPr lang="en-US" altLang="en-US"/>
+              <a:t>var myChart = echarts.init(document.getElementById('main'));</a:t>
+            </a:r>
+            <a:endParaRPr lang="en-US" altLang="en-US"/>
+          </a:p>
+          <a:p>
+            <a:pPr lvl="1"/>
+            <a:r>
+              <a:rPr lang="en-US" altLang="en-US"/>
+              <a:t>var option = {...};</a:t>
+            </a:r>
+            <a:endParaRPr lang="en-US" altLang="en-US"/>
+          </a:p>
+          <a:p>
+            <a:pPr lvl="1"/>
+            <a:r>
+              <a:rPr lang="en-US" altLang="en-US"/>
+              <a:t>myChart.setOption(option)</a:t>
+            </a:r>
+            <a:endParaRPr lang="en-US" altLang="en-US"/>
+          </a:p>
+          <a:p>
+            <a:pPr lvl="0"/>
+            <a:r>
+              <a:rPr lang="en-US" altLang="en-US"/>
+              <a:t>Options</a:t>
+            </a:r>
+            <a:endParaRPr lang="en-US" altLang="en-US"/>
+          </a:p>
+          <a:p>
+            <a:pPr lvl="1"/>
+            <a:r>
+              <a:rPr lang="en-US" altLang="en-US"/>
+              <a:t>theme: 'light', 'dark'</a:t>
+            </a:r>
+            <a:endParaRPr lang="en-US" altLang="en-US"/>
+          </a:p>
+          <a:p>
+            <a:pPr lvl="1"/>
+            <a:r>
+              <a:rPr lang="en-US" altLang="en-US"/>
+              <a:t>itemStyle, lineStyle, areaStyle, label</a:t>
+            </a:r>
+            <a:endParaRPr lang="en-US" altLang="en-US"/>
+          </a:p>
+          <a:p>
+            <a:pPr lvl="1"/>
+            <a:r>
+              <a:rPr lang="en-US" altLang="en-US"/>
+              <a:t>emphasis</a:t>
+            </a:r>
+            <a:endParaRPr lang="en-US" altLang="en-US"/>
+          </a:p>
+          <a:p>
+            <a:pPr lvl="1"/>
+            <a:r>
+              <a:rPr lang="en-US" altLang="en-US"/>
+              <a:t>dataset, seriesLayoutBy, encode</a:t>
+            </a:r>
+            <a:endParaRPr lang="en-US" altLang="en-US"/>
+          </a:p>
+          <a:p>
+            <a:pPr lvl="1"/>
+            <a:r>
+              <a:rPr lang="en-US" altLang="en-US"/>
+              <a:t>legend, title, visualMap, dataZoom, timeline</a:t>
+            </a:r>
+            <a:endParaRPr lang="en-US" altLang="en-US"/>
+          </a:p>
+          <a:p>
+            <a:pPr lvl="0"/>
+            <a:r>
+              <a:rPr lang="en-US" altLang="en-US"/>
+              <a:t>Others</a:t>
+            </a:r>
+            <a:endParaRPr lang="en-US" altLang="en-US"/>
+          </a:p>
+          <a:p>
+            <a:pPr lvl="1"/>
+            <a:r>
+              <a:rPr lang="en-US" altLang="en-US"/>
+              <a:t>showLoading()</a:t>
+            </a:r>
+            <a:endParaRPr lang="en-US" altLang="en-US"/>
           </a:p>
         </p:txBody>
       </p:sp>
     </p:spTree>
+    <p:custDataLst>
+      <p:tags r:id="rId1"/>
+    </p:custDataLst>
   </p:cSld>
   <p:clrMapOvr>
     <a:masterClrMapping/>
@@ -5900,201 +6659,6 @@
           <a:p>
             <a:r>
               <a:rPr lang="en-US" altLang="zh-CN"/>
-              <a:t>e</a:t>
-            </a:r>
-            <a:r>
-              <a:rPr lang="en-US" altLang="en-US"/>
-              <a:t>C</a:t>
-            </a:r>
-            <a:r>
-              <a:rPr lang="en-US" altLang="zh-CN"/>
-              <a:t>harts</a:t>
-            </a:r>
-            <a:endParaRPr lang="en-US" altLang="zh-CN"/>
-          </a:p>
-        </p:txBody>
-      </p:sp>
-      <p:sp>
-        <p:nvSpPr>
-          <p:cNvPr id="3" name="内容占位符 2"/>
-          <p:cNvSpPr>
-            <a:spLocks noGrp="1"/>
-          </p:cNvSpPr>
-          <p:nvPr>
-            <p:ph idx="1"/>
-          </p:nvPr>
-        </p:nvSpPr>
-        <p:spPr/>
-        <p:txBody>
-          <a:bodyPr>
-            <a:normAutofit fontScale="70000"/>
-          </a:bodyPr>
-          <a:p>
-            <a:r>
-              <a:rPr lang="en-US" altLang="zh-CN"/>
-              <a:t>Info</a:t>
-            </a:r>
-            <a:endParaRPr lang="en-US" altLang="zh-CN"/>
-          </a:p>
-          <a:p>
-            <a:pPr lvl="1"/>
-            <a:r>
-              <a:rPr lang="en-US" altLang="zh-CN"/>
-              <a:t>A declarative framework for rapid construction of web-based visualization</a:t>
-            </a:r>
-            <a:endParaRPr lang="en-US" altLang="zh-CN"/>
-          </a:p>
-          <a:p>
-            <a:pPr lvl="1"/>
-            <a:r>
-              <a:rPr lang="en-US" altLang="en-US"/>
-              <a:t>https://echarts.baidu.com</a:t>
-            </a:r>
-            <a:endParaRPr lang="en-US" altLang="en-US"/>
-          </a:p>
-          <a:p>
-            <a:pPr lvl="0"/>
-            <a:r>
-              <a:rPr lang="en-US" altLang="en-US"/>
-              <a:t>Usage</a:t>
-            </a:r>
-            <a:endParaRPr lang="en-US" altLang="en-US"/>
-          </a:p>
-          <a:p>
-            <a:pPr lvl="1"/>
-            <a:r>
-              <a:rPr lang="en-US" altLang="en-US"/>
-              <a:t>&lt;script src='echarts.min.js'&gt;&lt;/script&gt;</a:t>
-            </a:r>
-            <a:endParaRPr lang="en-US" altLang="en-US"/>
-          </a:p>
-          <a:p>
-            <a:pPr lvl="1"/>
-            <a:r>
-              <a:rPr lang="en-US" altLang="en-US"/>
-              <a:t>var myChart = echarts.init(document.getElementById('main'));</a:t>
-            </a:r>
-            <a:endParaRPr lang="en-US" altLang="en-US"/>
-          </a:p>
-          <a:p>
-            <a:pPr lvl="1"/>
-            <a:r>
-              <a:rPr lang="en-US" altLang="en-US"/>
-              <a:t>var option = {...};</a:t>
-            </a:r>
-            <a:endParaRPr lang="en-US" altLang="en-US"/>
-          </a:p>
-          <a:p>
-            <a:pPr lvl="1"/>
-            <a:r>
-              <a:rPr lang="en-US" altLang="en-US"/>
-              <a:t>myChart.setOption(option)</a:t>
-            </a:r>
-            <a:endParaRPr lang="en-US" altLang="en-US"/>
-          </a:p>
-          <a:p>
-            <a:pPr lvl="0"/>
-            <a:r>
-              <a:rPr lang="en-US" altLang="en-US"/>
-              <a:t>Options</a:t>
-            </a:r>
-            <a:endParaRPr lang="en-US" altLang="en-US"/>
-          </a:p>
-          <a:p>
-            <a:pPr lvl="1"/>
-            <a:r>
-              <a:rPr lang="en-US" altLang="en-US"/>
-              <a:t>theme: 'light', 'dark'</a:t>
-            </a:r>
-            <a:endParaRPr lang="en-US" altLang="en-US"/>
-          </a:p>
-          <a:p>
-            <a:pPr lvl="1"/>
-            <a:r>
-              <a:rPr lang="en-US" altLang="en-US"/>
-              <a:t>itemStyle, lineStyle, areaStyle, label</a:t>
-            </a:r>
-            <a:endParaRPr lang="en-US" altLang="en-US"/>
-          </a:p>
-          <a:p>
-            <a:pPr lvl="1"/>
-            <a:r>
-              <a:rPr lang="en-US" altLang="en-US"/>
-              <a:t>emphasis</a:t>
-            </a:r>
-            <a:endParaRPr lang="en-US" altLang="en-US"/>
-          </a:p>
-          <a:p>
-            <a:pPr lvl="1"/>
-            <a:r>
-              <a:rPr lang="en-US" altLang="en-US"/>
-              <a:t>dataset, seriesLayoutBy, encode</a:t>
-            </a:r>
-            <a:endParaRPr lang="en-US" altLang="en-US"/>
-          </a:p>
-          <a:p>
-            <a:pPr lvl="1"/>
-            <a:r>
-              <a:rPr lang="en-US" altLang="en-US"/>
-              <a:t>legend, title, visualMap, dataZoom, timeline</a:t>
-            </a:r>
-            <a:endParaRPr lang="en-US" altLang="en-US"/>
-          </a:p>
-          <a:p>
-            <a:pPr lvl="0"/>
-            <a:r>
-              <a:rPr lang="en-US" altLang="en-US"/>
-              <a:t>Others</a:t>
-            </a:r>
-            <a:endParaRPr lang="en-US" altLang="en-US"/>
-          </a:p>
-          <a:p>
-            <a:pPr lvl="1"/>
-            <a:r>
-              <a:rPr lang="en-US" altLang="en-US"/>
-              <a:t>showLoading()</a:t>
-            </a:r>
-            <a:endParaRPr lang="en-US" altLang="en-US"/>
-          </a:p>
-        </p:txBody>
-      </p:sp>
-    </p:spTree>
-    <p:custDataLst>
-      <p:tags r:id="rId1"/>
-    </p:custDataLst>
-  </p:cSld>
-  <p:clrMapOvr>
-    <a:masterClrMapping/>
-  </p:clrMapOvr>
-</p:sld>
-</file>
-
-<file path=ppt/slides/slide23.xml><?xml version="1.0" encoding="utf-8"?>
-<p:sld xmlns:a="http://schemas.openxmlformats.org/drawingml/2006/main" xmlns:r="http://schemas.openxmlformats.org/officeDocument/2006/relationships" xmlns:p="http://schemas.openxmlformats.org/presentationml/2006/main">
-  <p:cSld>
-    <p:spTree>
-      <p:nvGrpSpPr>
-        <p:cNvPr id="1" name=""/>
-        <p:cNvGrpSpPr/>
-        <p:nvPr/>
-      </p:nvGrpSpPr>
-      <p:grpSpPr/>
-      <p:sp>
-        <p:nvSpPr>
-          <p:cNvPr id="2" name="标题 1"/>
-          <p:cNvSpPr>
-            <a:spLocks noGrp="1"/>
-          </p:cNvSpPr>
-          <p:nvPr>
-            <p:ph type="title"/>
-          </p:nvPr>
-        </p:nvSpPr>
-        <p:spPr/>
-        <p:txBody>
-          <a:bodyPr/>
-          <a:p>
-            <a:r>
-              <a:rPr lang="en-US" altLang="zh-CN"/>
               <a:t>Audio</a:t>
             </a:r>
             <a:endParaRPr lang="en-US" altLang="zh-CN"/>
@@ -6290,7 +6854,7 @@
 </p:sld>
 </file>
 
-<file path=ppt/slides/slide24.xml><?xml version="1.0" encoding="utf-8"?>
+<file path=ppt/slides/slide23.xml><?xml version="1.0" encoding="utf-8"?>
 <p:sld xmlns:a="http://schemas.openxmlformats.org/drawingml/2006/main" xmlns:r="http://schemas.openxmlformats.org/officeDocument/2006/relationships" xmlns:p="http://schemas.openxmlformats.org/presentationml/2006/main">
   <p:cSld>
     <p:spTree>
@@ -6418,7 +6982,7 @@
 </p:sld>
 </file>
 
-<file path=ppt/slides/slide25.xml><?xml version="1.0" encoding="utf-8"?>
+<file path=ppt/slides/slide24.xml><?xml version="1.0" encoding="utf-8"?>
 <p:sld xmlns:a="http://schemas.openxmlformats.org/drawingml/2006/main" xmlns:r="http://schemas.openxmlformats.org/officeDocument/2006/relationships" xmlns:p="http://schemas.openxmlformats.org/presentationml/2006/main">
   <p:cSld>
     <p:spTree>
@@ -6548,6 +7112,233 @@
 </p:sld>
 </file>
 
+<file path=ppt/slides/slide25.xml><?xml version="1.0" encoding="utf-8"?>
+<p:sld xmlns:a="http://schemas.openxmlformats.org/drawingml/2006/main" xmlns:r="http://schemas.openxmlformats.org/officeDocument/2006/relationships" xmlns:p="http://schemas.openxmlformats.org/presentationml/2006/main">
+  <p:cSld>
+    <p:spTree>
+      <p:nvGrpSpPr>
+        <p:cNvPr id="1" name=""/>
+        <p:cNvGrpSpPr/>
+        <p:nvPr/>
+      </p:nvGrpSpPr>
+      <p:grpSpPr/>
+      <p:sp>
+        <p:nvSpPr>
+          <p:cNvPr id="2" name="标题 1"/>
+          <p:cNvSpPr>
+            <a:spLocks noGrp="1"/>
+          </p:cNvSpPr>
+          <p:nvPr>
+            <p:ph type="title"/>
+          </p:nvPr>
+        </p:nvSpPr>
+        <p:spPr/>
+        <p:txBody>
+          <a:bodyPr/>
+          <a:p>
+            <a:r>
+              <a:rPr lang="en-US" altLang="zh-CN"/>
+              <a:t>Tween</a:t>
+            </a:r>
+            <a:endParaRPr lang="en-US" altLang="zh-CN"/>
+          </a:p>
+        </p:txBody>
+      </p:sp>
+      <p:sp>
+        <p:nvSpPr>
+          <p:cNvPr id="3" name="内容占位符 2"/>
+          <p:cNvSpPr>
+            <a:spLocks noGrp="1"/>
+          </p:cNvSpPr>
+          <p:nvPr>
+            <p:ph idx="1"/>
+          </p:nvPr>
+        </p:nvSpPr>
+        <p:spPr>
+          <a:xfrm>
+            <a:off x="838200" y="1211580"/>
+            <a:ext cx="6026150" cy="5081270"/>
+          </a:xfrm>
+        </p:spPr>
+        <p:txBody>
+          <a:bodyPr>
+            <a:normAutofit fontScale="70000"/>
+          </a:bodyPr>
+          <a:p>
+            <a:r>
+              <a:rPr lang="en-US" altLang="zh-CN"/>
+              <a:t>tween.js</a:t>
+            </a:r>
+            <a:endParaRPr lang="en-US" altLang="zh-CN"/>
+          </a:p>
+          <a:p>
+            <a:pPr lvl="1"/>
+            <a:r>
+              <a:rPr lang="en-US" altLang="zh-CN"/>
+              <a:t>https://github.com/tweenjs/tween.js/</a:t>
+            </a:r>
+            <a:endParaRPr lang="en-US" altLang="zh-CN"/>
+          </a:p>
+          <a:p>
+            <a:pPr lvl="1"/>
+            <a:r>
+              <a:rPr lang="en-US" altLang="zh-CN"/>
+              <a:t>http://learningthreejs.com/blog/2011/08/17/tweenjs-for-smooth-animation/</a:t>
+            </a:r>
+            <a:endParaRPr lang="en-US" altLang="zh-CN"/>
+          </a:p>
+          <a:p>
+            <a:r>
+              <a:rPr lang="en-US" altLang="zh-CN"/>
+              <a:t>APIs</a:t>
+            </a:r>
+            <a:endParaRPr lang="en-US" altLang="zh-CN"/>
+          </a:p>
+          <a:p>
+            <a:pPr lvl="1"/>
+            <a:r>
+              <a:rPr lang="en-US" altLang="zh-CN"/>
+              <a:t>var tween = new TWEEN.Tween({})</a:t>
+            </a:r>
+            <a:endParaRPr lang="en-US" altLang="zh-CN"/>
+          </a:p>
+          <a:p>
+            <a:pPr lvl="1"/>
+            <a:r>
+              <a:rPr lang="en-US" altLang="zh-CN"/>
+              <a:t>tween.to({}, duration)</a:t>
+            </a:r>
+            <a:endParaRPr lang="en-US" altLang="zh-CN"/>
+          </a:p>
+          <a:p>
+            <a:pPr lvl="1"/>
+            <a:r>
+              <a:rPr lang="en-US" altLang="zh-CN"/>
+              <a:t>tween.easing(TWEEN.Easing.XXX)</a:t>
+            </a:r>
+            <a:endParaRPr lang="en-US" altLang="zh-CN"/>
+          </a:p>
+          <a:p>
+            <a:pPr lvl="1"/>
+            <a:r>
+              <a:rPr lang="en-US" altLang="zh-CN"/>
+              <a:t>tween.onUpdate(updateFunc)</a:t>
+            </a:r>
+            <a:endParaRPr lang="en-US" altLang="zh-CN"/>
+          </a:p>
+          <a:p>
+            <a:pPr lvl="1"/>
+            <a:r>
+              <a:rPr lang="en-US" altLang="zh-CN"/>
+              <a:t>tween.onComplete(completeFunc)</a:t>
+            </a:r>
+            <a:endParaRPr lang="en-US" altLang="zh-CN"/>
+          </a:p>
+          <a:p>
+            <a:pPr lvl="1"/>
+            <a:r>
+              <a:rPr lang="en-US" altLang="zh-CN"/>
+              <a:t>tween.delay(ms)</a:t>
+            </a:r>
+            <a:endParaRPr lang="en-US" altLang="zh-CN"/>
+          </a:p>
+          <a:p>
+            <a:pPr lvl="1"/>
+            <a:r>
+              <a:rPr lang="en-US" altLang="zh-CN"/>
+              <a:t>tween.start()</a:t>
+            </a:r>
+            <a:endParaRPr lang="en-US" altLang="zh-CN"/>
+          </a:p>
+          <a:p>
+            <a:pPr lvl="1"/>
+            <a:r>
+              <a:rPr lang="en-US" altLang="zh-CN"/>
+              <a:t>TWEEN.update()	// Need to be invoked periodically</a:t>
+            </a:r>
+            <a:endParaRPr lang="en-US" altLang="zh-CN"/>
+          </a:p>
+          <a:p>
+            <a:pPr lvl="1"/>
+            <a:r>
+              <a:rPr lang="en-US" altLang="zh-CN"/>
+              <a:t>tween.stop()</a:t>
+            </a:r>
+            <a:endParaRPr lang="en-US" altLang="zh-CN"/>
+          </a:p>
+          <a:p>
+            <a:pPr lvl="1"/>
+            <a:r>
+              <a:rPr lang="en-US" altLang="zh-CN"/>
+              <a:t>TWEEN.remove(tween)</a:t>
+            </a:r>
+            <a:endParaRPr lang="en-US" altLang="zh-CN"/>
+          </a:p>
+          <a:p>
+            <a:pPr lvl="1"/>
+            <a:r>
+              <a:rPr lang="en-US" altLang="zh-CN"/>
+              <a:t>tween.chain()</a:t>
+            </a:r>
+            <a:endParaRPr lang="en-US" altLang="zh-CN"/>
+          </a:p>
+          <a:p>
+            <a:pPr lvl="0"/>
+            <a:r>
+              <a:rPr lang="en-US" altLang="zh-CN"/>
+              <a:t>Easing</a:t>
+            </a:r>
+            <a:endParaRPr lang="en-US" altLang="zh-CN"/>
+          </a:p>
+          <a:p>
+            <a:pPr lvl="1"/>
+            <a:r>
+              <a:rPr lang="en-US" altLang="zh-CN"/>
+              <a:t>https://easings.net/</a:t>
+            </a:r>
+            <a:endParaRPr lang="en-US" altLang="zh-CN"/>
+          </a:p>
+        </p:txBody>
+      </p:sp>
+      <p:pic>
+        <p:nvPicPr>
+          <p:cNvPr id="4" name="图片 3"/>
+          <p:cNvPicPr>
+            <a:picLocks noChangeAspect="1"/>
+          </p:cNvPicPr>
+          <p:nvPr>
+            <p:custDataLst>
+              <p:tags r:id="rId1"/>
+            </p:custDataLst>
+          </p:nvPr>
+        </p:nvPicPr>
+        <p:blipFill>
+          <a:blip r:embed="rId2"/>
+          <a:stretch>
+            <a:fillRect/>
+          </a:stretch>
+        </p:blipFill>
+        <p:spPr>
+          <a:xfrm>
+            <a:off x="6920865" y="1360805"/>
+            <a:ext cx="4899025" cy="3745230"/>
+          </a:xfrm>
+          <a:prstGeom prst="rect">
+            <a:avLst/>
+          </a:prstGeom>
+        </p:spPr>
+      </p:pic>
+    </p:spTree>
+    <p:custDataLst>
+      <p:tags r:id="rId3"/>
+    </p:custDataLst>
+  </p:cSld>
+  <p:clrMapOvr>
+    <a:masterClrMapping/>
+  </p:clrMapOvr>
+</p:sld>
+</file>
+
 <file path=ppt/slides/slide26.xml><?xml version="1.0" encoding="utf-8"?>
 <p:sld xmlns:a="http://schemas.openxmlformats.org/drawingml/2006/main" xmlns:r="http://schemas.openxmlformats.org/officeDocument/2006/relationships" xmlns:p="http://schemas.openxmlformats.org/presentationml/2006/main">
   <p:cSld>
@@ -6560,7 +7351,7 @@
       <p:grpSpPr/>
       <p:sp>
         <p:nvSpPr>
-          <p:cNvPr id="2" name="标题 1"/>
+          <p:cNvPr id="4" name="标题 3"/>
           <p:cNvSpPr>
             <a:spLocks noGrp="1"/>
           </p:cNvSpPr>
@@ -6574,79 +7365,27 @@
           <a:p>
             <a:r>
               <a:rPr lang="en-US" altLang="zh-CN"/>
-              <a:t>Tween</a:t>
-            </a:r>
-            <a:endParaRPr lang="en-US" altLang="zh-CN"/>
-          </a:p>
-        </p:txBody>
-      </p:sp>
-      <p:sp>
-        <p:nvSpPr>
-          <p:cNvPr id="3" name="内容占位符 2"/>
-          <p:cNvSpPr>
-            <a:spLocks noGrp="1"/>
-          </p:cNvSpPr>
-          <p:nvPr>
-            <p:ph idx="1"/>
+              <a:t>Image Process</a:t>
+            </a:r>
+            <a:endParaRPr lang="en-US" altLang="zh-CN"/>
+          </a:p>
+        </p:txBody>
+      </p:sp>
+      <p:sp>
+        <p:nvSpPr>
+          <p:cNvPr id="5" name="文本占位符 4"/>
+          <p:cNvSpPr>
+            <a:spLocks noGrp="1"/>
+          </p:cNvSpPr>
+          <p:nvPr>
+            <p:ph type="body" idx="1"/>
           </p:nvPr>
         </p:nvSpPr>
         <p:spPr/>
         <p:txBody>
           <a:bodyPr/>
           <a:p>
-            <a:r>
-              <a:rPr lang="en-US" altLang="zh-CN"/>
-              <a:t>APIs</a:t>
-            </a:r>
-            <a:endParaRPr lang="en-US" altLang="zh-CN"/>
-          </a:p>
-          <a:p>
-            <a:pPr lvl="1"/>
-            <a:r>
-              <a:rPr lang="en-US" altLang="zh-CN"/>
-              <a:t>var tween = new TWEEN.Tween()</a:t>
-            </a:r>
-            <a:endParaRPr lang="en-US" altLang="zh-CN"/>
-          </a:p>
-          <a:p>
-            <a:pPr lvl="1"/>
-            <a:r>
-              <a:rPr lang="en-US" altLang="zh-CN"/>
-              <a:t>tween.start()</a:t>
-            </a:r>
-            <a:endParaRPr lang="en-US" altLang="zh-CN"/>
-          </a:p>
-          <a:p>
-            <a:pPr lvl="1"/>
-            <a:r>
-              <a:rPr lang="en-US" altLang="zh-CN"/>
-              <a:t>TWEEN.update()</a:t>
-            </a:r>
-            <a:endParaRPr lang="en-US" altLang="zh-CN"/>
-          </a:p>
-          <a:p>
-            <a:pPr lvl="1"/>
-            <a:r>
-              <a:rPr lang="en-US" altLang="zh-CN"/>
-              <a:t>tween.stop()</a:t>
-            </a:r>
-            <a:endParaRPr lang="en-US" altLang="zh-CN"/>
-          </a:p>
-          <a:p>
-            <a:pPr lvl="1"/>
-            <a:r>
-              <a:rPr lang="en-US" altLang="zh-CN"/>
-              <a:t>TWEEN.remove(tween)</a:t>
-            </a:r>
-            <a:endParaRPr lang="en-US" altLang="zh-CN"/>
-          </a:p>
-          <a:p>
-            <a:pPr lvl="1"/>
-            <a:r>
-              <a:rPr lang="en-US" altLang="zh-CN"/>
-              <a:t>tween.chain()</a:t>
-            </a:r>
-            <a:endParaRPr lang="en-US" altLang="zh-CN"/>
+            <a:endParaRPr lang="zh-CN" altLang="en-US"/>
           </a:p>
         </p:txBody>
       </p:sp>
@@ -6673,7 +7412,7 @@
       <p:grpSpPr/>
       <p:sp>
         <p:nvSpPr>
-          <p:cNvPr id="4" name="标题 3"/>
+          <p:cNvPr id="2" name="标题 1"/>
           <p:cNvSpPr>
             <a:spLocks noGrp="1"/>
           </p:cNvSpPr>
@@ -6687,27 +7426,103 @@
           <a:p>
             <a:r>
               <a:rPr lang="en-US" altLang="zh-CN"/>
-              <a:t>Image Process</a:t>
-            </a:r>
-            <a:endParaRPr lang="en-US" altLang="zh-CN"/>
-          </a:p>
-        </p:txBody>
-      </p:sp>
-      <p:sp>
-        <p:nvSpPr>
-          <p:cNvPr id="5" name="文本占位符 4"/>
-          <p:cNvSpPr>
-            <a:spLocks noGrp="1"/>
-          </p:cNvSpPr>
-          <p:nvPr>
-            <p:ph type="body" idx="1"/>
+              <a:t>References</a:t>
+            </a:r>
+            <a:endParaRPr lang="en-US" altLang="zh-CN"/>
+          </a:p>
+        </p:txBody>
+      </p:sp>
+      <p:sp>
+        <p:nvSpPr>
+          <p:cNvPr id="3" name="内容占位符 2"/>
+          <p:cNvSpPr>
+            <a:spLocks noGrp="1"/>
+          </p:cNvSpPr>
+          <p:nvPr>
+            <p:ph idx="1"/>
           </p:nvPr>
         </p:nvSpPr>
         <p:spPr/>
         <p:txBody>
           <a:bodyPr/>
           <a:p>
-            <a:endParaRPr lang="zh-CN" altLang="en-US"/>
+            <a:r>
+              <a:rPr lang="en-US" altLang="zh-CN"/>
+              <a:t>References</a:t>
+            </a:r>
+            <a:endParaRPr lang="en-US" altLang="zh-CN"/>
+          </a:p>
+          <a:p>
+            <a:pPr lvl="1"/>
+            <a:r>
+              <a:rPr lang="en-US" altLang="zh-CN"/>
+              <a:t>https://webkid.io/blog/image-processing-in-javascript/</a:t>
+            </a:r>
+            <a:endParaRPr lang="en-US" altLang="zh-CN"/>
+          </a:p>
+          <a:p>
+            <a:pPr lvl="1"/>
+            <a:r>
+              <a:rPr lang="en-US" altLang="zh-CN"/>
+              <a:t>https://github.com/image-js/image-js</a:t>
+            </a:r>
+            <a:endParaRPr lang="en-US" altLang="zh-CN"/>
+          </a:p>
+          <a:p>
+            <a:pPr lvl="1"/>
+            <a:r>
+              <a:rPr lang="en-US" altLang="zh-CN"/>
+              <a:t>https://github.com/meltingice/CamanJS/</a:t>
+            </a:r>
+            <a:endParaRPr lang="en-US" altLang="zh-CN"/>
+          </a:p>
+          <a:p>
+            <a:pPr lvl="1"/>
+            <a:r>
+              <a:rPr lang="en-US" altLang="zh-CN"/>
+              <a:t>https://bashooka.com/coding/best-of-20-javascript-image-processing-plugins/</a:t>
+            </a:r>
+            <a:endParaRPr lang="en-US" altLang="zh-CN"/>
+          </a:p>
+          <a:p>
+            <a:pPr lvl="1"/>
+            <a:r>
+              <a:rPr lang="en-US" altLang="zh-CN"/>
+              <a:t>https://codegeekz.com/best-javascript-image-manipulation-libraries/</a:t>
+            </a:r>
+            <a:endParaRPr lang="en-US" altLang="zh-CN"/>
+          </a:p>
+          <a:p>
+            <a:pPr lvl="1"/>
+            <a:r>
+              <a:rPr lang="en-US" altLang="zh-CN"/>
+              <a:t>https://github.com/oliver-moran/jimp</a:t>
+            </a:r>
+            <a:endParaRPr lang="en-US" altLang="zh-CN"/>
+          </a:p>
+          <a:p>
+            <a:pPr lvl="1"/>
+            <a:r>
+              <a:rPr lang="en-US" altLang="zh-CN"/>
+              <a:t>https://sharp.pixelplumbing.com/</a:t>
+            </a:r>
+            <a:endParaRPr lang="en-US" altLang="zh-CN"/>
+          </a:p>
+          <a:p>
+            <a:pPr lvl="1"/>
+            <a:r>
+              <a:rPr lang="en-US" altLang="zh-CN"/>
+              <a:t>https://github.com/vanruesc/postprocessing</a:t>
+            </a:r>
+            <a:endParaRPr lang="en-US" altLang="zh-CN"/>
+          </a:p>
+          <a:p>
+            <a:pPr lvl="1"/>
+            <a:r>
+              <a:rPr lang="en-US" altLang="zh-CN"/>
+              <a:t>https://github.com/foo123/FILTER.js</a:t>
+            </a:r>
+            <a:endParaRPr lang="en-US" altLang="zh-CN"/>
           </a:p>
         </p:txBody>
       </p:sp>
@@ -6748,101 +7563,37 @@
           <a:p>
             <a:r>
               <a:rPr lang="en-US" altLang="zh-CN"/>
+              <a:t>Viewer</a:t>
+            </a:r>
+            <a:endParaRPr lang="en-US" altLang="zh-CN"/>
+          </a:p>
+        </p:txBody>
+      </p:sp>
+      <p:sp>
+        <p:nvSpPr>
+          <p:cNvPr id="3" name="内容占位符 2"/>
+          <p:cNvSpPr>
+            <a:spLocks noGrp="1"/>
+          </p:cNvSpPr>
+          <p:nvPr>
+            <p:ph idx="1"/>
+          </p:nvPr>
+        </p:nvSpPr>
+        <p:spPr/>
+        <p:txBody>
+          <a:bodyPr/>
+          <a:p>
+            <a:r>
+              <a:rPr lang="en-US" altLang="zh-CN"/>
               <a:t>References</a:t>
             </a:r>
             <a:endParaRPr lang="en-US" altLang="zh-CN"/>
           </a:p>
-        </p:txBody>
-      </p:sp>
-      <p:sp>
-        <p:nvSpPr>
-          <p:cNvPr id="3" name="内容占位符 2"/>
-          <p:cNvSpPr>
-            <a:spLocks noGrp="1"/>
-          </p:cNvSpPr>
-          <p:nvPr>
-            <p:ph idx="1"/>
-          </p:nvPr>
-        </p:nvSpPr>
-        <p:spPr/>
-        <p:txBody>
-          <a:bodyPr/>
-          <a:p>
-            <a:r>
-              <a:rPr lang="en-US" altLang="zh-CN"/>
-              <a:t>References</a:t>
-            </a:r>
-            <a:endParaRPr lang="en-US" altLang="zh-CN"/>
-          </a:p>
-          <a:p>
-            <a:pPr lvl="1"/>
-            <a:r>
-              <a:rPr lang="en-US" altLang="zh-CN"/>
-              <a:t>https://webkid.io/blog/image-processing-in-javascript/</a:t>
-            </a:r>
-            <a:endParaRPr lang="en-US" altLang="zh-CN"/>
-          </a:p>
-          <a:p>
-            <a:pPr lvl="1"/>
-            <a:r>
-              <a:rPr lang="en-US" altLang="zh-CN"/>
-              <a:t>https://github.com/image-js/image-js</a:t>
-            </a:r>
-            <a:endParaRPr lang="en-US" altLang="zh-CN"/>
-          </a:p>
-          <a:p>
-            <a:pPr lvl="1"/>
-            <a:r>
-              <a:rPr lang="en-US" altLang="zh-CN"/>
-              <a:t>https://github.com/meltingice/CamanJS/</a:t>
-            </a:r>
-            <a:endParaRPr lang="en-US" altLang="zh-CN"/>
-          </a:p>
-          <a:p>
-            <a:pPr lvl="1"/>
-            <a:r>
-              <a:rPr lang="en-US" altLang="zh-CN"/>
-              <a:t>https://bashooka.com/coding/best-of-20-javascript-image-processing-plugins/</a:t>
-            </a:r>
-            <a:endParaRPr lang="en-US" altLang="zh-CN"/>
-          </a:p>
-          <a:p>
-            <a:pPr lvl="1"/>
-            <a:r>
-              <a:rPr lang="en-US" altLang="zh-CN"/>
-              <a:t>https://codegeekz.com/best-javascript-image-manipulation-libraries/</a:t>
-            </a:r>
-            <a:endParaRPr lang="en-US" altLang="zh-CN"/>
-          </a:p>
-          <a:p>
-            <a:pPr lvl="1"/>
-            <a:r>
-              <a:rPr lang="en-US" altLang="zh-CN"/>
-              <a:t>https://github.com/oliver-moran/jimp</a:t>
-            </a:r>
-            <a:endParaRPr lang="en-US" altLang="zh-CN"/>
-          </a:p>
-          <a:p>
-            <a:pPr lvl="1"/>
-            <a:r>
-              <a:rPr lang="en-US" altLang="zh-CN"/>
-              <a:t>https://sharp.pixelplumbing.com/</a:t>
-            </a:r>
-            <a:endParaRPr lang="en-US" altLang="zh-CN"/>
-          </a:p>
-          <a:p>
-            <a:pPr lvl="1"/>
-            <a:r>
-              <a:rPr lang="en-US" altLang="zh-CN"/>
-              <a:t>https://github.com/vanruesc/postprocessing</a:t>
-            </a:r>
-            <a:endParaRPr lang="en-US" altLang="zh-CN"/>
-          </a:p>
-          <a:p>
-            <a:pPr lvl="1"/>
-            <a:r>
-              <a:rPr lang="en-US" altLang="zh-CN"/>
-              <a:t>https://github.com/foo123/FILTER.js</a:t>
+          <a:p>
+            <a:pPr lvl="1"/>
+            <a:r>
+              <a:rPr lang="en-US" altLang="zh-CN"/>
+              <a:t>https://ourcodeworld.com/articles/read/54/top-10-gallery-and-photo-viewer-plugins-for-javascript-and-jquery</a:t>
             </a:r>
             <a:endParaRPr lang="en-US" altLang="zh-CN"/>
           </a:p>
@@ -6885,7 +7636,7 @@
           <a:p>
             <a:r>
               <a:rPr lang="en-US" altLang="zh-CN"/>
-              <a:t>Viewer</a:t>
+              <a:t>List</a:t>
             </a:r>
             <a:endParaRPr lang="en-US" altLang="zh-CN"/>
           </a:p>
@@ -6907,16 +7658,19 @@
           <a:p>
             <a:r>
               <a:rPr lang="en-US" altLang="zh-CN"/>
-              <a:t>References</a:t>
-            </a:r>
-            <a:endParaRPr lang="en-US" altLang="zh-CN"/>
-          </a:p>
-          <a:p>
-            <a:pPr lvl="1"/>
-            <a:r>
-              <a:rPr lang="en-US" altLang="zh-CN"/>
-              <a:t>https://ourcodeworld.com/articles/read/54/top-10-gallery-and-photo-viewer-plugins-for-javascript-and-jquery</a:t>
-            </a:r>
+              <a:t>Sharp</a:t>
+            </a:r>
+            <a:endParaRPr lang="en-US" altLang="zh-CN"/>
+          </a:p>
+          <a:p>
+            <a:pPr lvl="1"/>
+            <a:r>
+              <a:rPr lang="en-US" altLang="zh-CN"/>
+              <a:t>https://github.com/lovell/sharp</a:t>
+            </a:r>
+            <a:endParaRPr lang="en-US" altLang="zh-CN"/>
+          </a:p>
+          <a:p>
             <a:endParaRPr lang="en-US" altLang="zh-CN"/>
           </a:p>
         </p:txBody>
@@ -6998,82 +7752,6 @@
 </file>
 
 <file path=ppt/slides/slide30.xml><?xml version="1.0" encoding="utf-8"?>
-<p:sld xmlns:a="http://schemas.openxmlformats.org/drawingml/2006/main" xmlns:r="http://schemas.openxmlformats.org/officeDocument/2006/relationships" xmlns:p="http://schemas.openxmlformats.org/presentationml/2006/main">
-  <p:cSld>
-    <p:spTree>
-      <p:nvGrpSpPr>
-        <p:cNvPr id="1" name=""/>
-        <p:cNvGrpSpPr/>
-        <p:nvPr/>
-      </p:nvGrpSpPr>
-      <p:grpSpPr/>
-      <p:sp>
-        <p:nvSpPr>
-          <p:cNvPr id="2" name="标题 1"/>
-          <p:cNvSpPr>
-            <a:spLocks noGrp="1"/>
-          </p:cNvSpPr>
-          <p:nvPr>
-            <p:ph type="title"/>
-          </p:nvPr>
-        </p:nvSpPr>
-        <p:spPr/>
-        <p:txBody>
-          <a:bodyPr/>
-          <a:p>
-            <a:r>
-              <a:rPr lang="en-US" altLang="zh-CN"/>
-              <a:t>List</a:t>
-            </a:r>
-            <a:endParaRPr lang="en-US" altLang="zh-CN"/>
-          </a:p>
-        </p:txBody>
-      </p:sp>
-      <p:sp>
-        <p:nvSpPr>
-          <p:cNvPr id="3" name="内容占位符 2"/>
-          <p:cNvSpPr>
-            <a:spLocks noGrp="1"/>
-          </p:cNvSpPr>
-          <p:nvPr>
-            <p:ph idx="1"/>
-          </p:nvPr>
-        </p:nvSpPr>
-        <p:spPr/>
-        <p:txBody>
-          <a:bodyPr/>
-          <a:p>
-            <a:r>
-              <a:rPr lang="en-US" altLang="zh-CN"/>
-              <a:t>Sharp</a:t>
-            </a:r>
-            <a:endParaRPr lang="en-US" altLang="zh-CN"/>
-          </a:p>
-          <a:p>
-            <a:pPr lvl="1"/>
-            <a:r>
-              <a:rPr lang="en-US" altLang="zh-CN"/>
-              <a:t>https://github.com/lovell/sharp</a:t>
-            </a:r>
-            <a:endParaRPr lang="en-US" altLang="zh-CN"/>
-          </a:p>
-          <a:p>
-            <a:endParaRPr lang="en-US" altLang="zh-CN"/>
-          </a:p>
-        </p:txBody>
-      </p:sp>
-    </p:spTree>
-    <p:custDataLst>
-      <p:tags r:id="rId1"/>
-    </p:custDataLst>
-  </p:cSld>
-  <p:clrMapOvr>
-    <a:masterClrMapping/>
-  </p:clrMapOvr>
-</p:sld>
-</file>
-
-<file path=ppt/slides/slide31.xml><?xml version="1.0" encoding="utf-8"?>
 <p:sld xmlns:a="http://schemas.openxmlformats.org/drawingml/2006/main" xmlns:r="http://schemas.openxmlformats.org/officeDocument/2006/relationships" xmlns:p="http://schemas.openxmlformats.org/presentationml/2006/main">
   <p:cSld>
     <p:spTree>
@@ -7168,6 +7846,87 @@
 </p:sld>
 </file>
 
+<file path=ppt/slides/slide31.xml><?xml version="1.0" encoding="utf-8"?>
+<p:sld xmlns:a="http://schemas.openxmlformats.org/drawingml/2006/main" xmlns:r="http://schemas.openxmlformats.org/officeDocument/2006/relationships" xmlns:p="http://schemas.openxmlformats.org/presentationml/2006/main">
+  <p:cSld>
+    <p:spTree>
+      <p:nvGrpSpPr>
+        <p:cNvPr id="1" name=""/>
+        <p:cNvGrpSpPr/>
+        <p:nvPr/>
+      </p:nvGrpSpPr>
+      <p:grpSpPr/>
+      <p:sp>
+        <p:nvSpPr>
+          <p:cNvPr id="2" name="标题 1"/>
+          <p:cNvSpPr>
+            <a:spLocks noGrp="1"/>
+          </p:cNvSpPr>
+          <p:nvPr>
+            <p:ph type="title"/>
+          </p:nvPr>
+        </p:nvSpPr>
+        <p:spPr/>
+        <p:txBody>
+          <a:bodyPr/>
+          <a:p>
+            <a:r>
+              <a:rPr lang="en-US" altLang="zh-CN"/>
+              <a:t>SVG</a:t>
+            </a:r>
+            <a:endParaRPr lang="en-US" altLang="zh-CN"/>
+          </a:p>
+        </p:txBody>
+      </p:sp>
+      <p:sp>
+        <p:nvSpPr>
+          <p:cNvPr id="3" name="内容占位符 2"/>
+          <p:cNvSpPr>
+            <a:spLocks noGrp="1"/>
+          </p:cNvSpPr>
+          <p:nvPr>
+            <p:ph idx="1"/>
+          </p:nvPr>
+        </p:nvSpPr>
+        <p:spPr/>
+        <p:txBody>
+          <a:bodyPr/>
+          <a:p>
+            <a:r>
+              <a:rPr lang="en-US" altLang="zh-CN"/>
+              <a:t>References</a:t>
+            </a:r>
+            <a:endParaRPr lang="en-US" altLang="zh-CN"/>
+          </a:p>
+          <a:p>
+            <a:pPr lvl="1"/>
+            <a:r>
+              <a:rPr lang="en-US" altLang="zh-CN"/>
+              <a:t>https://github.com/svgdotjs</a:t>
+            </a:r>
+            <a:endParaRPr lang="en-US" altLang="zh-CN"/>
+          </a:p>
+          <a:p>
+            <a:pPr lvl="1"/>
+            <a:r>
+              <a:rPr lang="en-US" altLang="zh-CN"/>
+              <a:t>https://svgjs.com/</a:t>
+            </a:r>
+            <a:endParaRPr lang="en-US" altLang="zh-CN"/>
+          </a:p>
+        </p:txBody>
+      </p:sp>
+    </p:spTree>
+    <p:custDataLst>
+      <p:tags r:id="rId1"/>
+    </p:custDataLst>
+  </p:cSld>
+  <p:clrMapOvr>
+    <a:masterClrMapping/>
+  </p:clrMapOvr>
+</p:sld>
+</file>
+
 <file path=ppt/slides/slide32.xml><?xml version="1.0" encoding="utf-8"?>
 <p:sld xmlns:a="http://schemas.openxmlformats.org/drawingml/2006/main" xmlns:r="http://schemas.openxmlformats.org/officeDocument/2006/relationships" xmlns:p="http://schemas.openxmlformats.org/presentationml/2006/main">
   <p:cSld>
@@ -7194,7 +7953,7 @@
           <a:p>
             <a:r>
               <a:rPr lang="en-US" altLang="zh-CN"/>
-              <a:t>SVG</a:t>
+              <a:t>Canvas</a:t>
             </a:r>
             <a:endParaRPr lang="en-US" altLang="zh-CN"/>
           </a:p>
@@ -7210,31 +7969,100 @@
             <p:ph idx="1"/>
           </p:nvPr>
         </p:nvSpPr>
-        <p:spPr/>
+        <p:spPr>
+          <a:xfrm>
+            <a:off x="838200" y="1211580"/>
+            <a:ext cx="3970655" cy="4549140"/>
+          </a:xfrm>
+          <a:ln>
+            <a:solidFill>
+              <a:srgbClr val="FFC000"/>
+            </a:solidFill>
+          </a:ln>
+        </p:spPr>
         <p:txBody>
           <a:bodyPr/>
           <a:p>
-            <a:r>
-              <a:rPr lang="en-US" altLang="zh-CN"/>
-              <a:t>References</a:t>
-            </a:r>
-            <a:endParaRPr lang="en-US" altLang="zh-CN"/>
-          </a:p>
-          <a:p>
-            <a:pPr lvl="1"/>
-            <a:r>
-              <a:rPr lang="en-US" altLang="zh-CN"/>
-              <a:t>https://github.com/svgdotjs</a:t>
-            </a:r>
-            <a:endParaRPr lang="en-US" altLang="zh-CN"/>
-          </a:p>
-          <a:p>
-            <a:pPr lvl="1"/>
-            <a:r>
-              <a:rPr lang="en-US" altLang="zh-CN"/>
-              <a:t>https://svgjs.com/</a:t>
-            </a:r>
-            <a:endParaRPr lang="en-US" altLang="zh-CN"/>
+            <a:pPr marL="0" indent="0">
+              <a:buNone/>
+            </a:pPr>
+            <a:r>
+              <a:rPr lang="en-US" altLang="zh-CN" sz="1800"/>
+              <a:t>HTMLCanvasElement</a:t>
+            </a:r>
+            <a:endParaRPr lang="en-US" altLang="zh-CN" sz="1800"/>
+          </a:p>
+          <a:p>
+            <a:pPr marL="0" lvl="0" indent="0">
+              <a:buNone/>
+            </a:pPr>
+            <a:r>
+              <a:rPr lang="en-US" altLang="zh-CN" sz="1800"/>
+              <a:t>&lt;canvas&gt;</a:t>
+            </a:r>
+            <a:endParaRPr lang="en-US" altLang="zh-CN" sz="1800"/>
+          </a:p>
+          <a:p>
+            <a:pPr marL="0" lvl="0" indent="0">
+              <a:buNone/>
+            </a:pPr>
+            <a:r>
+              <a:rPr lang="en-US" altLang="zh-CN" sz="1800"/>
+              <a:t>Properties: </a:t>
+            </a:r>
+            <a:endParaRPr lang="en-US" altLang="zh-CN" sz="1800"/>
+          </a:p>
+          <a:p>
+            <a:pPr marL="0" lvl="0" indent="0">
+              <a:buNone/>
+            </a:pPr>
+            <a:r>
+              <a:rPr lang="en-US" altLang="zh-CN" sz="1800"/>
+              <a:t>	width</a:t>
+            </a:r>
+            <a:endParaRPr lang="en-US" altLang="zh-CN" sz="1800"/>
+          </a:p>
+          <a:p>
+            <a:pPr marL="0" lvl="0" indent="0">
+              <a:buNone/>
+            </a:pPr>
+            <a:r>
+              <a:rPr lang="en-US" altLang="zh-CN" sz="1800"/>
+              <a:t>	height</a:t>
+            </a:r>
+            <a:endParaRPr lang="en-US" altLang="zh-CN" sz="1800"/>
+          </a:p>
+          <a:p>
+            <a:pPr marL="0" lvl="0" indent="0">
+              <a:buNone/>
+            </a:pPr>
+            <a:r>
+              <a:rPr lang="en-US" altLang="zh-CN" sz="1800"/>
+              <a:t>Methods: </a:t>
+            </a:r>
+            <a:endParaRPr lang="en-US" altLang="zh-CN" sz="1800"/>
+          </a:p>
+          <a:p>
+            <a:pPr lvl="0">
+              <a:buFont typeface="Arial" panose="020B0604020202020204" pitchFamily="34" charset="0"/>
+              <a:buChar char="•"/>
+            </a:pPr>
+            <a:r>
+              <a:rPr lang="en-US" altLang="zh-CN" sz="1800"/>
+              <a:t>getContext()</a:t>
+            </a:r>
+            <a:endParaRPr lang="en-US" altLang="zh-CN" sz="1800"/>
+          </a:p>
+          <a:p>
+            <a:pPr lvl="0">
+              <a:buFont typeface="Arial" panose="020B0604020202020204" pitchFamily="34" charset="0"/>
+              <a:buChar char="•"/>
+            </a:pPr>
+            <a:r>
+              <a:rPr lang="en-US" altLang="zh-CN" sz="1800"/>
+              <a:t>toDataURL()</a:t>
+            </a:r>
+            <a:endParaRPr lang="en-US" altLang="zh-CN" sz="1800"/>
           </a:p>
         </p:txBody>
       </p:sp>
@@ -7250,156 +8078,6 @@
 </file>
 
 <file path=ppt/slides/slide33.xml><?xml version="1.0" encoding="utf-8"?>
-<p:sld xmlns:a="http://schemas.openxmlformats.org/drawingml/2006/main" xmlns:r="http://schemas.openxmlformats.org/officeDocument/2006/relationships" xmlns:p="http://schemas.openxmlformats.org/presentationml/2006/main">
-  <p:cSld>
-    <p:spTree>
-      <p:nvGrpSpPr>
-        <p:cNvPr id="1" name=""/>
-        <p:cNvGrpSpPr/>
-        <p:nvPr/>
-      </p:nvGrpSpPr>
-      <p:grpSpPr/>
-      <p:sp>
-        <p:nvSpPr>
-          <p:cNvPr id="2" name="标题 1"/>
-          <p:cNvSpPr>
-            <a:spLocks noGrp="1"/>
-          </p:cNvSpPr>
-          <p:nvPr>
-            <p:ph type="title"/>
-          </p:nvPr>
-        </p:nvSpPr>
-        <p:spPr/>
-        <p:txBody>
-          <a:bodyPr/>
-          <a:p>
-            <a:r>
-              <a:rPr lang="en-US" altLang="zh-CN"/>
-              <a:t>Canvas</a:t>
-            </a:r>
-            <a:endParaRPr lang="en-US" altLang="zh-CN"/>
-          </a:p>
-        </p:txBody>
-      </p:sp>
-      <p:sp>
-        <p:nvSpPr>
-          <p:cNvPr id="3" name="内容占位符 2"/>
-          <p:cNvSpPr>
-            <a:spLocks noGrp="1"/>
-          </p:cNvSpPr>
-          <p:nvPr>
-            <p:ph idx="1"/>
-          </p:nvPr>
-        </p:nvSpPr>
-        <p:spPr>
-          <a:xfrm>
-            <a:off x="838200" y="1211580"/>
-            <a:ext cx="3970655" cy="4549140"/>
-          </a:xfrm>
-          <a:ln>
-            <a:solidFill>
-              <a:srgbClr val="FFC000"/>
-            </a:solidFill>
-          </a:ln>
-        </p:spPr>
-        <p:txBody>
-          <a:bodyPr/>
-          <a:p>
-            <a:pPr marL="0" indent="0">
-              <a:buNone/>
-            </a:pPr>
-            <a:r>
-              <a:rPr lang="en-US" altLang="zh-CN" sz="1800"/>
-              <a:t>HTMLCanvasElement</a:t>
-            </a:r>
-            <a:endParaRPr lang="en-US" altLang="zh-CN" sz="1800"/>
-          </a:p>
-          <a:p>
-            <a:pPr marL="0" lvl="0" indent="0">
-              <a:buNone/>
-            </a:pPr>
-            <a:r>
-              <a:rPr lang="en-US" altLang="zh-CN" sz="1800"/>
-              <a:t>&lt;canvas&gt;</a:t>
-            </a:r>
-            <a:endParaRPr lang="en-US" altLang="zh-CN" sz="1800"/>
-          </a:p>
-          <a:p>
-            <a:pPr marL="0" lvl="0" indent="0">
-              <a:buNone/>
-            </a:pPr>
-            <a:r>
-              <a:rPr lang="en-US" altLang="zh-CN" sz="1800"/>
-              <a:t>Properties: </a:t>
-            </a:r>
-            <a:endParaRPr lang="en-US" altLang="zh-CN" sz="1800"/>
-          </a:p>
-          <a:p>
-            <a:pPr marL="0" lvl="0" indent="0">
-              <a:buNone/>
-            </a:pPr>
-            <a:r>
-              <a:rPr lang="en-US" altLang="zh-CN" sz="1800"/>
-              <a:t>	width</a:t>
-            </a:r>
-            <a:endParaRPr lang="en-US" altLang="zh-CN" sz="1800"/>
-          </a:p>
-          <a:p>
-            <a:pPr marL="0" lvl="0" indent="0">
-              <a:buNone/>
-            </a:pPr>
-            <a:r>
-              <a:rPr lang="en-US" altLang="zh-CN" sz="1800"/>
-              <a:t>	height</a:t>
-            </a:r>
-            <a:endParaRPr lang="en-US" altLang="zh-CN" sz="1800"/>
-          </a:p>
-          <a:p>
-            <a:pPr marL="0" lvl="0" indent="0">
-              <a:buNone/>
-            </a:pPr>
-            <a:r>
-              <a:rPr lang="en-US" altLang="zh-CN" sz="1800"/>
-              <a:t>Methods: </a:t>
-            </a:r>
-            <a:endParaRPr lang="en-US" altLang="zh-CN" sz="1800"/>
-          </a:p>
-          <a:p>
-            <a:pPr lvl="0">
-              <a:buFont typeface="Arial" panose="020B0604020202020204" pitchFamily="34" charset="0"/>
-              <a:buChar char="•"/>
-            </a:pPr>
-            <a:r>
-              <a:rPr lang="en-US" altLang="zh-CN" sz="1800"/>
-              <a:t>getContext()</a:t>
-            </a:r>
-            <a:endParaRPr lang="en-US" altLang="zh-CN" sz="1800"/>
-          </a:p>
-          <a:p>
-            <a:pPr lvl="0">
-              <a:buFont typeface="Arial" panose="020B0604020202020204" pitchFamily="34" charset="0"/>
-              <a:buChar char="•"/>
-            </a:pPr>
-            <a:r>
-              <a:rPr lang="en-US" altLang="zh-CN" sz="1800"/>
-              <a:t>toDataURL()</a:t>
-            </a:r>
-            <a:endParaRPr lang="en-US" altLang="zh-CN" sz="1800"/>
-          </a:p>
-        </p:txBody>
-      </p:sp>
-    </p:spTree>
-    <p:custDataLst>
-      <p:tags r:id="rId1"/>
-    </p:custDataLst>
-  </p:cSld>
-  <p:clrMapOvr>
-    <a:masterClrMapping/>
-  </p:clrMapOvr>
-</p:sld>
-</file>
-
-<file path=ppt/slides/slide34.xml><?xml version="1.0" encoding="utf-8"?>
 <p:sld xmlns:a="http://schemas.openxmlformats.org/drawingml/2006/main" xmlns:r="http://schemas.openxmlformats.org/officeDocument/2006/relationships" xmlns:p="http://schemas.openxmlformats.org/presentationml/2006/main">
   <p:cSld>
     <p:spTree>
@@ -8229,6 +8907,95 @@
 </p:sld>
 </file>
 
+<file path=ppt/slides/slide34.xml><?xml version="1.0" encoding="utf-8"?>
+<p:sld xmlns:a="http://schemas.openxmlformats.org/drawingml/2006/main" xmlns:r="http://schemas.openxmlformats.org/officeDocument/2006/relationships" xmlns:p="http://schemas.openxmlformats.org/presentationml/2006/main">
+  <p:cSld>
+    <p:spTree>
+      <p:nvGrpSpPr>
+        <p:cNvPr id="1" name=""/>
+        <p:cNvGrpSpPr/>
+        <p:nvPr/>
+      </p:nvGrpSpPr>
+      <p:grpSpPr/>
+      <p:sp>
+        <p:nvSpPr>
+          <p:cNvPr id="2" name="标题 1"/>
+          <p:cNvSpPr>
+            <a:spLocks noGrp="1"/>
+          </p:cNvSpPr>
+          <p:nvPr>
+            <p:ph type="title"/>
+          </p:nvPr>
+        </p:nvSpPr>
+        <p:spPr/>
+        <p:txBody>
+          <a:bodyPr/>
+          <a:p>
+            <a:r>
+              <a:rPr lang="en-US" altLang="zh-CN"/>
+              <a:t>Encryption/Decryption</a:t>
+            </a:r>
+            <a:endParaRPr lang="en-US" altLang="zh-CN"/>
+          </a:p>
+        </p:txBody>
+      </p:sp>
+      <p:sp>
+        <p:nvSpPr>
+          <p:cNvPr id="3" name="内容占位符 2"/>
+          <p:cNvSpPr>
+            <a:spLocks noGrp="1"/>
+          </p:cNvSpPr>
+          <p:nvPr>
+            <p:ph idx="1"/>
+          </p:nvPr>
+        </p:nvSpPr>
+        <p:spPr/>
+        <p:txBody>
+          <a:bodyPr/>
+          <a:p>
+            <a:r>
+              <a:rPr lang="en-US" altLang="zh-CN"/>
+              <a:t>CryptoJS</a:t>
+            </a:r>
+            <a:endParaRPr lang="en-US" altLang="zh-CN"/>
+          </a:p>
+          <a:p>
+            <a:pPr lvl="1"/>
+            <a:r>
+              <a:rPr lang="en-US" altLang="zh-CN"/>
+              <a:t>https://cryptojs.gitbook.io/docs/</a:t>
+            </a:r>
+            <a:endParaRPr lang="en-US" altLang="zh-CN"/>
+          </a:p>
+          <a:p>
+            <a:pPr lvl="1"/>
+            <a:r>
+              <a:rPr lang="en-US" altLang="zh-CN"/>
+              <a:t>var hash = CryptoJS.MD5("Message");</a:t>
+            </a:r>
+            <a:endParaRPr lang="en-US" altLang="zh-CN"/>
+          </a:p>
+          <a:p>
+            <a:pPr lvl="1"/>
+            <a:r>
+              <a:rPr lang="en-US" altLang="zh-CN"/>
+              <a:t>var hash = CryptoJS.SHA1("Message");</a:t>
+            </a:r>
+            <a:endParaRPr lang="en-US" altLang="zh-CN"/>
+          </a:p>
+        </p:txBody>
+      </p:sp>
+    </p:spTree>
+    <p:custDataLst>
+      <p:tags r:id="rId1"/>
+    </p:custDataLst>
+  </p:cSld>
+  <p:clrMapOvr>
+    <a:masterClrMapping/>
+  </p:clrMapOvr>
+</p:sld>
+</file>
+
 <file path=ppt/slides/slide35.xml><?xml version="1.0" encoding="utf-8"?>
 <p:sld xmlns:a="http://schemas.openxmlformats.org/drawingml/2006/main" xmlns:r="http://schemas.openxmlformats.org/officeDocument/2006/relationships" xmlns:p="http://schemas.openxmlformats.org/presentationml/2006/main">
   <p:cSld>
@@ -8706,7 +9473,7 @@
       <p:grpSpPr/>
       <p:sp>
         <p:nvSpPr>
-          <p:cNvPr id="4" name="标题 3"/>
+          <p:cNvPr id="2" name="标题 1"/>
           <p:cNvSpPr>
             <a:spLocks noGrp="1"/>
           </p:cNvSpPr>
@@ -8720,27 +9487,378 @@
           <a:p>
             <a:r>
               <a:rPr lang="en-US" altLang="zh-CN"/>
-              <a:t>3D</a:t>
-            </a:r>
-            <a:endParaRPr lang="en-US" altLang="zh-CN"/>
-          </a:p>
-        </p:txBody>
-      </p:sp>
-      <p:sp>
-        <p:nvSpPr>
-          <p:cNvPr id="5" name="文本占位符 4"/>
-          <p:cNvSpPr>
-            <a:spLocks noGrp="1"/>
-          </p:cNvSpPr>
-          <p:nvPr>
-            <p:ph type="body" idx="1"/>
-          </p:nvPr>
-        </p:nvSpPr>
-        <p:spPr/>
-        <p:txBody>
-          <a:bodyPr/>
-          <a:p>
-            <a:endParaRPr lang="zh-CN" altLang="en-US"/>
+              <a:t>Konva</a:t>
+            </a:r>
+            <a:endParaRPr lang="en-US" altLang="zh-CN"/>
+          </a:p>
+        </p:txBody>
+      </p:sp>
+      <p:sp>
+        <p:nvSpPr>
+          <p:cNvPr id="3" name="内容占位符 2"/>
+          <p:cNvSpPr>
+            <a:spLocks noGrp="1"/>
+          </p:cNvSpPr>
+          <p:nvPr>
+            <p:ph idx="1"/>
+          </p:nvPr>
+        </p:nvSpPr>
+        <p:spPr>
+          <a:xfrm>
+            <a:off x="838200" y="1211580"/>
+            <a:ext cx="7786370" cy="4549140"/>
+          </a:xfrm>
+        </p:spPr>
+        <p:txBody>
+          <a:bodyPr>
+            <a:normAutofit lnSpcReduction="10000"/>
+          </a:bodyPr>
+          <a:p>
+            <a:r>
+              <a:rPr lang="en-US" altLang="zh-CN" sz="1600"/>
+              <a:t>References</a:t>
+            </a:r>
+            <a:endParaRPr lang="en-US" altLang="zh-CN" sz="1600"/>
+          </a:p>
+          <a:p>
+            <a:pPr lvl="1"/>
+            <a:r>
+              <a:rPr lang="en-US" altLang="zh-CN" sz="1400"/>
+              <a:t>https://konvajs.org/</a:t>
+            </a:r>
+            <a:endParaRPr lang="en-US" altLang="zh-CN" sz="1400"/>
+          </a:p>
+          <a:p>
+            <a:pPr lvl="0"/>
+            <a:r>
+              <a:rPr lang="en-US" altLang="zh-CN" sz="1600"/>
+              <a:t>Shape</a:t>
+            </a:r>
+            <a:endParaRPr lang="en-US" altLang="zh-CN" sz="1600"/>
+          </a:p>
+          <a:p>
+            <a:pPr lvl="1"/>
+            <a:r>
+              <a:rPr lang="en-US" altLang="zh-CN" sz="1400"/>
+              <a:t>Basic shapes</a:t>
+            </a:r>
+            <a:endParaRPr lang="en-US" altLang="zh-CN" sz="1400"/>
+          </a:p>
+          <a:p>
+            <a:pPr lvl="2"/>
+            <a:r>
+              <a:rPr lang="en-US" altLang="zh-CN" sz="1200"/>
+              <a:t>Rect, Circle, Ellipse, Line, Polygon, Spline, Star, Path, RegularPolygon, Image, SVG, Blob, Text, TextPath, Label</a:t>
+            </a:r>
+            <a:endParaRPr lang="en-US" altLang="zh-CN" sz="1200"/>
+          </a:p>
+          <a:p>
+            <a:pPr lvl="1"/>
+            <a:r>
+              <a:rPr lang="en-US" altLang="zh-CN" sz="1400"/>
+              <a:t>Styles</a:t>
+            </a:r>
+            <a:endParaRPr lang="en-US" altLang="zh-CN" sz="1400"/>
+          </a:p>
+          <a:p>
+            <a:pPr lvl="2"/>
+            <a:r>
+              <a:rPr lang="en-US" altLang="zh-CN" sz="1200"/>
+              <a:t>Fill: solid color, gradients, images</a:t>
+            </a:r>
+            <a:endParaRPr lang="en-US" altLang="zh-CN" sz="1200"/>
+          </a:p>
+          <a:p>
+            <a:pPr lvl="2"/>
+            <a:r>
+              <a:rPr lang="en-US" altLang="zh-CN" sz="1200"/>
+              <a:t>Stroke: color</a:t>
+            </a:r>
+            <a:endParaRPr lang="en-US" altLang="zh-CN" sz="1200"/>
+          </a:p>
+          <a:p>
+            <a:pPr lvl="2"/>
+            <a:r>
+              <a:rPr lang="en-US" altLang="zh-CN" sz="1200"/>
+              <a:t>Shadow: color, offset, opacity, blur</a:t>
+            </a:r>
+            <a:endParaRPr lang="en-US" altLang="zh-CN" sz="1200"/>
+          </a:p>
+          <a:p>
+            <a:pPr lvl="2"/>
+            <a:r>
+              <a:rPr lang="en-US" altLang="zh-CN" sz="1200"/>
+              <a:t>Opacity</a:t>
+            </a:r>
+            <a:endParaRPr lang="en-US" altLang="zh-CN" sz="1200"/>
+          </a:p>
+          <a:p>
+            <a:pPr lvl="1"/>
+            <a:r>
+              <a:rPr lang="en-US" altLang="zh-CN" sz="1400"/>
+              <a:t>Events</a:t>
+            </a:r>
+            <a:endParaRPr lang="en-US" altLang="zh-CN" sz="1400"/>
+          </a:p>
+          <a:p>
+            <a:pPr lvl="2"/>
+            <a:r>
+              <a:rPr lang="en-US" altLang="zh-CN" sz="1200"/>
+              <a:t>click, dblclick, mouseover, tap, dbltap, touchstart, dragstart, dragmove, dragend</a:t>
+            </a:r>
+            <a:endParaRPr lang="en-US" altLang="zh-CN" sz="1200"/>
+          </a:p>
+          <a:p>
+            <a:pPr lvl="2"/>
+            <a:r>
+              <a:rPr lang="en-US" altLang="zh-CN" sz="1200"/>
+              <a:t>scaleXChange, fillChange</a:t>
+            </a:r>
+            <a:endParaRPr lang="en-US" altLang="zh-CN" sz="1200"/>
+          </a:p>
+          <a:p>
+            <a:pPr lvl="1"/>
+            <a:r>
+              <a:rPr lang="en-US" altLang="zh-CN" sz="1400"/>
+              <a:t>Filters</a:t>
+            </a:r>
+            <a:endParaRPr lang="en-US" altLang="zh-CN" sz="1400"/>
+          </a:p>
+          <a:p>
+            <a:pPr lvl="2"/>
+            <a:r>
+              <a:rPr lang="en-US" altLang="zh-CN" sz="1200"/>
+              <a:t>blur, invert, noise</a:t>
+            </a:r>
+            <a:endParaRPr lang="en-US" altLang="zh-CN" sz="1200"/>
+          </a:p>
+          <a:p>
+            <a:pPr lvl="1"/>
+            <a:r>
+              <a:rPr lang="en-US" altLang="zh-CN" sz="1400"/>
+              <a:t>Animation</a:t>
+            </a:r>
+            <a:endParaRPr lang="en-US" altLang="zh-CN" sz="1400"/>
+          </a:p>
+          <a:p>
+            <a:pPr lvl="2"/>
+            <a:r>
+              <a:rPr lang="en-US" altLang="zh-CN" sz="1200"/>
+              <a:t>Konva.Animation</a:t>
+            </a:r>
+            <a:endParaRPr lang="en-US" altLang="zh-CN" sz="1200"/>
+          </a:p>
+          <a:p>
+            <a:pPr lvl="2"/>
+            <a:r>
+              <a:rPr lang="en-US" altLang="zh-CN" sz="1200"/>
+              <a:t>Konva.Tween</a:t>
+            </a:r>
+            <a:endParaRPr lang="en-US" altLang="zh-CN" sz="1200"/>
+          </a:p>
+        </p:txBody>
+      </p:sp>
+      <p:sp>
+        <p:nvSpPr>
+          <p:cNvPr id="4" name="圆角矩形 3"/>
+          <p:cNvSpPr/>
+          <p:nvPr/>
+        </p:nvSpPr>
+        <p:spPr>
+          <a:xfrm>
+            <a:off x="9326880" y="4604385"/>
+            <a:ext cx="1933575" cy="745490"/>
+          </a:xfrm>
+          <a:prstGeom prst="roundRect">
+            <a:avLst/>
+          </a:prstGeom>
+        </p:spPr>
+        <p:style>
+          <a:lnRef idx="2">
+            <a:schemeClr val="accent1">
+              <a:shade val="50000"/>
+            </a:schemeClr>
+          </a:lnRef>
+          <a:fillRef idx="1">
+            <a:schemeClr val="accent1"/>
+          </a:fillRef>
+          <a:effectRef idx="0">
+            <a:schemeClr val="accent1"/>
+          </a:effectRef>
+          <a:fontRef idx="minor">
+            <a:schemeClr val="lt1"/>
+          </a:fontRef>
+        </p:style>
+        <p:txBody>
+          <a:bodyPr rtlCol="0" anchor="ctr"/>
+          <a:p>
+            <a:pPr algn="ctr"/>
+            <a:r>
+              <a:rPr lang="en-US" altLang="zh-CN"/>
+              <a:t>Stage</a:t>
+            </a:r>
+            <a:endParaRPr lang="en-US" altLang="zh-CN"/>
+          </a:p>
+          <a:p>
+            <a:pPr algn="ctr"/>
+            <a:r>
+              <a:rPr lang="en-US" altLang="zh-CN"/>
+              <a:t>- toJSON()</a:t>
+            </a:r>
+            <a:endParaRPr lang="en-US" altLang="zh-CN"/>
+          </a:p>
+        </p:txBody>
+      </p:sp>
+      <p:sp>
+        <p:nvSpPr>
+          <p:cNvPr id="5" name="圆角矩形 4"/>
+          <p:cNvSpPr/>
+          <p:nvPr/>
+        </p:nvSpPr>
+        <p:spPr>
+          <a:xfrm>
+            <a:off x="9326880" y="3695065"/>
+            <a:ext cx="1933575" cy="745490"/>
+          </a:xfrm>
+          <a:prstGeom prst="roundRect">
+            <a:avLst/>
+          </a:prstGeom>
+        </p:spPr>
+        <p:style>
+          <a:lnRef idx="2">
+            <a:schemeClr val="accent1">
+              <a:shade val="50000"/>
+            </a:schemeClr>
+          </a:lnRef>
+          <a:fillRef idx="1">
+            <a:schemeClr val="accent1"/>
+          </a:fillRef>
+          <a:effectRef idx="0">
+            <a:schemeClr val="accent1"/>
+          </a:effectRef>
+          <a:fontRef idx="minor">
+            <a:schemeClr val="lt1"/>
+          </a:fontRef>
+        </p:style>
+        <p:txBody>
+          <a:bodyPr rtlCol="0" anchor="ctr"/>
+          <a:p>
+            <a:pPr algn="ctr"/>
+            <a:r>
+              <a:rPr lang="en-US" altLang="zh-CN"/>
+              <a:t>Layer</a:t>
+            </a:r>
+            <a:endParaRPr lang="en-US" altLang="zh-CN"/>
+          </a:p>
+          <a:p>
+            <a:pPr algn="ctr"/>
+            <a:r>
+              <a:rPr lang="en-US" altLang="zh-CN"/>
+              <a:t>- add()</a:t>
+            </a:r>
+            <a:endParaRPr lang="en-US" altLang="zh-CN"/>
+          </a:p>
+          <a:p>
+            <a:pPr algn="ctr"/>
+            <a:r>
+              <a:rPr lang="en-US" altLang="zh-CN"/>
+              <a:t>- find()</a:t>
+            </a:r>
+            <a:endParaRPr lang="en-US" altLang="zh-CN"/>
+          </a:p>
+        </p:txBody>
+      </p:sp>
+      <p:sp>
+        <p:nvSpPr>
+          <p:cNvPr id="6" name="圆角矩形 5"/>
+          <p:cNvSpPr/>
+          <p:nvPr/>
+        </p:nvSpPr>
+        <p:spPr>
+          <a:xfrm>
+            <a:off x="9318625" y="2785745"/>
+            <a:ext cx="1933575" cy="745490"/>
+          </a:xfrm>
+          <a:prstGeom prst="roundRect">
+            <a:avLst/>
+          </a:prstGeom>
+        </p:spPr>
+        <p:style>
+          <a:lnRef idx="2">
+            <a:schemeClr val="accent1">
+              <a:shade val="50000"/>
+            </a:schemeClr>
+          </a:lnRef>
+          <a:fillRef idx="1">
+            <a:schemeClr val="accent1"/>
+          </a:fillRef>
+          <a:effectRef idx="0">
+            <a:schemeClr val="accent1"/>
+          </a:effectRef>
+          <a:fontRef idx="minor">
+            <a:schemeClr val="lt1"/>
+          </a:fontRef>
+        </p:style>
+        <p:txBody>
+          <a:bodyPr rtlCol="0" anchor="ctr"/>
+          <a:p>
+            <a:pPr algn="ctr"/>
+            <a:r>
+              <a:rPr lang="en-US" altLang="zh-CN"/>
+              <a:t>Group</a:t>
+            </a:r>
+            <a:endParaRPr lang="en-US" altLang="zh-CN"/>
+          </a:p>
+        </p:txBody>
+      </p:sp>
+      <p:sp>
+        <p:nvSpPr>
+          <p:cNvPr id="7" name="圆角矩形 6"/>
+          <p:cNvSpPr/>
+          <p:nvPr/>
+        </p:nvSpPr>
+        <p:spPr>
+          <a:xfrm>
+            <a:off x="9326880" y="1862455"/>
+            <a:ext cx="1933575" cy="745490"/>
+          </a:xfrm>
+          <a:prstGeom prst="roundRect">
+            <a:avLst/>
+          </a:prstGeom>
+        </p:spPr>
+        <p:style>
+          <a:lnRef idx="2">
+            <a:schemeClr val="accent1">
+              <a:shade val="50000"/>
+            </a:schemeClr>
+          </a:lnRef>
+          <a:fillRef idx="1">
+            <a:schemeClr val="accent1"/>
+          </a:fillRef>
+          <a:effectRef idx="0">
+            <a:schemeClr val="accent1"/>
+          </a:effectRef>
+          <a:fontRef idx="minor">
+            <a:schemeClr val="lt1"/>
+          </a:fontRef>
+        </p:style>
+        <p:txBody>
+          <a:bodyPr rtlCol="0" anchor="ctr"/>
+          <a:p>
+            <a:pPr algn="ctr"/>
+            <a:r>
+              <a:rPr lang="en-US" altLang="zh-CN"/>
+              <a:t>Shape</a:t>
+            </a:r>
+            <a:endParaRPr lang="en-US" altLang="zh-CN"/>
+          </a:p>
+          <a:p>
+            <a:pPr algn="ctr"/>
+            <a:r>
+              <a:rPr lang="en-US" altLang="zh-CN"/>
+              <a:t>- getStage()</a:t>
+            </a:r>
+            <a:endParaRPr lang="en-US" altLang="zh-CN"/>
           </a:p>
         </p:txBody>
       </p:sp>
@@ -8910,141 +10028,27 @@
           <a:p>
             <a:r>
               <a:rPr lang="en-US" altLang="zh-CN"/>
-              <a:t>Overview</a:t>
-            </a:r>
-            <a:endParaRPr lang="en-US" altLang="zh-CN"/>
-          </a:p>
-        </p:txBody>
-      </p:sp>
-      <p:sp>
-        <p:nvSpPr>
-          <p:cNvPr id="5" name="内容占位符 4"/>
-          <p:cNvSpPr>
-            <a:spLocks noGrp="1"/>
-          </p:cNvSpPr>
-          <p:nvPr>
-            <p:ph idx="1"/>
+              <a:t>3D</a:t>
+            </a:r>
+            <a:endParaRPr lang="en-US" altLang="zh-CN"/>
+          </a:p>
+        </p:txBody>
+      </p:sp>
+      <p:sp>
+        <p:nvSpPr>
+          <p:cNvPr id="5" name="文本占位符 4"/>
+          <p:cNvSpPr>
+            <a:spLocks noGrp="1"/>
+          </p:cNvSpPr>
+          <p:nvPr>
+            <p:ph type="body" idx="1"/>
           </p:nvPr>
         </p:nvSpPr>
         <p:spPr/>
         <p:txBody>
-          <a:bodyPr>
-            <a:normAutofit lnSpcReduction="10000"/>
-          </a:bodyPr>
-          <a:p>
-            <a:r>
-              <a:rPr lang="en-US" altLang="zh-CN"/>
-              <a:t>General framework</a:t>
-            </a:r>
-            <a:endParaRPr lang="en-US" altLang="zh-CN"/>
-          </a:p>
-          <a:p>
-            <a:pPr lvl="1"/>
-            <a:r>
-              <a:rPr lang="en-US" altLang="zh-CN"/>
-              <a:t>Three.js</a:t>
-            </a:r>
-            <a:endParaRPr lang="en-US" altLang="zh-CN"/>
-          </a:p>
-          <a:p>
-            <a:pPr lvl="1"/>
-            <a:r>
-              <a:rPr lang="en-US" altLang="zh-CN"/>
-              <a:t>A-F</a:t>
-            </a:r>
-            <a:r>
-              <a:rPr lang="en-US" altLang="zh-CN"/>
-              <a:t>rame</a:t>
-            </a:r>
-            <a:endParaRPr lang="en-US" altLang="zh-CN"/>
-          </a:p>
-          <a:p>
-            <a:pPr lvl="2"/>
-            <a:r>
-              <a:rPr lang="en-US" altLang="zh-CN"/>
-              <a:t>https://aframe.io/</a:t>
-            </a:r>
-            <a:endParaRPr lang="en-US" altLang="zh-CN"/>
-          </a:p>
-          <a:p>
-            <a:pPr lvl="2"/>
-            <a:r>
-              <a:rPr lang="en-US" altLang="zh-CN"/>
-              <a:t>https://github.com/aframevr/aframe</a:t>
-            </a:r>
-            <a:endParaRPr lang="en-US" altLang="zh-CN"/>
-          </a:p>
-          <a:p>
-            <a:pPr lvl="1"/>
-            <a:r>
-              <a:rPr lang="en-US" altLang="zh-CN"/>
-              <a:t>PlayCanvas</a:t>
-            </a:r>
-            <a:endParaRPr lang="en-US" altLang="zh-CN"/>
-          </a:p>
-          <a:p>
-            <a:pPr lvl="2"/>
-            <a:r>
-              <a:rPr lang="en-US" altLang="zh-CN"/>
-              <a:t>https://playcanvas.com/</a:t>
-            </a:r>
-            <a:endParaRPr lang="en-US" altLang="zh-CN"/>
-          </a:p>
-          <a:p>
-            <a:pPr lvl="2"/>
-            <a:r>
-              <a:rPr lang="en-US" altLang="zh-CN"/>
-              <a:t>https://github.com/playcanvas/engine</a:t>
-            </a:r>
-            <a:endParaRPr lang="en-US" altLang="zh-CN"/>
-          </a:p>
-          <a:p>
-            <a:pPr lvl="1"/>
-            <a:r>
-              <a:rPr lang="en-US" altLang="zh-CN" sz="2000"/>
-              <a:t>Babylon.js</a:t>
-            </a:r>
-            <a:endParaRPr lang="en-US" altLang="zh-CN" sz="2000"/>
-          </a:p>
-          <a:p>
-            <a:pPr lvl="2"/>
-            <a:r>
-              <a:rPr lang="en-US" altLang="zh-CN"/>
-              <a:t>http://www.babylonjs.com/</a:t>
-            </a:r>
-            <a:endParaRPr lang="en-US" altLang="zh-CN"/>
-          </a:p>
-          <a:p>
-            <a:pPr lvl="0"/>
-            <a:r>
-              <a:rPr lang="en-US" altLang="zh-CN"/>
-              <a:t>3D Model View</a:t>
-            </a:r>
-            <a:endParaRPr lang="en-US" altLang="zh-CN"/>
-          </a:p>
-          <a:p>
-            <a:pPr lvl="1"/>
-            <a:r>
-              <a:rPr lang="en-US" altLang="zh-CN" sz="2000"/>
-              <a:t>Google ModelViewer</a:t>
-            </a:r>
-            <a:endParaRPr lang="en-US" altLang="zh-CN" sz="2000"/>
-          </a:p>
-          <a:p>
-            <a:pPr lvl="2"/>
-            <a:r>
-              <a:rPr lang="en-US" altLang="zh-CN"/>
-              <a:t>https://modelviewer.dev/</a:t>
-            </a:r>
-            <a:endParaRPr lang="en-US" altLang="zh-CN"/>
-          </a:p>
-          <a:p>
-            <a:pPr lvl="0"/>
-            <a:r>
-              <a:rPr lang="en-US" altLang="zh-CN"/>
-              <a:t>https://manu.ninja/25-real-world-applications-using-webgl</a:t>
-            </a:r>
-            <a:endParaRPr lang="en-US" altLang="zh-CN"/>
+          <a:bodyPr/>
+          <a:p>
+            <a:endParaRPr lang="zh-CN" altLang="en-US"/>
           </a:p>
         </p:txBody>
       </p:sp>
@@ -9060,6 +10064,181 @@
 </file>
 
 <file path=ppt/slides/slide41.xml><?xml version="1.0" encoding="utf-8"?>
+<p:sld xmlns:a="http://schemas.openxmlformats.org/drawingml/2006/main" xmlns:r="http://schemas.openxmlformats.org/officeDocument/2006/relationships" xmlns:p="http://schemas.openxmlformats.org/presentationml/2006/main">
+  <p:cSld>
+    <p:spTree>
+      <p:nvGrpSpPr>
+        <p:cNvPr id="1" name=""/>
+        <p:cNvGrpSpPr/>
+        <p:nvPr/>
+      </p:nvGrpSpPr>
+      <p:grpSpPr/>
+      <p:sp>
+        <p:nvSpPr>
+          <p:cNvPr id="4" name="标题 3"/>
+          <p:cNvSpPr>
+            <a:spLocks noGrp="1"/>
+          </p:cNvSpPr>
+          <p:nvPr>
+            <p:ph type="title"/>
+          </p:nvPr>
+        </p:nvSpPr>
+        <p:spPr/>
+        <p:txBody>
+          <a:bodyPr/>
+          <a:p>
+            <a:r>
+              <a:rPr lang="en-US" altLang="zh-CN"/>
+              <a:t>Overview</a:t>
+            </a:r>
+            <a:endParaRPr lang="en-US" altLang="zh-CN"/>
+          </a:p>
+        </p:txBody>
+      </p:sp>
+      <p:sp>
+        <p:nvSpPr>
+          <p:cNvPr id="5" name="内容占位符 4"/>
+          <p:cNvSpPr>
+            <a:spLocks noGrp="1"/>
+          </p:cNvSpPr>
+          <p:nvPr>
+            <p:ph idx="1"/>
+          </p:nvPr>
+        </p:nvSpPr>
+        <p:spPr/>
+        <p:txBody>
+          <a:bodyPr>
+            <a:normAutofit lnSpcReduction="10000"/>
+          </a:bodyPr>
+          <a:p>
+            <a:r>
+              <a:rPr lang="en-US" altLang="zh-CN"/>
+              <a:t>General framework</a:t>
+            </a:r>
+            <a:endParaRPr lang="en-US" altLang="zh-CN"/>
+          </a:p>
+          <a:p>
+            <a:pPr lvl="1"/>
+            <a:r>
+              <a:rPr lang="en-US" altLang="zh-CN"/>
+              <a:t>Three.js</a:t>
+            </a:r>
+            <a:endParaRPr lang="en-US" altLang="zh-CN"/>
+          </a:p>
+          <a:p>
+            <a:pPr lvl="1"/>
+            <a:r>
+              <a:rPr lang="en-US" altLang="zh-CN"/>
+              <a:t>A-F</a:t>
+            </a:r>
+            <a:r>
+              <a:rPr lang="en-US" altLang="zh-CN"/>
+              <a:t>rame</a:t>
+            </a:r>
+            <a:endParaRPr lang="en-US" altLang="zh-CN"/>
+          </a:p>
+          <a:p>
+            <a:pPr lvl="2"/>
+            <a:r>
+              <a:rPr lang="en-US" altLang="zh-CN"/>
+              <a:t>https://aframe.io/</a:t>
+            </a:r>
+            <a:endParaRPr lang="en-US" altLang="zh-CN"/>
+          </a:p>
+          <a:p>
+            <a:pPr lvl="2"/>
+            <a:r>
+              <a:rPr lang="en-US" altLang="zh-CN"/>
+              <a:t>https://github.com/aframevr/aframe</a:t>
+            </a:r>
+            <a:endParaRPr lang="en-US" altLang="zh-CN"/>
+          </a:p>
+          <a:p>
+            <a:pPr lvl="1"/>
+            <a:r>
+              <a:rPr lang="en-US" altLang="zh-CN"/>
+              <a:t>PlayCanvas</a:t>
+            </a:r>
+            <a:endParaRPr lang="en-US" altLang="zh-CN"/>
+          </a:p>
+          <a:p>
+            <a:pPr lvl="2"/>
+            <a:r>
+              <a:rPr lang="en-US" altLang="zh-CN"/>
+              <a:t>https://playcanvas.com/</a:t>
+            </a:r>
+            <a:endParaRPr lang="en-US" altLang="zh-CN"/>
+          </a:p>
+          <a:p>
+            <a:pPr lvl="2"/>
+            <a:r>
+              <a:rPr lang="en-US" altLang="zh-CN"/>
+              <a:t>https://github.com/playcanvas/engine</a:t>
+            </a:r>
+            <a:endParaRPr lang="en-US" altLang="zh-CN"/>
+          </a:p>
+          <a:p>
+            <a:pPr lvl="1"/>
+            <a:r>
+              <a:rPr lang="en-US" altLang="zh-CN" sz="2000"/>
+              <a:t>Babylon.js</a:t>
+            </a:r>
+            <a:endParaRPr lang="en-US" altLang="zh-CN" sz="2000"/>
+          </a:p>
+          <a:p>
+            <a:pPr lvl="2"/>
+            <a:r>
+              <a:rPr lang="en-US" altLang="zh-CN"/>
+              <a:t>http://www.babylonjs.com/</a:t>
+            </a:r>
+            <a:endParaRPr lang="en-US" altLang="zh-CN"/>
+          </a:p>
+          <a:p>
+            <a:pPr lvl="0"/>
+            <a:r>
+              <a:rPr lang="en-US" altLang="zh-CN"/>
+              <a:t>3D Model View</a:t>
+            </a:r>
+            <a:endParaRPr lang="en-US" altLang="zh-CN"/>
+          </a:p>
+          <a:p>
+            <a:pPr lvl="1"/>
+            <a:r>
+              <a:rPr lang="en-US" altLang="zh-CN" sz="2000"/>
+              <a:t>Google ModelViewer</a:t>
+            </a:r>
+            <a:endParaRPr lang="en-US" altLang="zh-CN" sz="2000"/>
+          </a:p>
+          <a:p>
+            <a:pPr lvl="2"/>
+            <a:r>
+              <a:rPr lang="en-US" altLang="zh-CN"/>
+              <a:t>https://modelviewer.dev/</a:t>
+            </a:r>
+            <a:endParaRPr lang="en-US" altLang="zh-CN"/>
+          </a:p>
+          <a:p>
+            <a:pPr lvl="0"/>
+            <a:r>
+              <a:rPr lang="en-US" altLang="zh-CN"/>
+              <a:t>https://manu.ninja/25-real-world-applications-using-webgl</a:t>
+            </a:r>
+            <a:endParaRPr lang="en-US" altLang="zh-CN"/>
+          </a:p>
+        </p:txBody>
+      </p:sp>
+    </p:spTree>
+    <p:custDataLst>
+      <p:tags r:id="rId1"/>
+    </p:custDataLst>
+  </p:cSld>
+  <p:clrMapOvr>
+    <a:masterClrMapping/>
+  </p:clrMapOvr>
+</p:sld>
+</file>
+
+<file path=ppt/slides/slide42.xml><?xml version="1.0" encoding="utf-8"?>
 <p:sld xmlns:a="http://schemas.openxmlformats.org/drawingml/2006/main" xmlns:r="http://schemas.openxmlformats.org/officeDocument/2006/relationships" xmlns:p="http://schemas.openxmlformats.org/presentationml/2006/main">
   <p:cSld>
     <p:spTree>
@@ -10224,108 +11403,6 @@
 </p:sld>
 </file>
 
-<file path=ppt/slides/slide42.xml><?xml version="1.0" encoding="utf-8"?>
-<p:sld xmlns:a="http://schemas.openxmlformats.org/drawingml/2006/main" xmlns:r="http://schemas.openxmlformats.org/officeDocument/2006/relationships" xmlns:p="http://schemas.openxmlformats.org/presentationml/2006/main">
-  <p:cSld>
-    <p:spTree>
-      <p:nvGrpSpPr>
-        <p:cNvPr id="1" name=""/>
-        <p:cNvGrpSpPr/>
-        <p:nvPr/>
-      </p:nvGrpSpPr>
-      <p:grpSpPr/>
-      <p:sp>
-        <p:nvSpPr>
-          <p:cNvPr id="2" name="标题 1"/>
-          <p:cNvSpPr>
-            <a:spLocks noGrp="1"/>
-          </p:cNvSpPr>
-          <p:nvPr>
-            <p:ph type="title"/>
-          </p:nvPr>
-        </p:nvSpPr>
-        <p:spPr/>
-        <p:txBody>
-          <a:bodyPr/>
-          <a:p>
-            <a:r>
-              <a:rPr lang="en-US" altLang="zh-CN"/>
-              <a:t>Three.js 2</a:t>
-            </a:r>
-            <a:endParaRPr lang="en-US" altLang="zh-CN"/>
-          </a:p>
-        </p:txBody>
-      </p:sp>
-      <p:sp>
-        <p:nvSpPr>
-          <p:cNvPr id="3" name="内容占位符 2"/>
-          <p:cNvSpPr>
-            <a:spLocks noGrp="1"/>
-          </p:cNvSpPr>
-          <p:nvPr>
-            <p:ph idx="1"/>
-          </p:nvPr>
-        </p:nvSpPr>
-        <p:spPr/>
-        <p:txBody>
-          <a:bodyPr/>
-          <a:p>
-            <a:r>
-              <a:rPr lang="en-US" altLang="zh-CN"/>
-              <a:t>VR support</a:t>
-            </a:r>
-            <a:endParaRPr lang="en-US" altLang="zh-CN"/>
-          </a:p>
-          <a:p>
-            <a:pPr lvl="1" algn="l">
-              <a:buClrTx/>
-              <a:buSzTx/>
-            </a:pPr>
-            <a:r>
-              <a:rPr lang="zh-CN" altLang="en-US">
-                <a:sym typeface="+mn-ea"/>
-              </a:rPr>
-              <a:t>https://threejs.org/docs/#manual/en/introduction/How-to-create-VR-content</a:t>
-            </a:r>
-            <a:endParaRPr lang="zh-CN" altLang="en-US"/>
-          </a:p>
-          <a:p>
-            <a:pPr lvl="1"/>
-            <a:r>
-              <a:rPr lang="zh-CN" altLang="en-US"/>
-              <a:t>https://immersiveweb.dev/#three.js</a:t>
-            </a:r>
-            <a:endParaRPr lang="zh-CN" altLang="en-US"/>
-          </a:p>
-          <a:p>
-            <a:pPr lvl="1"/>
-            <a:r>
-              <a:rPr lang="zh-CN" altLang="en-US"/>
-              <a:t>https://tutorialsforvr.com/enable-threejs-vr/</a:t>
-            </a:r>
-            <a:endParaRPr lang="zh-CN" altLang="en-US"/>
-          </a:p>
-          <a:p>
-            <a:pPr lvl="1"/>
-            <a:r>
-              <a:rPr lang="zh-CN" altLang="en-US"/>
-              <a:t>https://www.davrous.com/2017/07/07/from-zero-to-hero-creating-webvr-experiences-with-babylon-js-on-all-platforms/</a:t>
-            </a:r>
-            <a:endParaRPr lang="zh-CN" altLang="en-US"/>
-          </a:p>
-        </p:txBody>
-      </p:sp>
-    </p:spTree>
-    <p:custDataLst>
-      <p:tags r:id="rId1"/>
-    </p:custDataLst>
-  </p:cSld>
-  <p:clrMapOvr>
-    <a:masterClrMapping/>
-  </p:clrMapOvr>
-</p:sld>
-</file>
-
 <file path=ppt/slides/slide43.xml><?xml version="1.0" encoding="utf-8"?>
 <p:sld xmlns:a="http://schemas.openxmlformats.org/drawingml/2006/main" xmlns:r="http://schemas.openxmlformats.org/officeDocument/2006/relationships" xmlns:p="http://schemas.openxmlformats.org/presentationml/2006/main">
   <p:cSld>
@@ -10352,7 +11429,7 @@
           <a:p>
             <a:r>
               <a:rPr lang="en-US" altLang="zh-CN"/>
-              <a:t>A-Frame</a:t>
+              <a:t>Three.js 2</a:t>
             </a:r>
             <a:endParaRPr lang="en-US" altLang="zh-CN"/>
           </a:p>
@@ -10368,216 +11445,52 @@
             <p:ph idx="1"/>
           </p:nvPr>
         </p:nvSpPr>
-        <p:spPr>
-          <a:xfrm>
-            <a:off x="838200" y="1211580"/>
-            <a:ext cx="5999480" cy="4549140"/>
-          </a:xfrm>
-        </p:spPr>
+        <p:spPr/>
         <p:txBody>
           <a:bodyPr/>
           <a:p>
             <a:r>
               <a:rPr lang="en-US" altLang="zh-CN"/>
-              <a:t>Concept</a:t>
-            </a:r>
-            <a:endParaRPr lang="en-US" altLang="zh-CN"/>
-          </a:p>
-          <a:p>
-            <a:pPr lvl="1"/>
-            <a:r>
-              <a:rPr lang="en-US" altLang="zh-CN"/>
-              <a:t>Declarative DOM-based Entity-Component-System</a:t>
-            </a:r>
-            <a:endParaRPr lang="en-US" altLang="zh-CN"/>
-          </a:p>
-          <a:p>
-            <a:pPr lvl="1"/>
-            <a:r>
-              <a:rPr lang="en-US" altLang="zh-CN"/>
-              <a:t>Component-based development</a:t>
-            </a:r>
-            <a:endParaRPr lang="en-US" altLang="zh-CN"/>
-          </a:p>
-        </p:txBody>
-      </p:sp>
-      <p:sp>
-        <p:nvSpPr>
-          <p:cNvPr id="4" name="文本框 3"/>
-          <p:cNvSpPr txBox="1"/>
-          <p:nvPr/>
-        </p:nvSpPr>
-        <p:spPr>
-          <a:xfrm>
-            <a:off x="6958330" y="1631950"/>
-            <a:ext cx="4859020" cy="3599815"/>
-          </a:xfrm>
-          <a:prstGeom prst="rect">
-            <a:avLst/>
-          </a:prstGeom>
-          <a:noFill/>
-          <a:ln>
-            <a:solidFill>
-              <a:srgbClr val="FFC000"/>
-            </a:solidFill>
-          </a:ln>
-        </p:spPr>
-        <p:txBody>
-          <a:bodyPr wrap="square" rtlCol="0">
-            <a:spAutoFit/>
-          </a:bodyPr>
-          <a:p>
-            <a:r>
-              <a:rPr lang="zh-CN" altLang="en-US" sz="1200"/>
-              <a:t>&lt;html&gt;</a:t>
-            </a:r>
-            <a:endParaRPr lang="zh-CN" altLang="en-US" sz="1200"/>
-          </a:p>
-          <a:p>
-            <a:r>
-              <a:rPr lang="zh-CN" altLang="en-US" sz="1200"/>
-              <a:t>  &lt;head&gt;</a:t>
-            </a:r>
-            <a:endParaRPr lang="zh-CN" altLang="en-US" sz="1200"/>
-          </a:p>
-          <a:p>
-            <a:r>
-              <a:rPr lang="zh-CN" altLang="en-US" sz="1200"/>
-              <a:t>    &lt;script src="https://aframe.io/releases/1.0.0/aframe.min.js"&gt;&lt;/script&gt;</a:t>
-            </a:r>
-            <a:endParaRPr lang="zh-CN" altLang="en-US" sz="1200"/>
-          </a:p>
-          <a:p>
-            <a:r>
-              <a:rPr lang="zh-CN" altLang="en-US" sz="1200"/>
-              <a:t>  &lt;/head&gt;</a:t>
-            </a:r>
-            <a:endParaRPr lang="zh-CN" altLang="en-US" sz="1200"/>
-          </a:p>
-          <a:p>
-            <a:r>
-              <a:rPr lang="zh-CN" altLang="en-US" sz="1200"/>
-              <a:t>  &lt;body&gt;</a:t>
-            </a:r>
-            <a:endParaRPr lang="zh-CN" altLang="en-US" sz="1200"/>
-          </a:p>
-          <a:p>
-            <a:r>
-              <a:rPr lang="zh-CN" altLang="en-US" sz="1200"/>
-              <a:t>    &lt;a-scene&gt;</a:t>
-            </a:r>
-            <a:endParaRPr lang="zh-CN" altLang="en-US" sz="1200"/>
-          </a:p>
-          <a:p>
-            <a:r>
-              <a:rPr lang="zh-CN" altLang="en-US" sz="1200"/>
-              <a:t>      &lt;a-box position="-1 0.5 -3" rotation="0 45 0" color="#4CC3D9"&gt;&lt;/a-box&gt;</a:t>
-            </a:r>
-            <a:endParaRPr lang="zh-CN" altLang="en-US" sz="1200"/>
-          </a:p>
-          <a:p>
-            <a:r>
-              <a:rPr lang="zh-CN" altLang="en-US" sz="1200"/>
-              <a:t>      &lt;a-sphere position="0 1.25 -5" radius="1.25" color="#EF2D5E"&gt;&lt;/a-sphere&gt;</a:t>
-            </a:r>
-            <a:endParaRPr lang="zh-CN" altLang="en-US" sz="1200"/>
-          </a:p>
-          <a:p>
-            <a:r>
-              <a:rPr lang="zh-CN" altLang="en-US" sz="1200"/>
-              <a:t>      &lt;a-cylinder position="1 0.75 -3" radius="0.5" height="1.5" color="#FFC65D"&gt;&lt;/a-cylinder&gt;</a:t>
-            </a:r>
-            <a:endParaRPr lang="zh-CN" altLang="en-US" sz="1200"/>
-          </a:p>
-          <a:p>
-            <a:r>
-              <a:rPr lang="zh-CN" altLang="en-US" sz="1200"/>
-              <a:t>      &lt;a-plane position="0 0 -4" rotation="-90 0 0" width="4" height="4" color="#7BC8A4"&gt;&lt;/a-plane&gt;</a:t>
-            </a:r>
-            <a:endParaRPr lang="zh-CN" altLang="en-US" sz="1200"/>
-          </a:p>
-          <a:p>
-            <a:r>
-              <a:rPr lang="zh-CN" altLang="en-US" sz="1200"/>
-              <a:t>      &lt;a-sky color="#ECECEC"&gt;&lt;/a-sky&gt;</a:t>
-            </a:r>
-            <a:endParaRPr lang="zh-CN" altLang="en-US" sz="1200"/>
-          </a:p>
-          <a:p>
-            <a:r>
-              <a:rPr lang="zh-CN" altLang="en-US" sz="1200"/>
-              <a:t>    &lt;/a-scene&gt;</a:t>
-            </a:r>
-            <a:endParaRPr lang="zh-CN" altLang="en-US" sz="1200"/>
-          </a:p>
-          <a:p>
-            <a:r>
-              <a:rPr lang="zh-CN" altLang="en-US" sz="1200"/>
-              <a:t>  &lt;/body&gt;</a:t>
-            </a:r>
-            <a:endParaRPr lang="zh-CN" altLang="en-US" sz="1200"/>
-          </a:p>
-          <a:p>
-            <a:r>
-              <a:rPr lang="zh-CN" altLang="en-US" sz="1200"/>
-              <a:t>&lt;/html&gt;</a:t>
-            </a:r>
-            <a:endParaRPr lang="zh-CN" altLang="en-US" sz="1200"/>
-          </a:p>
-        </p:txBody>
-      </p:sp>
-      <p:sp>
-        <p:nvSpPr>
-          <p:cNvPr id="5" name="文本框 4"/>
-          <p:cNvSpPr txBox="1"/>
-          <p:nvPr/>
-        </p:nvSpPr>
-        <p:spPr>
-          <a:xfrm>
-            <a:off x="6958330" y="5374005"/>
-            <a:ext cx="4859020" cy="953135"/>
-          </a:xfrm>
-          <a:prstGeom prst="rect">
-            <a:avLst/>
-          </a:prstGeom>
-          <a:noFill/>
-          <a:ln>
-            <a:solidFill>
-              <a:srgbClr val="FFC000"/>
-            </a:solidFill>
-          </a:ln>
-        </p:spPr>
-        <p:txBody>
-          <a:bodyPr wrap="square" rtlCol="0">
-            <a:spAutoFit/>
-          </a:bodyPr>
-          <a:p>
-            <a:r>
-              <a:rPr lang="zh-CN" altLang="en-US" sz="1400"/>
-              <a:t>&lt;a-entity geometry="primitive: sphere; radius: 1.5"</a:t>
-            </a:r>
-            <a:endParaRPr lang="zh-CN" altLang="en-US" sz="1400"/>
-          </a:p>
-          <a:p>
-            <a:r>
-              <a:rPr lang="zh-CN" altLang="en-US" sz="1400"/>
-              <a:t>          light="type: point; color: white; intensity: 2"</a:t>
-            </a:r>
-            <a:endParaRPr lang="zh-CN" altLang="en-US" sz="1400"/>
-          </a:p>
-          <a:p>
-            <a:r>
-              <a:rPr lang="zh-CN" altLang="en-US" sz="1400"/>
-              <a:t>          material="color: white; shader: flat; src: glow.jpg"</a:t>
-            </a:r>
-            <a:endParaRPr lang="zh-CN" altLang="en-US" sz="1400"/>
-          </a:p>
-          <a:p>
-            <a:r>
-              <a:rPr lang="zh-CN" altLang="en-US" sz="1400"/>
-              <a:t>          position="0 0 -5"&gt;&lt;/a-entity&gt;</a:t>
-            </a:r>
-            <a:endParaRPr lang="zh-CN" altLang="en-US" sz="1400"/>
+              <a:t>VR support</a:t>
+            </a:r>
+            <a:endParaRPr lang="en-US" altLang="zh-CN"/>
+          </a:p>
+          <a:p>
+            <a:pPr lvl="1" algn="l">
+              <a:buClrTx/>
+              <a:buSzTx/>
+            </a:pPr>
+            <a:r>
+              <a:rPr lang="zh-CN" altLang="en-US">
+                <a:sym typeface="+mn-ea"/>
+              </a:rPr>
+              <a:t>https://threejs.org/docs/#manual/en/introduction/How-to-create-VR-content</a:t>
+            </a:r>
+            <a:endParaRPr lang="zh-CN" altLang="en-US"/>
+          </a:p>
+          <a:p>
+            <a:pPr lvl="1"/>
+            <a:r>
+              <a:rPr lang="zh-CN" altLang="en-US"/>
+              <a:t>https://immersiveweb.dev/#three.js</a:t>
+            </a:r>
+            <a:endParaRPr lang="zh-CN" altLang="en-US"/>
+          </a:p>
+          <a:p>
+            <a:pPr lvl="1"/>
+            <a:r>
+              <a:rPr lang="zh-CN" altLang="en-US"/>
+              <a:t>https://tutorialsforvr.com/enable-threejs-vr/</a:t>
+            </a:r>
+            <a:endParaRPr lang="zh-CN" altLang="en-US"/>
+          </a:p>
+          <a:p>
+            <a:pPr lvl="1"/>
+            <a:r>
+              <a:rPr lang="zh-CN" altLang="en-US"/>
+              <a:t>https://www.davrous.com/2017/07/07/from-zero-to-hero-creating-webvr-experiences-with-babylon-js-on-all-platforms/</a:t>
+            </a:r>
+            <a:endParaRPr lang="zh-CN" altLang="en-US"/>
           </a:p>
         </p:txBody>
       </p:sp>
@@ -10618,6 +11531,272 @@
           <a:p>
             <a:r>
               <a:rPr lang="en-US" altLang="zh-CN"/>
+              <a:t>A-Frame</a:t>
+            </a:r>
+            <a:endParaRPr lang="en-US" altLang="zh-CN"/>
+          </a:p>
+        </p:txBody>
+      </p:sp>
+      <p:sp>
+        <p:nvSpPr>
+          <p:cNvPr id="3" name="内容占位符 2"/>
+          <p:cNvSpPr>
+            <a:spLocks noGrp="1"/>
+          </p:cNvSpPr>
+          <p:nvPr>
+            <p:ph idx="1"/>
+          </p:nvPr>
+        </p:nvSpPr>
+        <p:spPr>
+          <a:xfrm>
+            <a:off x="838200" y="1211580"/>
+            <a:ext cx="5999480" cy="4549140"/>
+          </a:xfrm>
+        </p:spPr>
+        <p:txBody>
+          <a:bodyPr/>
+          <a:p>
+            <a:r>
+              <a:rPr lang="en-US" altLang="zh-CN"/>
+              <a:t>Concept</a:t>
+            </a:r>
+            <a:endParaRPr lang="en-US" altLang="zh-CN"/>
+          </a:p>
+          <a:p>
+            <a:pPr lvl="1"/>
+            <a:r>
+              <a:rPr lang="en-US" altLang="zh-CN"/>
+              <a:t>Declarative DOM-based Entity-Component-System</a:t>
+            </a:r>
+            <a:endParaRPr lang="en-US" altLang="zh-CN"/>
+          </a:p>
+          <a:p>
+            <a:pPr lvl="1"/>
+            <a:r>
+              <a:rPr lang="en-US" altLang="zh-CN"/>
+              <a:t>Component-based development</a:t>
+            </a:r>
+            <a:endParaRPr lang="en-US" altLang="zh-CN"/>
+          </a:p>
+        </p:txBody>
+      </p:sp>
+      <p:sp>
+        <p:nvSpPr>
+          <p:cNvPr id="4" name="文本框 3"/>
+          <p:cNvSpPr txBox="1"/>
+          <p:nvPr/>
+        </p:nvSpPr>
+        <p:spPr>
+          <a:xfrm>
+            <a:off x="6958330" y="1631950"/>
+            <a:ext cx="4859020" cy="3599815"/>
+          </a:xfrm>
+          <a:prstGeom prst="rect">
+            <a:avLst/>
+          </a:prstGeom>
+          <a:noFill/>
+          <a:ln>
+            <a:solidFill>
+              <a:srgbClr val="FFC000"/>
+            </a:solidFill>
+          </a:ln>
+        </p:spPr>
+        <p:txBody>
+          <a:bodyPr wrap="square" rtlCol="0">
+            <a:spAutoFit/>
+          </a:bodyPr>
+          <a:p>
+            <a:r>
+              <a:rPr lang="zh-CN" altLang="en-US" sz="1200"/>
+              <a:t>&lt;html&gt;</a:t>
+            </a:r>
+            <a:endParaRPr lang="zh-CN" altLang="en-US" sz="1200"/>
+          </a:p>
+          <a:p>
+            <a:r>
+              <a:rPr lang="zh-CN" altLang="en-US" sz="1200"/>
+              <a:t>  &lt;head&gt;</a:t>
+            </a:r>
+            <a:endParaRPr lang="zh-CN" altLang="en-US" sz="1200"/>
+          </a:p>
+          <a:p>
+            <a:r>
+              <a:rPr lang="zh-CN" altLang="en-US" sz="1200"/>
+              <a:t>    &lt;script src="https://aframe.io/releases/1.0.0/aframe.min.js"&gt;&lt;/script&gt;</a:t>
+            </a:r>
+            <a:endParaRPr lang="zh-CN" altLang="en-US" sz="1200"/>
+          </a:p>
+          <a:p>
+            <a:r>
+              <a:rPr lang="zh-CN" altLang="en-US" sz="1200"/>
+              <a:t>  &lt;/head&gt;</a:t>
+            </a:r>
+            <a:endParaRPr lang="zh-CN" altLang="en-US" sz="1200"/>
+          </a:p>
+          <a:p>
+            <a:r>
+              <a:rPr lang="zh-CN" altLang="en-US" sz="1200"/>
+              <a:t>  &lt;body&gt;</a:t>
+            </a:r>
+            <a:endParaRPr lang="zh-CN" altLang="en-US" sz="1200"/>
+          </a:p>
+          <a:p>
+            <a:r>
+              <a:rPr lang="zh-CN" altLang="en-US" sz="1200"/>
+              <a:t>    &lt;a-scene&gt;</a:t>
+            </a:r>
+            <a:endParaRPr lang="zh-CN" altLang="en-US" sz="1200"/>
+          </a:p>
+          <a:p>
+            <a:r>
+              <a:rPr lang="zh-CN" altLang="en-US" sz="1200"/>
+              <a:t>      &lt;a-box position="-1 0.5 -3" rotation="0 45 0" color="#4CC3D9"&gt;&lt;/a-box&gt;</a:t>
+            </a:r>
+            <a:endParaRPr lang="zh-CN" altLang="en-US" sz="1200"/>
+          </a:p>
+          <a:p>
+            <a:r>
+              <a:rPr lang="zh-CN" altLang="en-US" sz="1200"/>
+              <a:t>      &lt;a-sphere position="0 1.25 -5" radius="1.25" color="#EF2D5E"&gt;&lt;/a-sphere&gt;</a:t>
+            </a:r>
+            <a:endParaRPr lang="zh-CN" altLang="en-US" sz="1200"/>
+          </a:p>
+          <a:p>
+            <a:r>
+              <a:rPr lang="zh-CN" altLang="en-US" sz="1200"/>
+              <a:t>      &lt;a-cylinder position="1 0.75 -3" radius="0.5" height="1.5" color="#FFC65D"&gt;&lt;/a-cylinder&gt;</a:t>
+            </a:r>
+            <a:endParaRPr lang="zh-CN" altLang="en-US" sz="1200"/>
+          </a:p>
+          <a:p>
+            <a:r>
+              <a:rPr lang="zh-CN" altLang="en-US" sz="1200"/>
+              <a:t>      &lt;a-plane position="0 0 -4" rotation="-90 0 0" width="4" height="4" color="#7BC8A4"&gt;&lt;/a-plane&gt;</a:t>
+            </a:r>
+            <a:endParaRPr lang="zh-CN" altLang="en-US" sz="1200"/>
+          </a:p>
+          <a:p>
+            <a:r>
+              <a:rPr lang="zh-CN" altLang="en-US" sz="1200"/>
+              <a:t>      &lt;a-sky color="#ECECEC"&gt;&lt;/a-sky&gt;</a:t>
+            </a:r>
+            <a:endParaRPr lang="zh-CN" altLang="en-US" sz="1200"/>
+          </a:p>
+          <a:p>
+            <a:r>
+              <a:rPr lang="zh-CN" altLang="en-US" sz="1200"/>
+              <a:t>    &lt;/a-scene&gt;</a:t>
+            </a:r>
+            <a:endParaRPr lang="zh-CN" altLang="en-US" sz="1200"/>
+          </a:p>
+          <a:p>
+            <a:r>
+              <a:rPr lang="zh-CN" altLang="en-US" sz="1200"/>
+              <a:t>  &lt;/body&gt;</a:t>
+            </a:r>
+            <a:endParaRPr lang="zh-CN" altLang="en-US" sz="1200"/>
+          </a:p>
+          <a:p>
+            <a:r>
+              <a:rPr lang="zh-CN" altLang="en-US" sz="1200"/>
+              <a:t>&lt;/html&gt;</a:t>
+            </a:r>
+            <a:endParaRPr lang="zh-CN" altLang="en-US" sz="1200"/>
+          </a:p>
+        </p:txBody>
+      </p:sp>
+      <p:sp>
+        <p:nvSpPr>
+          <p:cNvPr id="5" name="文本框 4"/>
+          <p:cNvSpPr txBox="1"/>
+          <p:nvPr/>
+        </p:nvSpPr>
+        <p:spPr>
+          <a:xfrm>
+            <a:off x="6958330" y="5374005"/>
+            <a:ext cx="4859020" cy="953135"/>
+          </a:xfrm>
+          <a:prstGeom prst="rect">
+            <a:avLst/>
+          </a:prstGeom>
+          <a:noFill/>
+          <a:ln>
+            <a:solidFill>
+              <a:srgbClr val="FFC000"/>
+            </a:solidFill>
+          </a:ln>
+        </p:spPr>
+        <p:txBody>
+          <a:bodyPr wrap="square" rtlCol="0">
+            <a:spAutoFit/>
+          </a:bodyPr>
+          <a:p>
+            <a:r>
+              <a:rPr lang="zh-CN" altLang="en-US" sz="1400"/>
+              <a:t>&lt;a-entity geometry="primitive: sphere; radius: 1.5"</a:t>
+            </a:r>
+            <a:endParaRPr lang="zh-CN" altLang="en-US" sz="1400"/>
+          </a:p>
+          <a:p>
+            <a:r>
+              <a:rPr lang="zh-CN" altLang="en-US" sz="1400"/>
+              <a:t>          light="type: point; color: white; intensity: 2"</a:t>
+            </a:r>
+            <a:endParaRPr lang="zh-CN" altLang="en-US" sz="1400"/>
+          </a:p>
+          <a:p>
+            <a:r>
+              <a:rPr lang="zh-CN" altLang="en-US" sz="1400"/>
+              <a:t>          material="color: white; shader: flat; src: glow.jpg"</a:t>
+            </a:r>
+            <a:endParaRPr lang="zh-CN" altLang="en-US" sz="1400"/>
+          </a:p>
+          <a:p>
+            <a:r>
+              <a:rPr lang="zh-CN" altLang="en-US" sz="1400"/>
+              <a:t>          position="0 0 -5"&gt;&lt;/a-entity&gt;</a:t>
+            </a:r>
+            <a:endParaRPr lang="zh-CN" altLang="en-US" sz="1400"/>
+          </a:p>
+        </p:txBody>
+      </p:sp>
+    </p:spTree>
+    <p:custDataLst>
+      <p:tags r:id="rId1"/>
+    </p:custDataLst>
+  </p:cSld>
+  <p:clrMapOvr>
+    <a:masterClrMapping/>
+  </p:clrMapOvr>
+</p:sld>
+</file>
+
+<file path=ppt/slides/slide45.xml><?xml version="1.0" encoding="utf-8"?>
+<p:sld xmlns:a="http://schemas.openxmlformats.org/drawingml/2006/main" xmlns:r="http://schemas.openxmlformats.org/officeDocument/2006/relationships" xmlns:p="http://schemas.openxmlformats.org/presentationml/2006/main">
+  <p:cSld>
+    <p:spTree>
+      <p:nvGrpSpPr>
+        <p:cNvPr id="1" name=""/>
+        <p:cNvGrpSpPr/>
+        <p:nvPr/>
+      </p:nvGrpSpPr>
+      <p:grpSpPr/>
+      <p:sp>
+        <p:nvSpPr>
+          <p:cNvPr id="2" name="标题 1"/>
+          <p:cNvSpPr>
+            <a:spLocks noGrp="1"/>
+          </p:cNvSpPr>
+          <p:nvPr>
+            <p:ph type="title"/>
+          </p:nvPr>
+        </p:nvSpPr>
+        <p:spPr/>
+        <p:txBody>
+          <a:bodyPr/>
+          <a:p>
+            <a:r>
+              <a:rPr lang="en-US" altLang="zh-CN"/>
               <a:t>Google ModelViewer</a:t>
             </a:r>
             <a:endParaRPr lang="en-US" altLang="zh-CN"/>
@@ -10706,6 +11885,288 @@
               <a:t>&lt;model-viewer src="examples/assets/Astronaut.glb" alt="A 3D model of an astronaut" auto-rotate camera-controls background-color="#455A64"&gt;&lt;/model-viewer&gt;</a:t>
             </a:r>
             <a:endParaRPr lang="zh-CN" altLang="en-US" sz="1600"/>
+          </a:p>
+        </p:txBody>
+      </p:sp>
+    </p:spTree>
+    <p:custDataLst>
+      <p:tags r:id="rId1"/>
+    </p:custDataLst>
+  </p:cSld>
+  <p:clrMapOvr>
+    <a:masterClrMapping/>
+  </p:clrMapOvr>
+</p:sld>
+</file>
+
+<file path=ppt/slides/slide46.xml><?xml version="1.0" encoding="utf-8"?>
+<p:sld xmlns:a="http://schemas.openxmlformats.org/drawingml/2006/main" xmlns:r="http://schemas.openxmlformats.org/officeDocument/2006/relationships" xmlns:p="http://schemas.openxmlformats.org/presentationml/2006/main">
+  <p:cSld>
+    <p:spTree>
+      <p:nvGrpSpPr>
+        <p:cNvPr id="1" name=""/>
+        <p:cNvGrpSpPr/>
+        <p:nvPr/>
+      </p:nvGrpSpPr>
+      <p:grpSpPr/>
+      <p:sp>
+        <p:nvSpPr>
+          <p:cNvPr id="4" name="标题 3"/>
+          <p:cNvSpPr>
+            <a:spLocks noGrp="1"/>
+          </p:cNvSpPr>
+          <p:nvPr>
+            <p:ph type="title"/>
+          </p:nvPr>
+        </p:nvSpPr>
+        <p:spPr/>
+        <p:txBody>
+          <a:bodyPr/>
+          <a:p>
+            <a:r>
+              <a:rPr lang="en-US" altLang="zh-CN"/>
+              <a:t>Misc.</a:t>
+            </a:r>
+            <a:endParaRPr lang="zh-CN" altLang="en-US"/>
+          </a:p>
+        </p:txBody>
+      </p:sp>
+      <p:sp>
+        <p:nvSpPr>
+          <p:cNvPr id="5" name="文本占位符 4"/>
+          <p:cNvSpPr>
+            <a:spLocks noGrp="1"/>
+          </p:cNvSpPr>
+          <p:nvPr>
+            <p:ph type="body" idx="1"/>
+          </p:nvPr>
+        </p:nvSpPr>
+        <p:spPr/>
+        <p:txBody>
+          <a:bodyPr/>
+          <a:p>
+            <a:endParaRPr lang="zh-CN" altLang="en-US"/>
+          </a:p>
+        </p:txBody>
+      </p:sp>
+    </p:spTree>
+    <p:custDataLst>
+      <p:tags r:id="rId1"/>
+    </p:custDataLst>
+  </p:cSld>
+  <p:clrMapOvr>
+    <a:masterClrMapping/>
+  </p:clrMapOvr>
+</p:sld>
+</file>
+
+<file path=ppt/slides/slide47.xml><?xml version="1.0" encoding="utf-8"?>
+<p:sld xmlns:a="http://schemas.openxmlformats.org/drawingml/2006/main" xmlns:r="http://schemas.openxmlformats.org/officeDocument/2006/relationships" xmlns:p="http://schemas.openxmlformats.org/presentationml/2006/main">
+  <p:cSld>
+    <p:spTree>
+      <p:nvGrpSpPr>
+        <p:cNvPr id="1" name=""/>
+        <p:cNvGrpSpPr/>
+        <p:nvPr/>
+      </p:nvGrpSpPr>
+      <p:grpSpPr/>
+      <p:sp>
+        <p:nvSpPr>
+          <p:cNvPr id="4" name="标题 3"/>
+          <p:cNvSpPr>
+            <a:spLocks noGrp="1"/>
+          </p:cNvSpPr>
+          <p:nvPr>
+            <p:ph type="title"/>
+          </p:nvPr>
+        </p:nvSpPr>
+        <p:spPr/>
+        <p:txBody>
+          <a:bodyPr/>
+          <a:p>
+            <a:r>
+              <a:rPr lang="en-US" altLang="zh-CN"/>
+              <a:t>QRCode</a:t>
+            </a:r>
+            <a:endParaRPr lang="en-US" altLang="zh-CN"/>
+          </a:p>
+        </p:txBody>
+      </p:sp>
+      <p:sp>
+        <p:nvSpPr>
+          <p:cNvPr id="5" name="内容占位符 4"/>
+          <p:cNvSpPr>
+            <a:spLocks noGrp="1"/>
+          </p:cNvSpPr>
+          <p:nvPr>
+            <p:ph idx="1"/>
+          </p:nvPr>
+        </p:nvSpPr>
+        <p:spPr/>
+        <p:txBody>
+          <a:bodyPr/>
+          <a:p>
+            <a:r>
+              <a:rPr lang="en-US" altLang="zh-CN"/>
+              <a:t>References</a:t>
+            </a:r>
+            <a:endParaRPr lang="en-US" altLang="zh-CN"/>
+          </a:p>
+          <a:p>
+            <a:pPr lvl="1"/>
+            <a:r>
+              <a:rPr lang="en-US" altLang="zh-CN"/>
+              <a:t>https://code-boxx.com/generate-qr-code-javascript/#:~:text=To%20generate%20QR%20codes%20in%20Javascript%3A%201%20Load,var%20qrc%20%3D%20new%20QRCode%20%28document.getElementById%20%28%22qrcode%22%29%2C%20%22http%3A%2F%2Fsite.com%2F%22%29%3B</a:t>
+            </a:r>
+            <a:endParaRPr lang="en-US" altLang="zh-CN"/>
+          </a:p>
+          <a:p>
+            <a:pPr lvl="0"/>
+            <a:r>
+              <a:rPr lang="en-US" altLang="zh-CN"/>
+              <a:t>qrcodejs</a:t>
+            </a:r>
+            <a:endParaRPr lang="en-US" altLang="zh-CN"/>
+          </a:p>
+          <a:p>
+            <a:pPr lvl="1"/>
+            <a:r>
+              <a:rPr lang="en-US" altLang="zh-CN"/>
+              <a:t>https://cdnjs.com/libraries/qrcodejs</a:t>
+            </a:r>
+            <a:endParaRPr lang="en-US" altLang="zh-CN"/>
+          </a:p>
+          <a:p>
+            <a:pPr lvl="1"/>
+            <a:r>
+              <a:rPr lang="en-US" altLang="zh-CN"/>
+              <a:t>var qrc = new QRCode(document.getElementById("qrcode"), "content");</a:t>
+            </a:r>
+            <a:endParaRPr lang="en-US" altLang="zh-CN"/>
+          </a:p>
+        </p:txBody>
+      </p:sp>
+    </p:spTree>
+    <p:custDataLst>
+      <p:tags r:id="rId1"/>
+    </p:custDataLst>
+  </p:cSld>
+  <p:clrMapOvr>
+    <a:masterClrMapping/>
+  </p:clrMapOvr>
+</p:sld>
+</file>
+
+<file path=ppt/slides/slide48.xml><?xml version="1.0" encoding="utf-8"?>
+<p:sld xmlns:a="http://schemas.openxmlformats.org/drawingml/2006/main" xmlns:r="http://schemas.openxmlformats.org/officeDocument/2006/relationships" xmlns:p="http://schemas.openxmlformats.org/presentationml/2006/main">
+  <p:cSld>
+    <p:spTree>
+      <p:nvGrpSpPr>
+        <p:cNvPr id="1" name=""/>
+        <p:cNvGrpSpPr/>
+        <p:nvPr/>
+      </p:nvGrpSpPr>
+      <p:grpSpPr/>
+      <p:sp>
+        <p:nvSpPr>
+          <p:cNvPr id="4" name="标题 3"/>
+          <p:cNvSpPr>
+            <a:spLocks noGrp="1"/>
+          </p:cNvSpPr>
+          <p:nvPr>
+            <p:ph type="title"/>
+          </p:nvPr>
+        </p:nvSpPr>
+        <p:spPr/>
+        <p:txBody>
+          <a:bodyPr>
+            <a:normAutofit fontScale="90000"/>
+          </a:bodyPr>
+          <a:p>
+            <a:r>
+              <a:rPr lang="en-US" altLang="zh-CN"/>
+              <a:t>Interaction with Other Language</a:t>
+            </a:r>
+            <a:endParaRPr lang="en-US" altLang="zh-CN"/>
+          </a:p>
+        </p:txBody>
+      </p:sp>
+      <p:sp>
+        <p:nvSpPr>
+          <p:cNvPr id="5" name="文本占位符 4"/>
+          <p:cNvSpPr>
+            <a:spLocks noGrp="1"/>
+          </p:cNvSpPr>
+          <p:nvPr>
+            <p:ph type="body" idx="1"/>
+          </p:nvPr>
+        </p:nvSpPr>
+        <p:spPr/>
+        <p:txBody>
+          <a:bodyPr/>
+          <a:p>
+            <a:endParaRPr lang="zh-CN" altLang="en-US"/>
+          </a:p>
+        </p:txBody>
+      </p:sp>
+    </p:spTree>
+    <p:custDataLst>
+      <p:tags r:id="rId1"/>
+    </p:custDataLst>
+  </p:cSld>
+  <p:clrMapOvr>
+    <a:masterClrMapping/>
+  </p:clrMapOvr>
+</p:sld>
+</file>
+
+<file path=ppt/slides/slide49.xml><?xml version="1.0" encoding="utf-8"?>
+<p:sld xmlns:a="http://schemas.openxmlformats.org/drawingml/2006/main" xmlns:r="http://schemas.openxmlformats.org/officeDocument/2006/relationships" xmlns:p="http://schemas.openxmlformats.org/presentationml/2006/main">
+  <p:cSld>
+    <p:spTree>
+      <p:nvGrpSpPr>
+        <p:cNvPr id="1" name=""/>
+        <p:cNvGrpSpPr/>
+        <p:nvPr/>
+      </p:nvGrpSpPr>
+      <p:grpSpPr/>
+      <p:sp>
+        <p:nvSpPr>
+          <p:cNvPr id="4" name="标题 3"/>
+          <p:cNvSpPr>
+            <a:spLocks noGrp="1"/>
+          </p:cNvSpPr>
+          <p:nvPr>
+            <p:ph type="title"/>
+          </p:nvPr>
+        </p:nvSpPr>
+        <p:spPr/>
+        <p:txBody>
+          <a:bodyPr/>
+          <a:p>
+            <a:r>
+              <a:rPr lang="en-US" altLang="zh-CN"/>
+              <a:t>Call Python Function</a:t>
+            </a:r>
+            <a:endParaRPr lang="en-US" altLang="zh-CN"/>
+          </a:p>
+        </p:txBody>
+      </p:sp>
+      <p:sp>
+        <p:nvSpPr>
+          <p:cNvPr id="5" name="内容占位符 4"/>
+          <p:cNvSpPr>
+            <a:spLocks noGrp="1"/>
+          </p:cNvSpPr>
+          <p:nvPr>
+            <p:ph idx="1"/>
+          </p:nvPr>
+        </p:nvSpPr>
+        <p:spPr/>
+        <p:txBody>
+          <a:bodyPr/>
+          <a:p>
+            <a:endParaRPr lang="zh-CN" altLang="en-US"/>
           </a:p>
         </p:txBody>
       </p:sp>
@@ -10809,6 +12270,22 @@
             </a:r>
             <a:endParaRPr lang="en-US" altLang="zh-CN"/>
           </a:p>
+          <a:p>
+            <a:pPr lvl="0"/>
+            <a:r>
+              <a:rPr lang="en-US" altLang="zh-CN"/>
+              <a:t>memory leak</a:t>
+            </a:r>
+            <a:endParaRPr lang="en-US" altLang="zh-CN"/>
+          </a:p>
+          <a:p>
+            <a:pPr lvl="1"/>
+            <a:r>
+              <a:rPr lang="en-US" altLang="zh-CN"/>
+              <a:t>https://auth0.com/blog/four-types-of-leaks-in-your-javascript-code-and-how-to-get-rid-of-them/</a:t>
+            </a:r>
+            <a:endParaRPr lang="en-US" altLang="zh-CN"/>
+          </a:p>
         </p:txBody>
       </p:sp>
     </p:spTree>
@@ -11082,7 +12559,9 @@
         </p:nvSpPr>
         <p:spPr/>
         <p:txBody>
-          <a:bodyPr/>
+          <a:bodyPr>
+            <a:normAutofit lnSpcReduction="20000"/>
+          </a:bodyPr>
           <a:p>
             <a:r>
               <a:rPr lang="en-US" altLang="en-US"/>
@@ -11118,6 +12597,38 @@
             <a:r>
               <a:rPr lang="en-US" altLang="zh-CN"/>
               <a:t>Object, Date, Array</a:t>
+            </a:r>
+            <a:endParaRPr lang="en-US" altLang="zh-CN"/>
+          </a:p>
+          <a:p>
+            <a:pPr lvl="1"/>
+            <a:r>
+              <a:rPr lang="en-US" altLang="zh-CN"/>
+              <a:t>Clone array</a:t>
+            </a:r>
+            <a:endParaRPr lang="en-US" altLang="zh-CN"/>
+          </a:p>
+          <a:p>
+            <a:pPr lvl="2"/>
+            <a:r>
+              <a:rPr lang="en-US" altLang="zh-CN" sz="1800"/>
+              <a:t>arrNew = arr.clone()</a:t>
+            </a:r>
+            <a:endParaRPr lang="en-US" altLang="zh-CN" sz="1800"/>
+          </a:p>
+          <a:p>
+            <a:pPr lvl="2"/>
+            <a:r>
+              <a:rPr lang="en-US" altLang="zh-CN" sz="1800"/>
+              <a:t>arrNew = [].concat(arr)</a:t>
+            </a:r>
+            <a:endParaRPr lang="en-US" altLang="zh-CN" sz="1800"/>
+          </a:p>
+          <a:p>
+            <a:pPr lvl="2"/>
+            <a:r>
+              <a:rPr lang="en-US" altLang="zh-CN" sz="1800"/>
+              <a:t>arrNew = [...arr]</a:t>
             </a:r>
             <a:endParaRPr lang="en-US" altLang="zh-CN"/>
           </a:p>
@@ -11208,153 +12719,679 @@
       </p:sp>
       <p:sp>
         <p:nvSpPr>
-          <p:cNvPr id="3" name="内容占位符 2"/>
-          <p:cNvSpPr>
-            <a:spLocks noGrp="1"/>
-          </p:cNvSpPr>
-          <p:nvPr>
-            <p:ph idx="1"/>
-          </p:nvPr>
-        </p:nvSpPr>
-        <p:spPr/>
-        <p:txBody>
-          <a:bodyPr>
-            <a:noAutofit/>
+          <p:cNvPr id="4" name="流程图: 可选过程 3"/>
+          <p:cNvSpPr/>
+          <p:nvPr/>
+        </p:nvSpPr>
+        <p:spPr>
+          <a:xfrm>
+            <a:off x="4010025" y="2779395"/>
+            <a:ext cx="2799080" cy="1759585"/>
+          </a:xfrm>
+          <a:prstGeom prst="flowChartAlternateProcess">
+            <a:avLst/>
+          </a:prstGeom>
+        </p:spPr>
+        <p:style>
+          <a:lnRef idx="2">
+            <a:schemeClr val="accent1">
+              <a:shade val="50000"/>
+            </a:schemeClr>
+          </a:lnRef>
+          <a:fillRef idx="1">
+            <a:schemeClr val="accent1"/>
+          </a:fillRef>
+          <a:effectRef idx="0">
+            <a:schemeClr val="accent1"/>
+          </a:effectRef>
+          <a:fontRef idx="minor">
+            <a:schemeClr val="lt1"/>
+          </a:fontRef>
+        </p:style>
+        <p:txBody>
+          <a:bodyPr rtlCol="0" anchor="ctr"/>
+          <a:p>
+            <a:pPr algn="ctr"/>
+            <a:r>
+              <a:rPr lang="en-US" altLang="zh-CN" sz="1400"/>
+              <a:t>Window</a:t>
+            </a:r>
+            <a:endParaRPr lang="en-US" altLang="zh-CN" sz="1400"/>
+          </a:p>
+          <a:p>
+            <a:pPr algn="l"/>
+            <a:r>
+              <a:rPr lang="en-US" altLang="zh-CN" sz="1400"/>
+              <a:t>- </a:t>
+            </a:r>
+            <a:r>
+              <a:rPr lang="en-US" altLang="en-US" sz="1400">
+                <a:sym typeface="+mn-ea"/>
+              </a:rPr>
+              <a:t>innerHeight, innerWidth</a:t>
+            </a:r>
+            <a:endParaRPr lang="en-US" altLang="en-US" sz="1400">
+              <a:sym typeface="+mn-ea"/>
+            </a:endParaRPr>
+          </a:p>
+          <a:p>
+            <a:pPr algn="l"/>
+            <a:r>
+              <a:rPr lang="en-US" altLang="en-US" sz="1400">
+                <a:sym typeface="+mn-ea"/>
+              </a:rPr>
+              <a:t>- navigator</a:t>
+            </a:r>
+            <a:endParaRPr lang="en-US" altLang="en-US" sz="1400">
+              <a:sym typeface="+mn-ea"/>
+            </a:endParaRPr>
+          </a:p>
+          <a:p>
+            <a:pPr algn="l"/>
+            <a:r>
+              <a:rPr lang="en-US" altLang="en-US" sz="1400">
+                <a:sym typeface="+mn-ea"/>
+              </a:rPr>
+              <a:t>- open()</a:t>
+            </a:r>
+            <a:endParaRPr lang="en-US" altLang="en-US" sz="1400">
+              <a:sym typeface="+mn-ea"/>
+            </a:endParaRPr>
+          </a:p>
+          <a:p>
+            <a:pPr algn="l"/>
+            <a:r>
+              <a:rPr lang="en-US" altLang="en-US" sz="1400">
+                <a:sym typeface="+mn-ea"/>
+              </a:rPr>
+              <a:t>- close()</a:t>
+            </a:r>
+            <a:endParaRPr lang="en-US" altLang="en-US" sz="1400">
+              <a:sym typeface="+mn-ea"/>
+            </a:endParaRPr>
+          </a:p>
+          <a:p>
+            <a:pPr algn="l"/>
+            <a:r>
+              <a:rPr lang="en-US" altLang="en-US" sz="1400">
+                <a:sym typeface="+mn-ea"/>
+              </a:rPr>
+              <a:t>- moveTo()</a:t>
+            </a:r>
+            <a:endParaRPr lang="en-US" altLang="en-US" sz="1400">
+              <a:sym typeface="+mn-ea"/>
+            </a:endParaRPr>
+          </a:p>
+          <a:p>
+            <a:pPr algn="l"/>
+            <a:r>
+              <a:rPr lang="en-US" altLang="en-US" sz="1400">
+                <a:sym typeface="+mn-ea"/>
+              </a:rPr>
+              <a:t>- resizeTo()</a:t>
+            </a:r>
+            <a:endParaRPr lang="en-US" altLang="en-US" sz="1400">
+              <a:sym typeface="+mn-ea"/>
+            </a:endParaRPr>
+          </a:p>
+          <a:p>
+            <a:pPr algn="l"/>
+            <a:r>
+              <a:rPr lang="en-US" altLang="zh-CN" sz="1400"/>
+              <a:t>- b2a(data)</a:t>
+            </a:r>
+            <a:endParaRPr lang="en-US" altLang="zh-CN" sz="1400"/>
+          </a:p>
+        </p:txBody>
+      </p:sp>
+      <p:sp>
+        <p:nvSpPr>
+          <p:cNvPr id="5" name="流程图: 可选过程 4"/>
+          <p:cNvSpPr/>
+          <p:nvPr/>
+        </p:nvSpPr>
+        <p:spPr>
+          <a:xfrm>
+            <a:off x="756920" y="1980565"/>
+            <a:ext cx="3053080" cy="2127885"/>
+          </a:xfrm>
+          <a:prstGeom prst="flowChartAlternateProcess">
+            <a:avLst/>
+          </a:prstGeom>
+        </p:spPr>
+        <p:style>
+          <a:lnRef idx="2">
+            <a:schemeClr val="accent1">
+              <a:shade val="50000"/>
+            </a:schemeClr>
+          </a:lnRef>
+          <a:fillRef idx="1">
+            <a:schemeClr val="accent1"/>
+          </a:fillRef>
+          <a:effectRef idx="0">
+            <a:schemeClr val="accent1"/>
+          </a:effectRef>
+          <a:fontRef idx="minor">
+            <a:schemeClr val="lt1"/>
+          </a:fontRef>
+        </p:style>
+        <p:txBody>
+          <a:bodyPr rtlCol="0" anchor="ctr"/>
+          <a:p>
+            <a:pPr algn="ctr"/>
+            <a:r>
+              <a:rPr lang="en-US" altLang="zh-CN" sz="1400"/>
+              <a:t>Document</a:t>
+            </a:r>
+            <a:endParaRPr lang="en-US" altLang="zh-CN" sz="1400"/>
+          </a:p>
+          <a:p>
+            <a:pPr algn="l">
+              <a:buClrTx/>
+              <a:buSzTx/>
+              <a:buFontTx/>
+            </a:pPr>
+            <a:r>
+              <a:rPr lang="en-US" altLang="zh-CN" sz="1400"/>
+              <a:t>- </a:t>
+            </a:r>
+            <a:r>
+              <a:rPr lang="en-US" altLang="zh-CN" sz="1400">
+                <a:sym typeface="+mn-ea"/>
+              </a:rPr>
+              <a:t>getElementById(id)</a:t>
+            </a:r>
+            <a:endParaRPr lang="en-US" altLang="zh-CN" sz="1400">
+              <a:sym typeface="+mn-ea"/>
+            </a:endParaRPr>
+          </a:p>
+          <a:p>
+            <a:pPr algn="l">
+              <a:buClrTx/>
+              <a:buSzTx/>
+              <a:buFontTx/>
+            </a:pPr>
+            <a:r>
+              <a:rPr lang="en-US" altLang="zh-CN" sz="1400">
+                <a:sym typeface="+mn-ea"/>
+              </a:rPr>
+              <a:t>- getElementByTagName(name)</a:t>
+            </a:r>
+            <a:endParaRPr lang="en-US" altLang="zh-CN" sz="1400">
+              <a:sym typeface="+mn-ea"/>
+            </a:endParaRPr>
+          </a:p>
+          <a:p>
+            <a:pPr algn="l">
+              <a:buClrTx/>
+              <a:buSzTx/>
+              <a:buFontTx/>
+            </a:pPr>
+            <a:r>
+              <a:rPr lang="en-US" altLang="zh-CN" sz="1400">
+                <a:sym typeface="+mn-ea"/>
+              </a:rPr>
+              <a:t>- getElementByClassName(name)</a:t>
+            </a:r>
+            <a:endParaRPr lang="en-US" altLang="zh-CN" sz="1400">
+              <a:sym typeface="+mn-ea"/>
+            </a:endParaRPr>
+          </a:p>
+          <a:p>
+            <a:pPr algn="l">
+              <a:buClrTx/>
+              <a:buSzTx/>
+              <a:buFontTx/>
+            </a:pPr>
+            <a:r>
+              <a:rPr lang="en-US" altLang="zh-CN" sz="1400">
+                <a:sym typeface="+mn-ea"/>
+              </a:rPr>
+              <a:t>- createElement(elem)</a:t>
+            </a:r>
+            <a:endParaRPr lang="en-US" altLang="zh-CN" sz="1400">
+              <a:sym typeface="+mn-ea"/>
+            </a:endParaRPr>
+          </a:p>
+          <a:p>
+            <a:pPr algn="l">
+              <a:buClrTx/>
+              <a:buSzTx/>
+              <a:buFontTx/>
+            </a:pPr>
+            <a:r>
+              <a:rPr lang="en-US" altLang="zh-CN" sz="1400">
+                <a:sym typeface="+mn-ea"/>
+              </a:rPr>
+              <a:t>- removeChild(elem)</a:t>
+            </a:r>
+            <a:endParaRPr lang="en-US" altLang="zh-CN" sz="1400">
+              <a:sym typeface="+mn-ea"/>
+            </a:endParaRPr>
+          </a:p>
+          <a:p>
+            <a:pPr algn="l">
+              <a:buClrTx/>
+              <a:buSzTx/>
+              <a:buFontTx/>
+            </a:pPr>
+            <a:r>
+              <a:rPr lang="en-US" altLang="zh-CN" sz="1400"/>
+              <a:t>- appendChild(elem)</a:t>
+            </a:r>
+            <a:endParaRPr lang="en-US" altLang="zh-CN" sz="1400"/>
+          </a:p>
+          <a:p>
+            <a:pPr algn="l">
+              <a:buClrTx/>
+              <a:buSzTx/>
+              <a:buFontTx/>
+            </a:pPr>
+            <a:r>
+              <a:rPr lang="en-US" altLang="zh-CN" sz="1400"/>
+              <a:t>- replaceChild(elem)</a:t>
+            </a:r>
+            <a:endParaRPr lang="en-US" altLang="zh-CN" sz="1400"/>
+          </a:p>
+          <a:p>
+            <a:pPr algn="l">
+              <a:buClrTx/>
+              <a:buSzTx/>
+              <a:buFontTx/>
+            </a:pPr>
+            <a:r>
+              <a:rPr lang="en-US" altLang="zh-CN" sz="1400"/>
+              <a:t>- write(txt)</a:t>
+            </a:r>
+            <a:endParaRPr lang="en-US" altLang="zh-CN" sz="1400"/>
+          </a:p>
+        </p:txBody>
+      </p:sp>
+      <p:sp>
+        <p:nvSpPr>
+          <p:cNvPr id="6" name="流程图: 可选过程 5"/>
+          <p:cNvSpPr/>
+          <p:nvPr/>
+        </p:nvSpPr>
+        <p:spPr>
+          <a:xfrm>
+            <a:off x="7007860" y="3013075"/>
+            <a:ext cx="2414905" cy="1095375"/>
+          </a:xfrm>
+          <a:prstGeom prst="flowChartAlternateProcess">
+            <a:avLst/>
+          </a:prstGeom>
+        </p:spPr>
+        <p:style>
+          <a:lnRef idx="2">
+            <a:schemeClr val="accent1">
+              <a:shade val="50000"/>
+            </a:schemeClr>
+          </a:lnRef>
+          <a:fillRef idx="1">
+            <a:schemeClr val="accent1"/>
+          </a:fillRef>
+          <a:effectRef idx="0">
+            <a:schemeClr val="accent1"/>
+          </a:effectRef>
+          <a:fontRef idx="minor">
+            <a:schemeClr val="lt1"/>
+          </a:fontRef>
+        </p:style>
+        <p:txBody>
+          <a:bodyPr rtlCol="0" anchor="ctr"/>
+          <a:p>
+            <a:pPr algn="ctr"/>
+            <a:r>
+              <a:rPr lang="en-US" altLang="zh-CN" sz="1400"/>
+              <a:t>Screen</a:t>
+            </a:r>
+            <a:endParaRPr lang="en-US" altLang="zh-CN" sz="1400"/>
+          </a:p>
+          <a:p>
+            <a:pPr algn="l"/>
+            <a:r>
+              <a:rPr lang="en-US" altLang="zh-CN" sz="1400"/>
+              <a:t>- </a:t>
+            </a:r>
+            <a:r>
+              <a:rPr lang="en-US" altLang="en-US" sz="1400">
+                <a:sym typeface="+mn-ea"/>
+              </a:rPr>
+              <a:t>width, height, availWidth, availHeight, colorDepth, pixelDepth</a:t>
+            </a:r>
+            <a:endParaRPr lang="en-US" altLang="zh-CN" sz="1400"/>
+          </a:p>
+        </p:txBody>
+      </p:sp>
+      <p:sp>
+        <p:nvSpPr>
+          <p:cNvPr id="7" name="流程图: 可选过程 6"/>
+          <p:cNvSpPr/>
+          <p:nvPr/>
+        </p:nvSpPr>
+        <p:spPr>
+          <a:xfrm>
+            <a:off x="7007860" y="1874520"/>
+            <a:ext cx="2414905" cy="1095375"/>
+          </a:xfrm>
+          <a:prstGeom prst="flowChartAlternateProcess">
+            <a:avLst/>
+          </a:prstGeom>
+        </p:spPr>
+        <p:style>
+          <a:lnRef idx="2">
+            <a:schemeClr val="accent1">
+              <a:shade val="50000"/>
+            </a:schemeClr>
+          </a:lnRef>
+          <a:fillRef idx="1">
+            <a:schemeClr val="accent1"/>
+          </a:fillRef>
+          <a:effectRef idx="0">
+            <a:schemeClr val="accent1"/>
+          </a:effectRef>
+          <a:fontRef idx="minor">
+            <a:schemeClr val="lt1"/>
+          </a:fontRef>
+        </p:style>
+        <p:txBody>
+          <a:bodyPr rtlCol="0" anchor="ctr"/>
+          <a:p>
+            <a:pPr algn="ctr"/>
+            <a:r>
+              <a:rPr lang="en-US" altLang="zh-CN" sz="1400"/>
+              <a:t>Location</a:t>
+            </a:r>
+            <a:endParaRPr lang="en-US" altLang="zh-CN" sz="1400"/>
+          </a:p>
+          <a:p>
+            <a:pPr algn="l"/>
+            <a:r>
+              <a:rPr lang="en-US" altLang="zh-CN" sz="1400"/>
+              <a:t>- </a:t>
+            </a:r>
+            <a:r>
+              <a:rPr lang="en-US" altLang="en-US" sz="1400">
+                <a:sym typeface="+mn-ea"/>
+              </a:rPr>
+              <a:t>href, hostname, pathname, protocol, port, assign</a:t>
+            </a:r>
+            <a:endParaRPr lang="en-US" altLang="zh-CN" sz="1400"/>
+          </a:p>
+        </p:txBody>
+      </p:sp>
+      <p:sp>
+        <p:nvSpPr>
+          <p:cNvPr id="8" name="流程图: 可选过程 7"/>
+          <p:cNvSpPr/>
+          <p:nvPr/>
+        </p:nvSpPr>
+        <p:spPr>
+          <a:xfrm>
+            <a:off x="9473565" y="1842135"/>
+            <a:ext cx="1798320" cy="1095375"/>
+          </a:xfrm>
+          <a:prstGeom prst="flowChartAlternateProcess">
+            <a:avLst/>
+          </a:prstGeom>
+        </p:spPr>
+        <p:style>
+          <a:lnRef idx="2">
+            <a:schemeClr val="accent1">
+              <a:shade val="50000"/>
+            </a:schemeClr>
+          </a:lnRef>
+          <a:fillRef idx="1">
+            <a:schemeClr val="accent1"/>
+          </a:fillRef>
+          <a:effectRef idx="0">
+            <a:schemeClr val="accent1"/>
+          </a:effectRef>
+          <a:fontRef idx="minor">
+            <a:schemeClr val="lt1"/>
+          </a:fontRef>
+        </p:style>
+        <p:txBody>
+          <a:bodyPr rtlCol="0" anchor="ctr"/>
+          <a:p>
+            <a:pPr algn="ctr"/>
+            <a:r>
+              <a:rPr lang="en-US" altLang="zh-CN" sz="1400"/>
+              <a:t>History</a:t>
+            </a:r>
+            <a:endParaRPr lang="en-US" altLang="zh-CN" sz="1400"/>
+          </a:p>
+          <a:p>
+            <a:pPr algn="l"/>
+            <a:r>
+              <a:rPr lang="en-US" altLang="zh-CN" sz="1400"/>
+              <a:t>- </a:t>
+            </a:r>
+            <a:r>
+              <a:rPr lang="en-US" altLang="en-US" sz="1400">
+                <a:sym typeface="+mn-ea"/>
+              </a:rPr>
+              <a:t>back()</a:t>
+            </a:r>
+            <a:endParaRPr lang="en-US" altLang="en-US" sz="1400">
+              <a:sym typeface="+mn-ea"/>
+            </a:endParaRPr>
+          </a:p>
+          <a:p>
+            <a:pPr algn="l"/>
+            <a:r>
+              <a:rPr lang="en-US" altLang="en-US" sz="1400">
+                <a:sym typeface="+mn-ea"/>
+              </a:rPr>
+              <a:t>- forward()</a:t>
+            </a:r>
+            <a:endParaRPr lang="en-US" altLang="zh-CN" sz="1400"/>
+          </a:p>
+        </p:txBody>
+      </p:sp>
+      <p:sp>
+        <p:nvSpPr>
+          <p:cNvPr id="9" name="流程图: 可选过程 8"/>
+          <p:cNvSpPr/>
+          <p:nvPr/>
+        </p:nvSpPr>
+        <p:spPr>
+          <a:xfrm>
+            <a:off x="4009390" y="1454150"/>
+            <a:ext cx="2799715" cy="1095375"/>
+          </a:xfrm>
+          <a:prstGeom prst="flowChartAlternateProcess">
+            <a:avLst/>
+          </a:prstGeom>
+        </p:spPr>
+        <p:style>
+          <a:lnRef idx="2">
+            <a:schemeClr val="accent1">
+              <a:shade val="50000"/>
+            </a:schemeClr>
+          </a:lnRef>
+          <a:fillRef idx="1">
+            <a:schemeClr val="accent1"/>
+          </a:fillRef>
+          <a:effectRef idx="0">
+            <a:schemeClr val="accent1"/>
+          </a:effectRef>
+          <a:fontRef idx="minor">
+            <a:schemeClr val="lt1"/>
+          </a:fontRef>
+        </p:style>
+        <p:txBody>
+          <a:bodyPr rtlCol="0" anchor="ctr"/>
+          <a:p>
+            <a:pPr algn="ctr"/>
+            <a:r>
+              <a:rPr lang="en-US" altLang="zh-CN" sz="1400"/>
+              <a:t>Navigator</a:t>
+            </a:r>
+            <a:endParaRPr lang="en-US" altLang="zh-CN" sz="1400"/>
+          </a:p>
+          <a:p>
+            <a:pPr algn="l"/>
+            <a:r>
+              <a:rPr lang="en-US" altLang="zh-CN" sz="1400"/>
+              <a:t>- </a:t>
+            </a:r>
+            <a:r>
+              <a:rPr lang="en-US" altLang="en-US" sz="1400">
+                <a:sym typeface="+mn-ea"/>
+              </a:rPr>
+              <a:t>appName, appCodeName, appVersion, product, platform, cookieEnabled, userAgent, language, </a:t>
+            </a:r>
+            <a:endParaRPr lang="en-US" altLang="zh-CN" sz="1400"/>
+          </a:p>
+        </p:txBody>
+      </p:sp>
+      <p:cxnSp>
+        <p:nvCxnSpPr>
+          <p:cNvPr id="10" name="直接箭头连接符 9"/>
+          <p:cNvCxnSpPr>
+            <a:stCxn id="4" idx="0"/>
+            <a:endCxn id="9" idx="2"/>
+          </p:cNvCxnSpPr>
+          <p:nvPr/>
+        </p:nvCxnSpPr>
+        <p:spPr>
+          <a:xfrm flipV="1">
+            <a:off x="5409565" y="2549525"/>
+            <a:ext cx="0" cy="229870"/>
+          </a:xfrm>
+          <a:prstGeom prst="straightConnector1">
+            <a:avLst/>
+          </a:prstGeom>
+          <a:ln>
+            <a:tailEnd type="arrow"/>
+          </a:ln>
+        </p:spPr>
+        <p:style>
+          <a:lnRef idx="1">
+            <a:schemeClr val="accent1"/>
+          </a:lnRef>
+          <a:fillRef idx="0">
+            <a:schemeClr val="accent1"/>
+          </a:fillRef>
+          <a:effectRef idx="0">
+            <a:schemeClr val="accent1"/>
+          </a:effectRef>
+          <a:fontRef idx="minor">
+            <a:schemeClr val="tx1"/>
+          </a:fontRef>
+        </p:style>
+      </p:cxnSp>
+      <p:sp>
+        <p:nvSpPr>
+          <p:cNvPr id="12" name="文本框 11"/>
+          <p:cNvSpPr txBox="1"/>
+          <p:nvPr/>
+        </p:nvSpPr>
+        <p:spPr>
+          <a:xfrm>
+            <a:off x="1060450" y="4768850"/>
+            <a:ext cx="7339965" cy="1753235"/>
+          </a:xfrm>
+          <a:prstGeom prst="rect">
+            <a:avLst/>
+          </a:prstGeom>
+          <a:noFill/>
+        </p:spPr>
+        <p:txBody>
+          <a:bodyPr wrap="square" rtlCol="0">
+            <a:spAutoFit/>
           </a:bodyPr>
           <a:p>
-            <a:r>
-              <a:rPr lang="en-US" altLang="zh-CN" sz="1600"/>
-              <a:t>Find</a:t>
-            </a:r>
-            <a:endParaRPr lang="en-US" altLang="zh-CN" sz="1600"/>
-          </a:p>
-          <a:p>
-            <a:pPr lvl="1"/>
-            <a:r>
-              <a:rPr lang="en-US" altLang="zh-CN" sz="1400"/>
-              <a:t>document.getElementById(id)</a:t>
-            </a:r>
-            <a:endParaRPr lang="en-US" altLang="zh-CN" sz="1400"/>
-          </a:p>
-          <a:p>
-            <a:pPr lvl="1"/>
-            <a:r>
-              <a:rPr lang="en-US" altLang="zh-CN" sz="1400"/>
-              <a:t>document.getElementByTagName(name)</a:t>
-            </a:r>
-            <a:endParaRPr lang="en-US" altLang="zh-CN" sz="1400"/>
-          </a:p>
-          <a:p>
-            <a:pPr lvl="1"/>
-            <a:r>
-              <a:rPr lang="en-US" altLang="zh-CN" sz="1400"/>
-              <a:t>document.getElementByClassName(name)</a:t>
-            </a:r>
-            <a:endParaRPr lang="en-US" altLang="zh-CN" sz="1400"/>
-          </a:p>
-          <a:p>
             <a:pPr lvl="0"/>
             <a:r>
-              <a:rPr lang="en-US" altLang="zh-CN" sz="1600"/>
-              <a:t>Change</a:t>
-            </a:r>
-            <a:endParaRPr lang="en-US" altLang="zh-CN" sz="1600"/>
-          </a:p>
-          <a:p>
-            <a:pPr lvl="1"/>
-            <a:r>
-              <a:rPr lang="en-US" altLang="zh-CN" sz="1400"/>
-              <a:t>element.innerHTML</a:t>
-            </a:r>
-            <a:endParaRPr lang="en-US" altLang="zh-CN" sz="1400"/>
-          </a:p>
-          <a:p>
-            <a:pPr lvl="1"/>
-            <a:r>
-              <a:rPr lang="en-US" altLang="zh-CN" sz="1400"/>
-              <a:t>element.attribute = val</a:t>
-            </a:r>
-            <a:endParaRPr lang="en-US" altLang="zh-CN" sz="1400"/>
-          </a:p>
-          <a:p>
-            <a:pPr lvl="1"/>
-            <a:r>
-              <a:rPr lang="en-US" altLang="zh-CN" sz="1400"/>
-              <a:t>element.setAttribute(attr, val)</a:t>
-            </a:r>
-            <a:endParaRPr lang="en-US" altLang="zh-CN" sz="1400"/>
-          </a:p>
-          <a:p>
-            <a:pPr lvl="1"/>
-            <a:r>
-              <a:rPr lang="en-US" altLang="zh-CN" sz="1400"/>
-              <a:t>element.style.property = style</a:t>
-            </a:r>
-            <a:endParaRPr lang="en-US" altLang="zh-CN" sz="1400"/>
+              <a:rPr lang="en-US" altLang="en-US" sz="1200">
+                <a:sym typeface="+mn-ea"/>
+              </a:rPr>
+              <a:t>popup</a:t>
+            </a:r>
+            <a:endParaRPr lang="en-US" altLang="en-US" sz="1200"/>
+          </a:p>
+          <a:p>
+            <a:pPr lvl="1"/>
+            <a:r>
+              <a:rPr lang="en-US" altLang="en-US" sz="1200">
+                <a:sym typeface="+mn-ea"/>
+              </a:rPr>
+              <a:t>alert(str)</a:t>
+            </a:r>
+            <a:endParaRPr lang="en-US" altLang="en-US" sz="1200"/>
+          </a:p>
+          <a:p>
+            <a:pPr lvl="1"/>
+            <a:r>
+              <a:rPr lang="en-US" altLang="en-US" sz="1200">
+                <a:sym typeface="+mn-ea"/>
+              </a:rPr>
+              <a:t>var r = confirm(str) true/false</a:t>
+            </a:r>
+            <a:endParaRPr lang="en-US" altLang="en-US" sz="1200"/>
+          </a:p>
+          <a:p>
+            <a:pPr lvl="1"/>
+            <a:r>
+              <a:rPr lang="en-US" altLang="en-US" sz="1200">
+                <a:sym typeface="+mn-ea"/>
+              </a:rPr>
+              <a:t>var v = prompt('title', 'default-val')</a:t>
+            </a:r>
+            <a:endParaRPr lang="en-US" altLang="en-US" sz="1200"/>
           </a:p>
           <a:p>
             <a:pPr lvl="0"/>
             <a:r>
-              <a:rPr lang="en-US" altLang="zh-CN" sz="1600"/>
-              <a:t>Add/Remove</a:t>
-            </a:r>
-            <a:endParaRPr lang="en-US" altLang="zh-CN" sz="1600"/>
-          </a:p>
-          <a:p>
-            <a:pPr lvl="1"/>
-            <a:r>
-              <a:rPr lang="en-US" altLang="zh-CN" sz="1400"/>
-              <a:t>document.createElement(elem)</a:t>
-            </a:r>
-            <a:endParaRPr lang="en-US" altLang="zh-CN" sz="1400"/>
-          </a:p>
-          <a:p>
-            <a:pPr lvl="1"/>
-            <a:r>
-              <a:rPr lang="en-US" altLang="zh-CN" sz="1400"/>
-              <a:t>document.removeChild(elem)</a:t>
-            </a:r>
-            <a:endParaRPr lang="en-US" altLang="zh-CN" sz="1400"/>
-          </a:p>
-          <a:p>
-            <a:pPr lvl="1"/>
-            <a:r>
-              <a:rPr lang="en-US" altLang="zh-CN" sz="1400"/>
-              <a:t>document.appendChild(elem)</a:t>
-            </a:r>
-            <a:endParaRPr lang="en-US" altLang="zh-CN" sz="1400"/>
-          </a:p>
-          <a:p>
-            <a:pPr lvl="1"/>
-            <a:r>
-              <a:rPr lang="en-US" altLang="zh-CN" sz="1400"/>
-              <a:t>document.replaceChild(elem)</a:t>
-            </a:r>
-            <a:endParaRPr lang="en-US" altLang="zh-CN" sz="1400"/>
-          </a:p>
-          <a:p>
-            <a:pPr lvl="1"/>
-            <a:r>
-              <a:rPr lang="en-US" altLang="zh-CN" sz="1400"/>
-              <a:t>document.write(txt)</a:t>
-            </a:r>
-            <a:endParaRPr lang="en-US" altLang="zh-CN" sz="1400"/>
-          </a:p>
-          <a:p>
-            <a:pPr lvl="0"/>
-            <a:r>
-              <a:rPr lang="en-US" altLang="zh-CN" sz="1600"/>
-              <a:t>Add event</a:t>
-            </a:r>
-            <a:endParaRPr lang="en-US" altLang="zh-CN" sz="1600"/>
-          </a:p>
-          <a:p>
-            <a:pPr lvl="1"/>
-            <a:r>
-              <a:rPr lang="en-US" altLang="zh-CN" sz="1400"/>
-              <a:t>document.getElementById(id).onclick = function() { ...}</a:t>
-            </a:r>
-            <a:endParaRPr lang="en-US" altLang="zh-CN" sz="1400"/>
+              <a:rPr lang="en-US" altLang="en-US" sz="1200">
+                <a:sym typeface="+mn-ea"/>
+              </a:rPr>
+              <a:t>Timing</a:t>
+            </a:r>
+            <a:endParaRPr lang="en-US" altLang="en-US" sz="1200"/>
+          </a:p>
+          <a:p>
+            <a:pPr lvl="1"/>
+            <a:r>
+              <a:rPr lang="en-US" altLang="en-US" sz="1200">
+                <a:sym typeface="+mn-ea"/>
+              </a:rPr>
+              <a:t>var t = setTimeout(func, ms)</a:t>
+            </a:r>
+            <a:endParaRPr lang="en-US" altLang="en-US" sz="1200"/>
+          </a:p>
+          <a:p>
+            <a:pPr lvl="1"/>
+            <a:r>
+              <a:rPr lang="en-US" altLang="en-US" sz="1200">
+                <a:sym typeface="+mn-ea"/>
+              </a:rPr>
+              <a:t>clearTimeout(t)</a:t>
+            </a:r>
+            <a:endParaRPr lang="en-US" altLang="en-US" sz="1200"/>
+          </a:p>
+          <a:p>
+            <a:pPr lvl="1"/>
+            <a:r>
+              <a:rPr lang="en-US" altLang="en-US" sz="1200">
+                <a:sym typeface="+mn-ea"/>
+              </a:rPr>
+              <a:t>var i = setInterval(func, ms)</a:t>
+            </a:r>
+            <a:endParaRPr lang="en-US" altLang="en-US" sz="1200"/>
+          </a:p>
+          <a:p>
+            <a:pPr lvl="1"/>
+            <a:r>
+              <a:rPr lang="en-US" altLang="en-US" sz="1200">
+                <a:sym typeface="+mn-ea"/>
+              </a:rPr>
+              <a:t>clearInterval(i)</a:t>
+            </a:r>
+            <a:endParaRPr lang="en-US" altLang="en-US" sz="1200"/>
           </a:p>
         </p:txBody>
       </p:sp>
@@ -11419,22 +13456,22 @@
 
 <file path=ppt/tags/tag15.xml><?xml version="1.0" encoding="utf-8"?>
 <p:tagLst xmlns:p="http://schemas.openxmlformats.org/presentationml/2006/main">
+  <p:tag name="KSO_WM_BEAUTIFY_FLAG" val="#wm#"/>
+  <p:tag name="KSO_WM_TEMPLATE_CATEGORY" val="custom"/>
+  <p:tag name="KSO_WM_TEMPLATE_INDEX" val="160402"/>
+</p:tagLst>
+</file>
+
+<file path=ppt/tags/tag16.xml><?xml version="1.0" encoding="utf-8"?>
+<p:tagLst xmlns:p="http://schemas.openxmlformats.org/presentationml/2006/main">
   <p:tag name="REFSHAPE" val="954434956"/>
   <p:tag name="KSO_WM_UNIT_PLACING_PICTURE_USER_VIEWPORT" val="{&quot;height&quot;:7860,&quot;width&quot;:10380}"/>
 </p:tagLst>
 </file>
 
-<file path=ppt/tags/tag16.xml><?xml version="1.0" encoding="utf-8"?>
+<file path=ppt/tags/tag17.xml><?xml version="1.0" encoding="utf-8"?>
 <p:tagLst xmlns:p="http://schemas.openxmlformats.org/presentationml/2006/main">
   <p:tag name="KSO_WM_UNIT_TABLE_BEAUTIFY" val="smartTable{0bafd17d-c47b-41ce-adf8-7fe5cd76de8a}"/>
-</p:tagLst>
-</file>
-
-<file path=ppt/tags/tag17.xml><?xml version="1.0" encoding="utf-8"?>
-<p:tagLst xmlns:p="http://schemas.openxmlformats.org/presentationml/2006/main">
-  <p:tag name="KSO_WM_BEAUTIFY_FLAG" val="#wm#"/>
-  <p:tag name="KSO_WM_TEMPLATE_CATEGORY" val="custom"/>
-  <p:tag name="KSO_WM_TEMPLATE_INDEX" val="160402"/>
 </p:tagLst>
 </file>
 
@@ -11561,9 +13598,7 @@
 
 <file path=ppt/tags/tag31.xml><?xml version="1.0" encoding="utf-8"?>
 <p:tagLst xmlns:p="http://schemas.openxmlformats.org/presentationml/2006/main">
-  <p:tag name="KSO_WM_BEAUTIFY_FLAG" val="#wm#"/>
-  <p:tag name="KSO_WM_TEMPLATE_CATEGORY" val="custom"/>
-  <p:tag name="KSO_WM_TEMPLATE_INDEX" val="160402"/>
+  <p:tag name="KSO_WM_UNIT_PLACING_PICTURE_USER_VIEWPORT" val="{&quot;height&quot;:11880,&quot;width&quot;:15540}"/>
 </p:tagLst>
 </file>
 
@@ -11601,16 +13636,16 @@
 
 <file path=ppt/tags/tag36.xml><?xml version="1.0" encoding="utf-8"?>
 <p:tagLst xmlns:p="http://schemas.openxmlformats.org/presentationml/2006/main">
-  <p:tag name="REFSHAPE" val="1066456668"/>
-  <p:tag name="KSO_WM_UNIT_PLACING_PICTURE_USER_VIEWPORT" val="{&quot;height&quot;:15840,&quot;width&quot;:11264}"/>
+  <p:tag name="KSO_WM_BEAUTIFY_FLAG" val="#wm#"/>
+  <p:tag name="KSO_WM_TEMPLATE_CATEGORY" val="custom"/>
+  <p:tag name="KSO_WM_TEMPLATE_INDEX" val="160402"/>
 </p:tagLst>
 </file>
 
 <file path=ppt/tags/tag37.xml><?xml version="1.0" encoding="utf-8"?>
 <p:tagLst xmlns:p="http://schemas.openxmlformats.org/presentationml/2006/main">
-  <p:tag name="KSO_WM_BEAUTIFY_FLAG" val="#wm#"/>
-  <p:tag name="KSO_WM_TEMPLATE_CATEGORY" val="custom"/>
-  <p:tag name="KSO_WM_TEMPLATE_INDEX" val="160402"/>
+  <p:tag name="REFSHAPE" val="1066456668"/>
+  <p:tag name="KSO_WM_UNIT_PLACING_PICTURE_USER_VIEWPORT" val="{&quot;height&quot;:15840,&quot;width&quot;:11264}"/>
 </p:tagLst>
 </file>
 
@@ -11751,6 +13786,62 @@
 </file>
 
 <file path=ppt/tags/tag50.xml><?xml version="1.0" encoding="utf-8"?>
+<p:tagLst xmlns:p="http://schemas.openxmlformats.org/presentationml/2006/main">
+  <p:tag name="KSO_WM_BEAUTIFY_FLAG" val="#wm#"/>
+  <p:tag name="KSO_WM_TEMPLATE_CATEGORY" val="custom"/>
+  <p:tag name="KSO_WM_TEMPLATE_INDEX" val="160402"/>
+</p:tagLst>
+</file>
+
+<file path=ppt/tags/tag51.xml><?xml version="1.0" encoding="utf-8"?>
+<p:tagLst xmlns:p="http://schemas.openxmlformats.org/presentationml/2006/main">
+  <p:tag name="KSO_WM_BEAUTIFY_FLAG" val="#wm#"/>
+  <p:tag name="KSO_WM_TEMPLATE_CATEGORY" val="custom"/>
+  <p:tag name="KSO_WM_TEMPLATE_INDEX" val="160402"/>
+</p:tagLst>
+</file>
+
+<file path=ppt/tags/tag52.xml><?xml version="1.0" encoding="utf-8"?>
+<p:tagLst xmlns:p="http://schemas.openxmlformats.org/presentationml/2006/main">
+  <p:tag name="KSO_WM_BEAUTIFY_FLAG" val="#wm#"/>
+  <p:tag name="KSO_WM_TEMPLATE_CATEGORY" val="custom"/>
+  <p:tag name="KSO_WM_TEMPLATE_INDEX" val="160402"/>
+</p:tagLst>
+</file>
+
+<file path=ppt/tags/tag53.xml><?xml version="1.0" encoding="utf-8"?>
+<p:tagLst xmlns:p="http://schemas.openxmlformats.org/presentationml/2006/main">
+  <p:tag name="KSO_WM_BEAUTIFY_FLAG" val="#wm#"/>
+  <p:tag name="KSO_WM_TEMPLATE_CATEGORY" val="custom"/>
+  <p:tag name="KSO_WM_TEMPLATE_INDEX" val="160402"/>
+</p:tagLst>
+</file>
+
+<file path=ppt/tags/tag54.xml><?xml version="1.0" encoding="utf-8"?>
+<p:tagLst xmlns:p="http://schemas.openxmlformats.org/presentationml/2006/main">
+  <p:tag name="KSO_WM_BEAUTIFY_FLAG" val="#wm#"/>
+  <p:tag name="KSO_WM_TEMPLATE_CATEGORY" val="custom"/>
+  <p:tag name="KSO_WM_TEMPLATE_INDEX" val="160402"/>
+</p:tagLst>
+</file>
+
+<file path=ppt/tags/tag55.xml><?xml version="1.0" encoding="utf-8"?>
+<p:tagLst xmlns:p="http://schemas.openxmlformats.org/presentationml/2006/main">
+  <p:tag name="KSO_WM_BEAUTIFY_FLAG" val="#wm#"/>
+  <p:tag name="KSO_WM_TEMPLATE_CATEGORY" val="custom"/>
+  <p:tag name="KSO_WM_TEMPLATE_INDEX" val="160402"/>
+</p:tagLst>
+</file>
+
+<file path=ppt/tags/tag56.xml><?xml version="1.0" encoding="utf-8"?>
+<p:tagLst xmlns:p="http://schemas.openxmlformats.org/presentationml/2006/main">
+  <p:tag name="KSO_WM_BEAUTIFY_FLAG" val="#wm#"/>
+  <p:tag name="KSO_WM_TEMPLATE_CATEGORY" val="custom"/>
+  <p:tag name="KSO_WM_TEMPLATE_INDEX" val="160402"/>
+</p:tagLst>
+</file>
+
+<file path=ppt/tags/tag57.xml><?xml version="1.0" encoding="utf-8"?>
 <p:tagLst xmlns:p="http://schemas.openxmlformats.org/presentationml/2006/main">
   <p:tag name="KSO_WM_BEAUTIFY_FLAG" val="#wm#"/>
   <p:tag name="KSO_WM_TEMPLATE_CATEGORY" val="custom"/>

--- a/Web/JavaScript-Notes.pptx
+++ b/Web/JavaScript-Notes.pptx
@@ -8,7 +8,7 @@
     <p:notesMasterId r:id="rId4"/>
   </p:notesMasterIdLst>
   <p:handoutMasterIdLst>
-    <p:handoutMasterId r:id="rId53"/>
+    <p:handoutMasterId r:id="rId54"/>
   </p:handoutMasterIdLst>
   <p:sldIdLst>
     <p:sldId id="256" r:id="rId3"/>
@@ -58,8 +58,9 @@
     <p:sldId id="293" r:id="rId48"/>
     <p:sldId id="637" r:id="rId49"/>
     <p:sldId id="638" r:id="rId50"/>
-    <p:sldId id="598" r:id="rId51"/>
-    <p:sldId id="599" r:id="rId52"/>
+    <p:sldId id="652" r:id="rId51"/>
+    <p:sldId id="598" r:id="rId52"/>
+    <p:sldId id="599" r:id="rId53"/>
   </p:sldIdLst>
   <p:sldSz cx="12192000" cy="6858000"/>
   <p:notesSz cx="6858000" cy="9144000"/>
@@ -3830,7 +3831,7 @@
             </a:pPr>
             <a:r>
               <a:rPr lang="en-US" altLang="zh-CN" sz="1800" smtClean="0"/>
-              <a:t>Last updated: 7/3/2021</a:t>
+              <a:t>Last updated: 8/6/2021</a:t>
             </a:r>
             <a:endParaRPr lang="en-US" altLang="zh-CN" sz="1800" smtClean="0"/>
           </a:p>
@@ -12069,7 +12070,7 @@
       <p:grpSpPr/>
       <p:sp>
         <p:nvSpPr>
-          <p:cNvPr id="4" name="标题 3"/>
+          <p:cNvPr id="2" name="标题 1"/>
           <p:cNvSpPr>
             <a:spLocks noGrp="1"/>
           </p:cNvSpPr>
@@ -12079,33 +12080,43 @@
         </p:nvSpPr>
         <p:spPr/>
         <p:txBody>
-          <a:bodyPr>
-            <a:normAutofit fontScale="90000"/>
-          </a:bodyPr>
-          <a:p>
-            <a:r>
-              <a:rPr lang="en-US" altLang="zh-CN"/>
-              <a:t>Interaction with Other Language</a:t>
-            </a:r>
-            <a:endParaRPr lang="en-US" altLang="zh-CN"/>
-          </a:p>
-        </p:txBody>
-      </p:sp>
-      <p:sp>
-        <p:nvSpPr>
-          <p:cNvPr id="5" name="文本占位符 4"/>
-          <p:cNvSpPr>
-            <a:spLocks noGrp="1"/>
-          </p:cNvSpPr>
-          <p:nvPr>
-            <p:ph type="body" idx="1"/>
+          <a:bodyPr/>
+          <a:p>
+            <a:r>
+              <a:rPr lang="en-US" altLang="zh-CN"/>
+              <a:t>Input validation</a:t>
+            </a:r>
+            <a:endParaRPr lang="en-US" altLang="zh-CN"/>
+          </a:p>
+        </p:txBody>
+      </p:sp>
+      <p:sp>
+        <p:nvSpPr>
+          <p:cNvPr id="3" name="内容占位符 2"/>
+          <p:cNvSpPr>
+            <a:spLocks noGrp="1"/>
+          </p:cNvSpPr>
+          <p:nvPr>
+            <p:ph idx="1"/>
           </p:nvPr>
         </p:nvSpPr>
         <p:spPr/>
         <p:txBody>
           <a:bodyPr/>
           <a:p>
-            <a:endParaRPr lang="zh-CN" altLang="en-US"/>
+            <a:r>
+              <a:rPr lang="en-US" altLang="zh-CN"/>
+              <a:t>Reference</a:t>
+            </a:r>
+            <a:endParaRPr lang="en-US" altLang="zh-CN"/>
+          </a:p>
+          <a:p>
+            <a:pPr lvl="1"/>
+            <a:r>
+              <a:rPr lang="en-US" altLang="zh-CN"/>
+              <a:t>https://developpaper.com/javascript-text-box-verification-code-based-on-regular-expression/</a:t>
+            </a:r>
+            <a:endParaRPr lang="en-US" altLang="zh-CN"/>
           </a:p>
         </p:txBody>
       </p:sp>
@@ -12142,24 +12153,26 @@
         </p:nvSpPr>
         <p:spPr/>
         <p:txBody>
-          <a:bodyPr/>
-          <a:p>
-            <a:r>
-              <a:rPr lang="en-US" altLang="zh-CN"/>
-              <a:t>Call Python Function</a:t>
-            </a:r>
-            <a:endParaRPr lang="en-US" altLang="zh-CN"/>
-          </a:p>
-        </p:txBody>
-      </p:sp>
-      <p:sp>
-        <p:nvSpPr>
-          <p:cNvPr id="5" name="内容占位符 4"/>
-          <p:cNvSpPr>
-            <a:spLocks noGrp="1"/>
-          </p:cNvSpPr>
-          <p:nvPr>
-            <p:ph idx="1"/>
+          <a:bodyPr>
+            <a:normAutofit fontScale="90000"/>
+          </a:bodyPr>
+          <a:p>
+            <a:r>
+              <a:rPr lang="en-US" altLang="zh-CN"/>
+              <a:t>Interaction with Other Language</a:t>
+            </a:r>
+            <a:endParaRPr lang="en-US" altLang="zh-CN"/>
+          </a:p>
+        </p:txBody>
+      </p:sp>
+      <p:sp>
+        <p:nvSpPr>
+          <p:cNvPr id="5" name="文本占位符 4"/>
+          <p:cNvSpPr>
+            <a:spLocks noGrp="1"/>
+          </p:cNvSpPr>
+          <p:nvPr>
+            <p:ph type="body" idx="1"/>
           </p:nvPr>
         </p:nvSpPr>
         <p:spPr/>
@@ -12285,6 +12298,67 @@
               <a:t>https://auth0.com/blog/four-types-of-leaks-in-your-javascript-code-and-how-to-get-rid-of-them/</a:t>
             </a:r>
             <a:endParaRPr lang="en-US" altLang="zh-CN"/>
+          </a:p>
+        </p:txBody>
+      </p:sp>
+    </p:spTree>
+    <p:custDataLst>
+      <p:tags r:id="rId1"/>
+    </p:custDataLst>
+  </p:cSld>
+  <p:clrMapOvr>
+    <a:masterClrMapping/>
+  </p:clrMapOvr>
+</p:sld>
+</file>
+
+<file path=ppt/slides/slide50.xml><?xml version="1.0" encoding="utf-8"?>
+<p:sld xmlns:a="http://schemas.openxmlformats.org/drawingml/2006/main" xmlns:r="http://schemas.openxmlformats.org/officeDocument/2006/relationships" xmlns:p="http://schemas.openxmlformats.org/presentationml/2006/main">
+  <p:cSld>
+    <p:spTree>
+      <p:nvGrpSpPr>
+        <p:cNvPr id="1" name=""/>
+        <p:cNvGrpSpPr/>
+        <p:nvPr/>
+      </p:nvGrpSpPr>
+      <p:grpSpPr/>
+      <p:sp>
+        <p:nvSpPr>
+          <p:cNvPr id="4" name="标题 3"/>
+          <p:cNvSpPr>
+            <a:spLocks noGrp="1"/>
+          </p:cNvSpPr>
+          <p:nvPr>
+            <p:ph type="title"/>
+          </p:nvPr>
+        </p:nvSpPr>
+        <p:spPr/>
+        <p:txBody>
+          <a:bodyPr/>
+          <a:p>
+            <a:r>
+              <a:rPr lang="en-US" altLang="zh-CN"/>
+              <a:t>Call Python Function</a:t>
+            </a:r>
+            <a:endParaRPr lang="en-US" altLang="zh-CN"/>
+          </a:p>
+        </p:txBody>
+      </p:sp>
+      <p:sp>
+        <p:nvSpPr>
+          <p:cNvPr id="5" name="内容占位符 4"/>
+          <p:cNvSpPr>
+            <a:spLocks noGrp="1"/>
+          </p:cNvSpPr>
+          <p:nvPr>
+            <p:ph idx="1"/>
+          </p:nvPr>
+        </p:nvSpPr>
+        <p:spPr/>
+        <p:txBody>
+          <a:bodyPr/>
+          <a:p>
+            <a:endParaRPr lang="zh-CN" altLang="en-US"/>
           </a:p>
         </p:txBody>
       </p:sp>
@@ -13842,6 +13916,14 @@
 </file>
 
 <file path=ppt/tags/tag57.xml><?xml version="1.0" encoding="utf-8"?>
+<p:tagLst xmlns:p="http://schemas.openxmlformats.org/presentationml/2006/main">
+  <p:tag name="KSO_WM_BEAUTIFY_FLAG" val="#wm#"/>
+  <p:tag name="KSO_WM_TEMPLATE_CATEGORY" val="custom"/>
+  <p:tag name="KSO_WM_TEMPLATE_INDEX" val="160402"/>
+</p:tagLst>
+</file>
+
+<file path=ppt/tags/tag58.xml><?xml version="1.0" encoding="utf-8"?>
 <p:tagLst xmlns:p="http://schemas.openxmlformats.org/presentationml/2006/main">
   <p:tag name="KSO_WM_BEAUTIFY_FLAG" val="#wm#"/>
   <p:tag name="KSO_WM_TEMPLATE_CATEGORY" val="custom"/>

--- a/Web/JavaScript-Notes.pptx
+++ b/Web/JavaScript-Notes.pptx
@@ -8,7 +8,7 @@
     <p:notesMasterId r:id="rId4"/>
   </p:notesMasterIdLst>
   <p:handoutMasterIdLst>
-    <p:handoutMasterId r:id="rId54"/>
+    <p:handoutMasterId r:id="rId60"/>
   </p:handoutMasterIdLst>
   <p:sldIdLst>
     <p:sldId id="256" r:id="rId3"/>
@@ -36,34 +36,43 @@
     <p:sldId id="332" r:id="rId26"/>
     <p:sldId id="411" r:id="rId27"/>
     <p:sldId id="477" r:id="rId28"/>
-    <p:sldId id="297" r:id="rId29"/>
-    <p:sldId id="299" r:id="rId30"/>
-    <p:sldId id="380" r:id="rId31"/>
-    <p:sldId id="343" r:id="rId32"/>
-    <p:sldId id="298" r:id="rId33"/>
-    <p:sldId id="320" r:id="rId34"/>
-    <p:sldId id="326" r:id="rId35"/>
-    <p:sldId id="391" r:id="rId36"/>
-    <p:sldId id="587" r:id="rId37"/>
-    <p:sldId id="390" r:id="rId38"/>
-    <p:sldId id="429" r:id="rId39"/>
-    <p:sldId id="470" r:id="rId40"/>
-    <p:sldId id="580" r:id="rId41"/>
-    <p:sldId id="641" r:id="rId42"/>
-    <p:sldId id="290" r:id="rId43"/>
-    <p:sldId id="291" r:id="rId44"/>
-    <p:sldId id="289" r:id="rId45"/>
-    <p:sldId id="426" r:id="rId46"/>
-    <p:sldId id="292" r:id="rId47"/>
-    <p:sldId id="293" r:id="rId48"/>
-    <p:sldId id="637" r:id="rId49"/>
-    <p:sldId id="638" r:id="rId50"/>
-    <p:sldId id="652" r:id="rId51"/>
-    <p:sldId id="598" r:id="rId52"/>
-    <p:sldId id="599" r:id="rId53"/>
+    <p:sldId id="676" r:id="rId29"/>
+    <p:sldId id="677" r:id="rId30"/>
+    <p:sldId id="706" r:id="rId31"/>
+    <p:sldId id="297" r:id="rId32"/>
+    <p:sldId id="299" r:id="rId33"/>
+    <p:sldId id="380" r:id="rId34"/>
+    <p:sldId id="343" r:id="rId35"/>
+    <p:sldId id="298" r:id="rId36"/>
+    <p:sldId id="320" r:id="rId37"/>
+    <p:sldId id="326" r:id="rId38"/>
+    <p:sldId id="391" r:id="rId39"/>
+    <p:sldId id="587" r:id="rId40"/>
+    <p:sldId id="390" r:id="rId41"/>
+    <p:sldId id="429" r:id="rId42"/>
+    <p:sldId id="470" r:id="rId43"/>
+    <p:sldId id="580" r:id="rId44"/>
+    <p:sldId id="641" r:id="rId45"/>
+    <p:sldId id="662" r:id="rId46"/>
+    <p:sldId id="290" r:id="rId47"/>
+    <p:sldId id="291" r:id="rId48"/>
+    <p:sldId id="289" r:id="rId49"/>
+    <p:sldId id="426" r:id="rId50"/>
+    <p:sldId id="292" r:id="rId51"/>
+    <p:sldId id="293" r:id="rId52"/>
+    <p:sldId id="655" r:id="rId53"/>
+    <p:sldId id="656" r:id="rId54"/>
+    <p:sldId id="637" r:id="rId55"/>
+    <p:sldId id="638" r:id="rId56"/>
+    <p:sldId id="652" r:id="rId57"/>
+    <p:sldId id="598" r:id="rId58"/>
+    <p:sldId id="599" r:id="rId59"/>
   </p:sldIdLst>
   <p:sldSz cx="12192000" cy="6858000"/>
   <p:notesSz cx="6858000" cy="9144000"/>
+  <p:custDataLst>
+    <p:tags r:id="rId64"/>
+  </p:custDataLst>
   <p:defaultTextStyle>
     <a:defPPr>
       <a:defRPr lang="zh-CN"/>
@@ -7352,7 +7361,7 @@
       <p:grpSpPr/>
       <p:sp>
         <p:nvSpPr>
-          <p:cNvPr id="4" name="标题 3"/>
+          <p:cNvPr id="2" name="标题 1"/>
           <p:cNvSpPr>
             <a:spLocks noGrp="1"/>
           </p:cNvSpPr>
@@ -7366,33 +7375,335 @@
           <a:p>
             <a:r>
               <a:rPr lang="en-US" altLang="zh-CN"/>
-              <a:t>Image Process</a:t>
-            </a:r>
-            <a:endParaRPr lang="en-US" altLang="zh-CN"/>
-          </a:p>
-        </p:txBody>
-      </p:sp>
-      <p:sp>
-        <p:nvSpPr>
-          <p:cNvPr id="5" name="文本占位符 4"/>
-          <p:cNvSpPr>
-            <a:spLocks noGrp="1"/>
-          </p:cNvSpPr>
-          <p:nvPr>
-            <p:ph type="body" idx="1"/>
-          </p:nvPr>
-        </p:nvSpPr>
-        <p:spPr/>
-        <p:txBody>
-          <a:bodyPr/>
-          <a:p>
-            <a:endParaRPr lang="zh-CN" altLang="en-US"/>
+              <a:t>Service Worker</a:t>
+            </a:r>
+            <a:endParaRPr lang="en-US" altLang="zh-CN"/>
+          </a:p>
+        </p:txBody>
+      </p:sp>
+      <p:sp>
+        <p:nvSpPr>
+          <p:cNvPr id="3" name="内容占位符 2"/>
+          <p:cNvSpPr>
+            <a:spLocks noGrp="1"/>
+          </p:cNvSpPr>
+          <p:nvPr>
+            <p:ph idx="1"/>
+          </p:nvPr>
+        </p:nvSpPr>
+        <p:spPr>
+          <a:xfrm>
+            <a:off x="838200" y="1211580"/>
+            <a:ext cx="5935345" cy="5187950"/>
+          </a:xfrm>
+        </p:spPr>
+        <p:txBody>
+          <a:bodyPr>
+            <a:normAutofit fontScale="60000"/>
+          </a:bodyPr>
+          <a:p>
+            <a:r>
+              <a:rPr lang="en-US" altLang="zh-CN"/>
+              <a:t>References</a:t>
+            </a:r>
+            <a:endParaRPr lang="en-US" altLang="zh-CN"/>
+          </a:p>
+          <a:p>
+            <a:pPr lvl="1"/>
+            <a:r>
+              <a:rPr lang="en-US" altLang="zh-CN"/>
+              <a:t>https://www.geeksforgeeks.org/service-workers-in-javascript/</a:t>
+            </a:r>
+            <a:endParaRPr lang="en-US" altLang="zh-CN"/>
+          </a:p>
+          <a:p>
+            <a:pPr lvl="1"/>
+            <a:r>
+              <a:rPr lang="en-US" altLang="zh-CN"/>
+              <a:t>https://developer.mozilla.org/en-US/docs/Web/API/Service_Worker_API</a:t>
+            </a:r>
+            <a:endParaRPr lang="en-US" altLang="zh-CN"/>
+          </a:p>
+          <a:p>
+            <a:pPr lvl="0"/>
+            <a:r>
+              <a:rPr lang="en-US" altLang="zh-CN"/>
+              <a:t>Process</a:t>
+            </a:r>
+            <a:endParaRPr lang="en-US" altLang="zh-CN"/>
+          </a:p>
+          <a:p>
+            <a:pPr lvl="1"/>
+            <a:r>
+              <a:rPr lang="en-US" altLang="zh-CN"/>
+              <a:t>Registration</a:t>
+            </a:r>
+            <a:endParaRPr lang="en-US" altLang="zh-CN"/>
+          </a:p>
+          <a:p>
+            <a:pPr lvl="1"/>
+            <a:r>
+              <a:rPr lang="en-US" altLang="zh-CN"/>
+              <a:t>Installation</a:t>
+            </a:r>
+            <a:endParaRPr lang="en-US" altLang="zh-CN"/>
+          </a:p>
+          <a:p>
+            <a:pPr lvl="1"/>
+            <a:r>
+              <a:rPr lang="en-US" altLang="zh-CN"/>
+              <a:t>Activation</a:t>
+            </a:r>
+            <a:endParaRPr lang="en-US" altLang="zh-CN"/>
+          </a:p>
+          <a:p>
+            <a:pPr lvl="1"/>
+            <a:r>
+              <a:rPr lang="en-US" altLang="zh-CN"/>
+              <a:t>Fetching</a:t>
+            </a:r>
+            <a:endParaRPr lang="en-US" altLang="zh-CN"/>
+          </a:p>
+          <a:p>
+            <a:pPr lvl="0"/>
+            <a:r>
+              <a:rPr lang="en-US" altLang="zh-CN" sz="2400"/>
+              <a:t>Cannot do</a:t>
+            </a:r>
+            <a:endParaRPr lang="en-US" altLang="zh-CN" sz="2400"/>
+          </a:p>
+          <a:p>
+            <a:pPr lvl="1"/>
+            <a:r>
+              <a:rPr lang="en-US" altLang="zh-CN" sz="2000"/>
+              <a:t>access the parent, Window, Document, DOM object</a:t>
+            </a:r>
+            <a:endParaRPr lang="en-US" altLang="zh-CN" sz="2000"/>
+          </a:p>
+          <a:p>
+            <a:pPr lvl="0"/>
+            <a:r>
+              <a:rPr lang="en-US" altLang="zh-CN" sz="2400"/>
+              <a:t>Can</a:t>
+            </a:r>
+            <a:endParaRPr lang="en-US" altLang="zh-CN" sz="2400"/>
+          </a:p>
+          <a:p>
+            <a:pPr lvl="1"/>
+            <a:r>
+              <a:rPr lang="en-US" altLang="zh-CN" sz="2000"/>
+              <a:t>cache assets and api calls</a:t>
+            </a:r>
+            <a:endParaRPr lang="en-US" altLang="zh-CN" sz="2000"/>
+          </a:p>
+          <a:p>
+            <a:pPr lvl="1"/>
+            <a:r>
+              <a:rPr lang="en-US" altLang="zh-CN" sz="2000"/>
+              <a:t>manage push notifications</a:t>
+            </a:r>
+            <a:endParaRPr lang="en-US" altLang="zh-CN" sz="2000"/>
+          </a:p>
+          <a:p>
+            <a:pPr lvl="1"/>
+            <a:r>
+              <a:rPr lang="en-US" altLang="zh-CN" sz="2000"/>
+              <a:t>control the network traffic</a:t>
+            </a:r>
+            <a:endParaRPr lang="en-US" altLang="zh-CN" sz="2000"/>
+          </a:p>
+          <a:p>
+            <a:pPr lvl="1"/>
+            <a:r>
+              <a:rPr lang="en-US" altLang="zh-CN" sz="2000"/>
+              <a:t>store the app cache</a:t>
+            </a:r>
+            <a:endParaRPr lang="en-US" altLang="zh-CN" sz="2000"/>
+          </a:p>
+          <a:p>
+            <a:pPr lvl="0"/>
+            <a:r>
+              <a:rPr lang="en-US" altLang="zh-CN"/>
+              <a:t>Common use case</a:t>
+            </a:r>
+            <a:endParaRPr lang="en-US" altLang="zh-CN"/>
+          </a:p>
+          <a:p>
+            <a:pPr lvl="1"/>
+            <a:r>
+              <a:rPr lang="en-US" altLang="zh-CN" sz="2000"/>
+              <a:t>offline-optimized user experience</a:t>
+            </a:r>
+            <a:endParaRPr lang="en-US" altLang="zh-CN" sz="2000"/>
+          </a:p>
+          <a:p>
+            <a:pPr lvl="1"/>
+            <a:r>
+              <a:rPr lang="en-US" altLang="zh-CN" sz="2000"/>
+              <a:t>sending push notifications</a:t>
+            </a:r>
+            <a:endParaRPr lang="en-US" altLang="zh-CN" sz="2000"/>
+          </a:p>
+          <a:p>
+            <a:pPr lvl="1"/>
+            <a:r>
+              <a:rPr lang="en-US" altLang="zh-CN" sz="2000"/>
+              <a:t>background sync</a:t>
+            </a:r>
+            <a:endParaRPr lang="en-US" altLang="zh-CN"/>
+          </a:p>
+          <a:p>
+            <a:pPr lvl="0"/>
+            <a:endParaRPr lang="en-US" altLang="zh-CN"/>
+          </a:p>
+          <a:p>
+            <a:pPr lvl="1"/>
+            <a:endParaRPr lang="en-US" altLang="zh-CN"/>
+          </a:p>
+        </p:txBody>
+      </p:sp>
+      <p:pic>
+        <p:nvPicPr>
+          <p:cNvPr id="100" name="图片 99"/>
+          <p:cNvPicPr/>
+          <p:nvPr/>
+        </p:nvPicPr>
+        <p:blipFill>
+          <a:blip r:embed="rId1"/>
+          <a:stretch>
+            <a:fillRect/>
+          </a:stretch>
+        </p:blipFill>
+        <p:spPr>
+          <a:xfrm>
+            <a:off x="7714615" y="1271905"/>
+            <a:ext cx="4284980" cy="2809240"/>
+          </a:xfrm>
+          <a:prstGeom prst="rect">
+            <a:avLst/>
+          </a:prstGeom>
+          <a:noFill/>
+          <a:ln w="9525">
+            <a:noFill/>
+          </a:ln>
+        </p:spPr>
+      </p:pic>
+      <p:sp>
+        <p:nvSpPr>
+          <p:cNvPr id="4" name="文本框 3"/>
+          <p:cNvSpPr txBox="1"/>
+          <p:nvPr/>
+        </p:nvSpPr>
+        <p:spPr>
+          <a:xfrm>
+            <a:off x="7947025" y="4180840"/>
+            <a:ext cx="3820795" cy="2091690"/>
+          </a:xfrm>
+          <a:prstGeom prst="rect">
+            <a:avLst/>
+          </a:prstGeom>
+          <a:noFill/>
+        </p:spPr>
+        <p:txBody>
+          <a:bodyPr wrap="square" rtlCol="0">
+            <a:spAutoFit/>
+          </a:bodyPr>
+          <a:p>
+            <a:r>
+              <a:rPr lang="zh-CN" altLang="en-US" sz="1000"/>
+              <a:t>if (navigator.serviceWorker) {</a:t>
+            </a:r>
+            <a:endParaRPr lang="zh-CN" altLang="en-US" sz="1000"/>
+          </a:p>
+          <a:p>
+            <a:r>
+              <a:rPr lang="zh-CN" altLang="en-US" sz="1000"/>
+              <a:t>  // Start registration process on every page load</a:t>
+            </a:r>
+            <a:endParaRPr lang="zh-CN" altLang="en-US" sz="1000"/>
+          </a:p>
+          <a:p>
+            <a:r>
+              <a:rPr lang="zh-CN" altLang="en-US" sz="1000"/>
+              <a:t>  window.addEventListener('load', () =&gt; {</a:t>
+            </a:r>
+            <a:endParaRPr lang="zh-CN" altLang="en-US" sz="1000"/>
+          </a:p>
+          <a:p>
+            <a:r>
+              <a:rPr lang="zh-CN" altLang="en-US" sz="1000"/>
+              <a:t>      navigator.serviceWorker</a:t>
+            </a:r>
+            <a:endParaRPr lang="zh-CN" altLang="en-US" sz="1000"/>
+          </a:p>
+          <a:p>
+            <a:r>
+              <a:rPr lang="zh-CN" altLang="en-US" sz="1000"/>
+              <a:t>          // The register function takes as argument</a:t>
+            </a:r>
+            <a:endParaRPr lang="zh-CN" altLang="en-US" sz="1000"/>
+          </a:p>
+          <a:p>
+            <a:r>
+              <a:rPr lang="zh-CN" altLang="en-US" sz="1000"/>
+              <a:t>          // the file path to the worker's file</a:t>
+            </a:r>
+            <a:endParaRPr lang="zh-CN" altLang="en-US" sz="1000"/>
+          </a:p>
+          <a:p>
+            <a:r>
+              <a:rPr lang="zh-CN" altLang="en-US" sz="1000"/>
+              <a:t>          .register('/service_worker.js')</a:t>
+            </a:r>
+            <a:endParaRPr lang="zh-CN" altLang="en-US" sz="1000"/>
+          </a:p>
+          <a:p>
+            <a:r>
+              <a:rPr lang="zh-CN" altLang="en-US" sz="1000"/>
+              <a:t>          // Gives us registration object</a:t>
+            </a:r>
+            <a:endParaRPr lang="zh-CN" altLang="en-US" sz="1000"/>
+          </a:p>
+          <a:p>
+            <a:r>
+              <a:rPr lang="zh-CN" altLang="en-US" sz="1000"/>
+              <a:t>          .then(reg =&gt; console.log('Service Worker Registered'))</a:t>
+            </a:r>
+            <a:endParaRPr lang="zh-CN" altLang="en-US" sz="1000"/>
+          </a:p>
+          <a:p>
+            <a:r>
+              <a:rPr lang="zh-CN" altLang="en-US" sz="1000"/>
+              <a:t>          .catch(swErr =&gt; console.log(</a:t>
+            </a:r>
+            <a:endParaRPr lang="zh-CN" altLang="en-US" sz="1000"/>
+          </a:p>
+          <a:p>
+            <a:r>
+              <a:rPr lang="zh-CN" altLang="en-US" sz="1000"/>
+              <a:t>                `Service Worker Installation Error: ${swErr}}`));</a:t>
+            </a:r>
+            <a:endParaRPr lang="zh-CN" altLang="en-US" sz="1000"/>
+          </a:p>
+          <a:p>
+            <a:r>
+              <a:rPr lang="zh-CN" altLang="en-US" sz="1000"/>
+              <a:t>    });</a:t>
+            </a:r>
+            <a:endParaRPr lang="zh-CN" altLang="en-US" sz="1000"/>
+          </a:p>
+          <a:p>
+            <a:r>
+              <a:rPr lang="zh-CN" altLang="en-US" sz="1000"/>
+              <a:t>}</a:t>
+            </a:r>
+            <a:endParaRPr lang="zh-CN" altLang="en-US" sz="1000"/>
           </a:p>
         </p:txBody>
       </p:sp>
     </p:spTree>
     <p:custDataLst>
-      <p:tags r:id="rId1"/>
+      <p:tags r:id="rId2"/>
     </p:custDataLst>
   </p:cSld>
   <p:clrMapOvr>
@@ -7427,109 +7738,134 @@
           <a:p>
             <a:r>
               <a:rPr lang="en-US" altLang="zh-CN"/>
+              <a:t>WebAssembly</a:t>
+            </a:r>
+            <a:endParaRPr lang="en-US" altLang="zh-CN"/>
+          </a:p>
+        </p:txBody>
+      </p:sp>
+      <p:sp>
+        <p:nvSpPr>
+          <p:cNvPr id="3" name="内容占位符 2"/>
+          <p:cNvSpPr>
+            <a:spLocks noGrp="1"/>
+          </p:cNvSpPr>
+          <p:nvPr>
+            <p:ph idx="1"/>
+          </p:nvPr>
+        </p:nvSpPr>
+        <p:spPr>
+          <a:xfrm>
+            <a:off x="838200" y="1211580"/>
+            <a:ext cx="5338445" cy="4549140"/>
+          </a:xfrm>
+        </p:spPr>
+        <p:txBody>
+          <a:bodyPr>
+            <a:normAutofit fontScale="90000" lnSpcReduction="20000"/>
+          </a:bodyPr>
+          <a:p>
+            <a:r>
+              <a:rPr lang="en-US" altLang="zh-CN"/>
               <a:t>References</a:t>
             </a:r>
             <a:endParaRPr lang="en-US" altLang="zh-CN"/>
           </a:p>
-        </p:txBody>
-      </p:sp>
-      <p:sp>
-        <p:nvSpPr>
-          <p:cNvPr id="3" name="内容占位符 2"/>
-          <p:cNvSpPr>
-            <a:spLocks noGrp="1"/>
-          </p:cNvSpPr>
-          <p:nvPr>
-            <p:ph idx="1"/>
-          </p:nvPr>
-        </p:nvSpPr>
-        <p:spPr/>
-        <p:txBody>
-          <a:bodyPr/>
-          <a:p>
-            <a:r>
-              <a:rPr lang="en-US" altLang="zh-CN"/>
-              <a:t>References</a:t>
-            </a:r>
-            <a:endParaRPr lang="en-US" altLang="zh-CN"/>
-          </a:p>
-          <a:p>
-            <a:pPr lvl="1"/>
-            <a:r>
-              <a:rPr lang="en-US" altLang="zh-CN"/>
-              <a:t>https://webkid.io/blog/image-processing-in-javascript/</a:t>
-            </a:r>
-            <a:endParaRPr lang="en-US" altLang="zh-CN"/>
-          </a:p>
-          <a:p>
-            <a:pPr lvl="1"/>
-            <a:r>
-              <a:rPr lang="en-US" altLang="zh-CN"/>
-              <a:t>https://github.com/image-js/image-js</a:t>
-            </a:r>
-            <a:endParaRPr lang="en-US" altLang="zh-CN"/>
-          </a:p>
-          <a:p>
-            <a:pPr lvl="1"/>
-            <a:r>
-              <a:rPr lang="en-US" altLang="zh-CN"/>
-              <a:t>https://github.com/meltingice/CamanJS/</a:t>
-            </a:r>
-            <a:endParaRPr lang="en-US" altLang="zh-CN"/>
-          </a:p>
-          <a:p>
-            <a:pPr lvl="1"/>
-            <a:r>
-              <a:rPr lang="en-US" altLang="zh-CN"/>
-              <a:t>https://bashooka.com/coding/best-of-20-javascript-image-processing-plugins/</a:t>
-            </a:r>
-            <a:endParaRPr lang="en-US" altLang="zh-CN"/>
-          </a:p>
-          <a:p>
-            <a:pPr lvl="1"/>
-            <a:r>
-              <a:rPr lang="en-US" altLang="zh-CN"/>
-              <a:t>https://codegeekz.com/best-javascript-image-manipulation-libraries/</a:t>
-            </a:r>
-            <a:endParaRPr lang="en-US" altLang="zh-CN"/>
-          </a:p>
-          <a:p>
-            <a:pPr lvl="1"/>
-            <a:r>
-              <a:rPr lang="en-US" altLang="zh-CN"/>
-              <a:t>https://github.com/oliver-moran/jimp</a:t>
-            </a:r>
-            <a:endParaRPr lang="en-US" altLang="zh-CN"/>
-          </a:p>
-          <a:p>
-            <a:pPr lvl="1"/>
-            <a:r>
-              <a:rPr lang="en-US" altLang="zh-CN"/>
-              <a:t>https://sharp.pixelplumbing.com/</a:t>
-            </a:r>
-            <a:endParaRPr lang="en-US" altLang="zh-CN"/>
-          </a:p>
-          <a:p>
-            <a:pPr lvl="1"/>
-            <a:r>
-              <a:rPr lang="en-US" altLang="zh-CN"/>
-              <a:t>https://github.com/vanruesc/postprocessing</a:t>
-            </a:r>
-            <a:endParaRPr lang="en-US" altLang="zh-CN"/>
-          </a:p>
-          <a:p>
-            <a:pPr lvl="1"/>
-            <a:r>
-              <a:rPr lang="en-US" altLang="zh-CN"/>
-              <a:t>https://github.com/foo123/FILTER.js</a:t>
-            </a:r>
-            <a:endParaRPr lang="en-US" altLang="zh-CN"/>
-          </a:p>
-        </p:txBody>
-      </p:sp>
+          <a:p>
+            <a:pPr lvl="1"/>
+            <a:r>
+              <a:rPr lang="en-US" altLang="zh-CN"/>
+              <a:t>https://developer.mozilla.org/en-US/docs/Web/JavaScript/Reference/Global_Objects/WebAssembly</a:t>
+            </a:r>
+            <a:endParaRPr lang="en-US" altLang="zh-CN"/>
+          </a:p>
+          <a:p>
+            <a:pPr lvl="0"/>
+            <a:r>
+              <a:rPr lang="en-US" altLang="zh-CN"/>
+              <a:t>Concept</a:t>
+            </a:r>
+            <a:endParaRPr lang="en-US" altLang="zh-CN"/>
+          </a:p>
+          <a:p>
+            <a:pPr lvl="1"/>
+            <a:r>
+              <a:rPr lang="en-US" altLang="zh-CN"/>
+              <a:t>low-level assembly-like language</a:t>
+            </a:r>
+            <a:endParaRPr lang="en-US" altLang="zh-CN" sz="2000"/>
+          </a:p>
+          <a:p>
+            <a:pPr lvl="1"/>
+            <a:r>
+              <a:rPr lang="en-US" altLang="zh-CN"/>
+              <a:t>designed to run alongside JavaScript, allowing both to work together</a:t>
+            </a:r>
+            <a:endParaRPr lang="en-US" altLang="zh-CN"/>
+          </a:p>
+          <a:p>
+            <a:pPr lvl="0"/>
+            <a:r>
+              <a:rPr lang="en-US" altLang="zh-CN"/>
+              <a:t>Use</a:t>
+            </a:r>
+            <a:endParaRPr lang="en-US" altLang="zh-CN"/>
+          </a:p>
+          <a:p>
+            <a:pPr lvl="1"/>
+            <a:r>
+              <a:rPr lang="en-US" altLang="zh-CN"/>
+              <a:t>WebAssembly.instantiate()	// load webassembly codes</a:t>
+            </a:r>
+            <a:endParaRPr lang="en-US" altLang="zh-CN"/>
+          </a:p>
+          <a:p>
+            <a:pPr lvl="1"/>
+            <a:r>
+              <a:rPr lang="en-US" altLang="zh-CN"/>
+              <a:t>WebAssembly.Memory() WebAssembly.Table() create new memory and table instances</a:t>
+            </a:r>
+            <a:endParaRPr lang="en-US" altLang="zh-CN"/>
+          </a:p>
+          <a:p>
+            <a:pPr lvl="1"/>
+            <a:r>
+              <a:rPr lang="en-US" altLang="zh-CN"/>
+              <a:t>WebAssembly.CompileError() WebAssembly.LinkError() WebAssembly.RuntimeError()</a:t>
+            </a:r>
+            <a:endParaRPr lang="en-US" altLang="zh-CN"/>
+          </a:p>
+        </p:txBody>
+      </p:sp>
+      <p:pic>
+        <p:nvPicPr>
+          <p:cNvPr id="101" name="图片 100"/>
+          <p:cNvPicPr/>
+          <p:nvPr/>
+        </p:nvPicPr>
+        <p:blipFill>
+          <a:blip r:embed="rId1"/>
+          <a:stretch>
+            <a:fillRect/>
+          </a:stretch>
+        </p:blipFill>
+        <p:spPr>
+          <a:xfrm>
+            <a:off x="6301105" y="1417320"/>
+            <a:ext cx="5785485" cy="787400"/>
+          </a:xfrm>
+          <a:prstGeom prst="rect">
+            <a:avLst/>
+          </a:prstGeom>
+          <a:noFill/>
+          <a:ln w="9525">
+            <a:noFill/>
+          </a:ln>
+        </p:spPr>
+      </p:pic>
     </p:spTree>
     <p:custDataLst>
-      <p:tags r:id="rId1"/>
+      <p:tags r:id="rId2"/>
     </p:custDataLst>
   </p:cSld>
   <p:clrMapOvr>
@@ -7564,7 +7900,7 @@
           <a:p>
             <a:r>
               <a:rPr lang="en-US" altLang="zh-CN"/>
-              <a:t>Viewer</a:t>
+              <a:t>Javascript Modules</a:t>
             </a:r>
             <a:endParaRPr lang="en-US" altLang="zh-CN"/>
           </a:p>
@@ -7594,7 +7930,31 @@
             <a:pPr lvl="1"/>
             <a:r>
               <a:rPr lang="en-US" altLang="zh-CN"/>
-              <a:t>https://ourcodeworld.com/articles/read/54/top-10-gallery-and-photo-viewer-plugins-for-javascript-and-jquery</a:t>
+              <a:t>https://developer.mozilla.org/en-US/docs/Web/JavaScript/Guide/Modules</a:t>
+            </a:r>
+            <a:endParaRPr lang="en-US" altLang="zh-CN"/>
+          </a:p>
+          <a:p>
+            <a:pPr lvl="0"/>
+            <a:r>
+              <a:rPr lang="en-US" altLang="zh-CN"/>
+              <a:t>Modules</a:t>
+            </a:r>
+            <a:endParaRPr lang="en-US" altLang="zh-CN"/>
+          </a:p>
+          <a:p>
+            <a:pPr lvl="1"/>
+            <a:r>
+              <a:rPr lang="en-US" altLang="zh-CN"/>
+              <a:t>import</a:t>
+            </a:r>
+            <a:endParaRPr lang="en-US" altLang="zh-CN"/>
+          </a:p>
+          <a:p>
+            <a:pPr lvl="1"/>
+            <a:r>
+              <a:rPr lang="en-US" altLang="zh-CN"/>
+              <a:t>export</a:t>
             </a:r>
             <a:endParaRPr lang="en-US" altLang="zh-CN"/>
           </a:p>
@@ -7623,7 +7983,7 @@
       <p:grpSpPr/>
       <p:sp>
         <p:nvSpPr>
-          <p:cNvPr id="2" name="标题 1"/>
+          <p:cNvPr id="4" name="标题 3"/>
           <p:cNvSpPr>
             <a:spLocks noGrp="1"/>
           </p:cNvSpPr>
@@ -7637,42 +7997,27 @@
           <a:p>
             <a:r>
               <a:rPr lang="en-US" altLang="zh-CN"/>
-              <a:t>List</a:t>
-            </a:r>
-            <a:endParaRPr lang="en-US" altLang="zh-CN"/>
-          </a:p>
-        </p:txBody>
-      </p:sp>
-      <p:sp>
-        <p:nvSpPr>
-          <p:cNvPr id="3" name="内容占位符 2"/>
-          <p:cNvSpPr>
-            <a:spLocks noGrp="1"/>
-          </p:cNvSpPr>
-          <p:nvPr>
-            <p:ph idx="1"/>
+              <a:t>Image Process</a:t>
+            </a:r>
+            <a:endParaRPr lang="en-US" altLang="zh-CN"/>
+          </a:p>
+        </p:txBody>
+      </p:sp>
+      <p:sp>
+        <p:nvSpPr>
+          <p:cNvPr id="5" name="文本占位符 4"/>
+          <p:cNvSpPr>
+            <a:spLocks noGrp="1"/>
+          </p:cNvSpPr>
+          <p:nvPr>
+            <p:ph type="body" idx="1"/>
           </p:nvPr>
         </p:nvSpPr>
         <p:spPr/>
         <p:txBody>
           <a:bodyPr/>
           <a:p>
-            <a:r>
-              <a:rPr lang="en-US" altLang="zh-CN"/>
-              <a:t>Sharp</a:t>
-            </a:r>
-            <a:endParaRPr lang="en-US" altLang="zh-CN"/>
-          </a:p>
-          <a:p>
-            <a:pPr lvl="1"/>
-            <a:r>
-              <a:rPr lang="en-US" altLang="zh-CN"/>
-              <a:t>https://github.com/lovell/sharp</a:t>
-            </a:r>
-            <a:endParaRPr lang="en-US" altLang="zh-CN"/>
-          </a:p>
-          <a:p>
-            <a:endParaRPr lang="en-US" altLang="zh-CN"/>
+            <a:endParaRPr lang="zh-CN" altLang="en-US"/>
           </a:p>
         </p:txBody>
       </p:sp>
@@ -7753,6 +8098,292 @@
 </file>
 
 <file path=ppt/slides/slide30.xml><?xml version="1.0" encoding="utf-8"?>
+<p:sld xmlns:a="http://schemas.openxmlformats.org/drawingml/2006/main" xmlns:r="http://schemas.openxmlformats.org/officeDocument/2006/relationships" xmlns:p="http://schemas.openxmlformats.org/presentationml/2006/main">
+  <p:cSld>
+    <p:spTree>
+      <p:nvGrpSpPr>
+        <p:cNvPr id="1" name=""/>
+        <p:cNvGrpSpPr/>
+        <p:nvPr/>
+      </p:nvGrpSpPr>
+      <p:grpSpPr/>
+      <p:sp>
+        <p:nvSpPr>
+          <p:cNvPr id="2" name="标题 1"/>
+          <p:cNvSpPr>
+            <a:spLocks noGrp="1"/>
+          </p:cNvSpPr>
+          <p:nvPr>
+            <p:ph type="title"/>
+          </p:nvPr>
+        </p:nvSpPr>
+        <p:spPr/>
+        <p:txBody>
+          <a:bodyPr/>
+          <a:p>
+            <a:r>
+              <a:rPr lang="en-US" altLang="zh-CN"/>
+              <a:t>References</a:t>
+            </a:r>
+            <a:endParaRPr lang="en-US" altLang="zh-CN"/>
+          </a:p>
+        </p:txBody>
+      </p:sp>
+      <p:sp>
+        <p:nvSpPr>
+          <p:cNvPr id="3" name="内容占位符 2"/>
+          <p:cNvSpPr>
+            <a:spLocks noGrp="1"/>
+          </p:cNvSpPr>
+          <p:nvPr>
+            <p:ph idx="1"/>
+          </p:nvPr>
+        </p:nvSpPr>
+        <p:spPr/>
+        <p:txBody>
+          <a:bodyPr/>
+          <a:p>
+            <a:r>
+              <a:rPr lang="en-US" altLang="zh-CN"/>
+              <a:t>References</a:t>
+            </a:r>
+            <a:endParaRPr lang="en-US" altLang="zh-CN"/>
+          </a:p>
+          <a:p>
+            <a:pPr lvl="1"/>
+            <a:r>
+              <a:rPr lang="en-US" altLang="zh-CN"/>
+              <a:t>https://webkid.io/blog/image-processing-in-javascript/</a:t>
+            </a:r>
+            <a:endParaRPr lang="en-US" altLang="zh-CN"/>
+          </a:p>
+          <a:p>
+            <a:pPr lvl="1"/>
+            <a:r>
+              <a:rPr lang="en-US" altLang="zh-CN"/>
+              <a:t>https://github.com/image-js/image-js</a:t>
+            </a:r>
+            <a:endParaRPr lang="en-US" altLang="zh-CN"/>
+          </a:p>
+          <a:p>
+            <a:pPr lvl="1"/>
+            <a:r>
+              <a:rPr lang="en-US" altLang="zh-CN"/>
+              <a:t>https://github.com/meltingice/CamanJS/</a:t>
+            </a:r>
+            <a:endParaRPr lang="en-US" altLang="zh-CN"/>
+          </a:p>
+          <a:p>
+            <a:pPr lvl="1"/>
+            <a:r>
+              <a:rPr lang="en-US" altLang="zh-CN"/>
+              <a:t>https://bashooka.com/coding/best-of-20-javascript-image-processing-plugins/</a:t>
+            </a:r>
+            <a:endParaRPr lang="en-US" altLang="zh-CN"/>
+          </a:p>
+          <a:p>
+            <a:pPr lvl="1"/>
+            <a:r>
+              <a:rPr lang="en-US" altLang="zh-CN"/>
+              <a:t>https://codegeekz.com/best-javascript-image-manipulation-libraries/</a:t>
+            </a:r>
+            <a:endParaRPr lang="en-US" altLang="zh-CN"/>
+          </a:p>
+          <a:p>
+            <a:pPr lvl="1"/>
+            <a:r>
+              <a:rPr lang="en-US" altLang="zh-CN"/>
+              <a:t>https://github.com/oliver-moran/jimp</a:t>
+            </a:r>
+            <a:endParaRPr lang="en-US" altLang="zh-CN"/>
+          </a:p>
+          <a:p>
+            <a:pPr lvl="1"/>
+            <a:r>
+              <a:rPr lang="en-US" altLang="zh-CN"/>
+              <a:t>https://sharp.pixelplumbing.com/</a:t>
+            </a:r>
+            <a:endParaRPr lang="en-US" altLang="zh-CN"/>
+          </a:p>
+          <a:p>
+            <a:pPr lvl="1"/>
+            <a:r>
+              <a:rPr lang="en-US" altLang="zh-CN"/>
+              <a:t>https://github.com/vanruesc/postprocessing</a:t>
+            </a:r>
+            <a:endParaRPr lang="en-US" altLang="zh-CN"/>
+          </a:p>
+          <a:p>
+            <a:pPr lvl="1"/>
+            <a:r>
+              <a:rPr lang="en-US" altLang="zh-CN"/>
+              <a:t>https://github.com/foo123/FILTER.js</a:t>
+            </a:r>
+            <a:endParaRPr lang="en-US" altLang="zh-CN"/>
+          </a:p>
+        </p:txBody>
+      </p:sp>
+    </p:spTree>
+    <p:custDataLst>
+      <p:tags r:id="rId1"/>
+    </p:custDataLst>
+  </p:cSld>
+  <p:clrMapOvr>
+    <a:masterClrMapping/>
+  </p:clrMapOvr>
+</p:sld>
+</file>
+
+<file path=ppt/slides/slide31.xml><?xml version="1.0" encoding="utf-8"?>
+<p:sld xmlns:a="http://schemas.openxmlformats.org/drawingml/2006/main" xmlns:r="http://schemas.openxmlformats.org/officeDocument/2006/relationships" xmlns:p="http://schemas.openxmlformats.org/presentationml/2006/main">
+  <p:cSld>
+    <p:spTree>
+      <p:nvGrpSpPr>
+        <p:cNvPr id="1" name=""/>
+        <p:cNvGrpSpPr/>
+        <p:nvPr/>
+      </p:nvGrpSpPr>
+      <p:grpSpPr/>
+      <p:sp>
+        <p:nvSpPr>
+          <p:cNvPr id="2" name="标题 1"/>
+          <p:cNvSpPr>
+            <a:spLocks noGrp="1"/>
+          </p:cNvSpPr>
+          <p:nvPr>
+            <p:ph type="title"/>
+          </p:nvPr>
+        </p:nvSpPr>
+        <p:spPr/>
+        <p:txBody>
+          <a:bodyPr/>
+          <a:p>
+            <a:r>
+              <a:rPr lang="en-US" altLang="zh-CN"/>
+              <a:t>Viewer</a:t>
+            </a:r>
+            <a:endParaRPr lang="en-US" altLang="zh-CN"/>
+          </a:p>
+        </p:txBody>
+      </p:sp>
+      <p:sp>
+        <p:nvSpPr>
+          <p:cNvPr id="3" name="内容占位符 2"/>
+          <p:cNvSpPr>
+            <a:spLocks noGrp="1"/>
+          </p:cNvSpPr>
+          <p:nvPr>
+            <p:ph idx="1"/>
+          </p:nvPr>
+        </p:nvSpPr>
+        <p:spPr/>
+        <p:txBody>
+          <a:bodyPr/>
+          <a:p>
+            <a:r>
+              <a:rPr lang="en-US" altLang="zh-CN"/>
+              <a:t>References</a:t>
+            </a:r>
+            <a:endParaRPr lang="en-US" altLang="zh-CN"/>
+          </a:p>
+          <a:p>
+            <a:pPr lvl="1"/>
+            <a:r>
+              <a:rPr lang="en-US" altLang="zh-CN"/>
+              <a:t>https://ourcodeworld.com/articles/read/54/top-10-gallery-and-photo-viewer-plugins-for-javascript-and-jquery</a:t>
+            </a:r>
+            <a:endParaRPr lang="en-US" altLang="zh-CN"/>
+          </a:p>
+        </p:txBody>
+      </p:sp>
+    </p:spTree>
+    <p:custDataLst>
+      <p:tags r:id="rId1"/>
+    </p:custDataLst>
+  </p:cSld>
+  <p:clrMapOvr>
+    <a:masterClrMapping/>
+  </p:clrMapOvr>
+</p:sld>
+</file>
+
+<file path=ppt/slides/slide32.xml><?xml version="1.0" encoding="utf-8"?>
+<p:sld xmlns:a="http://schemas.openxmlformats.org/drawingml/2006/main" xmlns:r="http://schemas.openxmlformats.org/officeDocument/2006/relationships" xmlns:p="http://schemas.openxmlformats.org/presentationml/2006/main">
+  <p:cSld>
+    <p:spTree>
+      <p:nvGrpSpPr>
+        <p:cNvPr id="1" name=""/>
+        <p:cNvGrpSpPr/>
+        <p:nvPr/>
+      </p:nvGrpSpPr>
+      <p:grpSpPr/>
+      <p:sp>
+        <p:nvSpPr>
+          <p:cNvPr id="2" name="标题 1"/>
+          <p:cNvSpPr>
+            <a:spLocks noGrp="1"/>
+          </p:cNvSpPr>
+          <p:nvPr>
+            <p:ph type="title"/>
+          </p:nvPr>
+        </p:nvSpPr>
+        <p:spPr/>
+        <p:txBody>
+          <a:bodyPr/>
+          <a:p>
+            <a:r>
+              <a:rPr lang="en-US" altLang="zh-CN"/>
+              <a:t>List</a:t>
+            </a:r>
+            <a:endParaRPr lang="en-US" altLang="zh-CN"/>
+          </a:p>
+        </p:txBody>
+      </p:sp>
+      <p:sp>
+        <p:nvSpPr>
+          <p:cNvPr id="3" name="内容占位符 2"/>
+          <p:cNvSpPr>
+            <a:spLocks noGrp="1"/>
+          </p:cNvSpPr>
+          <p:nvPr>
+            <p:ph idx="1"/>
+          </p:nvPr>
+        </p:nvSpPr>
+        <p:spPr/>
+        <p:txBody>
+          <a:bodyPr/>
+          <a:p>
+            <a:r>
+              <a:rPr lang="en-US" altLang="zh-CN"/>
+              <a:t>Sharp</a:t>
+            </a:r>
+            <a:endParaRPr lang="en-US" altLang="zh-CN"/>
+          </a:p>
+          <a:p>
+            <a:pPr lvl="1"/>
+            <a:r>
+              <a:rPr lang="en-US" altLang="zh-CN"/>
+              <a:t>https://github.com/lovell/sharp</a:t>
+            </a:r>
+            <a:endParaRPr lang="en-US" altLang="zh-CN"/>
+          </a:p>
+          <a:p>
+            <a:endParaRPr lang="en-US" altLang="zh-CN"/>
+          </a:p>
+        </p:txBody>
+      </p:sp>
+    </p:spTree>
+    <p:custDataLst>
+      <p:tags r:id="rId1"/>
+    </p:custDataLst>
+  </p:cSld>
+  <p:clrMapOvr>
+    <a:masterClrMapping/>
+  </p:clrMapOvr>
+</p:sld>
+</file>
+
+<file path=ppt/slides/slide33.xml><?xml version="1.0" encoding="utf-8"?>
 <p:sld xmlns:a="http://schemas.openxmlformats.org/drawingml/2006/main" xmlns:r="http://schemas.openxmlformats.org/officeDocument/2006/relationships" xmlns:p="http://schemas.openxmlformats.org/presentationml/2006/main">
   <p:cSld>
     <p:spTree>
@@ -7847,7 +8478,7 @@
 </p:sld>
 </file>
 
-<file path=ppt/slides/slide31.xml><?xml version="1.0" encoding="utf-8"?>
+<file path=ppt/slides/slide34.xml><?xml version="1.0" encoding="utf-8"?>
 <p:sld xmlns:a="http://schemas.openxmlformats.org/drawingml/2006/main" xmlns:r="http://schemas.openxmlformats.org/officeDocument/2006/relationships" xmlns:p="http://schemas.openxmlformats.org/presentationml/2006/main">
   <p:cSld>
     <p:spTree>
@@ -7928,7 +8559,7 @@
 </p:sld>
 </file>
 
-<file path=ppt/slides/slide32.xml><?xml version="1.0" encoding="utf-8"?>
+<file path=ppt/slides/slide35.xml><?xml version="1.0" encoding="utf-8"?>
 <p:sld xmlns:a="http://schemas.openxmlformats.org/drawingml/2006/main" xmlns:r="http://schemas.openxmlformats.org/officeDocument/2006/relationships" xmlns:p="http://schemas.openxmlformats.org/presentationml/2006/main">
   <p:cSld>
     <p:spTree>
@@ -8078,7 +8709,7 @@
 </p:sld>
 </file>
 
-<file path=ppt/slides/slide33.xml><?xml version="1.0" encoding="utf-8"?>
+<file path=ppt/slides/slide36.xml><?xml version="1.0" encoding="utf-8"?>
 <p:sld xmlns:a="http://schemas.openxmlformats.org/drawingml/2006/main" xmlns:r="http://schemas.openxmlformats.org/officeDocument/2006/relationships" xmlns:p="http://schemas.openxmlformats.org/presentationml/2006/main">
   <p:cSld>
     <p:spTree>
@@ -8908,277 +9539,6 @@
 </p:sld>
 </file>
 
-<file path=ppt/slides/slide34.xml><?xml version="1.0" encoding="utf-8"?>
-<p:sld xmlns:a="http://schemas.openxmlformats.org/drawingml/2006/main" xmlns:r="http://schemas.openxmlformats.org/officeDocument/2006/relationships" xmlns:p="http://schemas.openxmlformats.org/presentationml/2006/main">
-  <p:cSld>
-    <p:spTree>
-      <p:nvGrpSpPr>
-        <p:cNvPr id="1" name=""/>
-        <p:cNvGrpSpPr/>
-        <p:nvPr/>
-      </p:nvGrpSpPr>
-      <p:grpSpPr/>
-      <p:sp>
-        <p:nvSpPr>
-          <p:cNvPr id="2" name="标题 1"/>
-          <p:cNvSpPr>
-            <a:spLocks noGrp="1"/>
-          </p:cNvSpPr>
-          <p:nvPr>
-            <p:ph type="title"/>
-          </p:nvPr>
-        </p:nvSpPr>
-        <p:spPr/>
-        <p:txBody>
-          <a:bodyPr/>
-          <a:p>
-            <a:r>
-              <a:rPr lang="en-US" altLang="zh-CN"/>
-              <a:t>Encryption/Decryption</a:t>
-            </a:r>
-            <a:endParaRPr lang="en-US" altLang="zh-CN"/>
-          </a:p>
-        </p:txBody>
-      </p:sp>
-      <p:sp>
-        <p:nvSpPr>
-          <p:cNvPr id="3" name="内容占位符 2"/>
-          <p:cNvSpPr>
-            <a:spLocks noGrp="1"/>
-          </p:cNvSpPr>
-          <p:nvPr>
-            <p:ph idx="1"/>
-          </p:nvPr>
-        </p:nvSpPr>
-        <p:spPr/>
-        <p:txBody>
-          <a:bodyPr/>
-          <a:p>
-            <a:r>
-              <a:rPr lang="en-US" altLang="zh-CN"/>
-              <a:t>CryptoJS</a:t>
-            </a:r>
-            <a:endParaRPr lang="en-US" altLang="zh-CN"/>
-          </a:p>
-          <a:p>
-            <a:pPr lvl="1"/>
-            <a:r>
-              <a:rPr lang="en-US" altLang="zh-CN"/>
-              <a:t>https://cryptojs.gitbook.io/docs/</a:t>
-            </a:r>
-            <a:endParaRPr lang="en-US" altLang="zh-CN"/>
-          </a:p>
-          <a:p>
-            <a:pPr lvl="1"/>
-            <a:r>
-              <a:rPr lang="en-US" altLang="zh-CN"/>
-              <a:t>var hash = CryptoJS.MD5("Message");</a:t>
-            </a:r>
-            <a:endParaRPr lang="en-US" altLang="zh-CN"/>
-          </a:p>
-          <a:p>
-            <a:pPr lvl="1"/>
-            <a:r>
-              <a:rPr lang="en-US" altLang="zh-CN"/>
-              <a:t>var hash = CryptoJS.SHA1("Message");</a:t>
-            </a:r>
-            <a:endParaRPr lang="en-US" altLang="zh-CN"/>
-          </a:p>
-        </p:txBody>
-      </p:sp>
-    </p:spTree>
-    <p:custDataLst>
-      <p:tags r:id="rId1"/>
-    </p:custDataLst>
-  </p:cSld>
-  <p:clrMapOvr>
-    <a:masterClrMapping/>
-  </p:clrMapOvr>
-</p:sld>
-</file>
-
-<file path=ppt/slides/slide35.xml><?xml version="1.0" encoding="utf-8"?>
-<p:sld xmlns:a="http://schemas.openxmlformats.org/drawingml/2006/main" xmlns:r="http://schemas.openxmlformats.org/officeDocument/2006/relationships" xmlns:p="http://schemas.openxmlformats.org/presentationml/2006/main">
-  <p:cSld>
-    <p:spTree>
-      <p:nvGrpSpPr>
-        <p:cNvPr id="1" name=""/>
-        <p:cNvGrpSpPr/>
-        <p:nvPr/>
-      </p:nvGrpSpPr>
-      <p:grpSpPr/>
-      <p:sp>
-        <p:nvSpPr>
-          <p:cNvPr id="2" name="标题 1"/>
-          <p:cNvSpPr>
-            <a:spLocks noGrp="1"/>
-          </p:cNvSpPr>
-          <p:nvPr>
-            <p:ph type="title"/>
-          </p:nvPr>
-        </p:nvSpPr>
-        <p:spPr/>
-        <p:txBody>
-          <a:bodyPr/>
-          <a:p>
-            <a:r>
-              <a:rPr lang="en-US" altLang="zh-CN"/>
-              <a:t>Cytoscape</a:t>
-            </a:r>
-            <a:endParaRPr lang="en-US" altLang="zh-CN"/>
-          </a:p>
-        </p:txBody>
-      </p:sp>
-      <p:sp>
-        <p:nvSpPr>
-          <p:cNvPr id="3" name="内容占位符 2"/>
-          <p:cNvSpPr>
-            <a:spLocks noGrp="1"/>
-          </p:cNvSpPr>
-          <p:nvPr>
-            <p:ph idx="1"/>
-          </p:nvPr>
-        </p:nvSpPr>
-        <p:spPr>
-          <a:xfrm>
-            <a:off x="838200" y="1211580"/>
-            <a:ext cx="5483225" cy="4549140"/>
-          </a:xfrm>
-        </p:spPr>
-        <p:txBody>
-          <a:bodyPr/>
-          <a:p>
-            <a:r>
-              <a:rPr lang="en-US" altLang="zh-CN"/>
-              <a:t>References</a:t>
-            </a:r>
-            <a:endParaRPr lang="en-US" altLang="zh-CN"/>
-          </a:p>
-          <a:p>
-            <a:pPr lvl="1"/>
-            <a:r>
-              <a:rPr lang="en-US" altLang="zh-CN"/>
-              <a:t>https://js.cytoscape.org/</a:t>
-            </a:r>
-            <a:endParaRPr lang="en-US" altLang="zh-CN"/>
-          </a:p>
-          <a:p>
-            <a:r>
-              <a:rPr lang="en-US" altLang="zh-CN"/>
-              <a:t>Points</a:t>
-            </a:r>
-            <a:endParaRPr lang="en-US" altLang="zh-CN"/>
-          </a:p>
-          <a:p>
-            <a:pPr lvl="1"/>
-            <a:r>
-              <a:rPr lang="en-US" altLang="zh-CN"/>
-              <a:t> A compound parent node does not have independent dimensions (position and size), as those values are automatically inferred by the positions and dimensions of the descendant nodes.</a:t>
-            </a:r>
-            <a:endParaRPr lang="en-US" altLang="zh-CN"/>
-          </a:p>
-        </p:txBody>
-      </p:sp>
-    </p:spTree>
-    <p:custDataLst>
-      <p:tags r:id="rId1"/>
-    </p:custDataLst>
-  </p:cSld>
-  <p:clrMapOvr>
-    <a:masterClrMapping/>
-  </p:clrMapOvr>
-</p:sld>
-</file>
-
-<file path=ppt/slides/slide36.xml><?xml version="1.0" encoding="utf-8"?>
-<p:sld xmlns:a="http://schemas.openxmlformats.org/drawingml/2006/main" xmlns:r="http://schemas.openxmlformats.org/officeDocument/2006/relationships" xmlns:p="http://schemas.openxmlformats.org/presentationml/2006/main">
-  <p:cSld>
-    <p:spTree>
-      <p:nvGrpSpPr>
-        <p:cNvPr id="1" name=""/>
-        <p:cNvGrpSpPr/>
-        <p:nvPr/>
-      </p:nvGrpSpPr>
-      <p:grpSpPr/>
-      <p:sp>
-        <p:nvSpPr>
-          <p:cNvPr id="2" name="标题 1"/>
-          <p:cNvSpPr>
-            <a:spLocks noGrp="1"/>
-          </p:cNvSpPr>
-          <p:nvPr>
-            <p:ph type="title"/>
-          </p:nvPr>
-        </p:nvSpPr>
-        <p:spPr/>
-        <p:txBody>
-          <a:bodyPr/>
-          <a:p>
-            <a:r>
-              <a:rPr lang="en-US" altLang="zh-CN"/>
-              <a:t>Raphael</a:t>
-            </a:r>
-            <a:endParaRPr lang="en-US" altLang="zh-CN"/>
-          </a:p>
-        </p:txBody>
-      </p:sp>
-      <p:sp>
-        <p:nvSpPr>
-          <p:cNvPr id="3" name="内容占位符 2"/>
-          <p:cNvSpPr>
-            <a:spLocks noGrp="1"/>
-          </p:cNvSpPr>
-          <p:nvPr>
-            <p:ph idx="1"/>
-          </p:nvPr>
-        </p:nvSpPr>
-        <p:spPr/>
-        <p:txBody>
-          <a:bodyPr/>
-          <a:p>
-            <a:r>
-              <a:rPr lang="en-US" altLang="zh-CN"/>
-              <a:t>Intro</a:t>
-            </a:r>
-            <a:endParaRPr lang="en-US" altLang="zh-CN"/>
-          </a:p>
-          <a:p>
-            <a:pPr lvl="1"/>
-            <a:r>
-              <a:rPr lang="en-US" altLang="zh-CN"/>
-              <a:t>vector graphics drawing</a:t>
-            </a:r>
-            <a:endParaRPr lang="en-US" altLang="zh-CN"/>
-          </a:p>
-          <a:p>
-            <a:pPr lvl="0"/>
-            <a:r>
-              <a:rPr lang="en-US" altLang="zh-CN"/>
-              <a:t>References</a:t>
-            </a:r>
-            <a:endParaRPr lang="en-US" altLang="zh-CN"/>
-          </a:p>
-          <a:p>
-            <a:pPr lvl="1"/>
-            <a:r>
-              <a:rPr lang="en-US" altLang="zh-CN"/>
-              <a:t>http://raphaeljs.com/</a:t>
-            </a:r>
-            <a:endParaRPr lang="en-US" altLang="zh-CN"/>
-          </a:p>
-        </p:txBody>
-      </p:sp>
-    </p:spTree>
-    <p:custDataLst>
-      <p:tags r:id="rId1"/>
-    </p:custDataLst>
-  </p:cSld>
-  <p:clrMapOvr>
-    <a:masterClrMapping/>
-  </p:clrMapOvr>
-</p:sld>
-</file>
-
 <file path=ppt/slides/slide37.xml><?xml version="1.0" encoding="utf-8"?>
 <p:sld xmlns:a="http://schemas.openxmlformats.org/drawingml/2006/main" xmlns:r="http://schemas.openxmlformats.org/officeDocument/2006/relationships" xmlns:p="http://schemas.openxmlformats.org/presentationml/2006/main">
   <p:cSld>
@@ -9205,7 +9565,7 @@
           <a:p>
             <a:r>
               <a:rPr lang="en-US" altLang="zh-CN"/>
-              <a:t>merge-images</a:t>
+              <a:t>Encryption/Decryption</a:t>
             </a:r>
             <a:endParaRPr lang="en-US" altLang="zh-CN"/>
           </a:p>
@@ -9221,23 +9581,425 @@
             <p:ph idx="1"/>
           </p:nvPr>
         </p:nvSpPr>
-        <p:spPr/>
-        <p:txBody>
-          <a:bodyPr/>
-          <a:p>
-            <a:r>
-              <a:rPr lang="en-US" altLang="zh-CN"/>
+        <p:spPr>
+          <a:xfrm>
+            <a:off x="838200" y="1211580"/>
+            <a:ext cx="5829300" cy="3856355"/>
+          </a:xfrm>
+        </p:spPr>
+        <p:txBody>
+          <a:bodyPr>
+            <a:normAutofit/>
+          </a:bodyPr>
+          <a:p>
+            <a:r>
+              <a:rPr lang="en-US" altLang="zh-CN" sz="1600"/>
+              <a:t>CryptoJS</a:t>
+            </a:r>
+            <a:endParaRPr lang="en-US" altLang="zh-CN" sz="1600"/>
+          </a:p>
+          <a:p>
+            <a:pPr lvl="1"/>
+            <a:r>
+              <a:rPr lang="en-US" altLang="zh-CN" sz="1200"/>
               <a:t>References</a:t>
             </a:r>
-            <a:endParaRPr lang="en-US" altLang="zh-CN"/>
-          </a:p>
-          <a:p>
-            <a:pPr lvl="1"/>
-            <a:r>
-              <a:rPr lang="en-US" altLang="zh-CN"/>
-              <a:t>https://www.npmjs.com/package/merge-images</a:t>
-            </a:r>
-            <a:endParaRPr lang="en-US" altLang="zh-CN"/>
+            <a:endParaRPr lang="en-US" altLang="zh-CN" sz="1200"/>
+          </a:p>
+          <a:p>
+            <a:pPr lvl="2"/>
+            <a:r>
+              <a:rPr lang="en-US" altLang="zh-CN" sz="1200"/>
+              <a:t>https://cryptojs.gitbook.io/docs/</a:t>
+            </a:r>
+            <a:endParaRPr lang="en-US" altLang="zh-CN" sz="1200"/>
+          </a:p>
+          <a:p>
+            <a:pPr lvl="2"/>
+            <a:r>
+              <a:rPr lang="en-US" altLang="zh-CN" sz="1200"/>
+              <a:t>https://newbedev.com/cryptojs-aes-encryption-and-java-aes-decryption/</a:t>
+            </a:r>
+            <a:endParaRPr lang="en-US" altLang="zh-CN" sz="1200"/>
+          </a:p>
+          <a:p>
+            <a:pPr lvl="2"/>
+            <a:r>
+              <a:rPr lang="en-US" altLang="zh-CN" sz="1200"/>
+              <a:t>https://github.com/tpenaranda/vue-cryptojs</a:t>
+            </a:r>
+            <a:endParaRPr lang="en-US" altLang="zh-CN" sz="1200"/>
+          </a:p>
+          <a:p>
+            <a:pPr lvl="1"/>
+            <a:r>
+              <a:rPr lang="en-US" altLang="zh-CN" sz="1200"/>
+              <a:t>Hashing</a:t>
+            </a:r>
+            <a:endParaRPr lang="en-US" altLang="zh-CN" sz="1200"/>
+          </a:p>
+          <a:p>
+            <a:pPr lvl="2"/>
+            <a:r>
+              <a:rPr lang="en-US" altLang="zh-CN" sz="1200"/>
+              <a:t>MD5, SHA-1, SHA-2, SHA-3, RIPEMD-160, HMAC, PBKDF2</a:t>
+            </a:r>
+            <a:endParaRPr lang="en-US" altLang="zh-CN" sz="1200"/>
+          </a:p>
+          <a:p>
+            <a:pPr lvl="3"/>
+            <a:r>
+              <a:rPr lang="en-US" altLang="zh-CN" sz="1200"/>
+              <a:t>var hash = CryptoJS.MD5("Message");</a:t>
+            </a:r>
+            <a:endParaRPr lang="en-US" altLang="zh-CN" sz="1200"/>
+          </a:p>
+          <a:p>
+            <a:pPr lvl="3"/>
+            <a:r>
+              <a:rPr lang="en-US" altLang="zh-CN" sz="1200"/>
+              <a:t>var hash = CryptoJS.SHA1("Message");</a:t>
+            </a:r>
+            <a:endParaRPr lang="en-US" altLang="zh-CN" sz="1200"/>
+          </a:p>
+          <a:p>
+            <a:pPr lvl="1"/>
+            <a:r>
+              <a:rPr lang="en-US" altLang="zh-CN" sz="1200"/>
+              <a:t>Ciphers</a:t>
+            </a:r>
+            <a:endParaRPr lang="en-US" altLang="zh-CN" sz="1200"/>
+          </a:p>
+          <a:p>
+            <a:pPr lvl="2"/>
+            <a:r>
+              <a:rPr lang="en-US" altLang="zh-CN" sz="1200"/>
+              <a:t>AES</a:t>
+            </a:r>
+            <a:endParaRPr lang="en-US" altLang="zh-CN" sz="1200"/>
+          </a:p>
+          <a:p>
+            <a:pPr lvl="3"/>
+            <a:r>
+              <a:rPr lang="en-US" altLang="zh-CN" sz="1000"/>
+              <a:t>var encrypted = CryptoJS.AES.encrypt("Message", "Secret Passphrase");</a:t>
+            </a:r>
+            <a:endParaRPr lang="en-US" altLang="zh-CN" sz="1000"/>
+          </a:p>
+          <a:p>
+            <a:pPr lvl="3"/>
+            <a:r>
+              <a:rPr lang="en-US" altLang="zh-CN" sz="1000"/>
+              <a:t>var decrypted = CryptoJS.AES.decrypt(encrypted, "Secret Passphrase");</a:t>
+            </a:r>
+            <a:endParaRPr lang="en-US" altLang="zh-CN" sz="1000"/>
+          </a:p>
+          <a:p>
+            <a:pPr lvl="2"/>
+            <a:r>
+              <a:rPr lang="en-US" altLang="zh-CN" sz="1200"/>
+              <a:t>DES</a:t>
+            </a:r>
+            <a:endParaRPr lang="en-US" altLang="zh-CN" sz="1200"/>
+          </a:p>
+        </p:txBody>
+      </p:sp>
+      <p:sp>
+        <p:nvSpPr>
+          <p:cNvPr id="4" name="文本框 3"/>
+          <p:cNvSpPr txBox="1"/>
+          <p:nvPr/>
+        </p:nvSpPr>
+        <p:spPr>
+          <a:xfrm>
+            <a:off x="6813550" y="1083945"/>
+            <a:ext cx="4540250" cy="5323205"/>
+          </a:xfrm>
+          <a:prstGeom prst="rect">
+            <a:avLst/>
+          </a:prstGeom>
+          <a:noFill/>
+          <a:ln>
+            <a:solidFill>
+              <a:srgbClr val="FFC000"/>
+            </a:solidFill>
+          </a:ln>
+        </p:spPr>
+        <p:txBody>
+          <a:bodyPr wrap="square" rtlCol="0">
+            <a:spAutoFit/>
+          </a:bodyPr>
+          <a:p>
+            <a:r>
+              <a:rPr lang="zh-CN" altLang="en-US" sz="1000"/>
+              <a:t>// crypto module</a:t>
+            </a:r>
+            <a:endParaRPr lang="zh-CN" altLang="en-US" sz="1000"/>
+          </a:p>
+          <a:p>
+            <a:r>
+              <a:rPr lang="zh-CN" altLang="en-US" sz="1000"/>
+              <a:t>const crypto = require("crypto");</a:t>
+            </a:r>
+            <a:endParaRPr lang="zh-CN" altLang="en-US" sz="1000"/>
+          </a:p>
+          <a:p>
+            <a:endParaRPr lang="zh-CN" altLang="en-US" sz="1000"/>
+          </a:p>
+          <a:p>
+            <a:r>
+              <a:rPr lang="zh-CN" altLang="en-US" sz="1000"/>
+              <a:t>const algorithm = "aes-256-cbc"; </a:t>
+            </a:r>
+            <a:endParaRPr lang="zh-CN" altLang="en-US" sz="1000"/>
+          </a:p>
+          <a:p>
+            <a:endParaRPr lang="zh-CN" altLang="en-US" sz="1000"/>
+          </a:p>
+          <a:p>
+            <a:r>
+              <a:rPr lang="zh-CN" altLang="en-US" sz="1000"/>
+              <a:t>// generate 16 bytes of random data</a:t>
+            </a:r>
+            <a:endParaRPr lang="zh-CN" altLang="en-US" sz="1000"/>
+          </a:p>
+          <a:p>
+            <a:r>
+              <a:rPr lang="zh-CN" altLang="en-US" sz="1000"/>
+              <a:t>const initVector = crypto.randomBytes(16);</a:t>
+            </a:r>
+            <a:endParaRPr lang="zh-CN" altLang="en-US" sz="1000"/>
+          </a:p>
+          <a:p>
+            <a:endParaRPr lang="zh-CN" altLang="en-US" sz="1000"/>
+          </a:p>
+          <a:p>
+            <a:r>
+              <a:rPr lang="zh-CN" altLang="en-US" sz="1000"/>
+              <a:t>// protected data</a:t>
+            </a:r>
+            <a:endParaRPr lang="zh-CN" altLang="en-US" sz="1000"/>
+          </a:p>
+          <a:p>
+            <a:r>
+              <a:rPr lang="zh-CN" altLang="en-US" sz="1000"/>
+              <a:t>const message = "This is a secret message";</a:t>
+            </a:r>
+            <a:endParaRPr lang="zh-CN" altLang="en-US" sz="1000"/>
+          </a:p>
+          <a:p>
+            <a:endParaRPr lang="zh-CN" altLang="en-US" sz="1000"/>
+          </a:p>
+          <a:p>
+            <a:r>
+              <a:rPr lang="zh-CN" altLang="en-US" sz="1000"/>
+              <a:t>// secret key generate 32 bytes of random data</a:t>
+            </a:r>
+            <a:endParaRPr lang="zh-CN" altLang="en-US" sz="1000"/>
+          </a:p>
+          <a:p>
+            <a:r>
+              <a:rPr lang="zh-CN" altLang="en-US" sz="1000"/>
+              <a:t>const Securitykey = crypto.randomBytes(32);</a:t>
+            </a:r>
+            <a:endParaRPr lang="zh-CN" altLang="en-US" sz="1000"/>
+          </a:p>
+          <a:p>
+            <a:endParaRPr lang="zh-CN" altLang="en-US" sz="1000"/>
+          </a:p>
+          <a:p>
+            <a:r>
+              <a:rPr lang="zh-CN" altLang="en-US" sz="1000"/>
+              <a:t>// the cipher function</a:t>
+            </a:r>
+            <a:endParaRPr lang="zh-CN" altLang="en-US" sz="1000"/>
+          </a:p>
+          <a:p>
+            <a:r>
+              <a:rPr lang="zh-CN" altLang="en-US" sz="1000"/>
+              <a:t>const cipher = crypto.</a:t>
+            </a:r>
+            <a:r>
+              <a:rPr lang="zh-CN" altLang="en-US" sz="1000" b="1"/>
+              <a:t>createCipheriv</a:t>
+            </a:r>
+            <a:r>
+              <a:rPr lang="zh-CN" altLang="en-US" sz="1000"/>
+              <a:t>(algorithm, Securitykey, initVector);</a:t>
+            </a:r>
+            <a:endParaRPr lang="zh-CN" altLang="en-US" sz="1000"/>
+          </a:p>
+          <a:p>
+            <a:endParaRPr lang="zh-CN" altLang="en-US" sz="1000"/>
+          </a:p>
+          <a:p>
+            <a:r>
+              <a:rPr lang="zh-CN" altLang="en-US" sz="1000"/>
+              <a:t>// encrypt the message</a:t>
+            </a:r>
+            <a:endParaRPr lang="zh-CN" altLang="en-US" sz="1000"/>
+          </a:p>
+          <a:p>
+            <a:r>
+              <a:rPr lang="zh-CN" altLang="en-US" sz="1000"/>
+              <a:t>// input encoding</a:t>
+            </a:r>
+            <a:endParaRPr lang="zh-CN" altLang="en-US" sz="1000"/>
+          </a:p>
+          <a:p>
+            <a:r>
+              <a:rPr lang="zh-CN" altLang="en-US" sz="1000"/>
+              <a:t>// output encoding</a:t>
+            </a:r>
+            <a:endParaRPr lang="zh-CN" altLang="en-US" sz="1000"/>
+          </a:p>
+          <a:p>
+            <a:r>
+              <a:rPr lang="zh-CN" altLang="en-US" sz="1000"/>
+              <a:t>let encryptedData = cipher.update(message, "utf-8", "hex");</a:t>
+            </a:r>
+            <a:endParaRPr lang="zh-CN" altLang="en-US" sz="1000"/>
+          </a:p>
+          <a:p>
+            <a:endParaRPr lang="zh-CN" altLang="en-US" sz="1000"/>
+          </a:p>
+          <a:p>
+            <a:r>
+              <a:rPr lang="zh-CN" altLang="en-US" sz="1000"/>
+              <a:t>encryptedData += cipher.final("hex");</a:t>
+            </a:r>
+            <a:endParaRPr lang="zh-CN" altLang="en-US" sz="1000"/>
+          </a:p>
+          <a:p>
+            <a:endParaRPr lang="zh-CN" altLang="en-US" sz="1000"/>
+          </a:p>
+          <a:p>
+            <a:r>
+              <a:rPr lang="zh-CN" altLang="en-US" sz="1000"/>
+              <a:t>console.log("Encrypted message: " + encryptedData);</a:t>
+            </a:r>
+            <a:endParaRPr lang="zh-CN" altLang="en-US" sz="1000"/>
+          </a:p>
+          <a:p>
+            <a:endParaRPr lang="zh-CN" altLang="en-US" sz="1000"/>
+          </a:p>
+          <a:p>
+            <a:r>
+              <a:rPr lang="zh-CN" altLang="en-US" sz="1000"/>
+              <a:t>// the decipher function</a:t>
+            </a:r>
+            <a:endParaRPr lang="zh-CN" altLang="en-US" sz="1000"/>
+          </a:p>
+          <a:p>
+            <a:r>
+              <a:rPr lang="zh-CN" altLang="en-US" sz="1000"/>
+              <a:t>const decipher = crypto.</a:t>
+            </a:r>
+            <a:r>
+              <a:rPr lang="zh-CN" altLang="en-US" sz="1000" b="1"/>
+              <a:t>createDecipheriv</a:t>
+            </a:r>
+            <a:r>
+              <a:rPr lang="zh-CN" altLang="en-US" sz="1000"/>
+              <a:t>(algorithm, Securitykey, initVector);</a:t>
+            </a:r>
+            <a:endParaRPr lang="zh-CN" altLang="en-US" sz="1000"/>
+          </a:p>
+          <a:p>
+            <a:endParaRPr lang="zh-CN" altLang="en-US" sz="1000"/>
+          </a:p>
+          <a:p>
+            <a:r>
+              <a:rPr lang="zh-CN" altLang="en-US" sz="1000"/>
+              <a:t>let decryptedData = decipher.update(encryptedData, "hex", "utf-8");</a:t>
+            </a:r>
+            <a:endParaRPr lang="zh-CN" altLang="en-US" sz="1000"/>
+          </a:p>
+          <a:p>
+            <a:endParaRPr lang="zh-CN" altLang="en-US" sz="1000"/>
+          </a:p>
+          <a:p>
+            <a:r>
+              <a:rPr lang="zh-CN" altLang="en-US" sz="1000"/>
+              <a:t>decryptedData += decipher.final("utf8");</a:t>
+            </a:r>
+            <a:endParaRPr lang="zh-CN" altLang="en-US" sz="1000"/>
+          </a:p>
+          <a:p>
+            <a:endParaRPr lang="zh-CN" altLang="en-US" sz="1000"/>
+          </a:p>
+          <a:p>
+            <a:r>
+              <a:rPr lang="zh-CN" altLang="en-US" sz="1000"/>
+              <a:t>console.log("Decrypted message: " + decryptedData);</a:t>
+            </a:r>
+            <a:endParaRPr lang="zh-CN" altLang="en-US" sz="1000"/>
+          </a:p>
+        </p:txBody>
+      </p:sp>
+      <p:sp>
+        <p:nvSpPr>
+          <p:cNvPr id="5" name="文本框 4"/>
+          <p:cNvSpPr txBox="1"/>
+          <p:nvPr/>
+        </p:nvSpPr>
+        <p:spPr>
+          <a:xfrm>
+            <a:off x="1438910" y="5067935"/>
+            <a:ext cx="4951095" cy="1168400"/>
+          </a:xfrm>
+          <a:prstGeom prst="rect">
+            <a:avLst/>
+          </a:prstGeom>
+          <a:noFill/>
+          <a:ln>
+            <a:solidFill>
+              <a:srgbClr val="C00000"/>
+            </a:solidFill>
+          </a:ln>
+        </p:spPr>
+        <p:txBody>
+          <a:bodyPr wrap="square" rtlCol="0">
+            <a:spAutoFit/>
+          </a:bodyPr>
+          <a:p>
+            <a:r>
+              <a:rPr lang="en-US" altLang="zh-CN" sz="1000"/>
+              <a:t>// </a:t>
+            </a:r>
+            <a:r>
+              <a:rPr lang="zh-CN" altLang="en-US" sz="1000"/>
+              <a:t>npm install vue-cryptojs</a:t>
+            </a:r>
+            <a:endParaRPr lang="zh-CN" altLang="en-US" sz="1000"/>
+          </a:p>
+          <a:p>
+            <a:r>
+              <a:rPr lang="zh-CN" altLang="en-US" sz="1000"/>
+              <a:t>import VueCryptojs from 'vue-cryptojs'</a:t>
+            </a:r>
+            <a:endParaRPr lang="zh-CN" altLang="en-US" sz="1000"/>
+          </a:p>
+          <a:p>
+            <a:r>
+              <a:rPr lang="zh-CN" altLang="en-US" sz="1000"/>
+              <a:t>Vue.use(VueCryptojs)</a:t>
+            </a:r>
+            <a:endParaRPr lang="zh-CN" altLang="en-US" sz="1000"/>
+          </a:p>
+          <a:p>
+            <a:r>
+              <a:rPr lang="zh-CN" altLang="en-US" sz="1000"/>
+              <a:t>const encryptedText = this.$CryptoJS.AES.encrypt("Hi There!", "Secret Passphrase").toString()</a:t>
+            </a:r>
+            <a:endParaRPr lang="zh-CN" altLang="en-US" sz="1000"/>
+          </a:p>
+          <a:p>
+            <a:r>
+              <a:rPr lang="zh-CN" altLang="en-US" sz="1000"/>
+              <a:t>const decryptedText = this.$CryptoJS.AES.decrypt(encryptedText, "Secret Passphrase").toString(this.CryptoJS.enc.Utf8)</a:t>
+            </a:r>
+            <a:endParaRPr lang="zh-CN" altLang="en-US" sz="1000"/>
           </a:p>
         </p:txBody>
       </p:sp>
@@ -9278,6 +10040,390 @@
           <a:p>
             <a:r>
               <a:rPr lang="en-US" altLang="zh-CN"/>
+              <a:t>Cytoscape</a:t>
+            </a:r>
+            <a:endParaRPr lang="en-US" altLang="zh-CN"/>
+          </a:p>
+        </p:txBody>
+      </p:sp>
+      <p:sp>
+        <p:nvSpPr>
+          <p:cNvPr id="3" name="内容占位符 2"/>
+          <p:cNvSpPr>
+            <a:spLocks noGrp="1"/>
+          </p:cNvSpPr>
+          <p:nvPr>
+            <p:ph idx="1"/>
+          </p:nvPr>
+        </p:nvSpPr>
+        <p:spPr>
+          <a:xfrm>
+            <a:off x="838200" y="1211580"/>
+            <a:ext cx="5483225" cy="4549140"/>
+          </a:xfrm>
+        </p:spPr>
+        <p:txBody>
+          <a:bodyPr/>
+          <a:p>
+            <a:r>
+              <a:rPr lang="en-US" altLang="zh-CN"/>
+              <a:t>References</a:t>
+            </a:r>
+            <a:endParaRPr lang="en-US" altLang="zh-CN"/>
+          </a:p>
+          <a:p>
+            <a:pPr lvl="1"/>
+            <a:r>
+              <a:rPr lang="en-US" altLang="zh-CN"/>
+              <a:t>https://js.cytoscape.org/</a:t>
+            </a:r>
+            <a:endParaRPr lang="en-US" altLang="zh-CN"/>
+          </a:p>
+          <a:p>
+            <a:r>
+              <a:rPr lang="en-US" altLang="zh-CN"/>
+              <a:t>Points</a:t>
+            </a:r>
+            <a:endParaRPr lang="en-US" altLang="zh-CN"/>
+          </a:p>
+          <a:p>
+            <a:pPr lvl="1"/>
+            <a:r>
+              <a:rPr lang="en-US" altLang="zh-CN"/>
+              <a:t> A compound parent node does not have independent dimensions (position and size), as those values are automatically inferred by the positions and dimensions of the descendant nodes.</a:t>
+            </a:r>
+            <a:endParaRPr lang="en-US" altLang="zh-CN"/>
+          </a:p>
+        </p:txBody>
+      </p:sp>
+    </p:spTree>
+    <p:custDataLst>
+      <p:tags r:id="rId1"/>
+    </p:custDataLst>
+  </p:cSld>
+  <p:clrMapOvr>
+    <a:masterClrMapping/>
+  </p:clrMapOvr>
+</p:sld>
+</file>
+
+<file path=ppt/slides/slide39.xml><?xml version="1.0" encoding="utf-8"?>
+<p:sld xmlns:a="http://schemas.openxmlformats.org/drawingml/2006/main" xmlns:r="http://schemas.openxmlformats.org/officeDocument/2006/relationships" xmlns:p="http://schemas.openxmlformats.org/presentationml/2006/main">
+  <p:cSld>
+    <p:spTree>
+      <p:nvGrpSpPr>
+        <p:cNvPr id="1" name=""/>
+        <p:cNvGrpSpPr/>
+        <p:nvPr/>
+      </p:nvGrpSpPr>
+      <p:grpSpPr/>
+      <p:sp>
+        <p:nvSpPr>
+          <p:cNvPr id="2" name="标题 1"/>
+          <p:cNvSpPr>
+            <a:spLocks noGrp="1"/>
+          </p:cNvSpPr>
+          <p:nvPr>
+            <p:ph type="title"/>
+          </p:nvPr>
+        </p:nvSpPr>
+        <p:spPr/>
+        <p:txBody>
+          <a:bodyPr/>
+          <a:p>
+            <a:r>
+              <a:rPr lang="en-US" altLang="zh-CN"/>
+              <a:t>Raphael</a:t>
+            </a:r>
+            <a:endParaRPr lang="en-US" altLang="zh-CN"/>
+          </a:p>
+        </p:txBody>
+      </p:sp>
+      <p:sp>
+        <p:nvSpPr>
+          <p:cNvPr id="3" name="内容占位符 2"/>
+          <p:cNvSpPr>
+            <a:spLocks noGrp="1"/>
+          </p:cNvSpPr>
+          <p:nvPr>
+            <p:ph idx="1"/>
+          </p:nvPr>
+        </p:nvSpPr>
+        <p:spPr/>
+        <p:txBody>
+          <a:bodyPr/>
+          <a:p>
+            <a:r>
+              <a:rPr lang="en-US" altLang="zh-CN"/>
+              <a:t>Intro</a:t>
+            </a:r>
+            <a:endParaRPr lang="en-US" altLang="zh-CN"/>
+          </a:p>
+          <a:p>
+            <a:pPr lvl="1"/>
+            <a:r>
+              <a:rPr lang="en-US" altLang="zh-CN"/>
+              <a:t>vector graphics drawing</a:t>
+            </a:r>
+            <a:endParaRPr lang="en-US" altLang="zh-CN"/>
+          </a:p>
+          <a:p>
+            <a:pPr lvl="0"/>
+            <a:r>
+              <a:rPr lang="en-US" altLang="zh-CN"/>
+              <a:t>References</a:t>
+            </a:r>
+            <a:endParaRPr lang="en-US" altLang="zh-CN"/>
+          </a:p>
+          <a:p>
+            <a:pPr lvl="1"/>
+            <a:r>
+              <a:rPr lang="en-US" altLang="zh-CN"/>
+              <a:t>http://raphaeljs.com/</a:t>
+            </a:r>
+            <a:endParaRPr lang="en-US" altLang="zh-CN"/>
+          </a:p>
+        </p:txBody>
+      </p:sp>
+    </p:spTree>
+    <p:custDataLst>
+      <p:tags r:id="rId1"/>
+    </p:custDataLst>
+  </p:cSld>
+  <p:clrMapOvr>
+    <a:masterClrMapping/>
+  </p:clrMapOvr>
+</p:sld>
+</file>
+
+<file path=ppt/slides/slide4.xml><?xml version="1.0" encoding="utf-8"?>
+<p:sld xmlns:a="http://schemas.openxmlformats.org/drawingml/2006/main" xmlns:r="http://schemas.openxmlformats.org/officeDocument/2006/relationships" xmlns:p="http://schemas.openxmlformats.org/presentationml/2006/main">
+  <p:cSld>
+    <p:spTree>
+      <p:nvGrpSpPr>
+        <p:cNvPr id="1" name=""/>
+        <p:cNvGrpSpPr/>
+        <p:nvPr/>
+      </p:nvGrpSpPr>
+      <p:grpSpPr/>
+      <p:sp>
+        <p:nvSpPr>
+          <p:cNvPr id="2" name="标题 1"/>
+          <p:cNvSpPr>
+            <a:spLocks noGrp="1"/>
+          </p:cNvSpPr>
+          <p:nvPr>
+            <p:ph type="title"/>
+          </p:nvPr>
+        </p:nvSpPr>
+        <p:spPr/>
+        <p:txBody>
+          <a:bodyPr/>
+          <a:p>
+            <a:r>
+              <a:rPr lang="en-US" altLang="zh-CN"/>
+              <a:t>Architecture</a:t>
+            </a:r>
+            <a:endParaRPr lang="en-US" altLang="zh-CN"/>
+          </a:p>
+        </p:txBody>
+      </p:sp>
+      <p:sp>
+        <p:nvSpPr>
+          <p:cNvPr id="4" name="圆角矩形 3"/>
+          <p:cNvSpPr/>
+          <p:nvPr/>
+        </p:nvSpPr>
+        <p:spPr>
+          <a:xfrm>
+            <a:off x="3499485" y="1420495"/>
+            <a:ext cx="3547110" cy="890905"/>
+          </a:xfrm>
+          <a:prstGeom prst="roundRect">
+            <a:avLst/>
+          </a:prstGeom>
+        </p:spPr>
+        <p:style>
+          <a:lnRef idx="2">
+            <a:schemeClr val="accent1">
+              <a:shade val="50000"/>
+            </a:schemeClr>
+          </a:lnRef>
+          <a:fillRef idx="1">
+            <a:schemeClr val="accent1"/>
+          </a:fillRef>
+          <a:effectRef idx="0">
+            <a:schemeClr val="accent1"/>
+          </a:effectRef>
+          <a:fontRef idx="minor">
+            <a:schemeClr val="lt1"/>
+          </a:fontRef>
+        </p:style>
+        <p:txBody>
+          <a:bodyPr rtlCol="0" anchor="ctr"/>
+          <a:p>
+            <a:pPr algn="ctr"/>
+            <a:r>
+              <a:rPr lang="en-US" altLang="zh-CN"/>
+              <a:t>Document</a:t>
+            </a:r>
+            <a:endParaRPr lang="en-US" altLang="zh-CN"/>
+          </a:p>
+        </p:txBody>
+      </p:sp>
+      <p:sp>
+        <p:nvSpPr>
+          <p:cNvPr id="5" name="圆角矩形 4"/>
+          <p:cNvSpPr/>
+          <p:nvPr/>
+        </p:nvSpPr>
+        <p:spPr>
+          <a:xfrm>
+            <a:off x="3499485" y="2733675"/>
+            <a:ext cx="3547110" cy="890905"/>
+          </a:xfrm>
+          <a:prstGeom prst="roundRect">
+            <a:avLst/>
+          </a:prstGeom>
+        </p:spPr>
+        <p:style>
+          <a:lnRef idx="2">
+            <a:schemeClr val="accent1">
+              <a:shade val="50000"/>
+            </a:schemeClr>
+          </a:lnRef>
+          <a:fillRef idx="1">
+            <a:schemeClr val="accent1"/>
+          </a:fillRef>
+          <a:effectRef idx="0">
+            <a:schemeClr val="accent1"/>
+          </a:effectRef>
+          <a:fontRef idx="minor">
+            <a:schemeClr val="lt1"/>
+          </a:fontRef>
+        </p:style>
+        <p:txBody>
+          <a:bodyPr rtlCol="0" anchor="ctr"/>
+          <a:p>
+            <a:pPr algn="ctr"/>
+            <a:r>
+              <a:rPr lang="en-US" altLang="zh-CN"/>
+              <a:t>HTMLElement</a:t>
+            </a:r>
+            <a:endParaRPr lang="en-US" altLang="zh-CN"/>
+          </a:p>
+        </p:txBody>
+      </p:sp>
+    </p:spTree>
+    <p:custDataLst>
+      <p:tags r:id="rId1"/>
+    </p:custDataLst>
+  </p:cSld>
+  <p:clrMapOvr>
+    <a:masterClrMapping/>
+  </p:clrMapOvr>
+</p:sld>
+</file>
+
+<file path=ppt/slides/slide40.xml><?xml version="1.0" encoding="utf-8"?>
+<p:sld xmlns:a="http://schemas.openxmlformats.org/drawingml/2006/main" xmlns:r="http://schemas.openxmlformats.org/officeDocument/2006/relationships" xmlns:p="http://schemas.openxmlformats.org/presentationml/2006/main">
+  <p:cSld>
+    <p:spTree>
+      <p:nvGrpSpPr>
+        <p:cNvPr id="1" name=""/>
+        <p:cNvGrpSpPr/>
+        <p:nvPr/>
+      </p:nvGrpSpPr>
+      <p:grpSpPr/>
+      <p:sp>
+        <p:nvSpPr>
+          <p:cNvPr id="2" name="标题 1"/>
+          <p:cNvSpPr>
+            <a:spLocks noGrp="1"/>
+          </p:cNvSpPr>
+          <p:nvPr>
+            <p:ph type="title"/>
+          </p:nvPr>
+        </p:nvSpPr>
+        <p:spPr/>
+        <p:txBody>
+          <a:bodyPr/>
+          <a:p>
+            <a:r>
+              <a:rPr lang="en-US" altLang="zh-CN"/>
+              <a:t>merge-images</a:t>
+            </a:r>
+            <a:endParaRPr lang="en-US" altLang="zh-CN"/>
+          </a:p>
+        </p:txBody>
+      </p:sp>
+      <p:sp>
+        <p:nvSpPr>
+          <p:cNvPr id="3" name="内容占位符 2"/>
+          <p:cNvSpPr>
+            <a:spLocks noGrp="1"/>
+          </p:cNvSpPr>
+          <p:nvPr>
+            <p:ph idx="1"/>
+          </p:nvPr>
+        </p:nvSpPr>
+        <p:spPr/>
+        <p:txBody>
+          <a:bodyPr/>
+          <a:p>
+            <a:r>
+              <a:rPr lang="en-US" altLang="zh-CN"/>
+              <a:t>References</a:t>
+            </a:r>
+            <a:endParaRPr lang="en-US" altLang="zh-CN"/>
+          </a:p>
+          <a:p>
+            <a:pPr lvl="1"/>
+            <a:r>
+              <a:rPr lang="en-US" altLang="zh-CN"/>
+              <a:t>https://www.npmjs.com/package/merge-images</a:t>
+            </a:r>
+            <a:endParaRPr lang="en-US" altLang="zh-CN"/>
+          </a:p>
+        </p:txBody>
+      </p:sp>
+    </p:spTree>
+    <p:custDataLst>
+      <p:tags r:id="rId1"/>
+    </p:custDataLst>
+  </p:cSld>
+  <p:clrMapOvr>
+    <a:masterClrMapping/>
+  </p:clrMapOvr>
+</p:sld>
+</file>
+
+<file path=ppt/slides/slide41.xml><?xml version="1.0" encoding="utf-8"?>
+<p:sld xmlns:a="http://schemas.openxmlformats.org/drawingml/2006/main" xmlns:r="http://schemas.openxmlformats.org/officeDocument/2006/relationships" xmlns:p="http://schemas.openxmlformats.org/presentationml/2006/main">
+  <p:cSld>
+    <p:spTree>
+      <p:nvGrpSpPr>
+        <p:cNvPr id="1" name=""/>
+        <p:cNvGrpSpPr/>
+        <p:nvPr/>
+      </p:nvGrpSpPr>
+      <p:grpSpPr/>
+      <p:sp>
+        <p:nvSpPr>
+          <p:cNvPr id="2" name="标题 1"/>
+          <p:cNvSpPr>
+            <a:spLocks noGrp="1"/>
+          </p:cNvSpPr>
+          <p:nvPr>
+            <p:ph type="title"/>
+          </p:nvPr>
+        </p:nvSpPr>
+        <p:spPr/>
+        <p:txBody>
+          <a:bodyPr/>
+          <a:p>
+            <a:r>
+              <a:rPr lang="en-US" altLang="zh-CN"/>
               <a:t>Image Map</a:t>
             </a:r>
             <a:endParaRPr lang="en-US" altLang="zh-CN"/>
@@ -9462,7 +10608,7 @@
 </p:sld>
 </file>
 
-<file path=ppt/slides/slide39.xml><?xml version="1.0" encoding="utf-8"?>
+<file path=ppt/slides/slide42.xml><?xml version="1.0" encoding="utf-8"?>
 <p:sld xmlns:a="http://schemas.openxmlformats.org/drawingml/2006/main" xmlns:r="http://schemas.openxmlformats.org/officeDocument/2006/relationships" xmlns:p="http://schemas.openxmlformats.org/presentationml/2006/main">
   <p:cSld>
     <p:spTree>
@@ -9874,7 +11020,7 @@
 </p:sld>
 </file>
 
-<file path=ppt/slides/slide4.xml><?xml version="1.0" encoding="utf-8"?>
+<file path=ppt/slides/slide43.xml><?xml version="1.0" encoding="utf-8"?>
 <p:sld xmlns:a="http://schemas.openxmlformats.org/drawingml/2006/main" xmlns:r="http://schemas.openxmlformats.org/officeDocument/2006/relationships" xmlns:p="http://schemas.openxmlformats.org/presentationml/2006/main">
   <p:cSld>
     <p:spTree>
@@ -9900,95 +11046,555 @@
           <a:p>
             <a:r>
               <a:rPr lang="en-US" altLang="zh-CN"/>
-              <a:t>Architecture</a:t>
-            </a:r>
-            <a:endParaRPr lang="en-US" altLang="zh-CN"/>
-          </a:p>
-        </p:txBody>
-      </p:sp>
-      <p:sp>
-        <p:nvSpPr>
-          <p:cNvPr id="4" name="圆角矩形 3"/>
-          <p:cNvSpPr/>
-          <p:nvPr/>
+              <a:t>p5.js</a:t>
+            </a:r>
+            <a:endParaRPr lang="en-US" altLang="zh-CN"/>
+          </a:p>
+        </p:txBody>
+      </p:sp>
+      <p:sp>
+        <p:nvSpPr>
+          <p:cNvPr id="3" name="内容占位符 2"/>
+          <p:cNvSpPr>
+            <a:spLocks noGrp="1"/>
+          </p:cNvSpPr>
+          <p:nvPr>
+            <p:ph idx="1"/>
+          </p:nvPr>
         </p:nvSpPr>
         <p:spPr>
           <a:xfrm>
-            <a:off x="3499485" y="1420495"/>
-            <a:ext cx="3547110" cy="890905"/>
+            <a:off x="838200" y="1211580"/>
+            <a:ext cx="4888865" cy="5463540"/>
           </a:xfrm>
-          <a:prstGeom prst="roundRect">
+        </p:spPr>
+        <p:txBody>
+          <a:bodyPr>
+            <a:normAutofit fontScale="90000" lnSpcReduction="10000"/>
+          </a:bodyPr>
+          <a:p>
+            <a:r>
+              <a:rPr lang="en-US" altLang="zh-CN"/>
+              <a:t>References</a:t>
+            </a:r>
+            <a:endParaRPr lang="en-US" altLang="zh-CN"/>
+          </a:p>
+          <a:p>
+            <a:pPr lvl="1"/>
+            <a:r>
+              <a:rPr lang="en-US" altLang="zh-CN"/>
+              <a:t>https://p5js.org/</a:t>
+            </a:r>
+            <a:endParaRPr lang="en-US" altLang="zh-CN"/>
+          </a:p>
+          <a:p>
+            <a:pPr lvl="0"/>
+            <a:r>
+              <a:rPr lang="en-US" altLang="zh-CN"/>
+              <a:t>Properties</a:t>
+            </a:r>
+            <a:endParaRPr lang="en-US" altLang="zh-CN"/>
+          </a:p>
+          <a:p>
+            <a:pPr lvl="1"/>
+            <a:r>
+              <a:rPr lang="en-US" altLang="zh-CN" sz="2000"/>
+              <a:t>width</a:t>
+            </a:r>
+            <a:endParaRPr lang="en-US" altLang="zh-CN" sz="2000"/>
+          </a:p>
+          <a:p>
+            <a:pPr lvl="1"/>
+            <a:r>
+              <a:rPr lang="en-US" altLang="zh-CN" sz="2000"/>
+              <a:t>height</a:t>
+            </a:r>
+            <a:endParaRPr lang="en-US" altLang="zh-CN" sz="2000"/>
+          </a:p>
+          <a:p>
+            <a:pPr lvl="1"/>
+            <a:r>
+              <a:rPr lang="en-US" altLang="zh-CN" sz="2000"/>
+              <a:t>frameCount</a:t>
+            </a:r>
+            <a:endParaRPr lang="en-US" altLang="zh-CN" sz="2000"/>
+          </a:p>
+          <a:p>
+            <a:pPr lvl="1"/>
+            <a:r>
+              <a:rPr lang="en-US" altLang="zh-CN" sz="2000"/>
+              <a:t>mouseIsPressed</a:t>
+            </a:r>
+            <a:endParaRPr lang="en-US" altLang="zh-CN" sz="2000"/>
+          </a:p>
+          <a:p>
+            <a:pPr lvl="1"/>
+            <a:r>
+              <a:rPr lang="en-US" altLang="zh-CN" sz="2000"/>
+              <a:t>mouseX, mouseY</a:t>
+            </a:r>
+            <a:endParaRPr lang="en-US" altLang="zh-CN"/>
+          </a:p>
+          <a:p>
+            <a:pPr lvl="0"/>
+            <a:r>
+              <a:rPr lang="en-US" altLang="zh-CN"/>
+              <a:t>Functions</a:t>
+            </a:r>
+            <a:endParaRPr lang="en-US" altLang="zh-CN"/>
+          </a:p>
+          <a:p>
+            <a:pPr lvl="1"/>
+            <a:r>
+              <a:rPr lang="en-US" altLang="zh-CN"/>
+              <a:t>preload(), setup(), draw()</a:t>
+            </a:r>
+            <a:endParaRPr lang="en-US" altLang="zh-CN"/>
+          </a:p>
+          <a:p>
+            <a:pPr lvl="1"/>
+            <a:r>
+              <a:rPr lang="en-US" altLang="zh-CN" sz="2000"/>
+              <a:t>createCanvas(width, height)</a:t>
+            </a:r>
+            <a:endParaRPr lang="en-US" altLang="zh-CN" sz="2000"/>
+          </a:p>
+          <a:p>
+            <a:pPr lvl="1"/>
+            <a:r>
+              <a:rPr lang="en-US" altLang="zh-CN" sz="2000"/>
+              <a:t>resizeCanvas(width, height)</a:t>
+            </a:r>
+            <a:endParaRPr lang="en-US" altLang="zh-CN"/>
+          </a:p>
+          <a:p>
+            <a:pPr lvl="1"/>
+            <a:r>
+              <a:rPr lang="en-US" altLang="zh-CN"/>
+              <a:t>draw()</a:t>
+            </a:r>
+            <a:endParaRPr lang="en-US" altLang="zh-CN"/>
+          </a:p>
+          <a:p>
+            <a:pPr lvl="1"/>
+            <a:r>
+              <a:rPr lang="en-US" altLang="zh-CN"/>
+              <a:t>redraw(nTimes)</a:t>
+            </a:r>
+            <a:endParaRPr lang="en-US" altLang="zh-CN"/>
+          </a:p>
+          <a:p>
+            <a:pPr lvl="1"/>
+            <a:r>
+              <a:rPr lang="en-US" altLang="zh-CN"/>
+              <a:t>frameRate(fps)</a:t>
+            </a:r>
+            <a:endParaRPr lang="en-US" altLang="zh-CN"/>
+          </a:p>
+          <a:p>
+            <a:pPr lvl="1"/>
+            <a:r>
+              <a:rPr lang="en-US" altLang="zh-CN"/>
+              <a:t>loop()</a:t>
+            </a:r>
+            <a:endParaRPr lang="en-US" altLang="zh-CN"/>
+          </a:p>
+          <a:p>
+            <a:pPr lvl="1"/>
+            <a:r>
+              <a:rPr lang="en-US" altLang="zh-CN"/>
+              <a:t>noLoop()</a:t>
+            </a:r>
+            <a:endParaRPr lang="en-US" altLang="zh-CN"/>
+          </a:p>
+          <a:p>
+            <a:pPr lvl="1"/>
+            <a:r>
+              <a:rPr lang="en-US" altLang="zh-CN"/>
+              <a:t>background(color)</a:t>
+            </a:r>
+            <a:endParaRPr lang="en-US" altLang="zh-CN"/>
+          </a:p>
+          <a:p>
+            <a:pPr lvl="1"/>
+            <a:endParaRPr lang="en-US" altLang="zh-CN"/>
+          </a:p>
+        </p:txBody>
+      </p:sp>
+      <p:sp>
+        <p:nvSpPr>
+          <p:cNvPr id="4" name="内容占位符 2"/>
+          <p:cNvSpPr>
+            <a:spLocks noGrp="1"/>
+          </p:cNvSpPr>
+          <p:nvPr/>
+        </p:nvSpPr>
+        <p:spPr>
+          <a:xfrm>
+            <a:off x="6464935" y="1177290"/>
+            <a:ext cx="4888865" cy="5353050"/>
+          </a:xfrm>
+          <a:prstGeom prst="rect">
             <a:avLst/>
           </a:prstGeom>
         </p:spPr>
-        <p:style>
-          <a:lnRef idx="2">
-            <a:schemeClr val="accent1">
-              <a:shade val="50000"/>
-            </a:schemeClr>
-          </a:lnRef>
-          <a:fillRef idx="1">
-            <a:schemeClr val="accent1"/>
-          </a:fillRef>
-          <a:effectRef idx="0">
-            <a:schemeClr val="accent1"/>
-          </a:effectRef>
-          <a:fontRef idx="minor">
-            <a:schemeClr val="lt1"/>
-          </a:fontRef>
-        </p:style>
-        <p:txBody>
-          <a:bodyPr rtlCol="0" anchor="ctr"/>
-          <a:p>
-            <a:pPr algn="ctr"/>
-            <a:r>
-              <a:rPr lang="en-US" altLang="zh-CN"/>
-              <a:t>Document</a:t>
-            </a:r>
-            <a:endParaRPr lang="en-US" altLang="zh-CN"/>
-          </a:p>
-        </p:txBody>
-      </p:sp>
-      <p:sp>
-        <p:nvSpPr>
-          <p:cNvPr id="5" name="圆角矩形 4"/>
-          <p:cNvSpPr/>
-          <p:nvPr/>
-        </p:nvSpPr>
-        <p:spPr>
-          <a:xfrm>
-            <a:off x="3499485" y="2733675"/>
-            <a:ext cx="3547110" cy="890905"/>
-          </a:xfrm>
-          <a:prstGeom prst="roundRect">
-            <a:avLst/>
-          </a:prstGeom>
-        </p:spPr>
-        <p:style>
-          <a:lnRef idx="2">
-            <a:schemeClr val="accent1">
-              <a:shade val="50000"/>
-            </a:schemeClr>
-          </a:lnRef>
-          <a:fillRef idx="1">
-            <a:schemeClr val="accent1"/>
-          </a:fillRef>
-          <a:effectRef idx="0">
-            <a:schemeClr val="accent1"/>
-          </a:effectRef>
-          <a:fontRef idx="minor">
-            <a:schemeClr val="lt1"/>
-          </a:fontRef>
-        </p:style>
-        <p:txBody>
-          <a:bodyPr rtlCol="0" anchor="ctr"/>
-          <a:p>
-            <a:pPr algn="ctr"/>
-            <a:r>
-              <a:rPr lang="en-US" altLang="zh-CN"/>
-              <a:t>HTMLElement</a:t>
-            </a:r>
-            <a:endParaRPr lang="en-US" altLang="zh-CN"/>
+        <p:txBody>
+          <a:bodyPr vert="horz" lIns="91440" tIns="45720" rIns="91440" bIns="45720" rtlCol="0"/>
+          <a:lstStyle>
+            <a:lvl1pPr marL="342900" indent="-342900" algn="l" defTabSz="914400" rtl="0" eaLnBrk="1" latinLnBrk="0" hangingPunct="1">
+              <a:lnSpc>
+                <a:spcPct val="90000"/>
+              </a:lnSpc>
+              <a:spcBef>
+                <a:spcPts val="1000"/>
+              </a:spcBef>
+              <a:buFont typeface="黑体" panose="02010609060101010101" pitchFamily="49" charset="-122"/>
+              <a:buChar char="〉"/>
+              <a:defRPr sz="2400" kern="1200">
+                <a:solidFill>
+                  <a:schemeClr val="tx1"/>
+                </a:solidFill>
+                <a:latin typeface="+mn-lt"/>
+                <a:ea typeface="+mn-ea"/>
+                <a:cs typeface="+mn-cs"/>
+              </a:defRPr>
+            </a:lvl1pPr>
+            <a:lvl2pPr marL="800100" indent="-342900" algn="l" defTabSz="914400" rtl="0" eaLnBrk="1" latinLnBrk="0" hangingPunct="1">
+              <a:lnSpc>
+                <a:spcPct val="90000"/>
+              </a:lnSpc>
+              <a:spcBef>
+                <a:spcPts val="500"/>
+              </a:spcBef>
+              <a:buFont typeface="Arial" panose="020B0604020202020204" pitchFamily="34" charset="0"/>
+              <a:buChar char="•"/>
+              <a:defRPr sz="2000" kern="1200">
+                <a:solidFill>
+                  <a:schemeClr val="tx1"/>
+                </a:solidFill>
+                <a:latin typeface="+mn-lt"/>
+                <a:ea typeface="+mn-ea"/>
+                <a:cs typeface="+mn-cs"/>
+              </a:defRPr>
+            </a:lvl2pPr>
+            <a:lvl3pPr marL="1257300" indent="-342900" algn="l" defTabSz="914400" rtl="0" eaLnBrk="1" latinLnBrk="0" hangingPunct="1">
+              <a:lnSpc>
+                <a:spcPct val="90000"/>
+              </a:lnSpc>
+              <a:spcBef>
+                <a:spcPts val="500"/>
+              </a:spcBef>
+              <a:buFont typeface="Arial" panose="020B0604020202020204" pitchFamily="34" charset="0"/>
+              <a:buChar char="•"/>
+              <a:defRPr sz="1800" kern="1200">
+                <a:solidFill>
+                  <a:schemeClr val="tx1"/>
+                </a:solidFill>
+                <a:latin typeface="+mn-lt"/>
+                <a:ea typeface="+mn-ea"/>
+                <a:cs typeface="+mn-cs"/>
+              </a:defRPr>
+            </a:lvl3pPr>
+            <a:lvl4pPr marL="1657350" indent="-285750" algn="l" defTabSz="914400" rtl="0" eaLnBrk="1" latinLnBrk="0" hangingPunct="1">
+              <a:lnSpc>
+                <a:spcPct val="90000"/>
+              </a:lnSpc>
+              <a:spcBef>
+                <a:spcPts val="500"/>
+              </a:spcBef>
+              <a:buFont typeface="Arial" panose="020B0604020202020204" pitchFamily="34" charset="0"/>
+              <a:buChar char="•"/>
+              <a:defRPr sz="1800" kern="1200">
+                <a:solidFill>
+                  <a:schemeClr val="tx1"/>
+                </a:solidFill>
+                <a:latin typeface="+mn-lt"/>
+                <a:ea typeface="+mn-ea"/>
+                <a:cs typeface="+mn-cs"/>
+              </a:defRPr>
+            </a:lvl4pPr>
+            <a:lvl5pPr marL="2114550" indent="-285750" algn="l" defTabSz="914400" rtl="0" eaLnBrk="1" latinLnBrk="0" hangingPunct="1">
+              <a:lnSpc>
+                <a:spcPct val="90000"/>
+              </a:lnSpc>
+              <a:spcBef>
+                <a:spcPts val="500"/>
+              </a:spcBef>
+              <a:buFont typeface="Arial" panose="020B0604020202020204" pitchFamily="34" charset="0"/>
+              <a:buChar char="•"/>
+              <a:defRPr sz="1800" kern="1200">
+                <a:solidFill>
+                  <a:schemeClr val="tx1"/>
+                </a:solidFill>
+                <a:latin typeface="+mn-lt"/>
+                <a:ea typeface="+mn-ea"/>
+                <a:cs typeface="+mn-cs"/>
+              </a:defRPr>
+            </a:lvl5pPr>
+            <a:lvl6pPr marL="2514600" indent="-228600" algn="l" defTabSz="914400" rtl="0" eaLnBrk="1" latinLnBrk="0" hangingPunct="1">
+              <a:lnSpc>
+                <a:spcPct val="90000"/>
+              </a:lnSpc>
+              <a:spcBef>
+                <a:spcPts val="500"/>
+              </a:spcBef>
+              <a:buFont typeface="Arial" panose="020B0604020202020204" pitchFamily="34" charset="0"/>
+              <a:buChar char="•"/>
+              <a:defRPr sz="1800" kern="1200">
+                <a:solidFill>
+                  <a:schemeClr val="tx1"/>
+                </a:solidFill>
+                <a:latin typeface="+mn-lt"/>
+                <a:ea typeface="+mn-ea"/>
+                <a:cs typeface="+mn-cs"/>
+              </a:defRPr>
+            </a:lvl6pPr>
+            <a:lvl7pPr marL="2971800" indent="-228600" algn="l" defTabSz="914400" rtl="0" eaLnBrk="1" latinLnBrk="0" hangingPunct="1">
+              <a:lnSpc>
+                <a:spcPct val="90000"/>
+              </a:lnSpc>
+              <a:spcBef>
+                <a:spcPts val="500"/>
+              </a:spcBef>
+              <a:buFont typeface="Arial" panose="020B0604020202020204" pitchFamily="34" charset="0"/>
+              <a:buChar char="•"/>
+              <a:defRPr sz="1800" kern="1200">
+                <a:solidFill>
+                  <a:schemeClr val="tx1"/>
+                </a:solidFill>
+                <a:latin typeface="+mn-lt"/>
+                <a:ea typeface="+mn-ea"/>
+                <a:cs typeface="+mn-cs"/>
+              </a:defRPr>
+            </a:lvl7pPr>
+            <a:lvl8pPr marL="3429000" indent="-228600" algn="l" defTabSz="914400" rtl="0" eaLnBrk="1" latinLnBrk="0" hangingPunct="1">
+              <a:lnSpc>
+                <a:spcPct val="90000"/>
+              </a:lnSpc>
+              <a:spcBef>
+                <a:spcPts val="500"/>
+              </a:spcBef>
+              <a:buFont typeface="Arial" panose="020B0604020202020204" pitchFamily="34" charset="0"/>
+              <a:buChar char="•"/>
+              <a:defRPr sz="1800" kern="1200">
+                <a:solidFill>
+                  <a:schemeClr val="tx1"/>
+                </a:solidFill>
+                <a:latin typeface="+mn-lt"/>
+                <a:ea typeface="+mn-ea"/>
+                <a:cs typeface="+mn-cs"/>
+              </a:defRPr>
+            </a:lvl8pPr>
+            <a:lvl9pPr marL="3886200" indent="-228600" algn="l" defTabSz="914400" rtl="0" eaLnBrk="1" latinLnBrk="0" hangingPunct="1">
+              <a:lnSpc>
+                <a:spcPct val="90000"/>
+              </a:lnSpc>
+              <a:spcBef>
+                <a:spcPts val="500"/>
+              </a:spcBef>
+              <a:buFont typeface="Arial" panose="020B0604020202020204" pitchFamily="34" charset="0"/>
+              <a:buChar char="•"/>
+              <a:defRPr sz="1800" kern="1200">
+                <a:solidFill>
+                  <a:schemeClr val="tx1"/>
+                </a:solidFill>
+                <a:latin typeface="+mn-lt"/>
+                <a:ea typeface="+mn-ea"/>
+                <a:cs typeface="+mn-cs"/>
+              </a:defRPr>
+            </a:lvl9pPr>
+          </a:lstStyle>
+          <a:p>
+            <a:pPr lvl="1"/>
+            <a:r>
+              <a:rPr lang="en-US" altLang="zh-CN" sz="1400">
+                <a:sym typeface="+mn-ea"/>
+              </a:rPr>
+              <a:t>noFill()</a:t>
+            </a:r>
+            <a:endParaRPr lang="en-US" altLang="zh-CN" sz="1400"/>
+          </a:p>
+          <a:p>
+            <a:pPr lvl="1"/>
+            <a:r>
+              <a:rPr lang="en-US" altLang="zh-CN" sz="1400">
+                <a:sym typeface="+mn-ea"/>
+              </a:rPr>
+              <a:t>fill(color)</a:t>
+            </a:r>
+            <a:endParaRPr lang="en-US" altLang="zh-CN" sz="1400"/>
+          </a:p>
+          <a:p>
+            <a:pPr lvl="1"/>
+            <a:r>
+              <a:rPr lang="en-US" altLang="zh-CN" sz="1400">
+                <a:sym typeface="+mn-ea"/>
+              </a:rPr>
+              <a:t>noStoke()</a:t>
+            </a:r>
+            <a:endParaRPr lang="en-US" altLang="zh-CN" sz="1400"/>
+          </a:p>
+          <a:p>
+            <a:pPr lvl="1"/>
+            <a:r>
+              <a:rPr lang="en-US" altLang="zh-CN" sz="1400">
+                <a:sym typeface="+mn-ea"/>
+              </a:rPr>
+              <a:t>stroke(color)</a:t>
+            </a:r>
+            <a:endParaRPr lang="en-US" altLang="zh-CN" sz="1400"/>
+          </a:p>
+          <a:p>
+            <a:pPr lvl="1"/>
+            <a:r>
+              <a:rPr lang="en-US" altLang="zh-CN" sz="1400">
+                <a:sym typeface="+mn-ea"/>
+              </a:rPr>
+              <a:t>strokeWeight(weight)</a:t>
+            </a:r>
+            <a:endParaRPr lang="en-US" altLang="zh-CN" sz="1400"/>
+          </a:p>
+          <a:p>
+            <a:pPr lvl="1"/>
+            <a:r>
+              <a:rPr lang="en-US" altLang="zh-CN" sz="1400"/>
+              <a:t>createGraphics(width, height) // offscreen buffer</a:t>
+            </a:r>
+            <a:endParaRPr lang="en-US" altLang="zh-CN" sz="1400"/>
+          </a:p>
+          <a:p>
+            <a:pPr lvl="1"/>
+            <a:r>
+              <a:rPr lang="en-US" altLang="zh-CN" sz="1400">
+                <a:sym typeface="+mn-ea"/>
+              </a:rPr>
+              <a:t>point(x, y)</a:t>
+            </a:r>
+            <a:endParaRPr lang="en-US" altLang="zh-CN" sz="1400"/>
+          </a:p>
+          <a:p>
+            <a:pPr lvl="1"/>
+            <a:r>
+              <a:rPr lang="en-US" altLang="zh-CN" sz="1400">
+                <a:sym typeface="+mn-ea"/>
+              </a:rPr>
+              <a:t>line(x1, y1,x2, y2)</a:t>
+            </a:r>
+            <a:endParaRPr lang="en-US" altLang="zh-CN" sz="1400"/>
+          </a:p>
+          <a:p>
+            <a:pPr lvl="1"/>
+            <a:r>
+              <a:rPr lang="en-US" altLang="zh-CN" sz="1400">
+                <a:sym typeface="+mn-ea"/>
+              </a:rPr>
+              <a:t>rect(x, y, width, height)</a:t>
+            </a:r>
+            <a:endParaRPr lang="en-US" altLang="zh-CN" sz="1400"/>
+          </a:p>
+          <a:p>
+            <a:pPr lvl="1"/>
+            <a:r>
+              <a:rPr lang="en-US" altLang="zh-CN" sz="1400"/>
+              <a:t>triangle(x1, y1, x2, y2, x3, y3)</a:t>
+            </a:r>
+            <a:endParaRPr lang="en-US" altLang="zh-CN" sz="1400"/>
+          </a:p>
+          <a:p>
+            <a:pPr lvl="1"/>
+            <a:r>
+              <a:rPr lang="en-US" altLang="zh-CN" sz="1400"/>
+              <a:t>quad(x1, y1, x2, y2, x3, y3, x4, y4)</a:t>
+            </a:r>
+            <a:endParaRPr lang="en-US" altLang="zh-CN" sz="1400"/>
+          </a:p>
+          <a:p>
+            <a:pPr lvl="1"/>
+            <a:r>
+              <a:rPr lang="en-US" altLang="zh-CN" sz="1400"/>
+              <a:t>ellipse()</a:t>
+            </a:r>
+            <a:endParaRPr lang="en-US" altLang="zh-CN" sz="1400"/>
+          </a:p>
+          <a:p>
+            <a:pPr lvl="1"/>
+            <a:r>
+              <a:rPr lang="en-US" altLang="zh-CN" sz="1400"/>
+              <a:t>ellipseMode(RADIUS)</a:t>
+            </a:r>
+            <a:endParaRPr lang="en-US" altLang="zh-CN" sz="1400"/>
+          </a:p>
+          <a:p>
+            <a:pPr lvl="1"/>
+            <a:r>
+              <a:rPr lang="en-US" altLang="zh-CN" sz="1400"/>
+              <a:t>arc()</a:t>
+            </a:r>
+            <a:endParaRPr lang="en-US" altLang="zh-CN" sz="1400"/>
+          </a:p>
+          <a:p>
+            <a:pPr lvl="1"/>
+            <a:r>
+              <a:rPr lang="en-US" altLang="zh-CN" sz="1400"/>
+              <a:t>noSmooth()</a:t>
+            </a:r>
+            <a:endParaRPr lang="en-US" altLang="zh-CN" sz="1400"/>
+          </a:p>
+          <a:p>
+            <a:pPr lvl="1"/>
+            <a:r>
+              <a:rPr lang="en-US" altLang="zh-CN" sz="1400"/>
+              <a:t>text(string, x, y)</a:t>
+            </a:r>
+            <a:endParaRPr lang="en-US" altLang="zh-CN" sz="1400"/>
+          </a:p>
+          <a:p>
+            <a:pPr lvl="1"/>
+            <a:r>
+              <a:rPr lang="en-US" altLang="zh-CN" sz="1400"/>
+              <a:t>image(img, top, left)</a:t>
+            </a:r>
+            <a:endParaRPr lang="en-US" altLang="zh-CN" sz="1400"/>
+          </a:p>
+          <a:p>
+            <a:pPr lvl="1"/>
+            <a:r>
+              <a:rPr lang="en-US" altLang="zh-CN" sz="1400"/>
+              <a:t>img = loadImage(image_url)</a:t>
+            </a:r>
+            <a:endParaRPr lang="en-US" altLang="zh-CN" sz="1400"/>
+          </a:p>
+          <a:p>
+            <a:pPr lvl="1"/>
+            <a:r>
+              <a:rPr lang="en-US" altLang="zh-CN" sz="1400"/>
+              <a:t>createCapture(VIDEO/AUDIO)</a:t>
+            </a:r>
+            <a:endParaRPr lang="en-US" altLang="zh-CN" sz="1400"/>
+          </a:p>
+          <a:p>
+            <a:pPr lvl="1"/>
+            <a:r>
+              <a:rPr lang="en-US" altLang="zh-CN" sz="1400"/>
+              <a:t>input = createFileInput(handleFile);</a:t>
+            </a:r>
+            <a:endParaRPr lang="en-US" altLang="zh-CN" sz="1400"/>
+          </a:p>
+          <a:p>
+            <a:pPr lvl="1"/>
+            <a:r>
+              <a:rPr lang="en-US" altLang="zh-CN" sz="1400"/>
+              <a:t>img = createImg(file.data, ‘’)</a:t>
+            </a:r>
+            <a:endParaRPr lang="en-US" altLang="zh-CN" sz="1400"/>
+          </a:p>
+          <a:p>
+            <a:pPr lvl="1"/>
+            <a:r>
+              <a:rPr lang="en-US" altLang="zh-CN" sz="1400"/>
+              <a:t>createSelect()</a:t>
+            </a:r>
+            <a:endParaRPr lang="en-US" altLang="zh-CN" sz="1400"/>
           </a:p>
         </p:txBody>
       </p:sp>
@@ -10003,7 +11609,7 @@
 </p:sld>
 </file>
 
-<file path=ppt/slides/slide40.xml><?xml version="1.0" encoding="utf-8"?>
+<file path=ppt/slides/slide44.xml><?xml version="1.0" encoding="utf-8"?>
 <p:sld xmlns:a="http://schemas.openxmlformats.org/drawingml/2006/main" xmlns:r="http://schemas.openxmlformats.org/officeDocument/2006/relationships" xmlns:p="http://schemas.openxmlformats.org/presentationml/2006/main">
   <p:cSld>
     <p:spTree>
@@ -10064,7 +11670,7 @@
 </p:sld>
 </file>
 
-<file path=ppt/slides/slide41.xml><?xml version="1.0" encoding="utf-8"?>
+<file path=ppt/slides/slide45.xml><?xml version="1.0" encoding="utf-8"?>
 <p:sld xmlns:a="http://schemas.openxmlformats.org/drawingml/2006/main" xmlns:r="http://schemas.openxmlformats.org/officeDocument/2006/relationships" xmlns:p="http://schemas.openxmlformats.org/presentationml/2006/main">
   <p:cSld>
     <p:spTree>
@@ -10239,7 +11845,7 @@
 </p:sld>
 </file>
 
-<file path=ppt/slides/slide42.xml><?xml version="1.0" encoding="utf-8"?>
+<file path=ppt/slides/slide46.xml><?xml version="1.0" encoding="utf-8"?>
 <p:sld xmlns:a="http://schemas.openxmlformats.org/drawingml/2006/main" xmlns:r="http://schemas.openxmlformats.org/officeDocument/2006/relationships" xmlns:p="http://schemas.openxmlformats.org/presentationml/2006/main">
   <p:cSld>
     <p:spTree>
@@ -11404,563 +13010,6 @@
 </p:sld>
 </file>
 
-<file path=ppt/slides/slide43.xml><?xml version="1.0" encoding="utf-8"?>
-<p:sld xmlns:a="http://schemas.openxmlformats.org/drawingml/2006/main" xmlns:r="http://schemas.openxmlformats.org/officeDocument/2006/relationships" xmlns:p="http://schemas.openxmlformats.org/presentationml/2006/main">
-  <p:cSld>
-    <p:spTree>
-      <p:nvGrpSpPr>
-        <p:cNvPr id="1" name=""/>
-        <p:cNvGrpSpPr/>
-        <p:nvPr/>
-      </p:nvGrpSpPr>
-      <p:grpSpPr/>
-      <p:sp>
-        <p:nvSpPr>
-          <p:cNvPr id="2" name="标题 1"/>
-          <p:cNvSpPr>
-            <a:spLocks noGrp="1"/>
-          </p:cNvSpPr>
-          <p:nvPr>
-            <p:ph type="title"/>
-          </p:nvPr>
-        </p:nvSpPr>
-        <p:spPr/>
-        <p:txBody>
-          <a:bodyPr/>
-          <a:p>
-            <a:r>
-              <a:rPr lang="en-US" altLang="zh-CN"/>
-              <a:t>Three.js 2</a:t>
-            </a:r>
-            <a:endParaRPr lang="en-US" altLang="zh-CN"/>
-          </a:p>
-        </p:txBody>
-      </p:sp>
-      <p:sp>
-        <p:nvSpPr>
-          <p:cNvPr id="3" name="内容占位符 2"/>
-          <p:cNvSpPr>
-            <a:spLocks noGrp="1"/>
-          </p:cNvSpPr>
-          <p:nvPr>
-            <p:ph idx="1"/>
-          </p:nvPr>
-        </p:nvSpPr>
-        <p:spPr/>
-        <p:txBody>
-          <a:bodyPr/>
-          <a:p>
-            <a:r>
-              <a:rPr lang="en-US" altLang="zh-CN"/>
-              <a:t>VR support</a:t>
-            </a:r>
-            <a:endParaRPr lang="en-US" altLang="zh-CN"/>
-          </a:p>
-          <a:p>
-            <a:pPr lvl="1" algn="l">
-              <a:buClrTx/>
-              <a:buSzTx/>
-            </a:pPr>
-            <a:r>
-              <a:rPr lang="zh-CN" altLang="en-US">
-                <a:sym typeface="+mn-ea"/>
-              </a:rPr>
-              <a:t>https://threejs.org/docs/#manual/en/introduction/How-to-create-VR-content</a:t>
-            </a:r>
-            <a:endParaRPr lang="zh-CN" altLang="en-US"/>
-          </a:p>
-          <a:p>
-            <a:pPr lvl="1"/>
-            <a:r>
-              <a:rPr lang="zh-CN" altLang="en-US"/>
-              <a:t>https://immersiveweb.dev/#three.js</a:t>
-            </a:r>
-            <a:endParaRPr lang="zh-CN" altLang="en-US"/>
-          </a:p>
-          <a:p>
-            <a:pPr lvl="1"/>
-            <a:r>
-              <a:rPr lang="zh-CN" altLang="en-US"/>
-              <a:t>https://tutorialsforvr.com/enable-threejs-vr/</a:t>
-            </a:r>
-            <a:endParaRPr lang="zh-CN" altLang="en-US"/>
-          </a:p>
-          <a:p>
-            <a:pPr lvl="1"/>
-            <a:r>
-              <a:rPr lang="zh-CN" altLang="en-US"/>
-              <a:t>https://www.davrous.com/2017/07/07/from-zero-to-hero-creating-webvr-experiences-with-babylon-js-on-all-platforms/</a:t>
-            </a:r>
-            <a:endParaRPr lang="zh-CN" altLang="en-US"/>
-          </a:p>
-        </p:txBody>
-      </p:sp>
-    </p:spTree>
-    <p:custDataLst>
-      <p:tags r:id="rId1"/>
-    </p:custDataLst>
-  </p:cSld>
-  <p:clrMapOvr>
-    <a:masterClrMapping/>
-  </p:clrMapOvr>
-</p:sld>
-</file>
-
-<file path=ppt/slides/slide44.xml><?xml version="1.0" encoding="utf-8"?>
-<p:sld xmlns:a="http://schemas.openxmlformats.org/drawingml/2006/main" xmlns:r="http://schemas.openxmlformats.org/officeDocument/2006/relationships" xmlns:p="http://schemas.openxmlformats.org/presentationml/2006/main">
-  <p:cSld>
-    <p:spTree>
-      <p:nvGrpSpPr>
-        <p:cNvPr id="1" name=""/>
-        <p:cNvGrpSpPr/>
-        <p:nvPr/>
-      </p:nvGrpSpPr>
-      <p:grpSpPr/>
-      <p:sp>
-        <p:nvSpPr>
-          <p:cNvPr id="2" name="标题 1"/>
-          <p:cNvSpPr>
-            <a:spLocks noGrp="1"/>
-          </p:cNvSpPr>
-          <p:nvPr>
-            <p:ph type="title"/>
-          </p:nvPr>
-        </p:nvSpPr>
-        <p:spPr/>
-        <p:txBody>
-          <a:bodyPr/>
-          <a:p>
-            <a:r>
-              <a:rPr lang="en-US" altLang="zh-CN"/>
-              <a:t>A-Frame</a:t>
-            </a:r>
-            <a:endParaRPr lang="en-US" altLang="zh-CN"/>
-          </a:p>
-        </p:txBody>
-      </p:sp>
-      <p:sp>
-        <p:nvSpPr>
-          <p:cNvPr id="3" name="内容占位符 2"/>
-          <p:cNvSpPr>
-            <a:spLocks noGrp="1"/>
-          </p:cNvSpPr>
-          <p:nvPr>
-            <p:ph idx="1"/>
-          </p:nvPr>
-        </p:nvSpPr>
-        <p:spPr>
-          <a:xfrm>
-            <a:off x="838200" y="1211580"/>
-            <a:ext cx="5999480" cy="4549140"/>
-          </a:xfrm>
-        </p:spPr>
-        <p:txBody>
-          <a:bodyPr/>
-          <a:p>
-            <a:r>
-              <a:rPr lang="en-US" altLang="zh-CN"/>
-              <a:t>Concept</a:t>
-            </a:r>
-            <a:endParaRPr lang="en-US" altLang="zh-CN"/>
-          </a:p>
-          <a:p>
-            <a:pPr lvl="1"/>
-            <a:r>
-              <a:rPr lang="en-US" altLang="zh-CN"/>
-              <a:t>Declarative DOM-based Entity-Component-System</a:t>
-            </a:r>
-            <a:endParaRPr lang="en-US" altLang="zh-CN"/>
-          </a:p>
-          <a:p>
-            <a:pPr lvl="1"/>
-            <a:r>
-              <a:rPr lang="en-US" altLang="zh-CN"/>
-              <a:t>Component-based development</a:t>
-            </a:r>
-            <a:endParaRPr lang="en-US" altLang="zh-CN"/>
-          </a:p>
-        </p:txBody>
-      </p:sp>
-      <p:sp>
-        <p:nvSpPr>
-          <p:cNvPr id="4" name="文本框 3"/>
-          <p:cNvSpPr txBox="1"/>
-          <p:nvPr/>
-        </p:nvSpPr>
-        <p:spPr>
-          <a:xfrm>
-            <a:off x="6958330" y="1631950"/>
-            <a:ext cx="4859020" cy="3599815"/>
-          </a:xfrm>
-          <a:prstGeom prst="rect">
-            <a:avLst/>
-          </a:prstGeom>
-          <a:noFill/>
-          <a:ln>
-            <a:solidFill>
-              <a:srgbClr val="FFC000"/>
-            </a:solidFill>
-          </a:ln>
-        </p:spPr>
-        <p:txBody>
-          <a:bodyPr wrap="square" rtlCol="0">
-            <a:spAutoFit/>
-          </a:bodyPr>
-          <a:p>
-            <a:r>
-              <a:rPr lang="zh-CN" altLang="en-US" sz="1200"/>
-              <a:t>&lt;html&gt;</a:t>
-            </a:r>
-            <a:endParaRPr lang="zh-CN" altLang="en-US" sz="1200"/>
-          </a:p>
-          <a:p>
-            <a:r>
-              <a:rPr lang="zh-CN" altLang="en-US" sz="1200"/>
-              <a:t>  &lt;head&gt;</a:t>
-            </a:r>
-            <a:endParaRPr lang="zh-CN" altLang="en-US" sz="1200"/>
-          </a:p>
-          <a:p>
-            <a:r>
-              <a:rPr lang="zh-CN" altLang="en-US" sz="1200"/>
-              <a:t>    &lt;script src="https://aframe.io/releases/1.0.0/aframe.min.js"&gt;&lt;/script&gt;</a:t>
-            </a:r>
-            <a:endParaRPr lang="zh-CN" altLang="en-US" sz="1200"/>
-          </a:p>
-          <a:p>
-            <a:r>
-              <a:rPr lang="zh-CN" altLang="en-US" sz="1200"/>
-              <a:t>  &lt;/head&gt;</a:t>
-            </a:r>
-            <a:endParaRPr lang="zh-CN" altLang="en-US" sz="1200"/>
-          </a:p>
-          <a:p>
-            <a:r>
-              <a:rPr lang="zh-CN" altLang="en-US" sz="1200"/>
-              <a:t>  &lt;body&gt;</a:t>
-            </a:r>
-            <a:endParaRPr lang="zh-CN" altLang="en-US" sz="1200"/>
-          </a:p>
-          <a:p>
-            <a:r>
-              <a:rPr lang="zh-CN" altLang="en-US" sz="1200"/>
-              <a:t>    &lt;a-scene&gt;</a:t>
-            </a:r>
-            <a:endParaRPr lang="zh-CN" altLang="en-US" sz="1200"/>
-          </a:p>
-          <a:p>
-            <a:r>
-              <a:rPr lang="zh-CN" altLang="en-US" sz="1200"/>
-              <a:t>      &lt;a-box position="-1 0.5 -3" rotation="0 45 0" color="#4CC3D9"&gt;&lt;/a-box&gt;</a:t>
-            </a:r>
-            <a:endParaRPr lang="zh-CN" altLang="en-US" sz="1200"/>
-          </a:p>
-          <a:p>
-            <a:r>
-              <a:rPr lang="zh-CN" altLang="en-US" sz="1200"/>
-              <a:t>      &lt;a-sphere position="0 1.25 -5" radius="1.25" color="#EF2D5E"&gt;&lt;/a-sphere&gt;</a:t>
-            </a:r>
-            <a:endParaRPr lang="zh-CN" altLang="en-US" sz="1200"/>
-          </a:p>
-          <a:p>
-            <a:r>
-              <a:rPr lang="zh-CN" altLang="en-US" sz="1200"/>
-              <a:t>      &lt;a-cylinder position="1 0.75 -3" radius="0.5" height="1.5" color="#FFC65D"&gt;&lt;/a-cylinder&gt;</a:t>
-            </a:r>
-            <a:endParaRPr lang="zh-CN" altLang="en-US" sz="1200"/>
-          </a:p>
-          <a:p>
-            <a:r>
-              <a:rPr lang="zh-CN" altLang="en-US" sz="1200"/>
-              <a:t>      &lt;a-plane position="0 0 -4" rotation="-90 0 0" width="4" height="4" color="#7BC8A4"&gt;&lt;/a-plane&gt;</a:t>
-            </a:r>
-            <a:endParaRPr lang="zh-CN" altLang="en-US" sz="1200"/>
-          </a:p>
-          <a:p>
-            <a:r>
-              <a:rPr lang="zh-CN" altLang="en-US" sz="1200"/>
-              <a:t>      &lt;a-sky color="#ECECEC"&gt;&lt;/a-sky&gt;</a:t>
-            </a:r>
-            <a:endParaRPr lang="zh-CN" altLang="en-US" sz="1200"/>
-          </a:p>
-          <a:p>
-            <a:r>
-              <a:rPr lang="zh-CN" altLang="en-US" sz="1200"/>
-              <a:t>    &lt;/a-scene&gt;</a:t>
-            </a:r>
-            <a:endParaRPr lang="zh-CN" altLang="en-US" sz="1200"/>
-          </a:p>
-          <a:p>
-            <a:r>
-              <a:rPr lang="zh-CN" altLang="en-US" sz="1200"/>
-              <a:t>  &lt;/body&gt;</a:t>
-            </a:r>
-            <a:endParaRPr lang="zh-CN" altLang="en-US" sz="1200"/>
-          </a:p>
-          <a:p>
-            <a:r>
-              <a:rPr lang="zh-CN" altLang="en-US" sz="1200"/>
-              <a:t>&lt;/html&gt;</a:t>
-            </a:r>
-            <a:endParaRPr lang="zh-CN" altLang="en-US" sz="1200"/>
-          </a:p>
-        </p:txBody>
-      </p:sp>
-      <p:sp>
-        <p:nvSpPr>
-          <p:cNvPr id="5" name="文本框 4"/>
-          <p:cNvSpPr txBox="1"/>
-          <p:nvPr/>
-        </p:nvSpPr>
-        <p:spPr>
-          <a:xfrm>
-            <a:off x="6958330" y="5374005"/>
-            <a:ext cx="4859020" cy="953135"/>
-          </a:xfrm>
-          <a:prstGeom prst="rect">
-            <a:avLst/>
-          </a:prstGeom>
-          <a:noFill/>
-          <a:ln>
-            <a:solidFill>
-              <a:srgbClr val="FFC000"/>
-            </a:solidFill>
-          </a:ln>
-        </p:spPr>
-        <p:txBody>
-          <a:bodyPr wrap="square" rtlCol="0">
-            <a:spAutoFit/>
-          </a:bodyPr>
-          <a:p>
-            <a:r>
-              <a:rPr lang="zh-CN" altLang="en-US" sz="1400"/>
-              <a:t>&lt;a-entity geometry="primitive: sphere; radius: 1.5"</a:t>
-            </a:r>
-            <a:endParaRPr lang="zh-CN" altLang="en-US" sz="1400"/>
-          </a:p>
-          <a:p>
-            <a:r>
-              <a:rPr lang="zh-CN" altLang="en-US" sz="1400"/>
-              <a:t>          light="type: point; color: white; intensity: 2"</a:t>
-            </a:r>
-            <a:endParaRPr lang="zh-CN" altLang="en-US" sz="1400"/>
-          </a:p>
-          <a:p>
-            <a:r>
-              <a:rPr lang="zh-CN" altLang="en-US" sz="1400"/>
-              <a:t>          material="color: white; shader: flat; src: glow.jpg"</a:t>
-            </a:r>
-            <a:endParaRPr lang="zh-CN" altLang="en-US" sz="1400"/>
-          </a:p>
-          <a:p>
-            <a:r>
-              <a:rPr lang="zh-CN" altLang="en-US" sz="1400"/>
-              <a:t>          position="0 0 -5"&gt;&lt;/a-entity&gt;</a:t>
-            </a:r>
-            <a:endParaRPr lang="zh-CN" altLang="en-US" sz="1400"/>
-          </a:p>
-        </p:txBody>
-      </p:sp>
-    </p:spTree>
-    <p:custDataLst>
-      <p:tags r:id="rId1"/>
-    </p:custDataLst>
-  </p:cSld>
-  <p:clrMapOvr>
-    <a:masterClrMapping/>
-  </p:clrMapOvr>
-</p:sld>
-</file>
-
-<file path=ppt/slides/slide45.xml><?xml version="1.0" encoding="utf-8"?>
-<p:sld xmlns:a="http://schemas.openxmlformats.org/drawingml/2006/main" xmlns:r="http://schemas.openxmlformats.org/officeDocument/2006/relationships" xmlns:p="http://schemas.openxmlformats.org/presentationml/2006/main">
-  <p:cSld>
-    <p:spTree>
-      <p:nvGrpSpPr>
-        <p:cNvPr id="1" name=""/>
-        <p:cNvGrpSpPr/>
-        <p:nvPr/>
-      </p:nvGrpSpPr>
-      <p:grpSpPr/>
-      <p:sp>
-        <p:nvSpPr>
-          <p:cNvPr id="2" name="标题 1"/>
-          <p:cNvSpPr>
-            <a:spLocks noGrp="1"/>
-          </p:cNvSpPr>
-          <p:nvPr>
-            <p:ph type="title"/>
-          </p:nvPr>
-        </p:nvSpPr>
-        <p:spPr/>
-        <p:txBody>
-          <a:bodyPr/>
-          <a:p>
-            <a:r>
-              <a:rPr lang="en-US" altLang="zh-CN"/>
-              <a:t>Google ModelViewer</a:t>
-            </a:r>
-            <a:endParaRPr lang="en-US" altLang="zh-CN"/>
-          </a:p>
-        </p:txBody>
-      </p:sp>
-      <p:sp>
-        <p:nvSpPr>
-          <p:cNvPr id="3" name="内容占位符 2"/>
-          <p:cNvSpPr>
-            <a:spLocks noGrp="1"/>
-          </p:cNvSpPr>
-          <p:nvPr>
-            <p:ph idx="1"/>
-          </p:nvPr>
-        </p:nvSpPr>
-        <p:spPr/>
-        <p:txBody>
-          <a:bodyPr/>
-          <a:p>
-            <a:r>
-              <a:rPr lang="en-US" altLang="zh-CN"/>
-              <a:t>Concept</a:t>
-            </a:r>
-            <a:endParaRPr lang="en-US" altLang="zh-CN"/>
-          </a:p>
-          <a:p>
-            <a:pPr lvl="1"/>
-            <a:r>
-              <a:rPr lang="en-US" altLang="zh-CN"/>
-              <a:t>Only glTF/GLB models are supported</a:t>
-            </a:r>
-            <a:endParaRPr lang="en-US" altLang="zh-CN"/>
-          </a:p>
-        </p:txBody>
-      </p:sp>
-      <p:sp>
-        <p:nvSpPr>
-          <p:cNvPr id="4" name="文本框 3"/>
-          <p:cNvSpPr txBox="1"/>
-          <p:nvPr/>
-        </p:nvSpPr>
-        <p:spPr>
-          <a:xfrm>
-            <a:off x="6999605" y="1414780"/>
-            <a:ext cx="4845050" cy="2799715"/>
-          </a:xfrm>
-          <a:prstGeom prst="rect">
-            <a:avLst/>
-          </a:prstGeom>
-          <a:noFill/>
-          <a:ln>
-            <a:solidFill>
-              <a:srgbClr val="FFC000"/>
-            </a:solidFill>
-          </a:ln>
-        </p:spPr>
-        <p:txBody>
-          <a:bodyPr wrap="square" rtlCol="0">
-            <a:spAutoFit/>
-          </a:bodyPr>
-          <a:p>
-            <a:r>
-              <a:rPr lang="zh-CN" altLang="en-US" sz="1600"/>
-              <a:t>&lt;script type="module" src="https://unpkg.com/@google/model-viewer/dist/model-viewer.js"&gt;&lt;/script&gt;</a:t>
-            </a:r>
-            <a:endParaRPr lang="zh-CN" altLang="en-US" sz="1600"/>
-          </a:p>
-          <a:p>
-            <a:r>
-              <a:rPr lang="zh-CN" altLang="en-US" sz="1600"/>
-              <a:t>&lt;script nomodule src="https://unpkg.com/@google/model-viewer/dist/model-viewer-legacy.js"&gt;&lt;/script&gt;</a:t>
-            </a:r>
-            <a:endParaRPr lang="zh-CN" altLang="en-US" sz="1600"/>
-          </a:p>
-          <a:p>
-            <a:r>
-              <a:rPr lang="zh-CN" altLang="en-US" sz="1600"/>
-              <a:t>&lt;!-- Use it like any other HTML element --&gt;</a:t>
-            </a:r>
-            <a:endParaRPr lang="zh-CN" altLang="en-US" sz="1600"/>
-          </a:p>
-          <a:p>
-            <a:r>
-              <a:rPr lang="zh-CN" altLang="en-US" sz="1600"/>
-              <a:t>&lt;model-viewer src="examples/assets/Astronaut.glb" alt="A 3D model of an astronaut" auto-rotate camera-controls background-color="#455A64"&gt;&lt;/model-viewer&gt;</a:t>
-            </a:r>
-            <a:endParaRPr lang="zh-CN" altLang="en-US" sz="1600"/>
-          </a:p>
-        </p:txBody>
-      </p:sp>
-    </p:spTree>
-    <p:custDataLst>
-      <p:tags r:id="rId1"/>
-    </p:custDataLst>
-  </p:cSld>
-  <p:clrMapOvr>
-    <a:masterClrMapping/>
-  </p:clrMapOvr>
-</p:sld>
-</file>
-
-<file path=ppt/slides/slide46.xml><?xml version="1.0" encoding="utf-8"?>
-<p:sld xmlns:a="http://schemas.openxmlformats.org/drawingml/2006/main" xmlns:r="http://schemas.openxmlformats.org/officeDocument/2006/relationships" xmlns:p="http://schemas.openxmlformats.org/presentationml/2006/main">
-  <p:cSld>
-    <p:spTree>
-      <p:nvGrpSpPr>
-        <p:cNvPr id="1" name=""/>
-        <p:cNvGrpSpPr/>
-        <p:nvPr/>
-      </p:nvGrpSpPr>
-      <p:grpSpPr/>
-      <p:sp>
-        <p:nvSpPr>
-          <p:cNvPr id="4" name="标题 3"/>
-          <p:cNvSpPr>
-            <a:spLocks noGrp="1"/>
-          </p:cNvSpPr>
-          <p:nvPr>
-            <p:ph type="title"/>
-          </p:nvPr>
-        </p:nvSpPr>
-        <p:spPr/>
-        <p:txBody>
-          <a:bodyPr/>
-          <a:p>
-            <a:r>
-              <a:rPr lang="en-US" altLang="zh-CN"/>
-              <a:t>Misc.</a:t>
-            </a:r>
-            <a:endParaRPr lang="zh-CN" altLang="en-US"/>
-          </a:p>
-        </p:txBody>
-      </p:sp>
-      <p:sp>
-        <p:nvSpPr>
-          <p:cNvPr id="5" name="文本占位符 4"/>
-          <p:cNvSpPr>
-            <a:spLocks noGrp="1"/>
-          </p:cNvSpPr>
-          <p:nvPr>
-            <p:ph type="body" idx="1"/>
-          </p:nvPr>
-        </p:nvSpPr>
-        <p:spPr/>
-        <p:txBody>
-          <a:bodyPr/>
-          <a:p>
-            <a:endParaRPr lang="zh-CN" altLang="en-US"/>
-          </a:p>
-        </p:txBody>
-      </p:sp>
-    </p:spTree>
-    <p:custDataLst>
-      <p:tags r:id="rId1"/>
-    </p:custDataLst>
-  </p:cSld>
-  <p:clrMapOvr>
-    <a:masterClrMapping/>
-  </p:clrMapOvr>
-</p:sld>
-</file>
-
 <file path=ppt/slides/slide47.xml><?xml version="1.0" encoding="utf-8"?>
 <p:sld xmlns:a="http://schemas.openxmlformats.org/drawingml/2006/main" xmlns:r="http://schemas.openxmlformats.org/officeDocument/2006/relationships" xmlns:p="http://schemas.openxmlformats.org/presentationml/2006/main">
   <p:cSld>
@@ -11973,7 +13022,7 @@
       <p:grpSpPr/>
       <p:sp>
         <p:nvSpPr>
-          <p:cNvPr id="4" name="标题 3"/>
+          <p:cNvPr id="2" name="标题 1"/>
           <p:cNvSpPr>
             <a:spLocks noGrp="1"/>
           </p:cNvSpPr>
@@ -11987,15 +13036,15 @@
           <a:p>
             <a:r>
               <a:rPr lang="en-US" altLang="zh-CN"/>
-              <a:t>QRCode</a:t>
-            </a:r>
-            <a:endParaRPr lang="en-US" altLang="zh-CN"/>
-          </a:p>
-        </p:txBody>
-      </p:sp>
-      <p:sp>
-        <p:nvSpPr>
-          <p:cNvPr id="5" name="内容占位符 4"/>
+              <a:t>Three.js 2</a:t>
+            </a:r>
+            <a:endParaRPr lang="en-US" altLang="zh-CN"/>
+          </a:p>
+        </p:txBody>
+      </p:sp>
+      <p:sp>
+        <p:nvSpPr>
+          <p:cNvPr id="3" name="内容占位符 2"/>
           <p:cNvSpPr>
             <a:spLocks noGrp="1"/>
           </p:cNvSpPr>
@@ -12009,41 +13058,46 @@
           <a:p>
             <a:r>
               <a:rPr lang="en-US" altLang="zh-CN"/>
-              <a:t>References</a:t>
-            </a:r>
-            <a:endParaRPr lang="en-US" altLang="zh-CN"/>
-          </a:p>
-          <a:p>
-            <a:pPr lvl="1"/>
-            <a:r>
-              <a:rPr lang="en-US" altLang="zh-CN"/>
-              <a:t>https://code-boxx.com/generate-qr-code-javascript/#:~:text=To%20generate%20QR%20codes%20in%20Javascript%3A%201%20Load,var%20qrc%20%3D%20new%20QRCode%20%28document.getElementById%20%28%22qrcode%22%29%2C%20%22http%3A%2F%2Fsite.com%2F%22%29%3B</a:t>
-            </a:r>
-            <a:endParaRPr lang="en-US" altLang="zh-CN"/>
-          </a:p>
-          <a:p>
-            <a:pPr lvl="0"/>
-            <a:r>
-              <a:rPr lang="en-US" altLang="zh-CN"/>
-              <a:t>qrcodejs</a:t>
-            </a:r>
-            <a:endParaRPr lang="en-US" altLang="zh-CN"/>
-          </a:p>
-          <a:p>
-            <a:pPr lvl="1"/>
-            <a:r>
-              <a:rPr lang="en-US" altLang="zh-CN"/>
-              <a:t>https://cdnjs.com/libraries/qrcodejs</a:t>
-            </a:r>
-            <a:endParaRPr lang="en-US" altLang="zh-CN"/>
-          </a:p>
-          <a:p>
-            <a:pPr lvl="1"/>
-            <a:r>
-              <a:rPr lang="en-US" altLang="zh-CN"/>
-              <a:t>var qrc = new QRCode(document.getElementById("qrcode"), "content");</a:t>
-            </a:r>
-            <a:endParaRPr lang="en-US" altLang="zh-CN"/>
+              <a:t>VR support</a:t>
+            </a:r>
+            <a:endParaRPr lang="en-US" altLang="zh-CN"/>
+          </a:p>
+          <a:p>
+            <a:pPr lvl="1" algn="l">
+              <a:buClrTx/>
+              <a:buSzTx/>
+            </a:pPr>
+            <a:r>
+              <a:rPr lang="zh-CN" altLang="en-US">
+                <a:sym typeface="+mn-ea"/>
+              </a:rPr>
+              <a:t>https://threejs.org/docs/#manual/en/introduction/How-to-create-VR-content</a:t>
+            </a:r>
+            <a:endParaRPr lang="zh-CN" altLang="en-US"/>
+          </a:p>
+          <a:p>
+            <a:pPr lvl="1"/>
+            <a:r>
+              <a:rPr lang="zh-CN" altLang="en-US"/>
+              <a:t>https://immersiveweb.dev/#three.js</a:t>
+            </a:r>
+            <a:endParaRPr lang="zh-CN" altLang="en-US"/>
+          </a:p>
+          <a:p>
+            <a:pPr lvl="1"/>
+            <a:r>
+              <a:rPr lang="zh-CN" altLang="en-US"/>
+              <a:t>https://tutorialsforvr.com/enable-threejs-vr/</a:t>
+            </a:r>
+            <a:endParaRPr lang="zh-CN" altLang="en-US"/>
+          </a:p>
+          <a:p>
+            <a:pPr lvl="1"/>
+            <a:r>
+              <a:rPr lang="zh-CN" altLang="en-US"/>
+              <a:t>https://www.davrous.com/2017/07/07/from-zero-to-hero-creating-webvr-experiences-with-babylon-js-on-all-platforms/</a:t>
+            </a:r>
+            <a:endParaRPr lang="zh-CN" altLang="en-US"/>
           </a:p>
         </p:txBody>
       </p:sp>
@@ -12084,7 +13138,7 @@
           <a:p>
             <a:r>
               <a:rPr lang="en-US" altLang="zh-CN"/>
-              <a:t>Input validation</a:t>
+              <a:t>A-Frame</a:t>
             </a:r>
             <a:endParaRPr lang="en-US" altLang="zh-CN"/>
           </a:p>
@@ -12100,23 +13154,216 @@
             <p:ph idx="1"/>
           </p:nvPr>
         </p:nvSpPr>
-        <p:spPr/>
+        <p:spPr>
+          <a:xfrm>
+            <a:off x="838200" y="1211580"/>
+            <a:ext cx="5999480" cy="4549140"/>
+          </a:xfrm>
+        </p:spPr>
         <p:txBody>
           <a:bodyPr/>
           <a:p>
             <a:r>
               <a:rPr lang="en-US" altLang="zh-CN"/>
-              <a:t>Reference</a:t>
-            </a:r>
-            <a:endParaRPr lang="en-US" altLang="zh-CN"/>
-          </a:p>
-          <a:p>
-            <a:pPr lvl="1"/>
-            <a:r>
-              <a:rPr lang="en-US" altLang="zh-CN"/>
-              <a:t>https://developpaper.com/javascript-text-box-verification-code-based-on-regular-expression/</a:t>
-            </a:r>
-            <a:endParaRPr lang="en-US" altLang="zh-CN"/>
+              <a:t>Concept</a:t>
+            </a:r>
+            <a:endParaRPr lang="en-US" altLang="zh-CN"/>
+          </a:p>
+          <a:p>
+            <a:pPr lvl="1"/>
+            <a:r>
+              <a:rPr lang="en-US" altLang="zh-CN"/>
+              <a:t>Declarative DOM-based Entity-Component-System</a:t>
+            </a:r>
+            <a:endParaRPr lang="en-US" altLang="zh-CN"/>
+          </a:p>
+          <a:p>
+            <a:pPr lvl="1"/>
+            <a:r>
+              <a:rPr lang="en-US" altLang="zh-CN"/>
+              <a:t>Component-based development</a:t>
+            </a:r>
+            <a:endParaRPr lang="en-US" altLang="zh-CN"/>
+          </a:p>
+        </p:txBody>
+      </p:sp>
+      <p:sp>
+        <p:nvSpPr>
+          <p:cNvPr id="4" name="文本框 3"/>
+          <p:cNvSpPr txBox="1"/>
+          <p:nvPr/>
+        </p:nvSpPr>
+        <p:spPr>
+          <a:xfrm>
+            <a:off x="6958330" y="1631950"/>
+            <a:ext cx="4859020" cy="3599815"/>
+          </a:xfrm>
+          <a:prstGeom prst="rect">
+            <a:avLst/>
+          </a:prstGeom>
+          <a:noFill/>
+          <a:ln>
+            <a:solidFill>
+              <a:srgbClr val="FFC000"/>
+            </a:solidFill>
+          </a:ln>
+        </p:spPr>
+        <p:txBody>
+          <a:bodyPr wrap="square" rtlCol="0">
+            <a:spAutoFit/>
+          </a:bodyPr>
+          <a:p>
+            <a:r>
+              <a:rPr lang="zh-CN" altLang="en-US" sz="1200"/>
+              <a:t>&lt;html&gt;</a:t>
+            </a:r>
+            <a:endParaRPr lang="zh-CN" altLang="en-US" sz="1200"/>
+          </a:p>
+          <a:p>
+            <a:r>
+              <a:rPr lang="zh-CN" altLang="en-US" sz="1200"/>
+              <a:t>  &lt;head&gt;</a:t>
+            </a:r>
+            <a:endParaRPr lang="zh-CN" altLang="en-US" sz="1200"/>
+          </a:p>
+          <a:p>
+            <a:r>
+              <a:rPr lang="zh-CN" altLang="en-US" sz="1200"/>
+              <a:t>    &lt;script src="https://aframe.io/releases/1.0.0/aframe.min.js"&gt;&lt;/script&gt;</a:t>
+            </a:r>
+            <a:endParaRPr lang="zh-CN" altLang="en-US" sz="1200"/>
+          </a:p>
+          <a:p>
+            <a:r>
+              <a:rPr lang="zh-CN" altLang="en-US" sz="1200"/>
+              <a:t>  &lt;/head&gt;</a:t>
+            </a:r>
+            <a:endParaRPr lang="zh-CN" altLang="en-US" sz="1200"/>
+          </a:p>
+          <a:p>
+            <a:r>
+              <a:rPr lang="zh-CN" altLang="en-US" sz="1200"/>
+              <a:t>  &lt;body&gt;</a:t>
+            </a:r>
+            <a:endParaRPr lang="zh-CN" altLang="en-US" sz="1200"/>
+          </a:p>
+          <a:p>
+            <a:r>
+              <a:rPr lang="zh-CN" altLang="en-US" sz="1200"/>
+              <a:t>    &lt;a-scene&gt;</a:t>
+            </a:r>
+            <a:endParaRPr lang="zh-CN" altLang="en-US" sz="1200"/>
+          </a:p>
+          <a:p>
+            <a:r>
+              <a:rPr lang="zh-CN" altLang="en-US" sz="1200"/>
+              <a:t>      &lt;a-box position="-1 0.5 -3" rotation="0 45 0" color="#4CC3D9"&gt;&lt;/a-box&gt;</a:t>
+            </a:r>
+            <a:endParaRPr lang="zh-CN" altLang="en-US" sz="1200"/>
+          </a:p>
+          <a:p>
+            <a:r>
+              <a:rPr lang="zh-CN" altLang="en-US" sz="1200"/>
+              <a:t>      &lt;a-sphere position="0 1.25 -5" radius="1.25" color="#EF2D5E"&gt;&lt;/a-sphere&gt;</a:t>
+            </a:r>
+            <a:endParaRPr lang="zh-CN" altLang="en-US" sz="1200"/>
+          </a:p>
+          <a:p>
+            <a:r>
+              <a:rPr lang="zh-CN" altLang="en-US" sz="1200"/>
+              <a:t>      &lt;a-cylinder position="1 0.75 -3" radius="0.5" height="1.5" color="#FFC65D"&gt;&lt;/a-cylinder&gt;</a:t>
+            </a:r>
+            <a:endParaRPr lang="zh-CN" altLang="en-US" sz="1200"/>
+          </a:p>
+          <a:p>
+            <a:r>
+              <a:rPr lang="zh-CN" altLang="en-US" sz="1200"/>
+              <a:t>      &lt;a-plane position="0 0 -4" rotation="-90 0 0" width="4" height="4" color="#7BC8A4"&gt;&lt;/a-plane&gt;</a:t>
+            </a:r>
+            <a:endParaRPr lang="zh-CN" altLang="en-US" sz="1200"/>
+          </a:p>
+          <a:p>
+            <a:r>
+              <a:rPr lang="zh-CN" altLang="en-US" sz="1200"/>
+              <a:t>      &lt;a-sky color="#ECECEC"&gt;&lt;/a-sky&gt;</a:t>
+            </a:r>
+            <a:endParaRPr lang="zh-CN" altLang="en-US" sz="1200"/>
+          </a:p>
+          <a:p>
+            <a:r>
+              <a:rPr lang="zh-CN" altLang="en-US" sz="1200"/>
+              <a:t>    &lt;/a-scene&gt;</a:t>
+            </a:r>
+            <a:endParaRPr lang="zh-CN" altLang="en-US" sz="1200"/>
+          </a:p>
+          <a:p>
+            <a:r>
+              <a:rPr lang="zh-CN" altLang="en-US" sz="1200"/>
+              <a:t>  &lt;/body&gt;</a:t>
+            </a:r>
+            <a:endParaRPr lang="zh-CN" altLang="en-US" sz="1200"/>
+          </a:p>
+          <a:p>
+            <a:r>
+              <a:rPr lang="zh-CN" altLang="en-US" sz="1200"/>
+              <a:t>&lt;/html&gt;</a:t>
+            </a:r>
+            <a:endParaRPr lang="zh-CN" altLang="en-US" sz="1200"/>
+          </a:p>
+        </p:txBody>
+      </p:sp>
+      <p:sp>
+        <p:nvSpPr>
+          <p:cNvPr id="5" name="文本框 4"/>
+          <p:cNvSpPr txBox="1"/>
+          <p:nvPr/>
+        </p:nvSpPr>
+        <p:spPr>
+          <a:xfrm>
+            <a:off x="6958330" y="5374005"/>
+            <a:ext cx="4859020" cy="953135"/>
+          </a:xfrm>
+          <a:prstGeom prst="rect">
+            <a:avLst/>
+          </a:prstGeom>
+          <a:noFill/>
+          <a:ln>
+            <a:solidFill>
+              <a:srgbClr val="FFC000"/>
+            </a:solidFill>
+          </a:ln>
+        </p:spPr>
+        <p:txBody>
+          <a:bodyPr wrap="square" rtlCol="0">
+            <a:spAutoFit/>
+          </a:bodyPr>
+          <a:p>
+            <a:r>
+              <a:rPr lang="zh-CN" altLang="en-US" sz="1400"/>
+              <a:t>&lt;a-entity geometry="primitive: sphere; radius: 1.5"</a:t>
+            </a:r>
+            <a:endParaRPr lang="zh-CN" altLang="en-US" sz="1400"/>
+          </a:p>
+          <a:p>
+            <a:r>
+              <a:rPr lang="zh-CN" altLang="en-US" sz="1400"/>
+              <a:t>          light="type: point; color: white; intensity: 2"</a:t>
+            </a:r>
+            <a:endParaRPr lang="zh-CN" altLang="en-US" sz="1400"/>
+          </a:p>
+          <a:p>
+            <a:r>
+              <a:rPr lang="zh-CN" altLang="en-US" sz="1400"/>
+              <a:t>          material="color: white; shader: flat; src: glow.jpg"</a:t>
+            </a:r>
+            <a:endParaRPr lang="zh-CN" altLang="en-US" sz="1400"/>
+          </a:p>
+          <a:p>
+            <a:r>
+              <a:rPr lang="zh-CN" altLang="en-US" sz="1400"/>
+              <a:t>          position="0 0 -5"&gt;&lt;/a-entity&gt;</a:t>
+            </a:r>
+            <a:endParaRPr lang="zh-CN" altLang="en-US" sz="1400"/>
           </a:p>
         </p:txBody>
       </p:sp>
@@ -12143,7 +13390,7 @@
       <p:grpSpPr/>
       <p:sp>
         <p:nvSpPr>
-          <p:cNvPr id="4" name="标题 3"/>
+          <p:cNvPr id="2" name="标题 1"/>
           <p:cNvSpPr>
             <a:spLocks noGrp="1"/>
           </p:cNvSpPr>
@@ -12153,33 +13400,98 @@
         </p:nvSpPr>
         <p:spPr/>
         <p:txBody>
-          <a:bodyPr>
-            <a:normAutofit fontScale="90000"/>
+          <a:bodyPr/>
+          <a:p>
+            <a:r>
+              <a:rPr lang="en-US" altLang="zh-CN"/>
+              <a:t>Google ModelViewer</a:t>
+            </a:r>
+            <a:endParaRPr lang="en-US" altLang="zh-CN"/>
+          </a:p>
+        </p:txBody>
+      </p:sp>
+      <p:sp>
+        <p:nvSpPr>
+          <p:cNvPr id="3" name="内容占位符 2"/>
+          <p:cNvSpPr>
+            <a:spLocks noGrp="1"/>
+          </p:cNvSpPr>
+          <p:nvPr>
+            <p:ph idx="1"/>
+          </p:nvPr>
+        </p:nvSpPr>
+        <p:spPr/>
+        <p:txBody>
+          <a:bodyPr/>
+          <a:p>
+            <a:r>
+              <a:rPr lang="en-US" altLang="zh-CN"/>
+              <a:t>Concept</a:t>
+            </a:r>
+            <a:endParaRPr lang="en-US" altLang="zh-CN"/>
+          </a:p>
+          <a:p>
+            <a:pPr lvl="1"/>
+            <a:r>
+              <a:rPr lang="en-US" altLang="zh-CN"/>
+              <a:t>Only glTF/GLB models are supported</a:t>
+            </a:r>
+            <a:endParaRPr lang="en-US" altLang="zh-CN"/>
+          </a:p>
+        </p:txBody>
+      </p:sp>
+      <p:sp>
+        <p:nvSpPr>
+          <p:cNvPr id="4" name="文本框 3"/>
+          <p:cNvSpPr txBox="1"/>
+          <p:nvPr/>
+        </p:nvSpPr>
+        <p:spPr>
+          <a:xfrm>
+            <a:off x="6999605" y="1414780"/>
+            <a:ext cx="4845050" cy="2799715"/>
+          </a:xfrm>
+          <a:prstGeom prst="rect">
+            <a:avLst/>
+          </a:prstGeom>
+          <a:noFill/>
+          <a:ln>
+            <a:solidFill>
+              <a:srgbClr val="FFC000"/>
+            </a:solidFill>
+          </a:ln>
+        </p:spPr>
+        <p:txBody>
+          <a:bodyPr wrap="square" rtlCol="0">
+            <a:spAutoFit/>
           </a:bodyPr>
           <a:p>
             <a:r>
-              <a:rPr lang="en-US" altLang="zh-CN"/>
-              <a:t>Interaction with Other Language</a:t>
-            </a:r>
-            <a:endParaRPr lang="en-US" altLang="zh-CN"/>
-          </a:p>
-        </p:txBody>
-      </p:sp>
-      <p:sp>
-        <p:nvSpPr>
-          <p:cNvPr id="5" name="文本占位符 4"/>
-          <p:cNvSpPr>
-            <a:spLocks noGrp="1"/>
-          </p:cNvSpPr>
-          <p:nvPr>
-            <p:ph type="body" idx="1"/>
-          </p:nvPr>
-        </p:nvSpPr>
-        <p:spPr/>
-        <p:txBody>
-          <a:bodyPr/>
-          <a:p>
-            <a:endParaRPr lang="zh-CN" altLang="en-US"/>
+              <a:rPr lang="zh-CN" altLang="en-US" sz="1600"/>
+              <a:t>&lt;script type="module" src="https://unpkg.com/@google/model-viewer/dist/model-viewer.js"&gt;&lt;/script&gt;</a:t>
+            </a:r>
+            <a:endParaRPr lang="zh-CN" altLang="en-US" sz="1600"/>
+          </a:p>
+          <a:p>
+            <a:r>
+              <a:rPr lang="zh-CN" altLang="en-US" sz="1600"/>
+              <a:t>&lt;script nomodule src="https://unpkg.com/@google/model-viewer/dist/model-viewer-legacy.js"&gt;&lt;/script&gt;</a:t>
+            </a:r>
+            <a:endParaRPr lang="zh-CN" altLang="en-US" sz="1600"/>
+          </a:p>
+          <a:p>
+            <a:r>
+              <a:rPr lang="zh-CN" altLang="en-US" sz="1600"/>
+              <a:t>&lt;!-- Use it like any other HTML element --&gt;</a:t>
+            </a:r>
+            <a:endParaRPr lang="zh-CN" altLang="en-US" sz="1600"/>
+          </a:p>
+          <a:p>
+            <a:r>
+              <a:rPr lang="zh-CN" altLang="en-US" sz="1600"/>
+              <a:t>&lt;model-viewer src="examples/assets/Astronaut.glb" alt="A 3D model of an astronaut" auto-rotate camera-controls background-color="#455A64"&gt;&lt;/model-viewer&gt;</a:t>
+            </a:r>
+            <a:endParaRPr lang="zh-CN" altLang="en-US" sz="1600"/>
           </a:p>
         </p:txBody>
       </p:sp>
@@ -12313,6 +13625,490 @@
 </file>
 
 <file path=ppt/slides/slide50.xml><?xml version="1.0" encoding="utf-8"?>
+<p:sld xmlns:a="http://schemas.openxmlformats.org/drawingml/2006/main" xmlns:r="http://schemas.openxmlformats.org/officeDocument/2006/relationships" xmlns:p="http://schemas.openxmlformats.org/presentationml/2006/main">
+  <p:cSld>
+    <p:spTree>
+      <p:nvGrpSpPr>
+        <p:cNvPr id="1" name=""/>
+        <p:cNvGrpSpPr/>
+        <p:nvPr/>
+      </p:nvGrpSpPr>
+      <p:grpSpPr/>
+      <p:sp>
+        <p:nvSpPr>
+          <p:cNvPr id="4" name="标题 3"/>
+          <p:cNvSpPr>
+            <a:spLocks noGrp="1"/>
+          </p:cNvSpPr>
+          <p:nvPr>
+            <p:ph type="title"/>
+          </p:nvPr>
+        </p:nvSpPr>
+        <p:spPr/>
+        <p:txBody>
+          <a:bodyPr/>
+          <a:p>
+            <a:r>
+              <a:rPr lang="en-US" altLang="zh-CN"/>
+              <a:t>Data Visualization</a:t>
+            </a:r>
+            <a:endParaRPr lang="en-US" altLang="zh-CN"/>
+          </a:p>
+        </p:txBody>
+      </p:sp>
+      <p:sp>
+        <p:nvSpPr>
+          <p:cNvPr id="5" name="文本占位符 4"/>
+          <p:cNvSpPr>
+            <a:spLocks noGrp="1"/>
+          </p:cNvSpPr>
+          <p:nvPr>
+            <p:ph type="body" idx="1"/>
+          </p:nvPr>
+        </p:nvSpPr>
+        <p:spPr/>
+        <p:txBody>
+          <a:bodyPr/>
+          <a:p>
+            <a:endParaRPr lang="zh-CN" altLang="en-US"/>
+          </a:p>
+        </p:txBody>
+      </p:sp>
+    </p:spTree>
+    <p:custDataLst>
+      <p:tags r:id="rId1"/>
+    </p:custDataLst>
+  </p:cSld>
+  <p:clrMapOvr>
+    <a:masterClrMapping/>
+  </p:clrMapOvr>
+</p:sld>
+</file>
+
+<file path=ppt/slides/slide51.xml><?xml version="1.0" encoding="utf-8"?>
+<p:sld xmlns:a="http://schemas.openxmlformats.org/drawingml/2006/main" xmlns:r="http://schemas.openxmlformats.org/officeDocument/2006/relationships" xmlns:p="http://schemas.openxmlformats.org/presentationml/2006/main">
+  <p:cSld>
+    <p:spTree>
+      <p:nvGrpSpPr>
+        <p:cNvPr id="1" name=""/>
+        <p:cNvGrpSpPr/>
+        <p:nvPr/>
+      </p:nvGrpSpPr>
+      <p:grpSpPr/>
+      <p:sp>
+        <p:nvSpPr>
+          <p:cNvPr id="4" name="标题 3"/>
+          <p:cNvSpPr>
+            <a:spLocks noGrp="1"/>
+          </p:cNvSpPr>
+          <p:nvPr>
+            <p:ph type="title"/>
+          </p:nvPr>
+        </p:nvSpPr>
+        <p:spPr/>
+        <p:txBody>
+          <a:bodyPr/>
+          <a:p>
+            <a:r>
+              <a:rPr lang="en-US" altLang="zh-CN"/>
+              <a:t>QRCode</a:t>
+            </a:r>
+            <a:endParaRPr lang="en-US" altLang="zh-CN"/>
+          </a:p>
+        </p:txBody>
+      </p:sp>
+      <p:sp>
+        <p:nvSpPr>
+          <p:cNvPr id="5" name="内容占位符 4"/>
+          <p:cNvSpPr>
+            <a:spLocks noGrp="1"/>
+          </p:cNvSpPr>
+          <p:nvPr>
+            <p:ph idx="1"/>
+          </p:nvPr>
+        </p:nvSpPr>
+        <p:spPr/>
+        <p:txBody>
+          <a:bodyPr/>
+          <a:p>
+            <a:r>
+              <a:rPr lang="en-US" altLang="zh-CN"/>
+              <a:t>References</a:t>
+            </a:r>
+            <a:endParaRPr lang="en-US" altLang="zh-CN"/>
+          </a:p>
+          <a:p>
+            <a:pPr lvl="1"/>
+            <a:r>
+              <a:rPr lang="en-US" altLang="zh-CN"/>
+              <a:t>https://towardsdatascience.com/the-importance-of-interactive-data-visualization-5e125cb04ce3</a:t>
+            </a:r>
+            <a:endParaRPr lang="en-US" altLang="zh-CN"/>
+          </a:p>
+          <a:p>
+            <a:pPr lvl="0"/>
+            <a:r>
+              <a:rPr lang="en-US" altLang="zh-CN"/>
+              <a:t>Libraries</a:t>
+            </a:r>
+            <a:endParaRPr lang="en-US" altLang="zh-CN"/>
+          </a:p>
+          <a:p>
+            <a:pPr lvl="1"/>
+            <a:r>
+              <a:rPr lang="en-US" altLang="zh-CN"/>
+              <a:t>Low-level</a:t>
+            </a:r>
+            <a:endParaRPr lang="en-US" altLang="zh-CN"/>
+          </a:p>
+          <a:p>
+            <a:pPr lvl="2"/>
+            <a:r>
+              <a:rPr lang="en-US" altLang="zh-CN"/>
+              <a:t>D3</a:t>
+            </a:r>
+            <a:endParaRPr lang="en-US" altLang="zh-CN"/>
+          </a:p>
+          <a:p>
+            <a:pPr lvl="1"/>
+            <a:r>
+              <a:rPr lang="en-US" altLang="zh-CN"/>
+              <a:t>High-level</a:t>
+            </a:r>
+            <a:endParaRPr lang="en-US" altLang="zh-CN"/>
+          </a:p>
+          <a:p>
+            <a:pPr lvl="2"/>
+            <a:r>
+              <a:rPr lang="en-US" altLang="zh-CN"/>
+              <a:t>Vega, Vega-Lite</a:t>
+            </a:r>
+            <a:endParaRPr lang="en-US" altLang="zh-CN"/>
+          </a:p>
+          <a:p>
+            <a:pPr lvl="1"/>
+            <a:r>
+              <a:rPr lang="en-US" altLang="zh-CN"/>
+              <a:t>Top-level</a:t>
+            </a:r>
+            <a:endParaRPr lang="en-US" altLang="zh-CN"/>
+          </a:p>
+          <a:p>
+            <a:pPr lvl="2"/>
+            <a:r>
+              <a:rPr lang="en-US" altLang="zh-CN"/>
+              <a:t>Voyager</a:t>
+            </a:r>
+            <a:endParaRPr lang="en-US" altLang="zh-CN"/>
+          </a:p>
+        </p:txBody>
+      </p:sp>
+    </p:spTree>
+    <p:custDataLst>
+      <p:tags r:id="rId1"/>
+    </p:custDataLst>
+  </p:cSld>
+  <p:clrMapOvr>
+    <a:masterClrMapping/>
+  </p:clrMapOvr>
+</p:sld>
+</file>
+
+<file path=ppt/slides/slide52.xml><?xml version="1.0" encoding="utf-8"?>
+<p:sld xmlns:a="http://schemas.openxmlformats.org/drawingml/2006/main" xmlns:r="http://schemas.openxmlformats.org/officeDocument/2006/relationships" xmlns:p="http://schemas.openxmlformats.org/presentationml/2006/main">
+  <p:cSld>
+    <p:spTree>
+      <p:nvGrpSpPr>
+        <p:cNvPr id="1" name=""/>
+        <p:cNvGrpSpPr/>
+        <p:nvPr/>
+      </p:nvGrpSpPr>
+      <p:grpSpPr/>
+      <p:sp>
+        <p:nvSpPr>
+          <p:cNvPr id="4" name="标题 3"/>
+          <p:cNvSpPr>
+            <a:spLocks noGrp="1"/>
+          </p:cNvSpPr>
+          <p:nvPr>
+            <p:ph type="title"/>
+          </p:nvPr>
+        </p:nvSpPr>
+        <p:spPr/>
+        <p:txBody>
+          <a:bodyPr/>
+          <a:p>
+            <a:r>
+              <a:rPr lang="en-US" altLang="zh-CN"/>
+              <a:t>Misc.</a:t>
+            </a:r>
+            <a:endParaRPr lang="zh-CN" altLang="en-US"/>
+          </a:p>
+        </p:txBody>
+      </p:sp>
+      <p:sp>
+        <p:nvSpPr>
+          <p:cNvPr id="5" name="文本占位符 4"/>
+          <p:cNvSpPr>
+            <a:spLocks noGrp="1"/>
+          </p:cNvSpPr>
+          <p:nvPr>
+            <p:ph type="body" idx="1"/>
+          </p:nvPr>
+        </p:nvSpPr>
+        <p:spPr/>
+        <p:txBody>
+          <a:bodyPr/>
+          <a:p>
+            <a:endParaRPr lang="zh-CN" altLang="en-US"/>
+          </a:p>
+        </p:txBody>
+      </p:sp>
+    </p:spTree>
+    <p:custDataLst>
+      <p:tags r:id="rId1"/>
+    </p:custDataLst>
+  </p:cSld>
+  <p:clrMapOvr>
+    <a:masterClrMapping/>
+  </p:clrMapOvr>
+</p:sld>
+</file>
+
+<file path=ppt/slides/slide53.xml><?xml version="1.0" encoding="utf-8"?>
+<p:sld xmlns:a="http://schemas.openxmlformats.org/drawingml/2006/main" xmlns:r="http://schemas.openxmlformats.org/officeDocument/2006/relationships" xmlns:p="http://schemas.openxmlformats.org/presentationml/2006/main">
+  <p:cSld>
+    <p:spTree>
+      <p:nvGrpSpPr>
+        <p:cNvPr id="1" name=""/>
+        <p:cNvGrpSpPr/>
+        <p:nvPr/>
+      </p:nvGrpSpPr>
+      <p:grpSpPr/>
+      <p:sp>
+        <p:nvSpPr>
+          <p:cNvPr id="4" name="标题 3"/>
+          <p:cNvSpPr>
+            <a:spLocks noGrp="1"/>
+          </p:cNvSpPr>
+          <p:nvPr>
+            <p:ph type="title"/>
+          </p:nvPr>
+        </p:nvSpPr>
+        <p:spPr/>
+        <p:txBody>
+          <a:bodyPr/>
+          <a:p>
+            <a:r>
+              <a:rPr lang="en-US" altLang="zh-CN"/>
+              <a:t>QRCode</a:t>
+            </a:r>
+            <a:endParaRPr lang="en-US" altLang="zh-CN"/>
+          </a:p>
+        </p:txBody>
+      </p:sp>
+      <p:sp>
+        <p:nvSpPr>
+          <p:cNvPr id="5" name="内容占位符 4"/>
+          <p:cNvSpPr>
+            <a:spLocks noGrp="1"/>
+          </p:cNvSpPr>
+          <p:nvPr>
+            <p:ph idx="1"/>
+          </p:nvPr>
+        </p:nvSpPr>
+        <p:spPr/>
+        <p:txBody>
+          <a:bodyPr/>
+          <a:p>
+            <a:r>
+              <a:rPr lang="en-US" altLang="zh-CN"/>
+              <a:t>References</a:t>
+            </a:r>
+            <a:endParaRPr lang="en-US" altLang="zh-CN"/>
+          </a:p>
+          <a:p>
+            <a:pPr lvl="1"/>
+            <a:r>
+              <a:rPr lang="en-US" altLang="zh-CN"/>
+              <a:t>https://code-boxx.com/generate-qr-code-javascript/#:~:text=To%20generate%20QR%20codes%20in%20Javascript%3A%201%20Load,var%20qrc%20%3D%20new%20QRCode%20%28document.getElementById%20%28%22qrcode%22%29%2C%20%22http%3A%2F%2Fsite.com%2F%22%29%3B</a:t>
+            </a:r>
+            <a:endParaRPr lang="en-US" altLang="zh-CN"/>
+          </a:p>
+          <a:p>
+            <a:pPr lvl="0"/>
+            <a:r>
+              <a:rPr lang="en-US" altLang="zh-CN"/>
+              <a:t>qrcodejs</a:t>
+            </a:r>
+            <a:endParaRPr lang="en-US" altLang="zh-CN"/>
+          </a:p>
+          <a:p>
+            <a:pPr lvl="1"/>
+            <a:r>
+              <a:rPr lang="en-US" altLang="zh-CN"/>
+              <a:t>https://cdnjs.com/libraries/qrcodejs</a:t>
+            </a:r>
+            <a:endParaRPr lang="en-US" altLang="zh-CN"/>
+          </a:p>
+          <a:p>
+            <a:pPr lvl="1"/>
+            <a:r>
+              <a:rPr lang="en-US" altLang="zh-CN"/>
+              <a:t>var qrc = new QRCode(document.getElementById("qrcode"), "content");</a:t>
+            </a:r>
+            <a:endParaRPr lang="en-US" altLang="zh-CN"/>
+          </a:p>
+        </p:txBody>
+      </p:sp>
+    </p:spTree>
+    <p:custDataLst>
+      <p:tags r:id="rId1"/>
+    </p:custDataLst>
+  </p:cSld>
+  <p:clrMapOvr>
+    <a:masterClrMapping/>
+  </p:clrMapOvr>
+</p:sld>
+</file>
+
+<file path=ppt/slides/slide54.xml><?xml version="1.0" encoding="utf-8"?>
+<p:sld xmlns:a="http://schemas.openxmlformats.org/drawingml/2006/main" xmlns:r="http://schemas.openxmlformats.org/officeDocument/2006/relationships" xmlns:p="http://schemas.openxmlformats.org/presentationml/2006/main">
+  <p:cSld>
+    <p:spTree>
+      <p:nvGrpSpPr>
+        <p:cNvPr id="1" name=""/>
+        <p:cNvGrpSpPr/>
+        <p:nvPr/>
+      </p:nvGrpSpPr>
+      <p:grpSpPr/>
+      <p:sp>
+        <p:nvSpPr>
+          <p:cNvPr id="2" name="标题 1"/>
+          <p:cNvSpPr>
+            <a:spLocks noGrp="1"/>
+          </p:cNvSpPr>
+          <p:nvPr>
+            <p:ph type="title"/>
+          </p:nvPr>
+        </p:nvSpPr>
+        <p:spPr/>
+        <p:txBody>
+          <a:bodyPr/>
+          <a:p>
+            <a:r>
+              <a:rPr lang="en-US" altLang="zh-CN"/>
+              <a:t>Input validation</a:t>
+            </a:r>
+            <a:endParaRPr lang="en-US" altLang="zh-CN"/>
+          </a:p>
+        </p:txBody>
+      </p:sp>
+      <p:sp>
+        <p:nvSpPr>
+          <p:cNvPr id="3" name="内容占位符 2"/>
+          <p:cNvSpPr>
+            <a:spLocks noGrp="1"/>
+          </p:cNvSpPr>
+          <p:nvPr>
+            <p:ph idx="1"/>
+          </p:nvPr>
+        </p:nvSpPr>
+        <p:spPr/>
+        <p:txBody>
+          <a:bodyPr/>
+          <a:p>
+            <a:r>
+              <a:rPr lang="en-US" altLang="zh-CN"/>
+              <a:t>Reference</a:t>
+            </a:r>
+            <a:endParaRPr lang="en-US" altLang="zh-CN"/>
+          </a:p>
+          <a:p>
+            <a:pPr lvl="1"/>
+            <a:r>
+              <a:rPr lang="en-US" altLang="zh-CN"/>
+              <a:t>https://developpaper.com/javascript-text-box-verification-code-based-on-regular-expression/</a:t>
+            </a:r>
+            <a:endParaRPr lang="en-US" altLang="zh-CN"/>
+          </a:p>
+        </p:txBody>
+      </p:sp>
+    </p:spTree>
+    <p:custDataLst>
+      <p:tags r:id="rId1"/>
+    </p:custDataLst>
+  </p:cSld>
+  <p:clrMapOvr>
+    <a:masterClrMapping/>
+  </p:clrMapOvr>
+</p:sld>
+</file>
+
+<file path=ppt/slides/slide55.xml><?xml version="1.0" encoding="utf-8"?>
+<p:sld xmlns:a="http://schemas.openxmlformats.org/drawingml/2006/main" xmlns:r="http://schemas.openxmlformats.org/officeDocument/2006/relationships" xmlns:p="http://schemas.openxmlformats.org/presentationml/2006/main">
+  <p:cSld>
+    <p:spTree>
+      <p:nvGrpSpPr>
+        <p:cNvPr id="1" name=""/>
+        <p:cNvGrpSpPr/>
+        <p:nvPr/>
+      </p:nvGrpSpPr>
+      <p:grpSpPr/>
+      <p:sp>
+        <p:nvSpPr>
+          <p:cNvPr id="4" name="标题 3"/>
+          <p:cNvSpPr>
+            <a:spLocks noGrp="1"/>
+          </p:cNvSpPr>
+          <p:nvPr>
+            <p:ph type="title"/>
+          </p:nvPr>
+        </p:nvSpPr>
+        <p:spPr/>
+        <p:txBody>
+          <a:bodyPr>
+            <a:normAutofit fontScale="90000"/>
+          </a:bodyPr>
+          <a:p>
+            <a:r>
+              <a:rPr lang="en-US" altLang="zh-CN"/>
+              <a:t>Interaction with Other Language</a:t>
+            </a:r>
+            <a:endParaRPr lang="en-US" altLang="zh-CN"/>
+          </a:p>
+        </p:txBody>
+      </p:sp>
+      <p:sp>
+        <p:nvSpPr>
+          <p:cNvPr id="5" name="文本占位符 4"/>
+          <p:cNvSpPr>
+            <a:spLocks noGrp="1"/>
+          </p:cNvSpPr>
+          <p:nvPr>
+            <p:ph type="body" idx="1"/>
+          </p:nvPr>
+        </p:nvSpPr>
+        <p:spPr/>
+        <p:txBody>
+          <a:bodyPr/>
+          <a:p>
+            <a:endParaRPr lang="zh-CN" altLang="en-US"/>
+          </a:p>
+        </p:txBody>
+      </p:sp>
+    </p:spTree>
+    <p:custDataLst>
+      <p:tags r:id="rId1"/>
+    </p:custDataLst>
+  </p:cSld>
+  <p:clrMapOvr>
+    <a:masterClrMapping/>
+  </p:clrMapOvr>
+</p:sld>
+</file>
+
+<file path=ppt/slides/slide56.xml><?xml version="1.0" encoding="utf-8"?>
 <p:sld xmlns:a="http://schemas.openxmlformats.org/drawingml/2006/main" xmlns:r="http://schemas.openxmlformats.org/officeDocument/2006/relationships" xmlns:p="http://schemas.openxmlformats.org/presentationml/2006/main">
   <p:cSld>
     <p:spTree>
@@ -13718,8 +15514,9 @@
 
 <file path=ppt/tags/tag37.xml><?xml version="1.0" encoding="utf-8"?>
 <p:tagLst xmlns:p="http://schemas.openxmlformats.org/presentationml/2006/main">
-  <p:tag name="REFSHAPE" val="1066456668"/>
-  <p:tag name="KSO_WM_UNIT_PLACING_PICTURE_USER_VIEWPORT" val="{&quot;height&quot;:15840,&quot;width&quot;:11264}"/>
+  <p:tag name="KSO_WM_BEAUTIFY_FLAG" val="#wm#"/>
+  <p:tag name="KSO_WM_TEMPLATE_CATEGORY" val="custom"/>
+  <p:tag name="KSO_WM_TEMPLATE_INDEX" val="160402"/>
 </p:tagLst>
 </file>
 
@@ -13761,9 +15558,8 @@
 
 <file path=ppt/tags/tag40.xml><?xml version="1.0" encoding="utf-8"?>
 <p:tagLst xmlns:p="http://schemas.openxmlformats.org/presentationml/2006/main">
-  <p:tag name="KSO_WM_BEAUTIFY_FLAG" val="#wm#"/>
-  <p:tag name="KSO_WM_TEMPLATE_CATEGORY" val="custom"/>
-  <p:tag name="KSO_WM_TEMPLATE_INDEX" val="160402"/>
+  <p:tag name="REFSHAPE" val="1066456668"/>
+  <p:tag name="KSO_WM_UNIT_PLACING_PICTURE_USER_VIEWPORT" val="{&quot;height&quot;:15840,&quot;width&quot;:11264}"/>
 </p:tagLst>
 </file>
 
@@ -13931,6 +15727,14 @@
 </p:tagLst>
 </file>
 
+<file path=ppt/tags/tag59.xml><?xml version="1.0" encoding="utf-8"?>
+<p:tagLst xmlns:p="http://schemas.openxmlformats.org/presentationml/2006/main">
+  <p:tag name="KSO_WM_BEAUTIFY_FLAG" val="#wm#"/>
+  <p:tag name="KSO_WM_TEMPLATE_CATEGORY" val="custom"/>
+  <p:tag name="KSO_WM_TEMPLATE_INDEX" val="160402"/>
+</p:tagLst>
+</file>
+
 <file path=ppt/tags/tag6.xml><?xml version="1.0" encoding="utf-8"?>
 <p:tagLst xmlns:p="http://schemas.openxmlformats.org/presentationml/2006/main">
   <p:tag name="KSO_WM_TEMPLATE_THUMBS_INDEX" val="1、9、12、16、19、20、24、27、28"/>
@@ -13947,6 +15751,52 @@
   <p:tag name="KSO_WM_SLIDE_LAYOUT" val="a_b"/>
   <p:tag name="KSO_WM_SLIDE_LAYOUT_CNT" val="1_1"/>
   <p:tag name="KSO_WM_SLIDE_MODEL_TYPE" val="cover"/>
+</p:tagLst>
+</file>
+
+<file path=ppt/tags/tag60.xml><?xml version="1.0" encoding="utf-8"?>
+<p:tagLst xmlns:p="http://schemas.openxmlformats.org/presentationml/2006/main">
+  <p:tag name="KSO_WM_BEAUTIFY_FLAG" val="#wm#"/>
+  <p:tag name="KSO_WM_TEMPLATE_CATEGORY" val="custom"/>
+  <p:tag name="KSO_WM_TEMPLATE_INDEX" val="160402"/>
+</p:tagLst>
+</file>
+
+<file path=ppt/tags/tag61.xml><?xml version="1.0" encoding="utf-8"?>
+<p:tagLst xmlns:p="http://schemas.openxmlformats.org/presentationml/2006/main">
+  <p:tag name="KSO_WM_BEAUTIFY_FLAG" val="#wm#"/>
+  <p:tag name="KSO_WM_TEMPLATE_CATEGORY" val="custom"/>
+  <p:tag name="KSO_WM_TEMPLATE_INDEX" val="160402"/>
+</p:tagLst>
+</file>
+
+<file path=ppt/tags/tag62.xml><?xml version="1.0" encoding="utf-8"?>
+<p:tagLst xmlns:p="http://schemas.openxmlformats.org/presentationml/2006/main">
+  <p:tag name="KSO_WM_BEAUTIFY_FLAG" val="#wm#"/>
+  <p:tag name="KSO_WM_TEMPLATE_CATEGORY" val="custom"/>
+  <p:tag name="KSO_WM_TEMPLATE_INDEX" val="160402"/>
+</p:tagLst>
+</file>
+
+<file path=ppt/tags/tag63.xml><?xml version="1.0" encoding="utf-8"?>
+<p:tagLst xmlns:p="http://schemas.openxmlformats.org/presentationml/2006/main">
+  <p:tag name="KSO_WM_BEAUTIFY_FLAG" val="#wm#"/>
+  <p:tag name="KSO_WM_TEMPLATE_CATEGORY" val="custom"/>
+  <p:tag name="KSO_WM_TEMPLATE_INDEX" val="160402"/>
+</p:tagLst>
+</file>
+
+<file path=ppt/tags/tag64.xml><?xml version="1.0" encoding="utf-8"?>
+<p:tagLst xmlns:p="http://schemas.openxmlformats.org/presentationml/2006/main">
+  <p:tag name="KSO_WM_BEAUTIFY_FLAG" val="#wm#"/>
+  <p:tag name="KSO_WM_TEMPLATE_CATEGORY" val="custom"/>
+  <p:tag name="KSO_WM_TEMPLATE_INDEX" val="160402"/>
+</p:tagLst>
+</file>
+
+<file path=ppt/tags/tag65.xml><?xml version="1.0" encoding="utf-8"?>
+<p:tagLst xmlns:p="http://schemas.openxmlformats.org/presentationml/2006/main">
+  <p:tag name="COMMONDATA" val="eyJoZGlkIjoiODcwZjc5M2RmYzUwOWE5MjVkODVjZGMyZDUwOTRjYmEifQ=="/>
 </p:tagLst>
 </file>
 

--- a/Web/JavaScript-Notes.pptx
+++ b/Web/JavaScript-Notes.pptx
@@ -8,7 +8,7 @@
     <p:notesMasterId r:id="rId4"/>
   </p:notesMasterIdLst>
   <p:handoutMasterIdLst>
-    <p:handoutMasterId r:id="rId60"/>
+    <p:handoutMasterId r:id="rId61"/>
   </p:handoutMasterIdLst>
   <p:sldIdLst>
     <p:sldId id="256" r:id="rId3"/>
@@ -39,39 +39,40 @@
     <p:sldId id="676" r:id="rId29"/>
     <p:sldId id="677" r:id="rId30"/>
     <p:sldId id="706" r:id="rId31"/>
-    <p:sldId id="297" r:id="rId32"/>
-    <p:sldId id="299" r:id="rId33"/>
-    <p:sldId id="380" r:id="rId34"/>
-    <p:sldId id="343" r:id="rId35"/>
-    <p:sldId id="298" r:id="rId36"/>
-    <p:sldId id="320" r:id="rId37"/>
-    <p:sldId id="326" r:id="rId38"/>
-    <p:sldId id="391" r:id="rId39"/>
-    <p:sldId id="587" r:id="rId40"/>
-    <p:sldId id="390" r:id="rId41"/>
-    <p:sldId id="429" r:id="rId42"/>
-    <p:sldId id="470" r:id="rId43"/>
-    <p:sldId id="580" r:id="rId44"/>
-    <p:sldId id="641" r:id="rId45"/>
-    <p:sldId id="662" r:id="rId46"/>
-    <p:sldId id="290" r:id="rId47"/>
-    <p:sldId id="291" r:id="rId48"/>
-    <p:sldId id="289" r:id="rId49"/>
-    <p:sldId id="426" r:id="rId50"/>
-    <p:sldId id="292" r:id="rId51"/>
-    <p:sldId id="293" r:id="rId52"/>
-    <p:sldId id="655" r:id="rId53"/>
-    <p:sldId id="656" r:id="rId54"/>
-    <p:sldId id="637" r:id="rId55"/>
-    <p:sldId id="638" r:id="rId56"/>
-    <p:sldId id="652" r:id="rId57"/>
-    <p:sldId id="598" r:id="rId58"/>
-    <p:sldId id="599" r:id="rId59"/>
+    <p:sldId id="735" r:id="rId32"/>
+    <p:sldId id="297" r:id="rId33"/>
+    <p:sldId id="299" r:id="rId34"/>
+    <p:sldId id="380" r:id="rId35"/>
+    <p:sldId id="343" r:id="rId36"/>
+    <p:sldId id="298" r:id="rId37"/>
+    <p:sldId id="320" r:id="rId38"/>
+    <p:sldId id="326" r:id="rId39"/>
+    <p:sldId id="391" r:id="rId40"/>
+    <p:sldId id="587" r:id="rId41"/>
+    <p:sldId id="390" r:id="rId42"/>
+    <p:sldId id="429" r:id="rId43"/>
+    <p:sldId id="470" r:id="rId44"/>
+    <p:sldId id="580" r:id="rId45"/>
+    <p:sldId id="641" r:id="rId46"/>
+    <p:sldId id="662" r:id="rId47"/>
+    <p:sldId id="290" r:id="rId48"/>
+    <p:sldId id="291" r:id="rId49"/>
+    <p:sldId id="289" r:id="rId50"/>
+    <p:sldId id="426" r:id="rId51"/>
+    <p:sldId id="292" r:id="rId52"/>
+    <p:sldId id="293" r:id="rId53"/>
+    <p:sldId id="655" r:id="rId54"/>
+    <p:sldId id="656" r:id="rId55"/>
+    <p:sldId id="637" r:id="rId56"/>
+    <p:sldId id="638" r:id="rId57"/>
+    <p:sldId id="652" r:id="rId58"/>
+    <p:sldId id="598" r:id="rId59"/>
+    <p:sldId id="599" r:id="rId60"/>
   </p:sldIdLst>
   <p:sldSz cx="12192000" cy="6858000"/>
   <p:notesSz cx="6858000" cy="9144000"/>
   <p:custDataLst>
-    <p:tags r:id="rId64"/>
+    <p:tags r:id="rId65"/>
   </p:custDataLst>
   <p:defaultTextStyle>
     <a:defPPr>
@@ -168,6 +169,22 @@
       </a:defRPr>
     </a:lvl9pPr>
   </p:defaultTextStyle>
+  <p:extLst>
+    <p:ext uri="{EFAFB233-063F-42B5-8137-9DF3F51BA10A}">
+      <p15:sldGuideLst xmlns:p15="http://schemas.microsoft.com/office/powerpoint/2012/main">
+        <p15:guide id="1" orient="horz" pos="2196" userDrawn="1">
+          <p15:clr>
+            <a:srgbClr val="A4A3A4"/>
+          </p15:clr>
+        </p15:guide>
+        <p15:guide id="2" pos="3840" userDrawn="1">
+          <p15:clr>
+            <a:srgbClr val="A4A3A4"/>
+          </p15:clr>
+        </p15:guide>
+      </p15:sldGuideLst>
+    </p:ext>
+  </p:extLst>
 </p:presentation>
 </file>
 
@@ -7983,7 +8000,7 @@
       <p:grpSpPr/>
       <p:sp>
         <p:nvSpPr>
-          <p:cNvPr id="4" name="标题 3"/>
+          <p:cNvPr id="2" name="标题 1"/>
           <p:cNvSpPr>
             <a:spLocks noGrp="1"/>
           </p:cNvSpPr>
@@ -7997,27 +8014,55 @@
           <a:p>
             <a:r>
               <a:rPr lang="en-US" altLang="zh-CN"/>
-              <a:t>Image Process</a:t>
-            </a:r>
-            <a:endParaRPr lang="en-US" altLang="zh-CN"/>
-          </a:p>
-        </p:txBody>
-      </p:sp>
-      <p:sp>
-        <p:nvSpPr>
-          <p:cNvPr id="5" name="文本占位符 4"/>
-          <p:cNvSpPr>
-            <a:spLocks noGrp="1"/>
-          </p:cNvSpPr>
-          <p:nvPr>
-            <p:ph type="body" idx="1"/>
+              <a:t>FAQ</a:t>
+            </a:r>
+            <a:endParaRPr lang="en-US" altLang="zh-CN"/>
+          </a:p>
+        </p:txBody>
+      </p:sp>
+      <p:sp>
+        <p:nvSpPr>
+          <p:cNvPr id="3" name="内容占位符 2"/>
+          <p:cNvSpPr>
+            <a:spLocks noGrp="1"/>
+          </p:cNvSpPr>
+          <p:nvPr>
+            <p:ph idx="1"/>
           </p:nvPr>
         </p:nvSpPr>
         <p:spPr/>
         <p:txBody>
           <a:bodyPr/>
           <a:p>
+            <a:r>
+              <a:rPr lang="zh-CN" altLang="en-US"/>
+              <a:t>npm: unable to verify the first certificate</a:t>
+            </a:r>
             <a:endParaRPr lang="zh-CN" altLang="en-US"/>
+          </a:p>
+          <a:p>
+            <a:pPr lvl="1"/>
+            <a:r>
+              <a:rPr lang="zh-CN" altLang="en-US"/>
+              <a:t>npm config set registry http://registry.npmjs.org/ --global</a:t>
+            </a:r>
+            <a:endParaRPr lang="zh-CN" altLang="en-US"/>
+          </a:p>
+          <a:p>
+            <a:pPr lvl="1"/>
+            <a:r>
+              <a:rPr lang="en-US" altLang="zh-CN"/>
+              <a:t>npm config set registry http://registry.npm.taobao.org/ --global</a:t>
+            </a:r>
+            <a:endParaRPr lang="en-US" altLang="zh-CN"/>
+          </a:p>
+          <a:p>
+            <a:pPr lvl="1"/>
+            <a:r>
+              <a:rPr lang="en-US" altLang="zh-CN"/>
+              <a:t>npm config set strict SSL false</a:t>
+            </a:r>
+            <a:endParaRPr lang="en-US" altLang="zh-CN"/>
           </a:p>
         </p:txBody>
       </p:sp>
@@ -8109,7 +8154,7 @@
       <p:grpSpPr/>
       <p:sp>
         <p:nvSpPr>
-          <p:cNvPr id="2" name="标题 1"/>
+          <p:cNvPr id="4" name="标题 3"/>
           <p:cNvSpPr>
             <a:spLocks noGrp="1"/>
           </p:cNvSpPr>
@@ -8123,103 +8168,27 @@
           <a:p>
             <a:r>
               <a:rPr lang="en-US" altLang="zh-CN"/>
-              <a:t>References</a:t>
-            </a:r>
-            <a:endParaRPr lang="en-US" altLang="zh-CN"/>
-          </a:p>
-        </p:txBody>
-      </p:sp>
-      <p:sp>
-        <p:nvSpPr>
-          <p:cNvPr id="3" name="内容占位符 2"/>
-          <p:cNvSpPr>
-            <a:spLocks noGrp="1"/>
-          </p:cNvSpPr>
-          <p:nvPr>
-            <p:ph idx="1"/>
+              <a:t>Image Process</a:t>
+            </a:r>
+            <a:endParaRPr lang="en-US" altLang="zh-CN"/>
+          </a:p>
+        </p:txBody>
+      </p:sp>
+      <p:sp>
+        <p:nvSpPr>
+          <p:cNvPr id="5" name="文本占位符 4"/>
+          <p:cNvSpPr>
+            <a:spLocks noGrp="1"/>
+          </p:cNvSpPr>
+          <p:nvPr>
+            <p:ph type="body" idx="1"/>
           </p:nvPr>
         </p:nvSpPr>
         <p:spPr/>
         <p:txBody>
           <a:bodyPr/>
           <a:p>
-            <a:r>
-              <a:rPr lang="en-US" altLang="zh-CN"/>
-              <a:t>References</a:t>
-            </a:r>
-            <a:endParaRPr lang="en-US" altLang="zh-CN"/>
-          </a:p>
-          <a:p>
-            <a:pPr lvl="1"/>
-            <a:r>
-              <a:rPr lang="en-US" altLang="zh-CN"/>
-              <a:t>https://webkid.io/blog/image-processing-in-javascript/</a:t>
-            </a:r>
-            <a:endParaRPr lang="en-US" altLang="zh-CN"/>
-          </a:p>
-          <a:p>
-            <a:pPr lvl="1"/>
-            <a:r>
-              <a:rPr lang="en-US" altLang="zh-CN"/>
-              <a:t>https://github.com/image-js/image-js</a:t>
-            </a:r>
-            <a:endParaRPr lang="en-US" altLang="zh-CN"/>
-          </a:p>
-          <a:p>
-            <a:pPr lvl="1"/>
-            <a:r>
-              <a:rPr lang="en-US" altLang="zh-CN"/>
-              <a:t>https://github.com/meltingice/CamanJS/</a:t>
-            </a:r>
-            <a:endParaRPr lang="en-US" altLang="zh-CN"/>
-          </a:p>
-          <a:p>
-            <a:pPr lvl="1"/>
-            <a:r>
-              <a:rPr lang="en-US" altLang="zh-CN"/>
-              <a:t>https://bashooka.com/coding/best-of-20-javascript-image-processing-plugins/</a:t>
-            </a:r>
-            <a:endParaRPr lang="en-US" altLang="zh-CN"/>
-          </a:p>
-          <a:p>
-            <a:pPr lvl="1"/>
-            <a:r>
-              <a:rPr lang="en-US" altLang="zh-CN"/>
-              <a:t>https://codegeekz.com/best-javascript-image-manipulation-libraries/</a:t>
-            </a:r>
-            <a:endParaRPr lang="en-US" altLang="zh-CN"/>
-          </a:p>
-          <a:p>
-            <a:pPr lvl="1"/>
-            <a:r>
-              <a:rPr lang="en-US" altLang="zh-CN"/>
-              <a:t>https://github.com/oliver-moran/jimp</a:t>
-            </a:r>
-            <a:endParaRPr lang="en-US" altLang="zh-CN"/>
-          </a:p>
-          <a:p>
-            <a:pPr lvl="1"/>
-            <a:r>
-              <a:rPr lang="en-US" altLang="zh-CN"/>
-              <a:t>https://sharp.pixelplumbing.com/</a:t>
-            </a:r>
-            <a:endParaRPr lang="en-US" altLang="zh-CN"/>
-          </a:p>
-          <a:p>
-            <a:pPr lvl="1"/>
-            <a:r>
-              <a:rPr lang="en-US" altLang="zh-CN"/>
-              <a:t>https://github.com/vanruesc/postprocessing</a:t>
-            </a:r>
-            <a:endParaRPr lang="en-US" altLang="zh-CN"/>
-          </a:p>
-          <a:p>
-            <a:pPr lvl="1"/>
-            <a:r>
-              <a:rPr lang="en-US" altLang="zh-CN"/>
-              <a:t>https://github.com/foo123/FILTER.js</a:t>
-            </a:r>
-            <a:endParaRPr lang="en-US" altLang="zh-CN"/>
+            <a:endParaRPr lang="zh-CN" altLang="en-US"/>
           </a:p>
         </p:txBody>
       </p:sp>
@@ -8260,7 +8229,7 @@
           <a:p>
             <a:r>
               <a:rPr lang="en-US" altLang="zh-CN"/>
-              <a:t>Viewer</a:t>
+              <a:t>References</a:t>
             </a:r>
             <a:endParaRPr lang="en-US" altLang="zh-CN"/>
           </a:p>
@@ -8290,7 +8259,71 @@
             <a:pPr lvl="1"/>
             <a:r>
               <a:rPr lang="en-US" altLang="zh-CN"/>
-              <a:t>https://ourcodeworld.com/articles/read/54/top-10-gallery-and-photo-viewer-plugins-for-javascript-and-jquery</a:t>
+              <a:t>https://webkid.io/blog/image-processing-in-javascript/</a:t>
+            </a:r>
+            <a:endParaRPr lang="en-US" altLang="zh-CN"/>
+          </a:p>
+          <a:p>
+            <a:pPr lvl="1"/>
+            <a:r>
+              <a:rPr lang="en-US" altLang="zh-CN"/>
+              <a:t>https://github.com/image-js/image-js</a:t>
+            </a:r>
+            <a:endParaRPr lang="en-US" altLang="zh-CN"/>
+          </a:p>
+          <a:p>
+            <a:pPr lvl="1"/>
+            <a:r>
+              <a:rPr lang="en-US" altLang="zh-CN"/>
+              <a:t>https://github.com/meltingice/CamanJS/</a:t>
+            </a:r>
+            <a:endParaRPr lang="en-US" altLang="zh-CN"/>
+          </a:p>
+          <a:p>
+            <a:pPr lvl="1"/>
+            <a:r>
+              <a:rPr lang="en-US" altLang="zh-CN"/>
+              <a:t>https://bashooka.com/coding/best-of-20-javascript-image-processing-plugins/</a:t>
+            </a:r>
+            <a:endParaRPr lang="en-US" altLang="zh-CN"/>
+          </a:p>
+          <a:p>
+            <a:pPr lvl="1"/>
+            <a:r>
+              <a:rPr lang="en-US" altLang="zh-CN"/>
+              <a:t>https://codegeekz.com/best-javascript-image-manipulation-libraries/</a:t>
+            </a:r>
+            <a:endParaRPr lang="en-US" altLang="zh-CN"/>
+          </a:p>
+          <a:p>
+            <a:pPr lvl="1"/>
+            <a:r>
+              <a:rPr lang="en-US" altLang="zh-CN"/>
+              <a:t>https://github.com/oliver-moran/jimp</a:t>
+            </a:r>
+            <a:endParaRPr lang="en-US" altLang="zh-CN"/>
+          </a:p>
+          <a:p>
+            <a:pPr lvl="1"/>
+            <a:r>
+              <a:rPr lang="en-US" altLang="zh-CN"/>
+              <a:t>https://sharp.pixelplumbing.com/</a:t>
+            </a:r>
+            <a:endParaRPr lang="en-US" altLang="zh-CN"/>
+          </a:p>
+          <a:p>
+            <a:pPr lvl="1"/>
+            <a:r>
+              <a:rPr lang="en-US" altLang="zh-CN"/>
+              <a:t>https://github.com/vanruesc/postprocessing</a:t>
+            </a:r>
+            <a:endParaRPr lang="en-US" altLang="zh-CN"/>
+          </a:p>
+          <a:p>
+            <a:pPr lvl="1"/>
+            <a:r>
+              <a:rPr lang="en-US" altLang="zh-CN"/>
+              <a:t>https://github.com/foo123/FILTER.js</a:t>
             </a:r>
             <a:endParaRPr lang="en-US" altLang="zh-CN"/>
           </a:p>
@@ -8333,7 +8366,7 @@
           <a:p>
             <a:r>
               <a:rPr lang="en-US" altLang="zh-CN"/>
-              <a:t>List</a:t>
+              <a:t>Viewer</a:t>
             </a:r>
             <a:endParaRPr lang="en-US" altLang="zh-CN"/>
           </a:p>
@@ -8355,19 +8388,16 @@
           <a:p>
             <a:r>
               <a:rPr lang="en-US" altLang="zh-CN"/>
-              <a:t>Sharp</a:t>
-            </a:r>
-            <a:endParaRPr lang="en-US" altLang="zh-CN"/>
-          </a:p>
-          <a:p>
-            <a:pPr lvl="1"/>
-            <a:r>
-              <a:rPr lang="en-US" altLang="zh-CN"/>
-              <a:t>https://github.com/lovell/sharp</a:t>
-            </a:r>
-            <a:endParaRPr lang="en-US" altLang="zh-CN"/>
-          </a:p>
-          <a:p>
+              <a:t>References</a:t>
+            </a:r>
+            <a:endParaRPr lang="en-US" altLang="zh-CN"/>
+          </a:p>
+          <a:p>
+            <a:pPr lvl="1"/>
+            <a:r>
+              <a:rPr lang="en-US" altLang="zh-CN"/>
+              <a:t>https://ourcodeworld.com/articles/read/54/top-10-gallery-and-photo-viewer-plugins-for-javascript-and-jquery</a:t>
+            </a:r>
             <a:endParaRPr lang="en-US" altLang="zh-CN"/>
           </a:p>
         </p:txBody>
@@ -8384,6 +8414,82 @@
 </file>
 
 <file path=ppt/slides/slide33.xml><?xml version="1.0" encoding="utf-8"?>
+<p:sld xmlns:a="http://schemas.openxmlformats.org/drawingml/2006/main" xmlns:r="http://schemas.openxmlformats.org/officeDocument/2006/relationships" xmlns:p="http://schemas.openxmlformats.org/presentationml/2006/main">
+  <p:cSld>
+    <p:spTree>
+      <p:nvGrpSpPr>
+        <p:cNvPr id="1" name=""/>
+        <p:cNvGrpSpPr/>
+        <p:nvPr/>
+      </p:nvGrpSpPr>
+      <p:grpSpPr/>
+      <p:sp>
+        <p:nvSpPr>
+          <p:cNvPr id="2" name="标题 1"/>
+          <p:cNvSpPr>
+            <a:spLocks noGrp="1"/>
+          </p:cNvSpPr>
+          <p:nvPr>
+            <p:ph type="title"/>
+          </p:nvPr>
+        </p:nvSpPr>
+        <p:spPr/>
+        <p:txBody>
+          <a:bodyPr/>
+          <a:p>
+            <a:r>
+              <a:rPr lang="en-US" altLang="zh-CN"/>
+              <a:t>List</a:t>
+            </a:r>
+            <a:endParaRPr lang="en-US" altLang="zh-CN"/>
+          </a:p>
+        </p:txBody>
+      </p:sp>
+      <p:sp>
+        <p:nvSpPr>
+          <p:cNvPr id="3" name="内容占位符 2"/>
+          <p:cNvSpPr>
+            <a:spLocks noGrp="1"/>
+          </p:cNvSpPr>
+          <p:nvPr>
+            <p:ph idx="1"/>
+          </p:nvPr>
+        </p:nvSpPr>
+        <p:spPr/>
+        <p:txBody>
+          <a:bodyPr/>
+          <a:p>
+            <a:r>
+              <a:rPr lang="en-US" altLang="zh-CN"/>
+              <a:t>Sharp</a:t>
+            </a:r>
+            <a:endParaRPr lang="en-US" altLang="zh-CN"/>
+          </a:p>
+          <a:p>
+            <a:pPr lvl="1"/>
+            <a:r>
+              <a:rPr lang="en-US" altLang="zh-CN"/>
+              <a:t>https://github.com/lovell/sharp</a:t>
+            </a:r>
+            <a:endParaRPr lang="en-US" altLang="zh-CN"/>
+          </a:p>
+          <a:p>
+            <a:endParaRPr lang="en-US" altLang="zh-CN"/>
+          </a:p>
+        </p:txBody>
+      </p:sp>
+    </p:spTree>
+    <p:custDataLst>
+      <p:tags r:id="rId1"/>
+    </p:custDataLst>
+  </p:cSld>
+  <p:clrMapOvr>
+    <a:masterClrMapping/>
+  </p:clrMapOvr>
+</p:sld>
+</file>
+
+<file path=ppt/slides/slide34.xml><?xml version="1.0" encoding="utf-8"?>
 <p:sld xmlns:a="http://schemas.openxmlformats.org/drawingml/2006/main" xmlns:r="http://schemas.openxmlformats.org/officeDocument/2006/relationships" xmlns:p="http://schemas.openxmlformats.org/presentationml/2006/main">
   <p:cSld>
     <p:spTree>
@@ -8478,87 +8584,6 @@
 </p:sld>
 </file>
 
-<file path=ppt/slides/slide34.xml><?xml version="1.0" encoding="utf-8"?>
-<p:sld xmlns:a="http://schemas.openxmlformats.org/drawingml/2006/main" xmlns:r="http://schemas.openxmlformats.org/officeDocument/2006/relationships" xmlns:p="http://schemas.openxmlformats.org/presentationml/2006/main">
-  <p:cSld>
-    <p:spTree>
-      <p:nvGrpSpPr>
-        <p:cNvPr id="1" name=""/>
-        <p:cNvGrpSpPr/>
-        <p:nvPr/>
-      </p:nvGrpSpPr>
-      <p:grpSpPr/>
-      <p:sp>
-        <p:nvSpPr>
-          <p:cNvPr id="2" name="标题 1"/>
-          <p:cNvSpPr>
-            <a:spLocks noGrp="1"/>
-          </p:cNvSpPr>
-          <p:nvPr>
-            <p:ph type="title"/>
-          </p:nvPr>
-        </p:nvSpPr>
-        <p:spPr/>
-        <p:txBody>
-          <a:bodyPr/>
-          <a:p>
-            <a:r>
-              <a:rPr lang="en-US" altLang="zh-CN"/>
-              <a:t>SVG</a:t>
-            </a:r>
-            <a:endParaRPr lang="en-US" altLang="zh-CN"/>
-          </a:p>
-        </p:txBody>
-      </p:sp>
-      <p:sp>
-        <p:nvSpPr>
-          <p:cNvPr id="3" name="内容占位符 2"/>
-          <p:cNvSpPr>
-            <a:spLocks noGrp="1"/>
-          </p:cNvSpPr>
-          <p:nvPr>
-            <p:ph idx="1"/>
-          </p:nvPr>
-        </p:nvSpPr>
-        <p:spPr/>
-        <p:txBody>
-          <a:bodyPr/>
-          <a:p>
-            <a:r>
-              <a:rPr lang="en-US" altLang="zh-CN"/>
-              <a:t>References</a:t>
-            </a:r>
-            <a:endParaRPr lang="en-US" altLang="zh-CN"/>
-          </a:p>
-          <a:p>
-            <a:pPr lvl="1"/>
-            <a:r>
-              <a:rPr lang="en-US" altLang="zh-CN"/>
-              <a:t>https://github.com/svgdotjs</a:t>
-            </a:r>
-            <a:endParaRPr lang="en-US" altLang="zh-CN"/>
-          </a:p>
-          <a:p>
-            <a:pPr lvl="1"/>
-            <a:r>
-              <a:rPr lang="en-US" altLang="zh-CN"/>
-              <a:t>https://svgjs.com/</a:t>
-            </a:r>
-            <a:endParaRPr lang="en-US" altLang="zh-CN"/>
-          </a:p>
-        </p:txBody>
-      </p:sp>
-    </p:spTree>
-    <p:custDataLst>
-      <p:tags r:id="rId1"/>
-    </p:custDataLst>
-  </p:cSld>
-  <p:clrMapOvr>
-    <a:masterClrMapping/>
-  </p:clrMapOvr>
-</p:sld>
-</file>
-
 <file path=ppt/slides/slide35.xml><?xml version="1.0" encoding="utf-8"?>
 <p:sld xmlns:a="http://schemas.openxmlformats.org/drawingml/2006/main" xmlns:r="http://schemas.openxmlformats.org/officeDocument/2006/relationships" xmlns:p="http://schemas.openxmlformats.org/presentationml/2006/main">
   <p:cSld>
@@ -8585,7 +8610,7 @@
           <a:p>
             <a:r>
               <a:rPr lang="en-US" altLang="zh-CN"/>
-              <a:t>Canvas</a:t>
+              <a:t>SVG</a:t>
             </a:r>
             <a:endParaRPr lang="en-US" altLang="zh-CN"/>
           </a:p>
@@ -8601,100 +8626,31 @@
             <p:ph idx="1"/>
           </p:nvPr>
         </p:nvSpPr>
-        <p:spPr>
-          <a:xfrm>
-            <a:off x="838200" y="1211580"/>
-            <a:ext cx="3970655" cy="4549140"/>
-          </a:xfrm>
-          <a:ln>
-            <a:solidFill>
-              <a:srgbClr val="FFC000"/>
-            </a:solidFill>
-          </a:ln>
-        </p:spPr>
+        <p:spPr/>
         <p:txBody>
           <a:bodyPr/>
           <a:p>
-            <a:pPr marL="0" indent="0">
-              <a:buNone/>
-            </a:pPr>
-            <a:r>
-              <a:rPr lang="en-US" altLang="zh-CN" sz="1800"/>
-              <a:t>HTMLCanvasElement</a:t>
-            </a:r>
-            <a:endParaRPr lang="en-US" altLang="zh-CN" sz="1800"/>
-          </a:p>
-          <a:p>
-            <a:pPr marL="0" lvl="0" indent="0">
-              <a:buNone/>
-            </a:pPr>
-            <a:r>
-              <a:rPr lang="en-US" altLang="zh-CN" sz="1800"/>
-              <a:t>&lt;canvas&gt;</a:t>
-            </a:r>
-            <a:endParaRPr lang="en-US" altLang="zh-CN" sz="1800"/>
-          </a:p>
-          <a:p>
-            <a:pPr marL="0" lvl="0" indent="0">
-              <a:buNone/>
-            </a:pPr>
-            <a:r>
-              <a:rPr lang="en-US" altLang="zh-CN" sz="1800"/>
-              <a:t>Properties: </a:t>
-            </a:r>
-            <a:endParaRPr lang="en-US" altLang="zh-CN" sz="1800"/>
-          </a:p>
-          <a:p>
-            <a:pPr marL="0" lvl="0" indent="0">
-              <a:buNone/>
-            </a:pPr>
-            <a:r>
-              <a:rPr lang="en-US" altLang="zh-CN" sz="1800"/>
-              <a:t>	width</a:t>
-            </a:r>
-            <a:endParaRPr lang="en-US" altLang="zh-CN" sz="1800"/>
-          </a:p>
-          <a:p>
-            <a:pPr marL="0" lvl="0" indent="0">
-              <a:buNone/>
-            </a:pPr>
-            <a:r>
-              <a:rPr lang="en-US" altLang="zh-CN" sz="1800"/>
-              <a:t>	height</a:t>
-            </a:r>
-            <a:endParaRPr lang="en-US" altLang="zh-CN" sz="1800"/>
-          </a:p>
-          <a:p>
-            <a:pPr marL="0" lvl="0" indent="0">
-              <a:buNone/>
-            </a:pPr>
-            <a:r>
-              <a:rPr lang="en-US" altLang="zh-CN" sz="1800"/>
-              <a:t>Methods: </a:t>
-            </a:r>
-            <a:endParaRPr lang="en-US" altLang="zh-CN" sz="1800"/>
-          </a:p>
-          <a:p>
-            <a:pPr lvl="0">
-              <a:buFont typeface="Arial" panose="020B0604020202020204" pitchFamily="34" charset="0"/>
-              <a:buChar char="•"/>
-            </a:pPr>
-            <a:r>
-              <a:rPr lang="en-US" altLang="zh-CN" sz="1800"/>
-              <a:t>getContext()</a:t>
-            </a:r>
-            <a:endParaRPr lang="en-US" altLang="zh-CN" sz="1800"/>
-          </a:p>
-          <a:p>
-            <a:pPr lvl="0">
-              <a:buFont typeface="Arial" panose="020B0604020202020204" pitchFamily="34" charset="0"/>
-              <a:buChar char="•"/>
-            </a:pPr>
-            <a:r>
-              <a:rPr lang="en-US" altLang="zh-CN" sz="1800"/>
-              <a:t>toDataURL()</a:t>
-            </a:r>
-            <a:endParaRPr lang="en-US" altLang="zh-CN" sz="1800"/>
+            <a:r>
+              <a:rPr lang="en-US" altLang="zh-CN"/>
+              <a:t>References</a:t>
+            </a:r>
+            <a:endParaRPr lang="en-US" altLang="zh-CN"/>
+          </a:p>
+          <a:p>
+            <a:pPr lvl="1"/>
+            <a:r>
+              <a:rPr lang="en-US" altLang="zh-CN"/>
+              <a:t>https://github.com/svgdotjs</a:t>
+            </a:r>
+            <a:endParaRPr lang="en-US" altLang="zh-CN"/>
+          </a:p>
+          <a:p>
+            <a:pPr lvl="1"/>
+            <a:r>
+              <a:rPr lang="en-US" altLang="zh-CN"/>
+              <a:t>https://svgjs.com/</a:t>
+            </a:r>
+            <a:endParaRPr lang="en-US" altLang="zh-CN"/>
           </a:p>
         </p:txBody>
       </p:sp>
@@ -8735,6 +8691,156 @@
           <a:p>
             <a:r>
               <a:rPr lang="en-US" altLang="zh-CN"/>
+              <a:t>Canvas</a:t>
+            </a:r>
+            <a:endParaRPr lang="en-US" altLang="zh-CN"/>
+          </a:p>
+        </p:txBody>
+      </p:sp>
+      <p:sp>
+        <p:nvSpPr>
+          <p:cNvPr id="3" name="内容占位符 2"/>
+          <p:cNvSpPr>
+            <a:spLocks noGrp="1"/>
+          </p:cNvSpPr>
+          <p:nvPr>
+            <p:ph idx="1"/>
+          </p:nvPr>
+        </p:nvSpPr>
+        <p:spPr>
+          <a:xfrm>
+            <a:off x="838200" y="1211580"/>
+            <a:ext cx="3970655" cy="4549140"/>
+          </a:xfrm>
+          <a:ln>
+            <a:solidFill>
+              <a:srgbClr val="FFC000"/>
+            </a:solidFill>
+          </a:ln>
+        </p:spPr>
+        <p:txBody>
+          <a:bodyPr/>
+          <a:p>
+            <a:pPr marL="0" indent="0">
+              <a:buNone/>
+            </a:pPr>
+            <a:r>
+              <a:rPr lang="en-US" altLang="zh-CN" sz="1800"/>
+              <a:t>HTMLCanvasElement</a:t>
+            </a:r>
+            <a:endParaRPr lang="en-US" altLang="zh-CN" sz="1800"/>
+          </a:p>
+          <a:p>
+            <a:pPr marL="0" lvl="0" indent="0">
+              <a:buNone/>
+            </a:pPr>
+            <a:r>
+              <a:rPr lang="en-US" altLang="zh-CN" sz="1800"/>
+              <a:t>&lt;canvas&gt;</a:t>
+            </a:r>
+            <a:endParaRPr lang="en-US" altLang="zh-CN" sz="1800"/>
+          </a:p>
+          <a:p>
+            <a:pPr marL="0" lvl="0" indent="0">
+              <a:buNone/>
+            </a:pPr>
+            <a:r>
+              <a:rPr lang="en-US" altLang="zh-CN" sz="1800"/>
+              <a:t>Properties: </a:t>
+            </a:r>
+            <a:endParaRPr lang="en-US" altLang="zh-CN" sz="1800"/>
+          </a:p>
+          <a:p>
+            <a:pPr marL="0" lvl="0" indent="0">
+              <a:buNone/>
+            </a:pPr>
+            <a:r>
+              <a:rPr lang="en-US" altLang="zh-CN" sz="1800"/>
+              <a:t>	width</a:t>
+            </a:r>
+            <a:endParaRPr lang="en-US" altLang="zh-CN" sz="1800"/>
+          </a:p>
+          <a:p>
+            <a:pPr marL="0" lvl="0" indent="0">
+              <a:buNone/>
+            </a:pPr>
+            <a:r>
+              <a:rPr lang="en-US" altLang="zh-CN" sz="1800"/>
+              <a:t>	height</a:t>
+            </a:r>
+            <a:endParaRPr lang="en-US" altLang="zh-CN" sz="1800"/>
+          </a:p>
+          <a:p>
+            <a:pPr marL="0" lvl="0" indent="0">
+              <a:buNone/>
+            </a:pPr>
+            <a:r>
+              <a:rPr lang="en-US" altLang="zh-CN" sz="1800"/>
+              <a:t>Methods: </a:t>
+            </a:r>
+            <a:endParaRPr lang="en-US" altLang="zh-CN" sz="1800"/>
+          </a:p>
+          <a:p>
+            <a:pPr lvl="0">
+              <a:buFont typeface="Arial" panose="020B0604020202020204" pitchFamily="34" charset="0"/>
+              <a:buChar char="•"/>
+            </a:pPr>
+            <a:r>
+              <a:rPr lang="en-US" altLang="zh-CN" sz="1800"/>
+              <a:t>getContext()</a:t>
+            </a:r>
+            <a:endParaRPr lang="en-US" altLang="zh-CN" sz="1800"/>
+          </a:p>
+          <a:p>
+            <a:pPr lvl="0">
+              <a:buFont typeface="Arial" panose="020B0604020202020204" pitchFamily="34" charset="0"/>
+              <a:buChar char="•"/>
+            </a:pPr>
+            <a:r>
+              <a:rPr lang="en-US" altLang="zh-CN" sz="1800"/>
+              <a:t>toDataURL()</a:t>
+            </a:r>
+            <a:endParaRPr lang="en-US" altLang="zh-CN" sz="1800"/>
+          </a:p>
+        </p:txBody>
+      </p:sp>
+    </p:spTree>
+    <p:custDataLst>
+      <p:tags r:id="rId1"/>
+    </p:custDataLst>
+  </p:cSld>
+  <p:clrMapOvr>
+    <a:masterClrMapping/>
+  </p:clrMapOvr>
+</p:sld>
+</file>
+
+<file path=ppt/slides/slide37.xml><?xml version="1.0" encoding="utf-8"?>
+<p:sld xmlns:a="http://schemas.openxmlformats.org/drawingml/2006/main" xmlns:r="http://schemas.openxmlformats.org/officeDocument/2006/relationships" xmlns:p="http://schemas.openxmlformats.org/presentationml/2006/main">
+  <p:cSld>
+    <p:spTree>
+      <p:nvGrpSpPr>
+        <p:cNvPr id="1" name=""/>
+        <p:cNvGrpSpPr/>
+        <p:nvPr/>
+      </p:nvGrpSpPr>
+      <p:grpSpPr/>
+      <p:sp>
+        <p:nvSpPr>
+          <p:cNvPr id="2" name="标题 1"/>
+          <p:cNvSpPr>
+            <a:spLocks noGrp="1"/>
+          </p:cNvSpPr>
+          <p:nvPr>
+            <p:ph type="title"/>
+          </p:nvPr>
+        </p:nvSpPr>
+        <p:spPr/>
+        <p:txBody>
+          <a:bodyPr/>
+          <a:p>
+            <a:r>
+              <a:rPr lang="en-US" altLang="zh-CN"/>
               <a:t>Draw2D</a:t>
             </a:r>
             <a:endParaRPr lang="en-US" altLang="zh-CN"/>
@@ -8779,14 +8885,6 @@
             <a:r>
               <a:rPr lang="en-US" altLang="zh-CN"/>
               <a:t>http://www.draw2d.org/draw2d/</a:t>
-            </a:r>
-            <a:endParaRPr lang="en-US" altLang="zh-CN"/>
-          </a:p>
-          <a:p>
-            <a:pPr lvl="1"/>
-            <a:r>
-              <a:rPr lang="en-US" altLang="zh-CN"/>
-              <a:t>https://github.com/freegroup/draw2d.git</a:t>
             </a:r>
             <a:endParaRPr lang="en-US" altLang="zh-CN"/>
           </a:p>
@@ -9539,7 +9637,7 @@
 </p:sld>
 </file>
 
-<file path=ppt/slides/slide37.xml><?xml version="1.0" encoding="utf-8"?>
+<file path=ppt/slides/slide38.xml><?xml version="1.0" encoding="utf-8"?>
 <p:sld xmlns:a="http://schemas.openxmlformats.org/drawingml/2006/main" xmlns:r="http://schemas.openxmlformats.org/officeDocument/2006/relationships" xmlns:p="http://schemas.openxmlformats.org/presentationml/2006/main">
   <p:cSld>
     <p:spTree>
@@ -10000,99 +10098,6 @@
               <a:t>const decryptedText = this.$CryptoJS.AES.decrypt(encryptedText, "Secret Passphrase").toString(this.CryptoJS.enc.Utf8)</a:t>
             </a:r>
             <a:endParaRPr lang="zh-CN" altLang="en-US" sz="1000"/>
-          </a:p>
-        </p:txBody>
-      </p:sp>
-    </p:spTree>
-    <p:custDataLst>
-      <p:tags r:id="rId1"/>
-    </p:custDataLst>
-  </p:cSld>
-  <p:clrMapOvr>
-    <a:masterClrMapping/>
-  </p:clrMapOvr>
-</p:sld>
-</file>
-
-<file path=ppt/slides/slide38.xml><?xml version="1.0" encoding="utf-8"?>
-<p:sld xmlns:a="http://schemas.openxmlformats.org/drawingml/2006/main" xmlns:r="http://schemas.openxmlformats.org/officeDocument/2006/relationships" xmlns:p="http://schemas.openxmlformats.org/presentationml/2006/main">
-  <p:cSld>
-    <p:spTree>
-      <p:nvGrpSpPr>
-        <p:cNvPr id="1" name=""/>
-        <p:cNvGrpSpPr/>
-        <p:nvPr/>
-      </p:nvGrpSpPr>
-      <p:grpSpPr/>
-      <p:sp>
-        <p:nvSpPr>
-          <p:cNvPr id="2" name="标题 1"/>
-          <p:cNvSpPr>
-            <a:spLocks noGrp="1"/>
-          </p:cNvSpPr>
-          <p:nvPr>
-            <p:ph type="title"/>
-          </p:nvPr>
-        </p:nvSpPr>
-        <p:spPr/>
-        <p:txBody>
-          <a:bodyPr/>
-          <a:p>
-            <a:r>
-              <a:rPr lang="en-US" altLang="zh-CN"/>
-              <a:t>Cytoscape</a:t>
-            </a:r>
-            <a:endParaRPr lang="en-US" altLang="zh-CN"/>
-          </a:p>
-        </p:txBody>
-      </p:sp>
-      <p:sp>
-        <p:nvSpPr>
-          <p:cNvPr id="3" name="内容占位符 2"/>
-          <p:cNvSpPr>
-            <a:spLocks noGrp="1"/>
-          </p:cNvSpPr>
-          <p:nvPr>
-            <p:ph idx="1"/>
-          </p:nvPr>
-        </p:nvSpPr>
-        <p:spPr>
-          <a:xfrm>
-            <a:off x="838200" y="1211580"/>
-            <a:ext cx="5483225" cy="4549140"/>
-          </a:xfrm>
-        </p:spPr>
-        <p:txBody>
-          <a:bodyPr/>
-          <a:p>
-            <a:r>
-              <a:rPr lang="en-US" altLang="zh-CN"/>
-              <a:t>References</a:t>
-            </a:r>
-            <a:endParaRPr lang="en-US" altLang="zh-CN"/>
-          </a:p>
-          <a:p>
-            <a:pPr lvl="1"/>
-            <a:r>
-              <a:rPr lang="en-US" altLang="zh-CN"/>
-              <a:t>https://js.cytoscape.org/</a:t>
-            </a:r>
-            <a:endParaRPr lang="en-US" altLang="zh-CN"/>
-          </a:p>
-          <a:p>
-            <a:r>
-              <a:rPr lang="en-US" altLang="zh-CN"/>
-              <a:t>Points</a:t>
-            </a:r>
-            <a:endParaRPr lang="en-US" altLang="zh-CN"/>
-          </a:p>
-          <a:p>
-            <a:pPr lvl="1"/>
-            <a:r>
-              <a:rPr lang="en-US" altLang="zh-CN"/>
-              <a:t> A compound parent node does not have independent dimensions (position and size), as those values are automatically inferred by the positions and dimensions of the descendant nodes.</a:t>
-            </a:r>
-            <a:endParaRPr lang="en-US" altLang="zh-CN"/>
           </a:p>
         </p:txBody>
       </p:sp>
@@ -10133,7 +10138,7 @@
           <a:p>
             <a:r>
               <a:rPr lang="en-US" altLang="zh-CN"/>
-              <a:t>Raphael</a:t>
+              <a:t>Cytoscape</a:t>
             </a:r>
             <a:endParaRPr lang="en-US" altLang="zh-CN"/>
           </a:p>
@@ -10149,28 +10154,17 @@
             <p:ph idx="1"/>
           </p:nvPr>
         </p:nvSpPr>
-        <p:spPr/>
+        <p:spPr>
+          <a:xfrm>
+            <a:off x="838200" y="1211580"/>
+            <a:ext cx="5483225" cy="4549140"/>
+          </a:xfrm>
+        </p:spPr>
         <p:txBody>
           <a:bodyPr/>
           <a:p>
             <a:r>
               <a:rPr lang="en-US" altLang="zh-CN"/>
-              <a:t>Intro</a:t>
-            </a:r>
-            <a:endParaRPr lang="en-US" altLang="zh-CN"/>
-          </a:p>
-          <a:p>
-            <a:pPr lvl="1"/>
-            <a:r>
-              <a:rPr lang="en-US" altLang="zh-CN"/>
-              <a:t>vector graphics drawing</a:t>
-            </a:r>
-            <a:endParaRPr lang="en-US" altLang="zh-CN"/>
-          </a:p>
-          <a:p>
-            <a:pPr lvl="0"/>
-            <a:r>
-              <a:rPr lang="en-US" altLang="zh-CN"/>
               <a:t>References</a:t>
             </a:r>
             <a:endParaRPr lang="en-US" altLang="zh-CN"/>
@@ -10179,7 +10173,22 @@
             <a:pPr lvl="1"/>
             <a:r>
               <a:rPr lang="en-US" altLang="zh-CN"/>
-              <a:t>http://raphaeljs.com/</a:t>
+              <a:t>https://js.cytoscape.org/</a:t>
+            </a:r>
+            <a:endParaRPr lang="en-US" altLang="zh-CN"/>
+          </a:p>
+          <a:p>
+            <a:r>
+              <a:rPr lang="en-US" altLang="zh-CN"/>
+              <a:t>Points</a:t>
+            </a:r>
+            <a:endParaRPr lang="en-US" altLang="zh-CN"/>
+          </a:p>
+          <a:p>
+            <a:pPr lvl="1"/>
+            <a:r>
+              <a:rPr lang="en-US" altLang="zh-CN"/>
+              <a:t> A compound parent node does not have independent dimensions (position and size), as those values are automatically inferred by the positions and dimensions of the descendant nodes.</a:t>
             </a:r>
             <a:endParaRPr lang="en-US" altLang="zh-CN"/>
           </a:p>
@@ -10351,7 +10360,7 @@
           <a:p>
             <a:r>
               <a:rPr lang="en-US" altLang="zh-CN"/>
-              <a:t>merge-images</a:t>
+              <a:t>Raphael</a:t>
             </a:r>
             <a:endParaRPr lang="en-US" altLang="zh-CN"/>
           </a:p>
@@ -10373,6 +10382,22 @@
           <a:p>
             <a:r>
               <a:rPr lang="en-US" altLang="zh-CN"/>
+              <a:t>Intro</a:t>
+            </a:r>
+            <a:endParaRPr lang="en-US" altLang="zh-CN"/>
+          </a:p>
+          <a:p>
+            <a:pPr lvl="1"/>
+            <a:r>
+              <a:rPr lang="en-US" altLang="zh-CN"/>
+              <a:t>vector graphics drawing</a:t>
+            </a:r>
+            <a:endParaRPr lang="en-US" altLang="zh-CN"/>
+          </a:p>
+          <a:p>
+            <a:pPr lvl="0"/>
+            <a:r>
+              <a:rPr lang="en-US" altLang="zh-CN"/>
               <a:t>References</a:t>
             </a:r>
             <a:endParaRPr lang="en-US" altLang="zh-CN"/>
@@ -10381,7 +10406,7 @@
             <a:pPr lvl="1"/>
             <a:r>
               <a:rPr lang="en-US" altLang="zh-CN"/>
-              <a:t>https://www.npmjs.com/package/merge-images</a:t>
+              <a:t>http://raphaeljs.com/</a:t>
             </a:r>
             <a:endParaRPr lang="en-US" altLang="zh-CN"/>
           </a:p>
@@ -10424,6 +10449,79 @@
           <a:p>
             <a:r>
               <a:rPr lang="en-US" altLang="zh-CN"/>
+              <a:t>merge-images</a:t>
+            </a:r>
+            <a:endParaRPr lang="en-US" altLang="zh-CN"/>
+          </a:p>
+        </p:txBody>
+      </p:sp>
+      <p:sp>
+        <p:nvSpPr>
+          <p:cNvPr id="3" name="内容占位符 2"/>
+          <p:cNvSpPr>
+            <a:spLocks noGrp="1"/>
+          </p:cNvSpPr>
+          <p:nvPr>
+            <p:ph idx="1"/>
+          </p:nvPr>
+        </p:nvSpPr>
+        <p:spPr/>
+        <p:txBody>
+          <a:bodyPr/>
+          <a:p>
+            <a:r>
+              <a:rPr lang="en-US" altLang="zh-CN"/>
+              <a:t>References</a:t>
+            </a:r>
+            <a:endParaRPr lang="en-US" altLang="zh-CN"/>
+          </a:p>
+          <a:p>
+            <a:pPr lvl="1"/>
+            <a:r>
+              <a:rPr lang="en-US" altLang="zh-CN"/>
+              <a:t>https://www.npmjs.com/package/merge-images</a:t>
+            </a:r>
+            <a:endParaRPr lang="en-US" altLang="zh-CN"/>
+          </a:p>
+        </p:txBody>
+      </p:sp>
+    </p:spTree>
+    <p:custDataLst>
+      <p:tags r:id="rId1"/>
+    </p:custDataLst>
+  </p:cSld>
+  <p:clrMapOvr>
+    <a:masterClrMapping/>
+  </p:clrMapOvr>
+</p:sld>
+</file>
+
+<file path=ppt/slides/slide42.xml><?xml version="1.0" encoding="utf-8"?>
+<p:sld xmlns:a="http://schemas.openxmlformats.org/drawingml/2006/main" xmlns:r="http://schemas.openxmlformats.org/officeDocument/2006/relationships" xmlns:p="http://schemas.openxmlformats.org/presentationml/2006/main">
+  <p:cSld>
+    <p:spTree>
+      <p:nvGrpSpPr>
+        <p:cNvPr id="1" name=""/>
+        <p:cNvGrpSpPr/>
+        <p:nvPr/>
+      </p:nvGrpSpPr>
+      <p:grpSpPr/>
+      <p:sp>
+        <p:nvSpPr>
+          <p:cNvPr id="2" name="标题 1"/>
+          <p:cNvSpPr>
+            <a:spLocks noGrp="1"/>
+          </p:cNvSpPr>
+          <p:nvPr>
+            <p:ph type="title"/>
+          </p:nvPr>
+        </p:nvSpPr>
+        <p:spPr/>
+        <p:txBody>
+          <a:bodyPr/>
+          <a:p>
+            <a:r>
+              <a:rPr lang="en-US" altLang="zh-CN"/>
               <a:t>Image Map</a:t>
             </a:r>
             <a:endParaRPr lang="en-US" altLang="zh-CN"/>
@@ -10608,7 +10706,7 @@
 </p:sld>
 </file>
 
-<file path=ppt/slides/slide42.xml><?xml version="1.0" encoding="utf-8"?>
+<file path=ppt/slides/slide43.xml><?xml version="1.0" encoding="utf-8"?>
 <p:sld xmlns:a="http://schemas.openxmlformats.org/drawingml/2006/main" xmlns:r="http://schemas.openxmlformats.org/officeDocument/2006/relationships" xmlns:p="http://schemas.openxmlformats.org/presentationml/2006/main">
   <p:cSld>
     <p:spTree>
@@ -11020,7 +11118,7 @@
 </p:sld>
 </file>
 
-<file path=ppt/slides/slide43.xml><?xml version="1.0" encoding="utf-8"?>
+<file path=ppt/slides/slide44.xml><?xml version="1.0" encoding="utf-8"?>
 <p:sld xmlns:a="http://schemas.openxmlformats.org/drawingml/2006/main" xmlns:r="http://schemas.openxmlformats.org/officeDocument/2006/relationships" xmlns:p="http://schemas.openxmlformats.org/presentationml/2006/main">
   <p:cSld>
     <p:spTree>
@@ -11609,67 +11707,6 @@
 </p:sld>
 </file>
 
-<file path=ppt/slides/slide44.xml><?xml version="1.0" encoding="utf-8"?>
-<p:sld xmlns:a="http://schemas.openxmlformats.org/drawingml/2006/main" xmlns:r="http://schemas.openxmlformats.org/officeDocument/2006/relationships" xmlns:p="http://schemas.openxmlformats.org/presentationml/2006/main">
-  <p:cSld>
-    <p:spTree>
-      <p:nvGrpSpPr>
-        <p:cNvPr id="1" name=""/>
-        <p:cNvGrpSpPr/>
-        <p:nvPr/>
-      </p:nvGrpSpPr>
-      <p:grpSpPr/>
-      <p:sp>
-        <p:nvSpPr>
-          <p:cNvPr id="4" name="标题 3"/>
-          <p:cNvSpPr>
-            <a:spLocks noGrp="1"/>
-          </p:cNvSpPr>
-          <p:nvPr>
-            <p:ph type="title"/>
-          </p:nvPr>
-        </p:nvSpPr>
-        <p:spPr/>
-        <p:txBody>
-          <a:bodyPr/>
-          <a:p>
-            <a:r>
-              <a:rPr lang="en-US" altLang="zh-CN"/>
-              <a:t>3D</a:t>
-            </a:r>
-            <a:endParaRPr lang="en-US" altLang="zh-CN"/>
-          </a:p>
-        </p:txBody>
-      </p:sp>
-      <p:sp>
-        <p:nvSpPr>
-          <p:cNvPr id="5" name="文本占位符 4"/>
-          <p:cNvSpPr>
-            <a:spLocks noGrp="1"/>
-          </p:cNvSpPr>
-          <p:nvPr>
-            <p:ph type="body" idx="1"/>
-          </p:nvPr>
-        </p:nvSpPr>
-        <p:spPr/>
-        <p:txBody>
-          <a:bodyPr/>
-          <a:p>
-            <a:endParaRPr lang="zh-CN" altLang="en-US"/>
-          </a:p>
-        </p:txBody>
-      </p:sp>
-    </p:spTree>
-    <p:custDataLst>
-      <p:tags r:id="rId1"/>
-    </p:custDataLst>
-  </p:cSld>
-  <p:clrMapOvr>
-    <a:masterClrMapping/>
-  </p:clrMapOvr>
-</p:sld>
-</file>
-
 <file path=ppt/slides/slide45.xml><?xml version="1.0" encoding="utf-8"?>
 <p:sld xmlns:a="http://schemas.openxmlformats.org/drawingml/2006/main" xmlns:r="http://schemas.openxmlformats.org/officeDocument/2006/relationships" xmlns:p="http://schemas.openxmlformats.org/presentationml/2006/main">
   <p:cSld>
@@ -11696,141 +11733,27 @@
           <a:p>
             <a:r>
               <a:rPr lang="en-US" altLang="zh-CN"/>
-              <a:t>Overview</a:t>
-            </a:r>
-            <a:endParaRPr lang="en-US" altLang="zh-CN"/>
-          </a:p>
-        </p:txBody>
-      </p:sp>
-      <p:sp>
-        <p:nvSpPr>
-          <p:cNvPr id="5" name="内容占位符 4"/>
-          <p:cNvSpPr>
-            <a:spLocks noGrp="1"/>
-          </p:cNvSpPr>
-          <p:nvPr>
-            <p:ph idx="1"/>
+              <a:t>3D</a:t>
+            </a:r>
+            <a:endParaRPr lang="en-US" altLang="zh-CN"/>
+          </a:p>
+        </p:txBody>
+      </p:sp>
+      <p:sp>
+        <p:nvSpPr>
+          <p:cNvPr id="5" name="文本占位符 4"/>
+          <p:cNvSpPr>
+            <a:spLocks noGrp="1"/>
+          </p:cNvSpPr>
+          <p:nvPr>
+            <p:ph type="body" idx="1"/>
           </p:nvPr>
         </p:nvSpPr>
         <p:spPr/>
         <p:txBody>
-          <a:bodyPr>
-            <a:normAutofit lnSpcReduction="10000"/>
-          </a:bodyPr>
-          <a:p>
-            <a:r>
-              <a:rPr lang="en-US" altLang="zh-CN"/>
-              <a:t>General framework</a:t>
-            </a:r>
-            <a:endParaRPr lang="en-US" altLang="zh-CN"/>
-          </a:p>
-          <a:p>
-            <a:pPr lvl="1"/>
-            <a:r>
-              <a:rPr lang="en-US" altLang="zh-CN"/>
-              <a:t>Three.js</a:t>
-            </a:r>
-            <a:endParaRPr lang="en-US" altLang="zh-CN"/>
-          </a:p>
-          <a:p>
-            <a:pPr lvl="1"/>
-            <a:r>
-              <a:rPr lang="en-US" altLang="zh-CN"/>
-              <a:t>A-F</a:t>
-            </a:r>
-            <a:r>
-              <a:rPr lang="en-US" altLang="zh-CN"/>
-              <a:t>rame</a:t>
-            </a:r>
-            <a:endParaRPr lang="en-US" altLang="zh-CN"/>
-          </a:p>
-          <a:p>
-            <a:pPr lvl="2"/>
-            <a:r>
-              <a:rPr lang="en-US" altLang="zh-CN"/>
-              <a:t>https://aframe.io/</a:t>
-            </a:r>
-            <a:endParaRPr lang="en-US" altLang="zh-CN"/>
-          </a:p>
-          <a:p>
-            <a:pPr lvl="2"/>
-            <a:r>
-              <a:rPr lang="en-US" altLang="zh-CN"/>
-              <a:t>https://github.com/aframevr/aframe</a:t>
-            </a:r>
-            <a:endParaRPr lang="en-US" altLang="zh-CN"/>
-          </a:p>
-          <a:p>
-            <a:pPr lvl="1"/>
-            <a:r>
-              <a:rPr lang="en-US" altLang="zh-CN"/>
-              <a:t>PlayCanvas</a:t>
-            </a:r>
-            <a:endParaRPr lang="en-US" altLang="zh-CN"/>
-          </a:p>
-          <a:p>
-            <a:pPr lvl="2"/>
-            <a:r>
-              <a:rPr lang="en-US" altLang="zh-CN"/>
-              <a:t>https://playcanvas.com/</a:t>
-            </a:r>
-            <a:endParaRPr lang="en-US" altLang="zh-CN"/>
-          </a:p>
-          <a:p>
-            <a:pPr lvl="2"/>
-            <a:r>
-              <a:rPr lang="en-US" altLang="zh-CN"/>
-              <a:t>https://github.com/playcanvas/engine</a:t>
-            </a:r>
-            <a:endParaRPr lang="en-US" altLang="zh-CN"/>
-          </a:p>
-          <a:p>
-            <a:pPr lvl="1"/>
-            <a:r>
-              <a:rPr lang="en-US" altLang="zh-CN" sz="2000"/>
-              <a:t>Babylon.js</a:t>
-            </a:r>
-            <a:endParaRPr lang="en-US" altLang="zh-CN" sz="2000"/>
-          </a:p>
-          <a:p>
-            <a:pPr lvl="2"/>
-            <a:r>
-              <a:rPr lang="en-US" altLang="zh-CN"/>
-              <a:t>http://www.babylonjs.com/</a:t>
-            </a:r>
-            <a:endParaRPr lang="en-US" altLang="zh-CN"/>
-          </a:p>
-          <a:p>
-            <a:pPr lvl="0"/>
-            <a:r>
-              <a:rPr lang="en-US" altLang="zh-CN"/>
-              <a:t>3D Model View</a:t>
-            </a:r>
-            <a:endParaRPr lang="en-US" altLang="zh-CN"/>
-          </a:p>
-          <a:p>
-            <a:pPr lvl="1"/>
-            <a:r>
-              <a:rPr lang="en-US" altLang="zh-CN" sz="2000"/>
-              <a:t>Google ModelViewer</a:t>
-            </a:r>
-            <a:endParaRPr lang="en-US" altLang="zh-CN" sz="2000"/>
-          </a:p>
-          <a:p>
-            <a:pPr lvl="2"/>
-            <a:r>
-              <a:rPr lang="en-US" altLang="zh-CN"/>
-              <a:t>https://modelviewer.dev/</a:t>
-            </a:r>
-            <a:endParaRPr lang="en-US" altLang="zh-CN"/>
-          </a:p>
-          <a:p>
-            <a:pPr lvl="0"/>
-            <a:r>
-              <a:rPr lang="en-US" altLang="zh-CN"/>
-              <a:t>https://manu.ninja/25-real-world-applications-using-webgl</a:t>
-            </a:r>
-            <a:endParaRPr lang="en-US" altLang="zh-CN"/>
+          <a:bodyPr/>
+          <a:p>
+            <a:endParaRPr lang="zh-CN" altLang="en-US"/>
           </a:p>
         </p:txBody>
       </p:sp>
@@ -11846,6 +11769,181 @@
 </file>
 
 <file path=ppt/slides/slide46.xml><?xml version="1.0" encoding="utf-8"?>
+<p:sld xmlns:a="http://schemas.openxmlformats.org/drawingml/2006/main" xmlns:r="http://schemas.openxmlformats.org/officeDocument/2006/relationships" xmlns:p="http://schemas.openxmlformats.org/presentationml/2006/main">
+  <p:cSld>
+    <p:spTree>
+      <p:nvGrpSpPr>
+        <p:cNvPr id="1" name=""/>
+        <p:cNvGrpSpPr/>
+        <p:nvPr/>
+      </p:nvGrpSpPr>
+      <p:grpSpPr/>
+      <p:sp>
+        <p:nvSpPr>
+          <p:cNvPr id="4" name="标题 3"/>
+          <p:cNvSpPr>
+            <a:spLocks noGrp="1"/>
+          </p:cNvSpPr>
+          <p:nvPr>
+            <p:ph type="title"/>
+          </p:nvPr>
+        </p:nvSpPr>
+        <p:spPr/>
+        <p:txBody>
+          <a:bodyPr/>
+          <a:p>
+            <a:r>
+              <a:rPr lang="en-US" altLang="zh-CN"/>
+              <a:t>Overview</a:t>
+            </a:r>
+            <a:endParaRPr lang="en-US" altLang="zh-CN"/>
+          </a:p>
+        </p:txBody>
+      </p:sp>
+      <p:sp>
+        <p:nvSpPr>
+          <p:cNvPr id="5" name="内容占位符 4"/>
+          <p:cNvSpPr>
+            <a:spLocks noGrp="1"/>
+          </p:cNvSpPr>
+          <p:nvPr>
+            <p:ph idx="1"/>
+          </p:nvPr>
+        </p:nvSpPr>
+        <p:spPr/>
+        <p:txBody>
+          <a:bodyPr>
+            <a:normAutofit lnSpcReduction="10000"/>
+          </a:bodyPr>
+          <a:p>
+            <a:r>
+              <a:rPr lang="en-US" altLang="zh-CN"/>
+              <a:t>General framework</a:t>
+            </a:r>
+            <a:endParaRPr lang="en-US" altLang="zh-CN"/>
+          </a:p>
+          <a:p>
+            <a:pPr lvl="1"/>
+            <a:r>
+              <a:rPr lang="en-US" altLang="zh-CN"/>
+              <a:t>Three.js</a:t>
+            </a:r>
+            <a:endParaRPr lang="en-US" altLang="zh-CN"/>
+          </a:p>
+          <a:p>
+            <a:pPr lvl="1"/>
+            <a:r>
+              <a:rPr lang="en-US" altLang="zh-CN"/>
+              <a:t>A-F</a:t>
+            </a:r>
+            <a:r>
+              <a:rPr lang="en-US" altLang="zh-CN"/>
+              <a:t>rame</a:t>
+            </a:r>
+            <a:endParaRPr lang="en-US" altLang="zh-CN"/>
+          </a:p>
+          <a:p>
+            <a:pPr lvl="2"/>
+            <a:r>
+              <a:rPr lang="en-US" altLang="zh-CN"/>
+              <a:t>https://aframe.io/</a:t>
+            </a:r>
+            <a:endParaRPr lang="en-US" altLang="zh-CN"/>
+          </a:p>
+          <a:p>
+            <a:pPr lvl="2"/>
+            <a:r>
+              <a:rPr lang="en-US" altLang="zh-CN"/>
+              <a:t>https://github.com/aframevr/aframe</a:t>
+            </a:r>
+            <a:endParaRPr lang="en-US" altLang="zh-CN"/>
+          </a:p>
+          <a:p>
+            <a:pPr lvl="1"/>
+            <a:r>
+              <a:rPr lang="en-US" altLang="zh-CN"/>
+              <a:t>PlayCanvas</a:t>
+            </a:r>
+            <a:endParaRPr lang="en-US" altLang="zh-CN"/>
+          </a:p>
+          <a:p>
+            <a:pPr lvl="2"/>
+            <a:r>
+              <a:rPr lang="en-US" altLang="zh-CN"/>
+              <a:t>https://playcanvas.com/</a:t>
+            </a:r>
+            <a:endParaRPr lang="en-US" altLang="zh-CN"/>
+          </a:p>
+          <a:p>
+            <a:pPr lvl="2"/>
+            <a:r>
+              <a:rPr lang="en-US" altLang="zh-CN"/>
+              <a:t>https://github.com/playcanvas/engine</a:t>
+            </a:r>
+            <a:endParaRPr lang="en-US" altLang="zh-CN"/>
+          </a:p>
+          <a:p>
+            <a:pPr lvl="1"/>
+            <a:r>
+              <a:rPr lang="en-US" altLang="zh-CN" sz="2000"/>
+              <a:t>Babylon.js</a:t>
+            </a:r>
+            <a:endParaRPr lang="en-US" altLang="zh-CN" sz="2000"/>
+          </a:p>
+          <a:p>
+            <a:pPr lvl="2"/>
+            <a:r>
+              <a:rPr lang="en-US" altLang="zh-CN"/>
+              <a:t>http://www.babylonjs.com/</a:t>
+            </a:r>
+            <a:endParaRPr lang="en-US" altLang="zh-CN"/>
+          </a:p>
+          <a:p>
+            <a:pPr lvl="0"/>
+            <a:r>
+              <a:rPr lang="en-US" altLang="zh-CN"/>
+              <a:t>3D Model View</a:t>
+            </a:r>
+            <a:endParaRPr lang="en-US" altLang="zh-CN"/>
+          </a:p>
+          <a:p>
+            <a:pPr lvl="1"/>
+            <a:r>
+              <a:rPr lang="en-US" altLang="zh-CN" sz="2000"/>
+              <a:t>Google ModelViewer</a:t>
+            </a:r>
+            <a:endParaRPr lang="en-US" altLang="zh-CN" sz="2000"/>
+          </a:p>
+          <a:p>
+            <a:pPr lvl="2"/>
+            <a:r>
+              <a:rPr lang="en-US" altLang="zh-CN"/>
+              <a:t>https://modelviewer.dev/</a:t>
+            </a:r>
+            <a:endParaRPr lang="en-US" altLang="zh-CN"/>
+          </a:p>
+          <a:p>
+            <a:pPr lvl="0"/>
+            <a:r>
+              <a:rPr lang="en-US" altLang="zh-CN"/>
+              <a:t>https://manu.ninja/25-real-world-applications-using-webgl</a:t>
+            </a:r>
+            <a:endParaRPr lang="en-US" altLang="zh-CN"/>
+          </a:p>
+        </p:txBody>
+      </p:sp>
+    </p:spTree>
+    <p:custDataLst>
+      <p:tags r:id="rId1"/>
+    </p:custDataLst>
+  </p:cSld>
+  <p:clrMapOvr>
+    <a:masterClrMapping/>
+  </p:clrMapOvr>
+</p:sld>
+</file>
+
+<file path=ppt/slides/slide47.xml><?xml version="1.0" encoding="utf-8"?>
 <p:sld xmlns:a="http://schemas.openxmlformats.org/drawingml/2006/main" xmlns:r="http://schemas.openxmlformats.org/officeDocument/2006/relationships" xmlns:p="http://schemas.openxmlformats.org/presentationml/2006/main">
   <p:cSld>
     <p:spTree>
@@ -13010,108 +13108,6 @@
 </p:sld>
 </file>
 
-<file path=ppt/slides/slide47.xml><?xml version="1.0" encoding="utf-8"?>
-<p:sld xmlns:a="http://schemas.openxmlformats.org/drawingml/2006/main" xmlns:r="http://schemas.openxmlformats.org/officeDocument/2006/relationships" xmlns:p="http://schemas.openxmlformats.org/presentationml/2006/main">
-  <p:cSld>
-    <p:spTree>
-      <p:nvGrpSpPr>
-        <p:cNvPr id="1" name=""/>
-        <p:cNvGrpSpPr/>
-        <p:nvPr/>
-      </p:nvGrpSpPr>
-      <p:grpSpPr/>
-      <p:sp>
-        <p:nvSpPr>
-          <p:cNvPr id="2" name="标题 1"/>
-          <p:cNvSpPr>
-            <a:spLocks noGrp="1"/>
-          </p:cNvSpPr>
-          <p:nvPr>
-            <p:ph type="title"/>
-          </p:nvPr>
-        </p:nvSpPr>
-        <p:spPr/>
-        <p:txBody>
-          <a:bodyPr/>
-          <a:p>
-            <a:r>
-              <a:rPr lang="en-US" altLang="zh-CN"/>
-              <a:t>Three.js 2</a:t>
-            </a:r>
-            <a:endParaRPr lang="en-US" altLang="zh-CN"/>
-          </a:p>
-        </p:txBody>
-      </p:sp>
-      <p:sp>
-        <p:nvSpPr>
-          <p:cNvPr id="3" name="内容占位符 2"/>
-          <p:cNvSpPr>
-            <a:spLocks noGrp="1"/>
-          </p:cNvSpPr>
-          <p:nvPr>
-            <p:ph idx="1"/>
-          </p:nvPr>
-        </p:nvSpPr>
-        <p:spPr/>
-        <p:txBody>
-          <a:bodyPr/>
-          <a:p>
-            <a:r>
-              <a:rPr lang="en-US" altLang="zh-CN"/>
-              <a:t>VR support</a:t>
-            </a:r>
-            <a:endParaRPr lang="en-US" altLang="zh-CN"/>
-          </a:p>
-          <a:p>
-            <a:pPr lvl="1" algn="l">
-              <a:buClrTx/>
-              <a:buSzTx/>
-            </a:pPr>
-            <a:r>
-              <a:rPr lang="zh-CN" altLang="en-US">
-                <a:sym typeface="+mn-ea"/>
-              </a:rPr>
-              <a:t>https://threejs.org/docs/#manual/en/introduction/How-to-create-VR-content</a:t>
-            </a:r>
-            <a:endParaRPr lang="zh-CN" altLang="en-US"/>
-          </a:p>
-          <a:p>
-            <a:pPr lvl="1"/>
-            <a:r>
-              <a:rPr lang="zh-CN" altLang="en-US"/>
-              <a:t>https://immersiveweb.dev/#three.js</a:t>
-            </a:r>
-            <a:endParaRPr lang="zh-CN" altLang="en-US"/>
-          </a:p>
-          <a:p>
-            <a:pPr lvl="1"/>
-            <a:r>
-              <a:rPr lang="zh-CN" altLang="en-US"/>
-              <a:t>https://tutorialsforvr.com/enable-threejs-vr/</a:t>
-            </a:r>
-            <a:endParaRPr lang="zh-CN" altLang="en-US"/>
-          </a:p>
-          <a:p>
-            <a:pPr lvl="1"/>
-            <a:r>
-              <a:rPr lang="zh-CN" altLang="en-US"/>
-              <a:t>https://www.davrous.com/2017/07/07/from-zero-to-hero-creating-webvr-experiences-with-babylon-js-on-all-platforms/</a:t>
-            </a:r>
-            <a:endParaRPr lang="zh-CN" altLang="en-US"/>
-          </a:p>
-        </p:txBody>
-      </p:sp>
-    </p:spTree>
-    <p:custDataLst>
-      <p:tags r:id="rId1"/>
-    </p:custDataLst>
-  </p:cSld>
-  <p:clrMapOvr>
-    <a:masterClrMapping/>
-  </p:clrMapOvr>
-</p:sld>
-</file>
-
 <file path=ppt/slides/slide48.xml><?xml version="1.0" encoding="utf-8"?>
 <p:sld xmlns:a="http://schemas.openxmlformats.org/drawingml/2006/main" xmlns:r="http://schemas.openxmlformats.org/officeDocument/2006/relationships" xmlns:p="http://schemas.openxmlformats.org/presentationml/2006/main">
   <p:cSld>
@@ -13138,7 +13134,7 @@
           <a:p>
             <a:r>
               <a:rPr lang="en-US" altLang="zh-CN"/>
-              <a:t>A-Frame</a:t>
+              <a:t>Three.js 2</a:t>
             </a:r>
             <a:endParaRPr lang="en-US" altLang="zh-CN"/>
           </a:p>
@@ -13154,216 +13150,52 @@
             <p:ph idx="1"/>
           </p:nvPr>
         </p:nvSpPr>
-        <p:spPr>
-          <a:xfrm>
-            <a:off x="838200" y="1211580"/>
-            <a:ext cx="5999480" cy="4549140"/>
-          </a:xfrm>
-        </p:spPr>
+        <p:spPr/>
         <p:txBody>
           <a:bodyPr/>
           <a:p>
             <a:r>
               <a:rPr lang="en-US" altLang="zh-CN"/>
-              <a:t>Concept</a:t>
-            </a:r>
-            <a:endParaRPr lang="en-US" altLang="zh-CN"/>
-          </a:p>
-          <a:p>
-            <a:pPr lvl="1"/>
-            <a:r>
-              <a:rPr lang="en-US" altLang="zh-CN"/>
-              <a:t>Declarative DOM-based Entity-Component-System</a:t>
-            </a:r>
-            <a:endParaRPr lang="en-US" altLang="zh-CN"/>
-          </a:p>
-          <a:p>
-            <a:pPr lvl="1"/>
-            <a:r>
-              <a:rPr lang="en-US" altLang="zh-CN"/>
-              <a:t>Component-based development</a:t>
-            </a:r>
-            <a:endParaRPr lang="en-US" altLang="zh-CN"/>
-          </a:p>
-        </p:txBody>
-      </p:sp>
-      <p:sp>
-        <p:nvSpPr>
-          <p:cNvPr id="4" name="文本框 3"/>
-          <p:cNvSpPr txBox="1"/>
-          <p:nvPr/>
-        </p:nvSpPr>
-        <p:spPr>
-          <a:xfrm>
-            <a:off x="6958330" y="1631950"/>
-            <a:ext cx="4859020" cy="3599815"/>
-          </a:xfrm>
-          <a:prstGeom prst="rect">
-            <a:avLst/>
-          </a:prstGeom>
-          <a:noFill/>
-          <a:ln>
-            <a:solidFill>
-              <a:srgbClr val="FFC000"/>
-            </a:solidFill>
-          </a:ln>
-        </p:spPr>
-        <p:txBody>
-          <a:bodyPr wrap="square" rtlCol="0">
-            <a:spAutoFit/>
-          </a:bodyPr>
-          <a:p>
-            <a:r>
-              <a:rPr lang="zh-CN" altLang="en-US" sz="1200"/>
-              <a:t>&lt;html&gt;</a:t>
-            </a:r>
-            <a:endParaRPr lang="zh-CN" altLang="en-US" sz="1200"/>
-          </a:p>
-          <a:p>
-            <a:r>
-              <a:rPr lang="zh-CN" altLang="en-US" sz="1200"/>
-              <a:t>  &lt;head&gt;</a:t>
-            </a:r>
-            <a:endParaRPr lang="zh-CN" altLang="en-US" sz="1200"/>
-          </a:p>
-          <a:p>
-            <a:r>
-              <a:rPr lang="zh-CN" altLang="en-US" sz="1200"/>
-              <a:t>    &lt;script src="https://aframe.io/releases/1.0.0/aframe.min.js"&gt;&lt;/script&gt;</a:t>
-            </a:r>
-            <a:endParaRPr lang="zh-CN" altLang="en-US" sz="1200"/>
-          </a:p>
-          <a:p>
-            <a:r>
-              <a:rPr lang="zh-CN" altLang="en-US" sz="1200"/>
-              <a:t>  &lt;/head&gt;</a:t>
-            </a:r>
-            <a:endParaRPr lang="zh-CN" altLang="en-US" sz="1200"/>
-          </a:p>
-          <a:p>
-            <a:r>
-              <a:rPr lang="zh-CN" altLang="en-US" sz="1200"/>
-              <a:t>  &lt;body&gt;</a:t>
-            </a:r>
-            <a:endParaRPr lang="zh-CN" altLang="en-US" sz="1200"/>
-          </a:p>
-          <a:p>
-            <a:r>
-              <a:rPr lang="zh-CN" altLang="en-US" sz="1200"/>
-              <a:t>    &lt;a-scene&gt;</a:t>
-            </a:r>
-            <a:endParaRPr lang="zh-CN" altLang="en-US" sz="1200"/>
-          </a:p>
-          <a:p>
-            <a:r>
-              <a:rPr lang="zh-CN" altLang="en-US" sz="1200"/>
-              <a:t>      &lt;a-box position="-1 0.5 -3" rotation="0 45 0" color="#4CC3D9"&gt;&lt;/a-box&gt;</a:t>
-            </a:r>
-            <a:endParaRPr lang="zh-CN" altLang="en-US" sz="1200"/>
-          </a:p>
-          <a:p>
-            <a:r>
-              <a:rPr lang="zh-CN" altLang="en-US" sz="1200"/>
-              <a:t>      &lt;a-sphere position="0 1.25 -5" radius="1.25" color="#EF2D5E"&gt;&lt;/a-sphere&gt;</a:t>
-            </a:r>
-            <a:endParaRPr lang="zh-CN" altLang="en-US" sz="1200"/>
-          </a:p>
-          <a:p>
-            <a:r>
-              <a:rPr lang="zh-CN" altLang="en-US" sz="1200"/>
-              <a:t>      &lt;a-cylinder position="1 0.75 -3" radius="0.5" height="1.5" color="#FFC65D"&gt;&lt;/a-cylinder&gt;</a:t>
-            </a:r>
-            <a:endParaRPr lang="zh-CN" altLang="en-US" sz="1200"/>
-          </a:p>
-          <a:p>
-            <a:r>
-              <a:rPr lang="zh-CN" altLang="en-US" sz="1200"/>
-              <a:t>      &lt;a-plane position="0 0 -4" rotation="-90 0 0" width="4" height="4" color="#7BC8A4"&gt;&lt;/a-plane&gt;</a:t>
-            </a:r>
-            <a:endParaRPr lang="zh-CN" altLang="en-US" sz="1200"/>
-          </a:p>
-          <a:p>
-            <a:r>
-              <a:rPr lang="zh-CN" altLang="en-US" sz="1200"/>
-              <a:t>      &lt;a-sky color="#ECECEC"&gt;&lt;/a-sky&gt;</a:t>
-            </a:r>
-            <a:endParaRPr lang="zh-CN" altLang="en-US" sz="1200"/>
-          </a:p>
-          <a:p>
-            <a:r>
-              <a:rPr lang="zh-CN" altLang="en-US" sz="1200"/>
-              <a:t>    &lt;/a-scene&gt;</a:t>
-            </a:r>
-            <a:endParaRPr lang="zh-CN" altLang="en-US" sz="1200"/>
-          </a:p>
-          <a:p>
-            <a:r>
-              <a:rPr lang="zh-CN" altLang="en-US" sz="1200"/>
-              <a:t>  &lt;/body&gt;</a:t>
-            </a:r>
-            <a:endParaRPr lang="zh-CN" altLang="en-US" sz="1200"/>
-          </a:p>
-          <a:p>
-            <a:r>
-              <a:rPr lang="zh-CN" altLang="en-US" sz="1200"/>
-              <a:t>&lt;/html&gt;</a:t>
-            </a:r>
-            <a:endParaRPr lang="zh-CN" altLang="en-US" sz="1200"/>
-          </a:p>
-        </p:txBody>
-      </p:sp>
-      <p:sp>
-        <p:nvSpPr>
-          <p:cNvPr id="5" name="文本框 4"/>
-          <p:cNvSpPr txBox="1"/>
-          <p:nvPr/>
-        </p:nvSpPr>
-        <p:spPr>
-          <a:xfrm>
-            <a:off x="6958330" y="5374005"/>
-            <a:ext cx="4859020" cy="953135"/>
-          </a:xfrm>
-          <a:prstGeom prst="rect">
-            <a:avLst/>
-          </a:prstGeom>
-          <a:noFill/>
-          <a:ln>
-            <a:solidFill>
-              <a:srgbClr val="FFC000"/>
-            </a:solidFill>
-          </a:ln>
-        </p:spPr>
-        <p:txBody>
-          <a:bodyPr wrap="square" rtlCol="0">
-            <a:spAutoFit/>
-          </a:bodyPr>
-          <a:p>
-            <a:r>
-              <a:rPr lang="zh-CN" altLang="en-US" sz="1400"/>
-              <a:t>&lt;a-entity geometry="primitive: sphere; radius: 1.5"</a:t>
-            </a:r>
-            <a:endParaRPr lang="zh-CN" altLang="en-US" sz="1400"/>
-          </a:p>
-          <a:p>
-            <a:r>
-              <a:rPr lang="zh-CN" altLang="en-US" sz="1400"/>
-              <a:t>          light="type: point; color: white; intensity: 2"</a:t>
-            </a:r>
-            <a:endParaRPr lang="zh-CN" altLang="en-US" sz="1400"/>
-          </a:p>
-          <a:p>
-            <a:r>
-              <a:rPr lang="zh-CN" altLang="en-US" sz="1400"/>
-              <a:t>          material="color: white; shader: flat; src: glow.jpg"</a:t>
-            </a:r>
-            <a:endParaRPr lang="zh-CN" altLang="en-US" sz="1400"/>
-          </a:p>
-          <a:p>
-            <a:r>
-              <a:rPr lang="zh-CN" altLang="en-US" sz="1400"/>
-              <a:t>          position="0 0 -5"&gt;&lt;/a-entity&gt;</a:t>
-            </a:r>
-            <a:endParaRPr lang="zh-CN" altLang="en-US" sz="1400"/>
+              <a:t>VR support</a:t>
+            </a:r>
+            <a:endParaRPr lang="en-US" altLang="zh-CN"/>
+          </a:p>
+          <a:p>
+            <a:pPr lvl="1" algn="l">
+              <a:buClrTx/>
+              <a:buSzTx/>
+            </a:pPr>
+            <a:r>
+              <a:rPr lang="zh-CN" altLang="en-US">
+                <a:sym typeface="+mn-ea"/>
+              </a:rPr>
+              <a:t>https://threejs.org/docs/#manual/en/introduction/How-to-create-VR-content</a:t>
+            </a:r>
+            <a:endParaRPr lang="zh-CN" altLang="en-US"/>
+          </a:p>
+          <a:p>
+            <a:pPr lvl="1"/>
+            <a:r>
+              <a:rPr lang="zh-CN" altLang="en-US"/>
+              <a:t>https://immersiveweb.dev/#three.js</a:t>
+            </a:r>
+            <a:endParaRPr lang="zh-CN" altLang="en-US"/>
+          </a:p>
+          <a:p>
+            <a:pPr lvl="1"/>
+            <a:r>
+              <a:rPr lang="zh-CN" altLang="en-US"/>
+              <a:t>https://tutorialsforvr.com/enable-threejs-vr/</a:t>
+            </a:r>
+            <a:endParaRPr lang="zh-CN" altLang="en-US"/>
+          </a:p>
+          <a:p>
+            <a:pPr lvl="1"/>
+            <a:r>
+              <a:rPr lang="zh-CN" altLang="en-US"/>
+              <a:t>https://www.davrous.com/2017/07/07/from-zero-to-hero-creating-webvr-experiences-with-babylon-js-on-all-platforms/</a:t>
+            </a:r>
+            <a:endParaRPr lang="zh-CN" altLang="en-US"/>
           </a:p>
         </p:txBody>
       </p:sp>
@@ -13404,7 +13236,7 @@
           <a:p>
             <a:r>
               <a:rPr lang="en-US" altLang="zh-CN"/>
-              <a:t>Google ModelViewer</a:t>
+              <a:t>A-Frame</a:t>
             </a:r>
             <a:endParaRPr lang="en-US" altLang="zh-CN"/>
           </a:p>
@@ -13420,7 +13252,12 @@
             <p:ph idx="1"/>
           </p:nvPr>
         </p:nvSpPr>
-        <p:spPr/>
+        <p:spPr>
+          <a:xfrm>
+            <a:off x="838200" y="1211580"/>
+            <a:ext cx="5999480" cy="4549140"/>
+          </a:xfrm>
+        </p:spPr>
         <p:txBody>
           <a:bodyPr/>
           <a:p>
@@ -13434,7 +13271,15 @@
             <a:pPr lvl="1"/>
             <a:r>
               <a:rPr lang="en-US" altLang="zh-CN"/>
-              <a:t>Only glTF/GLB models are supported</a:t>
+              <a:t>Declarative DOM-based Entity-Component-System</a:t>
+            </a:r>
+            <a:endParaRPr lang="en-US" altLang="zh-CN"/>
+          </a:p>
+          <a:p>
+            <a:pPr lvl="1"/>
+            <a:r>
+              <a:rPr lang="en-US" altLang="zh-CN"/>
+              <a:t>Component-based development</a:t>
             </a:r>
             <a:endParaRPr lang="en-US" altLang="zh-CN"/>
           </a:p>
@@ -13448,8 +13293,8 @@
         </p:nvSpPr>
         <p:spPr>
           <a:xfrm>
-            <a:off x="6999605" y="1414780"/>
-            <a:ext cx="4845050" cy="2799715"/>
+            <a:off x="6958330" y="1631950"/>
+            <a:ext cx="4859020" cy="3599815"/>
           </a:xfrm>
           <a:prstGeom prst="rect">
             <a:avLst/>
@@ -13467,31 +13312,156 @@
           </a:bodyPr>
           <a:p>
             <a:r>
-              <a:rPr lang="zh-CN" altLang="en-US" sz="1600"/>
-              <a:t>&lt;script type="module" src="https://unpkg.com/@google/model-viewer/dist/model-viewer.js"&gt;&lt;/script&gt;</a:t>
-            </a:r>
-            <a:endParaRPr lang="zh-CN" altLang="en-US" sz="1600"/>
-          </a:p>
-          <a:p>
-            <a:r>
-              <a:rPr lang="zh-CN" altLang="en-US" sz="1600"/>
-              <a:t>&lt;script nomodule src="https://unpkg.com/@google/model-viewer/dist/model-viewer-legacy.js"&gt;&lt;/script&gt;</a:t>
-            </a:r>
-            <a:endParaRPr lang="zh-CN" altLang="en-US" sz="1600"/>
-          </a:p>
-          <a:p>
-            <a:r>
-              <a:rPr lang="zh-CN" altLang="en-US" sz="1600"/>
-              <a:t>&lt;!-- Use it like any other HTML element --&gt;</a:t>
-            </a:r>
-            <a:endParaRPr lang="zh-CN" altLang="en-US" sz="1600"/>
-          </a:p>
-          <a:p>
-            <a:r>
-              <a:rPr lang="zh-CN" altLang="en-US" sz="1600"/>
-              <a:t>&lt;model-viewer src="examples/assets/Astronaut.glb" alt="A 3D model of an astronaut" auto-rotate camera-controls background-color="#455A64"&gt;&lt;/model-viewer&gt;</a:t>
-            </a:r>
-            <a:endParaRPr lang="zh-CN" altLang="en-US" sz="1600"/>
+              <a:rPr lang="zh-CN" altLang="en-US" sz="1200"/>
+              <a:t>&lt;html&gt;</a:t>
+            </a:r>
+            <a:endParaRPr lang="zh-CN" altLang="en-US" sz="1200"/>
+          </a:p>
+          <a:p>
+            <a:r>
+              <a:rPr lang="zh-CN" altLang="en-US" sz="1200"/>
+              <a:t>  &lt;head&gt;</a:t>
+            </a:r>
+            <a:endParaRPr lang="zh-CN" altLang="en-US" sz="1200"/>
+          </a:p>
+          <a:p>
+            <a:r>
+              <a:rPr lang="zh-CN" altLang="en-US" sz="1200"/>
+              <a:t>    &lt;script src="https://aframe.io/releases/1.0.0/aframe.min.js"&gt;&lt;/script&gt;</a:t>
+            </a:r>
+            <a:endParaRPr lang="zh-CN" altLang="en-US" sz="1200"/>
+          </a:p>
+          <a:p>
+            <a:r>
+              <a:rPr lang="zh-CN" altLang="en-US" sz="1200"/>
+              <a:t>  &lt;/head&gt;</a:t>
+            </a:r>
+            <a:endParaRPr lang="zh-CN" altLang="en-US" sz="1200"/>
+          </a:p>
+          <a:p>
+            <a:r>
+              <a:rPr lang="zh-CN" altLang="en-US" sz="1200"/>
+              <a:t>  &lt;body&gt;</a:t>
+            </a:r>
+            <a:endParaRPr lang="zh-CN" altLang="en-US" sz="1200"/>
+          </a:p>
+          <a:p>
+            <a:r>
+              <a:rPr lang="zh-CN" altLang="en-US" sz="1200"/>
+              <a:t>    &lt;a-scene&gt;</a:t>
+            </a:r>
+            <a:endParaRPr lang="zh-CN" altLang="en-US" sz="1200"/>
+          </a:p>
+          <a:p>
+            <a:r>
+              <a:rPr lang="zh-CN" altLang="en-US" sz="1200"/>
+              <a:t>      &lt;a-box position="-1 0.5 -3" rotation="0 45 0" color="#4CC3D9"&gt;&lt;/a-box&gt;</a:t>
+            </a:r>
+            <a:endParaRPr lang="zh-CN" altLang="en-US" sz="1200"/>
+          </a:p>
+          <a:p>
+            <a:r>
+              <a:rPr lang="zh-CN" altLang="en-US" sz="1200"/>
+              <a:t>      &lt;a-sphere position="0 1.25 -5" radius="1.25" color="#EF2D5E"&gt;&lt;/a-sphere&gt;</a:t>
+            </a:r>
+            <a:endParaRPr lang="zh-CN" altLang="en-US" sz="1200"/>
+          </a:p>
+          <a:p>
+            <a:r>
+              <a:rPr lang="zh-CN" altLang="en-US" sz="1200"/>
+              <a:t>      &lt;a-cylinder position="1 0.75 -3" radius="0.5" height="1.5" color="#FFC65D"&gt;&lt;/a-cylinder&gt;</a:t>
+            </a:r>
+            <a:endParaRPr lang="zh-CN" altLang="en-US" sz="1200"/>
+          </a:p>
+          <a:p>
+            <a:r>
+              <a:rPr lang="zh-CN" altLang="en-US" sz="1200"/>
+              <a:t>      &lt;a-plane position="0 0 -4" rotation="-90 0 0" width="4" height="4" color="#7BC8A4"&gt;&lt;/a-plane&gt;</a:t>
+            </a:r>
+            <a:endParaRPr lang="zh-CN" altLang="en-US" sz="1200"/>
+          </a:p>
+          <a:p>
+            <a:r>
+              <a:rPr lang="zh-CN" altLang="en-US" sz="1200"/>
+              <a:t>      &lt;a-sky color="#ECECEC"&gt;&lt;/a-sky&gt;</a:t>
+            </a:r>
+            <a:endParaRPr lang="zh-CN" altLang="en-US" sz="1200"/>
+          </a:p>
+          <a:p>
+            <a:r>
+              <a:rPr lang="zh-CN" altLang="en-US" sz="1200"/>
+              <a:t>    &lt;/a-scene&gt;</a:t>
+            </a:r>
+            <a:endParaRPr lang="zh-CN" altLang="en-US" sz="1200"/>
+          </a:p>
+          <a:p>
+            <a:r>
+              <a:rPr lang="zh-CN" altLang="en-US" sz="1200"/>
+              <a:t>  &lt;/body&gt;</a:t>
+            </a:r>
+            <a:endParaRPr lang="zh-CN" altLang="en-US" sz="1200"/>
+          </a:p>
+          <a:p>
+            <a:r>
+              <a:rPr lang="zh-CN" altLang="en-US" sz="1200"/>
+              <a:t>&lt;/html&gt;</a:t>
+            </a:r>
+            <a:endParaRPr lang="zh-CN" altLang="en-US" sz="1200"/>
+          </a:p>
+        </p:txBody>
+      </p:sp>
+      <p:sp>
+        <p:nvSpPr>
+          <p:cNvPr id="5" name="文本框 4"/>
+          <p:cNvSpPr txBox="1"/>
+          <p:nvPr/>
+        </p:nvSpPr>
+        <p:spPr>
+          <a:xfrm>
+            <a:off x="6958330" y="5374005"/>
+            <a:ext cx="4859020" cy="953135"/>
+          </a:xfrm>
+          <a:prstGeom prst="rect">
+            <a:avLst/>
+          </a:prstGeom>
+          <a:noFill/>
+          <a:ln>
+            <a:solidFill>
+              <a:srgbClr val="FFC000"/>
+            </a:solidFill>
+          </a:ln>
+        </p:spPr>
+        <p:txBody>
+          <a:bodyPr wrap="square" rtlCol="0">
+            <a:spAutoFit/>
+          </a:bodyPr>
+          <a:p>
+            <a:r>
+              <a:rPr lang="zh-CN" altLang="en-US" sz="1400"/>
+              <a:t>&lt;a-entity geometry="primitive: sphere; radius: 1.5"</a:t>
+            </a:r>
+            <a:endParaRPr lang="zh-CN" altLang="en-US" sz="1400"/>
+          </a:p>
+          <a:p>
+            <a:r>
+              <a:rPr lang="zh-CN" altLang="en-US" sz="1400"/>
+              <a:t>          light="type: point; color: white; intensity: 2"</a:t>
+            </a:r>
+            <a:endParaRPr lang="zh-CN" altLang="en-US" sz="1400"/>
+          </a:p>
+          <a:p>
+            <a:r>
+              <a:rPr lang="zh-CN" altLang="en-US" sz="1400"/>
+              <a:t>          material="color: white; shader: flat; src: glow.jpg"</a:t>
+            </a:r>
+            <a:endParaRPr lang="zh-CN" altLang="en-US" sz="1400"/>
+          </a:p>
+          <a:p>
+            <a:r>
+              <a:rPr lang="zh-CN" altLang="en-US" sz="1400"/>
+              <a:t>          position="0 0 -5"&gt;&lt;/a-entity&gt;</a:t>
+            </a:r>
+            <a:endParaRPr lang="zh-CN" altLang="en-US" sz="1400"/>
           </a:p>
         </p:txBody>
       </p:sp>
@@ -13636,7 +13606,7 @@
       <p:grpSpPr/>
       <p:sp>
         <p:nvSpPr>
-          <p:cNvPr id="4" name="标题 3"/>
+          <p:cNvPr id="2" name="标题 1"/>
           <p:cNvSpPr>
             <a:spLocks noGrp="1"/>
           </p:cNvSpPr>
@@ -13650,27 +13620,94 @@
           <a:p>
             <a:r>
               <a:rPr lang="en-US" altLang="zh-CN"/>
-              <a:t>Data Visualization</a:t>
-            </a:r>
-            <a:endParaRPr lang="en-US" altLang="zh-CN"/>
-          </a:p>
-        </p:txBody>
-      </p:sp>
-      <p:sp>
-        <p:nvSpPr>
-          <p:cNvPr id="5" name="文本占位符 4"/>
-          <p:cNvSpPr>
-            <a:spLocks noGrp="1"/>
-          </p:cNvSpPr>
-          <p:nvPr>
-            <p:ph type="body" idx="1"/>
+              <a:t>Google ModelViewer</a:t>
+            </a:r>
+            <a:endParaRPr lang="en-US" altLang="zh-CN"/>
+          </a:p>
+        </p:txBody>
+      </p:sp>
+      <p:sp>
+        <p:nvSpPr>
+          <p:cNvPr id="3" name="内容占位符 2"/>
+          <p:cNvSpPr>
+            <a:spLocks noGrp="1"/>
+          </p:cNvSpPr>
+          <p:nvPr>
+            <p:ph idx="1"/>
           </p:nvPr>
         </p:nvSpPr>
         <p:spPr/>
         <p:txBody>
           <a:bodyPr/>
           <a:p>
-            <a:endParaRPr lang="zh-CN" altLang="en-US"/>
+            <a:r>
+              <a:rPr lang="en-US" altLang="zh-CN"/>
+              <a:t>Concept</a:t>
+            </a:r>
+            <a:endParaRPr lang="en-US" altLang="zh-CN"/>
+          </a:p>
+          <a:p>
+            <a:pPr lvl="1"/>
+            <a:r>
+              <a:rPr lang="en-US" altLang="zh-CN"/>
+              <a:t>Only glTF/GLB models are supported</a:t>
+            </a:r>
+            <a:endParaRPr lang="en-US" altLang="zh-CN"/>
+          </a:p>
+        </p:txBody>
+      </p:sp>
+      <p:sp>
+        <p:nvSpPr>
+          <p:cNvPr id="4" name="文本框 3"/>
+          <p:cNvSpPr txBox="1"/>
+          <p:nvPr/>
+        </p:nvSpPr>
+        <p:spPr>
+          <a:xfrm>
+            <a:off x="6999605" y="1414780"/>
+            <a:ext cx="4845050" cy="2799715"/>
+          </a:xfrm>
+          <a:prstGeom prst="rect">
+            <a:avLst/>
+          </a:prstGeom>
+          <a:noFill/>
+          <a:ln>
+            <a:solidFill>
+              <a:srgbClr val="FFC000"/>
+            </a:solidFill>
+          </a:ln>
+        </p:spPr>
+        <p:txBody>
+          <a:bodyPr wrap="square" rtlCol="0">
+            <a:spAutoFit/>
+          </a:bodyPr>
+          <a:p>
+            <a:r>
+              <a:rPr lang="zh-CN" altLang="en-US" sz="1600"/>
+              <a:t>&lt;script type="module" src="https://unpkg.com/@google/model-viewer/dist/model-viewer.js"&gt;&lt;/script&gt;</a:t>
+            </a:r>
+            <a:endParaRPr lang="zh-CN" altLang="en-US" sz="1600"/>
+          </a:p>
+          <a:p>
+            <a:r>
+              <a:rPr lang="zh-CN" altLang="en-US" sz="1600"/>
+              <a:t>&lt;script nomodule src="https://unpkg.com/@google/model-viewer/dist/model-viewer-legacy.js"&gt;&lt;/script&gt;</a:t>
+            </a:r>
+            <a:endParaRPr lang="zh-CN" altLang="en-US" sz="1600"/>
+          </a:p>
+          <a:p>
+            <a:r>
+              <a:rPr lang="zh-CN" altLang="en-US" sz="1600"/>
+              <a:t>&lt;!-- Use it like any other HTML element --&gt;</a:t>
+            </a:r>
+            <a:endParaRPr lang="zh-CN" altLang="en-US" sz="1600"/>
+          </a:p>
+          <a:p>
+            <a:r>
+              <a:rPr lang="zh-CN" altLang="en-US" sz="1600"/>
+              <a:t>&lt;model-viewer src="examples/assets/Astronaut.glb" alt="A 3D model of an astronaut" auto-rotate camera-controls background-color="#455A64"&gt;&lt;/model-viewer&gt;</a:t>
+            </a:r>
+            <a:endParaRPr lang="zh-CN" altLang="en-US" sz="1600"/>
           </a:p>
         </p:txBody>
       </p:sp>
@@ -13711,95 +13748,27 @@
           <a:p>
             <a:r>
               <a:rPr lang="en-US" altLang="zh-CN"/>
-              <a:t>QRCode</a:t>
-            </a:r>
-            <a:endParaRPr lang="en-US" altLang="zh-CN"/>
-          </a:p>
-        </p:txBody>
-      </p:sp>
-      <p:sp>
-        <p:nvSpPr>
-          <p:cNvPr id="5" name="内容占位符 4"/>
-          <p:cNvSpPr>
-            <a:spLocks noGrp="1"/>
-          </p:cNvSpPr>
-          <p:nvPr>
-            <p:ph idx="1"/>
+              <a:t>Data Visualization</a:t>
+            </a:r>
+            <a:endParaRPr lang="en-US" altLang="zh-CN"/>
+          </a:p>
+        </p:txBody>
+      </p:sp>
+      <p:sp>
+        <p:nvSpPr>
+          <p:cNvPr id="5" name="文本占位符 4"/>
+          <p:cNvSpPr>
+            <a:spLocks noGrp="1"/>
+          </p:cNvSpPr>
+          <p:nvPr>
+            <p:ph type="body" idx="1"/>
           </p:nvPr>
         </p:nvSpPr>
         <p:spPr/>
         <p:txBody>
           <a:bodyPr/>
           <a:p>
-            <a:r>
-              <a:rPr lang="en-US" altLang="zh-CN"/>
-              <a:t>References</a:t>
-            </a:r>
-            <a:endParaRPr lang="en-US" altLang="zh-CN"/>
-          </a:p>
-          <a:p>
-            <a:pPr lvl="1"/>
-            <a:r>
-              <a:rPr lang="en-US" altLang="zh-CN"/>
-              <a:t>https://towardsdatascience.com/the-importance-of-interactive-data-visualization-5e125cb04ce3</a:t>
-            </a:r>
-            <a:endParaRPr lang="en-US" altLang="zh-CN"/>
-          </a:p>
-          <a:p>
-            <a:pPr lvl="0"/>
-            <a:r>
-              <a:rPr lang="en-US" altLang="zh-CN"/>
-              <a:t>Libraries</a:t>
-            </a:r>
-            <a:endParaRPr lang="en-US" altLang="zh-CN"/>
-          </a:p>
-          <a:p>
-            <a:pPr lvl="1"/>
-            <a:r>
-              <a:rPr lang="en-US" altLang="zh-CN"/>
-              <a:t>Low-level</a:t>
-            </a:r>
-            <a:endParaRPr lang="en-US" altLang="zh-CN"/>
-          </a:p>
-          <a:p>
-            <a:pPr lvl="2"/>
-            <a:r>
-              <a:rPr lang="en-US" altLang="zh-CN"/>
-              <a:t>D3</a:t>
-            </a:r>
-            <a:endParaRPr lang="en-US" altLang="zh-CN"/>
-          </a:p>
-          <a:p>
-            <a:pPr lvl="1"/>
-            <a:r>
-              <a:rPr lang="en-US" altLang="zh-CN"/>
-              <a:t>High-level</a:t>
-            </a:r>
-            <a:endParaRPr lang="en-US" altLang="zh-CN"/>
-          </a:p>
-          <a:p>
-            <a:pPr lvl="2"/>
-            <a:r>
-              <a:rPr lang="en-US" altLang="zh-CN"/>
-              <a:t>Vega, Vega-Lite</a:t>
-            </a:r>
-            <a:endParaRPr lang="en-US" altLang="zh-CN"/>
-          </a:p>
-          <a:p>
-            <a:pPr lvl="1"/>
-            <a:r>
-              <a:rPr lang="en-US" altLang="zh-CN"/>
-              <a:t>Top-level</a:t>
-            </a:r>
-            <a:endParaRPr lang="en-US" altLang="zh-CN"/>
-          </a:p>
-          <a:p>
-            <a:pPr lvl="2"/>
-            <a:r>
-              <a:rPr lang="en-US" altLang="zh-CN"/>
-              <a:t>Voyager</a:t>
-            </a:r>
-            <a:endParaRPr lang="en-US" altLang="zh-CN"/>
+            <a:endParaRPr lang="zh-CN" altLang="en-US"/>
           </a:p>
         </p:txBody>
       </p:sp>
@@ -13840,27 +13809,95 @@
           <a:p>
             <a:r>
               <a:rPr lang="en-US" altLang="zh-CN"/>
-              <a:t>Misc.</a:t>
-            </a:r>
-            <a:endParaRPr lang="zh-CN" altLang="en-US"/>
-          </a:p>
-        </p:txBody>
-      </p:sp>
-      <p:sp>
-        <p:nvSpPr>
-          <p:cNvPr id="5" name="文本占位符 4"/>
-          <p:cNvSpPr>
-            <a:spLocks noGrp="1"/>
-          </p:cNvSpPr>
-          <p:nvPr>
-            <p:ph type="body" idx="1"/>
+              <a:t>QRCode</a:t>
+            </a:r>
+            <a:endParaRPr lang="en-US" altLang="zh-CN"/>
+          </a:p>
+        </p:txBody>
+      </p:sp>
+      <p:sp>
+        <p:nvSpPr>
+          <p:cNvPr id="5" name="内容占位符 4"/>
+          <p:cNvSpPr>
+            <a:spLocks noGrp="1"/>
+          </p:cNvSpPr>
+          <p:nvPr>
+            <p:ph idx="1"/>
           </p:nvPr>
         </p:nvSpPr>
         <p:spPr/>
         <p:txBody>
           <a:bodyPr/>
           <a:p>
-            <a:endParaRPr lang="zh-CN" altLang="en-US"/>
+            <a:r>
+              <a:rPr lang="en-US" altLang="zh-CN"/>
+              <a:t>References</a:t>
+            </a:r>
+            <a:endParaRPr lang="en-US" altLang="zh-CN"/>
+          </a:p>
+          <a:p>
+            <a:pPr lvl="1"/>
+            <a:r>
+              <a:rPr lang="en-US" altLang="zh-CN"/>
+              <a:t>https://towardsdatascience.com/the-importance-of-interactive-data-visualization-5e125cb04ce3</a:t>
+            </a:r>
+            <a:endParaRPr lang="en-US" altLang="zh-CN"/>
+          </a:p>
+          <a:p>
+            <a:pPr lvl="0"/>
+            <a:r>
+              <a:rPr lang="en-US" altLang="zh-CN"/>
+              <a:t>Libraries</a:t>
+            </a:r>
+            <a:endParaRPr lang="en-US" altLang="zh-CN"/>
+          </a:p>
+          <a:p>
+            <a:pPr lvl="1"/>
+            <a:r>
+              <a:rPr lang="en-US" altLang="zh-CN"/>
+              <a:t>Low-level</a:t>
+            </a:r>
+            <a:endParaRPr lang="en-US" altLang="zh-CN"/>
+          </a:p>
+          <a:p>
+            <a:pPr lvl="2"/>
+            <a:r>
+              <a:rPr lang="en-US" altLang="zh-CN"/>
+              <a:t>D3</a:t>
+            </a:r>
+            <a:endParaRPr lang="en-US" altLang="zh-CN"/>
+          </a:p>
+          <a:p>
+            <a:pPr lvl="1"/>
+            <a:r>
+              <a:rPr lang="en-US" altLang="zh-CN"/>
+              <a:t>High-level</a:t>
+            </a:r>
+            <a:endParaRPr lang="en-US" altLang="zh-CN"/>
+          </a:p>
+          <a:p>
+            <a:pPr lvl="2"/>
+            <a:r>
+              <a:rPr lang="en-US" altLang="zh-CN"/>
+              <a:t>Vega, Vega-Lite</a:t>
+            </a:r>
+            <a:endParaRPr lang="en-US" altLang="zh-CN"/>
+          </a:p>
+          <a:p>
+            <a:pPr lvl="1"/>
+            <a:r>
+              <a:rPr lang="en-US" altLang="zh-CN"/>
+              <a:t>Top-level</a:t>
+            </a:r>
+            <a:endParaRPr lang="en-US" altLang="zh-CN"/>
+          </a:p>
+          <a:p>
+            <a:pPr lvl="2"/>
+            <a:r>
+              <a:rPr lang="en-US" altLang="zh-CN"/>
+              <a:t>Voyager</a:t>
+            </a:r>
+            <a:endParaRPr lang="en-US" altLang="zh-CN"/>
           </a:p>
         </p:txBody>
       </p:sp>
@@ -13901,63 +13938,27 @@
           <a:p>
             <a:r>
               <a:rPr lang="en-US" altLang="zh-CN"/>
-              <a:t>QRCode</a:t>
-            </a:r>
-            <a:endParaRPr lang="en-US" altLang="zh-CN"/>
-          </a:p>
-        </p:txBody>
-      </p:sp>
-      <p:sp>
-        <p:nvSpPr>
-          <p:cNvPr id="5" name="内容占位符 4"/>
-          <p:cNvSpPr>
-            <a:spLocks noGrp="1"/>
-          </p:cNvSpPr>
-          <p:nvPr>
-            <p:ph idx="1"/>
+              <a:t>Misc.</a:t>
+            </a:r>
+            <a:endParaRPr lang="zh-CN" altLang="en-US"/>
+          </a:p>
+        </p:txBody>
+      </p:sp>
+      <p:sp>
+        <p:nvSpPr>
+          <p:cNvPr id="5" name="文本占位符 4"/>
+          <p:cNvSpPr>
+            <a:spLocks noGrp="1"/>
+          </p:cNvSpPr>
+          <p:nvPr>
+            <p:ph type="body" idx="1"/>
           </p:nvPr>
         </p:nvSpPr>
         <p:spPr/>
         <p:txBody>
           <a:bodyPr/>
           <a:p>
-            <a:r>
-              <a:rPr lang="en-US" altLang="zh-CN"/>
-              <a:t>References</a:t>
-            </a:r>
-            <a:endParaRPr lang="en-US" altLang="zh-CN"/>
-          </a:p>
-          <a:p>
-            <a:pPr lvl="1"/>
-            <a:r>
-              <a:rPr lang="en-US" altLang="zh-CN"/>
-              <a:t>https://code-boxx.com/generate-qr-code-javascript/#:~:text=To%20generate%20QR%20codes%20in%20Javascript%3A%201%20Load,var%20qrc%20%3D%20new%20QRCode%20%28document.getElementById%20%28%22qrcode%22%29%2C%20%22http%3A%2F%2Fsite.com%2F%22%29%3B</a:t>
-            </a:r>
-            <a:endParaRPr lang="en-US" altLang="zh-CN"/>
-          </a:p>
-          <a:p>
-            <a:pPr lvl="0"/>
-            <a:r>
-              <a:rPr lang="en-US" altLang="zh-CN"/>
-              <a:t>qrcodejs</a:t>
-            </a:r>
-            <a:endParaRPr lang="en-US" altLang="zh-CN"/>
-          </a:p>
-          <a:p>
-            <a:pPr lvl="1"/>
-            <a:r>
-              <a:rPr lang="en-US" altLang="zh-CN"/>
-              <a:t>https://cdnjs.com/libraries/qrcodejs</a:t>
-            </a:r>
-            <a:endParaRPr lang="en-US" altLang="zh-CN"/>
-          </a:p>
-          <a:p>
-            <a:pPr lvl="1"/>
-            <a:r>
-              <a:rPr lang="en-US" altLang="zh-CN"/>
-              <a:t>var qrc = new QRCode(document.getElementById("qrcode"), "content");</a:t>
-            </a:r>
-            <a:endParaRPr lang="en-US" altLang="zh-CN"/>
+            <a:endParaRPr lang="zh-CN" altLang="en-US"/>
           </a:p>
         </p:txBody>
       </p:sp>
@@ -13984,7 +13985,7 @@
       <p:grpSpPr/>
       <p:sp>
         <p:nvSpPr>
-          <p:cNvPr id="2" name="标题 1"/>
+          <p:cNvPr id="4" name="标题 3"/>
           <p:cNvSpPr>
             <a:spLocks noGrp="1"/>
           </p:cNvSpPr>
@@ -13998,15 +13999,15 @@
           <a:p>
             <a:r>
               <a:rPr lang="en-US" altLang="zh-CN"/>
-              <a:t>Input validation</a:t>
-            </a:r>
-            <a:endParaRPr lang="en-US" altLang="zh-CN"/>
-          </a:p>
-        </p:txBody>
-      </p:sp>
-      <p:sp>
-        <p:nvSpPr>
-          <p:cNvPr id="3" name="内容占位符 2"/>
+              <a:t>QRCode</a:t>
+            </a:r>
+            <a:endParaRPr lang="en-US" altLang="zh-CN"/>
+          </a:p>
+        </p:txBody>
+      </p:sp>
+      <p:sp>
+        <p:nvSpPr>
+          <p:cNvPr id="5" name="内容占位符 4"/>
           <p:cNvSpPr>
             <a:spLocks noGrp="1"/>
           </p:cNvSpPr>
@@ -14020,15 +14021,39 @@
           <a:p>
             <a:r>
               <a:rPr lang="en-US" altLang="zh-CN"/>
-              <a:t>Reference</a:t>
-            </a:r>
-            <a:endParaRPr lang="en-US" altLang="zh-CN"/>
-          </a:p>
-          <a:p>
-            <a:pPr lvl="1"/>
-            <a:r>
-              <a:rPr lang="en-US" altLang="zh-CN"/>
-              <a:t>https://developpaper.com/javascript-text-box-verification-code-based-on-regular-expression/</a:t>
+              <a:t>References</a:t>
+            </a:r>
+            <a:endParaRPr lang="en-US" altLang="zh-CN"/>
+          </a:p>
+          <a:p>
+            <a:pPr lvl="1"/>
+            <a:r>
+              <a:rPr lang="en-US" altLang="zh-CN"/>
+              <a:t>https://code-boxx.com/generate-qr-code-javascript/#:~:text=To%20generate%20QR%20codes%20in%20Javascript%3A%201%20Load,var%20qrc%20%3D%20new%20QRCode%20%28document.getElementById%20%28%22qrcode%22%29%2C%20%22http%3A%2F%2Fsite.com%2F%22%29%3B</a:t>
+            </a:r>
+            <a:endParaRPr lang="en-US" altLang="zh-CN"/>
+          </a:p>
+          <a:p>
+            <a:pPr lvl="0"/>
+            <a:r>
+              <a:rPr lang="en-US" altLang="zh-CN"/>
+              <a:t>qrcodejs</a:t>
+            </a:r>
+            <a:endParaRPr lang="en-US" altLang="zh-CN"/>
+          </a:p>
+          <a:p>
+            <a:pPr lvl="1"/>
+            <a:r>
+              <a:rPr lang="en-US" altLang="zh-CN"/>
+              <a:t>https://cdnjs.com/libraries/qrcodejs</a:t>
+            </a:r>
+            <a:endParaRPr lang="en-US" altLang="zh-CN"/>
+          </a:p>
+          <a:p>
+            <a:pPr lvl="1"/>
+            <a:r>
+              <a:rPr lang="en-US" altLang="zh-CN"/>
+              <a:t>var qrc = new QRCode(document.getElementById("qrcode"), "content");</a:t>
             </a:r>
             <a:endParaRPr lang="en-US" altLang="zh-CN"/>
           </a:p>
@@ -14057,7 +14082,7 @@
       <p:grpSpPr/>
       <p:sp>
         <p:nvSpPr>
-          <p:cNvPr id="4" name="标题 3"/>
+          <p:cNvPr id="2" name="标题 1"/>
           <p:cNvSpPr>
             <a:spLocks noGrp="1"/>
           </p:cNvSpPr>
@@ -14067,33 +14092,43 @@
         </p:nvSpPr>
         <p:spPr/>
         <p:txBody>
-          <a:bodyPr>
-            <a:normAutofit fontScale="90000"/>
-          </a:bodyPr>
-          <a:p>
-            <a:r>
-              <a:rPr lang="en-US" altLang="zh-CN"/>
-              <a:t>Interaction with Other Language</a:t>
-            </a:r>
-            <a:endParaRPr lang="en-US" altLang="zh-CN"/>
-          </a:p>
-        </p:txBody>
-      </p:sp>
-      <p:sp>
-        <p:nvSpPr>
-          <p:cNvPr id="5" name="文本占位符 4"/>
-          <p:cNvSpPr>
-            <a:spLocks noGrp="1"/>
-          </p:cNvSpPr>
-          <p:nvPr>
-            <p:ph type="body" idx="1"/>
+          <a:bodyPr/>
+          <a:p>
+            <a:r>
+              <a:rPr lang="en-US" altLang="zh-CN"/>
+              <a:t>Input validation</a:t>
+            </a:r>
+            <a:endParaRPr lang="en-US" altLang="zh-CN"/>
+          </a:p>
+        </p:txBody>
+      </p:sp>
+      <p:sp>
+        <p:nvSpPr>
+          <p:cNvPr id="3" name="内容占位符 2"/>
+          <p:cNvSpPr>
+            <a:spLocks noGrp="1"/>
+          </p:cNvSpPr>
+          <p:nvPr>
+            <p:ph idx="1"/>
           </p:nvPr>
         </p:nvSpPr>
         <p:spPr/>
         <p:txBody>
           <a:bodyPr/>
           <a:p>
-            <a:endParaRPr lang="zh-CN" altLang="en-US"/>
+            <a:r>
+              <a:rPr lang="en-US" altLang="zh-CN"/>
+              <a:t>Reference</a:t>
+            </a:r>
+            <a:endParaRPr lang="en-US" altLang="zh-CN"/>
+          </a:p>
+          <a:p>
+            <a:pPr lvl="1"/>
+            <a:r>
+              <a:rPr lang="en-US" altLang="zh-CN"/>
+              <a:t>https://developpaper.com/javascript-text-box-verification-code-based-on-regular-expression/</a:t>
+            </a:r>
+            <a:endParaRPr lang="en-US" altLang="zh-CN"/>
           </a:p>
         </p:txBody>
       </p:sp>
@@ -14109,6 +14144,69 @@
 </file>
 
 <file path=ppt/slides/slide56.xml><?xml version="1.0" encoding="utf-8"?>
+<p:sld xmlns:a="http://schemas.openxmlformats.org/drawingml/2006/main" xmlns:r="http://schemas.openxmlformats.org/officeDocument/2006/relationships" xmlns:p="http://schemas.openxmlformats.org/presentationml/2006/main">
+  <p:cSld>
+    <p:spTree>
+      <p:nvGrpSpPr>
+        <p:cNvPr id="1" name=""/>
+        <p:cNvGrpSpPr/>
+        <p:nvPr/>
+      </p:nvGrpSpPr>
+      <p:grpSpPr/>
+      <p:sp>
+        <p:nvSpPr>
+          <p:cNvPr id="4" name="标题 3"/>
+          <p:cNvSpPr>
+            <a:spLocks noGrp="1"/>
+          </p:cNvSpPr>
+          <p:nvPr>
+            <p:ph type="title"/>
+          </p:nvPr>
+        </p:nvSpPr>
+        <p:spPr/>
+        <p:txBody>
+          <a:bodyPr>
+            <a:normAutofit fontScale="90000"/>
+          </a:bodyPr>
+          <a:p>
+            <a:r>
+              <a:rPr lang="en-US" altLang="zh-CN"/>
+              <a:t>Interaction with Other Language</a:t>
+            </a:r>
+            <a:endParaRPr lang="en-US" altLang="zh-CN"/>
+          </a:p>
+        </p:txBody>
+      </p:sp>
+      <p:sp>
+        <p:nvSpPr>
+          <p:cNvPr id="5" name="文本占位符 4"/>
+          <p:cNvSpPr>
+            <a:spLocks noGrp="1"/>
+          </p:cNvSpPr>
+          <p:nvPr>
+            <p:ph type="body" idx="1"/>
+          </p:nvPr>
+        </p:nvSpPr>
+        <p:spPr/>
+        <p:txBody>
+          <a:bodyPr/>
+          <a:p>
+            <a:endParaRPr lang="zh-CN" altLang="en-US"/>
+          </a:p>
+        </p:txBody>
+      </p:sp>
+    </p:spTree>
+    <p:custDataLst>
+      <p:tags r:id="rId1"/>
+    </p:custDataLst>
+  </p:cSld>
+  <p:clrMapOvr>
+    <a:masterClrMapping/>
+  </p:clrMapOvr>
+</p:sld>
+</file>
+
+<file path=ppt/slides/slide57.xml><?xml version="1.0" encoding="utf-8"?>
 <p:sld xmlns:a="http://schemas.openxmlformats.org/drawingml/2006/main" xmlns:r="http://schemas.openxmlformats.org/officeDocument/2006/relationships" xmlns:p="http://schemas.openxmlformats.org/presentationml/2006/main">
   <p:cSld>
     <p:spTree>
@@ -15558,16 +15656,16 @@
 
 <file path=ppt/tags/tag40.xml><?xml version="1.0" encoding="utf-8"?>
 <p:tagLst xmlns:p="http://schemas.openxmlformats.org/presentationml/2006/main">
-  <p:tag name="REFSHAPE" val="1066456668"/>
-  <p:tag name="KSO_WM_UNIT_PLACING_PICTURE_USER_VIEWPORT" val="{&quot;height&quot;:15840,&quot;width&quot;:11264}"/>
+  <p:tag name="KSO_WM_BEAUTIFY_FLAG" val="#wm#"/>
+  <p:tag name="KSO_WM_TEMPLATE_CATEGORY" val="custom"/>
+  <p:tag name="KSO_WM_TEMPLATE_INDEX" val="160402"/>
 </p:tagLst>
 </file>
 
 <file path=ppt/tags/tag41.xml><?xml version="1.0" encoding="utf-8"?>
 <p:tagLst xmlns:p="http://schemas.openxmlformats.org/presentationml/2006/main">
-  <p:tag name="KSO_WM_BEAUTIFY_FLAG" val="#wm#"/>
-  <p:tag name="KSO_WM_TEMPLATE_CATEGORY" val="custom"/>
-  <p:tag name="KSO_WM_TEMPLATE_INDEX" val="160402"/>
+  <p:tag name="REFSHAPE" val="1066456668"/>
+  <p:tag name="KSO_WM_UNIT_PLACING_PICTURE_USER_VIEWPORT" val="{&quot;height&quot;:15840,&quot;width&quot;:11264}"/>
 </p:tagLst>
 </file>
 
@@ -15796,7 +15894,16 @@
 
 <file path=ppt/tags/tag65.xml><?xml version="1.0" encoding="utf-8"?>
 <p:tagLst xmlns:p="http://schemas.openxmlformats.org/presentationml/2006/main">
-  <p:tag name="COMMONDATA" val="eyJoZGlkIjoiODcwZjc5M2RmYzUwOWE5MjVkODVjZGMyZDUwOTRjYmEifQ=="/>
+  <p:tag name="KSO_WM_BEAUTIFY_FLAG" val="#wm#"/>
+  <p:tag name="KSO_WM_TEMPLATE_CATEGORY" val="custom"/>
+  <p:tag name="KSO_WM_TEMPLATE_INDEX" val="160402"/>
+</p:tagLst>
+</file>
+
+<file path=ppt/tags/tag66.xml><?xml version="1.0" encoding="utf-8"?>
+<p:tagLst xmlns:p="http://schemas.openxmlformats.org/presentationml/2006/main">
+  <p:tag name="COMMONDATA" val="eyJoZGlkIjoiYjRhZjQ5NWVmZmQxNmM3NmNkNDYxNWRmNzNmMjA1ZDAifQ=="/>
+  <p:tag name="KSO_WPP_MARK_KEY" val="a35375c5-519a-4add-9bbc-1782d173b1f9"/>
 </p:tagLst>
 </file>
 

--- a/Web/JavaScript-Notes.pptx
+++ b/Web/JavaScript-Notes.pptx
@@ -8,7 +8,7 @@
     <p:notesMasterId r:id="rId4"/>
   </p:notesMasterIdLst>
   <p:handoutMasterIdLst>
-    <p:handoutMasterId r:id="rId61"/>
+    <p:handoutMasterId r:id="rId64"/>
   </p:handoutMasterIdLst>
   <p:sldIdLst>
     <p:sldId id="256" r:id="rId3"/>
@@ -61,18 +61,21 @@
     <p:sldId id="426" r:id="rId51"/>
     <p:sldId id="292" r:id="rId52"/>
     <p:sldId id="293" r:id="rId53"/>
-    <p:sldId id="655" r:id="rId54"/>
-    <p:sldId id="656" r:id="rId55"/>
-    <p:sldId id="637" r:id="rId56"/>
-    <p:sldId id="638" r:id="rId57"/>
-    <p:sldId id="652" r:id="rId58"/>
-    <p:sldId id="598" r:id="rId59"/>
-    <p:sldId id="599" r:id="rId60"/>
+    <p:sldId id="764" r:id="rId54"/>
+    <p:sldId id="766" r:id="rId55"/>
+    <p:sldId id="765" r:id="rId56"/>
+    <p:sldId id="655" r:id="rId57"/>
+    <p:sldId id="656" r:id="rId58"/>
+    <p:sldId id="637" r:id="rId59"/>
+    <p:sldId id="638" r:id="rId60"/>
+    <p:sldId id="652" r:id="rId61"/>
+    <p:sldId id="598" r:id="rId62"/>
+    <p:sldId id="599" r:id="rId63"/>
   </p:sldIdLst>
   <p:sldSz cx="12192000" cy="6858000"/>
   <p:notesSz cx="6858000" cy="9144000"/>
   <p:custDataLst>
-    <p:tags r:id="rId65"/>
+    <p:tags r:id="rId68"/>
   </p:custDataLst>
   <p:defaultTextStyle>
     <a:defPPr>
@@ -13734,7 +13737,7 @@
       <p:grpSpPr/>
       <p:sp>
         <p:nvSpPr>
-          <p:cNvPr id="4" name="标题 3"/>
+          <p:cNvPr id="2" name="标题 1"/>
           <p:cNvSpPr>
             <a:spLocks noGrp="1"/>
           </p:cNvSpPr>
@@ -13748,27 +13751,278 @@
           <a:p>
             <a:r>
               <a:rPr lang="en-US" altLang="zh-CN"/>
-              <a:t>Data Visualization</a:t>
-            </a:r>
-            <a:endParaRPr lang="en-US" altLang="zh-CN"/>
-          </a:p>
-        </p:txBody>
-      </p:sp>
-      <p:sp>
-        <p:nvSpPr>
-          <p:cNvPr id="5" name="文本占位符 4"/>
-          <p:cNvSpPr>
-            <a:spLocks noGrp="1"/>
-          </p:cNvSpPr>
-          <p:nvPr>
-            <p:ph type="body" idx="1"/>
-          </p:nvPr>
-        </p:nvSpPr>
-        <p:spPr/>
-        <p:txBody>
-          <a:bodyPr/>
-          <a:p>
-            <a:endParaRPr lang="zh-CN" altLang="en-US"/>
+              <a:t>Babylon.js - Basic</a:t>
+            </a:r>
+            <a:endParaRPr lang="en-US" altLang="zh-CN"/>
+          </a:p>
+        </p:txBody>
+      </p:sp>
+      <p:sp>
+        <p:nvSpPr>
+          <p:cNvPr id="3" name="内容占位符 2"/>
+          <p:cNvSpPr>
+            <a:spLocks noGrp="1"/>
+          </p:cNvSpPr>
+          <p:nvPr>
+            <p:ph idx="1"/>
+          </p:nvPr>
+        </p:nvSpPr>
+        <p:spPr>
+          <a:xfrm>
+            <a:off x="838200" y="1211580"/>
+            <a:ext cx="5564505" cy="4549140"/>
+          </a:xfrm>
+        </p:spPr>
+        <p:txBody>
+          <a:bodyPr>
+            <a:normAutofit lnSpcReduction="20000"/>
+          </a:bodyPr>
+          <a:p>
+            <a:r>
+              <a:rPr lang="en-US" altLang="zh-CN" sz="2000"/>
+              <a:t>Intro</a:t>
+            </a:r>
+            <a:endParaRPr lang="en-US" altLang="zh-CN" sz="2000"/>
+          </a:p>
+          <a:p>
+            <a:pPr lvl="1"/>
+            <a:r>
+              <a:rPr lang="en-US" altLang="zh-CN" sz="1800"/>
+              <a:t>open source Javascript framework for building 3D games with HTML5 and WEBGL.</a:t>
+            </a:r>
+            <a:endParaRPr lang="en-US" altLang="zh-CN" sz="1800"/>
+          </a:p>
+          <a:p>
+            <a:pPr lvl="0"/>
+            <a:r>
+              <a:rPr lang="en-US" altLang="zh-CN" sz="2000"/>
+              <a:t>Components</a:t>
+            </a:r>
+            <a:endParaRPr lang="en-US" altLang="zh-CN" sz="2000"/>
+          </a:p>
+          <a:p>
+            <a:pPr lvl="1"/>
+            <a:r>
+              <a:rPr lang="en-US" altLang="zh-CN" sz="1800"/>
+              <a:t>3D shapes, like box, sphere, cylinder, cone, ground, height ground, AxisLine, etc.</a:t>
+            </a:r>
+            <a:endParaRPr lang="en-US" altLang="zh-CN" sz="1800"/>
+          </a:p>
+          <a:p>
+            <a:pPr lvl="1"/>
+            <a:r>
+              <a:rPr lang="en-US" altLang="zh-CN" sz="1800"/>
+              <a:t>camera, lights</a:t>
+            </a:r>
+            <a:endParaRPr lang="en-US" altLang="zh-CN" sz="1800"/>
+          </a:p>
+          <a:p>
+            <a:pPr lvl="1"/>
+            <a:r>
+              <a:rPr lang="en-US" altLang="zh-CN" sz="1800"/>
+              <a:t>mesh, materials, textures</a:t>
+            </a:r>
+            <a:endParaRPr lang="en-US" altLang="zh-CN" sz="1800"/>
+          </a:p>
+          <a:p>
+            <a:pPr lvl="1"/>
+            <a:r>
+              <a:rPr lang="en-US" altLang="zh-CN" sz="1800"/>
+              <a:t>sprites</a:t>
+            </a:r>
+            <a:endParaRPr lang="en-US" altLang="zh-CN" sz="1800"/>
+          </a:p>
+          <a:p>
+            <a:pPr lvl="1"/>
+            <a:r>
+              <a:rPr lang="en-US" altLang="zh-CN" sz="1800"/>
+              <a:t>morphing</a:t>
+            </a:r>
+            <a:endParaRPr lang="en-US" altLang="zh-CN" sz="1800"/>
+          </a:p>
+          <a:p>
+            <a:pPr lvl="1"/>
+            <a:r>
+              <a:rPr lang="en-US" altLang="zh-CN" sz="1800"/>
+              <a:t>mesh interaction and collision detection</a:t>
+            </a:r>
+            <a:endParaRPr lang="en-US" altLang="zh-CN" sz="1800"/>
+          </a:p>
+          <a:p>
+            <a:pPr lvl="1"/>
+            <a:r>
+              <a:rPr lang="en-US" altLang="zh-CN" sz="1800"/>
+              <a:t>physics engine plugin</a:t>
+            </a:r>
+            <a:endParaRPr lang="en-US" altLang="zh-CN" sz="1800"/>
+          </a:p>
+          <a:p>
+            <a:pPr lvl="1"/>
+            <a:r>
+              <a:rPr lang="en-US" altLang="zh-CN" sz="1800"/>
+              <a:t>action manager</a:t>
+            </a:r>
+            <a:endParaRPr lang="en-US" altLang="zh-CN" sz="1800"/>
+          </a:p>
+          <a:p>
+            <a:pPr lvl="1"/>
+            <a:r>
+              <a:rPr lang="en-US" altLang="zh-CN" sz="1800"/>
+              <a:t>solid particles</a:t>
+            </a:r>
+            <a:endParaRPr lang="en-US" altLang="zh-CN" sz="1800"/>
+          </a:p>
+          <a:p>
+            <a:pPr lvl="1"/>
+            <a:r>
+              <a:rPr lang="en-US" altLang="zh-CN" sz="1800"/>
+              <a:t>support for bones and skeletons</a:t>
+            </a:r>
+            <a:endParaRPr lang="en-US" altLang="zh-CN" sz="1800"/>
+          </a:p>
+          <a:p>
+            <a:pPr lvl="1"/>
+            <a:r>
+              <a:rPr lang="en-US" altLang="zh-CN" sz="1800"/>
+              <a:t>music, sound, etc.</a:t>
+            </a:r>
+            <a:endParaRPr lang="en-US" altLang="zh-CN" sz="1800"/>
+          </a:p>
+        </p:txBody>
+      </p:sp>
+      <p:sp>
+        <p:nvSpPr>
+          <p:cNvPr id="4" name="文本框 3"/>
+          <p:cNvSpPr txBox="1"/>
+          <p:nvPr/>
+        </p:nvSpPr>
+        <p:spPr>
+          <a:xfrm>
+            <a:off x="7100570" y="1473835"/>
+            <a:ext cx="4558665" cy="2891790"/>
+          </a:xfrm>
+          <a:prstGeom prst="rect">
+            <a:avLst/>
+          </a:prstGeom>
+          <a:noFill/>
+          <a:ln>
+            <a:solidFill>
+              <a:srgbClr val="C00000"/>
+            </a:solidFill>
+          </a:ln>
+        </p:spPr>
+        <p:txBody>
+          <a:bodyPr wrap="square" rtlCol="0">
+            <a:spAutoFit/>
+          </a:bodyPr>
+          <a:p>
+            <a:r>
+              <a:rPr lang="zh-CN" altLang="en-US" sz="1400"/>
+              <a:t>var </a:t>
+            </a:r>
+            <a:r>
+              <a:rPr lang="zh-CN" altLang="en-US" sz="1400" b="1"/>
+              <a:t>canvas </a:t>
+            </a:r>
+            <a:r>
+              <a:rPr lang="zh-CN" altLang="en-US" sz="1400"/>
+              <a:t>= document.getElementById("renderCanvas");</a:t>
+            </a:r>
+            <a:endParaRPr lang="zh-CN" altLang="en-US" sz="1400"/>
+          </a:p>
+          <a:p>
+            <a:r>
+              <a:rPr lang="zh-CN" altLang="en-US" sz="1400"/>
+              <a:t>var </a:t>
+            </a:r>
+            <a:r>
+              <a:rPr lang="zh-CN" altLang="en-US" sz="1400" b="1"/>
+              <a:t>engine </a:t>
+            </a:r>
+            <a:r>
+              <a:rPr lang="zh-CN" altLang="en-US" sz="1400"/>
+              <a:t>= new BABYLON.Engine(canvas, true);</a:t>
+            </a:r>
+            <a:endParaRPr lang="zh-CN" altLang="en-US" sz="1400"/>
+          </a:p>
+          <a:p>
+            <a:r>
+              <a:rPr lang="zh-CN" altLang="en-US" sz="1400"/>
+              <a:t>var createScene  = function() {</a:t>
+            </a:r>
+            <a:endParaRPr lang="zh-CN" altLang="en-US" sz="1400"/>
+          </a:p>
+          <a:p>
+            <a:r>
+              <a:rPr lang="zh-CN" altLang="en-US" sz="1400"/>
+              <a:t>       var </a:t>
+            </a:r>
+            <a:r>
+              <a:rPr lang="zh-CN" altLang="en-US" sz="1400" b="1"/>
+              <a:t>scene </a:t>
+            </a:r>
+            <a:r>
+              <a:rPr lang="zh-CN" altLang="en-US" sz="1400"/>
+              <a:t>= new BABYLON.Scene(engine);</a:t>
+            </a:r>
+            <a:endParaRPr lang="zh-CN" altLang="en-US" sz="1400"/>
+          </a:p>
+          <a:p>
+            <a:r>
+              <a:rPr lang="zh-CN" altLang="en-US" sz="1400"/>
+              <a:t>        scene.clearColor = new BABYLON.Color3(1, 0.8, 0.8);</a:t>
+            </a:r>
+            <a:endParaRPr lang="zh-CN" altLang="en-US" sz="1400"/>
+          </a:p>
+          <a:p>
+            <a:r>
+              <a:rPr lang="zh-CN" altLang="en-US" sz="1400"/>
+              <a:t>        return scene;</a:t>
+            </a:r>
+            <a:endParaRPr lang="zh-CN" altLang="en-US" sz="1400"/>
+          </a:p>
+          <a:p>
+            <a:r>
+              <a:rPr lang="zh-CN" altLang="en-US" sz="1400"/>
+              <a:t>};</a:t>
+            </a:r>
+            <a:endParaRPr lang="zh-CN" altLang="en-US" sz="1400"/>
+          </a:p>
+          <a:p>
+            <a:r>
+              <a:rPr lang="zh-CN" altLang="en-US" sz="1400"/>
+              <a:t>var scene = createScene();</a:t>
+            </a:r>
+            <a:endParaRPr lang="zh-CN" altLang="en-US" sz="1400"/>
+          </a:p>
+          <a:p>
+            <a:r>
+              <a:rPr lang="zh-CN" altLang="en-US" sz="1400"/>
+              <a:t>engine.</a:t>
+            </a:r>
+            <a:r>
+              <a:rPr lang="zh-CN" altLang="en-US" sz="1400" b="1"/>
+              <a:t>runRenderLoop</a:t>
+            </a:r>
+            <a:r>
+              <a:rPr lang="zh-CN" altLang="en-US" sz="1400"/>
+              <a:t>(function() {</a:t>
+            </a:r>
+            <a:endParaRPr lang="zh-CN" altLang="en-US" sz="1400"/>
+          </a:p>
+          <a:p>
+            <a:r>
+              <a:rPr lang="zh-CN" altLang="en-US" sz="1400"/>
+              <a:t>      scene.render();</a:t>
+            </a:r>
+            <a:endParaRPr lang="zh-CN" altLang="en-US" sz="1400"/>
+          </a:p>
+          <a:p>
+            <a:r>
+              <a:rPr lang="zh-CN" altLang="en-US" sz="1400"/>
+              <a:t>});</a:t>
+            </a:r>
+            <a:endParaRPr lang="zh-CN" altLang="en-US" sz="1400"/>
           </a:p>
         </p:txBody>
       </p:sp>
@@ -13795,7 +14049,7 @@
       <p:grpSpPr/>
       <p:sp>
         <p:nvSpPr>
-          <p:cNvPr id="4" name="标题 3"/>
+          <p:cNvPr id="2" name="标题 1"/>
           <p:cNvSpPr>
             <a:spLocks noGrp="1"/>
           </p:cNvSpPr>
@@ -13809,93 +14063,725 @@
           <a:p>
             <a:r>
               <a:rPr lang="en-US" altLang="zh-CN"/>
-              <a:t>QRCode</a:t>
-            </a:r>
-            <a:endParaRPr lang="en-US" altLang="zh-CN"/>
-          </a:p>
-        </p:txBody>
-      </p:sp>
-      <p:sp>
-        <p:nvSpPr>
-          <p:cNvPr id="5" name="内容占位符 4"/>
-          <p:cNvSpPr>
-            <a:spLocks noGrp="1"/>
-          </p:cNvSpPr>
-          <p:nvPr>
-            <p:ph idx="1"/>
-          </p:nvPr>
-        </p:nvSpPr>
-        <p:spPr/>
-        <p:txBody>
-          <a:bodyPr/>
-          <a:p>
-            <a:r>
-              <a:rPr lang="en-US" altLang="zh-CN"/>
-              <a:t>References</a:t>
-            </a:r>
-            <a:endParaRPr lang="en-US" altLang="zh-CN"/>
-          </a:p>
-          <a:p>
-            <a:pPr lvl="1"/>
-            <a:r>
-              <a:rPr lang="en-US" altLang="zh-CN"/>
-              <a:t>https://towardsdatascience.com/the-importance-of-interactive-data-visualization-5e125cb04ce3</a:t>
-            </a:r>
-            <a:endParaRPr lang="en-US" altLang="zh-CN"/>
-          </a:p>
-          <a:p>
-            <a:pPr lvl="0"/>
-            <a:r>
-              <a:rPr lang="en-US" altLang="zh-CN"/>
-              <a:t>Libraries</a:t>
-            </a:r>
-            <a:endParaRPr lang="en-US" altLang="zh-CN"/>
-          </a:p>
-          <a:p>
-            <a:pPr lvl="1"/>
-            <a:r>
-              <a:rPr lang="en-US" altLang="zh-CN"/>
-              <a:t>Low-level</a:t>
-            </a:r>
-            <a:endParaRPr lang="en-US" altLang="zh-CN"/>
-          </a:p>
-          <a:p>
-            <a:pPr lvl="2"/>
-            <a:r>
-              <a:rPr lang="en-US" altLang="zh-CN"/>
-              <a:t>D3</a:t>
-            </a:r>
-            <a:endParaRPr lang="en-US" altLang="zh-CN"/>
-          </a:p>
-          <a:p>
-            <a:pPr lvl="1"/>
-            <a:r>
-              <a:rPr lang="en-US" altLang="zh-CN"/>
-              <a:t>High-level</a:t>
-            </a:r>
-            <a:endParaRPr lang="en-US" altLang="zh-CN"/>
-          </a:p>
-          <a:p>
-            <a:pPr lvl="2"/>
-            <a:r>
-              <a:rPr lang="en-US" altLang="zh-CN"/>
-              <a:t>Vega, Vega-Lite</a:t>
-            </a:r>
-            <a:endParaRPr lang="en-US" altLang="zh-CN"/>
-          </a:p>
-          <a:p>
-            <a:pPr lvl="1"/>
-            <a:r>
-              <a:rPr lang="en-US" altLang="zh-CN"/>
-              <a:t>Top-level</a:t>
-            </a:r>
-            <a:endParaRPr lang="en-US" altLang="zh-CN"/>
-          </a:p>
-          <a:p>
-            <a:pPr lvl="2"/>
-            <a:r>
-              <a:rPr lang="en-US" altLang="zh-CN"/>
-              <a:t>Voyager</a:t>
+              <a:t>Babylon.js - Architecture</a:t>
+            </a:r>
+            <a:endParaRPr lang="en-US" altLang="zh-CN"/>
+          </a:p>
+        </p:txBody>
+      </p:sp>
+      <p:sp>
+        <p:nvSpPr>
+          <p:cNvPr id="4" name="圆角矩形 3"/>
+          <p:cNvSpPr/>
+          <p:nvPr/>
+        </p:nvSpPr>
+        <p:spPr>
+          <a:xfrm>
+            <a:off x="1507490" y="3724910"/>
+            <a:ext cx="2193290" cy="642620"/>
+          </a:xfrm>
+          <a:prstGeom prst="roundRect">
+            <a:avLst/>
+          </a:prstGeom>
+        </p:spPr>
+        <p:style>
+          <a:lnRef idx="2">
+            <a:schemeClr val="accent1">
+              <a:lumMod val="75000"/>
+            </a:schemeClr>
+          </a:lnRef>
+          <a:fillRef idx="1">
+            <a:schemeClr val="accent1"/>
+          </a:fillRef>
+          <a:effectRef idx="0">
+            <a:srgbClr val="FFFFFF"/>
+          </a:effectRef>
+          <a:fontRef idx="minor">
+            <a:schemeClr val="lt1"/>
+          </a:fontRef>
+        </p:style>
+        <p:txBody>
+          <a:bodyPr rtlCol="0" anchor="ctr"/>
+          <a:p>
+            <a:pPr algn="ctr"/>
+            <a:r>
+              <a:rPr lang="en-US" altLang="zh-CN"/>
+              <a:t>Engine</a:t>
+            </a:r>
+            <a:endParaRPr lang="en-US" altLang="zh-CN"/>
+          </a:p>
+        </p:txBody>
+      </p:sp>
+      <p:sp>
+        <p:nvSpPr>
+          <p:cNvPr id="5" name="圆角矩形 4"/>
+          <p:cNvSpPr/>
+          <p:nvPr/>
+        </p:nvSpPr>
+        <p:spPr>
+          <a:xfrm>
+            <a:off x="1507490" y="2719070"/>
+            <a:ext cx="2193290" cy="642620"/>
+          </a:xfrm>
+          <a:prstGeom prst="roundRect">
+            <a:avLst/>
+          </a:prstGeom>
+        </p:spPr>
+        <p:style>
+          <a:lnRef idx="2">
+            <a:schemeClr val="accent1">
+              <a:lumMod val="75000"/>
+            </a:schemeClr>
+          </a:lnRef>
+          <a:fillRef idx="1">
+            <a:schemeClr val="accent1"/>
+          </a:fillRef>
+          <a:effectRef idx="0">
+            <a:srgbClr val="FFFFFF"/>
+          </a:effectRef>
+          <a:fontRef idx="minor">
+            <a:schemeClr val="lt1"/>
+          </a:fontRef>
+        </p:style>
+        <p:txBody>
+          <a:bodyPr rtlCol="0" anchor="ctr"/>
+          <a:p>
+            <a:pPr algn="ctr"/>
+            <a:r>
+              <a:rPr lang="en-US" altLang="zh-CN"/>
+              <a:t>Scene</a:t>
+            </a:r>
+            <a:endParaRPr lang="en-US" altLang="zh-CN"/>
+          </a:p>
+        </p:txBody>
+      </p:sp>
+      <p:sp>
+        <p:nvSpPr>
+          <p:cNvPr id="6" name="圆角矩形 5"/>
+          <p:cNvSpPr/>
+          <p:nvPr/>
+        </p:nvSpPr>
+        <p:spPr>
+          <a:xfrm>
+            <a:off x="1507490" y="4730750"/>
+            <a:ext cx="2193290" cy="642620"/>
+          </a:xfrm>
+          <a:prstGeom prst="roundRect">
+            <a:avLst/>
+          </a:prstGeom>
+        </p:spPr>
+        <p:style>
+          <a:lnRef idx="2">
+            <a:schemeClr val="accent1">
+              <a:lumMod val="75000"/>
+            </a:schemeClr>
+          </a:lnRef>
+          <a:fillRef idx="1">
+            <a:schemeClr val="accent1"/>
+          </a:fillRef>
+          <a:effectRef idx="0">
+            <a:srgbClr val="FFFFFF"/>
+          </a:effectRef>
+          <a:fontRef idx="minor">
+            <a:schemeClr val="lt1"/>
+          </a:fontRef>
+        </p:style>
+        <p:txBody>
+          <a:bodyPr rtlCol="0" anchor="ctr"/>
+          <a:p>
+            <a:pPr algn="ctr"/>
+            <a:r>
+              <a:rPr lang="en-US" altLang="zh-CN"/>
+              <a:t>Canvas</a:t>
+            </a:r>
+            <a:endParaRPr lang="en-US" altLang="zh-CN"/>
+          </a:p>
+        </p:txBody>
+      </p:sp>
+      <p:cxnSp>
+        <p:nvCxnSpPr>
+          <p:cNvPr id="7" name="直接箭头连接符 6"/>
+          <p:cNvCxnSpPr>
+            <a:stCxn id="4" idx="2"/>
+          </p:cNvCxnSpPr>
+          <p:nvPr/>
+        </p:nvCxnSpPr>
+        <p:spPr>
+          <a:xfrm>
+            <a:off x="2604135" y="4367530"/>
+            <a:ext cx="0" cy="622300"/>
+          </a:xfrm>
+          <a:prstGeom prst="straightConnector1">
+            <a:avLst/>
+          </a:prstGeom>
+          <a:ln>
+            <a:tailEnd type="arrow"/>
+          </a:ln>
+        </p:spPr>
+        <p:style>
+          <a:lnRef idx="2">
+            <a:schemeClr val="accent1"/>
+          </a:lnRef>
+          <a:fillRef idx="0">
+            <a:srgbClr val="FFFFFF"/>
+          </a:fillRef>
+          <a:effectRef idx="0">
+            <a:srgbClr val="FFFFFF"/>
+          </a:effectRef>
+          <a:fontRef idx="minor">
+            <a:schemeClr val="tx1"/>
+          </a:fontRef>
+        </p:style>
+      </p:cxnSp>
+      <p:cxnSp>
+        <p:nvCxnSpPr>
+          <p:cNvPr id="8" name="直接箭头连接符 7"/>
+          <p:cNvCxnSpPr>
+            <a:stCxn id="5" idx="2"/>
+            <a:endCxn id="4" idx="0"/>
+          </p:cNvCxnSpPr>
+          <p:nvPr/>
+        </p:nvCxnSpPr>
+        <p:spPr>
+          <a:xfrm>
+            <a:off x="2604135" y="3361690"/>
+            <a:ext cx="0" cy="363220"/>
+          </a:xfrm>
+          <a:prstGeom prst="straightConnector1">
+            <a:avLst/>
+          </a:prstGeom>
+          <a:ln>
+            <a:tailEnd type="arrow"/>
+          </a:ln>
+        </p:spPr>
+        <p:style>
+          <a:lnRef idx="2">
+            <a:schemeClr val="accent1"/>
+          </a:lnRef>
+          <a:fillRef idx="0">
+            <a:srgbClr val="FFFFFF"/>
+          </a:fillRef>
+          <a:effectRef idx="0">
+            <a:srgbClr val="FFFFFF"/>
+          </a:effectRef>
+          <a:fontRef idx="minor">
+            <a:schemeClr val="tx1"/>
+          </a:fontRef>
+        </p:style>
+      </p:cxnSp>
+      <p:sp>
+        <p:nvSpPr>
+          <p:cNvPr id="9" name="圆角矩形 8"/>
+          <p:cNvSpPr/>
+          <p:nvPr/>
+        </p:nvSpPr>
+        <p:spPr>
+          <a:xfrm>
+            <a:off x="3997960" y="1109980"/>
+            <a:ext cx="2193290" cy="642620"/>
+          </a:xfrm>
+          <a:prstGeom prst="roundRect">
+            <a:avLst/>
+          </a:prstGeom>
+        </p:spPr>
+        <p:style>
+          <a:lnRef idx="2">
+            <a:schemeClr val="accent1">
+              <a:lumMod val="75000"/>
+            </a:schemeClr>
+          </a:lnRef>
+          <a:fillRef idx="1">
+            <a:schemeClr val="accent1"/>
+          </a:fillRef>
+          <a:effectRef idx="0">
+            <a:srgbClr val="FFFFFF"/>
+          </a:effectRef>
+          <a:fontRef idx="minor">
+            <a:schemeClr val="lt1"/>
+          </a:fontRef>
+        </p:style>
+        <p:txBody>
+          <a:bodyPr rtlCol="0" anchor="ctr"/>
+          <a:p>
+            <a:pPr algn="ctr"/>
+            <a:r>
+              <a:rPr lang="en-US" altLang="zh-CN"/>
+              <a:t>ArcRotateCamera</a:t>
+            </a:r>
+            <a:endParaRPr lang="en-US" altLang="zh-CN"/>
+          </a:p>
+        </p:txBody>
+      </p:sp>
+      <p:sp>
+        <p:nvSpPr>
+          <p:cNvPr id="10" name="圆角矩形 9"/>
+          <p:cNvSpPr/>
+          <p:nvPr/>
+        </p:nvSpPr>
+        <p:spPr>
+          <a:xfrm>
+            <a:off x="3997325" y="1856740"/>
+            <a:ext cx="2193290" cy="642620"/>
+          </a:xfrm>
+          <a:prstGeom prst="roundRect">
+            <a:avLst/>
+          </a:prstGeom>
+        </p:spPr>
+        <p:style>
+          <a:lnRef idx="2">
+            <a:schemeClr val="accent1">
+              <a:lumMod val="75000"/>
+            </a:schemeClr>
+          </a:lnRef>
+          <a:fillRef idx="1">
+            <a:schemeClr val="accent1"/>
+          </a:fillRef>
+          <a:effectRef idx="0">
+            <a:srgbClr val="FFFFFF"/>
+          </a:effectRef>
+          <a:fontRef idx="minor">
+            <a:schemeClr val="lt1"/>
+          </a:fontRef>
+        </p:style>
+        <p:txBody>
+          <a:bodyPr rtlCol="0" anchor="ctr"/>
+          <a:p>
+            <a:pPr algn="ctr"/>
+            <a:r>
+              <a:rPr lang="en-US" altLang="zh-CN"/>
+              <a:t>PointLight</a:t>
+            </a:r>
+            <a:endParaRPr lang="en-US" altLang="zh-CN"/>
+          </a:p>
+        </p:txBody>
+      </p:sp>
+      <p:sp>
+        <p:nvSpPr>
+          <p:cNvPr id="11" name="圆角矩形 10"/>
+          <p:cNvSpPr/>
+          <p:nvPr/>
+        </p:nvSpPr>
+        <p:spPr>
+          <a:xfrm>
+            <a:off x="3997325" y="2603500"/>
+            <a:ext cx="2193290" cy="642620"/>
+          </a:xfrm>
+          <a:prstGeom prst="roundRect">
+            <a:avLst/>
+          </a:prstGeom>
+        </p:spPr>
+        <p:style>
+          <a:lnRef idx="2">
+            <a:schemeClr val="accent1">
+              <a:lumMod val="75000"/>
+            </a:schemeClr>
+          </a:lnRef>
+          <a:fillRef idx="1">
+            <a:schemeClr val="accent1"/>
+          </a:fillRef>
+          <a:effectRef idx="0">
+            <a:srgbClr val="FFFFFF"/>
+          </a:effectRef>
+          <a:fontRef idx="minor">
+            <a:schemeClr val="lt1"/>
+          </a:fontRef>
+        </p:style>
+        <p:txBody>
+          <a:bodyPr rtlCol="0" anchor="ctr"/>
+          <a:p>
+            <a:pPr algn="ctr"/>
+            <a:r>
+              <a:rPr lang="en-US" altLang="zh-CN"/>
+              <a:t>Mesh</a:t>
+            </a:r>
+            <a:endParaRPr lang="en-US" altLang="zh-CN"/>
+          </a:p>
+        </p:txBody>
+      </p:sp>
+      <p:cxnSp>
+        <p:nvCxnSpPr>
+          <p:cNvPr id="12" name="肘形连接符 11"/>
+          <p:cNvCxnSpPr>
+            <a:stCxn id="5" idx="3"/>
+            <a:endCxn id="9" idx="1"/>
+          </p:cNvCxnSpPr>
+          <p:nvPr/>
+        </p:nvCxnSpPr>
+        <p:spPr>
+          <a:xfrm flipV="1">
+            <a:off x="3700780" y="1431290"/>
+            <a:ext cx="297180" cy="1609090"/>
+          </a:xfrm>
+          <a:prstGeom prst="bentConnector3">
+            <a:avLst>
+              <a:gd name="adj1" fmla="val 50000"/>
+            </a:avLst>
+          </a:prstGeom>
+        </p:spPr>
+        <p:style>
+          <a:lnRef idx="2">
+            <a:schemeClr val="accent1"/>
+          </a:lnRef>
+          <a:fillRef idx="0">
+            <a:srgbClr val="FFFFFF"/>
+          </a:fillRef>
+          <a:effectRef idx="0">
+            <a:srgbClr val="FFFFFF"/>
+          </a:effectRef>
+          <a:fontRef idx="minor">
+            <a:schemeClr val="tx1"/>
+          </a:fontRef>
+        </p:style>
+      </p:cxnSp>
+      <p:cxnSp>
+        <p:nvCxnSpPr>
+          <p:cNvPr id="13" name="肘形连接符 12"/>
+          <p:cNvCxnSpPr>
+            <a:stCxn id="5" idx="3"/>
+            <a:endCxn id="10" idx="1"/>
+          </p:cNvCxnSpPr>
+          <p:nvPr/>
+        </p:nvCxnSpPr>
+        <p:spPr>
+          <a:xfrm flipV="1">
+            <a:off x="3700780" y="2178050"/>
+            <a:ext cx="296545" cy="862330"/>
+          </a:xfrm>
+          <a:prstGeom prst="bentConnector3">
+            <a:avLst>
+              <a:gd name="adj1" fmla="val 50107"/>
+            </a:avLst>
+          </a:prstGeom>
+          <a:ln>
+            <a:tailEnd type="arrow"/>
+          </a:ln>
+        </p:spPr>
+        <p:style>
+          <a:lnRef idx="2">
+            <a:schemeClr val="accent1"/>
+          </a:lnRef>
+          <a:fillRef idx="0">
+            <a:srgbClr val="FFFFFF"/>
+          </a:fillRef>
+          <a:effectRef idx="0">
+            <a:srgbClr val="FFFFFF"/>
+          </a:effectRef>
+          <a:fontRef idx="minor">
+            <a:schemeClr val="tx1"/>
+          </a:fontRef>
+        </p:style>
+      </p:cxnSp>
+      <p:cxnSp>
+        <p:nvCxnSpPr>
+          <p:cNvPr id="14" name="肘形连接符 13"/>
+          <p:cNvCxnSpPr>
+            <a:stCxn id="5" idx="3"/>
+            <a:endCxn id="11" idx="1"/>
+          </p:cNvCxnSpPr>
+          <p:nvPr/>
+        </p:nvCxnSpPr>
+        <p:spPr>
+          <a:xfrm flipV="1">
+            <a:off x="3700780" y="2924810"/>
+            <a:ext cx="296545" cy="115570"/>
+          </a:xfrm>
+          <a:prstGeom prst="bentConnector3">
+            <a:avLst>
+              <a:gd name="adj1" fmla="val 50107"/>
+            </a:avLst>
+          </a:prstGeom>
+        </p:spPr>
+        <p:style>
+          <a:lnRef idx="2">
+            <a:schemeClr val="accent1"/>
+          </a:lnRef>
+          <a:fillRef idx="0">
+            <a:srgbClr val="FFFFFF"/>
+          </a:fillRef>
+          <a:effectRef idx="0">
+            <a:srgbClr val="FFFFFF"/>
+          </a:effectRef>
+          <a:fontRef idx="minor">
+            <a:schemeClr val="tx1"/>
+          </a:fontRef>
+        </p:style>
+      </p:cxnSp>
+      <p:sp>
+        <p:nvSpPr>
+          <p:cNvPr id="15" name="圆角矩形 14"/>
+          <p:cNvSpPr/>
+          <p:nvPr/>
+        </p:nvSpPr>
+        <p:spPr>
+          <a:xfrm>
+            <a:off x="3997960" y="5748020"/>
+            <a:ext cx="2193290" cy="642620"/>
+          </a:xfrm>
+          <a:prstGeom prst="roundRect">
+            <a:avLst/>
+          </a:prstGeom>
+        </p:spPr>
+        <p:style>
+          <a:lnRef idx="2">
+            <a:schemeClr val="accent1">
+              <a:lumMod val="75000"/>
+            </a:schemeClr>
+          </a:lnRef>
+          <a:fillRef idx="1">
+            <a:schemeClr val="accent1"/>
+          </a:fillRef>
+          <a:effectRef idx="0">
+            <a:srgbClr val="FFFFFF"/>
+          </a:effectRef>
+          <a:fontRef idx="minor">
+            <a:schemeClr val="lt1"/>
+          </a:fontRef>
+        </p:style>
+        <p:txBody>
+          <a:bodyPr rtlCol="0" anchor="ctr"/>
+          <a:p>
+            <a:pPr algn="ctr"/>
+            <a:r>
+              <a:rPr lang="en-US" altLang="zh-CN"/>
+              <a:t>Color3</a:t>
+            </a:r>
+            <a:endParaRPr lang="en-US" altLang="zh-CN"/>
+          </a:p>
+        </p:txBody>
+      </p:sp>
+      <p:sp>
+        <p:nvSpPr>
+          <p:cNvPr id="16" name="圆角矩形 15"/>
+          <p:cNvSpPr/>
+          <p:nvPr/>
+        </p:nvSpPr>
+        <p:spPr>
+          <a:xfrm>
+            <a:off x="6641465" y="2603500"/>
+            <a:ext cx="2193290" cy="642620"/>
+          </a:xfrm>
+          <a:prstGeom prst="roundRect">
+            <a:avLst/>
+          </a:prstGeom>
+        </p:spPr>
+        <p:style>
+          <a:lnRef idx="2">
+            <a:schemeClr val="accent1">
+              <a:lumMod val="75000"/>
+            </a:schemeClr>
+          </a:lnRef>
+          <a:fillRef idx="1">
+            <a:schemeClr val="accent1"/>
+          </a:fillRef>
+          <a:effectRef idx="0">
+            <a:srgbClr val="FFFFFF"/>
+          </a:effectRef>
+          <a:fontRef idx="minor">
+            <a:schemeClr val="lt1"/>
+          </a:fontRef>
+        </p:style>
+        <p:txBody>
+          <a:bodyPr rtlCol="0" anchor="ctr"/>
+          <a:p>
+            <a:pPr algn="ctr"/>
+            <a:r>
+              <a:rPr lang="en-US" altLang="zh-CN"/>
+              <a:t>StandardMaterial</a:t>
+            </a:r>
+            <a:endParaRPr lang="en-US" altLang="zh-CN"/>
+          </a:p>
+        </p:txBody>
+      </p:sp>
+      <p:cxnSp>
+        <p:nvCxnSpPr>
+          <p:cNvPr id="17" name="肘形连接符 16"/>
+          <p:cNvCxnSpPr>
+            <a:stCxn id="16" idx="1"/>
+            <a:endCxn id="11" idx="3"/>
+          </p:cNvCxnSpPr>
+          <p:nvPr/>
+        </p:nvCxnSpPr>
+        <p:spPr>
+          <a:xfrm rot="10800000" flipV="1">
+            <a:off x="6190615" y="2924810"/>
+            <a:ext cx="450850" cy="3175"/>
+          </a:xfrm>
+          <a:prstGeom prst="bentConnector2">
+            <a:avLst/>
+          </a:prstGeom>
+        </p:spPr>
+        <p:style>
+          <a:lnRef idx="2">
+            <a:schemeClr val="accent1"/>
+          </a:lnRef>
+          <a:fillRef idx="0">
+            <a:srgbClr val="FFFFFF"/>
+          </a:fillRef>
+          <a:effectRef idx="0">
+            <a:srgbClr val="FFFFFF"/>
+          </a:effectRef>
+          <a:fontRef idx="minor">
+            <a:schemeClr val="tx1"/>
+          </a:fontRef>
+        </p:style>
+      </p:cxnSp>
+      <p:sp>
+        <p:nvSpPr>
+          <p:cNvPr id="18" name="圆角矩形 17"/>
+          <p:cNvSpPr/>
+          <p:nvPr/>
+        </p:nvSpPr>
+        <p:spPr>
+          <a:xfrm>
+            <a:off x="9218295" y="2603500"/>
+            <a:ext cx="2193290" cy="642620"/>
+          </a:xfrm>
+          <a:prstGeom prst="roundRect">
+            <a:avLst/>
+          </a:prstGeom>
+        </p:spPr>
+        <p:style>
+          <a:lnRef idx="2">
+            <a:schemeClr val="accent1">
+              <a:lumMod val="75000"/>
+            </a:schemeClr>
+          </a:lnRef>
+          <a:fillRef idx="1">
+            <a:schemeClr val="accent1"/>
+          </a:fillRef>
+          <a:effectRef idx="0">
+            <a:srgbClr val="FFFFFF"/>
+          </a:effectRef>
+          <a:fontRef idx="minor">
+            <a:schemeClr val="lt1"/>
+          </a:fontRef>
+        </p:style>
+        <p:txBody>
+          <a:bodyPr rtlCol="0" anchor="ctr"/>
+          <a:p>
+            <a:pPr algn="ctr"/>
+            <a:r>
+              <a:rPr lang="en-US" altLang="zh-CN"/>
+              <a:t>Texture</a:t>
+            </a:r>
+            <a:endParaRPr lang="en-US" altLang="zh-CN"/>
+          </a:p>
+        </p:txBody>
+      </p:sp>
+      <p:cxnSp>
+        <p:nvCxnSpPr>
+          <p:cNvPr id="19" name="直接连接符 18"/>
+          <p:cNvCxnSpPr>
+            <a:stCxn id="16" idx="3"/>
+            <a:endCxn id="18" idx="1"/>
+          </p:cNvCxnSpPr>
+          <p:nvPr/>
+        </p:nvCxnSpPr>
+        <p:spPr>
+          <a:xfrm>
+            <a:off x="8834755" y="2924810"/>
+            <a:ext cx="383540" cy="0"/>
+          </a:xfrm>
+          <a:prstGeom prst="line">
+            <a:avLst/>
+          </a:prstGeom>
+        </p:spPr>
+        <p:style>
+          <a:lnRef idx="2">
+            <a:schemeClr val="accent1"/>
+          </a:lnRef>
+          <a:fillRef idx="0">
+            <a:srgbClr val="FFFFFF"/>
+          </a:fillRef>
+          <a:effectRef idx="0">
+            <a:srgbClr val="FFFFFF"/>
+          </a:effectRef>
+          <a:fontRef idx="minor">
+            <a:schemeClr val="tx1"/>
+          </a:fontRef>
+        </p:style>
+      </p:cxnSp>
+      <p:sp>
+        <p:nvSpPr>
+          <p:cNvPr id="20" name="圆角矩形 19"/>
+          <p:cNvSpPr/>
+          <p:nvPr/>
+        </p:nvSpPr>
+        <p:spPr>
+          <a:xfrm>
+            <a:off x="6450330" y="5748020"/>
+            <a:ext cx="2193290" cy="642620"/>
+          </a:xfrm>
+          <a:prstGeom prst="roundRect">
+            <a:avLst/>
+          </a:prstGeom>
+        </p:spPr>
+        <p:style>
+          <a:lnRef idx="2">
+            <a:schemeClr val="accent1">
+              <a:lumMod val="75000"/>
+            </a:schemeClr>
+          </a:lnRef>
+          <a:fillRef idx="1">
+            <a:schemeClr val="accent1"/>
+          </a:fillRef>
+          <a:effectRef idx="0">
+            <a:srgbClr val="FFFFFF"/>
+          </a:effectRef>
+          <a:fontRef idx="minor">
+            <a:schemeClr val="lt1"/>
+          </a:fontRef>
+        </p:style>
+        <p:txBody>
+          <a:bodyPr rtlCol="0" anchor="ctr"/>
+          <a:p>
+            <a:pPr algn="ctr"/>
+            <a:r>
+              <a:rPr lang="en-US" altLang="zh-CN"/>
+              <a:t>Vector3</a:t>
+            </a:r>
+            <a:endParaRPr lang="en-US" altLang="zh-CN"/>
+          </a:p>
+        </p:txBody>
+      </p:sp>
+      <p:sp>
+        <p:nvSpPr>
+          <p:cNvPr id="21" name="圆角矩形 20"/>
+          <p:cNvSpPr/>
+          <p:nvPr/>
+        </p:nvSpPr>
+        <p:spPr>
+          <a:xfrm>
+            <a:off x="3997325" y="3724910"/>
+            <a:ext cx="2193290" cy="642620"/>
+          </a:xfrm>
+          <a:prstGeom prst="roundRect">
+            <a:avLst/>
+          </a:prstGeom>
+        </p:spPr>
+        <p:style>
+          <a:lnRef idx="2">
+            <a:schemeClr val="accent1">
+              <a:lumMod val="75000"/>
+            </a:schemeClr>
+          </a:lnRef>
+          <a:fillRef idx="1">
+            <a:schemeClr val="accent1"/>
+          </a:fillRef>
+          <a:effectRef idx="0">
+            <a:srgbClr val="FFFFFF"/>
+          </a:effectRef>
+          <a:fontRef idx="minor">
+            <a:schemeClr val="lt1"/>
+          </a:fontRef>
+        </p:style>
+        <p:txBody>
+          <a:bodyPr rtlCol="0" anchor="ctr"/>
+          <a:p>
+            <a:pPr algn="ctr"/>
+            <a:r>
+              <a:rPr lang="en-US" altLang="zh-CN"/>
+              <a:t>Animation</a:t>
             </a:r>
             <a:endParaRPr lang="en-US" altLang="zh-CN"/>
           </a:p>
@@ -13924,7 +14810,7 @@
       <p:grpSpPr/>
       <p:sp>
         <p:nvSpPr>
-          <p:cNvPr id="4" name="标题 3"/>
+          <p:cNvPr id="2" name="标题 1"/>
           <p:cNvSpPr>
             <a:spLocks noGrp="1"/>
           </p:cNvSpPr>
@@ -13938,27 +14824,342 @@
           <a:p>
             <a:r>
               <a:rPr lang="en-US" altLang="zh-CN"/>
-              <a:t>Misc.</a:t>
-            </a:r>
-            <a:endParaRPr lang="zh-CN" altLang="en-US"/>
-          </a:p>
-        </p:txBody>
-      </p:sp>
-      <p:sp>
-        <p:nvSpPr>
-          <p:cNvPr id="5" name="文本占位符 4"/>
-          <p:cNvSpPr>
-            <a:spLocks noGrp="1"/>
-          </p:cNvSpPr>
-          <p:nvPr>
-            <p:ph type="body" idx="1"/>
-          </p:nvPr>
-        </p:nvSpPr>
-        <p:spPr/>
-        <p:txBody>
-          <a:bodyPr/>
-          <a:p>
-            <a:endParaRPr lang="zh-CN" altLang="en-US"/>
+              <a:t>Babylon.js - Classes</a:t>
+            </a:r>
+            <a:endParaRPr lang="en-US" altLang="zh-CN"/>
+          </a:p>
+        </p:txBody>
+      </p:sp>
+      <p:sp>
+        <p:nvSpPr>
+          <p:cNvPr id="4" name="文本框 3"/>
+          <p:cNvSpPr txBox="1"/>
+          <p:nvPr/>
+        </p:nvSpPr>
+        <p:spPr>
+          <a:xfrm>
+            <a:off x="903605" y="1407160"/>
+            <a:ext cx="3132455" cy="1753235"/>
+          </a:xfrm>
+          <a:prstGeom prst="rect">
+            <a:avLst/>
+          </a:prstGeom>
+          <a:noFill/>
+          <a:ln>
+            <a:solidFill>
+              <a:srgbClr val="C00000"/>
+            </a:solidFill>
+          </a:ln>
+        </p:spPr>
+        <p:txBody>
+          <a:bodyPr wrap="square" rtlCol="0">
+            <a:spAutoFit/>
+          </a:bodyPr>
+          <a:p>
+            <a:r>
+              <a:rPr lang="en-US" altLang="zh-CN" b="1"/>
+              <a:t>Scene</a:t>
+            </a:r>
+            <a:endParaRPr lang="en-US" altLang="zh-CN" b="1"/>
+          </a:p>
+          <a:p>
+            <a:r>
+              <a:rPr lang="en-US" altLang="zh-CN"/>
+              <a:t>  clearColor</a:t>
+            </a:r>
+            <a:endParaRPr lang="en-US" altLang="zh-CN"/>
+          </a:p>
+          <a:p>
+            <a:r>
+              <a:rPr lang="en-US" altLang="zh-CN"/>
+              <a:t>  ambientColor</a:t>
+            </a:r>
+            <a:endParaRPr lang="en-US" altLang="zh-CN"/>
+          </a:p>
+          <a:p>
+            <a:r>
+              <a:rPr lang="en-US" altLang="zh-CN"/>
+              <a:t>  fogMode</a:t>
+            </a:r>
+            <a:endParaRPr lang="en-US" altLang="zh-CN"/>
+          </a:p>
+          <a:p>
+            <a:r>
+              <a:rPr lang="en-US" altLang="zh-CN"/>
+              <a:t>  beginAnimation()</a:t>
+            </a:r>
+            <a:endParaRPr lang="en-US" altLang="zh-CN"/>
+          </a:p>
+          <a:p>
+            <a:r>
+              <a:rPr lang="en-US" altLang="zh-CN"/>
+              <a:t>  </a:t>
+            </a:r>
+            <a:endParaRPr lang="en-US" altLang="zh-CN"/>
+          </a:p>
+        </p:txBody>
+      </p:sp>
+      <p:sp>
+        <p:nvSpPr>
+          <p:cNvPr id="5" name="文本框 4"/>
+          <p:cNvSpPr txBox="1"/>
+          <p:nvPr/>
+        </p:nvSpPr>
+        <p:spPr>
+          <a:xfrm>
+            <a:off x="4529455" y="1407160"/>
+            <a:ext cx="3132455" cy="1753235"/>
+          </a:xfrm>
+          <a:prstGeom prst="rect">
+            <a:avLst/>
+          </a:prstGeom>
+          <a:noFill/>
+          <a:ln>
+            <a:solidFill>
+              <a:srgbClr val="C00000"/>
+            </a:solidFill>
+          </a:ln>
+        </p:spPr>
+        <p:txBody>
+          <a:bodyPr wrap="square" rtlCol="0">
+            <a:spAutoFit/>
+          </a:bodyPr>
+          <a:p>
+            <a:r>
+              <a:rPr lang="en-US" altLang="zh-CN" b="1"/>
+              <a:t>Mesh</a:t>
+            </a:r>
+            <a:endParaRPr lang="en-US" altLang="zh-CN" b="1"/>
+          </a:p>
+          <a:p>
+            <a:r>
+              <a:rPr lang="en-US" altLang="zh-CN"/>
+              <a:t>  </a:t>
+            </a:r>
+            <a:r>
+              <a:rPr lang="en-US" altLang="zh-CN">
+                <a:sym typeface="+mn-ea"/>
+              </a:rPr>
+              <a:t>position (Vector3)</a:t>
+            </a:r>
+            <a:endParaRPr lang="en-US" altLang="zh-CN">
+              <a:sym typeface="+mn-ea"/>
+            </a:endParaRPr>
+          </a:p>
+          <a:p>
+            <a:r>
+              <a:rPr lang="en-US" altLang="zh-CN">
+                <a:sym typeface="+mn-ea"/>
+              </a:rPr>
+              <a:t>  </a:t>
+            </a:r>
+            <a:r>
+              <a:rPr lang="en-US" altLang="zh-CN"/>
+              <a:t>scaling (Vector3)</a:t>
+            </a:r>
+            <a:endParaRPr lang="en-US" altLang="zh-CN"/>
+          </a:p>
+          <a:p>
+            <a:r>
+              <a:rPr lang="en-US" altLang="zh-CN"/>
+              <a:t>  rotation (Vector3)</a:t>
+            </a:r>
+            <a:endParaRPr lang="en-US" altLang="zh-CN"/>
+          </a:p>
+          <a:p>
+            <a:r>
+              <a:rPr lang="en-US" altLang="zh-CN"/>
+              <a:t>  material (StandardMaterial)</a:t>
+            </a:r>
+            <a:endParaRPr lang="en-US" altLang="zh-CN"/>
+          </a:p>
+          <a:p>
+            <a:r>
+              <a:rPr lang="en-US" altLang="zh-CN"/>
+              <a:t>  animations (Animation)</a:t>
+            </a:r>
+            <a:endParaRPr lang="en-US" altLang="zh-CN"/>
+          </a:p>
+        </p:txBody>
+      </p:sp>
+      <p:sp>
+        <p:nvSpPr>
+          <p:cNvPr id="7" name="文本框 6"/>
+          <p:cNvSpPr txBox="1"/>
+          <p:nvPr/>
+        </p:nvSpPr>
+        <p:spPr>
+          <a:xfrm>
+            <a:off x="4529455" y="3849370"/>
+            <a:ext cx="3132455" cy="922020"/>
+          </a:xfrm>
+          <a:prstGeom prst="rect">
+            <a:avLst/>
+          </a:prstGeom>
+          <a:noFill/>
+          <a:ln>
+            <a:solidFill>
+              <a:srgbClr val="C00000"/>
+            </a:solidFill>
+          </a:ln>
+        </p:spPr>
+        <p:txBody>
+          <a:bodyPr wrap="square" rtlCol="0">
+            <a:spAutoFit/>
+          </a:bodyPr>
+          <a:p>
+            <a:r>
+              <a:rPr lang="en-US" altLang="zh-CN" b="1"/>
+              <a:t>Texture</a:t>
+            </a:r>
+            <a:endParaRPr lang="en-US" altLang="zh-CN" b="1"/>
+          </a:p>
+          <a:p>
+            <a:r>
+              <a:rPr lang="en-US" altLang="zh-CN"/>
+              <a:t>  </a:t>
+            </a:r>
+            <a:r>
+              <a:rPr lang="en-US" altLang="zh-CN">
+                <a:sym typeface="+mn-ea"/>
+              </a:rPr>
+              <a:t>uScale</a:t>
+            </a:r>
+            <a:endParaRPr lang="en-US" altLang="zh-CN">
+              <a:sym typeface="+mn-ea"/>
+            </a:endParaRPr>
+          </a:p>
+          <a:p>
+            <a:r>
+              <a:rPr lang="en-US" altLang="zh-CN"/>
+              <a:t>  vScale</a:t>
+            </a:r>
+            <a:endParaRPr lang="en-US" altLang="zh-CN"/>
+          </a:p>
+        </p:txBody>
+      </p:sp>
+      <p:sp>
+        <p:nvSpPr>
+          <p:cNvPr id="8" name="文本框 7"/>
+          <p:cNvSpPr txBox="1"/>
+          <p:nvPr/>
+        </p:nvSpPr>
+        <p:spPr>
+          <a:xfrm>
+            <a:off x="903605" y="3849370"/>
+            <a:ext cx="3132455" cy="922020"/>
+          </a:xfrm>
+          <a:prstGeom prst="rect">
+            <a:avLst/>
+          </a:prstGeom>
+          <a:noFill/>
+          <a:ln>
+            <a:solidFill>
+              <a:srgbClr val="C00000"/>
+            </a:solidFill>
+          </a:ln>
+        </p:spPr>
+        <p:txBody>
+          <a:bodyPr wrap="square" rtlCol="0">
+            <a:spAutoFit/>
+          </a:bodyPr>
+          <a:p>
+            <a:r>
+              <a:rPr lang="en-US" altLang="zh-CN" b="1"/>
+              <a:t>Material</a:t>
+            </a:r>
+            <a:endParaRPr lang="en-US" altLang="zh-CN" b="1"/>
+          </a:p>
+          <a:p>
+            <a:r>
+              <a:rPr lang="en-US" altLang="zh-CN"/>
+              <a:t>  </a:t>
+            </a:r>
+            <a:r>
+              <a:rPr lang="en-US" altLang="zh-CN">
+                <a:sym typeface="+mn-ea"/>
+              </a:rPr>
+              <a:t>diffuseColor</a:t>
+            </a:r>
+            <a:endParaRPr lang="en-US" altLang="zh-CN">
+              <a:sym typeface="+mn-ea"/>
+            </a:endParaRPr>
+          </a:p>
+          <a:p>
+            <a:r>
+              <a:rPr lang="en-US" altLang="zh-CN"/>
+              <a:t>  diffuseTexture</a:t>
+            </a:r>
+            <a:endParaRPr lang="en-US" altLang="zh-CN"/>
+          </a:p>
+        </p:txBody>
+      </p:sp>
+      <p:sp>
+        <p:nvSpPr>
+          <p:cNvPr id="9" name="文本框 8"/>
+          <p:cNvSpPr txBox="1"/>
+          <p:nvPr/>
+        </p:nvSpPr>
+        <p:spPr>
+          <a:xfrm>
+            <a:off x="8155305" y="3849370"/>
+            <a:ext cx="3132455" cy="1753235"/>
+          </a:xfrm>
+          <a:prstGeom prst="rect">
+            <a:avLst/>
+          </a:prstGeom>
+          <a:noFill/>
+          <a:ln>
+            <a:solidFill>
+              <a:srgbClr val="C00000"/>
+            </a:solidFill>
+          </a:ln>
+        </p:spPr>
+        <p:txBody>
+          <a:bodyPr wrap="square" rtlCol="0">
+            <a:spAutoFit/>
+          </a:bodyPr>
+          <a:p>
+            <a:r>
+              <a:rPr lang="en-US" altLang="zh-CN" b="1"/>
+              <a:t>Animation</a:t>
+            </a:r>
+            <a:endParaRPr lang="en-US" altLang="zh-CN" b="1"/>
+          </a:p>
+          <a:p>
+            <a:r>
+              <a:rPr lang="en-US" altLang="zh-CN"/>
+              <a:t>  setKeys([])</a:t>
+            </a:r>
+            <a:endParaRPr lang="en-US" altLang="zh-CN"/>
+          </a:p>
+          <a:p>
+            <a:r>
+              <a:rPr lang="en-US" altLang="zh-CN"/>
+              <a:t>  pause()</a:t>
+            </a:r>
+            <a:endParaRPr lang="en-US" altLang="zh-CN"/>
+          </a:p>
+          <a:p>
+            <a:r>
+              <a:rPr lang="en-US" altLang="zh-CN"/>
+              <a:t>  stop()</a:t>
+            </a:r>
+            <a:endParaRPr lang="en-US" altLang="zh-CN"/>
+          </a:p>
+          <a:p>
+            <a:r>
+              <a:rPr lang="en-US" altLang="zh-CN"/>
+              <a:t>  restart()</a:t>
+            </a:r>
+            <a:endParaRPr lang="en-US" altLang="zh-CN"/>
+          </a:p>
+          <a:p>
+            <a:r>
+              <a:rPr lang="en-US" altLang="zh-CN"/>
+              <a:t>  reset()</a:t>
+            </a:r>
+            <a:endParaRPr lang="en-US" altLang="zh-CN"/>
           </a:p>
         </p:txBody>
       </p:sp>
@@ -13999,63 +15200,27 @@
           <a:p>
             <a:r>
               <a:rPr lang="en-US" altLang="zh-CN"/>
-              <a:t>QRCode</a:t>
-            </a:r>
-            <a:endParaRPr lang="en-US" altLang="zh-CN"/>
-          </a:p>
-        </p:txBody>
-      </p:sp>
-      <p:sp>
-        <p:nvSpPr>
-          <p:cNvPr id="5" name="内容占位符 4"/>
-          <p:cNvSpPr>
-            <a:spLocks noGrp="1"/>
-          </p:cNvSpPr>
-          <p:nvPr>
-            <p:ph idx="1"/>
+              <a:t>Data Visualization</a:t>
+            </a:r>
+            <a:endParaRPr lang="en-US" altLang="zh-CN"/>
+          </a:p>
+        </p:txBody>
+      </p:sp>
+      <p:sp>
+        <p:nvSpPr>
+          <p:cNvPr id="5" name="文本占位符 4"/>
+          <p:cNvSpPr>
+            <a:spLocks noGrp="1"/>
+          </p:cNvSpPr>
+          <p:nvPr>
+            <p:ph type="body" idx="1"/>
           </p:nvPr>
         </p:nvSpPr>
         <p:spPr/>
         <p:txBody>
           <a:bodyPr/>
           <a:p>
-            <a:r>
-              <a:rPr lang="en-US" altLang="zh-CN"/>
-              <a:t>References</a:t>
-            </a:r>
-            <a:endParaRPr lang="en-US" altLang="zh-CN"/>
-          </a:p>
-          <a:p>
-            <a:pPr lvl="1"/>
-            <a:r>
-              <a:rPr lang="en-US" altLang="zh-CN"/>
-              <a:t>https://code-boxx.com/generate-qr-code-javascript/#:~:text=To%20generate%20QR%20codes%20in%20Javascript%3A%201%20Load,var%20qrc%20%3D%20new%20QRCode%20%28document.getElementById%20%28%22qrcode%22%29%2C%20%22http%3A%2F%2Fsite.com%2F%22%29%3B</a:t>
-            </a:r>
-            <a:endParaRPr lang="en-US" altLang="zh-CN"/>
-          </a:p>
-          <a:p>
-            <a:pPr lvl="0"/>
-            <a:r>
-              <a:rPr lang="en-US" altLang="zh-CN"/>
-              <a:t>qrcodejs</a:t>
-            </a:r>
-            <a:endParaRPr lang="en-US" altLang="zh-CN"/>
-          </a:p>
-          <a:p>
-            <a:pPr lvl="1"/>
-            <a:r>
-              <a:rPr lang="en-US" altLang="zh-CN"/>
-              <a:t>https://cdnjs.com/libraries/qrcodejs</a:t>
-            </a:r>
-            <a:endParaRPr lang="en-US" altLang="zh-CN"/>
-          </a:p>
-          <a:p>
-            <a:pPr lvl="1"/>
-            <a:r>
-              <a:rPr lang="en-US" altLang="zh-CN"/>
-              <a:t>var qrc = new QRCode(document.getElementById("qrcode"), "content");</a:t>
-            </a:r>
-            <a:endParaRPr lang="en-US" altLang="zh-CN"/>
+            <a:endParaRPr lang="zh-CN" altLang="en-US"/>
           </a:p>
         </p:txBody>
       </p:sp>
@@ -14082,7 +15247,7 @@
       <p:grpSpPr/>
       <p:sp>
         <p:nvSpPr>
-          <p:cNvPr id="2" name="标题 1"/>
+          <p:cNvPr id="4" name="标题 3"/>
           <p:cNvSpPr>
             <a:spLocks noGrp="1"/>
           </p:cNvSpPr>
@@ -14096,15 +15261,15 @@
           <a:p>
             <a:r>
               <a:rPr lang="en-US" altLang="zh-CN"/>
-              <a:t>Input validation</a:t>
-            </a:r>
-            <a:endParaRPr lang="en-US" altLang="zh-CN"/>
-          </a:p>
-        </p:txBody>
-      </p:sp>
-      <p:sp>
-        <p:nvSpPr>
-          <p:cNvPr id="3" name="内容占位符 2"/>
+              <a:t>QRCode</a:t>
+            </a:r>
+            <a:endParaRPr lang="en-US" altLang="zh-CN"/>
+          </a:p>
+        </p:txBody>
+      </p:sp>
+      <p:sp>
+        <p:nvSpPr>
+          <p:cNvPr id="5" name="内容占位符 4"/>
           <p:cNvSpPr>
             <a:spLocks noGrp="1"/>
           </p:cNvSpPr>
@@ -14118,15 +15283,71 @@
           <a:p>
             <a:r>
               <a:rPr lang="en-US" altLang="zh-CN"/>
-              <a:t>Reference</a:t>
-            </a:r>
-            <a:endParaRPr lang="en-US" altLang="zh-CN"/>
-          </a:p>
-          <a:p>
-            <a:pPr lvl="1"/>
-            <a:r>
-              <a:rPr lang="en-US" altLang="zh-CN"/>
-              <a:t>https://developpaper.com/javascript-text-box-verification-code-based-on-regular-expression/</a:t>
+              <a:t>References</a:t>
+            </a:r>
+            <a:endParaRPr lang="en-US" altLang="zh-CN"/>
+          </a:p>
+          <a:p>
+            <a:pPr lvl="1"/>
+            <a:r>
+              <a:rPr lang="en-US" altLang="zh-CN"/>
+              <a:t>https://towardsdatascience.com/the-importance-of-interactive-data-visualization-5e125cb04ce3</a:t>
+            </a:r>
+            <a:endParaRPr lang="en-US" altLang="zh-CN"/>
+          </a:p>
+          <a:p>
+            <a:pPr lvl="0"/>
+            <a:r>
+              <a:rPr lang="en-US" altLang="zh-CN"/>
+              <a:t>Libraries</a:t>
+            </a:r>
+            <a:endParaRPr lang="en-US" altLang="zh-CN"/>
+          </a:p>
+          <a:p>
+            <a:pPr lvl="1"/>
+            <a:r>
+              <a:rPr lang="en-US" altLang="zh-CN"/>
+              <a:t>Low-level</a:t>
+            </a:r>
+            <a:endParaRPr lang="en-US" altLang="zh-CN"/>
+          </a:p>
+          <a:p>
+            <a:pPr lvl="2"/>
+            <a:r>
+              <a:rPr lang="en-US" altLang="zh-CN"/>
+              <a:t>D3</a:t>
+            </a:r>
+            <a:endParaRPr lang="en-US" altLang="zh-CN"/>
+          </a:p>
+          <a:p>
+            <a:pPr lvl="1"/>
+            <a:r>
+              <a:rPr lang="en-US" altLang="zh-CN"/>
+              <a:t>High-level</a:t>
+            </a:r>
+            <a:endParaRPr lang="en-US" altLang="zh-CN"/>
+          </a:p>
+          <a:p>
+            <a:pPr lvl="2"/>
+            <a:r>
+              <a:rPr lang="en-US" altLang="zh-CN"/>
+              <a:t>Vega, Vega-Lite</a:t>
+            </a:r>
+            <a:endParaRPr lang="en-US" altLang="zh-CN"/>
+          </a:p>
+          <a:p>
+            <a:pPr lvl="1"/>
+            <a:r>
+              <a:rPr lang="en-US" altLang="zh-CN"/>
+              <a:t>Top-level</a:t>
+            </a:r>
+            <a:endParaRPr lang="en-US" altLang="zh-CN"/>
+          </a:p>
+          <a:p>
+            <a:pPr lvl="2"/>
+            <a:r>
+              <a:rPr lang="en-US" altLang="zh-CN"/>
+              <a:t>Voyager</a:t>
             </a:r>
             <a:endParaRPr lang="en-US" altLang="zh-CN"/>
           </a:p>
@@ -14165,15 +15386,13 @@
         </p:nvSpPr>
         <p:spPr/>
         <p:txBody>
-          <a:bodyPr>
-            <a:normAutofit fontScale="90000"/>
-          </a:bodyPr>
-          <a:p>
-            <a:r>
-              <a:rPr lang="en-US" altLang="zh-CN"/>
-              <a:t>Interaction with Other Language</a:t>
-            </a:r>
-            <a:endParaRPr lang="en-US" altLang="zh-CN"/>
+          <a:bodyPr/>
+          <a:p>
+            <a:r>
+              <a:rPr lang="en-US" altLang="zh-CN"/>
+              <a:t>Misc.</a:t>
+            </a:r>
+            <a:endParaRPr lang="zh-CN" altLang="en-US"/>
           </a:p>
         </p:txBody>
       </p:sp>
@@ -14232,7 +15451,7 @@
           <a:p>
             <a:r>
               <a:rPr lang="en-US" altLang="zh-CN"/>
-              <a:t>Call Python Function</a:t>
+              <a:t>QRCode</a:t>
             </a:r>
             <a:endParaRPr lang="en-US" altLang="zh-CN"/>
           </a:p>
@@ -14246,6 +15465,178 @@
           </p:cNvSpPr>
           <p:nvPr>
             <p:ph idx="1"/>
+          </p:nvPr>
+        </p:nvSpPr>
+        <p:spPr/>
+        <p:txBody>
+          <a:bodyPr/>
+          <a:p>
+            <a:r>
+              <a:rPr lang="en-US" altLang="zh-CN"/>
+              <a:t>References</a:t>
+            </a:r>
+            <a:endParaRPr lang="en-US" altLang="zh-CN"/>
+          </a:p>
+          <a:p>
+            <a:pPr lvl="1"/>
+            <a:r>
+              <a:rPr lang="en-US" altLang="zh-CN"/>
+              <a:t>https://code-boxx.com/generate-qr-code-javascript/#:~:text=To%20generate%20QR%20codes%20in%20Javascript%3A%201%20Load,var%20qrc%20%3D%20new%20QRCode%20%28document.getElementById%20%28%22qrcode%22%29%2C%20%22http%3A%2F%2Fsite.com%2F%22%29%3B</a:t>
+            </a:r>
+            <a:endParaRPr lang="en-US" altLang="zh-CN"/>
+          </a:p>
+          <a:p>
+            <a:pPr lvl="0"/>
+            <a:r>
+              <a:rPr lang="en-US" altLang="zh-CN"/>
+              <a:t>qrcodejs</a:t>
+            </a:r>
+            <a:endParaRPr lang="en-US" altLang="zh-CN"/>
+          </a:p>
+          <a:p>
+            <a:pPr lvl="1"/>
+            <a:r>
+              <a:rPr lang="en-US" altLang="zh-CN"/>
+              <a:t>https://cdnjs.com/libraries/qrcodejs</a:t>
+            </a:r>
+            <a:endParaRPr lang="en-US" altLang="zh-CN"/>
+          </a:p>
+          <a:p>
+            <a:pPr lvl="1"/>
+            <a:r>
+              <a:rPr lang="en-US" altLang="zh-CN"/>
+              <a:t>var qrc = new QRCode(document.getElementById("qrcode"), "content");</a:t>
+            </a:r>
+            <a:endParaRPr lang="en-US" altLang="zh-CN"/>
+          </a:p>
+        </p:txBody>
+      </p:sp>
+    </p:spTree>
+    <p:custDataLst>
+      <p:tags r:id="rId1"/>
+    </p:custDataLst>
+  </p:cSld>
+  <p:clrMapOvr>
+    <a:masterClrMapping/>
+  </p:clrMapOvr>
+</p:sld>
+</file>
+
+<file path=ppt/slides/slide58.xml><?xml version="1.0" encoding="utf-8"?>
+<p:sld xmlns:a="http://schemas.openxmlformats.org/drawingml/2006/main" xmlns:r="http://schemas.openxmlformats.org/officeDocument/2006/relationships" xmlns:p="http://schemas.openxmlformats.org/presentationml/2006/main">
+  <p:cSld>
+    <p:spTree>
+      <p:nvGrpSpPr>
+        <p:cNvPr id="1" name=""/>
+        <p:cNvGrpSpPr/>
+        <p:nvPr/>
+      </p:nvGrpSpPr>
+      <p:grpSpPr/>
+      <p:sp>
+        <p:nvSpPr>
+          <p:cNvPr id="2" name="标题 1"/>
+          <p:cNvSpPr>
+            <a:spLocks noGrp="1"/>
+          </p:cNvSpPr>
+          <p:nvPr>
+            <p:ph type="title"/>
+          </p:nvPr>
+        </p:nvSpPr>
+        <p:spPr/>
+        <p:txBody>
+          <a:bodyPr/>
+          <a:p>
+            <a:r>
+              <a:rPr lang="en-US" altLang="zh-CN"/>
+              <a:t>Input validation</a:t>
+            </a:r>
+            <a:endParaRPr lang="en-US" altLang="zh-CN"/>
+          </a:p>
+        </p:txBody>
+      </p:sp>
+      <p:sp>
+        <p:nvSpPr>
+          <p:cNvPr id="3" name="内容占位符 2"/>
+          <p:cNvSpPr>
+            <a:spLocks noGrp="1"/>
+          </p:cNvSpPr>
+          <p:nvPr>
+            <p:ph idx="1"/>
+          </p:nvPr>
+        </p:nvSpPr>
+        <p:spPr/>
+        <p:txBody>
+          <a:bodyPr/>
+          <a:p>
+            <a:r>
+              <a:rPr lang="en-US" altLang="zh-CN"/>
+              <a:t>Reference</a:t>
+            </a:r>
+            <a:endParaRPr lang="en-US" altLang="zh-CN"/>
+          </a:p>
+          <a:p>
+            <a:pPr lvl="1"/>
+            <a:r>
+              <a:rPr lang="en-US" altLang="zh-CN"/>
+              <a:t>https://developpaper.com/javascript-text-box-verification-code-based-on-regular-expression/</a:t>
+            </a:r>
+            <a:endParaRPr lang="en-US" altLang="zh-CN"/>
+          </a:p>
+        </p:txBody>
+      </p:sp>
+    </p:spTree>
+    <p:custDataLst>
+      <p:tags r:id="rId1"/>
+    </p:custDataLst>
+  </p:cSld>
+  <p:clrMapOvr>
+    <a:masterClrMapping/>
+  </p:clrMapOvr>
+</p:sld>
+</file>
+
+<file path=ppt/slides/slide59.xml><?xml version="1.0" encoding="utf-8"?>
+<p:sld xmlns:a="http://schemas.openxmlformats.org/drawingml/2006/main" xmlns:r="http://schemas.openxmlformats.org/officeDocument/2006/relationships" xmlns:p="http://schemas.openxmlformats.org/presentationml/2006/main">
+  <p:cSld>
+    <p:spTree>
+      <p:nvGrpSpPr>
+        <p:cNvPr id="1" name=""/>
+        <p:cNvGrpSpPr/>
+        <p:nvPr/>
+      </p:nvGrpSpPr>
+      <p:grpSpPr/>
+      <p:sp>
+        <p:nvSpPr>
+          <p:cNvPr id="4" name="标题 3"/>
+          <p:cNvSpPr>
+            <a:spLocks noGrp="1"/>
+          </p:cNvSpPr>
+          <p:nvPr>
+            <p:ph type="title"/>
+          </p:nvPr>
+        </p:nvSpPr>
+        <p:spPr/>
+        <p:txBody>
+          <a:bodyPr>
+            <a:normAutofit fontScale="90000"/>
+          </a:bodyPr>
+          <a:p>
+            <a:r>
+              <a:rPr lang="en-US" altLang="zh-CN"/>
+              <a:t>Interaction with Other Language</a:t>
+            </a:r>
+            <a:endParaRPr lang="en-US" altLang="zh-CN"/>
+          </a:p>
+        </p:txBody>
+      </p:sp>
+      <p:sp>
+        <p:nvSpPr>
+          <p:cNvPr id="5" name="文本占位符 4"/>
+          <p:cNvSpPr>
+            <a:spLocks noGrp="1"/>
+          </p:cNvSpPr>
+          <p:nvPr>
+            <p:ph type="body" idx="1"/>
           </p:nvPr>
         </p:nvSpPr>
         <p:spPr/>
@@ -14340,6 +15731,67 @@
               <a:t>https://github.com/airbnb/javascript</a:t>
             </a:r>
             <a:endParaRPr lang="en-US" altLang="zh-CN"/>
+          </a:p>
+        </p:txBody>
+      </p:sp>
+    </p:spTree>
+    <p:custDataLst>
+      <p:tags r:id="rId1"/>
+    </p:custDataLst>
+  </p:cSld>
+  <p:clrMapOvr>
+    <a:masterClrMapping/>
+  </p:clrMapOvr>
+</p:sld>
+</file>
+
+<file path=ppt/slides/slide60.xml><?xml version="1.0" encoding="utf-8"?>
+<p:sld xmlns:a="http://schemas.openxmlformats.org/drawingml/2006/main" xmlns:r="http://schemas.openxmlformats.org/officeDocument/2006/relationships" xmlns:p="http://schemas.openxmlformats.org/presentationml/2006/main">
+  <p:cSld>
+    <p:spTree>
+      <p:nvGrpSpPr>
+        <p:cNvPr id="1" name=""/>
+        <p:cNvGrpSpPr/>
+        <p:nvPr/>
+      </p:nvGrpSpPr>
+      <p:grpSpPr/>
+      <p:sp>
+        <p:nvSpPr>
+          <p:cNvPr id="4" name="标题 3"/>
+          <p:cNvSpPr>
+            <a:spLocks noGrp="1"/>
+          </p:cNvSpPr>
+          <p:nvPr>
+            <p:ph type="title"/>
+          </p:nvPr>
+        </p:nvSpPr>
+        <p:spPr/>
+        <p:txBody>
+          <a:bodyPr/>
+          <a:p>
+            <a:r>
+              <a:rPr lang="en-US" altLang="zh-CN"/>
+              <a:t>Call Python Function</a:t>
+            </a:r>
+            <a:endParaRPr lang="en-US" altLang="zh-CN"/>
+          </a:p>
+        </p:txBody>
+      </p:sp>
+      <p:sp>
+        <p:nvSpPr>
+          <p:cNvPr id="5" name="内容占位符 4"/>
+          <p:cNvSpPr>
+            <a:spLocks noGrp="1"/>
+          </p:cNvSpPr>
+          <p:nvPr>
+            <p:ph idx="1"/>
+          </p:nvPr>
+        </p:nvSpPr>
+        <p:spPr/>
+        <p:txBody>
+          <a:bodyPr/>
+          <a:p>
+            <a:endParaRPr lang="zh-CN" altLang="en-US"/>
           </a:p>
         </p:txBody>
       </p:sp>
@@ -15902,8 +17354,33 @@
 
 <file path=ppt/tags/tag66.xml><?xml version="1.0" encoding="utf-8"?>
 <p:tagLst xmlns:p="http://schemas.openxmlformats.org/presentationml/2006/main">
+  <p:tag name="KSO_WM_BEAUTIFY_FLAG" val="#wm#"/>
+  <p:tag name="KSO_WM_TEMPLATE_CATEGORY" val="custom"/>
+  <p:tag name="KSO_WM_TEMPLATE_INDEX" val="160402"/>
+</p:tagLst>
+</file>
+
+<file path=ppt/tags/tag67.xml><?xml version="1.0" encoding="utf-8"?>
+<p:tagLst xmlns:p="http://schemas.openxmlformats.org/presentationml/2006/main">
+  <p:tag name="KSO_WM_BEAUTIFY_FLAG" val="#wm#"/>
+  <p:tag name="KSO_WM_TEMPLATE_CATEGORY" val="custom"/>
+  <p:tag name="KSO_WM_TEMPLATE_INDEX" val="160402"/>
+</p:tagLst>
+</file>
+
+<file path=ppt/tags/tag68.xml><?xml version="1.0" encoding="utf-8"?>
+<p:tagLst xmlns:p="http://schemas.openxmlformats.org/presentationml/2006/main">
+  <p:tag name="KSO_WM_BEAUTIFY_FLAG" val="#wm#"/>
+  <p:tag name="KSO_WM_TEMPLATE_CATEGORY" val="custom"/>
+  <p:tag name="KSO_WM_TEMPLATE_INDEX" val="160402"/>
+</p:tagLst>
+</file>
+
+<file path=ppt/tags/tag69.xml><?xml version="1.0" encoding="utf-8"?>
+<p:tagLst xmlns:p="http://schemas.openxmlformats.org/presentationml/2006/main">
   <p:tag name="COMMONDATA" val="eyJoZGlkIjoiYjRhZjQ5NWVmZmQxNmM3NmNkNDYxNWRmNzNmMjA1ZDAifQ=="/>
   <p:tag name="KSO_WPP_MARK_KEY" val="a35375c5-519a-4add-9bbc-1782d173b1f9"/>
+  <p:tag name="commondata" val="eyJoZGlkIjoiYjk5ODM0YmMxOWJiYWQyNDU4MGIzYWRmYTA0ZmI5NDcifQ=="/>
 </p:tagLst>
 </file>
 
